--- a/Apresentação/Apresentação_baixo_nivel.pptx
+++ b/Apresentação/Apresentação_baixo_nivel.pptx
@@ -29,7 +29,7 @@
     <p:sldId id="277" r:id="rId23"/>
     <p:sldId id="278" r:id="rId24"/>
   </p:sldIdLst>
-  <p:sldSz cx="12192000" cy="6858000"/>
+  <p:sldSz cx="9144000" cy="6858000" type="screen4x3"/>
   <p:notesSz cx="6858000" cy="9144000"/>
   <p:defaultTextStyle>
     <a:defPPr>
@@ -158,8 +158,8 @@
         </p:nvSpPr>
         <p:spPr>
           <a:xfrm>
-            <a:off x="1524000" y="1122363"/>
-            <a:ext cx="9144000" cy="2387600"/>
+            <a:off x="1143000" y="1122363"/>
+            <a:ext cx="6858000" cy="2387600"/>
           </a:xfrm>
         </p:spPr>
         <p:txBody>
@@ -174,7 +174,6 @@
               <a:rPr lang="pt-BR"/>
               <a:t>Clique para editar o título mestre</a:t>
             </a:r>
-            <a:endParaRPr lang="pt-BR"/>
           </a:p>
         </p:txBody>
       </p:sp>
@@ -190,8 +189,8 @@
         </p:nvSpPr>
         <p:spPr>
           <a:xfrm>
-            <a:off x="1524000" y="3602038"/>
-            <a:ext cx="9144000" cy="1655762"/>
+            <a:off x="1143000" y="3602038"/>
+            <a:ext cx="6858000" cy="1655762"/>
           </a:xfrm>
         </p:spPr>
         <p:txBody>
@@ -239,7 +238,6 @@
               <a:rPr lang="pt-BR"/>
               <a:t>Clique para editar o estilo do subtítulo Mestre</a:t>
             </a:r>
-            <a:endParaRPr lang="pt-BR"/>
           </a:p>
         </p:txBody>
       </p:sp>
@@ -260,7 +258,7 @@
           <a:p>
             <a:fld id="{C118C6F3-FF92-4E8B-A6B0-DC07340EFED4}" type="datetimeFigureOut">
               <a:rPr lang="pt-BR" smtClean="0"/>
-              <a:t>22/01/2017</a:t>
+              <a:t>23/01/2017</a:t>
             </a:fld>
             <a:endParaRPr lang="pt-BR"/>
           </a:p>
@@ -357,7 +355,6 @@
               <a:rPr lang="pt-BR"/>
               <a:t>Clique para editar o título mestre</a:t>
             </a:r>
-            <a:endParaRPr lang="pt-BR"/>
           </a:p>
         </p:txBody>
       </p:sp>
@@ -409,7 +406,6 @@
               <a:rPr lang="pt-BR"/>
               <a:t>Quinto nível</a:t>
             </a:r>
-            <a:endParaRPr lang="pt-BR"/>
           </a:p>
         </p:txBody>
       </p:sp>
@@ -430,7 +426,7 @@
           <a:p>
             <a:fld id="{C118C6F3-FF92-4E8B-A6B0-DC07340EFED4}" type="datetimeFigureOut">
               <a:rPr lang="pt-BR" smtClean="0"/>
-              <a:t>22/01/2017</a:t>
+              <a:t>23/01/2017</a:t>
             </a:fld>
             <a:endParaRPr lang="pt-BR"/>
           </a:p>
@@ -520,8 +516,8 @@
         </p:nvSpPr>
         <p:spPr>
           <a:xfrm>
-            <a:off x="8724900" y="365125"/>
-            <a:ext cx="2628900" cy="5811838"/>
+            <a:off x="6543675" y="365125"/>
+            <a:ext cx="1971675" cy="5811838"/>
           </a:xfrm>
         </p:spPr>
         <p:txBody>
@@ -532,7 +528,6 @@
               <a:rPr lang="pt-BR"/>
               <a:t>Clique para editar o título mestre</a:t>
             </a:r>
-            <a:endParaRPr lang="pt-BR"/>
           </a:p>
         </p:txBody>
       </p:sp>
@@ -548,8 +543,8 @@
         </p:nvSpPr>
         <p:spPr>
           <a:xfrm>
-            <a:off x="838200" y="365125"/>
-            <a:ext cx="7734300" cy="5811838"/>
+            <a:off x="628650" y="365125"/>
+            <a:ext cx="5800725" cy="5811838"/>
           </a:xfrm>
         </p:spPr>
         <p:txBody>
@@ -589,7 +584,6 @@
               <a:rPr lang="pt-BR"/>
               <a:t>Quinto nível</a:t>
             </a:r>
-            <a:endParaRPr lang="pt-BR"/>
           </a:p>
         </p:txBody>
       </p:sp>
@@ -610,7 +604,7 @@
           <a:p>
             <a:fld id="{C118C6F3-FF92-4E8B-A6B0-DC07340EFED4}" type="datetimeFigureOut">
               <a:rPr lang="pt-BR" smtClean="0"/>
-              <a:t>22/01/2017</a:t>
+              <a:t>23/01/2017</a:t>
             </a:fld>
             <a:endParaRPr lang="pt-BR"/>
           </a:p>
@@ -707,7 +701,6 @@
               <a:rPr lang="pt-BR"/>
               <a:t>Clique para editar o título mestre</a:t>
             </a:r>
-            <a:endParaRPr lang="pt-BR"/>
           </a:p>
         </p:txBody>
       </p:sp>
@@ -759,7 +752,6 @@
               <a:rPr lang="pt-BR"/>
               <a:t>Quinto nível</a:t>
             </a:r>
-            <a:endParaRPr lang="pt-BR"/>
           </a:p>
         </p:txBody>
       </p:sp>
@@ -780,7 +772,7 @@
           <a:p>
             <a:fld id="{C118C6F3-FF92-4E8B-A6B0-DC07340EFED4}" type="datetimeFigureOut">
               <a:rPr lang="pt-BR" smtClean="0"/>
-              <a:t>22/01/2017</a:t>
+              <a:t>23/01/2017</a:t>
             </a:fld>
             <a:endParaRPr lang="pt-BR"/>
           </a:p>
@@ -870,8 +862,8 @@
         </p:nvSpPr>
         <p:spPr>
           <a:xfrm>
-            <a:off x="831850" y="1709738"/>
-            <a:ext cx="10515600" cy="2852737"/>
+            <a:off x="623888" y="1709739"/>
+            <a:ext cx="7886700" cy="2852737"/>
           </a:xfrm>
         </p:spPr>
         <p:txBody>
@@ -886,7 +878,6 @@
               <a:rPr lang="pt-BR"/>
               <a:t>Clique para editar o título mestre</a:t>
             </a:r>
-            <a:endParaRPr lang="pt-BR"/>
           </a:p>
         </p:txBody>
       </p:sp>
@@ -902,8 +893,8 @@
         </p:nvSpPr>
         <p:spPr>
           <a:xfrm>
-            <a:off x="831850" y="4589463"/>
-            <a:ext cx="10515600" cy="1500187"/>
+            <a:off x="623888" y="4589464"/>
+            <a:ext cx="7886700" cy="1500187"/>
           </a:xfrm>
         </p:spPr>
         <p:txBody>
@@ -1026,7 +1017,7 @@
           <a:p>
             <a:fld id="{C118C6F3-FF92-4E8B-A6B0-DC07340EFED4}" type="datetimeFigureOut">
               <a:rPr lang="pt-BR" smtClean="0"/>
-              <a:t>22/01/2017</a:t>
+              <a:t>23/01/2017</a:t>
             </a:fld>
             <a:endParaRPr lang="pt-BR"/>
           </a:p>
@@ -1123,7 +1114,6 @@
               <a:rPr lang="pt-BR"/>
               <a:t>Clique para editar o título mestre</a:t>
             </a:r>
-            <a:endParaRPr lang="pt-BR"/>
           </a:p>
         </p:txBody>
       </p:sp>
@@ -1139,8 +1129,8 @@
         </p:nvSpPr>
         <p:spPr>
           <a:xfrm>
-            <a:off x="838200" y="1825625"/>
-            <a:ext cx="5181600" cy="4351338"/>
+            <a:off x="628650" y="1825625"/>
+            <a:ext cx="3886200" cy="4351338"/>
           </a:xfrm>
         </p:spPr>
         <p:txBody>
@@ -1180,7 +1170,6 @@
               <a:rPr lang="pt-BR"/>
               <a:t>Quinto nível</a:t>
             </a:r>
-            <a:endParaRPr lang="pt-BR"/>
           </a:p>
         </p:txBody>
       </p:sp>
@@ -1196,8 +1185,8 @@
         </p:nvSpPr>
         <p:spPr>
           <a:xfrm>
-            <a:off x="6172200" y="1825625"/>
-            <a:ext cx="5181600" cy="4351338"/>
+            <a:off x="4629150" y="1825625"/>
+            <a:ext cx="3886200" cy="4351338"/>
           </a:xfrm>
         </p:spPr>
         <p:txBody>
@@ -1237,7 +1226,6 @@
               <a:rPr lang="pt-BR"/>
               <a:t>Quinto nível</a:t>
             </a:r>
-            <a:endParaRPr lang="pt-BR"/>
           </a:p>
         </p:txBody>
       </p:sp>
@@ -1258,7 +1246,7 @@
           <a:p>
             <a:fld id="{C118C6F3-FF92-4E8B-A6B0-DC07340EFED4}" type="datetimeFigureOut">
               <a:rPr lang="pt-BR" smtClean="0"/>
-              <a:t>22/01/2017</a:t>
+              <a:t>23/01/2017</a:t>
             </a:fld>
             <a:endParaRPr lang="pt-BR"/>
           </a:p>
@@ -1348,8 +1336,8 @@
         </p:nvSpPr>
         <p:spPr>
           <a:xfrm>
-            <a:off x="839788" y="365125"/>
-            <a:ext cx="10515600" cy="1325563"/>
+            <a:off x="629841" y="365126"/>
+            <a:ext cx="7886700" cy="1325563"/>
           </a:xfrm>
         </p:spPr>
         <p:txBody>
@@ -1360,7 +1348,6 @@
               <a:rPr lang="pt-BR"/>
               <a:t>Clique para editar o título mestre</a:t>
             </a:r>
-            <a:endParaRPr lang="pt-BR"/>
           </a:p>
         </p:txBody>
       </p:sp>
@@ -1376,8 +1363,8 @@
         </p:nvSpPr>
         <p:spPr>
           <a:xfrm>
-            <a:off x="839788" y="1681163"/>
-            <a:ext cx="5157787" cy="823912"/>
+            <a:off x="629842" y="1681163"/>
+            <a:ext cx="3868340" cy="823912"/>
           </a:xfrm>
         </p:spPr>
         <p:txBody>
@@ -1441,8 +1428,8 @@
         </p:nvSpPr>
         <p:spPr>
           <a:xfrm>
-            <a:off x="839788" y="2505075"/>
-            <a:ext cx="5157787" cy="3684588"/>
+            <a:off x="629842" y="2505075"/>
+            <a:ext cx="3868340" cy="3684588"/>
           </a:xfrm>
         </p:spPr>
         <p:txBody>
@@ -1482,7 +1469,6 @@
               <a:rPr lang="pt-BR"/>
               <a:t>Quinto nível</a:t>
             </a:r>
-            <a:endParaRPr lang="pt-BR"/>
           </a:p>
         </p:txBody>
       </p:sp>
@@ -1498,8 +1484,8 @@
         </p:nvSpPr>
         <p:spPr>
           <a:xfrm>
-            <a:off x="6172200" y="1681163"/>
-            <a:ext cx="5183188" cy="823912"/>
+            <a:off x="4629150" y="1681163"/>
+            <a:ext cx="3887391" cy="823912"/>
           </a:xfrm>
         </p:spPr>
         <p:txBody>
@@ -1563,8 +1549,8 @@
         </p:nvSpPr>
         <p:spPr>
           <a:xfrm>
-            <a:off x="6172200" y="2505075"/>
-            <a:ext cx="5183188" cy="3684588"/>
+            <a:off x="4629150" y="2505075"/>
+            <a:ext cx="3887391" cy="3684588"/>
           </a:xfrm>
         </p:spPr>
         <p:txBody>
@@ -1604,7 +1590,6 @@
               <a:rPr lang="pt-BR"/>
               <a:t>Quinto nível</a:t>
             </a:r>
-            <a:endParaRPr lang="pt-BR"/>
           </a:p>
         </p:txBody>
       </p:sp>
@@ -1625,7 +1610,7 @@
           <a:p>
             <a:fld id="{C118C6F3-FF92-4E8B-A6B0-DC07340EFED4}" type="datetimeFigureOut">
               <a:rPr lang="pt-BR" smtClean="0"/>
-              <a:t>22/01/2017</a:t>
+              <a:t>23/01/2017</a:t>
             </a:fld>
             <a:endParaRPr lang="pt-BR"/>
           </a:p>
@@ -1722,7 +1707,6 @@
               <a:rPr lang="pt-BR"/>
               <a:t>Clique para editar o título mestre</a:t>
             </a:r>
-            <a:endParaRPr lang="pt-BR"/>
           </a:p>
         </p:txBody>
       </p:sp>
@@ -1743,7 +1727,7 @@
           <a:p>
             <a:fld id="{C118C6F3-FF92-4E8B-A6B0-DC07340EFED4}" type="datetimeFigureOut">
               <a:rPr lang="pt-BR" smtClean="0"/>
-              <a:t>22/01/2017</a:t>
+              <a:t>23/01/2017</a:t>
             </a:fld>
             <a:endParaRPr lang="pt-BR"/>
           </a:p>
@@ -1838,7 +1822,7 @@
           <a:p>
             <a:fld id="{C118C6F3-FF92-4E8B-A6B0-DC07340EFED4}" type="datetimeFigureOut">
               <a:rPr lang="pt-BR" smtClean="0"/>
-              <a:t>22/01/2017</a:t>
+              <a:t>23/01/2017</a:t>
             </a:fld>
             <a:endParaRPr lang="pt-BR"/>
           </a:p>
@@ -1928,8 +1912,8 @@
         </p:nvSpPr>
         <p:spPr>
           <a:xfrm>
-            <a:off x="839788" y="457200"/>
-            <a:ext cx="3932237" cy="1600200"/>
+            <a:off x="629841" y="457200"/>
+            <a:ext cx="2949178" cy="1600200"/>
           </a:xfrm>
         </p:spPr>
         <p:txBody>
@@ -1944,7 +1928,6 @@
               <a:rPr lang="pt-BR"/>
               <a:t>Clique para editar o título mestre</a:t>
             </a:r>
-            <a:endParaRPr lang="pt-BR"/>
           </a:p>
         </p:txBody>
       </p:sp>
@@ -1960,8 +1943,8 @@
         </p:nvSpPr>
         <p:spPr>
           <a:xfrm>
-            <a:off x="5183188" y="987425"/>
-            <a:ext cx="6172200" cy="4873625"/>
+            <a:off x="3887391" y="987426"/>
+            <a:ext cx="4629150" cy="4873625"/>
           </a:xfrm>
         </p:spPr>
         <p:txBody>
@@ -2029,7 +2012,6 @@
               <a:rPr lang="pt-BR"/>
               <a:t>Quinto nível</a:t>
             </a:r>
-            <a:endParaRPr lang="pt-BR"/>
           </a:p>
         </p:txBody>
       </p:sp>
@@ -2045,8 +2027,8 @@
         </p:nvSpPr>
         <p:spPr>
           <a:xfrm>
-            <a:off x="839788" y="2057400"/>
-            <a:ext cx="3932237" cy="3811588"/>
+            <a:off x="629841" y="2057400"/>
+            <a:ext cx="2949178" cy="3811588"/>
           </a:xfrm>
         </p:spPr>
         <p:txBody>
@@ -2115,7 +2097,7 @@
           <a:p>
             <a:fld id="{C118C6F3-FF92-4E8B-A6B0-DC07340EFED4}" type="datetimeFigureOut">
               <a:rPr lang="pt-BR" smtClean="0"/>
-              <a:t>22/01/2017</a:t>
+              <a:t>23/01/2017</a:t>
             </a:fld>
             <a:endParaRPr lang="pt-BR"/>
           </a:p>
@@ -2205,8 +2187,8 @@
         </p:nvSpPr>
         <p:spPr>
           <a:xfrm>
-            <a:off x="839788" y="457200"/>
-            <a:ext cx="3932237" cy="1600200"/>
+            <a:off x="629841" y="457200"/>
+            <a:ext cx="2949178" cy="1600200"/>
           </a:xfrm>
         </p:spPr>
         <p:txBody>
@@ -2221,7 +2203,6 @@
               <a:rPr lang="pt-BR"/>
               <a:t>Clique para editar o título mestre</a:t>
             </a:r>
-            <a:endParaRPr lang="pt-BR"/>
           </a:p>
         </p:txBody>
       </p:sp>
@@ -2237,8 +2218,8 @@
         </p:nvSpPr>
         <p:spPr>
           <a:xfrm>
-            <a:off x="5183188" y="987425"/>
-            <a:ext cx="6172200" cy="4873625"/>
+            <a:off x="3887391" y="987426"/>
+            <a:ext cx="4629150" cy="4873625"/>
           </a:xfrm>
         </p:spPr>
         <p:txBody>
@@ -2298,8 +2279,8 @@
         </p:nvSpPr>
         <p:spPr>
           <a:xfrm>
-            <a:off x="839788" y="2057400"/>
-            <a:ext cx="3932237" cy="3811588"/>
+            <a:off x="629841" y="2057400"/>
+            <a:ext cx="2949178" cy="3811588"/>
           </a:xfrm>
         </p:spPr>
         <p:txBody>
@@ -2368,7 +2349,7 @@
           <a:p>
             <a:fld id="{C118C6F3-FF92-4E8B-A6B0-DC07340EFED4}" type="datetimeFigureOut">
               <a:rPr lang="pt-BR" smtClean="0"/>
-              <a:t>22/01/2017</a:t>
+              <a:t>23/01/2017</a:t>
             </a:fld>
             <a:endParaRPr lang="pt-BR"/>
           </a:p>
@@ -2463,8 +2444,8 @@
         </p:nvSpPr>
         <p:spPr>
           <a:xfrm>
-            <a:off x="838200" y="365125"/>
-            <a:ext cx="10515600" cy="1325563"/>
+            <a:off x="628650" y="365126"/>
+            <a:ext cx="7886700" cy="1325563"/>
           </a:xfrm>
           <a:prstGeom prst="rect">
             <a:avLst/>
@@ -2480,7 +2461,6 @@
               <a:rPr lang="pt-BR"/>
               <a:t>Clique para editar o título mestre</a:t>
             </a:r>
-            <a:endParaRPr lang="pt-BR"/>
           </a:p>
         </p:txBody>
       </p:sp>
@@ -2496,8 +2476,8 @@
         </p:nvSpPr>
         <p:spPr>
           <a:xfrm>
-            <a:off x="838200" y="1825625"/>
-            <a:ext cx="10515600" cy="4351338"/>
+            <a:off x="628650" y="1825625"/>
+            <a:ext cx="7886700" cy="4351338"/>
           </a:xfrm>
           <a:prstGeom prst="rect">
             <a:avLst/>
@@ -2542,7 +2522,6 @@
               <a:rPr lang="pt-BR"/>
               <a:t>Quinto nível</a:t>
             </a:r>
-            <a:endParaRPr lang="pt-BR"/>
           </a:p>
         </p:txBody>
       </p:sp>
@@ -2558,8 +2537,8 @@
         </p:nvSpPr>
         <p:spPr>
           <a:xfrm>
-            <a:off x="838200" y="6356350"/>
-            <a:ext cx="2743200" cy="365125"/>
+            <a:off x="628650" y="6356351"/>
+            <a:ext cx="2057400" cy="365125"/>
           </a:xfrm>
           <a:prstGeom prst="rect">
             <a:avLst/>
@@ -2581,7 +2560,7 @@
           <a:p>
             <a:fld id="{C118C6F3-FF92-4E8B-A6B0-DC07340EFED4}" type="datetimeFigureOut">
               <a:rPr lang="pt-BR" smtClean="0"/>
-              <a:t>22/01/2017</a:t>
+              <a:t>23/01/2017</a:t>
             </a:fld>
             <a:endParaRPr lang="pt-BR"/>
           </a:p>
@@ -2599,8 +2578,8 @@
         </p:nvSpPr>
         <p:spPr>
           <a:xfrm>
-            <a:off x="4038600" y="6356350"/>
-            <a:ext cx="4114800" cy="365125"/>
+            <a:off x="3028950" y="6356351"/>
+            <a:ext cx="3086100" cy="365125"/>
           </a:xfrm>
           <a:prstGeom prst="rect">
             <a:avLst/>
@@ -2636,8 +2615,8 @@
         </p:nvSpPr>
         <p:spPr>
           <a:xfrm>
-            <a:off x="8610600" y="6356350"/>
-            <a:ext cx="2743200" cy="365125"/>
+            <a:off x="6457950" y="6356351"/>
+            <a:ext cx="2057400" cy="365125"/>
           </a:xfrm>
           <a:prstGeom prst="rect">
             <a:avLst/>
@@ -3091,8 +3070,8 @@
         </p:nvSpPr>
         <p:spPr>
           <a:xfrm>
-            <a:off x="838200" y="365125"/>
-            <a:ext cx="10515600" cy="1325563"/>
+            <a:off x="628650" y="365126"/>
+            <a:ext cx="7886700" cy="1325563"/>
           </a:xfrm>
         </p:spPr>
         <p:txBody>
@@ -3174,8 +3153,8 @@
         </p:blipFill>
         <p:spPr>
           <a:xfrm rot="5400000">
-            <a:off x="3595701" y="-682609"/>
-            <a:ext cx="5000596" cy="9388267"/>
+            <a:off x="2071701" y="490925"/>
+            <a:ext cx="5000596" cy="7041200"/>
           </a:xfrm>
           <a:prstGeom prst="rect">
             <a:avLst/>
@@ -3272,8 +3251,8 @@
         </p:blipFill>
         <p:spPr>
           <a:xfrm>
-            <a:off x="838200" y="2694940"/>
-            <a:ext cx="5587476" cy="3616960"/>
+            <a:off x="628650" y="2694940"/>
+            <a:ext cx="4190607" cy="3616960"/>
           </a:xfrm>
           <a:prstGeom prst="rect">
             <a:avLst/>
@@ -3370,8 +3349,8 @@
         </p:blipFill>
         <p:spPr>
           <a:xfrm>
-            <a:off x="3366922" y="3249490"/>
-            <a:ext cx="5671679" cy="2512361"/>
+            <a:off x="2525192" y="3249491"/>
+            <a:ext cx="4253759" cy="2512361"/>
           </a:xfrm>
           <a:prstGeom prst="rect">
             <a:avLst/>
@@ -3468,8 +3447,8 @@
         </p:blipFill>
         <p:spPr>
           <a:xfrm>
-            <a:off x="1071820" y="2865119"/>
-            <a:ext cx="5461060" cy="2752633"/>
+            <a:off x="803865" y="2865120"/>
+            <a:ext cx="4095795" cy="2752633"/>
           </a:xfrm>
           <a:prstGeom prst="rect">
             <a:avLst/>
@@ -3492,8 +3471,8 @@
         </p:blipFill>
         <p:spPr>
           <a:xfrm>
-            <a:off x="6621720" y="3627120"/>
-            <a:ext cx="5157087" cy="1807752"/>
+            <a:off x="4966290" y="3627120"/>
+            <a:ext cx="3867815" cy="1807752"/>
           </a:xfrm>
           <a:prstGeom prst="rect">
             <a:avLst/>
@@ -3516,8 +3495,8 @@
         </p:blipFill>
         <p:spPr>
           <a:xfrm>
-            <a:off x="6621720" y="1172052"/>
-            <a:ext cx="5128276" cy="2387600"/>
+            <a:off x="4966290" y="1172052"/>
+            <a:ext cx="3846207" cy="2387600"/>
           </a:xfrm>
           <a:prstGeom prst="rect">
             <a:avLst/>
@@ -3614,8 +3593,8 @@
         </p:blipFill>
         <p:spPr>
           <a:xfrm>
-            <a:off x="814525" y="2606383"/>
-            <a:ext cx="5281475" cy="3570580"/>
+            <a:off x="610894" y="2606383"/>
+            <a:ext cx="3961106" cy="3570580"/>
           </a:xfrm>
           <a:prstGeom prst="rect">
             <a:avLst/>
@@ -3638,8 +3617,8 @@
         </p:blipFill>
         <p:spPr>
           <a:xfrm>
-            <a:off x="6442314" y="3917926"/>
-            <a:ext cx="4484272" cy="2259037"/>
+            <a:off x="4831736" y="3917927"/>
+            <a:ext cx="3363204" cy="2259037"/>
           </a:xfrm>
           <a:prstGeom prst="rect">
             <a:avLst/>
@@ -3662,8 +3641,8 @@
         </p:blipFill>
         <p:spPr>
           <a:xfrm>
-            <a:off x="6442314" y="1897380"/>
-            <a:ext cx="3554251" cy="1803400"/>
+            <a:off x="4831736" y="1897380"/>
+            <a:ext cx="2665688" cy="1803400"/>
           </a:xfrm>
           <a:prstGeom prst="rect">
             <a:avLst/>
@@ -3718,8 +3697,8 @@
         </p:blipFill>
         <p:spPr>
           <a:xfrm>
-            <a:off x="2617912" y="2305844"/>
-            <a:ext cx="6956176" cy="3390900"/>
+            <a:off x="1963434" y="2305844"/>
+            <a:ext cx="5217132" cy="3390900"/>
           </a:xfrm>
           <a:prstGeom prst="rect">
             <a:avLst/>
@@ -3738,8 +3717,8 @@
         </p:nvSpPr>
         <p:spPr>
           <a:xfrm>
-            <a:off x="838200" y="365125"/>
-            <a:ext cx="10515600" cy="1325563"/>
+            <a:off x="628650" y="365126"/>
+            <a:ext cx="7886700" cy="1325563"/>
           </a:xfrm>
         </p:spPr>
         <p:txBody>
@@ -4519,8 +4498,8 @@
         </p:nvSpPr>
         <p:spPr>
           <a:xfrm>
-            <a:off x="838200" y="365125"/>
-            <a:ext cx="10515600" cy="1325563"/>
+            <a:off x="628650" y="365126"/>
+            <a:ext cx="7886700" cy="1325563"/>
           </a:xfrm>
         </p:spPr>
         <p:txBody>
@@ -4810,8 +4789,8 @@
         </p:nvSpPr>
         <p:spPr>
           <a:xfrm>
-            <a:off x="838200" y="365125"/>
-            <a:ext cx="10515600" cy="1325563"/>
+            <a:off x="628650" y="365126"/>
+            <a:ext cx="7886700" cy="1325563"/>
           </a:xfrm>
         </p:spPr>
         <p:txBody>
@@ -4895,8 +4874,8 @@
         </p:blipFill>
         <p:spPr>
           <a:xfrm>
-            <a:off x="1833880" y="2300042"/>
-            <a:ext cx="4404360" cy="2990144"/>
+            <a:off x="1375410" y="2300042"/>
+            <a:ext cx="3303270" cy="2990144"/>
           </a:xfrm>
           <a:prstGeom prst="rect">
             <a:avLst/>
@@ -4919,8 +4898,8 @@
         </p:blipFill>
         <p:spPr>
           <a:xfrm>
-            <a:off x="6776720" y="2376060"/>
-            <a:ext cx="4312827" cy="2914126"/>
+            <a:off x="5082540" y="2376060"/>
+            <a:ext cx="3234620" cy="2914126"/>
           </a:xfrm>
           <a:prstGeom prst="rect">
             <a:avLst/>
@@ -5077,7 +5056,7 @@
     </a:clrScheme>
     <a:fontScheme name="Office">
       <a:majorFont>
-        <a:latin typeface="Calibri Light" panose="020F0302020204030204"/>
+        <a:latin typeface="Calibri Light"/>
         <a:ea typeface=""/>
         <a:cs typeface=""/>
         <a:font script="Jpan" typeface="游ゴシック Light"/>
@@ -5129,7 +5108,7 @@
         <a:font script="Tfng" typeface="Ebrima"/>
       </a:majorFont>
       <a:minorFont>
-        <a:latin typeface="Calibri" panose="020F0502020204030204"/>
+        <a:latin typeface="Calibri"/>
         <a:ea typeface=""/>
         <a:cs typeface=""/>
         <a:font script="Jpan" typeface="游ゴシック"/>
@@ -5323,7 +5302,7 @@
   <a:extraClrSchemeLst/>
   <a:extLst>
     <a:ext uri="{05A4C25C-085E-4340-85A3-A5531E510DB2}">
-      <thm15:themeFamily xmlns:thm15="http://schemas.microsoft.com/office/thememl/2012/main" name="Office Theme" id="{62F939B6-93AF-4DB8-9C6B-D6C7DFDC589F}" vid="{4A3C46E8-61CC-4603-A589-7422A47A8E4A}"/>
+      <thm15:themeFamily xmlns:thm15="http://schemas.microsoft.com/office/thememl/2012/main" xmlns="" name="Office Theme" id="{62F939B6-93AF-4DB8-9C6B-D6C7DFDC589F}" vid="{4A3C46E8-61CC-4603-A589-7422A47A8E4A}"/>
     </a:ext>
   </a:extLst>
 </a:theme>

--- a/Apresentação/Apresentação_baixo_nivel.pptx
+++ b/Apresentação/Apresentação_baixo_nivel.pptx
@@ -5,31 +5,34 @@
     <p:sldMasterId id="2147483648" r:id="rId1"/>
   </p:sldMasterIdLst>
   <p:notesMasterIdLst>
-    <p:notesMasterId r:id="rId24"/>
+    <p:notesMasterId r:id="rId27"/>
   </p:notesMasterIdLst>
   <p:sldIdLst>
     <p:sldId id="256" r:id="rId2"/>
     <p:sldId id="257" r:id="rId3"/>
-    <p:sldId id="279" r:id="rId4"/>
-    <p:sldId id="280" r:id="rId5"/>
-    <p:sldId id="281" r:id="rId6"/>
-    <p:sldId id="282" r:id="rId7"/>
-    <p:sldId id="263" r:id="rId8"/>
-    <p:sldId id="264" r:id="rId9"/>
-    <p:sldId id="265" r:id="rId10"/>
-    <p:sldId id="266" r:id="rId11"/>
-    <p:sldId id="267" r:id="rId12"/>
-    <p:sldId id="268" r:id="rId13"/>
-    <p:sldId id="269" r:id="rId14"/>
-    <p:sldId id="270" r:id="rId15"/>
-    <p:sldId id="271" r:id="rId16"/>
-    <p:sldId id="272" r:id="rId17"/>
-    <p:sldId id="274" r:id="rId18"/>
-    <p:sldId id="275" r:id="rId19"/>
-    <p:sldId id="276" r:id="rId20"/>
-    <p:sldId id="273" r:id="rId21"/>
-    <p:sldId id="277" r:id="rId22"/>
-    <p:sldId id="278" r:id="rId23"/>
+    <p:sldId id="285" r:id="rId4"/>
+    <p:sldId id="279" r:id="rId5"/>
+    <p:sldId id="286" r:id="rId6"/>
+    <p:sldId id="280" r:id="rId7"/>
+    <p:sldId id="281" r:id="rId8"/>
+    <p:sldId id="282" r:id="rId9"/>
+    <p:sldId id="283" r:id="rId10"/>
+    <p:sldId id="284" r:id="rId11"/>
+    <p:sldId id="264" r:id="rId12"/>
+    <p:sldId id="265" r:id="rId13"/>
+    <p:sldId id="266" r:id="rId14"/>
+    <p:sldId id="267" r:id="rId15"/>
+    <p:sldId id="268" r:id="rId16"/>
+    <p:sldId id="269" r:id="rId17"/>
+    <p:sldId id="270" r:id="rId18"/>
+    <p:sldId id="271" r:id="rId19"/>
+    <p:sldId id="272" r:id="rId20"/>
+    <p:sldId id="274" r:id="rId21"/>
+    <p:sldId id="275" r:id="rId22"/>
+    <p:sldId id="276" r:id="rId23"/>
+    <p:sldId id="273" r:id="rId24"/>
+    <p:sldId id="277" r:id="rId25"/>
+    <p:sldId id="278" r:id="rId26"/>
   </p:sldIdLst>
   <p:sldSz cx="9144000" cy="6858000" type="screen4x3"/>
   <p:notesSz cx="6858000" cy="9144000"/>
@@ -229,7 +232,7 @@
           <a:p>
             <a:fld id="{89C7F727-4029-4B80-A2E6-9EA504674373}" type="datetimeFigureOut">
               <a:rPr lang="pt-BR" smtClean="0"/>
-              <a:t>08/02/2017</a:t>
+              <a:t>13/02/2017</a:t>
             </a:fld>
             <a:endParaRPr lang="pt-BR"/>
           </a:p>
@@ -324,7 +327,6 @@
               <a:rPr lang="pt-BR"/>
               <a:t>Quinto nível</a:t>
             </a:r>
-            <a:endParaRPr lang="pt-BR"/>
           </a:p>
         </p:txBody>
       </p:sp>
@@ -626,7 +628,7 @@
           <a:p>
             <a:fld id="{652B4626-5D26-45C6-8A17-16E3D3AE243C}" type="datetime1">
               <a:rPr lang="pt-BR" smtClean="0"/>
-              <a:t>08/02/2017</a:t>
+              <a:t>13/02/2017</a:t>
             </a:fld>
             <a:endParaRPr lang="pt-BR"/>
           </a:p>
@@ -794,7 +796,7 @@
           <a:p>
             <a:fld id="{5C8AD72A-8732-43BA-A5E3-991975487EAC}" type="datetime1">
               <a:rPr lang="pt-BR" smtClean="0"/>
-              <a:t>08/02/2017</a:t>
+              <a:t>13/02/2017</a:t>
             </a:fld>
             <a:endParaRPr lang="pt-BR"/>
           </a:p>
@@ -972,7 +974,7 @@
           <a:p>
             <a:fld id="{9E8DBD37-5429-49DA-9C61-63BD5F5A951F}" type="datetime1">
               <a:rPr lang="pt-BR" smtClean="0"/>
-              <a:t>08/02/2017</a:t>
+              <a:t>13/02/2017</a:t>
             </a:fld>
             <a:endParaRPr lang="pt-BR"/>
           </a:p>
@@ -1140,7 +1142,7 @@
           <a:p>
             <a:fld id="{4A468532-1358-4AAB-97D1-3956A336FCD8}" type="datetime1">
               <a:rPr lang="pt-BR" smtClean="0"/>
-              <a:t>08/02/2017</a:t>
+              <a:t>13/02/2017</a:t>
             </a:fld>
             <a:endParaRPr lang="pt-BR"/>
           </a:p>
@@ -1385,7 +1387,7 @@
           <a:p>
             <a:fld id="{D0B7D8FB-E30B-4E63-A15F-F7E0EAA24EDF}" type="datetime1">
               <a:rPr lang="pt-BR" smtClean="0"/>
-              <a:t>08/02/2017</a:t>
+              <a:t>13/02/2017</a:t>
             </a:fld>
             <a:endParaRPr lang="pt-BR"/>
           </a:p>
@@ -1614,7 +1616,7 @@
           <a:p>
             <a:fld id="{79E85DB4-D0BA-4C6B-8116-EEB1DFA3B85C}" type="datetime1">
               <a:rPr lang="pt-BR" smtClean="0"/>
-              <a:t>08/02/2017</a:t>
+              <a:t>13/02/2017</a:t>
             </a:fld>
             <a:endParaRPr lang="pt-BR"/>
           </a:p>
@@ -1978,7 +1980,7 @@
           <a:p>
             <a:fld id="{08E20FB8-B042-44B3-9E05-B78D174D01C5}" type="datetime1">
               <a:rPr lang="pt-BR" smtClean="0"/>
-              <a:t>08/02/2017</a:t>
+              <a:t>13/02/2017</a:t>
             </a:fld>
             <a:endParaRPr lang="pt-BR"/>
           </a:p>
@@ -2095,7 +2097,7 @@
           <a:p>
             <a:fld id="{99F85B46-395F-42C0-927D-F2306804E1B9}" type="datetime1">
               <a:rPr lang="pt-BR" smtClean="0"/>
-              <a:t>08/02/2017</a:t>
+              <a:t>13/02/2017</a:t>
             </a:fld>
             <a:endParaRPr lang="pt-BR"/>
           </a:p>
@@ -2190,7 +2192,7 @@
           <a:p>
             <a:fld id="{C229D78D-42BB-4047-9809-3F99346974D1}" type="datetime1">
               <a:rPr lang="pt-BR" smtClean="0"/>
-              <a:t>08/02/2017</a:t>
+              <a:t>13/02/2017</a:t>
             </a:fld>
             <a:endParaRPr lang="pt-BR"/>
           </a:p>
@@ -2465,7 +2467,7 @@
           <a:p>
             <a:fld id="{EB51D9D5-BAE2-465E-B6F9-B55B1C4BDDCB}" type="datetime1">
               <a:rPr lang="pt-BR" smtClean="0"/>
-              <a:t>08/02/2017</a:t>
+              <a:t>13/02/2017</a:t>
             </a:fld>
             <a:endParaRPr lang="pt-BR"/>
           </a:p>
@@ -2717,7 +2719,7 @@
           <a:p>
             <a:fld id="{B0F88689-79CD-4D92-B72F-897D1EE636FF}" type="datetime1">
               <a:rPr lang="pt-BR" smtClean="0"/>
-              <a:t>08/02/2017</a:t>
+              <a:t>13/02/2017</a:t>
             </a:fld>
             <a:endParaRPr lang="pt-BR"/>
           </a:p>
@@ -2928,7 +2930,7 @@
           <a:p>
             <a:fld id="{5A1D52BF-6E9E-4F33-986C-109115F3F333}" type="datetime1">
               <a:rPr lang="pt-BR" smtClean="0"/>
-              <a:t>08/02/2017</a:t>
+              <a:t>13/02/2017</a:t>
             </a:fld>
             <a:endParaRPr lang="pt-BR"/>
           </a:p>
@@ -3368,7 +3370,6 @@
               <a:rPr lang="pt-BR" sz="2800" b="1" dirty="0"/>
               <a:t> para Correção de Fator de Potência em Sistema Elétricos Aeronáuticos</a:t>
             </a:r>
-            <a:endParaRPr lang="pt-BR" sz="2800" b="1" dirty="0"/>
           </a:p>
         </p:txBody>
       </p:sp>
@@ -3406,11 +3407,7 @@
             <a:pPr algn="l"/>
             <a:r>
               <a:rPr lang="pt-BR" sz="2000" dirty="0"/>
-              <a:t>Orientador	Prof. Dr. Roberto </a:t>
-            </a:r>
-            <a:r>
-              <a:rPr lang="pt-BR" sz="2000" dirty="0"/>
-              <a:t>D'amore</a:t>
+              <a:t>Orientador	Prof. Dr. Roberto d‘Amore</a:t>
             </a:r>
           </a:p>
           <a:p>
@@ -3423,7 +3420,6 @@
               <a:rPr lang="pt-BR" sz="2000" dirty="0"/>
               <a:t>	M. Eng. André Domingues Rocha de Oliveira</a:t>
             </a:r>
-            <a:endParaRPr lang="pt-BR" sz="2000" dirty="0"/>
           </a:p>
         </p:txBody>
       </p:sp>
@@ -4574,6 +4570,2100 @@
             <p:ph type="title"/>
           </p:nvPr>
         </p:nvSpPr>
+        <p:spPr>
+          <a:xfrm>
+            <a:off x="628650" y="1083288"/>
+            <a:ext cx="7886700" cy="476737"/>
+          </a:xfrm>
+        </p:spPr>
+        <p:txBody>
+          <a:bodyPr>
+            <a:noAutofit/>
+          </a:bodyPr>
+          <a:lstStyle/>
+          <a:p>
+            <a:r>
+              <a:rPr lang="pt-BR" sz="2400" b="1" dirty="0"/>
+              <a:t>Filtros Ativos Utilizando a Teoria PQ</a:t>
+            </a:r>
+          </a:p>
+        </p:txBody>
+      </p:sp>
+      <p:pic>
+        <p:nvPicPr>
+          <p:cNvPr id="4" name="Picture 2"/>
+          <p:cNvPicPr>
+            <a:picLocks noChangeAspect="1" noChangeArrowheads="1"/>
+          </p:cNvPicPr>
+          <p:nvPr/>
+        </p:nvPicPr>
+        <p:blipFill>
+          <a:blip r:embed="rId2">
+            <a:extLst>
+              <a:ext uri="{28A0092B-C50C-407E-A947-70E740481C1C}">
+                <a14:useLocalDpi xmlns:a14="http://schemas.microsoft.com/office/drawing/2010/main" val="0"/>
+              </a:ext>
+            </a:extLst>
+          </a:blip>
+          <a:srcRect/>
+          <a:stretch>
+            <a:fillRect/>
+          </a:stretch>
+        </p:blipFill>
+        <p:spPr bwMode="auto">
+          <a:xfrm>
+            <a:off x="74613" y="127000"/>
+            <a:ext cx="1847850" cy="709613"/>
+          </a:xfrm>
+          <a:prstGeom prst="rect">
+            <a:avLst/>
+          </a:prstGeom>
+          <a:noFill/>
+          <a:ln>
+            <a:noFill/>
+          </a:ln>
+          <a:effectLst/>
+          <a:extLst>
+            <a:ext uri="{909E8E84-426E-40DD-AFC4-6F175D3DCCD1}">
+              <a14:hiddenFill xmlns:a14="http://schemas.microsoft.com/office/drawing/2010/main">
+                <a:blipFill dpi="0" rotWithShape="0">
+                  <a:blip/>
+                  <a:srcRect/>
+                  <a:stretch>
+                    <a:fillRect/>
+                  </a:stretch>
+                </a:blipFill>
+              </a14:hiddenFill>
+            </a:ext>
+            <a:ext uri="{91240B29-F687-4F45-9708-019B960494DF}">
+              <a14:hiddenLine xmlns:a14="http://schemas.microsoft.com/office/drawing/2010/main" w="9525">
+                <a:solidFill>
+                  <a:srgbClr val="3465A4"/>
+                </a:solidFill>
+                <a:round/>
+                <a:headEnd/>
+                <a:tailEnd/>
+              </a14:hiddenLine>
+            </a:ext>
+            <a:ext uri="{AF507438-7753-43E0-B8FC-AC1667EBCBE1}">
+              <a14:hiddenEffects xmlns:a14="http://schemas.microsoft.com/office/drawing/2010/main">
+                <a:effectLst>
+                  <a:outerShdw dist="35921" dir="2700000" algn="ctr" rotWithShape="0">
+                    <a:srgbClr val="808080"/>
+                  </a:outerShdw>
+                </a:effectLst>
+              </a14:hiddenEffects>
+            </a:ext>
+          </a:extLst>
+        </p:spPr>
+      </p:pic>
+      <p:pic>
+        <p:nvPicPr>
+          <p:cNvPr id="5" name="Picture 3"/>
+          <p:cNvPicPr>
+            <a:picLocks noChangeAspect="1" noChangeArrowheads="1"/>
+          </p:cNvPicPr>
+          <p:nvPr/>
+        </p:nvPicPr>
+        <p:blipFill>
+          <a:blip r:embed="rId3">
+            <a:extLst>
+              <a:ext uri="{28A0092B-C50C-407E-A947-70E740481C1C}">
+                <a14:useLocalDpi xmlns:a14="http://schemas.microsoft.com/office/drawing/2010/main" val="0"/>
+              </a:ext>
+            </a:extLst>
+          </a:blip>
+          <a:srcRect/>
+          <a:stretch>
+            <a:fillRect/>
+          </a:stretch>
+        </p:blipFill>
+        <p:spPr bwMode="auto">
+          <a:xfrm>
+            <a:off x="7265988" y="146050"/>
+            <a:ext cx="1662112" cy="709613"/>
+          </a:xfrm>
+          <a:prstGeom prst="rect">
+            <a:avLst/>
+          </a:prstGeom>
+          <a:noFill/>
+          <a:ln>
+            <a:noFill/>
+          </a:ln>
+          <a:effectLst/>
+          <a:extLst>
+            <a:ext uri="{909E8E84-426E-40DD-AFC4-6F175D3DCCD1}">
+              <a14:hiddenFill xmlns:a14="http://schemas.microsoft.com/office/drawing/2010/main">
+                <a:blipFill dpi="0" rotWithShape="0">
+                  <a:blip/>
+                  <a:srcRect/>
+                  <a:stretch>
+                    <a:fillRect/>
+                  </a:stretch>
+                </a:blipFill>
+              </a14:hiddenFill>
+            </a:ext>
+            <a:ext uri="{91240B29-F687-4F45-9708-019B960494DF}">
+              <a14:hiddenLine xmlns:a14="http://schemas.microsoft.com/office/drawing/2010/main" w="9525">
+                <a:solidFill>
+                  <a:srgbClr val="3465A4"/>
+                </a:solidFill>
+                <a:round/>
+                <a:headEnd/>
+                <a:tailEnd/>
+              </a14:hiddenLine>
+            </a:ext>
+            <a:ext uri="{AF507438-7753-43E0-B8FC-AC1667EBCBE1}">
+              <a14:hiddenEffects xmlns:a14="http://schemas.microsoft.com/office/drawing/2010/main">
+                <a:effectLst>
+                  <a:outerShdw dist="35921" dir="2700000" algn="ctr" rotWithShape="0">
+                    <a:srgbClr val="808080"/>
+                  </a:outerShdw>
+                </a:effectLst>
+              </a14:hiddenEffects>
+            </a:ext>
+          </a:extLst>
+        </p:spPr>
+      </p:pic>
+      <p:sp>
+        <p:nvSpPr>
+          <p:cNvPr id="6" name="Text Box 4"/>
+          <p:cNvSpPr txBox="1">
+            <a:spLocks noChangeArrowheads="1"/>
+          </p:cNvSpPr>
+          <p:nvPr/>
+        </p:nvSpPr>
+        <p:spPr bwMode="auto">
+          <a:xfrm>
+            <a:off x="1903413" y="1588"/>
+            <a:ext cx="5297487" cy="956288"/>
+          </a:xfrm>
+          <a:prstGeom prst="rect">
+            <a:avLst/>
+          </a:prstGeom>
+          <a:noFill/>
+          <a:ln>
+            <a:noFill/>
+          </a:ln>
+          <a:effectLst/>
+          <a:extLst>
+            <a:ext uri="{909E8E84-426E-40DD-AFC4-6F175D3DCCD1}">
+              <a14:hiddenFill xmlns:a14="http://schemas.microsoft.com/office/drawing/2010/main">
+                <a:solidFill>
+                  <a:srgbClr val="FFFFFF"/>
+                </a:solidFill>
+              </a14:hiddenFill>
+            </a:ext>
+            <a:ext uri="{91240B29-F687-4F45-9708-019B960494DF}">
+              <a14:hiddenLine xmlns:a14="http://schemas.microsoft.com/office/drawing/2010/main" w="9525">
+                <a:solidFill>
+                  <a:srgbClr val="3465A4"/>
+                </a:solidFill>
+                <a:round/>
+                <a:headEnd/>
+                <a:tailEnd/>
+              </a14:hiddenLine>
+            </a:ext>
+            <a:ext uri="{AF507438-7753-43E0-B8FC-AC1667EBCBE1}">
+              <a14:hiddenEffects xmlns:a14="http://schemas.microsoft.com/office/drawing/2010/main">
+                <a:effectLst>
+                  <a:outerShdw dist="35921" dir="2700000" algn="ctr" rotWithShape="0">
+                    <a:srgbClr val="808080"/>
+                  </a:outerShdw>
+                </a:effectLst>
+              </a14:hiddenEffects>
+            </a:ext>
+          </a:extLst>
+        </p:spPr>
+        <p:txBody>
+          <a:bodyPr lIns="90000" tIns="46800" rIns="90000" bIns="46800">
+            <a:spAutoFit/>
+          </a:bodyPr>
+          <a:lstStyle>
+            <a:lvl1pPr>
+              <a:lnSpc>
+                <a:spcPct val="90000"/>
+              </a:lnSpc>
+              <a:spcBef>
+                <a:spcPts val="1000"/>
+              </a:spcBef>
+              <a:buClr>
+                <a:srgbClr val="000000"/>
+              </a:buClr>
+              <a:buSzPct val="100000"/>
+              <a:buFont typeface="Times New Roman" panose="02020603050405020304" pitchFamily="18" charset="0"/>
+              <a:tabLst>
+                <a:tab pos="0" algn="l"/>
+                <a:tab pos="914400" algn="l"/>
+                <a:tab pos="1828800" algn="l"/>
+                <a:tab pos="2743200" algn="l"/>
+                <a:tab pos="3657600" algn="l"/>
+                <a:tab pos="4572000" algn="l"/>
+                <a:tab pos="5486400" algn="l"/>
+                <a:tab pos="6400800" algn="l"/>
+                <a:tab pos="7315200" algn="l"/>
+                <a:tab pos="8229600" algn="l"/>
+                <a:tab pos="9144000" algn="l"/>
+                <a:tab pos="10058400" algn="l"/>
+              </a:tabLst>
+              <a:defRPr sz="2800">
+                <a:solidFill>
+                  <a:srgbClr val="000000"/>
+                </a:solidFill>
+                <a:latin typeface="Calibri" panose="020F0502020204030204" pitchFamily="34" charset="0"/>
+                <a:cs typeface="Droid Sans Fallback" charset="0"/>
+              </a:defRPr>
+            </a:lvl1pPr>
+            <a:lvl2pPr>
+              <a:lnSpc>
+                <a:spcPct val="90000"/>
+              </a:lnSpc>
+              <a:spcBef>
+                <a:spcPts val="500"/>
+              </a:spcBef>
+              <a:buClr>
+                <a:srgbClr val="000000"/>
+              </a:buClr>
+              <a:buSzPct val="100000"/>
+              <a:buFont typeface="Times New Roman" panose="02020603050405020304" pitchFamily="18" charset="0"/>
+              <a:tabLst>
+                <a:tab pos="0" algn="l"/>
+                <a:tab pos="914400" algn="l"/>
+                <a:tab pos="1828800" algn="l"/>
+                <a:tab pos="2743200" algn="l"/>
+                <a:tab pos="3657600" algn="l"/>
+                <a:tab pos="4572000" algn="l"/>
+                <a:tab pos="5486400" algn="l"/>
+                <a:tab pos="6400800" algn="l"/>
+                <a:tab pos="7315200" algn="l"/>
+                <a:tab pos="8229600" algn="l"/>
+                <a:tab pos="9144000" algn="l"/>
+                <a:tab pos="10058400" algn="l"/>
+              </a:tabLst>
+              <a:defRPr sz="2400">
+                <a:solidFill>
+                  <a:srgbClr val="000000"/>
+                </a:solidFill>
+                <a:latin typeface="Calibri" panose="020F0502020204030204" pitchFamily="34" charset="0"/>
+                <a:cs typeface="Droid Sans Fallback" charset="0"/>
+              </a:defRPr>
+            </a:lvl2pPr>
+            <a:lvl3pPr>
+              <a:lnSpc>
+                <a:spcPct val="90000"/>
+              </a:lnSpc>
+              <a:spcBef>
+                <a:spcPts val="500"/>
+              </a:spcBef>
+              <a:buClr>
+                <a:srgbClr val="000000"/>
+              </a:buClr>
+              <a:buSzPct val="100000"/>
+              <a:buFont typeface="Times New Roman" panose="02020603050405020304" pitchFamily="18" charset="0"/>
+              <a:tabLst>
+                <a:tab pos="0" algn="l"/>
+                <a:tab pos="914400" algn="l"/>
+                <a:tab pos="1828800" algn="l"/>
+                <a:tab pos="2743200" algn="l"/>
+                <a:tab pos="3657600" algn="l"/>
+                <a:tab pos="4572000" algn="l"/>
+                <a:tab pos="5486400" algn="l"/>
+                <a:tab pos="6400800" algn="l"/>
+                <a:tab pos="7315200" algn="l"/>
+                <a:tab pos="8229600" algn="l"/>
+                <a:tab pos="9144000" algn="l"/>
+                <a:tab pos="10058400" algn="l"/>
+              </a:tabLst>
+              <a:defRPr sz="2000">
+                <a:solidFill>
+                  <a:srgbClr val="000000"/>
+                </a:solidFill>
+                <a:latin typeface="Calibri" panose="020F0502020204030204" pitchFamily="34" charset="0"/>
+                <a:cs typeface="Droid Sans Fallback" charset="0"/>
+              </a:defRPr>
+            </a:lvl3pPr>
+            <a:lvl4pPr>
+              <a:lnSpc>
+                <a:spcPct val="90000"/>
+              </a:lnSpc>
+              <a:spcBef>
+                <a:spcPts val="500"/>
+              </a:spcBef>
+              <a:buClr>
+                <a:srgbClr val="000000"/>
+              </a:buClr>
+              <a:buSzPct val="100000"/>
+              <a:buFont typeface="Times New Roman" panose="02020603050405020304" pitchFamily="18" charset="0"/>
+              <a:tabLst>
+                <a:tab pos="0" algn="l"/>
+                <a:tab pos="914400" algn="l"/>
+                <a:tab pos="1828800" algn="l"/>
+                <a:tab pos="2743200" algn="l"/>
+                <a:tab pos="3657600" algn="l"/>
+                <a:tab pos="4572000" algn="l"/>
+                <a:tab pos="5486400" algn="l"/>
+                <a:tab pos="6400800" algn="l"/>
+                <a:tab pos="7315200" algn="l"/>
+                <a:tab pos="8229600" algn="l"/>
+                <a:tab pos="9144000" algn="l"/>
+                <a:tab pos="10058400" algn="l"/>
+              </a:tabLst>
+              <a:defRPr>
+                <a:solidFill>
+                  <a:srgbClr val="000000"/>
+                </a:solidFill>
+                <a:latin typeface="Calibri" panose="020F0502020204030204" pitchFamily="34" charset="0"/>
+                <a:cs typeface="Droid Sans Fallback" charset="0"/>
+              </a:defRPr>
+            </a:lvl4pPr>
+            <a:lvl5pPr>
+              <a:lnSpc>
+                <a:spcPct val="90000"/>
+              </a:lnSpc>
+              <a:spcBef>
+                <a:spcPts val="500"/>
+              </a:spcBef>
+              <a:buClr>
+                <a:srgbClr val="000000"/>
+              </a:buClr>
+              <a:buSzPct val="100000"/>
+              <a:buFont typeface="Times New Roman" panose="02020603050405020304" pitchFamily="18" charset="0"/>
+              <a:tabLst>
+                <a:tab pos="0" algn="l"/>
+                <a:tab pos="914400" algn="l"/>
+                <a:tab pos="1828800" algn="l"/>
+                <a:tab pos="2743200" algn="l"/>
+                <a:tab pos="3657600" algn="l"/>
+                <a:tab pos="4572000" algn="l"/>
+                <a:tab pos="5486400" algn="l"/>
+                <a:tab pos="6400800" algn="l"/>
+                <a:tab pos="7315200" algn="l"/>
+                <a:tab pos="8229600" algn="l"/>
+                <a:tab pos="9144000" algn="l"/>
+                <a:tab pos="10058400" algn="l"/>
+              </a:tabLst>
+              <a:defRPr>
+                <a:solidFill>
+                  <a:srgbClr val="000000"/>
+                </a:solidFill>
+                <a:latin typeface="Calibri" panose="020F0502020204030204" pitchFamily="34" charset="0"/>
+                <a:cs typeface="Droid Sans Fallback" charset="0"/>
+              </a:defRPr>
+            </a:lvl5pPr>
+            <a:lvl6pPr marL="2514600" indent="-228600" defTabSz="449263" eaLnBrk="0" fontAlgn="base" hangingPunct="0">
+              <a:lnSpc>
+                <a:spcPct val="90000"/>
+              </a:lnSpc>
+              <a:spcBef>
+                <a:spcPts val="500"/>
+              </a:spcBef>
+              <a:spcAft>
+                <a:spcPct val="0"/>
+              </a:spcAft>
+              <a:buClr>
+                <a:srgbClr val="000000"/>
+              </a:buClr>
+              <a:buSzPct val="100000"/>
+              <a:buFont typeface="Times New Roman" panose="02020603050405020304" pitchFamily="18" charset="0"/>
+              <a:tabLst>
+                <a:tab pos="0" algn="l"/>
+                <a:tab pos="914400" algn="l"/>
+                <a:tab pos="1828800" algn="l"/>
+                <a:tab pos="2743200" algn="l"/>
+                <a:tab pos="3657600" algn="l"/>
+                <a:tab pos="4572000" algn="l"/>
+                <a:tab pos="5486400" algn="l"/>
+                <a:tab pos="6400800" algn="l"/>
+                <a:tab pos="7315200" algn="l"/>
+                <a:tab pos="8229600" algn="l"/>
+                <a:tab pos="9144000" algn="l"/>
+                <a:tab pos="10058400" algn="l"/>
+              </a:tabLst>
+              <a:defRPr>
+                <a:solidFill>
+                  <a:srgbClr val="000000"/>
+                </a:solidFill>
+                <a:latin typeface="Calibri" panose="020F0502020204030204" pitchFamily="34" charset="0"/>
+                <a:cs typeface="Droid Sans Fallback" charset="0"/>
+              </a:defRPr>
+            </a:lvl6pPr>
+            <a:lvl7pPr marL="2971800" indent="-228600" defTabSz="449263" eaLnBrk="0" fontAlgn="base" hangingPunct="0">
+              <a:lnSpc>
+                <a:spcPct val="90000"/>
+              </a:lnSpc>
+              <a:spcBef>
+                <a:spcPts val="500"/>
+              </a:spcBef>
+              <a:spcAft>
+                <a:spcPct val="0"/>
+              </a:spcAft>
+              <a:buClr>
+                <a:srgbClr val="000000"/>
+              </a:buClr>
+              <a:buSzPct val="100000"/>
+              <a:buFont typeface="Times New Roman" panose="02020603050405020304" pitchFamily="18" charset="0"/>
+              <a:tabLst>
+                <a:tab pos="0" algn="l"/>
+                <a:tab pos="914400" algn="l"/>
+                <a:tab pos="1828800" algn="l"/>
+                <a:tab pos="2743200" algn="l"/>
+                <a:tab pos="3657600" algn="l"/>
+                <a:tab pos="4572000" algn="l"/>
+                <a:tab pos="5486400" algn="l"/>
+                <a:tab pos="6400800" algn="l"/>
+                <a:tab pos="7315200" algn="l"/>
+                <a:tab pos="8229600" algn="l"/>
+                <a:tab pos="9144000" algn="l"/>
+                <a:tab pos="10058400" algn="l"/>
+              </a:tabLst>
+              <a:defRPr>
+                <a:solidFill>
+                  <a:srgbClr val="000000"/>
+                </a:solidFill>
+                <a:latin typeface="Calibri" panose="020F0502020204030204" pitchFamily="34" charset="0"/>
+                <a:cs typeface="Droid Sans Fallback" charset="0"/>
+              </a:defRPr>
+            </a:lvl7pPr>
+            <a:lvl8pPr marL="3429000" indent="-228600" defTabSz="449263" eaLnBrk="0" fontAlgn="base" hangingPunct="0">
+              <a:lnSpc>
+                <a:spcPct val="90000"/>
+              </a:lnSpc>
+              <a:spcBef>
+                <a:spcPts val="500"/>
+              </a:spcBef>
+              <a:spcAft>
+                <a:spcPct val="0"/>
+              </a:spcAft>
+              <a:buClr>
+                <a:srgbClr val="000000"/>
+              </a:buClr>
+              <a:buSzPct val="100000"/>
+              <a:buFont typeface="Times New Roman" panose="02020603050405020304" pitchFamily="18" charset="0"/>
+              <a:tabLst>
+                <a:tab pos="0" algn="l"/>
+                <a:tab pos="914400" algn="l"/>
+                <a:tab pos="1828800" algn="l"/>
+                <a:tab pos="2743200" algn="l"/>
+                <a:tab pos="3657600" algn="l"/>
+                <a:tab pos="4572000" algn="l"/>
+                <a:tab pos="5486400" algn="l"/>
+                <a:tab pos="6400800" algn="l"/>
+                <a:tab pos="7315200" algn="l"/>
+                <a:tab pos="8229600" algn="l"/>
+                <a:tab pos="9144000" algn="l"/>
+                <a:tab pos="10058400" algn="l"/>
+              </a:tabLst>
+              <a:defRPr>
+                <a:solidFill>
+                  <a:srgbClr val="000000"/>
+                </a:solidFill>
+                <a:latin typeface="Calibri" panose="020F0502020204030204" pitchFamily="34" charset="0"/>
+                <a:cs typeface="Droid Sans Fallback" charset="0"/>
+              </a:defRPr>
+            </a:lvl8pPr>
+            <a:lvl9pPr marL="3886200" indent="-228600" defTabSz="449263" eaLnBrk="0" fontAlgn="base" hangingPunct="0">
+              <a:lnSpc>
+                <a:spcPct val="90000"/>
+              </a:lnSpc>
+              <a:spcBef>
+                <a:spcPts val="500"/>
+              </a:spcBef>
+              <a:spcAft>
+                <a:spcPct val="0"/>
+              </a:spcAft>
+              <a:buClr>
+                <a:srgbClr val="000000"/>
+              </a:buClr>
+              <a:buSzPct val="100000"/>
+              <a:buFont typeface="Times New Roman" panose="02020603050405020304" pitchFamily="18" charset="0"/>
+              <a:tabLst>
+                <a:tab pos="0" algn="l"/>
+                <a:tab pos="914400" algn="l"/>
+                <a:tab pos="1828800" algn="l"/>
+                <a:tab pos="2743200" algn="l"/>
+                <a:tab pos="3657600" algn="l"/>
+                <a:tab pos="4572000" algn="l"/>
+                <a:tab pos="5486400" algn="l"/>
+                <a:tab pos="6400800" algn="l"/>
+                <a:tab pos="7315200" algn="l"/>
+                <a:tab pos="8229600" algn="l"/>
+                <a:tab pos="9144000" algn="l"/>
+                <a:tab pos="10058400" algn="l"/>
+              </a:tabLst>
+              <a:defRPr>
+                <a:solidFill>
+                  <a:srgbClr val="000000"/>
+                </a:solidFill>
+                <a:latin typeface="Calibri" panose="020F0502020204030204" pitchFamily="34" charset="0"/>
+                <a:cs typeface="Droid Sans Fallback" charset="0"/>
+              </a:defRPr>
+            </a:lvl9pPr>
+          </a:lstStyle>
+          <a:p>
+            <a:pPr algn="ctr">
+              <a:lnSpc>
+                <a:spcPct val="100000"/>
+              </a:lnSpc>
+              <a:spcBef>
+                <a:spcPct val="0"/>
+              </a:spcBef>
+              <a:buClrTx/>
+              <a:buFontTx/>
+              <a:buNone/>
+            </a:pPr>
+            <a:r>
+              <a:rPr lang="pt-BR" altLang="pt-BR" sz="1400" b="1" dirty="0">
+                <a:solidFill>
+                  <a:srgbClr val="7F7F7F"/>
+                </a:solidFill>
+                <a:latin typeface="Times New Roman" panose="02020603050405020304" pitchFamily="18" charset="0"/>
+                <a:cs typeface="Times New Roman" panose="02020603050405020304" pitchFamily="18" charset="0"/>
+              </a:rPr>
+              <a:t>Instituto Tecnológico de Aeronáutica</a:t>
+            </a:r>
+          </a:p>
+          <a:p>
+            <a:pPr algn="ctr">
+              <a:lnSpc>
+                <a:spcPct val="100000"/>
+              </a:lnSpc>
+              <a:spcBef>
+                <a:spcPct val="0"/>
+              </a:spcBef>
+              <a:buClrTx/>
+              <a:buFontTx/>
+              <a:buNone/>
+            </a:pPr>
+            <a:r>
+              <a:rPr lang="pt-BR" altLang="pt-BR" sz="1400" b="1" dirty="0">
+                <a:solidFill>
+                  <a:srgbClr val="7F7F7F"/>
+                </a:solidFill>
+                <a:latin typeface="Times New Roman" panose="02020603050405020304" pitchFamily="18" charset="0"/>
+                <a:cs typeface="Times New Roman" panose="02020603050405020304" pitchFamily="18" charset="0"/>
+              </a:rPr>
+              <a:t>Curso de Mestrado Profissionalizante em Engenharia Aeronáutica</a:t>
+            </a:r>
+          </a:p>
+          <a:p>
+            <a:pPr algn="ctr">
+              <a:lnSpc>
+                <a:spcPct val="100000"/>
+              </a:lnSpc>
+              <a:spcBef>
+                <a:spcPct val="0"/>
+              </a:spcBef>
+              <a:buClrTx/>
+              <a:buFontTx/>
+              <a:buNone/>
+            </a:pPr>
+            <a:r>
+              <a:rPr lang="pt-BR" altLang="pt-BR" sz="1400" b="1" dirty="0">
+                <a:solidFill>
+                  <a:srgbClr val="7F7F7F"/>
+                </a:solidFill>
+                <a:latin typeface="Times New Roman" panose="02020603050405020304" pitchFamily="18" charset="0"/>
+                <a:cs typeface="Times New Roman" panose="02020603050405020304" pitchFamily="18" charset="0"/>
+              </a:rPr>
+              <a:t>Programa de Pós-Graduação em Engenharia Aeronáutica e Mecânica</a:t>
+            </a:r>
+          </a:p>
+        </p:txBody>
+      </p:sp>
+      <p:sp>
+        <p:nvSpPr>
+          <p:cNvPr id="7" name="Line 7"/>
+          <p:cNvSpPr>
+            <a:spLocks noChangeShapeType="1"/>
+          </p:cNvSpPr>
+          <p:nvPr/>
+        </p:nvSpPr>
+        <p:spPr bwMode="auto">
+          <a:xfrm>
+            <a:off x="507206" y="901215"/>
+            <a:ext cx="8089900" cy="1587"/>
+          </a:xfrm>
+          <a:prstGeom prst="line">
+            <a:avLst/>
+          </a:prstGeom>
+          <a:noFill/>
+          <a:ln w="6480" cap="sq">
+            <a:solidFill>
+              <a:srgbClr val="A5A5A5"/>
+            </a:solidFill>
+            <a:miter lim="800000"/>
+            <a:headEnd/>
+            <a:tailEnd/>
+          </a:ln>
+          <a:effectLst/>
+          <a:extLst>
+            <a:ext uri="{909E8E84-426E-40DD-AFC4-6F175D3DCCD1}">
+              <a14:hiddenFill xmlns:a14="http://schemas.microsoft.com/office/drawing/2010/main">
+                <a:noFill/>
+              </a14:hiddenFill>
+            </a:ext>
+            <a:ext uri="{AF507438-7753-43E0-B8FC-AC1667EBCBE1}">
+              <a14:hiddenEffects xmlns:a14="http://schemas.microsoft.com/office/drawing/2010/main">
+                <a:effectLst>
+                  <a:outerShdw dist="35921" dir="2700000" algn="ctr" rotWithShape="0">
+                    <a:srgbClr val="808080"/>
+                  </a:outerShdw>
+                </a:effectLst>
+              </a14:hiddenEffects>
+            </a:ext>
+          </a:extLst>
+        </p:spPr>
+        <p:txBody>
+          <a:bodyPr/>
+          <a:lstStyle/>
+          <a:p>
+            <a:endParaRPr lang="pt-BR"/>
+          </a:p>
+        </p:txBody>
+      </p:sp>
+      <p:sp>
+        <p:nvSpPr>
+          <p:cNvPr id="8" name="Line 6"/>
+          <p:cNvSpPr>
+            <a:spLocks noChangeShapeType="1"/>
+          </p:cNvSpPr>
+          <p:nvPr/>
+        </p:nvSpPr>
+        <p:spPr bwMode="auto">
+          <a:xfrm>
+            <a:off x="508000" y="6488113"/>
+            <a:ext cx="8089900" cy="1587"/>
+          </a:xfrm>
+          <a:prstGeom prst="line">
+            <a:avLst/>
+          </a:prstGeom>
+          <a:noFill/>
+          <a:ln w="6480" cap="sq">
+            <a:solidFill>
+              <a:srgbClr val="A5A5A5"/>
+            </a:solidFill>
+            <a:miter lim="800000"/>
+            <a:headEnd/>
+            <a:tailEnd/>
+          </a:ln>
+          <a:effectLst/>
+          <a:extLst>
+            <a:ext uri="{909E8E84-426E-40DD-AFC4-6F175D3DCCD1}">
+              <a14:hiddenFill xmlns:a14="http://schemas.microsoft.com/office/drawing/2010/main">
+                <a:noFill/>
+              </a14:hiddenFill>
+            </a:ext>
+            <a:ext uri="{AF507438-7753-43E0-B8FC-AC1667EBCBE1}">
+              <a14:hiddenEffects xmlns:a14="http://schemas.microsoft.com/office/drawing/2010/main">
+                <a:effectLst>
+                  <a:outerShdw dist="35921" dir="2700000" algn="ctr" rotWithShape="0">
+                    <a:srgbClr val="808080"/>
+                  </a:outerShdw>
+                </a:effectLst>
+              </a14:hiddenEffects>
+            </a:ext>
+          </a:extLst>
+        </p:spPr>
+        <p:txBody>
+          <a:bodyPr/>
+          <a:lstStyle/>
+          <a:p>
+            <a:endParaRPr lang="pt-BR"/>
+          </a:p>
+        </p:txBody>
+      </p:sp>
+      <p:sp>
+        <p:nvSpPr>
+          <p:cNvPr id="12" name="Espaço Reservado para Número de Slide 10"/>
+          <p:cNvSpPr>
+            <a:spLocks noGrp="1"/>
+          </p:cNvSpPr>
+          <p:nvPr>
+            <p:ph type="sldNum" sz="quarter" idx="12"/>
+          </p:nvPr>
+        </p:nvSpPr>
+        <p:spPr>
+          <a:xfrm>
+            <a:off x="6870700" y="6487179"/>
+            <a:ext cx="2057400" cy="365125"/>
+          </a:xfrm>
+        </p:spPr>
+        <p:txBody>
+          <a:bodyPr/>
+          <a:lstStyle/>
+          <a:p>
+            <a:fld id="{81005A1F-7AC2-4032-AE25-0D28B304E158}" type="slidenum">
+              <a:rPr lang="pt-BR" smtClean="0"/>
+              <a:t>10</a:t>
+            </a:fld>
+            <a:endParaRPr lang="pt-BR" dirty="0"/>
+          </a:p>
+        </p:txBody>
+      </p:sp>
+      <mc:AlternateContent xmlns:mc="http://schemas.openxmlformats.org/markup-compatibility/2006" xmlns:a14="http://schemas.microsoft.com/office/drawing/2010/main">
+        <mc:Choice Requires="a14">
+          <p:sp>
+            <p:nvSpPr>
+              <p:cNvPr id="17" name="Espaço Reservado para Conteúdo 2"/>
+              <p:cNvSpPr>
+                <a:spLocks noGrp="1"/>
+              </p:cNvSpPr>
+              <p:nvPr>
+                <p:ph idx="1"/>
+              </p:nvPr>
+            </p:nvSpPr>
+            <p:spPr>
+              <a:xfrm>
+                <a:off x="507206" y="1685437"/>
+                <a:ext cx="8089900" cy="4735553"/>
+              </a:xfrm>
+            </p:spPr>
+            <p:txBody>
+              <a:bodyPr>
+                <a:normAutofit/>
+              </a:bodyPr>
+              <a:lstStyle/>
+              <a:p>
+                <a:r>
+                  <a:rPr lang="pt-BR" sz="2000" dirty="0">
+                    <a:solidFill>
+                      <a:prstClr val="black"/>
+                    </a:solidFill>
+                  </a:rPr>
+                  <a:t>Determinação das correntes de referência </a:t>
+                </a:r>
+                <a14:m>
+                  <m:oMath xmlns:m="http://schemas.openxmlformats.org/officeDocument/2006/math">
+                    <m:sSubSup>
+                      <m:sSubSupPr>
+                        <m:ctrlPr>
+                          <a:rPr lang="pt-BR" sz="2000" i="1">
+                            <a:solidFill>
+                              <a:prstClr val="black"/>
+                            </a:solidFill>
+                            <a:latin typeface="Cambria Math" panose="02040503050406030204" pitchFamily="18" charset="0"/>
+                          </a:rPr>
+                        </m:ctrlPr>
+                      </m:sSubSupPr>
+                      <m:e>
+                        <m:r>
+                          <a:rPr lang="pt-BR" sz="2000" i="1">
+                            <a:solidFill>
+                              <a:prstClr val="black"/>
+                            </a:solidFill>
+                            <a:latin typeface="Cambria Math" panose="02040503050406030204" pitchFamily="18" charset="0"/>
+                          </a:rPr>
+                          <m:t>𝑖</m:t>
+                        </m:r>
+                      </m:e>
+                      <m:sub>
+                        <m:r>
+                          <a:rPr lang="pt-BR" sz="2000" i="1">
+                            <a:solidFill>
+                              <a:prstClr val="black"/>
+                            </a:solidFill>
+                            <a:latin typeface="Cambria Math" panose="02040503050406030204" pitchFamily="18" charset="0"/>
+                          </a:rPr>
+                          <m:t>𝐶𝑎</m:t>
+                        </m:r>
+                      </m:sub>
+                      <m:sup>
+                        <m:r>
+                          <a:rPr lang="pt-BR" sz="2000" i="1">
+                            <a:solidFill>
+                              <a:prstClr val="black"/>
+                            </a:solidFill>
+                            <a:latin typeface="Cambria Math" panose="02040503050406030204" pitchFamily="18" charset="0"/>
+                          </a:rPr>
+                          <m:t>∗</m:t>
+                        </m:r>
+                      </m:sup>
+                    </m:sSubSup>
+                  </m:oMath>
+                </a14:m>
+                <a:r>
+                  <a:rPr lang="pt-BR" sz="2000" dirty="0">
+                    <a:solidFill>
+                      <a:prstClr val="black"/>
+                    </a:solidFill>
+                  </a:rPr>
+                  <a:t>, </a:t>
+                </a:r>
+                <a14:m>
+                  <m:oMath xmlns:m="http://schemas.openxmlformats.org/officeDocument/2006/math">
+                    <m:sSubSup>
+                      <m:sSubSupPr>
+                        <m:ctrlPr>
+                          <a:rPr lang="pt-BR" sz="2000" i="1">
+                            <a:solidFill>
+                              <a:prstClr val="black"/>
+                            </a:solidFill>
+                            <a:latin typeface="Cambria Math" panose="02040503050406030204" pitchFamily="18" charset="0"/>
+                          </a:rPr>
+                        </m:ctrlPr>
+                      </m:sSubSupPr>
+                      <m:e>
+                        <m:r>
+                          <a:rPr lang="pt-BR" sz="2000" i="1">
+                            <a:solidFill>
+                              <a:prstClr val="black"/>
+                            </a:solidFill>
+                            <a:latin typeface="Cambria Math" panose="02040503050406030204" pitchFamily="18" charset="0"/>
+                          </a:rPr>
+                          <m:t>𝑖</m:t>
+                        </m:r>
+                      </m:e>
+                      <m:sub>
+                        <m:r>
+                          <a:rPr lang="pt-BR" sz="2000" i="1">
+                            <a:solidFill>
+                              <a:prstClr val="black"/>
+                            </a:solidFill>
+                            <a:latin typeface="Cambria Math" panose="02040503050406030204" pitchFamily="18" charset="0"/>
+                          </a:rPr>
+                          <m:t>𝐶𝑏</m:t>
+                        </m:r>
+                      </m:sub>
+                      <m:sup>
+                        <m:r>
+                          <a:rPr lang="pt-BR" sz="2000" i="1">
+                            <a:solidFill>
+                              <a:prstClr val="black"/>
+                            </a:solidFill>
+                            <a:latin typeface="Cambria Math" panose="02040503050406030204" pitchFamily="18" charset="0"/>
+                          </a:rPr>
+                          <m:t>∗</m:t>
+                        </m:r>
+                      </m:sup>
+                    </m:sSubSup>
+                  </m:oMath>
+                </a14:m>
+                <a:r>
+                  <a:rPr lang="pt-BR" sz="2000" dirty="0">
+                    <a:solidFill>
+                      <a:prstClr val="black"/>
+                    </a:solidFill>
+                  </a:rPr>
+                  <a:t>, </a:t>
+                </a:r>
+                <a14:m>
+                  <m:oMath xmlns:m="http://schemas.openxmlformats.org/officeDocument/2006/math">
+                    <m:sSubSup>
+                      <m:sSubSupPr>
+                        <m:ctrlPr>
+                          <a:rPr lang="pt-BR" sz="2000" i="1">
+                            <a:solidFill>
+                              <a:prstClr val="black"/>
+                            </a:solidFill>
+                            <a:latin typeface="Cambria Math" panose="02040503050406030204" pitchFamily="18" charset="0"/>
+                          </a:rPr>
+                        </m:ctrlPr>
+                      </m:sSubSupPr>
+                      <m:e>
+                        <m:r>
+                          <a:rPr lang="pt-BR" sz="2000" i="1">
+                            <a:solidFill>
+                              <a:prstClr val="black"/>
+                            </a:solidFill>
+                            <a:latin typeface="Cambria Math" panose="02040503050406030204" pitchFamily="18" charset="0"/>
+                          </a:rPr>
+                          <m:t>𝑖</m:t>
+                        </m:r>
+                      </m:e>
+                      <m:sub>
+                        <m:r>
+                          <a:rPr lang="pt-BR" sz="2000" i="1">
+                            <a:solidFill>
+                              <a:prstClr val="black"/>
+                            </a:solidFill>
+                            <a:latin typeface="Cambria Math" panose="02040503050406030204" pitchFamily="18" charset="0"/>
+                          </a:rPr>
+                          <m:t>𝐶𝑐</m:t>
+                        </m:r>
+                      </m:sub>
+                      <m:sup>
+                        <m:r>
+                          <a:rPr lang="pt-BR" sz="2000" i="1">
+                            <a:solidFill>
+                              <a:prstClr val="black"/>
+                            </a:solidFill>
+                            <a:latin typeface="Cambria Math" panose="02040503050406030204" pitchFamily="18" charset="0"/>
+                          </a:rPr>
+                          <m:t>∗</m:t>
+                        </m:r>
+                      </m:sup>
+                    </m:sSubSup>
+                    <m:r>
+                      <a:rPr lang="pt-BR" sz="2000" i="1">
+                        <a:solidFill>
+                          <a:prstClr val="black"/>
+                        </a:solidFill>
+                        <a:latin typeface="Cambria Math" panose="02040503050406030204" pitchFamily="18" charset="0"/>
+                      </a:rPr>
+                      <m:t> </m:t>
+                    </m:r>
+                  </m:oMath>
+                </a14:m>
+                <a:endParaRPr lang="pt-BR" sz="1600" dirty="0">
+                  <a:solidFill>
+                    <a:prstClr val="black"/>
+                  </a:solidFill>
+                </a:endParaRPr>
+              </a:p>
+              <a:p>
+                <a:pPr lvl="1"/>
+                <a:r>
+                  <a:rPr lang="pt-BR" sz="1600" dirty="0">
+                    <a:solidFill>
+                      <a:prstClr val="black"/>
+                    </a:solidFill>
+                  </a:rPr>
+                  <a:t>Determinação das tensões e correntes em coordenadas </a:t>
+                </a:r>
+                <a14:m>
+                  <m:oMath xmlns:m="http://schemas.openxmlformats.org/officeDocument/2006/math">
+                    <m:r>
+                      <a:rPr lang="pt-BR" sz="1600">
+                        <a:solidFill>
+                          <a:prstClr val="black"/>
+                        </a:solidFill>
+                        <a:latin typeface="Cambria Math" panose="02040503050406030204" pitchFamily="18" charset="0"/>
+                      </a:rPr>
+                      <m:t>𝛼𝛽</m:t>
+                    </m:r>
+                  </m:oMath>
+                </a14:m>
+                <a:r>
+                  <a:rPr lang="pt-BR" sz="1600" dirty="0">
+                    <a:solidFill>
+                      <a:prstClr val="black"/>
+                    </a:solidFill>
+                  </a:rPr>
+                  <a:t>;</a:t>
+                </a:r>
+              </a:p>
+              <a:p>
+                <a:pPr lvl="1"/>
+                <a:r>
+                  <a:rPr lang="pt-BR" sz="1600" dirty="0">
+                    <a:solidFill>
+                      <a:prstClr val="black"/>
+                    </a:solidFill>
+                  </a:rPr>
+                  <a:t>Seleção das potências a serem compensadas (</a:t>
+                </a:r>
+                <a14:m>
+                  <m:oMath xmlns:m="http://schemas.openxmlformats.org/officeDocument/2006/math">
+                    <m:sSup>
+                      <m:sSupPr>
+                        <m:ctrlPr>
+                          <a:rPr lang="pt-BR" sz="1600" b="0" i="1" smtClean="0">
+                            <a:solidFill>
+                              <a:prstClr val="black"/>
+                            </a:solidFill>
+                            <a:latin typeface="Cambria Math" panose="02040503050406030204" pitchFamily="18" charset="0"/>
+                          </a:rPr>
+                        </m:ctrlPr>
+                      </m:sSupPr>
+                      <m:e>
+                        <m:r>
+                          <a:rPr lang="pt-BR" sz="1600" b="0" i="1" smtClean="0">
+                            <a:solidFill>
+                              <a:prstClr val="black"/>
+                            </a:solidFill>
+                            <a:latin typeface="Cambria Math" panose="02040503050406030204" pitchFamily="18" charset="0"/>
+                          </a:rPr>
+                          <m:t>𝑝</m:t>
+                        </m:r>
+                      </m:e>
+                      <m:sup>
+                        <m:r>
+                          <a:rPr lang="pt-BR" sz="1600" b="0" i="1" smtClean="0">
+                            <a:solidFill>
+                              <a:prstClr val="black"/>
+                            </a:solidFill>
+                            <a:latin typeface="Cambria Math" panose="02040503050406030204" pitchFamily="18" charset="0"/>
+                          </a:rPr>
+                          <m:t>∗</m:t>
+                        </m:r>
+                      </m:sup>
+                    </m:sSup>
+                  </m:oMath>
+                </a14:m>
+                <a:r>
+                  <a:rPr lang="pt-BR" sz="1600" dirty="0">
+                    <a:solidFill>
+                      <a:prstClr val="black"/>
+                    </a:solidFill>
+                  </a:rPr>
+                  <a:t>e </a:t>
+                </a:r>
+                <a14:m>
+                  <m:oMath xmlns:m="http://schemas.openxmlformats.org/officeDocument/2006/math">
+                    <m:sSup>
+                      <m:sSupPr>
+                        <m:ctrlPr>
+                          <a:rPr lang="pt-BR" sz="1600" b="0" i="1" smtClean="0">
+                            <a:solidFill>
+                              <a:prstClr val="black"/>
+                            </a:solidFill>
+                            <a:latin typeface="Cambria Math" panose="02040503050406030204" pitchFamily="18" charset="0"/>
+                          </a:rPr>
+                        </m:ctrlPr>
+                      </m:sSupPr>
+                      <m:e>
+                        <m:r>
+                          <a:rPr lang="pt-BR" sz="1600" b="0" i="1" smtClean="0">
+                            <a:solidFill>
+                              <a:prstClr val="black"/>
+                            </a:solidFill>
+                            <a:latin typeface="Cambria Math" panose="02040503050406030204" pitchFamily="18" charset="0"/>
+                          </a:rPr>
+                          <m:t>𝑞</m:t>
+                        </m:r>
+                      </m:e>
+                      <m:sup>
+                        <m:r>
+                          <a:rPr lang="pt-BR" sz="1600" b="0" i="1" smtClean="0">
+                            <a:solidFill>
+                              <a:prstClr val="black"/>
+                            </a:solidFill>
+                            <a:latin typeface="Cambria Math" panose="02040503050406030204" pitchFamily="18" charset="0"/>
+                          </a:rPr>
+                          <m:t>∗</m:t>
+                        </m:r>
+                      </m:sup>
+                    </m:sSup>
+                  </m:oMath>
+                </a14:m>
+                <a:r>
+                  <a:rPr lang="pt-BR" sz="1600" dirty="0">
+                    <a:solidFill>
+                      <a:prstClr val="black"/>
+                    </a:solidFill>
+                  </a:rPr>
+                  <a:t>);</a:t>
+                </a:r>
+              </a:p>
+              <a:p>
+                <a:pPr lvl="1"/>
+                <a:r>
+                  <a:rPr lang="pt-BR" sz="1600" dirty="0">
+                    <a:solidFill>
+                      <a:prstClr val="black"/>
+                    </a:solidFill>
+                  </a:rPr>
+                  <a:t>Calculo de corrente de compensação nas coordenadas </a:t>
+                </a:r>
+                <a14:m>
+                  <m:oMath xmlns:m="http://schemas.openxmlformats.org/officeDocument/2006/math">
+                    <m:r>
+                      <a:rPr lang="pt-BR" sz="1600" i="1">
+                        <a:solidFill>
+                          <a:prstClr val="black"/>
+                        </a:solidFill>
+                        <a:latin typeface="Cambria Math" panose="02040503050406030204" pitchFamily="18" charset="0"/>
+                      </a:rPr>
+                      <m:t>𝛼𝛽</m:t>
+                    </m:r>
+                  </m:oMath>
+                </a14:m>
+                <a:r>
+                  <a:rPr lang="pt-BR" sz="1600" dirty="0">
+                    <a:solidFill>
+                      <a:prstClr val="black"/>
+                    </a:solidFill>
+                  </a:rPr>
+                  <a:t>;</a:t>
+                </a:r>
+              </a:p>
+              <a:p>
+                <a:pPr lvl="1"/>
+                <a:endParaRPr lang="pt-BR" sz="1600" dirty="0">
+                  <a:solidFill>
+                    <a:prstClr val="black"/>
+                  </a:solidFill>
+                </a:endParaRPr>
+              </a:p>
+              <a:p>
+                <a:pPr lvl="1"/>
+                <a:endParaRPr lang="pt-BR" sz="1600" dirty="0">
+                  <a:solidFill>
+                    <a:prstClr val="black"/>
+                  </a:solidFill>
+                </a:endParaRPr>
+              </a:p>
+              <a:p>
+                <a:pPr lvl="1"/>
+                <a:r>
+                  <a:rPr lang="pt-BR" sz="1600" dirty="0">
+                    <a:solidFill>
+                      <a:prstClr val="black"/>
+                    </a:solidFill>
+                  </a:rPr>
+                  <a:t>Transformada inversa de Clarke;</a:t>
+                </a:r>
+                <a:endParaRPr lang="pt-BR" sz="1600" i="1" dirty="0">
+                  <a:solidFill>
+                    <a:prstClr val="black"/>
+                  </a:solidFill>
+                  <a:latin typeface="Cambria Math" panose="02040503050406030204" pitchFamily="18" charset="0"/>
+                </a:endParaRPr>
+              </a:p>
+              <a:p>
+                <a:endParaRPr lang="pt-BR" sz="1600" i="1" dirty="0">
+                  <a:solidFill>
+                    <a:prstClr val="black"/>
+                  </a:solidFill>
+                  <a:latin typeface="Cambria Math" panose="02040503050406030204" pitchFamily="18" charset="0"/>
+                </a:endParaRPr>
+              </a:p>
+              <a:p>
+                <a:endParaRPr lang="pt-BR" sz="1600" i="1" dirty="0">
+                  <a:solidFill>
+                    <a:prstClr val="black"/>
+                  </a:solidFill>
+                  <a:latin typeface="Cambria Math" panose="02040503050406030204" pitchFamily="18" charset="0"/>
+                </a:endParaRPr>
+              </a:p>
+              <a:p>
+                <a:endParaRPr lang="pt-BR" sz="1600" i="1" dirty="0">
+                  <a:solidFill>
+                    <a:prstClr val="black"/>
+                  </a:solidFill>
+                  <a:latin typeface="Cambria Math" panose="02040503050406030204" pitchFamily="18" charset="0"/>
+                </a:endParaRPr>
+              </a:p>
+              <a:p>
+                <a:endParaRPr lang="pt-BR" sz="1600" i="1" dirty="0">
+                  <a:solidFill>
+                    <a:prstClr val="black"/>
+                  </a:solidFill>
+                  <a:latin typeface="Cambria Math" panose="02040503050406030204" pitchFamily="18" charset="0"/>
+                </a:endParaRPr>
+              </a:p>
+              <a:p>
+                <a:endParaRPr lang="pt-BR" sz="1600" i="1" dirty="0">
+                  <a:solidFill>
+                    <a:prstClr val="black"/>
+                  </a:solidFill>
+                  <a:latin typeface="Cambria Math" panose="02040503050406030204" pitchFamily="18" charset="0"/>
+                </a:endParaRPr>
+              </a:p>
+              <a:p>
+                <a:endParaRPr lang="pt-BR" sz="800" dirty="0">
+                  <a:solidFill>
+                    <a:prstClr val="black"/>
+                  </a:solidFill>
+                </a:endParaRPr>
+              </a:p>
+            </p:txBody>
+          </p:sp>
+        </mc:Choice>
+        <mc:Fallback xmlns="">
+          <p:sp>
+            <p:nvSpPr>
+              <p:cNvPr id="17" name="Espaço Reservado para Conteúdo 2"/>
+              <p:cNvSpPr>
+                <a:spLocks noGrp="1" noRot="1" noChangeAspect="1" noMove="1" noResize="1" noEditPoints="1" noAdjustHandles="1" noChangeArrowheads="1" noChangeShapeType="1" noTextEdit="1"/>
+              </p:cNvSpPr>
+              <p:nvPr>
+                <p:ph idx="1"/>
+              </p:nvPr>
+            </p:nvSpPr>
+            <p:spPr>
+              <a:xfrm>
+                <a:off x="507206" y="1685437"/>
+                <a:ext cx="8089900" cy="4735553"/>
+              </a:xfrm>
+              <a:blipFill>
+                <a:blip r:embed="rId4"/>
+                <a:stretch>
+                  <a:fillRect l="-678" t="-1287"/>
+                </a:stretch>
+              </a:blipFill>
+            </p:spPr>
+            <p:txBody>
+              <a:bodyPr/>
+              <a:lstStyle/>
+              <a:p>
+                <a:r>
+                  <a:rPr lang="pt-BR">
+                    <a:noFill/>
+                  </a:rPr>
+                  <a:t> </a:t>
+                </a:r>
+              </a:p>
+            </p:txBody>
+          </p:sp>
+        </mc:Fallback>
+      </mc:AlternateContent>
+      <mc:AlternateContent xmlns:mc="http://schemas.openxmlformats.org/markup-compatibility/2006" xmlns:a14="http://schemas.microsoft.com/office/drawing/2010/main">
+        <mc:Choice Requires="a14">
+          <p:sp>
+            <p:nvSpPr>
+              <p:cNvPr id="13" name="Retângulo 12"/>
+              <p:cNvSpPr/>
+              <p:nvPr/>
+            </p:nvSpPr>
+            <p:spPr>
+              <a:xfrm>
+                <a:off x="3281840" y="2891311"/>
+                <a:ext cx="2653034" cy="603883"/>
+              </a:xfrm>
+              <a:prstGeom prst="rect">
+                <a:avLst/>
+              </a:prstGeom>
+            </p:spPr>
+            <p:txBody>
+              <a:bodyPr wrap="none">
+                <a:spAutoFit/>
+              </a:bodyPr>
+              <a:lstStyle/>
+              <a:p>
+                <a:pPr/>
+                <a14:m>
+                  <m:oMathPara xmlns:m="http://schemas.openxmlformats.org/officeDocument/2006/math">
+                    <m:oMathParaPr>
+                      <m:jc m:val="centerGroup"/>
+                    </m:oMathParaPr>
+                    <m:oMath xmlns:m="http://schemas.openxmlformats.org/officeDocument/2006/math">
+                      <m:d>
+                        <m:dPr>
+                          <m:begChr m:val="["/>
+                          <m:endChr m:val="]"/>
+                          <m:ctrlPr>
+                            <a:rPr lang="pt-BR" sz="1400" i="1" smtClean="0">
+                              <a:latin typeface="Cambria Math" panose="02040503050406030204" pitchFamily="18" charset="0"/>
+                            </a:rPr>
+                          </m:ctrlPr>
+                        </m:dPr>
+                        <m:e>
+                          <m:m>
+                            <m:mPr>
+                              <m:mcs>
+                                <m:mc>
+                                  <m:mcPr>
+                                    <m:count m:val="1"/>
+                                    <m:mcJc m:val="center"/>
+                                  </m:mcPr>
+                                </m:mc>
+                              </m:mcs>
+                              <m:ctrlPr>
+                                <a:rPr lang="pt-BR" sz="1400" i="1">
+                                  <a:latin typeface="Cambria Math" panose="02040503050406030204" pitchFamily="18" charset="0"/>
+                                </a:rPr>
+                              </m:ctrlPr>
+                            </m:mPr>
+                            <m:mr>
+                              <m:e>
+                                <m:sSubSup>
+                                  <m:sSubSupPr>
+                                    <m:ctrlPr>
+                                      <a:rPr lang="pt-BR" sz="1400" b="0" i="1" smtClean="0">
+                                        <a:latin typeface="Cambria Math" panose="02040503050406030204" pitchFamily="18" charset="0"/>
+                                      </a:rPr>
+                                    </m:ctrlPr>
+                                  </m:sSubSupPr>
+                                  <m:e>
+                                    <m:r>
+                                      <m:rPr>
+                                        <m:brk m:alnAt="7"/>
+                                      </m:rPr>
+                                      <a:rPr lang="pt-BR" sz="1400">
+                                        <a:latin typeface="Cambria Math" panose="02040503050406030204" pitchFamily="18" charset="0"/>
+                                      </a:rPr>
+                                      <m:t>𝑖</m:t>
+                                    </m:r>
+                                  </m:e>
+                                  <m:sub>
+                                    <m:r>
+                                      <a:rPr lang="pt-BR" sz="1400" b="0" i="1" smtClean="0">
+                                        <a:latin typeface="Cambria Math" panose="02040503050406030204" pitchFamily="18" charset="0"/>
+                                      </a:rPr>
+                                      <m:t>𝐶</m:t>
+                                    </m:r>
+                                    <m:r>
+                                      <a:rPr lang="pt-BR" sz="1400">
+                                        <a:latin typeface="Cambria Math" panose="02040503050406030204" pitchFamily="18" charset="0"/>
+                                      </a:rPr>
+                                      <m:t>𝛼</m:t>
+                                    </m:r>
+                                    <m:r>
+                                      <a:rPr lang="pt-BR" sz="1400" b="0" i="0" smtClean="0">
+                                        <a:latin typeface="Cambria Math" panose="02040503050406030204" pitchFamily="18" charset="0"/>
+                                      </a:rPr>
+                                      <m:t> </m:t>
+                                    </m:r>
+                                  </m:sub>
+                                  <m:sup>
+                                    <m:r>
+                                      <a:rPr lang="pt-BR" sz="1400" b="0" i="1" smtClean="0">
+                                        <a:latin typeface="Cambria Math" panose="02040503050406030204" pitchFamily="18" charset="0"/>
+                                      </a:rPr>
+                                      <m:t>∗</m:t>
+                                    </m:r>
+                                  </m:sup>
+                                </m:sSubSup>
+                              </m:e>
+                            </m:mr>
+                            <m:mr>
+                              <m:e>
+                                <m:sSubSup>
+                                  <m:sSubSupPr>
+                                    <m:ctrlPr>
+                                      <a:rPr lang="pt-BR" sz="1400" b="0" i="1" smtClean="0">
+                                        <a:latin typeface="Cambria Math" panose="02040503050406030204" pitchFamily="18" charset="0"/>
+                                      </a:rPr>
+                                    </m:ctrlPr>
+                                  </m:sSubSupPr>
+                                  <m:e>
+                                    <m:r>
+                                      <a:rPr lang="pt-BR" sz="1400">
+                                        <a:latin typeface="Cambria Math" panose="02040503050406030204" pitchFamily="18" charset="0"/>
+                                      </a:rPr>
+                                      <m:t>𝑖</m:t>
+                                    </m:r>
+                                  </m:e>
+                                  <m:sub>
+                                    <m:r>
+                                      <a:rPr lang="pt-BR" sz="1400" b="0" i="1" smtClean="0">
+                                        <a:latin typeface="Cambria Math" panose="02040503050406030204" pitchFamily="18" charset="0"/>
+                                      </a:rPr>
+                                      <m:t>𝐶</m:t>
+                                    </m:r>
+                                    <m:r>
+                                      <a:rPr lang="pt-BR" sz="1400">
+                                        <a:latin typeface="Cambria Math" panose="02040503050406030204" pitchFamily="18" charset="0"/>
+                                      </a:rPr>
+                                      <m:t>𝛽</m:t>
+                                    </m:r>
+                                  </m:sub>
+                                  <m:sup>
+                                    <m:r>
+                                      <a:rPr lang="pt-BR" sz="1400" b="0" i="1" smtClean="0">
+                                        <a:latin typeface="Cambria Math" panose="02040503050406030204" pitchFamily="18" charset="0"/>
+                                      </a:rPr>
+                                      <m:t>∗</m:t>
+                                    </m:r>
+                                  </m:sup>
+                                </m:sSubSup>
+                              </m:e>
+                            </m:mr>
+                          </m:m>
+                        </m:e>
+                      </m:d>
+                      <m:r>
+                        <a:rPr lang="pt-BR" sz="1400">
+                          <a:latin typeface="Cambria Math" panose="02040503050406030204" pitchFamily="18" charset="0"/>
+                        </a:rPr>
+                        <m:t>=</m:t>
+                      </m:r>
+                      <m:f>
+                        <m:fPr>
+                          <m:ctrlPr>
+                            <a:rPr lang="pt-BR" sz="1400" i="1">
+                              <a:latin typeface="Cambria Math" panose="02040503050406030204" pitchFamily="18" charset="0"/>
+                            </a:rPr>
+                          </m:ctrlPr>
+                        </m:fPr>
+                        <m:num>
+                          <m:r>
+                            <a:rPr lang="pt-BR" sz="1400">
+                              <a:latin typeface="Cambria Math" panose="02040503050406030204" pitchFamily="18" charset="0"/>
+                            </a:rPr>
+                            <m:t>1</m:t>
+                          </m:r>
+                        </m:num>
+                        <m:den>
+                          <m:sSubSup>
+                            <m:sSubSupPr>
+                              <m:ctrlPr>
+                                <a:rPr lang="pt-BR" sz="1400" i="1">
+                                  <a:latin typeface="Cambria Math" panose="02040503050406030204" pitchFamily="18" charset="0"/>
+                                </a:rPr>
+                              </m:ctrlPr>
+                            </m:sSubSupPr>
+                            <m:e>
+                              <m:r>
+                                <a:rPr lang="pt-BR" sz="1400">
+                                  <a:latin typeface="Cambria Math" panose="02040503050406030204" pitchFamily="18" charset="0"/>
+                                </a:rPr>
+                                <m:t>𝑣</m:t>
+                              </m:r>
+                            </m:e>
+                            <m:sub>
+                              <m:r>
+                                <a:rPr lang="pt-BR" sz="1400">
+                                  <a:latin typeface="Cambria Math" panose="02040503050406030204" pitchFamily="18" charset="0"/>
+                                </a:rPr>
+                                <m:t>𝛼</m:t>
+                              </m:r>
+                            </m:sub>
+                            <m:sup>
+                              <m:r>
+                                <a:rPr lang="pt-BR" sz="1400">
+                                  <a:latin typeface="Cambria Math" panose="02040503050406030204" pitchFamily="18" charset="0"/>
+                                </a:rPr>
+                                <m:t>2</m:t>
+                              </m:r>
+                            </m:sup>
+                          </m:sSubSup>
+                          <m:r>
+                            <a:rPr lang="pt-BR" sz="1400">
+                              <a:latin typeface="Cambria Math" panose="02040503050406030204" pitchFamily="18" charset="0"/>
+                            </a:rPr>
+                            <m:t>+</m:t>
+                          </m:r>
+                          <m:sSubSup>
+                            <m:sSubSupPr>
+                              <m:ctrlPr>
+                                <a:rPr lang="pt-BR" sz="1400" i="1">
+                                  <a:latin typeface="Cambria Math" panose="02040503050406030204" pitchFamily="18" charset="0"/>
+                                </a:rPr>
+                              </m:ctrlPr>
+                            </m:sSubSupPr>
+                            <m:e>
+                              <m:r>
+                                <a:rPr lang="pt-BR" sz="1400">
+                                  <a:latin typeface="Cambria Math" panose="02040503050406030204" pitchFamily="18" charset="0"/>
+                                </a:rPr>
+                                <m:t>𝑣</m:t>
+                              </m:r>
+                            </m:e>
+                            <m:sub>
+                              <m:r>
+                                <a:rPr lang="pt-BR" sz="1400">
+                                  <a:latin typeface="Cambria Math" panose="02040503050406030204" pitchFamily="18" charset="0"/>
+                                </a:rPr>
+                                <m:t>𝛽</m:t>
+                              </m:r>
+                            </m:sub>
+                            <m:sup>
+                              <m:r>
+                                <a:rPr lang="pt-BR" sz="1400">
+                                  <a:latin typeface="Cambria Math" panose="02040503050406030204" pitchFamily="18" charset="0"/>
+                                </a:rPr>
+                                <m:t>2</m:t>
+                              </m:r>
+                            </m:sup>
+                          </m:sSubSup>
+                        </m:den>
+                      </m:f>
+                      <m:d>
+                        <m:dPr>
+                          <m:begChr m:val="["/>
+                          <m:endChr m:val="]"/>
+                          <m:ctrlPr>
+                            <a:rPr lang="pt-BR" sz="1400" i="1">
+                              <a:latin typeface="Cambria Math" panose="02040503050406030204" pitchFamily="18" charset="0"/>
+                            </a:rPr>
+                          </m:ctrlPr>
+                        </m:dPr>
+                        <m:e>
+                          <m:m>
+                            <m:mPr>
+                              <m:mcs>
+                                <m:mc>
+                                  <m:mcPr>
+                                    <m:count m:val="2"/>
+                                    <m:mcJc m:val="center"/>
+                                  </m:mcPr>
+                                </m:mc>
+                              </m:mcs>
+                              <m:ctrlPr>
+                                <a:rPr lang="pt-BR" sz="1400" i="1">
+                                  <a:latin typeface="Cambria Math" panose="02040503050406030204" pitchFamily="18" charset="0"/>
+                                </a:rPr>
+                              </m:ctrlPr>
+                            </m:mPr>
+                            <m:mr>
+                              <m:e>
+                                <m:sSub>
+                                  <m:sSubPr>
+                                    <m:ctrlPr>
+                                      <a:rPr lang="pt-BR" sz="1400" i="1">
+                                        <a:latin typeface="Cambria Math" panose="02040503050406030204" pitchFamily="18" charset="0"/>
+                                      </a:rPr>
+                                    </m:ctrlPr>
+                                  </m:sSubPr>
+                                  <m:e>
+                                    <m:r>
+                                      <m:rPr>
+                                        <m:brk m:alnAt="7"/>
+                                      </m:rPr>
+                                      <a:rPr lang="pt-BR" sz="1400">
+                                        <a:latin typeface="Cambria Math" panose="02040503050406030204" pitchFamily="18" charset="0"/>
+                                      </a:rPr>
+                                      <m:t>𝑣</m:t>
+                                    </m:r>
+                                  </m:e>
+                                  <m:sub>
+                                    <m:r>
+                                      <a:rPr lang="pt-BR" sz="1400">
+                                        <a:latin typeface="Cambria Math" panose="02040503050406030204" pitchFamily="18" charset="0"/>
+                                      </a:rPr>
+                                      <m:t>𝛼</m:t>
+                                    </m:r>
+                                  </m:sub>
+                                </m:sSub>
+                              </m:e>
+                              <m:e>
+                                <m:sSub>
+                                  <m:sSubPr>
+                                    <m:ctrlPr>
+                                      <a:rPr lang="pt-BR" sz="1400" i="1">
+                                        <a:latin typeface="Cambria Math" panose="02040503050406030204" pitchFamily="18" charset="0"/>
+                                      </a:rPr>
+                                    </m:ctrlPr>
+                                  </m:sSubPr>
+                                  <m:e>
+                                    <m:r>
+                                      <a:rPr lang="pt-BR" sz="1400">
+                                        <a:latin typeface="Cambria Math" panose="02040503050406030204" pitchFamily="18" charset="0"/>
+                                      </a:rPr>
+                                      <m:t>𝑣</m:t>
+                                    </m:r>
+                                  </m:e>
+                                  <m:sub>
+                                    <m:r>
+                                      <a:rPr lang="pt-BR" sz="1400">
+                                        <a:latin typeface="Cambria Math" panose="02040503050406030204" pitchFamily="18" charset="0"/>
+                                      </a:rPr>
+                                      <m:t>𝛽</m:t>
+                                    </m:r>
+                                  </m:sub>
+                                </m:sSub>
+                              </m:e>
+                            </m:mr>
+                            <m:mr>
+                              <m:e>
+                                <m:sSub>
+                                  <m:sSubPr>
+                                    <m:ctrlPr>
+                                      <a:rPr lang="pt-BR" sz="1400" i="1">
+                                        <a:latin typeface="Cambria Math" panose="02040503050406030204" pitchFamily="18" charset="0"/>
+                                      </a:rPr>
+                                    </m:ctrlPr>
+                                  </m:sSubPr>
+                                  <m:e>
+                                    <m:r>
+                                      <a:rPr lang="pt-BR" sz="1400">
+                                        <a:latin typeface="Cambria Math" panose="02040503050406030204" pitchFamily="18" charset="0"/>
+                                      </a:rPr>
+                                      <m:t>𝑣</m:t>
+                                    </m:r>
+                                  </m:e>
+                                  <m:sub>
+                                    <m:r>
+                                      <a:rPr lang="pt-BR" sz="1400">
+                                        <a:latin typeface="Cambria Math" panose="02040503050406030204" pitchFamily="18" charset="0"/>
+                                      </a:rPr>
+                                      <m:t>𝛽</m:t>
+                                    </m:r>
+                                  </m:sub>
+                                </m:sSub>
+                              </m:e>
+                              <m:e>
+                                <m:sSub>
+                                  <m:sSubPr>
+                                    <m:ctrlPr>
+                                      <a:rPr lang="pt-BR" sz="1400" i="1">
+                                        <a:latin typeface="Cambria Math" panose="02040503050406030204" pitchFamily="18" charset="0"/>
+                                      </a:rPr>
+                                    </m:ctrlPr>
+                                  </m:sSubPr>
+                                  <m:e>
+                                    <m:r>
+                                      <a:rPr lang="pt-BR" sz="1400">
+                                        <a:latin typeface="Cambria Math" panose="02040503050406030204" pitchFamily="18" charset="0"/>
+                                      </a:rPr>
+                                      <m:t>−</m:t>
+                                    </m:r>
+                                    <m:r>
+                                      <m:rPr>
+                                        <m:brk m:alnAt="7"/>
+                                      </m:rPr>
+                                      <a:rPr lang="pt-BR" sz="1400">
+                                        <a:latin typeface="Cambria Math" panose="02040503050406030204" pitchFamily="18" charset="0"/>
+                                      </a:rPr>
+                                      <m:t>𝑣</m:t>
+                                    </m:r>
+                                  </m:e>
+                                  <m:sub>
+                                    <m:r>
+                                      <a:rPr lang="pt-BR" sz="1400">
+                                        <a:latin typeface="Cambria Math" panose="02040503050406030204" pitchFamily="18" charset="0"/>
+                                      </a:rPr>
+                                      <m:t>𝛼</m:t>
+                                    </m:r>
+                                  </m:sub>
+                                </m:sSub>
+                              </m:e>
+                            </m:mr>
+                          </m:m>
+                        </m:e>
+                      </m:d>
+                      <m:d>
+                        <m:dPr>
+                          <m:begChr m:val="["/>
+                          <m:endChr m:val="]"/>
+                          <m:ctrlPr>
+                            <a:rPr lang="pt-BR" sz="1400" i="1">
+                              <a:latin typeface="Cambria Math" panose="02040503050406030204" pitchFamily="18" charset="0"/>
+                            </a:rPr>
+                          </m:ctrlPr>
+                        </m:dPr>
+                        <m:e>
+                          <m:m>
+                            <m:mPr>
+                              <m:mcs>
+                                <m:mc>
+                                  <m:mcPr>
+                                    <m:count m:val="1"/>
+                                    <m:mcJc m:val="center"/>
+                                  </m:mcPr>
+                                </m:mc>
+                              </m:mcs>
+                              <m:ctrlPr>
+                                <a:rPr lang="pt-BR" sz="1400" i="1">
+                                  <a:latin typeface="Cambria Math" panose="02040503050406030204" pitchFamily="18" charset="0"/>
+                                </a:rPr>
+                              </m:ctrlPr>
+                            </m:mPr>
+                            <m:mr>
+                              <m:e>
+                                <m:sSup>
+                                  <m:sSupPr>
+                                    <m:ctrlPr>
+                                      <a:rPr lang="pt-BR" sz="1400" b="0" i="1" smtClean="0">
+                                        <a:latin typeface="Cambria Math" panose="02040503050406030204" pitchFamily="18" charset="0"/>
+                                      </a:rPr>
+                                    </m:ctrlPr>
+                                  </m:sSupPr>
+                                  <m:e>
+                                    <m:r>
+                                      <m:rPr>
+                                        <m:brk m:alnAt="7"/>
+                                      </m:rPr>
+                                      <a:rPr lang="pt-BR" sz="1400">
+                                        <a:latin typeface="Cambria Math" panose="02040503050406030204" pitchFamily="18" charset="0"/>
+                                      </a:rPr>
+                                      <m:t>𝑝</m:t>
+                                    </m:r>
+                                  </m:e>
+                                  <m:sup>
+                                    <m:r>
+                                      <m:rPr>
+                                        <m:brk m:alnAt="7"/>
+                                      </m:rPr>
+                                      <a:rPr lang="pt-BR" sz="1400" b="0" i="1" smtClean="0">
+                                        <a:latin typeface="Cambria Math" panose="02040503050406030204" pitchFamily="18" charset="0"/>
+                                      </a:rPr>
+                                      <m:t>∗</m:t>
+                                    </m:r>
+                                  </m:sup>
+                                </m:sSup>
+                              </m:e>
+                            </m:mr>
+                            <m:mr>
+                              <m:e>
+                                <m:sSup>
+                                  <m:sSupPr>
+                                    <m:ctrlPr>
+                                      <a:rPr lang="pt-BR" sz="1400" b="0" i="1" smtClean="0">
+                                        <a:latin typeface="Cambria Math" panose="02040503050406030204" pitchFamily="18" charset="0"/>
+                                      </a:rPr>
+                                    </m:ctrlPr>
+                                  </m:sSupPr>
+                                  <m:e>
+                                    <m:r>
+                                      <a:rPr lang="pt-BR" sz="1400">
+                                        <a:latin typeface="Cambria Math" panose="02040503050406030204" pitchFamily="18" charset="0"/>
+                                      </a:rPr>
+                                      <m:t>𝑞</m:t>
+                                    </m:r>
+                                  </m:e>
+                                  <m:sup>
+                                    <m:r>
+                                      <a:rPr lang="pt-BR" sz="1400" b="0" i="0" smtClean="0">
+                                        <a:latin typeface="Cambria Math" panose="02040503050406030204" pitchFamily="18" charset="0"/>
+                                      </a:rPr>
+                                      <m:t>∗</m:t>
+                                    </m:r>
+                                  </m:sup>
+                                </m:sSup>
+                              </m:e>
+                            </m:mr>
+                          </m:m>
+                        </m:e>
+                      </m:d>
+                    </m:oMath>
+                  </m:oMathPara>
+                </a14:m>
+                <a:endParaRPr lang="pt-BR" sz="1400" dirty="0"/>
+              </a:p>
+            </p:txBody>
+          </p:sp>
+        </mc:Choice>
+        <mc:Fallback xmlns="">
+          <p:sp>
+            <p:nvSpPr>
+              <p:cNvPr id="13" name="Retângulo 12"/>
+              <p:cNvSpPr>
+                <a:spLocks noRot="1" noChangeAspect="1" noMove="1" noResize="1" noEditPoints="1" noAdjustHandles="1" noChangeArrowheads="1" noChangeShapeType="1" noTextEdit="1"/>
+              </p:cNvSpPr>
+              <p:nvPr/>
+            </p:nvSpPr>
+            <p:spPr>
+              <a:xfrm>
+                <a:off x="3281840" y="2891311"/>
+                <a:ext cx="2653034" cy="603883"/>
+              </a:xfrm>
+              <a:prstGeom prst="rect">
+                <a:avLst/>
+              </a:prstGeom>
+              <a:blipFill>
+                <a:blip r:embed="rId5"/>
+                <a:stretch>
+                  <a:fillRect b="-2020"/>
+                </a:stretch>
+              </a:blipFill>
+            </p:spPr>
+            <p:txBody>
+              <a:bodyPr/>
+              <a:lstStyle/>
+              <a:p>
+                <a:r>
+                  <a:rPr lang="pt-BR">
+                    <a:noFill/>
+                  </a:rPr>
+                  <a:t> </a:t>
+                </a:r>
+              </a:p>
+            </p:txBody>
+          </p:sp>
+        </mc:Fallback>
+      </mc:AlternateContent>
+      <p:pic>
+        <p:nvPicPr>
+          <p:cNvPr id="9" name="Imagem 8"/>
+          <p:cNvPicPr>
+            <a:picLocks noChangeAspect="1"/>
+          </p:cNvPicPr>
+          <p:nvPr/>
+        </p:nvPicPr>
+        <p:blipFill>
+          <a:blip r:embed="rId6">
+            <a:extLst>
+              <a:ext uri="{28A0092B-C50C-407E-A947-70E740481C1C}">
+                <a14:useLocalDpi xmlns:a14="http://schemas.microsoft.com/office/drawing/2010/main" val="0"/>
+              </a:ext>
+            </a:extLst>
+          </a:blip>
+          <a:stretch>
+            <a:fillRect/>
+          </a:stretch>
+        </p:blipFill>
+        <p:spPr>
+          <a:xfrm>
+            <a:off x="995467" y="3822298"/>
+            <a:ext cx="3382470" cy="2303474"/>
+          </a:xfrm>
+          <a:prstGeom prst="rect">
+            <a:avLst/>
+          </a:prstGeom>
+        </p:spPr>
+      </p:pic>
+      <p:pic>
+        <p:nvPicPr>
+          <p:cNvPr id="10" name="Imagem 9"/>
+          <p:cNvPicPr>
+            <a:picLocks noChangeAspect="1"/>
+          </p:cNvPicPr>
+          <p:nvPr/>
+        </p:nvPicPr>
+        <p:blipFill>
+          <a:blip r:embed="rId7">
+            <a:extLst>
+              <a:ext uri="{28A0092B-C50C-407E-A947-70E740481C1C}">
+                <a14:useLocalDpi xmlns:a14="http://schemas.microsoft.com/office/drawing/2010/main" val="0"/>
+              </a:ext>
+            </a:extLst>
+          </a:blip>
+          <a:stretch>
+            <a:fillRect/>
+          </a:stretch>
+        </p:blipFill>
+        <p:spPr>
+          <a:xfrm>
+            <a:off x="4781753" y="3822035"/>
+            <a:ext cx="3411537" cy="2304000"/>
+          </a:xfrm>
+          <a:prstGeom prst="rect">
+            <a:avLst/>
+          </a:prstGeom>
+        </p:spPr>
+      </p:pic>
+    </p:spTree>
+    <p:extLst>
+      <p:ext uri="{BB962C8B-B14F-4D97-AF65-F5344CB8AC3E}">
+        <p14:creationId xmlns:p14="http://schemas.microsoft.com/office/powerpoint/2010/main" val="1618268345"/>
+      </p:ext>
+    </p:extLst>
+  </p:cSld>
+  <p:clrMapOvr>
+    <a:masterClrMapping/>
+  </p:clrMapOvr>
+</p:sld>
+</file>
+
+<file path=ppt/slides/slide11.xml><?xml version="1.0" encoding="utf-8"?>
+<p:sld xmlns:a="http://schemas.openxmlformats.org/drawingml/2006/main" xmlns:r="http://schemas.openxmlformats.org/officeDocument/2006/relationships" xmlns:p="http://schemas.openxmlformats.org/presentationml/2006/main">
+  <p:cSld>
+    <p:spTree>
+      <p:nvGrpSpPr>
+        <p:cNvPr id="1" name=""/>
+        <p:cNvGrpSpPr/>
+        <p:nvPr/>
+      </p:nvGrpSpPr>
+      <p:grpSpPr>
+        <a:xfrm>
+          <a:off x="0" y="0"/>
+          <a:ext cx="0" cy="0"/>
+          <a:chOff x="0" y="0"/>
+          <a:chExt cx="0" cy="0"/>
+        </a:xfrm>
+      </p:grpSpPr>
+      <p:sp>
+        <p:nvSpPr>
+          <p:cNvPr id="2" name="Título 1"/>
+          <p:cNvSpPr>
+            <a:spLocks noGrp="1"/>
+          </p:cNvSpPr>
+          <p:nvPr>
+            <p:ph type="title"/>
+          </p:nvPr>
+        </p:nvSpPr>
+        <p:spPr/>
+        <p:txBody>
+          <a:bodyPr/>
+          <a:lstStyle/>
+          <a:p>
+            <a:r>
+              <a:rPr lang="pt-BR" dirty="0"/>
+              <a:t>Estratégia de Controle</a:t>
+            </a:r>
+          </a:p>
+        </p:txBody>
+      </p:sp>
+      <p:sp>
+        <p:nvSpPr>
+          <p:cNvPr id="3" name="Espaço Reservado para Conteúdo 2"/>
+          <p:cNvSpPr>
+            <a:spLocks noGrp="1"/>
+          </p:cNvSpPr>
+          <p:nvPr>
+            <p:ph idx="1"/>
+          </p:nvPr>
+        </p:nvSpPr>
+        <p:spPr/>
+        <p:txBody>
+          <a:bodyPr/>
+          <a:lstStyle/>
+          <a:p>
+            <a:r>
+              <a:rPr lang="pt-BR" dirty="0"/>
+              <a:t>Controle de Corrente Senoidal</a:t>
+            </a:r>
+          </a:p>
+          <a:p>
+            <a:pPr lvl="1"/>
+            <a:r>
+              <a:rPr lang="pt-BR" dirty="0"/>
+              <a:t>PLL</a:t>
+            </a:r>
+          </a:p>
+          <a:p>
+            <a:pPr lvl="1"/>
+            <a:r>
+              <a:rPr lang="pt-BR" dirty="0"/>
+              <a:t>Detector de Sequência Positiva</a:t>
+            </a:r>
+          </a:p>
+          <a:p>
+            <a:pPr marL="0" indent="0">
+              <a:buNone/>
+            </a:pPr>
+            <a:endParaRPr lang="pt-BR" dirty="0"/>
+          </a:p>
+        </p:txBody>
+      </p:sp>
+      <p:sp>
+        <p:nvSpPr>
+          <p:cNvPr id="4" name="Espaço Reservado para Número de Slide 3"/>
+          <p:cNvSpPr>
+            <a:spLocks noGrp="1"/>
+          </p:cNvSpPr>
+          <p:nvPr>
+            <p:ph type="sldNum" sz="quarter" idx="12"/>
+          </p:nvPr>
+        </p:nvSpPr>
+        <p:spPr/>
+        <p:txBody>
+          <a:bodyPr/>
+          <a:lstStyle/>
+          <a:p>
+            <a:fld id="{81005A1F-7AC2-4032-AE25-0D28B304E158}" type="slidenum">
+              <a:rPr lang="pt-BR" smtClean="0"/>
+              <a:t>11</a:t>
+            </a:fld>
+            <a:endParaRPr lang="pt-BR"/>
+          </a:p>
+        </p:txBody>
+      </p:sp>
+    </p:spTree>
+    <p:extLst>
+      <p:ext uri="{BB962C8B-B14F-4D97-AF65-F5344CB8AC3E}">
+        <p14:creationId xmlns:p14="http://schemas.microsoft.com/office/powerpoint/2010/main" val="270753281"/>
+      </p:ext>
+    </p:extLst>
+  </p:cSld>
+  <p:clrMapOvr>
+    <a:masterClrMapping/>
+  </p:clrMapOvr>
+</p:sld>
+</file>
+
+<file path=ppt/slides/slide12.xml><?xml version="1.0" encoding="utf-8"?>
+<p:sld xmlns:a="http://schemas.openxmlformats.org/drawingml/2006/main" xmlns:r="http://schemas.openxmlformats.org/officeDocument/2006/relationships" xmlns:p="http://schemas.openxmlformats.org/presentationml/2006/main">
+  <p:cSld>
+    <p:spTree>
+      <p:nvGrpSpPr>
+        <p:cNvPr id="1" name=""/>
+        <p:cNvGrpSpPr/>
+        <p:nvPr/>
+      </p:nvGrpSpPr>
+      <p:grpSpPr>
+        <a:xfrm>
+          <a:off x="0" y="0"/>
+          <a:ext cx="0" cy="0"/>
+          <a:chOff x="0" y="0"/>
+          <a:chExt cx="0" cy="0"/>
+        </a:xfrm>
+      </p:grpSpPr>
+      <p:sp>
+        <p:nvSpPr>
+          <p:cNvPr id="3" name="Espaço Reservado para Conteúdo 2"/>
+          <p:cNvSpPr>
+            <a:spLocks noGrp="1"/>
+          </p:cNvSpPr>
+          <p:nvPr>
+            <p:ph idx="1"/>
+          </p:nvPr>
+        </p:nvSpPr>
+        <p:spPr/>
+        <p:txBody>
+          <a:bodyPr/>
+          <a:lstStyle/>
+          <a:p>
+            <a:r>
+              <a:rPr lang="pt-BR" dirty="0"/>
+              <a:t>Controle de tensão do Capacitor</a:t>
+            </a:r>
+          </a:p>
+        </p:txBody>
+      </p:sp>
+      <p:sp>
+        <p:nvSpPr>
+          <p:cNvPr id="4" name="Título 1"/>
+          <p:cNvSpPr>
+            <a:spLocks noGrp="1"/>
+          </p:cNvSpPr>
+          <p:nvPr>
+            <p:ph type="title"/>
+          </p:nvPr>
+        </p:nvSpPr>
+        <p:spPr>
+          <a:xfrm>
+            <a:off x="628650" y="365126"/>
+            <a:ext cx="7886700" cy="1325563"/>
+          </a:xfrm>
+        </p:spPr>
+        <p:txBody>
+          <a:bodyPr/>
+          <a:lstStyle/>
+          <a:p>
+            <a:r>
+              <a:rPr lang="pt-BR" dirty="0"/>
+              <a:t>Estratégia de Controle</a:t>
+            </a:r>
+          </a:p>
+        </p:txBody>
+      </p:sp>
+      <p:sp>
+        <p:nvSpPr>
+          <p:cNvPr id="2" name="Espaço Reservado para Número de Slide 1"/>
+          <p:cNvSpPr>
+            <a:spLocks noGrp="1"/>
+          </p:cNvSpPr>
+          <p:nvPr>
+            <p:ph type="sldNum" sz="quarter" idx="12"/>
+          </p:nvPr>
+        </p:nvSpPr>
+        <p:spPr/>
+        <p:txBody>
+          <a:bodyPr/>
+          <a:lstStyle/>
+          <a:p>
+            <a:fld id="{81005A1F-7AC2-4032-AE25-0D28B304E158}" type="slidenum">
+              <a:rPr lang="pt-BR" smtClean="0"/>
+              <a:t>12</a:t>
+            </a:fld>
+            <a:endParaRPr lang="pt-BR"/>
+          </a:p>
+        </p:txBody>
+      </p:sp>
+    </p:spTree>
+    <p:extLst>
+      <p:ext uri="{BB962C8B-B14F-4D97-AF65-F5344CB8AC3E}">
+        <p14:creationId xmlns:p14="http://schemas.microsoft.com/office/powerpoint/2010/main" val="2537452639"/>
+      </p:ext>
+    </p:extLst>
+  </p:cSld>
+  <p:clrMapOvr>
+    <a:masterClrMapping/>
+  </p:clrMapOvr>
+</p:sld>
+</file>
+
+<file path=ppt/slides/slide13.xml><?xml version="1.0" encoding="utf-8"?>
+<p:sld xmlns:a="http://schemas.openxmlformats.org/drawingml/2006/main" xmlns:r="http://schemas.openxmlformats.org/officeDocument/2006/relationships" xmlns:p="http://schemas.openxmlformats.org/presentationml/2006/main">
+  <p:cSld>
+    <p:spTree>
+      <p:nvGrpSpPr>
+        <p:cNvPr id="1" name=""/>
+        <p:cNvGrpSpPr/>
+        <p:nvPr/>
+      </p:nvGrpSpPr>
+      <p:grpSpPr>
+        <a:xfrm>
+          <a:off x="0" y="0"/>
+          <a:ext cx="0" cy="0"/>
+          <a:chOff x="0" y="0"/>
+          <a:chExt cx="0" cy="0"/>
+        </a:xfrm>
+      </p:grpSpPr>
+      <p:sp>
+        <p:nvSpPr>
+          <p:cNvPr id="2" name="Título 1"/>
+          <p:cNvSpPr>
+            <a:spLocks noGrp="1"/>
+          </p:cNvSpPr>
+          <p:nvPr>
+            <p:ph type="title"/>
+          </p:nvPr>
+        </p:nvSpPr>
         <p:spPr/>
         <p:txBody>
           <a:bodyPr/>
@@ -4627,7 +6717,7 @@
           <a:p>
             <a:fld id="{81005A1F-7AC2-4032-AE25-0D28B304E158}" type="slidenum">
               <a:rPr lang="pt-BR" smtClean="0"/>
-              <a:t>10</a:t>
+              <a:t>13</a:t>
             </a:fld>
             <a:endParaRPr lang="pt-BR"/>
           </a:p>
@@ -4646,7 +6736,7 @@
 </p:sld>
 </file>
 
-<file path=ppt/slides/slide11.xml><?xml version="1.0" encoding="utf-8"?>
+<file path=ppt/slides/slide14.xml><?xml version="1.0" encoding="utf-8"?>
 <p:sld xmlns:a="http://schemas.openxmlformats.org/drawingml/2006/main" xmlns:r="http://schemas.openxmlformats.org/officeDocument/2006/relationships" xmlns:p="http://schemas.openxmlformats.org/presentationml/2006/main">
   <p:cSld>
     <p:spTree>
@@ -4748,7 +6838,7 @@
           <a:p>
             <a:fld id="{81005A1F-7AC2-4032-AE25-0D28B304E158}" type="slidenum">
               <a:rPr lang="pt-BR" smtClean="0"/>
-              <a:t>11</a:t>
+              <a:t>14</a:t>
             </a:fld>
             <a:endParaRPr lang="pt-BR"/>
           </a:p>
@@ -4767,7 +6857,7 @@
 </p:sld>
 </file>
 
-<file path=ppt/slides/slide12.xml><?xml version="1.0" encoding="utf-8"?>
+<file path=ppt/slides/slide15.xml><?xml version="1.0" encoding="utf-8"?>
 <p:sld xmlns:a="http://schemas.openxmlformats.org/drawingml/2006/main" xmlns:r="http://schemas.openxmlformats.org/officeDocument/2006/relationships" xmlns:p="http://schemas.openxmlformats.org/presentationml/2006/main">
   <p:cSld>
     <p:spTree>
@@ -4869,7 +6959,7 @@
           <a:p>
             <a:fld id="{81005A1F-7AC2-4032-AE25-0D28B304E158}" type="slidenum">
               <a:rPr lang="pt-BR" smtClean="0"/>
-              <a:t>12</a:t>
+              <a:t>15</a:t>
             </a:fld>
             <a:endParaRPr lang="pt-BR"/>
           </a:p>
@@ -4888,7 +6978,7 @@
 </p:sld>
 </file>
 
-<file path=ppt/slides/slide13.xml><?xml version="1.0" encoding="utf-8"?>
+<file path=ppt/slides/slide16.xml><?xml version="1.0" encoding="utf-8"?>
 <p:sld xmlns:a="http://schemas.openxmlformats.org/drawingml/2006/main" xmlns:r="http://schemas.openxmlformats.org/officeDocument/2006/relationships" xmlns:p="http://schemas.openxmlformats.org/presentationml/2006/main">
   <p:cSld>
     <p:spTree>
@@ -5038,7 +7128,7 @@
           <a:p>
             <a:fld id="{81005A1F-7AC2-4032-AE25-0D28B304E158}" type="slidenum">
               <a:rPr lang="pt-BR" smtClean="0"/>
-              <a:t>13</a:t>
+              <a:t>16</a:t>
             </a:fld>
             <a:endParaRPr lang="pt-BR"/>
           </a:p>
@@ -5057,7 +7147,7 @@
 </p:sld>
 </file>
 
-<file path=ppt/slides/slide14.xml><?xml version="1.0" encoding="utf-8"?>
+<file path=ppt/slides/slide17.xml><?xml version="1.0" encoding="utf-8"?>
 <p:sld xmlns:a="http://schemas.openxmlformats.org/drawingml/2006/main" xmlns:r="http://schemas.openxmlformats.org/officeDocument/2006/relationships" xmlns:p="http://schemas.openxmlformats.org/presentationml/2006/main">
   <p:cSld>
     <p:spTree>
@@ -5207,7 +7297,7 @@
           <a:p>
             <a:fld id="{81005A1F-7AC2-4032-AE25-0D28B304E158}" type="slidenum">
               <a:rPr lang="pt-BR" smtClean="0"/>
-              <a:t>14</a:t>
+              <a:t>17</a:t>
             </a:fld>
             <a:endParaRPr lang="pt-BR"/>
           </a:p>
@@ -5226,7 +7316,7 @@
 </p:sld>
 </file>
 
-<file path=ppt/slides/slide15.xml><?xml version="1.0" encoding="utf-8"?>
+<file path=ppt/slides/slide18.xml><?xml version="1.0" encoding="utf-8"?>
 <p:sld xmlns:a="http://schemas.openxmlformats.org/drawingml/2006/main" xmlns:r="http://schemas.openxmlformats.org/officeDocument/2006/relationships" xmlns:p="http://schemas.openxmlformats.org/presentationml/2006/main">
   <p:cSld>
     <p:spTree>
@@ -5313,7 +7403,7 @@
           <a:p>
             <a:fld id="{81005A1F-7AC2-4032-AE25-0D28B304E158}" type="slidenum">
               <a:rPr lang="pt-BR" smtClean="0"/>
-              <a:t>15</a:t>
+              <a:t>18</a:t>
             </a:fld>
             <a:endParaRPr lang="pt-BR"/>
           </a:p>
@@ -5323,297 +7413,6 @@
     <p:extLst>
       <p:ext uri="{BB962C8B-B14F-4D97-AF65-F5344CB8AC3E}">
         <p14:creationId xmlns:p14="http://schemas.microsoft.com/office/powerpoint/2010/main" val="317622335"/>
-      </p:ext>
-    </p:extLst>
-  </p:cSld>
-  <p:clrMapOvr>
-    <a:masterClrMapping/>
-  </p:clrMapOvr>
-</p:sld>
-</file>
-
-<file path=ppt/slides/slide16.xml><?xml version="1.0" encoding="utf-8"?>
-<p:sld xmlns:a="http://schemas.openxmlformats.org/drawingml/2006/main" xmlns:r="http://schemas.openxmlformats.org/officeDocument/2006/relationships" xmlns:p="http://schemas.openxmlformats.org/presentationml/2006/main">
-  <p:cSld>
-    <p:spTree>
-      <p:nvGrpSpPr>
-        <p:cNvPr id="1" name=""/>
-        <p:cNvGrpSpPr/>
-        <p:nvPr/>
-      </p:nvGrpSpPr>
-      <p:grpSpPr>
-        <a:xfrm>
-          <a:off x="0" y="0"/>
-          <a:ext cx="0" cy="0"/>
-          <a:chOff x="0" y="0"/>
-          <a:chExt cx="0" cy="0"/>
-        </a:xfrm>
-      </p:grpSpPr>
-      <p:sp>
-        <p:nvSpPr>
-          <p:cNvPr id="2" name="Título 1"/>
-          <p:cNvSpPr>
-            <a:spLocks noGrp="1"/>
-          </p:cNvSpPr>
-          <p:nvPr>
-            <p:ph type="title"/>
-          </p:nvPr>
-        </p:nvSpPr>
-        <p:spPr/>
-        <p:txBody>
-          <a:bodyPr/>
-          <a:lstStyle/>
-          <a:p>
-            <a:r>
-              <a:rPr lang="pt-BR" dirty="0"/>
-              <a:t>Resultados</a:t>
-            </a:r>
-          </a:p>
-        </p:txBody>
-      </p:sp>
-      <p:sp>
-        <p:nvSpPr>
-          <p:cNvPr id="3" name="Espaço Reservado para Conteúdo 2"/>
-          <p:cNvSpPr>
-            <a:spLocks noGrp="1"/>
-          </p:cNvSpPr>
-          <p:nvPr>
-            <p:ph idx="1"/>
-          </p:nvPr>
-        </p:nvSpPr>
-        <p:spPr/>
-        <p:txBody>
-          <a:bodyPr/>
-          <a:lstStyle/>
-          <a:p>
-            <a:r>
-              <a:rPr lang="pt-BR" dirty="0"/>
-              <a:t>Inoperante</a:t>
-            </a:r>
-          </a:p>
-        </p:txBody>
-      </p:sp>
-      <p:sp>
-        <p:nvSpPr>
-          <p:cNvPr id="4" name="Espaço Reservado para Número de Slide 3"/>
-          <p:cNvSpPr>
-            <a:spLocks noGrp="1"/>
-          </p:cNvSpPr>
-          <p:nvPr>
-            <p:ph type="sldNum" sz="quarter" idx="12"/>
-          </p:nvPr>
-        </p:nvSpPr>
-        <p:spPr/>
-        <p:txBody>
-          <a:bodyPr/>
-          <a:lstStyle/>
-          <a:p>
-            <a:fld id="{81005A1F-7AC2-4032-AE25-0D28B304E158}" type="slidenum">
-              <a:rPr lang="pt-BR" smtClean="0"/>
-              <a:t>16</a:t>
-            </a:fld>
-            <a:endParaRPr lang="pt-BR"/>
-          </a:p>
-        </p:txBody>
-      </p:sp>
-    </p:spTree>
-    <p:extLst>
-      <p:ext uri="{BB962C8B-B14F-4D97-AF65-F5344CB8AC3E}">
-        <p14:creationId xmlns:p14="http://schemas.microsoft.com/office/powerpoint/2010/main" val="356346569"/>
-      </p:ext>
-    </p:extLst>
-  </p:cSld>
-  <p:clrMapOvr>
-    <a:masterClrMapping/>
-  </p:clrMapOvr>
-</p:sld>
-</file>
-
-<file path=ppt/slides/slide17.xml><?xml version="1.0" encoding="utf-8"?>
-<p:sld xmlns:a="http://schemas.openxmlformats.org/drawingml/2006/main" xmlns:r="http://schemas.openxmlformats.org/officeDocument/2006/relationships" xmlns:p="http://schemas.openxmlformats.org/presentationml/2006/main">
-  <p:cSld>
-    <p:spTree>
-      <p:nvGrpSpPr>
-        <p:cNvPr id="1" name=""/>
-        <p:cNvGrpSpPr/>
-        <p:nvPr/>
-      </p:nvGrpSpPr>
-      <p:grpSpPr>
-        <a:xfrm>
-          <a:off x="0" y="0"/>
-          <a:ext cx="0" cy="0"/>
-          <a:chOff x="0" y="0"/>
-          <a:chExt cx="0" cy="0"/>
-        </a:xfrm>
-      </p:grpSpPr>
-      <p:sp>
-        <p:nvSpPr>
-          <p:cNvPr id="2" name="Título 1"/>
-          <p:cNvSpPr>
-            <a:spLocks noGrp="1"/>
-          </p:cNvSpPr>
-          <p:nvPr>
-            <p:ph type="title"/>
-          </p:nvPr>
-        </p:nvSpPr>
-        <p:spPr/>
-        <p:txBody>
-          <a:bodyPr/>
-          <a:lstStyle/>
-          <a:p>
-            <a:r>
-              <a:rPr lang="pt-BR" dirty="0"/>
-              <a:t>Resultados</a:t>
-            </a:r>
-          </a:p>
-        </p:txBody>
-      </p:sp>
-      <p:sp>
-        <p:nvSpPr>
-          <p:cNvPr id="3" name="Espaço Reservado para Conteúdo 2"/>
-          <p:cNvSpPr>
-            <a:spLocks noGrp="1"/>
-          </p:cNvSpPr>
-          <p:nvPr>
-            <p:ph idx="1"/>
-          </p:nvPr>
-        </p:nvSpPr>
-        <p:spPr/>
-        <p:txBody>
-          <a:bodyPr/>
-          <a:lstStyle/>
-          <a:p>
-            <a:r>
-              <a:rPr lang="pt-BR" dirty="0"/>
-              <a:t>Máxima Carga</a:t>
-            </a:r>
-          </a:p>
-        </p:txBody>
-      </p:sp>
-      <p:sp>
-        <p:nvSpPr>
-          <p:cNvPr id="4" name="Espaço Reservado para Número de Slide 3"/>
-          <p:cNvSpPr>
-            <a:spLocks noGrp="1"/>
-          </p:cNvSpPr>
-          <p:nvPr>
-            <p:ph type="sldNum" sz="quarter" idx="12"/>
-          </p:nvPr>
-        </p:nvSpPr>
-        <p:spPr/>
-        <p:txBody>
-          <a:bodyPr/>
-          <a:lstStyle/>
-          <a:p>
-            <a:fld id="{81005A1F-7AC2-4032-AE25-0D28B304E158}" type="slidenum">
-              <a:rPr lang="pt-BR" smtClean="0"/>
-              <a:t>17</a:t>
-            </a:fld>
-            <a:endParaRPr lang="pt-BR"/>
-          </a:p>
-        </p:txBody>
-      </p:sp>
-    </p:spTree>
-    <p:extLst>
-      <p:ext uri="{BB962C8B-B14F-4D97-AF65-F5344CB8AC3E}">
-        <p14:creationId xmlns:p14="http://schemas.microsoft.com/office/powerpoint/2010/main" val="3087304663"/>
-      </p:ext>
-    </p:extLst>
-  </p:cSld>
-  <p:clrMapOvr>
-    <a:masterClrMapping/>
-  </p:clrMapOvr>
-</p:sld>
-</file>
-
-<file path=ppt/slides/slide18.xml><?xml version="1.0" encoding="utf-8"?>
-<p:sld xmlns:a="http://schemas.openxmlformats.org/drawingml/2006/main" xmlns:r="http://schemas.openxmlformats.org/officeDocument/2006/relationships" xmlns:p="http://schemas.openxmlformats.org/presentationml/2006/main">
-  <p:cSld>
-    <p:spTree>
-      <p:nvGrpSpPr>
-        <p:cNvPr id="1" name=""/>
-        <p:cNvGrpSpPr/>
-        <p:nvPr/>
-      </p:nvGrpSpPr>
-      <p:grpSpPr>
-        <a:xfrm>
-          <a:off x="0" y="0"/>
-          <a:ext cx="0" cy="0"/>
-          <a:chOff x="0" y="0"/>
-          <a:chExt cx="0" cy="0"/>
-        </a:xfrm>
-      </p:grpSpPr>
-      <p:sp>
-        <p:nvSpPr>
-          <p:cNvPr id="2" name="Título 1"/>
-          <p:cNvSpPr>
-            <a:spLocks noGrp="1"/>
-          </p:cNvSpPr>
-          <p:nvPr>
-            <p:ph type="title"/>
-          </p:nvPr>
-        </p:nvSpPr>
-        <p:spPr/>
-        <p:txBody>
-          <a:bodyPr/>
-          <a:lstStyle/>
-          <a:p>
-            <a:r>
-              <a:rPr lang="pt-BR" dirty="0"/>
-              <a:t>Resultados</a:t>
-            </a:r>
-          </a:p>
-        </p:txBody>
-      </p:sp>
-      <p:sp>
-        <p:nvSpPr>
-          <p:cNvPr id="3" name="Espaço Reservado para Conteúdo 2"/>
-          <p:cNvSpPr>
-            <a:spLocks noGrp="1"/>
-          </p:cNvSpPr>
-          <p:nvPr>
-            <p:ph idx="1"/>
-          </p:nvPr>
-        </p:nvSpPr>
-        <p:spPr/>
-        <p:txBody>
-          <a:bodyPr/>
-          <a:lstStyle/>
-          <a:p>
-            <a:r>
-              <a:rPr lang="pt-BR" dirty="0"/>
-              <a:t>Regime Transitório</a:t>
-            </a:r>
-          </a:p>
-        </p:txBody>
-      </p:sp>
-      <p:sp>
-        <p:nvSpPr>
-          <p:cNvPr id="4" name="Espaço Reservado para Número de Slide 3"/>
-          <p:cNvSpPr>
-            <a:spLocks noGrp="1"/>
-          </p:cNvSpPr>
-          <p:nvPr>
-            <p:ph type="sldNum" sz="quarter" idx="12"/>
-          </p:nvPr>
-        </p:nvSpPr>
-        <p:spPr/>
-        <p:txBody>
-          <a:bodyPr/>
-          <a:lstStyle/>
-          <a:p>
-            <a:fld id="{81005A1F-7AC2-4032-AE25-0D28B304E158}" type="slidenum">
-              <a:rPr lang="pt-BR" smtClean="0"/>
-              <a:t>18</a:t>
-            </a:fld>
-            <a:endParaRPr lang="pt-BR"/>
-          </a:p>
-        </p:txBody>
-      </p:sp>
-    </p:spTree>
-    <p:extLst>
-      <p:ext uri="{BB962C8B-B14F-4D97-AF65-F5344CB8AC3E}">
-        <p14:creationId xmlns:p14="http://schemas.microsoft.com/office/powerpoint/2010/main" val="4292606975"/>
       </p:ext>
     </p:extLst>
   </p:cSld>
@@ -5679,7 +7478,7 @@
           <a:p>
             <a:r>
               <a:rPr lang="pt-BR" dirty="0"/>
-              <a:t>Regime Permanente</a:t>
+              <a:t>Inoperante</a:t>
             </a:r>
           </a:p>
         </p:txBody>
@@ -5710,7 +7509,7 @@
     </p:spTree>
     <p:extLst>
       <p:ext uri="{BB962C8B-B14F-4D97-AF65-F5344CB8AC3E}">
-        <p14:creationId xmlns:p14="http://schemas.microsoft.com/office/powerpoint/2010/main" val="1027324587"/>
+        <p14:creationId xmlns:p14="http://schemas.microsoft.com/office/powerpoint/2010/main" val="356346569"/>
       </p:ext>
     </p:extLst>
   </p:cSld>
@@ -6548,7 +8347,7 @@
           <a:p>
             <a:r>
               <a:rPr lang="pt-BR" dirty="0"/>
-              <a:t>Conclusão</a:t>
+              <a:t>Resultados</a:t>
             </a:r>
           </a:p>
         </p:txBody>
@@ -6570,19 +8369,7 @@
           <a:p>
             <a:r>
               <a:rPr lang="pt-BR" dirty="0"/>
-              <a:t>O filtro operou como esperado, deixando a resposta dentro das normas aeronáuticas</a:t>
-            </a:r>
-          </a:p>
-          <a:p>
-            <a:r>
-              <a:rPr lang="pt-BR" dirty="0"/>
-              <a:t>Quando há demanda de carga o filtro age deixando o sistema operando com alto fator de potência</a:t>
-            </a:r>
-          </a:p>
-          <a:p>
-            <a:r>
-              <a:rPr lang="pt-BR" dirty="0"/>
-              <a:t>Houve a constatação que sem carga ou com baixa carga houve a degradação da qualidade de energia</a:t>
+              <a:t>Máxima Carga</a:t>
             </a:r>
           </a:p>
         </p:txBody>
@@ -6613,7 +8400,7 @@
     </p:spTree>
     <p:extLst>
       <p:ext uri="{BB962C8B-B14F-4D97-AF65-F5344CB8AC3E}">
-        <p14:creationId xmlns:p14="http://schemas.microsoft.com/office/powerpoint/2010/main" val="1643924387"/>
+        <p14:creationId xmlns:p14="http://schemas.microsoft.com/office/powerpoint/2010/main" val="3087304663"/>
       </p:ext>
     </p:extLst>
   </p:cSld>
@@ -6657,7 +8444,7 @@
           <a:p>
             <a:r>
               <a:rPr lang="pt-BR" dirty="0"/>
-              <a:t>Conclusão </a:t>
+              <a:t>Resultados</a:t>
             </a:r>
           </a:p>
         </p:txBody>
@@ -6679,7 +8466,7 @@
           <a:p>
             <a:r>
               <a:rPr lang="pt-BR" dirty="0"/>
-              <a:t>Trabalhos futuros</a:t>
+              <a:t>Regime Transitório</a:t>
             </a:r>
           </a:p>
         </p:txBody>
@@ -6710,6 +8497,309 @@
     </p:spTree>
     <p:extLst>
       <p:ext uri="{BB962C8B-B14F-4D97-AF65-F5344CB8AC3E}">
+        <p14:creationId xmlns:p14="http://schemas.microsoft.com/office/powerpoint/2010/main" val="4292606975"/>
+      </p:ext>
+    </p:extLst>
+  </p:cSld>
+  <p:clrMapOvr>
+    <a:masterClrMapping/>
+  </p:clrMapOvr>
+</p:sld>
+</file>
+
+<file path=ppt/slides/slide22.xml><?xml version="1.0" encoding="utf-8"?>
+<p:sld xmlns:a="http://schemas.openxmlformats.org/drawingml/2006/main" xmlns:r="http://schemas.openxmlformats.org/officeDocument/2006/relationships" xmlns:p="http://schemas.openxmlformats.org/presentationml/2006/main">
+  <p:cSld>
+    <p:spTree>
+      <p:nvGrpSpPr>
+        <p:cNvPr id="1" name=""/>
+        <p:cNvGrpSpPr/>
+        <p:nvPr/>
+      </p:nvGrpSpPr>
+      <p:grpSpPr>
+        <a:xfrm>
+          <a:off x="0" y="0"/>
+          <a:ext cx="0" cy="0"/>
+          <a:chOff x="0" y="0"/>
+          <a:chExt cx="0" cy="0"/>
+        </a:xfrm>
+      </p:grpSpPr>
+      <p:sp>
+        <p:nvSpPr>
+          <p:cNvPr id="2" name="Título 1"/>
+          <p:cNvSpPr>
+            <a:spLocks noGrp="1"/>
+          </p:cNvSpPr>
+          <p:nvPr>
+            <p:ph type="title"/>
+          </p:nvPr>
+        </p:nvSpPr>
+        <p:spPr/>
+        <p:txBody>
+          <a:bodyPr/>
+          <a:lstStyle/>
+          <a:p>
+            <a:r>
+              <a:rPr lang="pt-BR" dirty="0"/>
+              <a:t>Resultados</a:t>
+            </a:r>
+          </a:p>
+        </p:txBody>
+      </p:sp>
+      <p:sp>
+        <p:nvSpPr>
+          <p:cNvPr id="3" name="Espaço Reservado para Conteúdo 2"/>
+          <p:cNvSpPr>
+            <a:spLocks noGrp="1"/>
+          </p:cNvSpPr>
+          <p:nvPr>
+            <p:ph idx="1"/>
+          </p:nvPr>
+        </p:nvSpPr>
+        <p:spPr/>
+        <p:txBody>
+          <a:bodyPr/>
+          <a:lstStyle/>
+          <a:p>
+            <a:r>
+              <a:rPr lang="pt-BR" dirty="0"/>
+              <a:t>Regime Permanente</a:t>
+            </a:r>
+          </a:p>
+        </p:txBody>
+      </p:sp>
+      <p:sp>
+        <p:nvSpPr>
+          <p:cNvPr id="4" name="Espaço Reservado para Número de Slide 3"/>
+          <p:cNvSpPr>
+            <a:spLocks noGrp="1"/>
+          </p:cNvSpPr>
+          <p:nvPr>
+            <p:ph type="sldNum" sz="quarter" idx="12"/>
+          </p:nvPr>
+        </p:nvSpPr>
+        <p:spPr/>
+        <p:txBody>
+          <a:bodyPr/>
+          <a:lstStyle/>
+          <a:p>
+            <a:fld id="{81005A1F-7AC2-4032-AE25-0D28B304E158}" type="slidenum">
+              <a:rPr lang="pt-BR" smtClean="0"/>
+              <a:t>22</a:t>
+            </a:fld>
+            <a:endParaRPr lang="pt-BR"/>
+          </a:p>
+        </p:txBody>
+      </p:sp>
+    </p:spTree>
+    <p:extLst>
+      <p:ext uri="{BB962C8B-B14F-4D97-AF65-F5344CB8AC3E}">
+        <p14:creationId xmlns:p14="http://schemas.microsoft.com/office/powerpoint/2010/main" val="1027324587"/>
+      </p:ext>
+    </p:extLst>
+  </p:cSld>
+  <p:clrMapOvr>
+    <a:masterClrMapping/>
+  </p:clrMapOvr>
+</p:sld>
+</file>
+
+<file path=ppt/slides/slide23.xml><?xml version="1.0" encoding="utf-8"?>
+<p:sld xmlns:a="http://schemas.openxmlformats.org/drawingml/2006/main" xmlns:r="http://schemas.openxmlformats.org/officeDocument/2006/relationships" xmlns:p="http://schemas.openxmlformats.org/presentationml/2006/main">
+  <p:cSld>
+    <p:spTree>
+      <p:nvGrpSpPr>
+        <p:cNvPr id="1" name=""/>
+        <p:cNvGrpSpPr/>
+        <p:nvPr/>
+      </p:nvGrpSpPr>
+      <p:grpSpPr>
+        <a:xfrm>
+          <a:off x="0" y="0"/>
+          <a:ext cx="0" cy="0"/>
+          <a:chOff x="0" y="0"/>
+          <a:chExt cx="0" cy="0"/>
+        </a:xfrm>
+      </p:grpSpPr>
+      <p:sp>
+        <p:nvSpPr>
+          <p:cNvPr id="2" name="Título 1"/>
+          <p:cNvSpPr>
+            <a:spLocks noGrp="1"/>
+          </p:cNvSpPr>
+          <p:nvPr>
+            <p:ph type="title"/>
+          </p:nvPr>
+        </p:nvSpPr>
+        <p:spPr/>
+        <p:txBody>
+          <a:bodyPr/>
+          <a:lstStyle/>
+          <a:p>
+            <a:r>
+              <a:rPr lang="pt-BR" dirty="0"/>
+              <a:t>Conclusão</a:t>
+            </a:r>
+          </a:p>
+        </p:txBody>
+      </p:sp>
+      <p:sp>
+        <p:nvSpPr>
+          <p:cNvPr id="3" name="Espaço Reservado para Conteúdo 2"/>
+          <p:cNvSpPr>
+            <a:spLocks noGrp="1"/>
+          </p:cNvSpPr>
+          <p:nvPr>
+            <p:ph idx="1"/>
+          </p:nvPr>
+        </p:nvSpPr>
+        <p:spPr/>
+        <p:txBody>
+          <a:bodyPr/>
+          <a:lstStyle/>
+          <a:p>
+            <a:r>
+              <a:rPr lang="pt-BR" dirty="0"/>
+              <a:t>O filtro operou como esperado, deixando a resposta dentro das normas aeronáuticas</a:t>
+            </a:r>
+          </a:p>
+          <a:p>
+            <a:r>
+              <a:rPr lang="pt-BR" dirty="0"/>
+              <a:t>Quando há demanda de carga o filtro age deixando o sistema operando com alto fator de potência</a:t>
+            </a:r>
+          </a:p>
+          <a:p>
+            <a:r>
+              <a:rPr lang="pt-BR" dirty="0"/>
+              <a:t>Houve a constatação que sem carga ou com baixa carga houve a degradação da qualidade de energia</a:t>
+            </a:r>
+          </a:p>
+        </p:txBody>
+      </p:sp>
+      <p:sp>
+        <p:nvSpPr>
+          <p:cNvPr id="4" name="Espaço Reservado para Número de Slide 3"/>
+          <p:cNvSpPr>
+            <a:spLocks noGrp="1"/>
+          </p:cNvSpPr>
+          <p:nvPr>
+            <p:ph type="sldNum" sz="quarter" idx="12"/>
+          </p:nvPr>
+        </p:nvSpPr>
+        <p:spPr/>
+        <p:txBody>
+          <a:bodyPr/>
+          <a:lstStyle/>
+          <a:p>
+            <a:fld id="{81005A1F-7AC2-4032-AE25-0D28B304E158}" type="slidenum">
+              <a:rPr lang="pt-BR" smtClean="0"/>
+              <a:t>23</a:t>
+            </a:fld>
+            <a:endParaRPr lang="pt-BR"/>
+          </a:p>
+        </p:txBody>
+      </p:sp>
+    </p:spTree>
+    <p:extLst>
+      <p:ext uri="{BB962C8B-B14F-4D97-AF65-F5344CB8AC3E}">
+        <p14:creationId xmlns:p14="http://schemas.microsoft.com/office/powerpoint/2010/main" val="1643924387"/>
+      </p:ext>
+    </p:extLst>
+  </p:cSld>
+  <p:clrMapOvr>
+    <a:masterClrMapping/>
+  </p:clrMapOvr>
+</p:sld>
+</file>
+
+<file path=ppt/slides/slide24.xml><?xml version="1.0" encoding="utf-8"?>
+<p:sld xmlns:a="http://schemas.openxmlformats.org/drawingml/2006/main" xmlns:r="http://schemas.openxmlformats.org/officeDocument/2006/relationships" xmlns:p="http://schemas.openxmlformats.org/presentationml/2006/main">
+  <p:cSld>
+    <p:spTree>
+      <p:nvGrpSpPr>
+        <p:cNvPr id="1" name=""/>
+        <p:cNvGrpSpPr/>
+        <p:nvPr/>
+      </p:nvGrpSpPr>
+      <p:grpSpPr>
+        <a:xfrm>
+          <a:off x="0" y="0"/>
+          <a:ext cx="0" cy="0"/>
+          <a:chOff x="0" y="0"/>
+          <a:chExt cx="0" cy="0"/>
+        </a:xfrm>
+      </p:grpSpPr>
+      <p:sp>
+        <p:nvSpPr>
+          <p:cNvPr id="2" name="Título 1"/>
+          <p:cNvSpPr>
+            <a:spLocks noGrp="1"/>
+          </p:cNvSpPr>
+          <p:nvPr>
+            <p:ph type="title"/>
+          </p:nvPr>
+        </p:nvSpPr>
+        <p:spPr/>
+        <p:txBody>
+          <a:bodyPr/>
+          <a:lstStyle/>
+          <a:p>
+            <a:r>
+              <a:rPr lang="pt-BR" dirty="0"/>
+              <a:t>Conclusão </a:t>
+            </a:r>
+          </a:p>
+        </p:txBody>
+      </p:sp>
+      <p:sp>
+        <p:nvSpPr>
+          <p:cNvPr id="3" name="Espaço Reservado para Conteúdo 2"/>
+          <p:cNvSpPr>
+            <a:spLocks noGrp="1"/>
+          </p:cNvSpPr>
+          <p:nvPr>
+            <p:ph idx="1"/>
+          </p:nvPr>
+        </p:nvSpPr>
+        <p:spPr/>
+        <p:txBody>
+          <a:bodyPr/>
+          <a:lstStyle/>
+          <a:p>
+            <a:r>
+              <a:rPr lang="pt-BR" dirty="0"/>
+              <a:t>Trabalhos futuros</a:t>
+            </a:r>
+          </a:p>
+        </p:txBody>
+      </p:sp>
+      <p:sp>
+        <p:nvSpPr>
+          <p:cNvPr id="4" name="Espaço Reservado para Número de Slide 3"/>
+          <p:cNvSpPr>
+            <a:spLocks noGrp="1"/>
+          </p:cNvSpPr>
+          <p:nvPr>
+            <p:ph type="sldNum" sz="quarter" idx="12"/>
+          </p:nvPr>
+        </p:nvSpPr>
+        <p:spPr/>
+        <p:txBody>
+          <a:bodyPr/>
+          <a:lstStyle/>
+          <a:p>
+            <a:fld id="{81005A1F-7AC2-4032-AE25-0D28B304E158}" type="slidenum">
+              <a:rPr lang="pt-BR" smtClean="0"/>
+              <a:t>24</a:t>
+            </a:fld>
+            <a:endParaRPr lang="pt-BR"/>
+          </a:p>
+        </p:txBody>
+      </p:sp>
+    </p:spTree>
+    <p:extLst>
+      <p:ext uri="{BB962C8B-B14F-4D97-AF65-F5344CB8AC3E}">
         <p14:creationId xmlns:p14="http://schemas.microsoft.com/office/powerpoint/2010/main" val="2478691360"/>
       </p:ext>
     </p:extLst>
@@ -6720,7 +8810,7 @@
 </p:sld>
 </file>
 
-<file path=ppt/slides/slide22.xml><?xml version="1.0" encoding="utf-8"?>
+<file path=ppt/slides/slide25.xml><?xml version="1.0" encoding="utf-8"?>
 <p:sld xmlns:a="http://schemas.openxmlformats.org/drawingml/2006/main" xmlns:r="http://schemas.openxmlformats.org/officeDocument/2006/relationships" xmlns:p="http://schemas.openxmlformats.org/presentationml/2006/main">
   <p:cSld>
     <p:spTree>
@@ -6795,7 +8885,7 @@
           <a:p>
             <a:fld id="{81005A1F-7AC2-4032-AE25-0D28B304E158}" type="slidenum">
               <a:rPr lang="pt-BR" smtClean="0"/>
-              <a:t>22</a:t>
+              <a:t>25</a:t>
             </a:fld>
             <a:endParaRPr lang="pt-BR"/>
           </a:p>
@@ -6854,10 +8944,9 @@
           <a:lstStyle/>
           <a:p>
             <a:r>
-              <a:rPr lang="pt-BR" sz="3200" dirty="0"/>
-              <a:t>Introdução (Motivação)</a:t>
+              <a:rPr lang="pt-BR" sz="2400" b="1" dirty="0"/>
+              <a:t>Introdução</a:t>
             </a:r>
-            <a:endParaRPr lang="pt-BR" sz="3200" dirty="0"/>
           </a:p>
         </p:txBody>
       </p:sp>
@@ -6883,19 +8972,19 @@
           <a:p>
             <a:r>
               <a:rPr lang="pt-BR" dirty="0"/>
-              <a:t>Aumento do uso do sistema elétrico</a:t>
+              <a:t>Tendência de aumento do uso do sistema elétrico em aeronaves</a:t>
+            </a:r>
+          </a:p>
+          <a:p>
+            <a:r>
+              <a:rPr lang="pt-BR" dirty="0"/>
+              <a:t>Sistemas hidráulicos e pneumáticos tendem a ser trocados por similares elétricos</a:t>
             </a:r>
           </a:p>
           <a:p>
             <a:r>
               <a:rPr lang="pt-BR" dirty="0"/>
               <a:t>Aumento de cargas não lineares </a:t>
-            </a:r>
-          </a:p>
-          <a:p>
-            <a:r>
-              <a:rPr lang="pt-BR" dirty="0"/>
-              <a:t>Normas aeronáuticas garantem o funcionamento dos equipamentos conectados no sistema</a:t>
             </a:r>
           </a:p>
           <a:p>
@@ -7614,10 +9703,34 @@
           </a:p>
         </p:txBody>
       </p:sp>
+      <p:pic>
+        <p:nvPicPr>
+          <p:cNvPr id="10" name="Imagem 9"/>
+          <p:cNvPicPr>
+            <a:picLocks noChangeAspect="1"/>
+          </p:cNvPicPr>
+          <p:nvPr/>
+        </p:nvPicPr>
+        <p:blipFill>
+          <a:blip r:embed="rId4"/>
+          <a:stretch>
+            <a:fillRect/>
+          </a:stretch>
+        </p:blipFill>
+        <p:spPr>
+          <a:xfrm>
+            <a:off x="3236215" y="4053213"/>
+            <a:ext cx="2631881" cy="2181926"/>
+          </a:xfrm>
+          <a:prstGeom prst="rect">
+            <a:avLst/>
+          </a:prstGeom>
+        </p:spPr>
+      </p:pic>
     </p:spTree>
     <p:extLst>
       <p:ext uri="{BB962C8B-B14F-4D97-AF65-F5344CB8AC3E}">
-        <p14:creationId xmlns:p14="http://schemas.microsoft.com/office/powerpoint/2010/main" val="3098730233"/>
+        <p14:creationId xmlns:p14="http://schemas.microsoft.com/office/powerpoint/2010/main" val="2770894251"/>
       </p:ext>
     </p:extLst>
   </p:cSld>
@@ -7667,10 +9780,9 @@
           <a:lstStyle/>
           <a:p>
             <a:r>
-              <a:rPr lang="pt-BR" sz="3200" dirty="0"/>
-              <a:t>Métodos de Correção de Fator de Potência</a:t>
+              <a:rPr lang="pt-BR" sz="2400" b="1" dirty="0"/>
+              <a:t>Motivação</a:t>
             </a:r>
-            <a:endParaRPr lang="pt-BR" sz="3200" dirty="0"/>
           </a:p>
         </p:txBody>
       </p:sp>
@@ -7694,71 +9806,21 @@
           <a:bodyPr/>
           <a:lstStyle/>
           <a:p>
-            <a:pPr lvl="0"/>
             <a:r>
-              <a:rPr lang="pt-BR" dirty="0">
-                <a:solidFill>
-                  <a:prstClr val="black"/>
-                </a:solidFill>
-              </a:rPr>
-              <a:t>Sistemas passivos:</a:t>
+              <a:rPr lang="pt-BR" dirty="0"/>
+              <a:t>Promover um estudo sobre diversas topologias de correção de fator de potência</a:t>
             </a:r>
           </a:p>
           <a:p>
-            <a:pPr lvl="1"/>
             <a:r>
-              <a:rPr lang="pt-BR" dirty="0">
-                <a:solidFill>
-                  <a:prstClr val="black"/>
-                </a:solidFill>
-              </a:rPr>
-              <a:t>Filtros passivos </a:t>
+              <a:rPr lang="pt-BR" dirty="0"/>
+              <a:t>Aprofundar o estudo na teoria das potências instantâneas</a:t>
             </a:r>
           </a:p>
           <a:p>
-            <a:pPr lvl="1"/>
             <a:r>
-              <a:rPr lang="pt-BR" dirty="0">
-                <a:solidFill>
-                  <a:prstClr val="black"/>
-                </a:solidFill>
-              </a:rPr>
-              <a:t>Conversores </a:t>
-            </a:r>
-            <a:r>
-              <a:rPr lang="pt-BR" dirty="0" err="1">
-                <a:solidFill>
-                  <a:prstClr val="black"/>
-                </a:solidFill>
-              </a:rPr>
-              <a:t>multipulso</a:t>
-            </a:r>
-            <a:endParaRPr lang="pt-BR" dirty="0">
-              <a:solidFill>
-                <a:prstClr val="black"/>
-              </a:solidFill>
-            </a:endParaRPr>
-          </a:p>
-          <a:p>
-            <a:pPr lvl="0"/>
-            <a:r>
-              <a:rPr lang="pt-BR" dirty="0">
-                <a:solidFill>
-                  <a:prstClr val="black"/>
-                </a:solidFill>
-              </a:rPr>
-              <a:t>Sistemas ativos:</a:t>
-            </a:r>
-          </a:p>
-          <a:p>
-            <a:pPr lvl="1"/>
-            <a:r>
-              <a:rPr lang="pt-BR" dirty="0">
-                <a:solidFill>
-                  <a:prstClr val="black"/>
-                </a:solidFill>
-              </a:rPr>
-              <a:t>Filtros Ativos</a:t>
+              <a:rPr lang="pt-BR" dirty="0"/>
+              <a:t>Viabilizar o conceito dos filtros ativos em sistemas elétricos aeronáuticos</a:t>
             </a:r>
           </a:p>
           <a:p>
@@ -8480,7 +10542,7 @@
     </p:spTree>
     <p:extLst>
       <p:ext uri="{BB962C8B-B14F-4D97-AF65-F5344CB8AC3E}">
-        <p14:creationId xmlns:p14="http://schemas.microsoft.com/office/powerpoint/2010/main" val="2464535808"/>
+        <p14:creationId xmlns:p14="http://schemas.microsoft.com/office/powerpoint/2010/main" val="3098730233"/>
       </p:ext>
     </p:extLst>
   </p:cSld>
@@ -8530,152 +10592,51 @@
           <a:lstStyle/>
           <a:p>
             <a:r>
-              <a:rPr lang="pt-BR" sz="3200" dirty="0"/>
-              <a:t>Teoria das Potências Instantâneas</a:t>
+              <a:rPr lang="pt-BR" sz="2400" b="1" dirty="0"/>
+              <a:t>Objetivos</a:t>
             </a:r>
-            <a:endParaRPr lang="pt-BR" sz="3200" dirty="0"/>
           </a:p>
         </p:txBody>
       </p:sp>
-      <mc:AlternateContent xmlns:mc="http://schemas.openxmlformats.org/markup-compatibility/2006">
-        <mc:Choice xmlns:a14="http://schemas.microsoft.com/office/drawing/2010/main" Requires="a14">
-          <p:sp>
-            <p:nvSpPr>
-              <p:cNvPr id="3" name="Espaço Reservado para Conteúdo 2"/>
-              <p:cNvSpPr>
-                <a:spLocks noGrp="1"/>
-              </p:cNvSpPr>
-              <p:nvPr>
-                <p:ph idx="1"/>
-              </p:nvPr>
-            </p:nvSpPr>
-            <p:spPr>
-              <a:xfrm>
-                <a:off x="507206" y="1685437"/>
-                <a:ext cx="8089900" cy="4735553"/>
-              </a:xfrm>
-            </p:spPr>
-            <p:txBody>
-              <a:bodyPr/>
-              <a:lstStyle/>
-              <a:p>
-                <a:pPr lvl="0"/>
-                <a:r>
-                  <a:rPr lang="pt-BR" dirty="0">
-                    <a:solidFill>
-                      <a:prstClr val="black"/>
-                    </a:solidFill>
-                  </a:rPr>
-                  <a:t>A teoria da potência instantânea é uma ferramenta aplicada no desenvolvimento de um filtro ativo</a:t>
-                </a:r>
-              </a:p>
-              <a:p>
-                <a:r>
-                  <a:rPr lang="pt-BR" dirty="0">
-                    <a:solidFill>
-                      <a:prstClr val="black"/>
-                    </a:solidFill>
-                  </a:rPr>
-                  <a:t>Aplicável apenas à sistemas trifásicos</a:t>
-                </a:r>
-              </a:p>
-              <a:p>
-                <a:pPr lvl="0"/>
-                <a:r>
-                  <a:rPr lang="pt-BR" dirty="0">
-                    <a:solidFill>
-                      <a:prstClr val="black"/>
-                    </a:solidFill>
-                  </a:rPr>
-                  <a:t>É realizada na determinação das potências instantâneas ativa e reativa (</a:t>
-                </a:r>
-                <a14:m>
-                  <m:oMath xmlns:m="http://schemas.openxmlformats.org/officeDocument/2006/math">
-                    <m:r>
-                      <a:rPr lang="pt-BR" b="0" i="1" smtClean="0">
-                        <a:solidFill>
-                          <a:prstClr val="black"/>
-                        </a:solidFill>
-                        <a:latin typeface="Cambria Math" panose="02040503050406030204" pitchFamily="18" charset="0"/>
-                      </a:rPr>
-                      <m:t>𝑝</m:t>
-                    </m:r>
-                  </m:oMath>
-                </a14:m>
-                <a:r>
-                  <a:rPr lang="pt-BR" dirty="0">
-                    <a:solidFill>
-                      <a:prstClr val="black"/>
-                    </a:solidFill>
-                  </a:rPr>
-                  <a:t> e </a:t>
-                </a:r>
-                <a14:m>
-                  <m:oMath xmlns:m="http://schemas.openxmlformats.org/officeDocument/2006/math">
-                    <m:r>
-                      <a:rPr lang="pt-BR" b="0" i="1" smtClean="0">
-                        <a:solidFill>
-                          <a:prstClr val="black"/>
-                        </a:solidFill>
-                        <a:latin typeface="Cambria Math" panose="02040503050406030204" pitchFamily="18" charset="0"/>
-                      </a:rPr>
-                      <m:t>𝑞</m:t>
-                    </m:r>
-                  </m:oMath>
-                </a14:m>
-                <a:r>
-                  <a:rPr lang="pt-BR" dirty="0">
-                    <a:solidFill>
-                      <a:prstClr val="black"/>
-                    </a:solidFill>
-                  </a:rPr>
-                  <a:t>, respectivamente)</a:t>
-                </a:r>
-              </a:p>
-              <a:p>
-                <a:endParaRPr lang="pt-BR" dirty="0"/>
-              </a:p>
-            </p:txBody>
-          </p:sp>
-        </mc:Choice>
-        <mc:Fallback>
-          <p:sp>
-            <p:nvSpPr>
-              <p:cNvPr id="3" name="Espaço Reservado para Conteúdo 2"/>
-              <p:cNvSpPr>
-                <a:spLocks noGrp="1" noRot="1" noChangeAspect="1" noMove="1" noResize="1" noEditPoints="1" noAdjustHandles="1" noChangeArrowheads="1" noChangeShapeType="1" noTextEdit="1"/>
-              </p:cNvSpPr>
-              <p:nvPr>
-                <p:ph idx="1"/>
-              </p:nvPr>
-            </p:nvSpPr>
-            <p:spPr>
-              <a:xfrm>
-                <a:off x="507206" y="1685437"/>
-                <a:ext cx="8089900" cy="4735553"/>
-              </a:xfrm>
-              <a:blipFill>
-                <a:blip r:embed="rId2"/>
-                <a:stretch>
-                  <a:fillRect l="-1356" t="-2059"/>
-                </a:stretch>
-              </a:blipFill>
-            </p:spPr>
-            <p:txBody>
-              <a:bodyPr/>
-              <a:lstStyle/>
-              <a:p>
-                <a:r>
-                  <a:rPr lang="pt-BR">
-                    <a:noFill/>
-                  </a:rPr>
-                  <a:t> </a:t>
-                </a:r>
-              </a:p>
-            </p:txBody>
-          </p:sp>
-        </mc:Fallback>
-      </mc:AlternateContent>
+      <p:sp>
+        <p:nvSpPr>
+          <p:cNvPr id="3" name="Espaço Reservado para Conteúdo 2"/>
+          <p:cNvSpPr>
+            <a:spLocks noGrp="1"/>
+          </p:cNvSpPr>
+          <p:nvPr>
+            <p:ph idx="1"/>
+          </p:nvPr>
+        </p:nvSpPr>
+        <p:spPr>
+          <a:xfrm>
+            <a:off x="628650" y="1685437"/>
+            <a:ext cx="7886700" cy="4735553"/>
+          </a:xfrm>
+        </p:spPr>
+        <p:txBody>
+          <a:bodyPr/>
+          <a:lstStyle/>
+          <a:p>
+            <a:r>
+              <a:rPr lang="pt-BR" dirty="0"/>
+              <a:t>Desenvolver uma simulação com a inclusão de filtros ativos</a:t>
+            </a:r>
+          </a:p>
+          <a:p>
+            <a:r>
+              <a:rPr lang="pt-BR" dirty="0"/>
+              <a:t>Promover um sistema de correção de fator de potência</a:t>
+            </a:r>
+          </a:p>
+          <a:p>
+            <a:r>
+              <a:rPr lang="pt-BR" dirty="0"/>
+              <a:t>Garantir a manutenção das tensões dentro das normas aeronáuticas no que tange qualidade de energia</a:t>
+            </a:r>
+          </a:p>
+        </p:txBody>
+      </p:sp>
       <p:pic>
         <p:nvPicPr>
           <p:cNvPr id="4" name="Picture 2"/>
@@ -8685,7 +10646,7 @@
           <p:nvPr/>
         </p:nvPicPr>
         <p:blipFill>
-          <a:blip r:embed="rId3">
+          <a:blip r:embed="rId2">
             <a:extLst>
               <a:ext uri="{28A0092B-C50C-407E-A947-70E740481C1C}">
                 <a14:useLocalDpi xmlns:a14="http://schemas.microsoft.com/office/drawing/2010/main" val="0"/>
@@ -8753,7 +10714,7 @@
           <p:nvPr/>
         </p:nvPicPr>
         <p:blipFill>
-          <a:blip r:embed="rId4">
+          <a:blip r:embed="rId3">
             <a:extLst>
               <a:ext uri="{28A0092B-C50C-407E-A947-70E740481C1C}">
                 <a14:useLocalDpi xmlns:a14="http://schemas.microsoft.com/office/drawing/2010/main" val="0"/>
@@ -9390,7 +11351,7 @@
     </p:spTree>
     <p:extLst>
       <p:ext uri="{BB962C8B-B14F-4D97-AF65-F5344CB8AC3E}">
-        <p14:creationId xmlns:p14="http://schemas.microsoft.com/office/powerpoint/2010/main" val="3785385002"/>
+        <p14:creationId xmlns:p14="http://schemas.microsoft.com/office/powerpoint/2010/main" val="1089646520"/>
       </p:ext>
     </p:extLst>
   </p:cSld>
@@ -9440,15 +11401,876 @@
           <a:lstStyle/>
           <a:p>
             <a:r>
-              <a:rPr lang="pt-BR" sz="3200" dirty="0"/>
+              <a:rPr lang="pt-BR" sz="2400" b="1" dirty="0"/>
+              <a:t>Métodos de Correção de Fator de Potência</a:t>
+            </a:r>
+          </a:p>
+        </p:txBody>
+      </p:sp>
+      <p:sp>
+        <p:nvSpPr>
+          <p:cNvPr id="3" name="Espaço Reservado para Conteúdo 2"/>
+          <p:cNvSpPr>
+            <a:spLocks noGrp="1"/>
+          </p:cNvSpPr>
+          <p:nvPr>
+            <p:ph idx="1"/>
+          </p:nvPr>
+        </p:nvSpPr>
+        <p:spPr>
+          <a:xfrm>
+            <a:off x="628650" y="1685437"/>
+            <a:ext cx="7886700" cy="4735553"/>
+          </a:xfrm>
+        </p:spPr>
+        <p:txBody>
+          <a:bodyPr/>
+          <a:lstStyle/>
+          <a:p>
+            <a:pPr lvl="0"/>
+            <a:r>
+              <a:rPr lang="pt-BR" dirty="0">
+                <a:solidFill>
+                  <a:prstClr val="black"/>
+                </a:solidFill>
+              </a:rPr>
+              <a:t>Sistemas passivos:</a:t>
+            </a:r>
+          </a:p>
+          <a:p>
+            <a:pPr lvl="1"/>
+            <a:r>
+              <a:rPr lang="pt-BR" dirty="0">
+                <a:solidFill>
+                  <a:prstClr val="black"/>
+                </a:solidFill>
+              </a:rPr>
+              <a:t>Filtros passivos </a:t>
+            </a:r>
+          </a:p>
+          <a:p>
+            <a:pPr lvl="1"/>
+            <a:r>
+              <a:rPr lang="pt-BR" dirty="0">
+                <a:solidFill>
+                  <a:prstClr val="black"/>
+                </a:solidFill>
+              </a:rPr>
+              <a:t>Conversores </a:t>
+            </a:r>
+            <a:r>
+              <a:rPr lang="pt-BR" dirty="0" err="1">
+                <a:solidFill>
+                  <a:prstClr val="black"/>
+                </a:solidFill>
+              </a:rPr>
+              <a:t>multipulso</a:t>
+            </a:r>
+            <a:endParaRPr lang="pt-BR" dirty="0">
+              <a:solidFill>
+                <a:prstClr val="black"/>
+              </a:solidFill>
+            </a:endParaRPr>
+          </a:p>
+          <a:p>
+            <a:pPr lvl="0"/>
+            <a:r>
+              <a:rPr lang="pt-BR" dirty="0">
+                <a:solidFill>
+                  <a:prstClr val="black"/>
+                </a:solidFill>
+              </a:rPr>
+              <a:t>Sistemas ativos:</a:t>
+            </a:r>
+          </a:p>
+          <a:p>
+            <a:pPr lvl="1"/>
+            <a:r>
+              <a:rPr lang="pt-BR" dirty="0">
+                <a:solidFill>
+                  <a:prstClr val="black"/>
+                </a:solidFill>
+              </a:rPr>
+              <a:t>Filtros Ativos</a:t>
+            </a:r>
+          </a:p>
+          <a:p>
+            <a:endParaRPr lang="pt-BR" dirty="0"/>
+          </a:p>
+        </p:txBody>
+      </p:sp>
+      <p:pic>
+        <p:nvPicPr>
+          <p:cNvPr id="4" name="Picture 2"/>
+          <p:cNvPicPr>
+            <a:picLocks noChangeAspect="1" noChangeArrowheads="1"/>
+          </p:cNvPicPr>
+          <p:nvPr/>
+        </p:nvPicPr>
+        <p:blipFill>
+          <a:blip r:embed="rId2">
+            <a:extLst>
+              <a:ext uri="{28A0092B-C50C-407E-A947-70E740481C1C}">
+                <a14:useLocalDpi xmlns:a14="http://schemas.microsoft.com/office/drawing/2010/main" val="0"/>
+              </a:ext>
+            </a:extLst>
+          </a:blip>
+          <a:srcRect/>
+          <a:stretch>
+            <a:fillRect/>
+          </a:stretch>
+        </p:blipFill>
+        <p:spPr bwMode="auto">
+          <a:xfrm>
+            <a:off x="74613" y="127000"/>
+            <a:ext cx="1847850" cy="709613"/>
+          </a:xfrm>
+          <a:prstGeom prst="rect">
+            <a:avLst/>
+          </a:prstGeom>
+          <a:noFill/>
+          <a:ln>
+            <a:noFill/>
+          </a:ln>
+          <a:effectLst/>
+          <a:extLst>
+            <a:ext uri="{909E8E84-426E-40DD-AFC4-6F175D3DCCD1}">
+              <a14:hiddenFill xmlns:a14="http://schemas.microsoft.com/office/drawing/2010/main">
+                <a:blipFill dpi="0" rotWithShape="0">
+                  <a:blip/>
+                  <a:srcRect/>
+                  <a:stretch>
+                    <a:fillRect/>
+                  </a:stretch>
+                </a:blipFill>
+              </a14:hiddenFill>
+            </a:ext>
+            <a:ext uri="{91240B29-F687-4F45-9708-019B960494DF}">
+              <a14:hiddenLine xmlns:a14="http://schemas.microsoft.com/office/drawing/2010/main" w="9525">
+                <a:solidFill>
+                  <a:srgbClr val="3465A4"/>
+                </a:solidFill>
+                <a:round/>
+                <a:headEnd/>
+                <a:tailEnd/>
+              </a14:hiddenLine>
+            </a:ext>
+            <a:ext uri="{AF507438-7753-43E0-B8FC-AC1667EBCBE1}">
+              <a14:hiddenEffects xmlns:a14="http://schemas.microsoft.com/office/drawing/2010/main">
+                <a:effectLst>
+                  <a:outerShdw dist="35921" dir="2700000" algn="ctr" rotWithShape="0">
+                    <a:srgbClr val="808080"/>
+                  </a:outerShdw>
+                </a:effectLst>
+              </a14:hiddenEffects>
+            </a:ext>
+          </a:extLst>
+        </p:spPr>
+      </p:pic>
+      <p:pic>
+        <p:nvPicPr>
+          <p:cNvPr id="5" name="Picture 3"/>
+          <p:cNvPicPr>
+            <a:picLocks noChangeAspect="1" noChangeArrowheads="1"/>
+          </p:cNvPicPr>
+          <p:nvPr/>
+        </p:nvPicPr>
+        <p:blipFill>
+          <a:blip r:embed="rId3">
+            <a:extLst>
+              <a:ext uri="{28A0092B-C50C-407E-A947-70E740481C1C}">
+                <a14:useLocalDpi xmlns:a14="http://schemas.microsoft.com/office/drawing/2010/main" val="0"/>
+              </a:ext>
+            </a:extLst>
+          </a:blip>
+          <a:srcRect/>
+          <a:stretch>
+            <a:fillRect/>
+          </a:stretch>
+        </p:blipFill>
+        <p:spPr bwMode="auto">
+          <a:xfrm>
+            <a:off x="7265988" y="146050"/>
+            <a:ext cx="1662112" cy="709613"/>
+          </a:xfrm>
+          <a:prstGeom prst="rect">
+            <a:avLst/>
+          </a:prstGeom>
+          <a:noFill/>
+          <a:ln>
+            <a:noFill/>
+          </a:ln>
+          <a:effectLst/>
+          <a:extLst>
+            <a:ext uri="{909E8E84-426E-40DD-AFC4-6F175D3DCCD1}">
+              <a14:hiddenFill xmlns:a14="http://schemas.microsoft.com/office/drawing/2010/main">
+                <a:blipFill dpi="0" rotWithShape="0">
+                  <a:blip/>
+                  <a:srcRect/>
+                  <a:stretch>
+                    <a:fillRect/>
+                  </a:stretch>
+                </a:blipFill>
+              </a14:hiddenFill>
+            </a:ext>
+            <a:ext uri="{91240B29-F687-4F45-9708-019B960494DF}">
+              <a14:hiddenLine xmlns:a14="http://schemas.microsoft.com/office/drawing/2010/main" w="9525">
+                <a:solidFill>
+                  <a:srgbClr val="3465A4"/>
+                </a:solidFill>
+                <a:round/>
+                <a:headEnd/>
+                <a:tailEnd/>
+              </a14:hiddenLine>
+            </a:ext>
+            <a:ext uri="{AF507438-7753-43E0-B8FC-AC1667EBCBE1}">
+              <a14:hiddenEffects xmlns:a14="http://schemas.microsoft.com/office/drawing/2010/main">
+                <a:effectLst>
+                  <a:outerShdw dist="35921" dir="2700000" algn="ctr" rotWithShape="0">
+                    <a:srgbClr val="808080"/>
+                  </a:outerShdw>
+                </a:effectLst>
+              </a14:hiddenEffects>
+            </a:ext>
+          </a:extLst>
+        </p:spPr>
+      </p:pic>
+      <p:sp>
+        <p:nvSpPr>
+          <p:cNvPr id="6" name="Text Box 4"/>
+          <p:cNvSpPr txBox="1">
+            <a:spLocks noChangeArrowheads="1"/>
+          </p:cNvSpPr>
+          <p:nvPr/>
+        </p:nvSpPr>
+        <p:spPr bwMode="auto">
+          <a:xfrm>
+            <a:off x="1903413" y="1588"/>
+            <a:ext cx="5297487" cy="956288"/>
+          </a:xfrm>
+          <a:prstGeom prst="rect">
+            <a:avLst/>
+          </a:prstGeom>
+          <a:noFill/>
+          <a:ln>
+            <a:noFill/>
+          </a:ln>
+          <a:effectLst/>
+          <a:extLst>
+            <a:ext uri="{909E8E84-426E-40DD-AFC4-6F175D3DCCD1}">
+              <a14:hiddenFill xmlns:a14="http://schemas.microsoft.com/office/drawing/2010/main">
+                <a:solidFill>
+                  <a:srgbClr val="FFFFFF"/>
+                </a:solidFill>
+              </a14:hiddenFill>
+            </a:ext>
+            <a:ext uri="{91240B29-F687-4F45-9708-019B960494DF}">
+              <a14:hiddenLine xmlns:a14="http://schemas.microsoft.com/office/drawing/2010/main" w="9525">
+                <a:solidFill>
+                  <a:srgbClr val="3465A4"/>
+                </a:solidFill>
+                <a:round/>
+                <a:headEnd/>
+                <a:tailEnd/>
+              </a14:hiddenLine>
+            </a:ext>
+            <a:ext uri="{AF507438-7753-43E0-B8FC-AC1667EBCBE1}">
+              <a14:hiddenEffects xmlns:a14="http://schemas.microsoft.com/office/drawing/2010/main">
+                <a:effectLst>
+                  <a:outerShdw dist="35921" dir="2700000" algn="ctr" rotWithShape="0">
+                    <a:srgbClr val="808080"/>
+                  </a:outerShdw>
+                </a:effectLst>
+              </a14:hiddenEffects>
+            </a:ext>
+          </a:extLst>
+        </p:spPr>
+        <p:txBody>
+          <a:bodyPr lIns="90000" tIns="46800" rIns="90000" bIns="46800">
+            <a:spAutoFit/>
+          </a:bodyPr>
+          <a:lstStyle>
+            <a:lvl1pPr>
+              <a:lnSpc>
+                <a:spcPct val="90000"/>
+              </a:lnSpc>
+              <a:spcBef>
+                <a:spcPts val="1000"/>
+              </a:spcBef>
+              <a:buClr>
+                <a:srgbClr val="000000"/>
+              </a:buClr>
+              <a:buSzPct val="100000"/>
+              <a:buFont typeface="Times New Roman" panose="02020603050405020304" pitchFamily="18" charset="0"/>
+              <a:tabLst>
+                <a:tab pos="0" algn="l"/>
+                <a:tab pos="914400" algn="l"/>
+                <a:tab pos="1828800" algn="l"/>
+                <a:tab pos="2743200" algn="l"/>
+                <a:tab pos="3657600" algn="l"/>
+                <a:tab pos="4572000" algn="l"/>
+                <a:tab pos="5486400" algn="l"/>
+                <a:tab pos="6400800" algn="l"/>
+                <a:tab pos="7315200" algn="l"/>
+                <a:tab pos="8229600" algn="l"/>
+                <a:tab pos="9144000" algn="l"/>
+                <a:tab pos="10058400" algn="l"/>
+              </a:tabLst>
+              <a:defRPr sz="2800">
+                <a:solidFill>
+                  <a:srgbClr val="000000"/>
+                </a:solidFill>
+                <a:latin typeface="Calibri" panose="020F0502020204030204" pitchFamily="34" charset="0"/>
+                <a:cs typeface="Droid Sans Fallback" charset="0"/>
+              </a:defRPr>
+            </a:lvl1pPr>
+            <a:lvl2pPr>
+              <a:lnSpc>
+                <a:spcPct val="90000"/>
+              </a:lnSpc>
+              <a:spcBef>
+                <a:spcPts val="500"/>
+              </a:spcBef>
+              <a:buClr>
+                <a:srgbClr val="000000"/>
+              </a:buClr>
+              <a:buSzPct val="100000"/>
+              <a:buFont typeface="Times New Roman" panose="02020603050405020304" pitchFamily="18" charset="0"/>
+              <a:tabLst>
+                <a:tab pos="0" algn="l"/>
+                <a:tab pos="914400" algn="l"/>
+                <a:tab pos="1828800" algn="l"/>
+                <a:tab pos="2743200" algn="l"/>
+                <a:tab pos="3657600" algn="l"/>
+                <a:tab pos="4572000" algn="l"/>
+                <a:tab pos="5486400" algn="l"/>
+                <a:tab pos="6400800" algn="l"/>
+                <a:tab pos="7315200" algn="l"/>
+                <a:tab pos="8229600" algn="l"/>
+                <a:tab pos="9144000" algn="l"/>
+                <a:tab pos="10058400" algn="l"/>
+              </a:tabLst>
+              <a:defRPr sz="2400">
+                <a:solidFill>
+                  <a:srgbClr val="000000"/>
+                </a:solidFill>
+                <a:latin typeface="Calibri" panose="020F0502020204030204" pitchFamily="34" charset="0"/>
+                <a:cs typeface="Droid Sans Fallback" charset="0"/>
+              </a:defRPr>
+            </a:lvl2pPr>
+            <a:lvl3pPr>
+              <a:lnSpc>
+                <a:spcPct val="90000"/>
+              </a:lnSpc>
+              <a:spcBef>
+                <a:spcPts val="500"/>
+              </a:spcBef>
+              <a:buClr>
+                <a:srgbClr val="000000"/>
+              </a:buClr>
+              <a:buSzPct val="100000"/>
+              <a:buFont typeface="Times New Roman" panose="02020603050405020304" pitchFamily="18" charset="0"/>
+              <a:tabLst>
+                <a:tab pos="0" algn="l"/>
+                <a:tab pos="914400" algn="l"/>
+                <a:tab pos="1828800" algn="l"/>
+                <a:tab pos="2743200" algn="l"/>
+                <a:tab pos="3657600" algn="l"/>
+                <a:tab pos="4572000" algn="l"/>
+                <a:tab pos="5486400" algn="l"/>
+                <a:tab pos="6400800" algn="l"/>
+                <a:tab pos="7315200" algn="l"/>
+                <a:tab pos="8229600" algn="l"/>
+                <a:tab pos="9144000" algn="l"/>
+                <a:tab pos="10058400" algn="l"/>
+              </a:tabLst>
+              <a:defRPr sz="2000">
+                <a:solidFill>
+                  <a:srgbClr val="000000"/>
+                </a:solidFill>
+                <a:latin typeface="Calibri" panose="020F0502020204030204" pitchFamily="34" charset="0"/>
+                <a:cs typeface="Droid Sans Fallback" charset="0"/>
+              </a:defRPr>
+            </a:lvl3pPr>
+            <a:lvl4pPr>
+              <a:lnSpc>
+                <a:spcPct val="90000"/>
+              </a:lnSpc>
+              <a:spcBef>
+                <a:spcPts val="500"/>
+              </a:spcBef>
+              <a:buClr>
+                <a:srgbClr val="000000"/>
+              </a:buClr>
+              <a:buSzPct val="100000"/>
+              <a:buFont typeface="Times New Roman" panose="02020603050405020304" pitchFamily="18" charset="0"/>
+              <a:tabLst>
+                <a:tab pos="0" algn="l"/>
+                <a:tab pos="914400" algn="l"/>
+                <a:tab pos="1828800" algn="l"/>
+                <a:tab pos="2743200" algn="l"/>
+                <a:tab pos="3657600" algn="l"/>
+                <a:tab pos="4572000" algn="l"/>
+                <a:tab pos="5486400" algn="l"/>
+                <a:tab pos="6400800" algn="l"/>
+                <a:tab pos="7315200" algn="l"/>
+                <a:tab pos="8229600" algn="l"/>
+                <a:tab pos="9144000" algn="l"/>
+                <a:tab pos="10058400" algn="l"/>
+              </a:tabLst>
+              <a:defRPr>
+                <a:solidFill>
+                  <a:srgbClr val="000000"/>
+                </a:solidFill>
+                <a:latin typeface="Calibri" panose="020F0502020204030204" pitchFamily="34" charset="0"/>
+                <a:cs typeface="Droid Sans Fallback" charset="0"/>
+              </a:defRPr>
+            </a:lvl4pPr>
+            <a:lvl5pPr>
+              <a:lnSpc>
+                <a:spcPct val="90000"/>
+              </a:lnSpc>
+              <a:spcBef>
+                <a:spcPts val="500"/>
+              </a:spcBef>
+              <a:buClr>
+                <a:srgbClr val="000000"/>
+              </a:buClr>
+              <a:buSzPct val="100000"/>
+              <a:buFont typeface="Times New Roman" panose="02020603050405020304" pitchFamily="18" charset="0"/>
+              <a:tabLst>
+                <a:tab pos="0" algn="l"/>
+                <a:tab pos="914400" algn="l"/>
+                <a:tab pos="1828800" algn="l"/>
+                <a:tab pos="2743200" algn="l"/>
+                <a:tab pos="3657600" algn="l"/>
+                <a:tab pos="4572000" algn="l"/>
+                <a:tab pos="5486400" algn="l"/>
+                <a:tab pos="6400800" algn="l"/>
+                <a:tab pos="7315200" algn="l"/>
+                <a:tab pos="8229600" algn="l"/>
+                <a:tab pos="9144000" algn="l"/>
+                <a:tab pos="10058400" algn="l"/>
+              </a:tabLst>
+              <a:defRPr>
+                <a:solidFill>
+                  <a:srgbClr val="000000"/>
+                </a:solidFill>
+                <a:latin typeface="Calibri" panose="020F0502020204030204" pitchFamily="34" charset="0"/>
+                <a:cs typeface="Droid Sans Fallback" charset="0"/>
+              </a:defRPr>
+            </a:lvl5pPr>
+            <a:lvl6pPr marL="2514600" indent="-228600" defTabSz="449263" eaLnBrk="0" fontAlgn="base" hangingPunct="0">
+              <a:lnSpc>
+                <a:spcPct val="90000"/>
+              </a:lnSpc>
+              <a:spcBef>
+                <a:spcPts val="500"/>
+              </a:spcBef>
+              <a:spcAft>
+                <a:spcPct val="0"/>
+              </a:spcAft>
+              <a:buClr>
+                <a:srgbClr val="000000"/>
+              </a:buClr>
+              <a:buSzPct val="100000"/>
+              <a:buFont typeface="Times New Roman" panose="02020603050405020304" pitchFamily="18" charset="0"/>
+              <a:tabLst>
+                <a:tab pos="0" algn="l"/>
+                <a:tab pos="914400" algn="l"/>
+                <a:tab pos="1828800" algn="l"/>
+                <a:tab pos="2743200" algn="l"/>
+                <a:tab pos="3657600" algn="l"/>
+                <a:tab pos="4572000" algn="l"/>
+                <a:tab pos="5486400" algn="l"/>
+                <a:tab pos="6400800" algn="l"/>
+                <a:tab pos="7315200" algn="l"/>
+                <a:tab pos="8229600" algn="l"/>
+                <a:tab pos="9144000" algn="l"/>
+                <a:tab pos="10058400" algn="l"/>
+              </a:tabLst>
+              <a:defRPr>
+                <a:solidFill>
+                  <a:srgbClr val="000000"/>
+                </a:solidFill>
+                <a:latin typeface="Calibri" panose="020F0502020204030204" pitchFamily="34" charset="0"/>
+                <a:cs typeface="Droid Sans Fallback" charset="0"/>
+              </a:defRPr>
+            </a:lvl6pPr>
+            <a:lvl7pPr marL="2971800" indent="-228600" defTabSz="449263" eaLnBrk="0" fontAlgn="base" hangingPunct="0">
+              <a:lnSpc>
+                <a:spcPct val="90000"/>
+              </a:lnSpc>
+              <a:spcBef>
+                <a:spcPts val="500"/>
+              </a:spcBef>
+              <a:spcAft>
+                <a:spcPct val="0"/>
+              </a:spcAft>
+              <a:buClr>
+                <a:srgbClr val="000000"/>
+              </a:buClr>
+              <a:buSzPct val="100000"/>
+              <a:buFont typeface="Times New Roman" panose="02020603050405020304" pitchFamily="18" charset="0"/>
+              <a:tabLst>
+                <a:tab pos="0" algn="l"/>
+                <a:tab pos="914400" algn="l"/>
+                <a:tab pos="1828800" algn="l"/>
+                <a:tab pos="2743200" algn="l"/>
+                <a:tab pos="3657600" algn="l"/>
+                <a:tab pos="4572000" algn="l"/>
+                <a:tab pos="5486400" algn="l"/>
+                <a:tab pos="6400800" algn="l"/>
+                <a:tab pos="7315200" algn="l"/>
+                <a:tab pos="8229600" algn="l"/>
+                <a:tab pos="9144000" algn="l"/>
+                <a:tab pos="10058400" algn="l"/>
+              </a:tabLst>
+              <a:defRPr>
+                <a:solidFill>
+                  <a:srgbClr val="000000"/>
+                </a:solidFill>
+                <a:latin typeface="Calibri" panose="020F0502020204030204" pitchFamily="34" charset="0"/>
+                <a:cs typeface="Droid Sans Fallback" charset="0"/>
+              </a:defRPr>
+            </a:lvl7pPr>
+            <a:lvl8pPr marL="3429000" indent="-228600" defTabSz="449263" eaLnBrk="0" fontAlgn="base" hangingPunct="0">
+              <a:lnSpc>
+                <a:spcPct val="90000"/>
+              </a:lnSpc>
+              <a:spcBef>
+                <a:spcPts val="500"/>
+              </a:spcBef>
+              <a:spcAft>
+                <a:spcPct val="0"/>
+              </a:spcAft>
+              <a:buClr>
+                <a:srgbClr val="000000"/>
+              </a:buClr>
+              <a:buSzPct val="100000"/>
+              <a:buFont typeface="Times New Roman" panose="02020603050405020304" pitchFamily="18" charset="0"/>
+              <a:tabLst>
+                <a:tab pos="0" algn="l"/>
+                <a:tab pos="914400" algn="l"/>
+                <a:tab pos="1828800" algn="l"/>
+                <a:tab pos="2743200" algn="l"/>
+                <a:tab pos="3657600" algn="l"/>
+                <a:tab pos="4572000" algn="l"/>
+                <a:tab pos="5486400" algn="l"/>
+                <a:tab pos="6400800" algn="l"/>
+                <a:tab pos="7315200" algn="l"/>
+                <a:tab pos="8229600" algn="l"/>
+                <a:tab pos="9144000" algn="l"/>
+                <a:tab pos="10058400" algn="l"/>
+              </a:tabLst>
+              <a:defRPr>
+                <a:solidFill>
+                  <a:srgbClr val="000000"/>
+                </a:solidFill>
+                <a:latin typeface="Calibri" panose="020F0502020204030204" pitchFamily="34" charset="0"/>
+                <a:cs typeface="Droid Sans Fallback" charset="0"/>
+              </a:defRPr>
+            </a:lvl8pPr>
+            <a:lvl9pPr marL="3886200" indent="-228600" defTabSz="449263" eaLnBrk="0" fontAlgn="base" hangingPunct="0">
+              <a:lnSpc>
+                <a:spcPct val="90000"/>
+              </a:lnSpc>
+              <a:spcBef>
+                <a:spcPts val="500"/>
+              </a:spcBef>
+              <a:spcAft>
+                <a:spcPct val="0"/>
+              </a:spcAft>
+              <a:buClr>
+                <a:srgbClr val="000000"/>
+              </a:buClr>
+              <a:buSzPct val="100000"/>
+              <a:buFont typeface="Times New Roman" panose="02020603050405020304" pitchFamily="18" charset="0"/>
+              <a:tabLst>
+                <a:tab pos="0" algn="l"/>
+                <a:tab pos="914400" algn="l"/>
+                <a:tab pos="1828800" algn="l"/>
+                <a:tab pos="2743200" algn="l"/>
+                <a:tab pos="3657600" algn="l"/>
+                <a:tab pos="4572000" algn="l"/>
+                <a:tab pos="5486400" algn="l"/>
+                <a:tab pos="6400800" algn="l"/>
+                <a:tab pos="7315200" algn="l"/>
+                <a:tab pos="8229600" algn="l"/>
+                <a:tab pos="9144000" algn="l"/>
+                <a:tab pos="10058400" algn="l"/>
+              </a:tabLst>
+              <a:defRPr>
+                <a:solidFill>
+                  <a:srgbClr val="000000"/>
+                </a:solidFill>
+                <a:latin typeface="Calibri" panose="020F0502020204030204" pitchFamily="34" charset="0"/>
+                <a:cs typeface="Droid Sans Fallback" charset="0"/>
+              </a:defRPr>
+            </a:lvl9pPr>
+          </a:lstStyle>
+          <a:p>
+            <a:pPr algn="ctr">
+              <a:lnSpc>
+                <a:spcPct val="100000"/>
+              </a:lnSpc>
+              <a:spcBef>
+                <a:spcPct val="0"/>
+              </a:spcBef>
+              <a:buClrTx/>
+              <a:buFontTx/>
+              <a:buNone/>
+            </a:pPr>
+            <a:r>
+              <a:rPr lang="pt-BR" altLang="pt-BR" sz="1400" b="1" dirty="0">
+                <a:solidFill>
+                  <a:srgbClr val="7F7F7F"/>
+                </a:solidFill>
+                <a:latin typeface="Times New Roman" panose="02020603050405020304" pitchFamily="18" charset="0"/>
+                <a:cs typeface="Times New Roman" panose="02020603050405020304" pitchFamily="18" charset="0"/>
+              </a:rPr>
+              <a:t>Instituto Tecnológico de Aeronáutica</a:t>
+            </a:r>
+          </a:p>
+          <a:p>
+            <a:pPr algn="ctr">
+              <a:lnSpc>
+                <a:spcPct val="100000"/>
+              </a:lnSpc>
+              <a:spcBef>
+                <a:spcPct val="0"/>
+              </a:spcBef>
+              <a:buClrTx/>
+              <a:buFontTx/>
+              <a:buNone/>
+            </a:pPr>
+            <a:r>
+              <a:rPr lang="pt-BR" altLang="pt-BR" sz="1400" b="1" dirty="0">
+                <a:solidFill>
+                  <a:srgbClr val="7F7F7F"/>
+                </a:solidFill>
+                <a:latin typeface="Times New Roman" panose="02020603050405020304" pitchFamily="18" charset="0"/>
+                <a:cs typeface="Times New Roman" panose="02020603050405020304" pitchFamily="18" charset="0"/>
+              </a:rPr>
+              <a:t>Curso de Mestrado Profissionalizante em Engenharia Aeronáutica</a:t>
+            </a:r>
+          </a:p>
+          <a:p>
+            <a:pPr algn="ctr">
+              <a:lnSpc>
+                <a:spcPct val="100000"/>
+              </a:lnSpc>
+              <a:spcBef>
+                <a:spcPct val="0"/>
+              </a:spcBef>
+              <a:buClrTx/>
+              <a:buFontTx/>
+              <a:buNone/>
+            </a:pPr>
+            <a:r>
+              <a:rPr lang="pt-BR" altLang="pt-BR" sz="1400" b="1" dirty="0">
+                <a:solidFill>
+                  <a:srgbClr val="7F7F7F"/>
+                </a:solidFill>
+                <a:latin typeface="Times New Roman" panose="02020603050405020304" pitchFamily="18" charset="0"/>
+                <a:cs typeface="Times New Roman" panose="02020603050405020304" pitchFamily="18" charset="0"/>
+              </a:rPr>
+              <a:t>Programa de Pós-Graduação em Engenharia Aeronáutica e Mecânica</a:t>
+            </a:r>
+          </a:p>
+        </p:txBody>
+      </p:sp>
+      <p:sp>
+        <p:nvSpPr>
+          <p:cNvPr id="7" name="Line 7"/>
+          <p:cNvSpPr>
+            <a:spLocks noChangeShapeType="1"/>
+          </p:cNvSpPr>
+          <p:nvPr/>
+        </p:nvSpPr>
+        <p:spPr bwMode="auto">
+          <a:xfrm>
+            <a:off x="507206" y="901215"/>
+            <a:ext cx="8089900" cy="1587"/>
+          </a:xfrm>
+          <a:prstGeom prst="line">
+            <a:avLst/>
+          </a:prstGeom>
+          <a:noFill/>
+          <a:ln w="6480" cap="sq">
+            <a:solidFill>
+              <a:srgbClr val="A5A5A5"/>
+            </a:solidFill>
+            <a:miter lim="800000"/>
+            <a:headEnd/>
+            <a:tailEnd/>
+          </a:ln>
+          <a:effectLst/>
+          <a:extLst>
+            <a:ext uri="{909E8E84-426E-40DD-AFC4-6F175D3DCCD1}">
+              <a14:hiddenFill xmlns:a14="http://schemas.microsoft.com/office/drawing/2010/main">
+                <a:noFill/>
+              </a14:hiddenFill>
+            </a:ext>
+            <a:ext uri="{AF507438-7753-43E0-B8FC-AC1667EBCBE1}">
+              <a14:hiddenEffects xmlns:a14="http://schemas.microsoft.com/office/drawing/2010/main">
+                <a:effectLst>
+                  <a:outerShdw dist="35921" dir="2700000" algn="ctr" rotWithShape="0">
+                    <a:srgbClr val="808080"/>
+                  </a:outerShdw>
+                </a:effectLst>
+              </a14:hiddenEffects>
+            </a:ext>
+          </a:extLst>
+        </p:spPr>
+        <p:txBody>
+          <a:bodyPr/>
+          <a:lstStyle/>
+          <a:p>
+            <a:endParaRPr lang="pt-BR"/>
+          </a:p>
+        </p:txBody>
+      </p:sp>
+      <p:sp>
+        <p:nvSpPr>
+          <p:cNvPr id="8" name="Line 6"/>
+          <p:cNvSpPr>
+            <a:spLocks noChangeShapeType="1"/>
+          </p:cNvSpPr>
+          <p:nvPr/>
+        </p:nvSpPr>
+        <p:spPr bwMode="auto">
+          <a:xfrm>
+            <a:off x="508000" y="6488113"/>
+            <a:ext cx="8089900" cy="1587"/>
+          </a:xfrm>
+          <a:prstGeom prst="line">
+            <a:avLst/>
+          </a:prstGeom>
+          <a:noFill/>
+          <a:ln w="6480" cap="sq">
+            <a:solidFill>
+              <a:srgbClr val="A5A5A5"/>
+            </a:solidFill>
+            <a:miter lim="800000"/>
+            <a:headEnd/>
+            <a:tailEnd/>
+          </a:ln>
+          <a:effectLst/>
+          <a:extLst>
+            <a:ext uri="{909E8E84-426E-40DD-AFC4-6F175D3DCCD1}">
+              <a14:hiddenFill xmlns:a14="http://schemas.microsoft.com/office/drawing/2010/main">
+                <a:noFill/>
+              </a14:hiddenFill>
+            </a:ext>
+            <a:ext uri="{AF507438-7753-43E0-B8FC-AC1667EBCBE1}">
+              <a14:hiddenEffects xmlns:a14="http://schemas.microsoft.com/office/drawing/2010/main">
+                <a:effectLst>
+                  <a:outerShdw dist="35921" dir="2700000" algn="ctr" rotWithShape="0">
+                    <a:srgbClr val="808080"/>
+                  </a:outerShdw>
+                </a:effectLst>
+              </a14:hiddenEffects>
+            </a:ext>
+          </a:extLst>
+        </p:spPr>
+        <p:txBody>
+          <a:bodyPr/>
+          <a:lstStyle/>
+          <a:p>
+            <a:endParaRPr lang="pt-BR"/>
+          </a:p>
+        </p:txBody>
+      </p:sp>
+      <p:sp>
+        <p:nvSpPr>
+          <p:cNvPr id="12" name="Espaço Reservado para Número de Slide 10"/>
+          <p:cNvSpPr>
+            <a:spLocks noGrp="1"/>
+          </p:cNvSpPr>
+          <p:nvPr>
+            <p:ph type="sldNum" sz="quarter" idx="12"/>
+          </p:nvPr>
+        </p:nvSpPr>
+        <p:spPr>
+          <a:xfrm>
+            <a:off x="6870700" y="6487179"/>
+            <a:ext cx="2057400" cy="365125"/>
+          </a:xfrm>
+        </p:spPr>
+        <p:txBody>
+          <a:bodyPr/>
+          <a:lstStyle/>
+          <a:p>
+            <a:fld id="{81005A1F-7AC2-4032-AE25-0D28B304E158}" type="slidenum">
+              <a:rPr lang="pt-BR" smtClean="0"/>
+              <a:t>6</a:t>
+            </a:fld>
+            <a:endParaRPr lang="pt-BR" dirty="0"/>
+          </a:p>
+        </p:txBody>
+      </p:sp>
+    </p:spTree>
+    <p:extLst>
+      <p:ext uri="{BB962C8B-B14F-4D97-AF65-F5344CB8AC3E}">
+        <p14:creationId xmlns:p14="http://schemas.microsoft.com/office/powerpoint/2010/main" val="2464535808"/>
+      </p:ext>
+    </p:extLst>
+  </p:cSld>
+  <p:clrMapOvr>
+    <a:masterClrMapping/>
+  </p:clrMapOvr>
+</p:sld>
+</file>
+
+<file path=ppt/slides/slide7.xml><?xml version="1.0" encoding="utf-8"?>
+<p:sld xmlns:a="http://schemas.openxmlformats.org/drawingml/2006/main" xmlns:r="http://schemas.openxmlformats.org/officeDocument/2006/relationships" xmlns:p="http://schemas.openxmlformats.org/presentationml/2006/main">
+  <p:cSld>
+    <p:spTree>
+      <p:nvGrpSpPr>
+        <p:cNvPr id="1" name=""/>
+        <p:cNvGrpSpPr/>
+        <p:nvPr/>
+      </p:nvGrpSpPr>
+      <p:grpSpPr>
+        <a:xfrm>
+          <a:off x="0" y="0"/>
+          <a:ext cx="0" cy="0"/>
+          <a:chOff x="0" y="0"/>
+          <a:chExt cx="0" cy="0"/>
+        </a:xfrm>
+      </p:grpSpPr>
+      <p:sp>
+        <p:nvSpPr>
+          <p:cNvPr id="2" name="Título 1"/>
+          <p:cNvSpPr>
+            <a:spLocks noGrp="1"/>
+          </p:cNvSpPr>
+          <p:nvPr>
+            <p:ph type="title"/>
+          </p:nvPr>
+        </p:nvSpPr>
+        <p:spPr>
+          <a:xfrm>
+            <a:off x="628650" y="1083288"/>
+            <a:ext cx="7886700" cy="476737"/>
+          </a:xfrm>
+        </p:spPr>
+        <p:txBody>
+          <a:bodyPr>
+            <a:noAutofit/>
+          </a:bodyPr>
+          <a:lstStyle/>
+          <a:p>
+            <a:r>
+              <a:rPr lang="pt-BR" sz="2400" b="1" dirty="0"/>
               <a:t>Teoria das Potências Instantâneas</a:t>
             </a:r>
-            <a:endParaRPr lang="pt-BR" sz="3200" dirty="0"/>
           </a:p>
         </p:txBody>
       </p:sp>
-      <mc:AlternateContent xmlns:mc="http://schemas.openxmlformats.org/markup-compatibility/2006">
-        <mc:Choice xmlns:a14="http://schemas.microsoft.com/office/drawing/2010/main" Requires="a14">
+      <mc:AlternateContent xmlns:mc="http://schemas.openxmlformats.org/markup-compatibility/2006" xmlns:a14="http://schemas.microsoft.com/office/drawing/2010/main">
+        <mc:Choice Requires="a14">
           <p:sp>
             <p:nvSpPr>
               <p:cNvPr id="3" name="Espaço Reservado para Conteúdo 2"/>
@@ -9475,8 +12297,94 @@
                       <a:prstClr val="black"/>
                     </a:solidFill>
                   </a:rPr>
-                  <a:t>Transformada de Clarke</a:t>
+                  <a:t>É utilizada na determinação das potências instantâneas ativa e reativa (</a:t>
                 </a:r>
+                <a14:m>
+                  <m:oMath xmlns:m="http://schemas.openxmlformats.org/officeDocument/2006/math">
+                    <m:r>
+                      <a:rPr lang="pt-BR" sz="2000">
+                        <a:solidFill>
+                          <a:prstClr val="black"/>
+                        </a:solidFill>
+                        <a:latin typeface="Cambria Math" panose="02040503050406030204" pitchFamily="18" charset="0"/>
+                      </a:rPr>
+                      <m:t>𝑝</m:t>
+                    </m:r>
+                  </m:oMath>
+                </a14:m>
+                <a:r>
+                  <a:rPr lang="pt-BR" sz="2000" dirty="0">
+                    <a:solidFill>
+                      <a:prstClr val="black"/>
+                    </a:solidFill>
+                  </a:rPr>
+                  <a:t> e </a:t>
+                </a:r>
+                <a14:m>
+                  <m:oMath xmlns:m="http://schemas.openxmlformats.org/officeDocument/2006/math">
+                    <m:r>
+                      <a:rPr lang="pt-BR" sz="2000">
+                        <a:solidFill>
+                          <a:prstClr val="black"/>
+                        </a:solidFill>
+                        <a:latin typeface="Cambria Math" panose="02040503050406030204" pitchFamily="18" charset="0"/>
+                      </a:rPr>
+                      <m:t>𝑞</m:t>
+                    </m:r>
+                  </m:oMath>
+                </a14:m>
+                <a:r>
+                  <a:rPr lang="pt-BR" sz="2000" dirty="0">
+                    <a:solidFill>
+                      <a:prstClr val="black"/>
+                    </a:solidFill>
+                  </a:rPr>
+                  <a:t>, respectivamente), a qual carregam dados sobre a forma da tensão/corrente</a:t>
+                </a:r>
+              </a:p>
+              <a:p>
+                <a:pPr lvl="0"/>
+                <a:endParaRPr lang="pt-BR" sz="2000" dirty="0">
+                  <a:solidFill>
+                    <a:prstClr val="black"/>
+                  </a:solidFill>
+                </a:endParaRPr>
+              </a:p>
+              <a:p>
+                <a:r>
+                  <a:rPr lang="pt-BR" sz="2000" dirty="0">
+                    <a:solidFill>
+                      <a:prstClr val="black"/>
+                    </a:solidFill>
+                  </a:rPr>
+                  <a:t>Aplicável apenas à sistemas trifásicos</a:t>
+                </a:r>
+              </a:p>
+              <a:p>
+                <a:endParaRPr lang="pt-BR" sz="2000" dirty="0">
+                  <a:solidFill>
+                    <a:prstClr val="black"/>
+                  </a:solidFill>
+                </a:endParaRPr>
+              </a:p>
+              <a:p>
+                <a:pPr lvl="0"/>
+                <a:r>
+                  <a:rPr lang="pt-BR" sz="2000" dirty="0">
+                    <a:solidFill>
+                      <a:prstClr val="black"/>
+                    </a:solidFill>
+                  </a:rPr>
+                  <a:t>Baseada na transformada de Clarke:</a:t>
+                </a:r>
+              </a:p>
+              <a:p>
+                <a:pPr lvl="0"/>
+                <a:endParaRPr lang="pt-BR" sz="2000" dirty="0">
+                  <a:solidFill>
+                    <a:prstClr val="black"/>
+                  </a:solidFill>
+                </a:endParaRPr>
               </a:p>
               <a:p>
                 <a:pPr marL="0" lvl="0" indent="0">
@@ -9493,7 +12401,7 @@
                           <m:begChr m:val="["/>
                           <m:endChr m:val="]"/>
                           <m:ctrlPr>
-                            <a:rPr lang="pt-BR" sz="1200" i="1" smtClean="0">
+                            <a:rPr lang="pt-BR" sz="1200" i="1">
                               <a:solidFill>
                                 <a:prstClr val="black"/>
                               </a:solidFill>
@@ -9513,7 +12421,7 @@
                                 </m:mc>
                               </m:mcs>
                               <m:ctrlPr>
-                                <a:rPr lang="pt-BR" sz="1200" i="1" smtClean="0">
+                                <a:rPr lang="pt-BR" sz="1200" i="1">
                                   <a:solidFill>
                                     <a:prstClr val="black"/>
                                   </a:solidFill>
@@ -9526,7 +12434,7 @@
                                 <m:sSub>
                                   <m:sSubPr>
                                     <m:ctrlPr>
-                                      <a:rPr lang="pt-BR" sz="1200" b="0" i="1" smtClean="0">
+                                      <a:rPr lang="pt-BR" sz="1200" i="1">
                                         <a:solidFill>
                                           <a:prstClr val="black"/>
                                         </a:solidFill>
@@ -9539,7 +12447,7 @@
                                       <m:rPr>
                                         <m:brk m:alnAt="7"/>
                                       </m:rPr>
-                                      <a:rPr lang="pt-BR" sz="1200" b="0" i="1" smtClean="0">
+                                      <a:rPr lang="pt-BR" sz="1200" i="1">
                                         <a:solidFill>
                                           <a:prstClr val="black"/>
                                         </a:solidFill>
@@ -9553,7 +12461,7 @@
                                       <m:rPr>
                                         <m:brk m:alnAt="7"/>
                                       </m:rPr>
-                                      <a:rPr lang="pt-BR" sz="1200" b="0" i="1" smtClean="0">
+                                      <a:rPr lang="pt-BR" sz="1200" i="1">
                                         <a:solidFill>
                                           <a:prstClr val="black"/>
                                         </a:solidFill>
@@ -9570,7 +12478,7 @@
                                 <m:sSub>
                                   <m:sSubPr>
                                     <m:ctrlPr>
-                                      <a:rPr lang="pt-BR" sz="1200" b="0" i="1" smtClean="0">
+                                      <a:rPr lang="pt-BR" sz="1200" i="1">
                                         <a:solidFill>
                                           <a:prstClr val="black"/>
                                         </a:solidFill>
@@ -9580,7 +12488,7 @@
                                   </m:sSubPr>
                                   <m:e>
                                     <m:r>
-                                      <a:rPr lang="pt-BR" sz="1200" b="0" i="1" smtClean="0">
+                                      <a:rPr lang="pt-BR" sz="1200" i="1">
                                         <a:solidFill>
                                           <a:prstClr val="black"/>
                                         </a:solidFill>
@@ -9591,7 +12499,7 @@
                                   </m:e>
                                   <m:sub>
                                     <m:r>
-                                      <a:rPr lang="pt-BR" sz="1200" b="0" i="1" smtClean="0">
+                                      <a:rPr lang="pt-BR" sz="1200" i="1">
                                         <a:solidFill>
                                           <a:prstClr val="black"/>
                                         </a:solidFill>
@@ -9608,7 +12516,7 @@
                                 <m:sSub>
                                   <m:sSubPr>
                                     <m:ctrlPr>
-                                      <a:rPr lang="pt-BR" sz="1200" b="0" i="1" smtClean="0">
+                                      <a:rPr lang="pt-BR" sz="1200" i="1">
                                         <a:solidFill>
                                           <a:prstClr val="black"/>
                                         </a:solidFill>
@@ -9618,7 +12526,7 @@
                                   </m:sSubPr>
                                   <m:e>
                                     <m:r>
-                                      <a:rPr lang="pt-BR" sz="1200" b="0" i="1" smtClean="0">
+                                      <a:rPr lang="pt-BR" sz="1200" i="1">
                                         <a:solidFill>
                                           <a:prstClr val="black"/>
                                         </a:solidFill>
@@ -9629,7 +12537,7 @@
                                   </m:e>
                                   <m:sub>
                                     <m:r>
-                                      <a:rPr lang="pt-BR" sz="1200" b="0" i="1" smtClean="0">
+                                      <a:rPr lang="pt-BR" sz="1200" i="1">
                                         <a:solidFill>
                                           <a:prstClr val="black"/>
                                         </a:solidFill>
@@ -9645,7 +12553,7 @@
                         </m:e>
                       </m:d>
                       <m:r>
-                        <a:rPr lang="pt-BR" sz="1200" b="0" i="1" smtClean="0">
+                        <a:rPr lang="pt-BR" sz="1200" i="1">
                           <a:solidFill>
                             <a:prstClr val="black"/>
                           </a:solidFill>
@@ -9657,7 +12565,7 @@
                         <m:radPr>
                           <m:degHide m:val="on"/>
                           <m:ctrlPr>
-                            <a:rPr lang="pt-BR" sz="1200" b="0" i="1" smtClean="0">
+                            <a:rPr lang="pt-BR" sz="1200" i="1">
                               <a:solidFill>
                                 <a:prstClr val="black"/>
                               </a:solidFill>
@@ -9670,7 +12578,7 @@
                           <m:f>
                             <m:fPr>
                               <m:ctrlPr>
-                                <a:rPr lang="pt-BR" sz="1200" b="0" i="1" smtClean="0">
+                                <a:rPr lang="pt-BR" sz="1200" i="1">
                                   <a:solidFill>
                                     <a:prstClr val="black"/>
                                   </a:solidFill>
@@ -9680,7 +12588,7 @@
                             </m:fPr>
                             <m:num>
                               <m:r>
-                                <a:rPr lang="pt-BR" sz="1200" b="0" i="1" smtClean="0">
+                                <a:rPr lang="pt-BR" sz="1200" i="1">
                                   <a:solidFill>
                                     <a:prstClr val="black"/>
                                   </a:solidFill>
@@ -9691,7 +12599,7 @@
                             </m:num>
                             <m:den>
                               <m:r>
-                                <a:rPr lang="pt-BR" sz="1200" b="0" i="1" smtClean="0">
+                                <a:rPr lang="pt-BR" sz="1200" i="1">
                                   <a:solidFill>
                                     <a:prstClr val="black"/>
                                   </a:solidFill>
@@ -9741,7 +12649,7 @@
                                 <m:f>
                                   <m:fPr>
                                     <m:ctrlPr>
-                                      <a:rPr lang="pt-BR" sz="1200" b="0" i="1" smtClean="0">
+                                      <a:rPr lang="pt-BR" sz="1200" i="1">
                                         <a:solidFill>
                                           <a:prstClr val="black"/>
                                         </a:solidFill>
@@ -9754,7 +12662,7 @@
                                       <m:rPr>
                                         <m:brk m:alnAt="7"/>
                                       </m:rPr>
-                                      <a:rPr lang="pt-BR" sz="1200" b="0" i="1" smtClean="0">
+                                      <a:rPr lang="pt-BR" sz="1200" i="1">
                                         <a:solidFill>
                                           <a:prstClr val="black"/>
                                         </a:solidFill>
@@ -9768,7 +12676,7 @@
                                       <m:radPr>
                                         <m:degHide m:val="on"/>
                                         <m:ctrlPr>
-                                          <a:rPr lang="pt-BR" sz="1200" b="0" i="1" smtClean="0">
+                                          <a:rPr lang="pt-BR" sz="1200" i="1">
                                             <a:solidFill>
                                               <a:prstClr val="black"/>
                                             </a:solidFill>
@@ -9779,7 +12687,7 @@
                                       <m:deg/>
                                       <m:e>
                                         <m:r>
-                                          <a:rPr lang="pt-BR" sz="1200" b="0" i="1" smtClean="0">
+                                          <a:rPr lang="pt-BR" sz="1200" i="1">
                                             <a:solidFill>
                                               <a:prstClr val="black"/>
                                             </a:solidFill>
@@ -9906,7 +12814,7 @@
                             <m:mr>
                               <m:e>
                                 <m:r>
-                                  <a:rPr lang="pt-BR" sz="1200" b="0" i="1" smtClean="0">
+                                  <a:rPr lang="pt-BR" sz="1200" i="1">
                                     <a:solidFill>
                                       <a:prstClr val="black"/>
                                     </a:solidFill>
@@ -9917,7 +12825,7 @@
                               </m:e>
                               <m:e>
                                 <m:r>
-                                  <a:rPr lang="pt-BR" sz="1200" b="0" i="1" smtClean="0">
+                                  <a:rPr lang="pt-BR" sz="1200" i="1">
                                     <a:solidFill>
                                       <a:prstClr val="black"/>
                                     </a:solidFill>
@@ -9928,7 +12836,7 @@
                                 <m:f>
                                   <m:fPr>
                                     <m:ctrlPr>
-                                      <a:rPr lang="pt-BR" sz="1200" b="0" i="1" smtClean="0">
+                                      <a:rPr lang="pt-BR" sz="1200" i="1">
                                         <a:solidFill>
                                           <a:prstClr val="black"/>
                                         </a:solidFill>
@@ -9938,7 +12846,7 @@
                                   </m:fPr>
                                   <m:num>
                                     <m:r>
-                                      <a:rPr lang="pt-BR" sz="1200" b="0" i="1" smtClean="0">
+                                      <a:rPr lang="pt-BR" sz="1200" i="1">
                                         <a:solidFill>
                                           <a:prstClr val="black"/>
                                         </a:solidFill>
@@ -9949,7 +12857,7 @@
                                   </m:num>
                                   <m:den>
                                     <m:r>
-                                      <a:rPr lang="pt-BR" sz="1200" b="0" i="1" smtClean="0">
+                                      <a:rPr lang="pt-BR" sz="1200" i="1">
                                         <a:solidFill>
                                           <a:prstClr val="black"/>
                                         </a:solidFill>
@@ -9962,7 +12870,7 @@
                               </m:e>
                               <m:e>
                                 <m:r>
-                                  <a:rPr lang="pt-BR" sz="1200" b="0" i="1" smtClean="0">
+                                  <a:rPr lang="pt-BR" sz="1200" i="1">
                                     <a:solidFill>
                                       <a:prstClr val="black"/>
                                     </a:solidFill>
@@ -9973,7 +12881,7 @@
                                 <m:f>
                                   <m:fPr>
                                     <m:ctrlPr>
-                                      <a:rPr lang="pt-BR" sz="1200" b="0" i="1" smtClean="0">
+                                      <a:rPr lang="pt-BR" sz="1200" i="1">
                                         <a:solidFill>
                                           <a:prstClr val="black"/>
                                         </a:solidFill>
@@ -9983,7 +12891,7 @@
                                   </m:fPr>
                                   <m:num>
                                     <m:r>
-                                      <a:rPr lang="pt-BR" sz="1200" b="0" i="1" smtClean="0">
+                                      <a:rPr lang="pt-BR" sz="1200" i="1">
                                         <a:solidFill>
                                           <a:prstClr val="black"/>
                                         </a:solidFill>
@@ -9994,7 +12902,7 @@
                                   </m:num>
                                   <m:den>
                                     <m:r>
-                                      <a:rPr lang="pt-BR" sz="1200" b="0" i="1" smtClean="0">
+                                      <a:rPr lang="pt-BR" sz="1200" i="1">
                                         <a:solidFill>
                                           <a:prstClr val="black"/>
                                         </a:solidFill>
@@ -10009,7 +12917,7 @@
                             <m:mr>
                               <m:e>
                                 <m:r>
-                                  <a:rPr lang="pt-BR" sz="1200" b="0" i="1" smtClean="0">
+                                  <a:rPr lang="pt-BR" sz="1200" i="1">
                                     <a:solidFill>
                                       <a:prstClr val="black"/>
                                     </a:solidFill>
@@ -10022,7 +12930,7 @@
                                 <m:f>
                                   <m:fPr>
                                     <m:ctrlPr>
-                                      <a:rPr lang="pt-BR" sz="1200" b="0" i="1" smtClean="0">
+                                      <a:rPr lang="pt-BR" sz="1200" i="1">
                                         <a:solidFill>
                                           <a:prstClr val="black"/>
                                         </a:solidFill>
@@ -10035,7 +12943,7 @@
                                       <m:radPr>
                                         <m:degHide m:val="on"/>
                                         <m:ctrlPr>
-                                          <a:rPr lang="pt-BR" sz="1200" b="0" i="1" smtClean="0">
+                                          <a:rPr lang="pt-BR" sz="1200" i="1">
                                             <a:solidFill>
                                               <a:prstClr val="black"/>
                                             </a:solidFill>
@@ -10046,7 +12954,7 @@
                                       <m:deg/>
                                       <m:e>
                                         <m:r>
-                                          <a:rPr lang="pt-BR" sz="1200" b="0" i="1" smtClean="0">
+                                          <a:rPr lang="pt-BR" sz="1200" i="1">
                                             <a:solidFill>
                                               <a:prstClr val="black"/>
                                             </a:solidFill>
@@ -10059,7 +12967,7 @@
                                   </m:num>
                                   <m:den>
                                     <m:r>
-                                      <a:rPr lang="pt-BR" sz="1200" b="0" i="1" smtClean="0">
+                                      <a:rPr lang="pt-BR" sz="1200" i="1">
                                         <a:solidFill>
                                           <a:prstClr val="black"/>
                                         </a:solidFill>
@@ -10072,7 +12980,7 @@
                               </m:e>
                               <m:e>
                                 <m:r>
-                                  <a:rPr lang="pt-BR" sz="1200" b="0" i="1" smtClean="0">
+                                  <a:rPr lang="pt-BR" sz="1200" i="1">
                                     <a:solidFill>
                                       <a:prstClr val="black"/>
                                     </a:solidFill>
@@ -10083,7 +12991,7 @@
                                 <m:f>
                                   <m:fPr>
                                     <m:ctrlPr>
-                                      <a:rPr lang="pt-BR" sz="1200" b="0" i="1" smtClean="0">
+                                      <a:rPr lang="pt-BR" sz="1200" i="1">
                                         <a:solidFill>
                                           <a:prstClr val="black"/>
                                         </a:solidFill>
@@ -10096,7 +13004,7 @@
                                       <m:radPr>
                                         <m:degHide m:val="on"/>
                                         <m:ctrlPr>
-                                          <a:rPr lang="pt-BR" sz="1200" b="0" i="1" smtClean="0">
+                                          <a:rPr lang="pt-BR" sz="1200" i="1">
                                             <a:solidFill>
                                               <a:prstClr val="black"/>
                                             </a:solidFill>
@@ -10107,7 +13015,7 @@
                                       <m:deg/>
                                       <m:e>
                                         <m:r>
-                                          <a:rPr lang="pt-BR" sz="1200" b="0" i="1" smtClean="0">
+                                          <a:rPr lang="pt-BR" sz="1200" i="1">
                                             <a:solidFill>
                                               <a:prstClr val="black"/>
                                             </a:solidFill>
@@ -10120,7 +13028,7 @@
                                   </m:num>
                                   <m:den>
                                     <m:r>
-                                      <a:rPr lang="pt-BR" sz="1200" b="0" i="1" smtClean="0">
+                                      <a:rPr lang="pt-BR" sz="1200" i="1">
                                         <a:solidFill>
                                           <a:prstClr val="black"/>
                                         </a:solidFill>
@@ -10173,7 +13081,7 @@
                                 <m:sSub>
                                   <m:sSubPr>
                                     <m:ctrlPr>
-                                      <a:rPr lang="pt-BR" sz="1200" b="0" i="1" smtClean="0">
+                                      <a:rPr lang="pt-BR" sz="1200" i="1">
                                         <a:solidFill>
                                           <a:prstClr val="black"/>
                                         </a:solidFill>
@@ -10186,7 +13094,7 @@
                                       <m:rPr>
                                         <m:brk m:alnAt="7"/>
                                       </m:rPr>
-                                      <a:rPr lang="pt-BR" sz="1200" b="0" i="1" smtClean="0">
+                                      <a:rPr lang="pt-BR" sz="1200" i="1">
                                         <a:solidFill>
                                           <a:prstClr val="black"/>
                                         </a:solidFill>
@@ -10200,7 +13108,7 @@
                                       <m:rPr>
                                         <m:brk m:alnAt="7"/>
                                       </m:rPr>
-                                      <a:rPr lang="pt-BR" sz="1200" b="0" i="1" smtClean="0">
+                                      <a:rPr lang="pt-BR" sz="1200" i="1">
                                         <a:solidFill>
                                           <a:prstClr val="black"/>
                                         </a:solidFill>
@@ -10217,7 +13125,7 @@
                                 <m:sSub>
                                   <m:sSubPr>
                                     <m:ctrlPr>
-                                      <a:rPr lang="pt-BR" sz="1200" b="0" i="1" smtClean="0">
+                                      <a:rPr lang="pt-BR" sz="1200" i="1">
                                         <a:solidFill>
                                           <a:prstClr val="black"/>
                                         </a:solidFill>
@@ -10227,7 +13135,7 @@
                                   </m:sSubPr>
                                   <m:e>
                                     <m:r>
-                                      <a:rPr lang="pt-BR" sz="1200" b="0" i="1" smtClean="0">
+                                      <a:rPr lang="pt-BR" sz="1200" i="1">
                                         <a:solidFill>
                                           <a:prstClr val="black"/>
                                         </a:solidFill>
@@ -10238,7 +13146,7 @@
                                   </m:e>
                                   <m:sub>
                                     <m:r>
-                                      <a:rPr lang="pt-BR" sz="1200" b="0" i="1" smtClean="0">
+                                      <a:rPr lang="pt-BR" sz="1200" i="1">
                                         <a:solidFill>
                                           <a:prstClr val="black"/>
                                         </a:solidFill>
@@ -10255,7 +13163,7 @@
                                 <m:sSub>
                                   <m:sSubPr>
                                     <m:ctrlPr>
-                                      <a:rPr lang="pt-BR" sz="1200" b="0" i="1" smtClean="0">
+                                      <a:rPr lang="pt-BR" sz="1200" i="1">
                                         <a:solidFill>
                                           <a:prstClr val="black"/>
                                         </a:solidFill>
@@ -10265,7 +13173,7 @@
                                   </m:sSubPr>
                                   <m:e>
                                     <m:r>
-                                      <a:rPr lang="pt-BR" sz="1200" b="0" i="1" smtClean="0">
+                                      <a:rPr lang="pt-BR" sz="1200" i="1">
                                         <a:solidFill>
                                           <a:prstClr val="black"/>
                                         </a:solidFill>
@@ -10276,7 +13184,7 @@
                                   </m:e>
                                   <m:sub>
                                     <m:r>
-                                      <a:rPr lang="pt-BR" sz="1200" b="0" i="1" smtClean="0">
+                                      <a:rPr lang="pt-BR" sz="1200" i="1">
                                         <a:solidFill>
                                           <a:prstClr val="black"/>
                                         </a:solidFill>
@@ -10292,7 +13200,7 @@
                         </m:e>
                       </m:d>
                       <m:r>
-                        <a:rPr lang="pt-BR" sz="1200" b="0" i="1" smtClean="0">
+                        <a:rPr lang="pt-BR" sz="1200" i="1">
                           <a:solidFill>
                             <a:prstClr val="black"/>
                           </a:solidFill>
@@ -10362,7 +13270,7 @@
                                   </m:e>
                                   <m:sub>
                                     <m:r>
-                                      <a:rPr lang="pt-BR" sz="1200" b="0" i="1" smtClean="0">
+                                      <a:rPr lang="pt-BR" sz="1200" i="1">
                                         <a:solidFill>
                                           <a:prstClr val="black"/>
                                         </a:solidFill>
@@ -10400,7 +13308,7 @@
                                   </m:e>
                                   <m:sub>
                                     <m:r>
-                                      <a:rPr lang="pt-BR" sz="1200" b="0" i="1" smtClean="0">
+                                      <a:rPr lang="pt-BR" sz="1200" i="1">
                                         <a:solidFill>
                                           <a:prstClr val="black"/>
                                         </a:solidFill>
@@ -10438,7 +13346,7 @@
                                   </m:e>
                                   <m:sub>
                                     <m:r>
-                                      <a:rPr lang="pt-BR" sz="1200" b="0" i="1" smtClean="0">
+                                      <a:rPr lang="pt-BR" sz="1200" i="1">
                                         <a:solidFill>
                                           <a:prstClr val="black"/>
                                         </a:solidFill>
@@ -10603,7 +13511,7 @@
                               </m:e>
                               <m:e>
                                 <m:r>
-                                  <a:rPr lang="pt-BR" sz="1200" b="0" i="1" smtClean="0">
+                                  <a:rPr lang="pt-BR" sz="1200" i="1">
                                     <a:solidFill>
                                       <a:prstClr val="black"/>
                                     </a:solidFill>
@@ -10614,7 +13522,7 @@
                               </m:e>
                               <m:e>
                                 <m:r>
-                                  <a:rPr lang="pt-BR" sz="1200" b="0" i="1" smtClean="0">
+                                  <a:rPr lang="pt-BR" sz="1200" i="1">
                                     <a:solidFill>
                                       <a:prstClr val="black"/>
                                     </a:solidFill>
@@ -10629,7 +13537,7 @@
                                 <m:f>
                                   <m:fPr>
                                     <m:ctrlPr>
-                                      <a:rPr lang="pt-BR" sz="1200" b="0" i="1" smtClean="0">
+                                      <a:rPr lang="pt-BR" sz="1200" i="1">
                                         <a:solidFill>
                                           <a:prstClr val="black"/>
                                         </a:solidFill>
@@ -10639,7 +13547,7 @@
                                   </m:fPr>
                                   <m:num>
                                     <m:r>
-                                      <a:rPr lang="pt-BR" sz="1200" b="0" i="1" smtClean="0">
+                                      <a:rPr lang="pt-BR" sz="1200" i="1">
                                         <a:solidFill>
                                           <a:prstClr val="black"/>
                                         </a:solidFill>
@@ -10653,7 +13561,7 @@
                                       <m:radPr>
                                         <m:degHide m:val="on"/>
                                         <m:ctrlPr>
-                                          <a:rPr lang="pt-BR" sz="1200" b="0" i="1" smtClean="0">
+                                          <a:rPr lang="pt-BR" sz="1200" i="1">
                                             <a:solidFill>
                                               <a:prstClr val="black"/>
                                             </a:solidFill>
@@ -10664,7 +13572,7 @@
                                       <m:deg/>
                                       <m:e>
                                         <m:r>
-                                          <a:rPr lang="pt-BR" sz="1200" b="0" i="1" smtClean="0">
+                                          <a:rPr lang="pt-BR" sz="1200" i="1">
                                             <a:solidFill>
                                               <a:prstClr val="black"/>
                                             </a:solidFill>
@@ -10739,7 +13647,7 @@
                                       <m:radPr>
                                         <m:degHide m:val="on"/>
                                         <m:ctrlPr>
-                                          <a:rPr lang="pt-BR" sz="1200" b="0" i="1" smtClean="0">
+                                          <a:rPr lang="pt-BR" sz="1200" i="1">
                                             <a:solidFill>
                                               <a:prstClr val="black"/>
                                             </a:solidFill>
@@ -10750,7 +13658,7 @@
                                       <m:deg/>
                                       <m:e>
                                         <m:r>
-                                          <a:rPr lang="pt-BR" sz="1200" b="0" i="1" smtClean="0">
+                                          <a:rPr lang="pt-BR" sz="1200" i="1">
                                             <a:solidFill>
                                               <a:prstClr val="black"/>
                                             </a:solidFill>
@@ -10780,7 +13688,7 @@
                                 <m:f>
                                   <m:fPr>
                                     <m:ctrlPr>
-                                      <a:rPr lang="pt-BR" sz="1200" b="0" i="1" smtClean="0">
+                                      <a:rPr lang="pt-BR" sz="1200" i="1">
                                         <a:solidFill>
                                           <a:prstClr val="black"/>
                                         </a:solidFill>
@@ -10790,7 +13698,7 @@
                                   </m:fPr>
                                   <m:num>
                                     <m:r>
-                                      <a:rPr lang="pt-BR" sz="1200" b="0" i="1" smtClean="0">
+                                      <a:rPr lang="pt-BR" sz="1200" i="1">
                                         <a:solidFill>
                                           <a:prstClr val="black"/>
                                         </a:solidFill>
@@ -10804,7 +13712,7 @@
                                       <m:radPr>
                                         <m:degHide m:val="on"/>
                                         <m:ctrlPr>
-                                          <a:rPr lang="pt-BR" sz="1200" b="0" i="1" smtClean="0">
+                                          <a:rPr lang="pt-BR" sz="1200" i="1">
                                             <a:solidFill>
                                               <a:prstClr val="black"/>
                                             </a:solidFill>
@@ -10815,7 +13723,7 @@
                                       <m:deg/>
                                       <m:e>
                                         <m:r>
-                                          <a:rPr lang="pt-BR" sz="1200" b="0" i="1" smtClean="0">
+                                          <a:rPr lang="pt-BR" sz="1200" i="1">
                                             <a:solidFill>
                                               <a:prstClr val="black"/>
                                             </a:solidFill>
@@ -10830,7 +13738,7 @@
                               </m:e>
                               <m:e>
                                 <m:r>
-                                  <a:rPr lang="pt-BR" sz="1200" b="0" i="1" smtClean="0">
+                                  <a:rPr lang="pt-BR" sz="1200" i="1">
                                     <a:solidFill>
                                       <a:prstClr val="black"/>
                                     </a:solidFill>
@@ -10841,7 +13749,7 @@
                                 <m:f>
                                   <m:fPr>
                                     <m:ctrlPr>
-                                      <a:rPr lang="pt-BR" sz="1200" b="0" i="1" smtClean="0">
+                                      <a:rPr lang="pt-BR" sz="1200" i="1">
                                         <a:solidFill>
                                           <a:prstClr val="black"/>
                                         </a:solidFill>
@@ -10851,7 +13759,7 @@
                                   </m:fPr>
                                   <m:num>
                                     <m:r>
-                                      <a:rPr lang="pt-BR" sz="1200" b="0" i="1" smtClean="0">
+                                      <a:rPr lang="pt-BR" sz="1200" i="1">
                                         <a:solidFill>
                                           <a:prstClr val="black"/>
                                         </a:solidFill>
@@ -10862,7 +13770,7 @@
                                   </m:num>
                                   <m:den>
                                     <m:r>
-                                      <a:rPr lang="pt-BR" sz="1200" b="0" i="1" smtClean="0">
+                                      <a:rPr lang="pt-BR" sz="1200" i="1">
                                         <a:solidFill>
                                           <a:prstClr val="black"/>
                                         </a:solidFill>
@@ -10991,7 +13899,7 @@
                                   </m:e>
                                   <m:sub>
                                     <m:r>
-                                      <a:rPr lang="pt-BR" sz="1200" b="0" i="1" smtClean="0">
+                                      <a:rPr lang="pt-BR" sz="1200" i="1">
                                         <a:solidFill>
                                           <a:prstClr val="black"/>
                                         </a:solidFill>
@@ -11029,7 +13937,7 @@
                                   </m:e>
                                   <m:sub>
                                     <m:r>
-                                      <a:rPr lang="pt-BR" sz="1200" b="0" i="1" smtClean="0">
+                                      <a:rPr lang="pt-BR" sz="1200" i="1">
                                         <a:solidFill>
                                           <a:prstClr val="black"/>
                                         </a:solidFill>
@@ -11067,7 +13975,7 @@
                                   </m:e>
                                   <m:sub>
                                     <m:r>
-                                      <a:rPr lang="pt-BR" sz="1200" b="0" i="1" smtClean="0">
+                                      <a:rPr lang="pt-BR" sz="1200" i="1">
                                         <a:solidFill>
                                           <a:prstClr val="black"/>
                                         </a:solidFill>
@@ -11093,57 +14001,844 @@
                 </a:endParaRPr>
               </a:p>
               <a:p>
+                <a:endParaRPr lang="pt-BR" dirty="0"/>
+              </a:p>
+            </p:txBody>
+          </p:sp>
+        </mc:Choice>
+        <mc:Fallback xmlns="">
+          <p:sp>
+            <p:nvSpPr>
+              <p:cNvPr id="3" name="Espaço Reservado para Conteúdo 2"/>
+              <p:cNvSpPr>
+                <a:spLocks noGrp="1" noRot="1" noChangeAspect="1" noMove="1" noResize="1" noEditPoints="1" noAdjustHandles="1" noChangeArrowheads="1" noChangeShapeType="1" noTextEdit="1"/>
+              </p:cNvSpPr>
+              <p:nvPr>
+                <p:ph idx="1"/>
+              </p:nvPr>
+            </p:nvSpPr>
+            <p:spPr>
+              <a:xfrm>
+                <a:off x="507206" y="1685437"/>
+                <a:ext cx="8089900" cy="4735553"/>
+              </a:xfrm>
+              <a:blipFill>
+                <a:blip r:embed="rId2"/>
+                <a:stretch>
+                  <a:fillRect l="-678" t="-1287" r="-1432"/>
+                </a:stretch>
+              </a:blipFill>
+            </p:spPr>
+            <p:txBody>
+              <a:bodyPr/>
+              <a:lstStyle/>
+              <a:p>
                 <a:r>
-                  <a:rPr lang="pt-BR" sz="2000" dirty="0">
-                    <a:solidFill>
-                      <a:prstClr val="black"/>
-                    </a:solidFill>
+                  <a:rPr lang="pt-BR">
+                    <a:noFill/>
                   </a:rPr>
-                  <a:t>Calculo de </a:t>
+                  <a:t> </a:t>
                 </a:r>
-                <a14:m>
-                  <m:oMath xmlns:m="http://schemas.openxmlformats.org/officeDocument/2006/math">
-                    <m:r>
-                      <a:rPr lang="pt-BR" sz="2000" b="0" i="1" smtClean="0">
-                        <a:solidFill>
-                          <a:prstClr val="black"/>
-                        </a:solidFill>
-                        <a:latin typeface="Cambria Math" panose="02040503050406030204" pitchFamily="18" charset="0"/>
-                      </a:rPr>
-                      <m:t>𝑝</m:t>
-                    </m:r>
-                  </m:oMath>
-                </a14:m>
-                <a:r>
-                  <a:rPr lang="pt-BR" sz="2000" dirty="0">
-                    <a:solidFill>
-                      <a:prstClr val="black"/>
-                    </a:solidFill>
-                  </a:rPr>
-                  <a:t> e </a:t>
-                </a:r>
-                <a14:m>
-                  <m:oMath xmlns:m="http://schemas.openxmlformats.org/officeDocument/2006/math">
-                    <m:r>
-                      <a:rPr lang="pt-BR" sz="2000" b="0" i="1" smtClean="0">
-                        <a:solidFill>
-                          <a:prstClr val="black"/>
-                        </a:solidFill>
-                        <a:latin typeface="Cambria Math" panose="02040503050406030204" pitchFamily="18" charset="0"/>
-                      </a:rPr>
-                      <m:t>𝑞</m:t>
-                    </m:r>
-                  </m:oMath>
-                </a14:m>
-                <a:endParaRPr lang="pt-BR" sz="1600" i="1" dirty="0">
-                  <a:solidFill>
-                    <a:prstClr val="black"/>
-                  </a:solidFill>
-                  <a:latin typeface="Cambria Math" panose="02040503050406030204" pitchFamily="18" charset="0"/>
-                </a:endParaRPr>
               </a:p>
+            </p:txBody>
+          </p:sp>
+        </mc:Fallback>
+      </mc:AlternateContent>
+      <p:pic>
+        <p:nvPicPr>
+          <p:cNvPr id="4" name="Picture 2"/>
+          <p:cNvPicPr>
+            <a:picLocks noChangeAspect="1" noChangeArrowheads="1"/>
+          </p:cNvPicPr>
+          <p:nvPr/>
+        </p:nvPicPr>
+        <p:blipFill>
+          <a:blip r:embed="rId3">
+            <a:extLst>
+              <a:ext uri="{28A0092B-C50C-407E-A947-70E740481C1C}">
+                <a14:useLocalDpi xmlns:a14="http://schemas.microsoft.com/office/drawing/2010/main" val="0"/>
+              </a:ext>
+            </a:extLst>
+          </a:blip>
+          <a:srcRect/>
+          <a:stretch>
+            <a:fillRect/>
+          </a:stretch>
+        </p:blipFill>
+        <p:spPr bwMode="auto">
+          <a:xfrm>
+            <a:off x="74613" y="127000"/>
+            <a:ext cx="1847850" cy="709613"/>
+          </a:xfrm>
+          <a:prstGeom prst="rect">
+            <a:avLst/>
+          </a:prstGeom>
+          <a:noFill/>
+          <a:ln>
+            <a:noFill/>
+          </a:ln>
+          <a:effectLst/>
+          <a:extLst>
+            <a:ext uri="{909E8E84-426E-40DD-AFC4-6F175D3DCCD1}">
+              <a14:hiddenFill xmlns:a14="http://schemas.microsoft.com/office/drawing/2010/main">
+                <a:blipFill dpi="0" rotWithShape="0">
+                  <a:blip/>
+                  <a:srcRect/>
+                  <a:stretch>
+                    <a:fillRect/>
+                  </a:stretch>
+                </a:blipFill>
+              </a14:hiddenFill>
+            </a:ext>
+            <a:ext uri="{91240B29-F687-4F45-9708-019B960494DF}">
+              <a14:hiddenLine xmlns:a14="http://schemas.microsoft.com/office/drawing/2010/main" w="9525">
+                <a:solidFill>
+                  <a:srgbClr val="3465A4"/>
+                </a:solidFill>
+                <a:round/>
+                <a:headEnd/>
+                <a:tailEnd/>
+              </a14:hiddenLine>
+            </a:ext>
+            <a:ext uri="{AF507438-7753-43E0-B8FC-AC1667EBCBE1}">
+              <a14:hiddenEffects xmlns:a14="http://schemas.microsoft.com/office/drawing/2010/main">
+                <a:effectLst>
+                  <a:outerShdw dist="35921" dir="2700000" algn="ctr" rotWithShape="0">
+                    <a:srgbClr val="808080"/>
+                  </a:outerShdw>
+                </a:effectLst>
+              </a14:hiddenEffects>
+            </a:ext>
+          </a:extLst>
+        </p:spPr>
+      </p:pic>
+      <p:pic>
+        <p:nvPicPr>
+          <p:cNvPr id="5" name="Picture 3"/>
+          <p:cNvPicPr>
+            <a:picLocks noChangeAspect="1" noChangeArrowheads="1"/>
+          </p:cNvPicPr>
+          <p:nvPr/>
+        </p:nvPicPr>
+        <p:blipFill>
+          <a:blip r:embed="rId4">
+            <a:extLst>
+              <a:ext uri="{28A0092B-C50C-407E-A947-70E740481C1C}">
+                <a14:useLocalDpi xmlns:a14="http://schemas.microsoft.com/office/drawing/2010/main" val="0"/>
+              </a:ext>
+            </a:extLst>
+          </a:blip>
+          <a:srcRect/>
+          <a:stretch>
+            <a:fillRect/>
+          </a:stretch>
+        </p:blipFill>
+        <p:spPr bwMode="auto">
+          <a:xfrm>
+            <a:off x="7265988" y="146050"/>
+            <a:ext cx="1662112" cy="709613"/>
+          </a:xfrm>
+          <a:prstGeom prst="rect">
+            <a:avLst/>
+          </a:prstGeom>
+          <a:noFill/>
+          <a:ln>
+            <a:noFill/>
+          </a:ln>
+          <a:effectLst/>
+          <a:extLst>
+            <a:ext uri="{909E8E84-426E-40DD-AFC4-6F175D3DCCD1}">
+              <a14:hiddenFill xmlns:a14="http://schemas.microsoft.com/office/drawing/2010/main">
+                <a:blipFill dpi="0" rotWithShape="0">
+                  <a:blip/>
+                  <a:srcRect/>
+                  <a:stretch>
+                    <a:fillRect/>
+                  </a:stretch>
+                </a:blipFill>
+              </a14:hiddenFill>
+            </a:ext>
+            <a:ext uri="{91240B29-F687-4F45-9708-019B960494DF}">
+              <a14:hiddenLine xmlns:a14="http://schemas.microsoft.com/office/drawing/2010/main" w="9525">
+                <a:solidFill>
+                  <a:srgbClr val="3465A4"/>
+                </a:solidFill>
+                <a:round/>
+                <a:headEnd/>
+                <a:tailEnd/>
+              </a14:hiddenLine>
+            </a:ext>
+            <a:ext uri="{AF507438-7753-43E0-B8FC-AC1667EBCBE1}">
+              <a14:hiddenEffects xmlns:a14="http://schemas.microsoft.com/office/drawing/2010/main">
+                <a:effectLst>
+                  <a:outerShdw dist="35921" dir="2700000" algn="ctr" rotWithShape="0">
+                    <a:srgbClr val="808080"/>
+                  </a:outerShdw>
+                </a:effectLst>
+              </a14:hiddenEffects>
+            </a:ext>
+          </a:extLst>
+        </p:spPr>
+      </p:pic>
+      <p:sp>
+        <p:nvSpPr>
+          <p:cNvPr id="6" name="Text Box 4"/>
+          <p:cNvSpPr txBox="1">
+            <a:spLocks noChangeArrowheads="1"/>
+          </p:cNvSpPr>
+          <p:nvPr/>
+        </p:nvSpPr>
+        <p:spPr bwMode="auto">
+          <a:xfrm>
+            <a:off x="1903413" y="1588"/>
+            <a:ext cx="5297487" cy="956288"/>
+          </a:xfrm>
+          <a:prstGeom prst="rect">
+            <a:avLst/>
+          </a:prstGeom>
+          <a:noFill/>
+          <a:ln>
+            <a:noFill/>
+          </a:ln>
+          <a:effectLst/>
+          <a:extLst>
+            <a:ext uri="{909E8E84-426E-40DD-AFC4-6F175D3DCCD1}">
+              <a14:hiddenFill xmlns:a14="http://schemas.microsoft.com/office/drawing/2010/main">
+                <a:solidFill>
+                  <a:srgbClr val="FFFFFF"/>
+                </a:solidFill>
+              </a14:hiddenFill>
+            </a:ext>
+            <a:ext uri="{91240B29-F687-4F45-9708-019B960494DF}">
+              <a14:hiddenLine xmlns:a14="http://schemas.microsoft.com/office/drawing/2010/main" w="9525">
+                <a:solidFill>
+                  <a:srgbClr val="3465A4"/>
+                </a:solidFill>
+                <a:round/>
+                <a:headEnd/>
+                <a:tailEnd/>
+              </a14:hiddenLine>
+            </a:ext>
+            <a:ext uri="{AF507438-7753-43E0-B8FC-AC1667EBCBE1}">
+              <a14:hiddenEffects xmlns:a14="http://schemas.microsoft.com/office/drawing/2010/main">
+                <a:effectLst>
+                  <a:outerShdw dist="35921" dir="2700000" algn="ctr" rotWithShape="0">
+                    <a:srgbClr val="808080"/>
+                  </a:outerShdw>
+                </a:effectLst>
+              </a14:hiddenEffects>
+            </a:ext>
+          </a:extLst>
+        </p:spPr>
+        <p:txBody>
+          <a:bodyPr lIns="90000" tIns="46800" rIns="90000" bIns="46800">
+            <a:spAutoFit/>
+          </a:bodyPr>
+          <a:lstStyle>
+            <a:lvl1pPr>
+              <a:lnSpc>
+                <a:spcPct val="90000"/>
+              </a:lnSpc>
+              <a:spcBef>
+                <a:spcPts val="1000"/>
+              </a:spcBef>
+              <a:buClr>
+                <a:srgbClr val="000000"/>
+              </a:buClr>
+              <a:buSzPct val="100000"/>
+              <a:buFont typeface="Times New Roman" panose="02020603050405020304" pitchFamily="18" charset="0"/>
+              <a:tabLst>
+                <a:tab pos="0" algn="l"/>
+                <a:tab pos="914400" algn="l"/>
+                <a:tab pos="1828800" algn="l"/>
+                <a:tab pos="2743200" algn="l"/>
+                <a:tab pos="3657600" algn="l"/>
+                <a:tab pos="4572000" algn="l"/>
+                <a:tab pos="5486400" algn="l"/>
+                <a:tab pos="6400800" algn="l"/>
+                <a:tab pos="7315200" algn="l"/>
+                <a:tab pos="8229600" algn="l"/>
+                <a:tab pos="9144000" algn="l"/>
+                <a:tab pos="10058400" algn="l"/>
+              </a:tabLst>
+              <a:defRPr sz="2800">
+                <a:solidFill>
+                  <a:srgbClr val="000000"/>
+                </a:solidFill>
+                <a:latin typeface="Calibri" panose="020F0502020204030204" pitchFamily="34" charset="0"/>
+                <a:cs typeface="Droid Sans Fallback" charset="0"/>
+              </a:defRPr>
+            </a:lvl1pPr>
+            <a:lvl2pPr>
+              <a:lnSpc>
+                <a:spcPct val="90000"/>
+              </a:lnSpc>
+              <a:spcBef>
+                <a:spcPts val="500"/>
+              </a:spcBef>
+              <a:buClr>
+                <a:srgbClr val="000000"/>
+              </a:buClr>
+              <a:buSzPct val="100000"/>
+              <a:buFont typeface="Times New Roman" panose="02020603050405020304" pitchFamily="18" charset="0"/>
+              <a:tabLst>
+                <a:tab pos="0" algn="l"/>
+                <a:tab pos="914400" algn="l"/>
+                <a:tab pos="1828800" algn="l"/>
+                <a:tab pos="2743200" algn="l"/>
+                <a:tab pos="3657600" algn="l"/>
+                <a:tab pos="4572000" algn="l"/>
+                <a:tab pos="5486400" algn="l"/>
+                <a:tab pos="6400800" algn="l"/>
+                <a:tab pos="7315200" algn="l"/>
+                <a:tab pos="8229600" algn="l"/>
+                <a:tab pos="9144000" algn="l"/>
+                <a:tab pos="10058400" algn="l"/>
+              </a:tabLst>
+              <a:defRPr sz="2400">
+                <a:solidFill>
+                  <a:srgbClr val="000000"/>
+                </a:solidFill>
+                <a:latin typeface="Calibri" panose="020F0502020204030204" pitchFamily="34" charset="0"/>
+                <a:cs typeface="Droid Sans Fallback" charset="0"/>
+              </a:defRPr>
+            </a:lvl2pPr>
+            <a:lvl3pPr>
+              <a:lnSpc>
+                <a:spcPct val="90000"/>
+              </a:lnSpc>
+              <a:spcBef>
+                <a:spcPts val="500"/>
+              </a:spcBef>
+              <a:buClr>
+                <a:srgbClr val="000000"/>
+              </a:buClr>
+              <a:buSzPct val="100000"/>
+              <a:buFont typeface="Times New Roman" panose="02020603050405020304" pitchFamily="18" charset="0"/>
+              <a:tabLst>
+                <a:tab pos="0" algn="l"/>
+                <a:tab pos="914400" algn="l"/>
+                <a:tab pos="1828800" algn="l"/>
+                <a:tab pos="2743200" algn="l"/>
+                <a:tab pos="3657600" algn="l"/>
+                <a:tab pos="4572000" algn="l"/>
+                <a:tab pos="5486400" algn="l"/>
+                <a:tab pos="6400800" algn="l"/>
+                <a:tab pos="7315200" algn="l"/>
+                <a:tab pos="8229600" algn="l"/>
+                <a:tab pos="9144000" algn="l"/>
+                <a:tab pos="10058400" algn="l"/>
+              </a:tabLst>
+              <a:defRPr sz="2000">
+                <a:solidFill>
+                  <a:srgbClr val="000000"/>
+                </a:solidFill>
+                <a:latin typeface="Calibri" panose="020F0502020204030204" pitchFamily="34" charset="0"/>
+                <a:cs typeface="Droid Sans Fallback" charset="0"/>
+              </a:defRPr>
+            </a:lvl3pPr>
+            <a:lvl4pPr>
+              <a:lnSpc>
+                <a:spcPct val="90000"/>
+              </a:lnSpc>
+              <a:spcBef>
+                <a:spcPts val="500"/>
+              </a:spcBef>
+              <a:buClr>
+                <a:srgbClr val="000000"/>
+              </a:buClr>
+              <a:buSzPct val="100000"/>
+              <a:buFont typeface="Times New Roman" panose="02020603050405020304" pitchFamily="18" charset="0"/>
+              <a:tabLst>
+                <a:tab pos="0" algn="l"/>
+                <a:tab pos="914400" algn="l"/>
+                <a:tab pos="1828800" algn="l"/>
+                <a:tab pos="2743200" algn="l"/>
+                <a:tab pos="3657600" algn="l"/>
+                <a:tab pos="4572000" algn="l"/>
+                <a:tab pos="5486400" algn="l"/>
+                <a:tab pos="6400800" algn="l"/>
+                <a:tab pos="7315200" algn="l"/>
+                <a:tab pos="8229600" algn="l"/>
+                <a:tab pos="9144000" algn="l"/>
+                <a:tab pos="10058400" algn="l"/>
+              </a:tabLst>
+              <a:defRPr>
+                <a:solidFill>
+                  <a:srgbClr val="000000"/>
+                </a:solidFill>
+                <a:latin typeface="Calibri" panose="020F0502020204030204" pitchFamily="34" charset="0"/>
+                <a:cs typeface="Droid Sans Fallback" charset="0"/>
+              </a:defRPr>
+            </a:lvl4pPr>
+            <a:lvl5pPr>
+              <a:lnSpc>
+                <a:spcPct val="90000"/>
+              </a:lnSpc>
+              <a:spcBef>
+                <a:spcPts val="500"/>
+              </a:spcBef>
+              <a:buClr>
+                <a:srgbClr val="000000"/>
+              </a:buClr>
+              <a:buSzPct val="100000"/>
+              <a:buFont typeface="Times New Roman" panose="02020603050405020304" pitchFamily="18" charset="0"/>
+              <a:tabLst>
+                <a:tab pos="0" algn="l"/>
+                <a:tab pos="914400" algn="l"/>
+                <a:tab pos="1828800" algn="l"/>
+                <a:tab pos="2743200" algn="l"/>
+                <a:tab pos="3657600" algn="l"/>
+                <a:tab pos="4572000" algn="l"/>
+                <a:tab pos="5486400" algn="l"/>
+                <a:tab pos="6400800" algn="l"/>
+                <a:tab pos="7315200" algn="l"/>
+                <a:tab pos="8229600" algn="l"/>
+                <a:tab pos="9144000" algn="l"/>
+                <a:tab pos="10058400" algn="l"/>
+              </a:tabLst>
+              <a:defRPr>
+                <a:solidFill>
+                  <a:srgbClr val="000000"/>
+                </a:solidFill>
+                <a:latin typeface="Calibri" panose="020F0502020204030204" pitchFamily="34" charset="0"/>
+                <a:cs typeface="Droid Sans Fallback" charset="0"/>
+              </a:defRPr>
+            </a:lvl5pPr>
+            <a:lvl6pPr marL="2514600" indent="-228600" defTabSz="449263" eaLnBrk="0" fontAlgn="base" hangingPunct="0">
+              <a:lnSpc>
+                <a:spcPct val="90000"/>
+              </a:lnSpc>
+              <a:spcBef>
+                <a:spcPts val="500"/>
+              </a:spcBef>
+              <a:spcAft>
+                <a:spcPct val="0"/>
+              </a:spcAft>
+              <a:buClr>
+                <a:srgbClr val="000000"/>
+              </a:buClr>
+              <a:buSzPct val="100000"/>
+              <a:buFont typeface="Times New Roman" panose="02020603050405020304" pitchFamily="18" charset="0"/>
+              <a:tabLst>
+                <a:tab pos="0" algn="l"/>
+                <a:tab pos="914400" algn="l"/>
+                <a:tab pos="1828800" algn="l"/>
+                <a:tab pos="2743200" algn="l"/>
+                <a:tab pos="3657600" algn="l"/>
+                <a:tab pos="4572000" algn="l"/>
+                <a:tab pos="5486400" algn="l"/>
+                <a:tab pos="6400800" algn="l"/>
+                <a:tab pos="7315200" algn="l"/>
+                <a:tab pos="8229600" algn="l"/>
+                <a:tab pos="9144000" algn="l"/>
+                <a:tab pos="10058400" algn="l"/>
+              </a:tabLst>
+              <a:defRPr>
+                <a:solidFill>
+                  <a:srgbClr val="000000"/>
+                </a:solidFill>
+                <a:latin typeface="Calibri" panose="020F0502020204030204" pitchFamily="34" charset="0"/>
+                <a:cs typeface="Droid Sans Fallback" charset="0"/>
+              </a:defRPr>
+            </a:lvl6pPr>
+            <a:lvl7pPr marL="2971800" indent="-228600" defTabSz="449263" eaLnBrk="0" fontAlgn="base" hangingPunct="0">
+              <a:lnSpc>
+                <a:spcPct val="90000"/>
+              </a:lnSpc>
+              <a:spcBef>
+                <a:spcPts val="500"/>
+              </a:spcBef>
+              <a:spcAft>
+                <a:spcPct val="0"/>
+              </a:spcAft>
+              <a:buClr>
+                <a:srgbClr val="000000"/>
+              </a:buClr>
+              <a:buSzPct val="100000"/>
+              <a:buFont typeface="Times New Roman" panose="02020603050405020304" pitchFamily="18" charset="0"/>
+              <a:tabLst>
+                <a:tab pos="0" algn="l"/>
+                <a:tab pos="914400" algn="l"/>
+                <a:tab pos="1828800" algn="l"/>
+                <a:tab pos="2743200" algn="l"/>
+                <a:tab pos="3657600" algn="l"/>
+                <a:tab pos="4572000" algn="l"/>
+                <a:tab pos="5486400" algn="l"/>
+                <a:tab pos="6400800" algn="l"/>
+                <a:tab pos="7315200" algn="l"/>
+                <a:tab pos="8229600" algn="l"/>
+                <a:tab pos="9144000" algn="l"/>
+                <a:tab pos="10058400" algn="l"/>
+              </a:tabLst>
+              <a:defRPr>
+                <a:solidFill>
+                  <a:srgbClr val="000000"/>
+                </a:solidFill>
+                <a:latin typeface="Calibri" panose="020F0502020204030204" pitchFamily="34" charset="0"/>
+                <a:cs typeface="Droid Sans Fallback" charset="0"/>
+              </a:defRPr>
+            </a:lvl7pPr>
+            <a:lvl8pPr marL="3429000" indent="-228600" defTabSz="449263" eaLnBrk="0" fontAlgn="base" hangingPunct="0">
+              <a:lnSpc>
+                <a:spcPct val="90000"/>
+              </a:lnSpc>
+              <a:spcBef>
+                <a:spcPts val="500"/>
+              </a:spcBef>
+              <a:spcAft>
+                <a:spcPct val="0"/>
+              </a:spcAft>
+              <a:buClr>
+                <a:srgbClr val="000000"/>
+              </a:buClr>
+              <a:buSzPct val="100000"/>
+              <a:buFont typeface="Times New Roman" panose="02020603050405020304" pitchFamily="18" charset="0"/>
+              <a:tabLst>
+                <a:tab pos="0" algn="l"/>
+                <a:tab pos="914400" algn="l"/>
+                <a:tab pos="1828800" algn="l"/>
+                <a:tab pos="2743200" algn="l"/>
+                <a:tab pos="3657600" algn="l"/>
+                <a:tab pos="4572000" algn="l"/>
+                <a:tab pos="5486400" algn="l"/>
+                <a:tab pos="6400800" algn="l"/>
+                <a:tab pos="7315200" algn="l"/>
+                <a:tab pos="8229600" algn="l"/>
+                <a:tab pos="9144000" algn="l"/>
+                <a:tab pos="10058400" algn="l"/>
+              </a:tabLst>
+              <a:defRPr>
+                <a:solidFill>
+                  <a:srgbClr val="000000"/>
+                </a:solidFill>
+                <a:latin typeface="Calibri" panose="020F0502020204030204" pitchFamily="34" charset="0"/>
+                <a:cs typeface="Droid Sans Fallback" charset="0"/>
+              </a:defRPr>
+            </a:lvl8pPr>
+            <a:lvl9pPr marL="3886200" indent="-228600" defTabSz="449263" eaLnBrk="0" fontAlgn="base" hangingPunct="0">
+              <a:lnSpc>
+                <a:spcPct val="90000"/>
+              </a:lnSpc>
+              <a:spcBef>
+                <a:spcPts val="500"/>
+              </a:spcBef>
+              <a:spcAft>
+                <a:spcPct val="0"/>
+              </a:spcAft>
+              <a:buClr>
+                <a:srgbClr val="000000"/>
+              </a:buClr>
+              <a:buSzPct val="100000"/>
+              <a:buFont typeface="Times New Roman" panose="02020603050405020304" pitchFamily="18" charset="0"/>
+              <a:tabLst>
+                <a:tab pos="0" algn="l"/>
+                <a:tab pos="914400" algn="l"/>
+                <a:tab pos="1828800" algn="l"/>
+                <a:tab pos="2743200" algn="l"/>
+                <a:tab pos="3657600" algn="l"/>
+                <a:tab pos="4572000" algn="l"/>
+                <a:tab pos="5486400" algn="l"/>
+                <a:tab pos="6400800" algn="l"/>
+                <a:tab pos="7315200" algn="l"/>
+                <a:tab pos="8229600" algn="l"/>
+                <a:tab pos="9144000" algn="l"/>
+                <a:tab pos="10058400" algn="l"/>
+              </a:tabLst>
+              <a:defRPr>
+                <a:solidFill>
+                  <a:srgbClr val="000000"/>
+                </a:solidFill>
+                <a:latin typeface="Calibri" panose="020F0502020204030204" pitchFamily="34" charset="0"/>
+                <a:cs typeface="Droid Sans Fallback" charset="0"/>
+              </a:defRPr>
+            </a:lvl9pPr>
+          </a:lstStyle>
+          <a:p>
+            <a:pPr algn="ctr">
+              <a:lnSpc>
+                <a:spcPct val="100000"/>
+              </a:lnSpc>
+              <a:spcBef>
+                <a:spcPct val="0"/>
+              </a:spcBef>
+              <a:buClrTx/>
+              <a:buFontTx/>
+              <a:buNone/>
+            </a:pPr>
+            <a:r>
+              <a:rPr lang="pt-BR" altLang="pt-BR" sz="1400" b="1" dirty="0">
+                <a:solidFill>
+                  <a:srgbClr val="7F7F7F"/>
+                </a:solidFill>
+                <a:latin typeface="Times New Roman" panose="02020603050405020304" pitchFamily="18" charset="0"/>
+                <a:cs typeface="Times New Roman" panose="02020603050405020304" pitchFamily="18" charset="0"/>
+              </a:rPr>
+              <a:t>Instituto Tecnológico de Aeronáutica</a:t>
+            </a:r>
+          </a:p>
+          <a:p>
+            <a:pPr algn="ctr">
+              <a:lnSpc>
+                <a:spcPct val="100000"/>
+              </a:lnSpc>
+              <a:spcBef>
+                <a:spcPct val="0"/>
+              </a:spcBef>
+              <a:buClrTx/>
+              <a:buFontTx/>
+              <a:buNone/>
+            </a:pPr>
+            <a:r>
+              <a:rPr lang="pt-BR" altLang="pt-BR" sz="1400" b="1" dirty="0">
+                <a:solidFill>
+                  <a:srgbClr val="7F7F7F"/>
+                </a:solidFill>
+                <a:latin typeface="Times New Roman" panose="02020603050405020304" pitchFamily="18" charset="0"/>
+                <a:cs typeface="Times New Roman" panose="02020603050405020304" pitchFamily="18" charset="0"/>
+              </a:rPr>
+              <a:t>Curso de Mestrado Profissionalizante em Engenharia Aeronáutica</a:t>
+            </a:r>
+          </a:p>
+          <a:p>
+            <a:pPr algn="ctr">
+              <a:lnSpc>
+                <a:spcPct val="100000"/>
+              </a:lnSpc>
+              <a:spcBef>
+                <a:spcPct val="0"/>
+              </a:spcBef>
+              <a:buClrTx/>
+              <a:buFontTx/>
+              <a:buNone/>
+            </a:pPr>
+            <a:r>
+              <a:rPr lang="pt-BR" altLang="pt-BR" sz="1400" b="1" dirty="0">
+                <a:solidFill>
+                  <a:srgbClr val="7F7F7F"/>
+                </a:solidFill>
+                <a:latin typeface="Times New Roman" panose="02020603050405020304" pitchFamily="18" charset="0"/>
+                <a:cs typeface="Times New Roman" panose="02020603050405020304" pitchFamily="18" charset="0"/>
+              </a:rPr>
+              <a:t>Programa de Pós-Graduação em Engenharia Aeronáutica e Mecânica</a:t>
+            </a:r>
+          </a:p>
+        </p:txBody>
+      </p:sp>
+      <p:sp>
+        <p:nvSpPr>
+          <p:cNvPr id="7" name="Line 7"/>
+          <p:cNvSpPr>
+            <a:spLocks noChangeShapeType="1"/>
+          </p:cNvSpPr>
+          <p:nvPr/>
+        </p:nvSpPr>
+        <p:spPr bwMode="auto">
+          <a:xfrm>
+            <a:off x="507206" y="901215"/>
+            <a:ext cx="8089900" cy="1587"/>
+          </a:xfrm>
+          <a:prstGeom prst="line">
+            <a:avLst/>
+          </a:prstGeom>
+          <a:noFill/>
+          <a:ln w="6480" cap="sq">
+            <a:solidFill>
+              <a:srgbClr val="A5A5A5"/>
+            </a:solidFill>
+            <a:miter lim="800000"/>
+            <a:headEnd/>
+            <a:tailEnd/>
+          </a:ln>
+          <a:effectLst/>
+          <a:extLst>
+            <a:ext uri="{909E8E84-426E-40DD-AFC4-6F175D3DCCD1}">
+              <a14:hiddenFill xmlns:a14="http://schemas.microsoft.com/office/drawing/2010/main">
+                <a:noFill/>
+              </a14:hiddenFill>
+            </a:ext>
+            <a:ext uri="{AF507438-7753-43E0-B8FC-AC1667EBCBE1}">
+              <a14:hiddenEffects xmlns:a14="http://schemas.microsoft.com/office/drawing/2010/main">
+                <a:effectLst>
+                  <a:outerShdw dist="35921" dir="2700000" algn="ctr" rotWithShape="0">
+                    <a:srgbClr val="808080"/>
+                  </a:outerShdw>
+                </a:effectLst>
+              </a14:hiddenEffects>
+            </a:ext>
+          </a:extLst>
+        </p:spPr>
+        <p:txBody>
+          <a:bodyPr/>
+          <a:lstStyle/>
+          <a:p>
+            <a:endParaRPr lang="pt-BR"/>
+          </a:p>
+        </p:txBody>
+      </p:sp>
+      <p:sp>
+        <p:nvSpPr>
+          <p:cNvPr id="8" name="Line 6"/>
+          <p:cNvSpPr>
+            <a:spLocks noChangeShapeType="1"/>
+          </p:cNvSpPr>
+          <p:nvPr/>
+        </p:nvSpPr>
+        <p:spPr bwMode="auto">
+          <a:xfrm>
+            <a:off x="508000" y="6488113"/>
+            <a:ext cx="8089900" cy="1587"/>
+          </a:xfrm>
+          <a:prstGeom prst="line">
+            <a:avLst/>
+          </a:prstGeom>
+          <a:noFill/>
+          <a:ln w="6480" cap="sq">
+            <a:solidFill>
+              <a:srgbClr val="A5A5A5"/>
+            </a:solidFill>
+            <a:miter lim="800000"/>
+            <a:headEnd/>
+            <a:tailEnd/>
+          </a:ln>
+          <a:effectLst/>
+          <a:extLst>
+            <a:ext uri="{909E8E84-426E-40DD-AFC4-6F175D3DCCD1}">
+              <a14:hiddenFill xmlns:a14="http://schemas.microsoft.com/office/drawing/2010/main">
+                <a:noFill/>
+              </a14:hiddenFill>
+            </a:ext>
+            <a:ext uri="{AF507438-7753-43E0-B8FC-AC1667EBCBE1}">
+              <a14:hiddenEffects xmlns:a14="http://schemas.microsoft.com/office/drawing/2010/main">
+                <a:effectLst>
+                  <a:outerShdw dist="35921" dir="2700000" algn="ctr" rotWithShape="0">
+                    <a:srgbClr val="808080"/>
+                  </a:outerShdw>
+                </a:effectLst>
+              </a14:hiddenEffects>
+            </a:ext>
+          </a:extLst>
+        </p:spPr>
+        <p:txBody>
+          <a:bodyPr/>
+          <a:lstStyle/>
+          <a:p>
+            <a:endParaRPr lang="pt-BR"/>
+          </a:p>
+        </p:txBody>
+      </p:sp>
+      <p:sp>
+        <p:nvSpPr>
+          <p:cNvPr id="12" name="Espaço Reservado para Número de Slide 10"/>
+          <p:cNvSpPr>
+            <a:spLocks noGrp="1"/>
+          </p:cNvSpPr>
+          <p:nvPr>
+            <p:ph type="sldNum" sz="quarter" idx="12"/>
+          </p:nvPr>
+        </p:nvSpPr>
+        <p:spPr>
+          <a:xfrm>
+            <a:off x="6870700" y="6487179"/>
+            <a:ext cx="2057400" cy="365125"/>
+          </a:xfrm>
+        </p:spPr>
+        <p:txBody>
+          <a:bodyPr/>
+          <a:lstStyle/>
+          <a:p>
+            <a:fld id="{81005A1F-7AC2-4032-AE25-0D28B304E158}" type="slidenum">
+              <a:rPr lang="pt-BR" smtClean="0"/>
+              <a:t>7</a:t>
+            </a:fld>
+            <a:endParaRPr lang="pt-BR" dirty="0"/>
+          </a:p>
+        </p:txBody>
+      </p:sp>
+    </p:spTree>
+    <p:extLst>
+      <p:ext uri="{BB962C8B-B14F-4D97-AF65-F5344CB8AC3E}">
+        <p14:creationId xmlns:p14="http://schemas.microsoft.com/office/powerpoint/2010/main" val="3785385002"/>
+      </p:ext>
+    </p:extLst>
+  </p:cSld>
+  <p:clrMapOvr>
+    <a:masterClrMapping/>
+  </p:clrMapOvr>
+</p:sld>
+</file>
+
+<file path=ppt/slides/slide8.xml><?xml version="1.0" encoding="utf-8"?>
+<p:sld xmlns:a="http://schemas.openxmlformats.org/drawingml/2006/main" xmlns:r="http://schemas.openxmlformats.org/officeDocument/2006/relationships" xmlns:p="http://schemas.openxmlformats.org/presentationml/2006/main">
+  <p:cSld>
+    <p:spTree>
+      <p:nvGrpSpPr>
+        <p:cNvPr id="1" name=""/>
+        <p:cNvGrpSpPr/>
+        <p:nvPr/>
+      </p:nvGrpSpPr>
+      <p:grpSpPr>
+        <a:xfrm>
+          <a:off x="0" y="0"/>
+          <a:ext cx="0" cy="0"/>
+          <a:chOff x="0" y="0"/>
+          <a:chExt cx="0" cy="0"/>
+        </a:xfrm>
+      </p:grpSpPr>
+      <p:sp>
+        <p:nvSpPr>
+          <p:cNvPr id="2" name="Título 1"/>
+          <p:cNvSpPr>
+            <a:spLocks noGrp="1"/>
+          </p:cNvSpPr>
+          <p:nvPr>
+            <p:ph type="title"/>
+          </p:nvPr>
+        </p:nvSpPr>
+        <p:spPr>
+          <a:xfrm>
+            <a:off x="628650" y="1083288"/>
+            <a:ext cx="7886700" cy="476737"/>
+          </a:xfrm>
+        </p:spPr>
+        <p:txBody>
+          <a:bodyPr>
+            <a:noAutofit/>
+          </a:bodyPr>
+          <a:lstStyle/>
+          <a:p>
+            <a:r>
+              <a:rPr lang="pt-BR" sz="2400" b="1" dirty="0"/>
+              <a:t>Teoria das Potências Instantâneas</a:t>
+            </a:r>
+          </a:p>
+        </p:txBody>
+      </p:sp>
+      <mc:AlternateContent xmlns:mc="http://schemas.openxmlformats.org/markup-compatibility/2006" xmlns:a14="http://schemas.microsoft.com/office/drawing/2010/main">
+        <mc:Choice Requires="a14">
+          <p:sp>
+            <p:nvSpPr>
+              <p:cNvPr id="3" name="Espaço Reservado para Conteúdo 2"/>
+              <p:cNvSpPr>
+                <a:spLocks noGrp="1"/>
+              </p:cNvSpPr>
+              <p:nvPr>
+                <p:ph idx="1"/>
+              </p:nvPr>
+            </p:nvSpPr>
+            <p:spPr>
+              <a:xfrm>
+                <a:off x="507206" y="1685437"/>
+                <a:ext cx="8089900" cy="4735553"/>
+              </a:xfrm>
+            </p:spPr>
+            <p:txBody>
+              <a:bodyPr>
+                <a:normAutofit/>
+              </a:bodyPr>
+              <a:lstStyle/>
               <a:p>
-                <a:pPr marL="0" lvl="0" indent="0">
+                <a:pPr marL="457200" lvl="1" indent="0">
                   <a:buNone/>
                 </a:pPr>
                 <a14:m>
@@ -11177,7 +14872,7 @@
                                 </m:mc>
                               </m:mcs>
                               <m:ctrlPr>
-                                <a:rPr lang="pt-BR" sz="1400" i="1" smtClean="0">
+                                <a:rPr lang="pt-BR" sz="1400" i="1">
                                   <a:solidFill>
                                     <a:prstClr val="black"/>
                                   </a:solidFill>
@@ -11187,24 +14882,80 @@
                             </m:mPr>
                             <m:mr>
                               <m:e>
-                                <m:r>
-                                  <m:rPr>
-                                    <m:brk m:alnAt="7"/>
-                                  </m:rPr>
-                                  <a:rPr lang="pt-BR" sz="1400" b="0" i="1" smtClean="0">
-                                    <a:solidFill>
-                                      <a:prstClr val="black"/>
-                                    </a:solidFill>
-                                    <a:latin typeface="Cambria Math" panose="02040503050406030204" pitchFamily="18" charset="0"/>
-                                  </a:rPr>
-                                  <m:t>𝑝</m:t>
-                                </m:r>
+                                <m:eqArr>
+                                  <m:eqArrPr>
+                                    <m:ctrlPr>
+                                      <a:rPr lang="pt-BR" sz="1400" i="1">
+                                        <a:solidFill>
+                                          <a:prstClr val="black"/>
+                                        </a:solidFill>
+                                        <a:latin typeface="Cambria Math" panose="02040503050406030204" pitchFamily="18" charset="0"/>
+                                      </a:rPr>
+                                    </m:ctrlPr>
+                                  </m:eqArrPr>
+                                  <m:e>
+                                    <m:sSub>
+                                      <m:sSubPr>
+                                        <m:ctrlPr>
+                                          <a:rPr lang="pt-BR" sz="1400" b="0" i="1" smtClean="0">
+                                            <a:solidFill>
+                                              <a:prstClr val="black"/>
+                                            </a:solidFill>
+                                            <a:latin typeface="Cambria Math" panose="02040503050406030204" pitchFamily="18" charset="0"/>
+                                          </a:rPr>
+                                        </m:ctrlPr>
+                                      </m:sSubPr>
+                                      <m:e>
+                                        <m:r>
+                                          <m:rPr>
+                                            <m:brk m:alnAt="7"/>
+                                          </m:rPr>
+                                          <a:rPr lang="pt-BR" sz="1400" b="0" i="1" smtClean="0">
+                                            <a:solidFill>
+                                              <a:prstClr val="black"/>
+                                            </a:solidFill>
+                                            <a:latin typeface="Cambria Math" panose="02040503050406030204" pitchFamily="18" charset="0"/>
+                                          </a:rPr>
+                                          <m:t>𝑝</m:t>
+                                        </m:r>
+                                      </m:e>
+                                      <m:sub>
+                                        <m:r>
+                                          <m:rPr>
+                                            <m:brk m:alnAt="7"/>
+                                          </m:rPr>
+                                          <a:rPr lang="pt-BR" sz="1400" b="0" i="1" smtClean="0">
+                                            <a:solidFill>
+                                              <a:prstClr val="black"/>
+                                            </a:solidFill>
+                                            <a:latin typeface="Cambria Math" panose="02040503050406030204" pitchFamily="18" charset="0"/>
+                                          </a:rPr>
+                                          <m:t>0</m:t>
+                                        </m:r>
+                                      </m:sub>
+                                    </m:sSub>
+                                  </m:e>
+                                  <m:e>
+                                    <m:r>
+                                      <m:rPr>
+                                        <m:brk m:alnAt="7"/>
+                                      </m:rPr>
+                                      <a:rPr lang="pt-BR" sz="1400" i="1">
+                                        <a:solidFill>
+                                          <a:prstClr val="black"/>
+                                        </a:solidFill>
+                                        <a:latin typeface="Cambria Math" panose="02040503050406030204" pitchFamily="18" charset="0"/>
+                                      </a:rPr>
+                                      <m:t>𝑝</m:t>
+                                    </m:r>
+                                  </m:e>
+                                </m:eqArr>
                               </m:e>
                             </m:mr>
                             <m:mr>
                               <m:e>
                                 <m:r>
-                                  <a:rPr lang="pt-BR" sz="1400" b="0" i="1" smtClean="0">
+                                  <a:rPr lang="pt-BR" sz="1400" i="1">
                                     <a:solidFill>
                                       <a:prstClr val="black"/>
                                     </a:solidFill>
@@ -11218,7 +14969,7 @@
                         </m:e>
                       </m:d>
                       <m:r>
-                        <a:rPr lang="pt-BR" sz="1400" b="0" i="1" smtClean="0">
+                        <a:rPr lang="pt-BR" sz="1400" i="1">
                           <a:solidFill>
                             <a:prstClr val="black"/>
                           </a:solidFill>
@@ -11231,7 +14982,7 @@
                           <m:begChr m:val="["/>
                           <m:endChr m:val="]"/>
                           <m:ctrlPr>
-                            <a:rPr lang="pt-BR" sz="1400" b="0" i="1" smtClean="0">
+                            <a:rPr lang="pt-BR" sz="1400" i="1">
                               <a:solidFill>
                                 <a:prstClr val="black"/>
                               </a:solidFill>
@@ -11245,7 +14996,7 @@
                               <m:mcs>
                                 <m:mc>
                                   <m:mcPr>
-                                    <m:count m:val="2"/>
+                                    <m:count m:val="3"/>
                                     <m:mcJc m:val="center"/>
                                   </m:mcPr>
                                 </m:mc>
@@ -11288,7 +15039,87 @@
                                   </m:e>
                                   <m:sub>
                                     <m:r>
+                                      <m:rPr>
+                                        <m:brk m:alnAt="7"/>
+                                      </m:rPr>
                                       <a:rPr lang="pt-BR" sz="1400" b="0" i="1" smtClean="0">
+                                        <a:solidFill>
+                                          <a:prstClr val="black"/>
+                                        </a:solidFill>
+                                        <a:latin typeface="Cambria Math" panose="02040503050406030204" pitchFamily="18" charset="0"/>
+                                      </a:rPr>
+                                      <m:t>0</m:t>
+                                    </m:r>
+                                  </m:sub>
+                                </m:sSub>
+                              </m:e>
+                              <m:e>
+                                <m:r>
+                                  <a:rPr lang="pt-BR" sz="1400" b="0" i="1" smtClean="0">
+                                    <a:solidFill>
+                                      <a:prstClr val="black"/>
+                                    </a:solidFill>
+                                    <a:latin typeface="Cambria Math" panose="02040503050406030204" pitchFamily="18" charset="0"/>
+                                  </a:rPr>
+                                  <m:t>0</m:t>
+                                </m:r>
+                              </m:e>
+                              <m:e>
+                                <m:r>
+                                  <a:rPr lang="pt-BR" sz="1400" b="0" i="1" smtClean="0">
+                                    <a:solidFill>
+                                      <a:prstClr val="black"/>
+                                    </a:solidFill>
+                                    <a:latin typeface="Cambria Math" panose="02040503050406030204" pitchFamily="18" charset="0"/>
+                                  </a:rPr>
+                                  <m:t>0</m:t>
+                                </m:r>
+                              </m:e>
+                            </m:mr>
+                            <m:mr>
+                              <m:e>
+                                <m:r>
+                                  <m:rPr>
+                                    <m:brk m:alnAt="7"/>
+                                  </m:rPr>
+                                  <a:rPr lang="pt-BR" sz="1400" b="0" i="1" smtClean="0">
+                                    <a:solidFill>
+                                      <a:prstClr val="black"/>
+                                    </a:solidFill>
+                                    <a:latin typeface="Cambria Math" panose="02040503050406030204" pitchFamily="18" charset="0"/>
+                                  </a:rPr>
+                                  <m:t>0</m:t>
+                                </m:r>
+                              </m:e>
+                              <m:e>
+                                <m:sSub>
+                                  <m:sSubPr>
+                                    <m:ctrlPr>
+                                      <a:rPr lang="pt-BR" sz="1400" i="1">
+                                        <a:solidFill>
+                                          <a:prstClr val="black"/>
+                                        </a:solidFill>
+                                        <a:latin typeface="Cambria Math" panose="02040503050406030204" pitchFamily="18" charset="0"/>
+                                      </a:rPr>
+                                    </m:ctrlPr>
+                                  </m:sSubPr>
+                                  <m:e>
+                                    <m:r>
+                                      <m:rPr>
+                                        <m:brk m:alnAt="7"/>
+                                      </m:rPr>
+                                      <a:rPr lang="pt-BR" sz="1400" i="1">
+                                        <a:solidFill>
+                                          <a:prstClr val="black"/>
+                                        </a:solidFill>
+                                        <a:latin typeface="Cambria Math" panose="02040503050406030204" pitchFamily="18" charset="0"/>
+                                      </a:rPr>
+                                      <m:t>𝑣</m:t>
+                                    </m:r>
+                                  </m:e>
+                                  <m:sub>
+                                    <m:r>
+                                      <a:rPr lang="pt-BR" sz="1400" i="1">
                                         <a:solidFill>
                                           <a:prstClr val="black"/>
                                         </a:solidFill>
@@ -11303,7 +15134,7 @@
                                 <m:sSub>
                                   <m:sSubPr>
                                     <m:ctrlPr>
-                                      <a:rPr lang="pt-BR" sz="1400" b="0" i="1" smtClean="0">
+                                      <a:rPr lang="pt-BR" sz="1400" i="1">
                                         <a:solidFill>
                                           <a:prstClr val="black"/>
                                         </a:solidFill>
@@ -11313,7 +15144,7 @@
                                   </m:sSubPr>
                                   <m:e>
                                     <m:r>
-                                      <a:rPr lang="pt-BR" sz="1400" b="0" i="1" smtClean="0">
+                                      <a:rPr lang="pt-BR" sz="1400" i="1">
                                         <a:solidFill>
                                           <a:prstClr val="black"/>
                                         </a:solidFill>
@@ -11324,7 +15155,7 @@
                                   </m:e>
                                   <m:sub>
                                     <m:r>
-                                      <a:rPr lang="pt-BR" sz="1400" b="0" i="1" smtClean="0">
+                                      <a:rPr lang="pt-BR" sz="1400" i="1">
                                         <a:solidFill>
                                           <a:prstClr val="black"/>
                                         </a:solidFill>
@@ -11340,6 +15171,17 @@
                               <m:e>
                                 <m:r>
                                   <a:rPr lang="pt-BR" sz="1400" b="0" i="1" smtClean="0">
+                                    <a:solidFill>
+                                      <a:prstClr val="black"/>
+                                    </a:solidFill>
+                                    <a:latin typeface="Cambria Math" panose="02040503050406030204" pitchFamily="18" charset="0"/>
+                                  </a:rPr>
+                                  <m:t>0</m:t>
+                                </m:r>
+                              </m:e>
+                              <m:e>
+                                <m:r>
+                                  <a:rPr lang="pt-BR" sz="1400" i="1">
                                     <a:solidFill>
                                       <a:prstClr val="black"/>
                                     </a:solidFill>
@@ -11460,380 +15302,8 @@
                             </m:mPr>
                             <m:mr>
                               <m:e>
-                                <m:sSub>
-                                  <m:sSubPr>
-                                    <m:ctrlPr>
-                                      <a:rPr lang="pt-BR" sz="1400" b="0" i="1" smtClean="0">
-                                        <a:solidFill>
-                                          <a:prstClr val="black"/>
-                                        </a:solidFill>
-                                        <a:latin typeface="Cambria Math" panose="02040503050406030204" pitchFamily="18" charset="0"/>
-                                      </a:rPr>
-                                    </m:ctrlPr>
-                                  </m:sSubPr>
-                                  <m:e>
-                                    <m:r>
-                                      <m:rPr>
-                                        <m:brk m:alnAt="7"/>
-                                      </m:rPr>
-                                      <a:rPr lang="pt-BR" sz="1400" b="0" i="1" smtClean="0">
-                                        <a:solidFill>
-                                          <a:prstClr val="black"/>
-                                        </a:solidFill>
-                                        <a:latin typeface="Cambria Math" panose="02040503050406030204" pitchFamily="18" charset="0"/>
-                                      </a:rPr>
-                                      <m:t>𝑖</m:t>
-                                    </m:r>
-                                  </m:e>
-                                  <m:sub>
-                                    <m:r>
-                                      <a:rPr lang="pt-BR" sz="1400" b="0" i="1" smtClean="0">
-                                        <a:solidFill>
-                                          <a:prstClr val="black"/>
-                                        </a:solidFill>
-                                        <a:latin typeface="Cambria Math" panose="02040503050406030204" pitchFamily="18" charset="0"/>
-                                      </a:rPr>
-                                      <m:t>𝛼</m:t>
-                                    </m:r>
-                                  </m:sub>
-                                </m:sSub>
-                              </m:e>
-                            </m:mr>
-                            <m:mr>
-                              <m:e>
-                                <m:sSub>
-                                  <m:sSubPr>
-                                    <m:ctrlPr>
-                                      <a:rPr lang="pt-BR" sz="1400" b="0" i="1" smtClean="0">
-                                        <a:solidFill>
-                                          <a:prstClr val="black"/>
-                                        </a:solidFill>
-                                        <a:latin typeface="Cambria Math" panose="02040503050406030204" pitchFamily="18" charset="0"/>
-                                      </a:rPr>
-                                    </m:ctrlPr>
-                                  </m:sSubPr>
-                                  <m:e>
-                                    <m:r>
-                                      <a:rPr lang="pt-BR" sz="1400" b="0" i="1" smtClean="0">
-                                        <a:solidFill>
-                                          <a:prstClr val="black"/>
-                                        </a:solidFill>
-                                        <a:latin typeface="Cambria Math" panose="02040503050406030204" pitchFamily="18" charset="0"/>
-                                      </a:rPr>
-                                      <m:t>𝑖</m:t>
-                                    </m:r>
-                                  </m:e>
-                                  <m:sub>
-                                    <m:r>
-                                      <a:rPr lang="pt-BR" sz="1400" b="0" i="1" smtClean="0">
-                                        <a:solidFill>
-                                          <a:prstClr val="black"/>
-                                        </a:solidFill>
-                                        <a:latin typeface="Cambria Math" panose="02040503050406030204" pitchFamily="18" charset="0"/>
-                                      </a:rPr>
-                                      <m:t>𝛽</m:t>
-                                    </m:r>
-                                  </m:sub>
-                                </m:sSub>
-                              </m:e>
-                            </m:mr>
-                          </m:m>
-                        </m:e>
-                      </m:d>
-                      <m:r>
-                        <a:rPr lang="pt-BR" sz="1400" b="0" i="1" smtClean="0">
-                          <a:solidFill>
-                            <a:prstClr val="black"/>
-                          </a:solidFill>
-                          <a:latin typeface="Cambria Math" panose="02040503050406030204" pitchFamily="18" charset="0"/>
-                        </a:rPr>
-                        <m:t>; </m:t>
-                      </m:r>
-                      <m:d>
-                        <m:dPr>
-                          <m:begChr m:val="["/>
-                          <m:endChr m:val="]"/>
-                          <m:ctrlPr>
-                            <a:rPr lang="pt-BR" sz="1400" i="1">
-                              <a:solidFill>
-                                <a:prstClr val="black"/>
-                              </a:solidFill>
-                              <a:latin typeface="Cambria Math" panose="02040503050406030204" pitchFamily="18" charset="0"/>
-                            </a:rPr>
-                          </m:ctrlPr>
-                        </m:dPr>
-                        <m:e>
-                          <m:m>
-                            <m:mPr>
-                              <m:mcs>
-                                <m:mc>
-                                  <m:mcPr>
-                                    <m:count m:val="1"/>
-                                    <m:mcJc m:val="center"/>
-                                  </m:mcPr>
-                                </m:mc>
-                              </m:mcs>
-                              <m:ctrlPr>
-                                <a:rPr lang="pt-BR" sz="1400" i="1">
-                                  <a:solidFill>
-                                    <a:prstClr val="black"/>
-                                  </a:solidFill>
-                                  <a:latin typeface="Cambria Math" panose="02040503050406030204" pitchFamily="18" charset="0"/>
-                                </a:rPr>
-                              </m:ctrlPr>
-                            </m:mPr>
-                            <m:mr>
-                              <m:e>
-                                <m:sSub>
-                                  <m:sSubPr>
-                                    <m:ctrlPr>
-                                      <a:rPr lang="pt-BR" sz="1400" b="0" i="1" smtClean="0">
-                                        <a:solidFill>
-                                          <a:prstClr val="black"/>
-                                        </a:solidFill>
-                                        <a:latin typeface="Cambria Math" panose="02040503050406030204" pitchFamily="18" charset="0"/>
-                                      </a:rPr>
-                                    </m:ctrlPr>
-                                  </m:sSubPr>
-                                  <m:e>
-                                    <m:r>
-                                      <m:rPr>
-                                        <m:brk m:alnAt="7"/>
-                                      </m:rPr>
-                                      <a:rPr lang="pt-BR" sz="1400" b="0" i="1" smtClean="0">
-                                        <a:solidFill>
-                                          <a:prstClr val="black"/>
-                                        </a:solidFill>
-                                        <a:latin typeface="Cambria Math" panose="02040503050406030204" pitchFamily="18" charset="0"/>
-                                      </a:rPr>
-                                      <m:t>𝑖</m:t>
-                                    </m:r>
-                                  </m:e>
-                                  <m:sub>
-                                    <m:r>
-                                      <a:rPr lang="pt-BR" sz="1400" b="0" i="1" smtClean="0">
-                                        <a:solidFill>
-                                          <a:prstClr val="black"/>
-                                        </a:solidFill>
-                                        <a:latin typeface="Cambria Math" panose="02040503050406030204" pitchFamily="18" charset="0"/>
-                                      </a:rPr>
-                                      <m:t>𝛼</m:t>
-                                    </m:r>
-                                  </m:sub>
-                                </m:sSub>
-                              </m:e>
-                            </m:mr>
-                            <m:mr>
-                              <m:e>
-                                <m:sSub>
-                                  <m:sSubPr>
-                                    <m:ctrlPr>
-                                      <a:rPr lang="pt-BR" sz="1400" b="0" i="1" smtClean="0">
-                                        <a:solidFill>
-                                          <a:prstClr val="black"/>
-                                        </a:solidFill>
-                                        <a:latin typeface="Cambria Math" panose="02040503050406030204" pitchFamily="18" charset="0"/>
-                                      </a:rPr>
-                                    </m:ctrlPr>
-                                  </m:sSubPr>
-                                  <m:e>
-                                    <m:r>
-                                      <a:rPr lang="pt-BR" sz="1400" b="0" i="1" smtClean="0">
-                                        <a:solidFill>
-                                          <a:prstClr val="black"/>
-                                        </a:solidFill>
-                                        <a:latin typeface="Cambria Math" panose="02040503050406030204" pitchFamily="18" charset="0"/>
-                                      </a:rPr>
-                                      <m:t>𝑖</m:t>
-                                    </m:r>
-                                  </m:e>
-                                  <m:sub>
-                                    <m:r>
-                                      <a:rPr lang="pt-BR" sz="1400" b="0" i="1" smtClean="0">
-                                        <a:solidFill>
-                                          <a:prstClr val="black"/>
-                                        </a:solidFill>
-                                        <a:latin typeface="Cambria Math" panose="02040503050406030204" pitchFamily="18" charset="0"/>
-                                      </a:rPr>
-                                      <m:t>𝛽</m:t>
-                                    </m:r>
-                                  </m:sub>
-                                </m:sSub>
-                              </m:e>
-                            </m:mr>
-                          </m:m>
-                        </m:e>
-                      </m:d>
-                      <m:r>
-                        <a:rPr lang="pt-BR" sz="1400" i="1">
-                          <a:solidFill>
-                            <a:prstClr val="black"/>
-                          </a:solidFill>
-                          <a:latin typeface="Cambria Math" panose="02040503050406030204" pitchFamily="18" charset="0"/>
-                        </a:rPr>
-                        <m:t>=</m:t>
-                      </m:r>
-                      <m:f>
-                        <m:fPr>
-                          <m:ctrlPr>
-                            <a:rPr lang="pt-BR" sz="1400" b="0" i="1" smtClean="0">
-                              <a:solidFill>
-                                <a:prstClr val="black"/>
-                              </a:solidFill>
-                              <a:latin typeface="Cambria Math" panose="02040503050406030204" pitchFamily="18" charset="0"/>
-                            </a:rPr>
-                          </m:ctrlPr>
-                        </m:fPr>
-                        <m:num>
-                          <m:r>
-                            <a:rPr lang="pt-BR" sz="1400" b="0" i="1" smtClean="0">
-                              <a:solidFill>
-                                <a:prstClr val="black"/>
-                              </a:solidFill>
-                              <a:latin typeface="Cambria Math" panose="02040503050406030204" pitchFamily="18" charset="0"/>
-                            </a:rPr>
-                            <m:t>1</m:t>
-                          </m:r>
-                        </m:num>
-                        <m:den>
-                          <m:sSubSup>
-                            <m:sSubSupPr>
-                              <m:ctrlPr>
-                                <a:rPr lang="pt-BR" sz="1400" b="0" i="1" smtClean="0">
-                                  <a:solidFill>
-                                    <a:prstClr val="black"/>
-                                  </a:solidFill>
-                                  <a:latin typeface="Cambria Math" panose="02040503050406030204" pitchFamily="18" charset="0"/>
-                                </a:rPr>
-                              </m:ctrlPr>
-                            </m:sSubSupPr>
-                            <m:e>
-                              <m:r>
-                                <a:rPr lang="pt-BR" sz="1400" b="0" i="1" smtClean="0">
-                                  <a:solidFill>
-                                    <a:prstClr val="black"/>
-                                  </a:solidFill>
-                                  <a:latin typeface="Cambria Math" panose="02040503050406030204" pitchFamily="18" charset="0"/>
-                                </a:rPr>
-                                <m:t>𝑣</m:t>
-                              </m:r>
-                            </m:e>
-                            <m:sub>
-                              <m:r>
-                                <a:rPr lang="pt-BR" sz="1400" b="0" i="1" smtClean="0">
-                                  <a:solidFill>
-                                    <a:prstClr val="black"/>
-                                  </a:solidFill>
-                                  <a:latin typeface="Cambria Math" panose="02040503050406030204" pitchFamily="18" charset="0"/>
-                                </a:rPr>
-                                <m:t>𝛼</m:t>
-                              </m:r>
-                            </m:sub>
-                            <m:sup>
-                              <m:r>
-                                <a:rPr lang="pt-BR" sz="1400" b="0" i="1" smtClean="0">
-                                  <a:solidFill>
-                                    <a:prstClr val="black"/>
-                                  </a:solidFill>
-                                  <a:latin typeface="Cambria Math" panose="02040503050406030204" pitchFamily="18" charset="0"/>
-                                </a:rPr>
-                                <m:t>2</m:t>
-                              </m:r>
-                            </m:sup>
-                          </m:sSubSup>
-                          <m:r>
-                            <a:rPr lang="pt-BR" sz="1400" b="0" i="1" smtClean="0">
-                              <a:solidFill>
-                                <a:prstClr val="black"/>
-                              </a:solidFill>
-                              <a:latin typeface="Cambria Math" panose="02040503050406030204" pitchFamily="18" charset="0"/>
-                            </a:rPr>
-                            <m:t>+</m:t>
-                          </m:r>
-                          <m:sSubSup>
-                            <m:sSubSupPr>
-                              <m:ctrlPr>
-                                <a:rPr lang="pt-BR" sz="1400" b="0" i="1" smtClean="0">
-                                  <a:solidFill>
-                                    <a:prstClr val="black"/>
-                                  </a:solidFill>
-                                  <a:latin typeface="Cambria Math" panose="02040503050406030204" pitchFamily="18" charset="0"/>
-                                </a:rPr>
-                              </m:ctrlPr>
-                            </m:sSubSupPr>
-                            <m:e>
-                              <m:r>
-                                <a:rPr lang="pt-BR" sz="1400" b="0" i="1" smtClean="0">
-                                  <a:solidFill>
-                                    <a:prstClr val="black"/>
-                                  </a:solidFill>
-                                  <a:latin typeface="Cambria Math" panose="02040503050406030204" pitchFamily="18" charset="0"/>
-                                </a:rPr>
-                                <m:t>𝑣</m:t>
-                              </m:r>
-                            </m:e>
-                            <m:sub>
-                              <m:r>
-                                <a:rPr lang="pt-BR" sz="1400" b="0" i="1" smtClean="0">
-                                  <a:solidFill>
-                                    <a:prstClr val="black"/>
-                                  </a:solidFill>
-                                  <a:latin typeface="Cambria Math" panose="02040503050406030204" pitchFamily="18" charset="0"/>
-                                </a:rPr>
-                                <m:t>𝛽</m:t>
-                              </m:r>
-                            </m:sub>
-                            <m:sup>
-                              <m:r>
-                                <a:rPr lang="pt-BR" sz="1400" b="0" i="1" smtClean="0">
-                                  <a:solidFill>
-                                    <a:prstClr val="black"/>
-                                  </a:solidFill>
-                                  <a:latin typeface="Cambria Math" panose="02040503050406030204" pitchFamily="18" charset="0"/>
-                                </a:rPr>
-                                <m:t>2</m:t>
-                              </m:r>
-                            </m:sup>
-                          </m:sSubSup>
-                        </m:den>
-                      </m:f>
-                      <m:d>
-                        <m:dPr>
-                          <m:begChr m:val="["/>
-                          <m:endChr m:val="]"/>
-                          <m:ctrlPr>
-                            <a:rPr lang="pt-BR" sz="1400" i="1">
-                              <a:solidFill>
-                                <a:prstClr val="black"/>
-                              </a:solidFill>
-                              <a:latin typeface="Cambria Math" panose="02040503050406030204" pitchFamily="18" charset="0"/>
-                            </a:rPr>
-                          </m:ctrlPr>
-                        </m:dPr>
-                        <m:e>
-                          <m:m>
-                            <m:mPr>
-                              <m:mcs>
-                                <m:mc>
-                                  <m:mcPr>
-                                    <m:count m:val="2"/>
-                                    <m:mcJc m:val="center"/>
-                                  </m:mcPr>
-                                </m:mc>
-                              </m:mcs>
-                              <m:ctrlPr>
-                                <a:rPr lang="pt-BR" sz="1400" i="1">
-                                  <a:solidFill>
-                                    <a:prstClr val="black"/>
-                                  </a:solidFill>
-                                  <a:latin typeface="Cambria Math" panose="02040503050406030204" pitchFamily="18" charset="0"/>
-                                </a:rPr>
-                              </m:ctrlPr>
-                            </m:mPr>
-                            <m:mr>
-                              <m:e>
-                                <m:sSub>
-                                  <m:sSubPr>
+                                <m:eqArr>
+                                  <m:eqArrPr>
                                     <m:ctrlPr>
                                       <a:rPr lang="pt-BR" sz="1400" i="1">
                                         <a:solidFill>
@@ -11842,69 +15312,83 @@
                                         <a:latin typeface="Cambria Math" panose="02040503050406030204" pitchFamily="18" charset="0"/>
                                       </a:rPr>
                                     </m:ctrlPr>
-                                  </m:sSubPr>
+                                  </m:eqArrPr>
                                   <m:e>
-                                    <m:r>
-                                      <m:rPr>
-                                        <m:brk m:alnAt="7"/>
-                                      </m:rPr>
-                                      <a:rPr lang="pt-BR" sz="1400" i="1">
-                                        <a:solidFill>
-                                          <a:prstClr val="black"/>
-                                        </a:solidFill>
-                                        <a:latin typeface="Cambria Math" panose="02040503050406030204" pitchFamily="18" charset="0"/>
-                                      </a:rPr>
-                                      <m:t>𝑣</m:t>
-                                    </m:r>
+                                    <m:sSub>
+                                      <m:sSubPr>
+                                        <m:ctrlPr>
+                                          <a:rPr lang="pt-BR" sz="1400" b="0" i="1" smtClean="0">
+                                            <a:solidFill>
+                                              <a:prstClr val="black"/>
+                                            </a:solidFill>
+                                            <a:latin typeface="Cambria Math" panose="02040503050406030204" pitchFamily="18" charset="0"/>
+                                          </a:rPr>
+                                        </m:ctrlPr>
+                                      </m:sSubPr>
+                                      <m:e>
+                                        <m:r>
+                                          <a:rPr lang="pt-BR" sz="1400" b="0" i="1" smtClean="0">
+                                            <a:solidFill>
+                                              <a:prstClr val="black"/>
+                                            </a:solidFill>
+                                            <a:latin typeface="Cambria Math" panose="02040503050406030204" pitchFamily="18" charset="0"/>
+                                          </a:rPr>
+                                          <m:t>𝑖</m:t>
+                                        </m:r>
+                                      </m:e>
+                                      <m:sub>
+                                        <m:r>
+                                          <a:rPr lang="pt-BR" sz="1400" b="0" i="1" smtClean="0">
+                                            <a:solidFill>
+                                              <a:prstClr val="black"/>
+                                            </a:solidFill>
+                                            <a:latin typeface="Cambria Math" panose="02040503050406030204" pitchFamily="18" charset="0"/>
+                                          </a:rPr>
+                                          <m:t>0</m:t>
+                                        </m:r>
+                                      </m:sub>
+                                    </m:sSub>
                                   </m:e>
-                                  <m:sub>
-                                    <m:r>
-                                      <a:rPr lang="pt-BR" sz="1400" i="1">
-                                        <a:solidFill>
-                                          <a:prstClr val="black"/>
-                                        </a:solidFill>
-                                        <a:latin typeface="Cambria Math" panose="02040503050406030204" pitchFamily="18" charset="0"/>
-                                      </a:rPr>
-                                      <m:t>𝛼</m:t>
-                                    </m:r>
-                                  </m:sub>
-                                </m:sSub>
-                              </m:e>
-                              <m:e>
-                                <m:sSub>
-                                  <m:sSubPr>
-                                    <m:ctrlPr>
-                                      <a:rPr lang="pt-BR" sz="1400" i="1">
-                                        <a:solidFill>
-                                          <a:prstClr val="black"/>
-                                        </a:solidFill>
-                                        <a:latin typeface="Cambria Math" panose="02040503050406030204" pitchFamily="18" charset="0"/>
-                                      </a:rPr>
-                                    </m:ctrlPr>
-                                  </m:sSubPr>
                                   <m:e>
-                                    <m:r>
-                                      <a:rPr lang="pt-BR" sz="1400" i="1">
-                                        <a:solidFill>
-                                          <a:prstClr val="black"/>
-                                        </a:solidFill>
-                                        <a:latin typeface="Cambria Math" panose="02040503050406030204" pitchFamily="18" charset="0"/>
-                                      </a:rPr>
-                                      <m:t>𝑣</m:t>
-                                    </m:r>
+                                    <m:sSub>
+                                      <m:sSubPr>
+                                        <m:ctrlPr>
+                                          <a:rPr lang="pt-BR" sz="1400" i="1">
+                                            <a:solidFill>
+                                              <a:prstClr val="black"/>
+                                            </a:solidFill>
+                                            <a:latin typeface="Cambria Math" panose="02040503050406030204" pitchFamily="18" charset="0"/>
+                                          </a:rPr>
+                                        </m:ctrlPr>
+                                      </m:sSubPr>
+                                      <m:e>
+                                        <m:r>
+                                          <m:rPr>
+                                            <m:brk m:alnAt="7"/>
+                                          </m:rPr>
+                                          <a:rPr lang="pt-BR" sz="1400" i="1">
+                                            <a:solidFill>
+                                              <a:prstClr val="black"/>
+                                            </a:solidFill>
+                                            <a:latin typeface="Cambria Math" panose="02040503050406030204" pitchFamily="18" charset="0"/>
+                                          </a:rPr>
+                                          <m:t>𝑖</m:t>
+                                        </m:r>
+                                      </m:e>
+                                      <m:sub>
+                                        <m:r>
+                                          <a:rPr lang="pt-BR" sz="1400" i="1">
+                                            <a:solidFill>
+                                              <a:prstClr val="black"/>
+                                            </a:solidFill>
+                                            <a:latin typeface="Cambria Math" panose="02040503050406030204" pitchFamily="18" charset="0"/>
+                                          </a:rPr>
+                                          <m:t>𝛼</m:t>
+                                        </m:r>
+                                      </m:sub>
+                                    </m:sSub>
                                   </m:e>
-                                  <m:sub>
-                                    <m:r>
-                                      <a:rPr lang="pt-BR" sz="1400" i="1">
-                                        <a:solidFill>
-                                          <a:prstClr val="black"/>
-                                        </a:solidFill>
-                                        <a:latin typeface="Cambria Math" panose="02040503050406030204" pitchFamily="18" charset="0"/>
-                                      </a:rPr>
-                                      <m:t>𝛽</m:t>
-                                    </m:r>
-                                  </m:sub>
-                                </m:sSub>
+                                </m:eqArr>
                               </m:e>
                             </m:mr>
                             <m:mr>
@@ -11928,7 +15412,7 @@
                                         </a:solidFill>
                                         <a:latin typeface="Cambria Math" panose="02040503050406030204" pitchFamily="18" charset="0"/>
                                       </a:rPr>
-                                      <m:t>𝑣</m:t>
+                                      <m:t>𝑖</m:t>
                                     </m:r>
                                   </m:e>
                                   <m:sub>
@@ -11944,119 +15428,6 @@
                                   </m:sub>
                                 </m:sSub>
                               </m:e>
-                              <m:e>
-                                <m:sSub>
-                                  <m:sSubPr>
-                                    <m:ctrlPr>
-                                      <a:rPr lang="pt-BR" sz="1400" i="1">
-                                        <a:solidFill>
-                                          <a:prstClr val="black"/>
-                                        </a:solidFill>
-                                        <a:latin typeface="Cambria Math" panose="02040503050406030204" pitchFamily="18" charset="0"/>
-                                      </a:rPr>
-                                    </m:ctrlPr>
-                                  </m:sSubPr>
-                                  <m:e>
-                                    <m:r>
-                                      <a:rPr lang="pt-BR" sz="1400" b="0" i="1" smtClean="0">
-                                        <a:solidFill>
-                                          <a:prstClr val="black"/>
-                                        </a:solidFill>
-                                        <a:latin typeface="Cambria Math" panose="02040503050406030204" pitchFamily="18" charset="0"/>
-                                      </a:rPr>
-                                      <m:t>−</m:t>
-                                    </m:r>
-                                    <m:r>
-                                      <m:rPr>
-                                        <m:brk m:alnAt="7"/>
-                                      </m:rPr>
-                                      <a:rPr lang="pt-BR" sz="1400" i="1">
-                                        <a:solidFill>
-                                          <a:prstClr val="black"/>
-                                        </a:solidFill>
-                                        <a:latin typeface="Cambria Math" panose="02040503050406030204" pitchFamily="18" charset="0"/>
-                                      </a:rPr>
-                                      <m:t>𝑣</m:t>
-                                    </m:r>
-                                  </m:e>
-                                  <m:sub>
-                                    <m:r>
-                                      <a:rPr lang="pt-BR" sz="1400" i="1">
-                                        <a:solidFill>
-                                          <a:prstClr val="black"/>
-                                        </a:solidFill>
-                                        <a:latin typeface="Cambria Math" panose="02040503050406030204" pitchFamily="18" charset="0"/>
-                                      </a:rPr>
-                                      <m:t>𝛼</m:t>
-                                    </m:r>
-                                  </m:sub>
-                                </m:sSub>
-                              </m:e>
-                            </m:mr>
-                          </m:m>
-                        </m:e>
-                      </m:d>
-                      <m:d>
-                        <m:dPr>
-                          <m:begChr m:val="["/>
-                          <m:endChr m:val="]"/>
-                          <m:ctrlPr>
-                            <a:rPr lang="pt-BR" sz="1400" i="1">
-                              <a:solidFill>
-                                <a:prstClr val="black"/>
-                              </a:solidFill>
-                              <a:latin typeface="Cambria Math" panose="02040503050406030204" pitchFamily="18" charset="0"/>
-                            </a:rPr>
-                          </m:ctrlPr>
-                        </m:dPr>
-                        <m:e>
-                          <m:m>
-                            <m:mPr>
-                              <m:mcs>
-                                <m:mc>
-                                  <m:mcPr>
-                                    <m:count m:val="1"/>
-                                    <m:mcJc m:val="center"/>
-                                  </m:mcPr>
-                                </m:mc>
-                              </m:mcs>
-                              <m:ctrlPr>
-                                <a:rPr lang="pt-BR" sz="1400" i="1">
-                                  <a:solidFill>
-                                    <a:prstClr val="black"/>
-                                  </a:solidFill>
-                                  <a:latin typeface="Cambria Math" panose="02040503050406030204" pitchFamily="18" charset="0"/>
-                                </a:rPr>
-                              </m:ctrlPr>
-                            </m:mPr>
-                            <m:mr>
-                              <m:e>
-                                <m:r>
-                                  <m:rPr>
-                                    <m:brk m:alnAt="7"/>
-                                  </m:rPr>
-                                  <a:rPr lang="pt-BR" sz="1400" b="0" i="1" smtClean="0">
-                                    <a:solidFill>
-                                      <a:prstClr val="black"/>
-                                    </a:solidFill>
-                                    <a:latin typeface="Cambria Math" panose="02040503050406030204" pitchFamily="18" charset="0"/>
-                                  </a:rPr>
-                                  <m:t>𝑝</m:t>
-                                </m:r>
-                              </m:e>
-                            </m:mr>
-                            <m:mr>
-                              <m:e>
-                                <m:r>
-                                  <a:rPr lang="pt-BR" sz="1400" b="0" i="1" smtClean="0">
-                                    <a:solidFill>
-                                      <a:prstClr val="black"/>
-                                    </a:solidFill>
-                                    <a:latin typeface="Cambria Math" panose="02040503050406030204" pitchFamily="18" charset="0"/>
-                                  </a:rPr>
-                                  <m:t>𝑞</m:t>
-                                </m:r>
-                              </m:e>
                             </m:mr>
                           </m:m>
                         </m:e>
@@ -12064,7 +15435,7 @@
                     </m:oMath>
                   </m:oMathPara>
                 </a14:m>
-                <a:endParaRPr lang="pt-BR" sz="1400" dirty="0">
+                <a:endParaRPr lang="pt-BR" sz="1600" dirty="0">
                   <a:solidFill>
                     <a:prstClr val="black"/>
                   </a:solidFill>
@@ -12121,22 +15492,66 @@
                 </a:endParaRPr>
               </a:p>
               <a:p>
-                <a:pPr marL="0" indent="0">
-                  <a:buNone/>
-                </a:pPr>
+                <a:endParaRPr lang="pt-BR" sz="1600" i="1" dirty="0">
+                  <a:solidFill>
+                    <a:prstClr val="black"/>
+                  </a:solidFill>
+                  <a:latin typeface="Cambria Math" panose="02040503050406030204" pitchFamily="18" charset="0"/>
+                </a:endParaRPr>
+              </a:p>
+              <a:p>
+                <a:endParaRPr lang="pt-BR" sz="1600" i="1" dirty="0">
+                  <a:solidFill>
+                    <a:prstClr val="black"/>
+                  </a:solidFill>
+                  <a:latin typeface="Cambria Math" panose="02040503050406030204" pitchFamily="18" charset="0"/>
+                </a:endParaRPr>
+              </a:p>
+              <a:p>
+                <a:endParaRPr lang="pt-BR" sz="1600" i="1" dirty="0">
+                  <a:solidFill>
+                    <a:prstClr val="black"/>
+                  </a:solidFill>
+                  <a:latin typeface="Cambria Math" panose="02040503050406030204" pitchFamily="18" charset="0"/>
+                </a:endParaRPr>
+              </a:p>
+              <a:p>
+                <a:endParaRPr lang="pt-BR" sz="1600" i="1" dirty="0">
+                  <a:solidFill>
+                    <a:prstClr val="black"/>
+                  </a:solidFill>
+                  <a:latin typeface="Cambria Math" panose="02040503050406030204" pitchFamily="18" charset="0"/>
+                </a:endParaRPr>
+              </a:p>
+              <a:p>
+                <a:endParaRPr lang="pt-BR" sz="1600" i="1" dirty="0">
+                  <a:solidFill>
+                    <a:prstClr val="black"/>
+                  </a:solidFill>
+                  <a:latin typeface="Cambria Math" panose="02040503050406030204" pitchFamily="18" charset="0"/>
+                </a:endParaRPr>
+              </a:p>
+              <a:p>
                 <a:r>
                   <a:rPr lang="pt-BR" sz="2000" dirty="0">
                     <a:solidFill>
                       <a:prstClr val="black"/>
                     </a:solidFill>
                   </a:rPr>
-                  <a:t> </a:t>
+                  <a:t>Tensão e corrente de sequencia zero são desconsideradas em sistemas elétricos aeronáuticos</a:t>
                 </a:r>
+              </a:p>
+              <a:p>
+                <a:endParaRPr lang="pt-BR" sz="800" dirty="0">
+                  <a:solidFill>
+                    <a:prstClr val="black"/>
+                  </a:solidFill>
+                </a:endParaRPr>
               </a:p>
             </p:txBody>
           </p:sp>
         </mc:Choice>
-        <mc:Fallback>
+        <mc:Fallback xmlns="">
           <p:sp>
             <p:nvSpPr>
               <p:cNvPr id="3" name="Espaço Reservado para Conteúdo 2"/>
@@ -12155,7 +15570,7 @@
               <a:blipFill>
                 <a:blip r:embed="rId2"/>
                 <a:stretch>
-                  <a:fillRect l="-678" t="-1287"/>
+                  <a:fillRect l="-678"/>
                 </a:stretch>
               </a:blipFill>
             </p:spPr>
@@ -12879,7 +16294,7 @@
           <a:p>
             <a:fld id="{81005A1F-7AC2-4032-AE25-0D28B304E158}" type="slidenum">
               <a:rPr lang="pt-BR" smtClean="0"/>
-              <a:t>6</a:t>
+              <a:t>8</a:t>
             </a:fld>
             <a:endParaRPr lang="pt-BR" dirty="0"/>
           </a:p>
@@ -12907,221 +16322,448 @@
         </p:blipFill>
         <p:spPr>
           <a:xfrm>
-            <a:off x="3040970" y="4476750"/>
-            <a:ext cx="3020105" cy="1944240"/>
+            <a:off x="3407981" y="2870422"/>
+            <a:ext cx="2288348" cy="1473160"/>
           </a:xfrm>
           <a:prstGeom prst="rect">
             <a:avLst/>
           </a:prstGeom>
         </p:spPr>
       </p:pic>
-    </p:spTree>
-    <p:extLst>
-      <p:ext uri="{BB962C8B-B14F-4D97-AF65-F5344CB8AC3E}">
-        <p14:creationId xmlns:p14="http://schemas.microsoft.com/office/powerpoint/2010/main" val="1713973946"/>
-      </p:ext>
-    </p:extLst>
-  </p:cSld>
-  <p:clrMapOvr>
-    <a:masterClrMapping/>
-  </p:clrMapOvr>
-</p:sld>
-</file>
-
-<file path=ppt/slides/slide7.xml><?xml version="1.0" encoding="utf-8"?>
-<p:sld xmlns:a="http://schemas.openxmlformats.org/drawingml/2006/main" xmlns:r="http://schemas.openxmlformats.org/officeDocument/2006/relationships" xmlns:p="http://schemas.openxmlformats.org/presentationml/2006/main">
-  <p:cSld>
-    <p:spTree>
-      <p:nvGrpSpPr>
-        <p:cNvPr id="1" name=""/>
-        <p:cNvGrpSpPr/>
-        <p:nvPr/>
-      </p:nvGrpSpPr>
-      <p:grpSpPr>
-        <a:xfrm>
-          <a:off x="0" y="0"/>
-          <a:ext cx="0" cy="0"/>
-          <a:chOff x="0" y="0"/>
-          <a:chExt cx="0" cy="0"/>
-        </a:xfrm>
-      </p:grpSpPr>
-      <p:sp>
-        <p:nvSpPr>
-          <p:cNvPr id="2" name="Título 1"/>
-          <p:cNvSpPr>
-            <a:spLocks noGrp="1"/>
-          </p:cNvSpPr>
-          <p:nvPr>
-            <p:ph type="title"/>
-          </p:nvPr>
-        </p:nvSpPr>
-        <p:spPr/>
-        <p:txBody>
-          <a:bodyPr/>
-          <a:lstStyle/>
-          <a:p>
-            <a:r>
-              <a:rPr lang="pt-BR" dirty="0"/>
-              <a:t>Filtros Ativos Utilizando a Teoria PQ</a:t>
-            </a:r>
-          </a:p>
-        </p:txBody>
-      </p:sp>
-      <p:pic>
-        <p:nvPicPr>
-          <p:cNvPr id="4" name="Espaço Reservado para Conteúdo 3"/>
-          <p:cNvPicPr>
-            <a:picLocks noGrp="1" noChangeAspect="1"/>
-          </p:cNvPicPr>
-          <p:nvPr>
-            <p:ph idx="1"/>
-          </p:nvPr>
-        </p:nvPicPr>
-        <p:blipFill>
-          <a:blip r:embed="rId2"/>
-          <a:stretch>
-            <a:fillRect/>
-          </a:stretch>
-        </p:blipFill>
-        <p:spPr>
-          <a:xfrm>
-            <a:off x="1375410" y="2300042"/>
-            <a:ext cx="3303270" cy="2990144"/>
-          </a:xfrm>
-          <a:prstGeom prst="rect">
-            <a:avLst/>
-          </a:prstGeom>
-        </p:spPr>
-      </p:pic>
-      <p:pic>
-        <p:nvPicPr>
-          <p:cNvPr id="5" name="Imagem 4"/>
-          <p:cNvPicPr>
-            <a:picLocks noChangeAspect="1"/>
-          </p:cNvPicPr>
-          <p:nvPr/>
-        </p:nvPicPr>
-        <p:blipFill>
-          <a:blip r:embed="rId3"/>
-          <a:stretch>
-            <a:fillRect/>
-          </a:stretch>
-        </p:blipFill>
-        <p:spPr>
-          <a:xfrm>
-            <a:off x="5082540" y="2376060"/>
-            <a:ext cx="3234620" cy="2914126"/>
-          </a:xfrm>
-          <a:prstGeom prst="rect">
-            <a:avLst/>
-          </a:prstGeom>
-        </p:spPr>
-      </p:pic>
-      <p:sp>
-        <p:nvSpPr>
-          <p:cNvPr id="3" name="Espaço Reservado para Número de Slide 2"/>
-          <p:cNvSpPr>
-            <a:spLocks noGrp="1"/>
-          </p:cNvSpPr>
-          <p:nvPr>
-            <p:ph type="sldNum" sz="quarter" idx="12"/>
-          </p:nvPr>
-        </p:nvSpPr>
-        <p:spPr/>
-        <p:txBody>
-          <a:bodyPr/>
-          <a:lstStyle/>
-          <a:p>
-            <a:fld id="{81005A1F-7AC2-4032-AE25-0D28B304E158}" type="slidenum">
-              <a:rPr lang="pt-BR" smtClean="0"/>
-              <a:t>7</a:t>
-            </a:fld>
-            <a:endParaRPr lang="pt-BR"/>
-          </a:p>
-        </p:txBody>
-      </p:sp>
-      <mc:AlternateContent xmlns:mc="http://schemas.openxmlformats.org/markup-compatibility/2006">
-        <mc:Choice xmlns:a14="http://schemas.microsoft.com/office/drawing/2010/main" Requires="a14">
+      <mc:AlternateContent xmlns:mc="http://schemas.openxmlformats.org/markup-compatibility/2006" xmlns:a14="http://schemas.microsoft.com/office/drawing/2010/main">
+        <mc:Choice Requires="a14">
           <p:sp>
             <p:nvSpPr>
-              <p:cNvPr id="6" name="Retângulo 5"/>
+              <p:cNvPr id="9" name="Retângulo 8"/>
               <p:cNvSpPr/>
               <p:nvPr/>
             </p:nvSpPr>
             <p:spPr>
               <a:xfrm>
-                <a:off x="1375410" y="1690689"/>
-                <a:ext cx="4572000" cy="923330"/>
+                <a:off x="3645707" y="5528567"/>
+                <a:ext cx="1812897" cy="513987"/>
               </a:xfrm>
               <a:prstGeom prst="rect">
                 <a:avLst/>
               </a:prstGeom>
             </p:spPr>
             <p:txBody>
-              <a:bodyPr>
+              <a:bodyPr wrap="square">
                 <a:spAutoFit/>
               </a:bodyPr>
               <a:lstStyle/>
               <a:p>
                 <a:pPr lvl="0"/>
-                <a:r>
-                  <a:rPr lang="pt-BR" dirty="0">
-                    <a:solidFill>
-                      <a:prstClr val="black"/>
-                    </a:solidFill>
-                  </a:rPr>
-                  <a:t>Ambos </a:t>
-                </a:r>
                 <a14:m>
-                  <m:oMath xmlns:m="http://schemas.openxmlformats.org/officeDocument/2006/math">
-                    <m:r>
-                      <a:rPr lang="pt-BR" i="1">
-                        <a:solidFill>
-                          <a:prstClr val="black"/>
-                        </a:solidFill>
-                        <a:latin typeface="Cambria Math" panose="02040503050406030204" pitchFamily="18" charset="0"/>
-                      </a:rPr>
-                      <m:t>𝑝</m:t>
-                    </m:r>
-                  </m:oMath>
+                  <m:oMathPara xmlns:m="http://schemas.openxmlformats.org/officeDocument/2006/math">
+                    <m:oMathParaPr>
+                      <m:jc m:val="centerGroup"/>
+                    </m:oMathParaPr>
+                    <m:oMath xmlns:m="http://schemas.openxmlformats.org/officeDocument/2006/math">
+                      <m:d>
+                        <m:dPr>
+                          <m:begChr m:val="["/>
+                          <m:endChr m:val="]"/>
+                          <m:ctrlPr>
+                            <a:rPr lang="pt-BR" sz="1400" i="1" smtClean="0">
+                              <a:solidFill>
+                                <a:schemeClr val="tx1"/>
+                              </a:solidFill>
+                              <a:latin typeface="Cambria Math" panose="02040503050406030204" pitchFamily="18" charset="0"/>
+                            </a:rPr>
+                          </m:ctrlPr>
+                        </m:dPr>
+                        <m:e>
+                          <m:m>
+                            <m:mPr>
+                              <m:mcs>
+                                <m:mc>
+                                  <m:mcPr>
+                                    <m:count m:val="1"/>
+                                    <m:mcJc m:val="center"/>
+                                  </m:mcPr>
+                                </m:mc>
+                              </m:mcs>
+                              <m:ctrlPr>
+                                <a:rPr lang="pt-BR" sz="1400" i="1">
+                                  <a:solidFill>
+                                    <a:schemeClr val="tx1"/>
+                                  </a:solidFill>
+                                  <a:latin typeface="Cambria Math" panose="02040503050406030204" pitchFamily="18" charset="0"/>
+                                </a:rPr>
+                              </m:ctrlPr>
+                            </m:mPr>
+                            <m:mr>
+                              <m:e>
+                                <m:r>
+                                  <m:rPr>
+                                    <m:brk m:alnAt="7"/>
+                                  </m:rPr>
+                                  <a:rPr lang="pt-BR" sz="1400">
+                                    <a:solidFill>
+                                      <a:schemeClr val="tx1"/>
+                                    </a:solidFill>
+                                    <a:latin typeface="Cambria Math" panose="02040503050406030204" pitchFamily="18" charset="0"/>
+                                  </a:rPr>
+                                  <m:t>𝑝</m:t>
+                                </m:r>
+                              </m:e>
+                            </m:mr>
+                            <m:mr>
+                              <m:e>
+                                <m:r>
+                                  <a:rPr lang="pt-BR" sz="1400">
+                                    <a:solidFill>
+                                      <a:schemeClr val="tx1"/>
+                                    </a:solidFill>
+                                    <a:latin typeface="Cambria Math" panose="02040503050406030204" pitchFamily="18" charset="0"/>
+                                  </a:rPr>
+                                  <m:t>𝑞</m:t>
+                                </m:r>
+                              </m:e>
+                            </m:mr>
+                          </m:m>
+                        </m:e>
+                      </m:d>
+                      <m:r>
+                        <a:rPr lang="pt-BR" sz="1400">
+                          <a:solidFill>
+                            <a:schemeClr val="tx1"/>
+                          </a:solidFill>
+                          <a:latin typeface="Cambria Math" panose="02040503050406030204" pitchFamily="18" charset="0"/>
+                        </a:rPr>
+                        <m:t>=</m:t>
+                      </m:r>
+                      <m:d>
+                        <m:dPr>
+                          <m:begChr m:val="["/>
+                          <m:endChr m:val="]"/>
+                          <m:ctrlPr>
+                            <a:rPr lang="pt-BR" sz="1400" i="1">
+                              <a:solidFill>
+                                <a:schemeClr val="tx1"/>
+                              </a:solidFill>
+                              <a:latin typeface="Cambria Math" panose="02040503050406030204" pitchFamily="18" charset="0"/>
+                            </a:rPr>
+                          </m:ctrlPr>
+                        </m:dPr>
+                        <m:e>
+                          <m:m>
+                            <m:mPr>
+                              <m:mcs>
+                                <m:mc>
+                                  <m:mcPr>
+                                    <m:count m:val="2"/>
+                                    <m:mcJc m:val="center"/>
+                                  </m:mcPr>
+                                </m:mc>
+                              </m:mcs>
+                              <m:ctrlPr>
+                                <a:rPr lang="pt-BR" sz="1400" i="1">
+                                  <a:solidFill>
+                                    <a:schemeClr val="tx1"/>
+                                  </a:solidFill>
+                                  <a:latin typeface="Cambria Math" panose="02040503050406030204" pitchFamily="18" charset="0"/>
+                                </a:rPr>
+                              </m:ctrlPr>
+                            </m:mPr>
+                            <m:mr>
+                              <m:e>
+                                <m:sSub>
+                                  <m:sSubPr>
+                                    <m:ctrlPr>
+                                      <a:rPr lang="pt-BR" sz="1400" i="1">
+                                        <a:solidFill>
+                                          <a:schemeClr val="tx1"/>
+                                        </a:solidFill>
+                                        <a:latin typeface="Cambria Math" panose="02040503050406030204" pitchFamily="18" charset="0"/>
+                                      </a:rPr>
+                                    </m:ctrlPr>
+                                  </m:sSubPr>
+                                  <m:e>
+                                    <m:r>
+                                      <m:rPr>
+                                        <m:brk m:alnAt="7"/>
+                                      </m:rPr>
+                                      <a:rPr lang="pt-BR" sz="1400">
+                                        <a:solidFill>
+                                          <a:schemeClr val="tx1"/>
+                                        </a:solidFill>
+                                        <a:latin typeface="Cambria Math" panose="02040503050406030204" pitchFamily="18" charset="0"/>
+                                      </a:rPr>
+                                      <m:t>𝑣</m:t>
+                                    </m:r>
+                                  </m:e>
+                                  <m:sub>
+                                    <m:r>
+                                      <a:rPr lang="pt-BR" sz="1400">
+                                        <a:solidFill>
+                                          <a:schemeClr val="tx1"/>
+                                        </a:solidFill>
+                                        <a:latin typeface="Cambria Math" panose="02040503050406030204" pitchFamily="18" charset="0"/>
+                                      </a:rPr>
+                                      <m:t>𝛼</m:t>
+                                    </m:r>
+                                  </m:sub>
+                                </m:sSub>
+                              </m:e>
+                              <m:e>
+                                <m:sSub>
+                                  <m:sSubPr>
+                                    <m:ctrlPr>
+                                      <a:rPr lang="pt-BR" sz="1400" i="1">
+                                        <a:solidFill>
+                                          <a:schemeClr val="tx1"/>
+                                        </a:solidFill>
+                                        <a:latin typeface="Cambria Math" panose="02040503050406030204" pitchFamily="18" charset="0"/>
+                                      </a:rPr>
+                                    </m:ctrlPr>
+                                  </m:sSubPr>
+                                  <m:e>
+                                    <m:r>
+                                      <a:rPr lang="pt-BR" sz="1400">
+                                        <a:solidFill>
+                                          <a:schemeClr val="tx1"/>
+                                        </a:solidFill>
+                                        <a:latin typeface="Cambria Math" panose="02040503050406030204" pitchFamily="18" charset="0"/>
+                                      </a:rPr>
+                                      <m:t>𝑣</m:t>
+                                    </m:r>
+                                  </m:e>
+                                  <m:sub>
+                                    <m:r>
+                                      <a:rPr lang="pt-BR" sz="1400">
+                                        <a:solidFill>
+                                          <a:schemeClr val="tx1"/>
+                                        </a:solidFill>
+                                        <a:latin typeface="Cambria Math" panose="02040503050406030204" pitchFamily="18" charset="0"/>
+                                      </a:rPr>
+                                      <m:t>𝛽</m:t>
+                                    </m:r>
+                                  </m:sub>
+                                </m:sSub>
+                              </m:e>
+                            </m:mr>
+                            <m:mr>
+                              <m:e>
+                                <m:r>
+                                  <a:rPr lang="pt-BR" sz="1400">
+                                    <a:solidFill>
+                                      <a:schemeClr val="tx1"/>
+                                    </a:solidFill>
+                                    <a:latin typeface="Cambria Math" panose="02040503050406030204" pitchFamily="18" charset="0"/>
+                                  </a:rPr>
+                                  <m:t>−</m:t>
+                                </m:r>
+                                <m:sSub>
+                                  <m:sSubPr>
+                                    <m:ctrlPr>
+                                      <a:rPr lang="pt-BR" sz="1400" i="1">
+                                        <a:solidFill>
+                                          <a:schemeClr val="tx1"/>
+                                        </a:solidFill>
+                                        <a:latin typeface="Cambria Math" panose="02040503050406030204" pitchFamily="18" charset="0"/>
+                                      </a:rPr>
+                                    </m:ctrlPr>
+                                  </m:sSubPr>
+                                  <m:e>
+                                    <m:r>
+                                      <a:rPr lang="pt-BR" sz="1400">
+                                        <a:solidFill>
+                                          <a:schemeClr val="tx1"/>
+                                        </a:solidFill>
+                                        <a:latin typeface="Cambria Math" panose="02040503050406030204" pitchFamily="18" charset="0"/>
+                                      </a:rPr>
+                                      <m:t>𝑣</m:t>
+                                    </m:r>
+                                  </m:e>
+                                  <m:sub>
+                                    <m:r>
+                                      <a:rPr lang="pt-BR" sz="1400">
+                                        <a:solidFill>
+                                          <a:schemeClr val="tx1"/>
+                                        </a:solidFill>
+                                        <a:latin typeface="Cambria Math" panose="02040503050406030204" pitchFamily="18" charset="0"/>
+                                      </a:rPr>
+                                      <m:t>𝛽</m:t>
+                                    </m:r>
+                                  </m:sub>
+                                </m:sSub>
+                              </m:e>
+                              <m:e>
+                                <m:sSub>
+                                  <m:sSubPr>
+                                    <m:ctrlPr>
+                                      <a:rPr lang="pt-BR" sz="1400" i="1">
+                                        <a:solidFill>
+                                          <a:schemeClr val="tx1"/>
+                                        </a:solidFill>
+                                        <a:latin typeface="Cambria Math" panose="02040503050406030204" pitchFamily="18" charset="0"/>
+                                      </a:rPr>
+                                    </m:ctrlPr>
+                                  </m:sSubPr>
+                                  <m:e>
+                                    <m:r>
+                                      <m:rPr>
+                                        <m:brk m:alnAt="7"/>
+                                      </m:rPr>
+                                      <a:rPr lang="pt-BR" sz="1400">
+                                        <a:solidFill>
+                                          <a:schemeClr val="tx1"/>
+                                        </a:solidFill>
+                                        <a:latin typeface="Cambria Math" panose="02040503050406030204" pitchFamily="18" charset="0"/>
+                                      </a:rPr>
+                                      <m:t>𝑣</m:t>
+                                    </m:r>
+                                  </m:e>
+                                  <m:sub>
+                                    <m:r>
+                                      <a:rPr lang="pt-BR" sz="1400">
+                                        <a:solidFill>
+                                          <a:schemeClr val="tx1"/>
+                                        </a:solidFill>
+                                        <a:latin typeface="Cambria Math" panose="02040503050406030204" pitchFamily="18" charset="0"/>
+                                      </a:rPr>
+                                      <m:t>𝛼</m:t>
+                                    </m:r>
+                                  </m:sub>
+                                </m:sSub>
+                              </m:e>
+                            </m:mr>
+                          </m:m>
+                        </m:e>
+                      </m:d>
+                      <m:d>
+                        <m:dPr>
+                          <m:begChr m:val="["/>
+                          <m:endChr m:val="]"/>
+                          <m:ctrlPr>
+                            <a:rPr lang="pt-BR" sz="1400" i="1">
+                              <a:solidFill>
+                                <a:schemeClr val="tx1"/>
+                              </a:solidFill>
+                              <a:latin typeface="Cambria Math" panose="02040503050406030204" pitchFamily="18" charset="0"/>
+                            </a:rPr>
+                          </m:ctrlPr>
+                        </m:dPr>
+                        <m:e>
+                          <m:m>
+                            <m:mPr>
+                              <m:mcs>
+                                <m:mc>
+                                  <m:mcPr>
+                                    <m:count m:val="1"/>
+                                    <m:mcJc m:val="center"/>
+                                  </m:mcPr>
+                                </m:mc>
+                              </m:mcs>
+                              <m:ctrlPr>
+                                <a:rPr lang="pt-BR" sz="1400" i="1">
+                                  <a:solidFill>
+                                    <a:schemeClr val="tx1"/>
+                                  </a:solidFill>
+                                  <a:latin typeface="Cambria Math" panose="02040503050406030204" pitchFamily="18" charset="0"/>
+                                </a:rPr>
+                              </m:ctrlPr>
+                            </m:mPr>
+                            <m:mr>
+                              <m:e>
+                                <m:sSub>
+                                  <m:sSubPr>
+                                    <m:ctrlPr>
+                                      <a:rPr lang="pt-BR" sz="1400" i="1">
+                                        <a:solidFill>
+                                          <a:schemeClr val="tx1"/>
+                                        </a:solidFill>
+                                        <a:latin typeface="Cambria Math" panose="02040503050406030204" pitchFamily="18" charset="0"/>
+                                      </a:rPr>
+                                    </m:ctrlPr>
+                                  </m:sSubPr>
+                                  <m:e>
+                                    <m:r>
+                                      <m:rPr>
+                                        <m:brk m:alnAt="7"/>
+                                      </m:rPr>
+                                      <a:rPr lang="pt-BR" sz="1400">
+                                        <a:solidFill>
+                                          <a:schemeClr val="tx1"/>
+                                        </a:solidFill>
+                                        <a:latin typeface="Cambria Math" panose="02040503050406030204" pitchFamily="18" charset="0"/>
+                                      </a:rPr>
+                                      <m:t>𝑖</m:t>
+                                    </m:r>
+                                  </m:e>
+                                  <m:sub>
+                                    <m:r>
+                                      <a:rPr lang="pt-BR" sz="1400">
+                                        <a:solidFill>
+                                          <a:schemeClr val="tx1"/>
+                                        </a:solidFill>
+                                        <a:latin typeface="Cambria Math" panose="02040503050406030204" pitchFamily="18" charset="0"/>
+                                      </a:rPr>
+                                      <m:t>𝛼</m:t>
+                                    </m:r>
+                                  </m:sub>
+                                </m:sSub>
+                              </m:e>
+                            </m:mr>
+                            <m:mr>
+                              <m:e>
+                                <m:sSub>
+                                  <m:sSubPr>
+                                    <m:ctrlPr>
+                                      <a:rPr lang="pt-BR" sz="1400" i="1">
+                                        <a:solidFill>
+                                          <a:schemeClr val="tx1"/>
+                                        </a:solidFill>
+                                        <a:latin typeface="Cambria Math" panose="02040503050406030204" pitchFamily="18" charset="0"/>
+                                      </a:rPr>
+                                    </m:ctrlPr>
+                                  </m:sSubPr>
+                                  <m:e>
+                                    <m:r>
+                                      <a:rPr lang="pt-BR" sz="1400">
+                                        <a:solidFill>
+                                          <a:schemeClr val="tx1"/>
+                                        </a:solidFill>
+                                        <a:latin typeface="Cambria Math" panose="02040503050406030204" pitchFamily="18" charset="0"/>
+                                      </a:rPr>
+                                      <m:t>𝑖</m:t>
+                                    </m:r>
+                                  </m:e>
+                                  <m:sub>
+                                    <m:r>
+                                      <a:rPr lang="pt-BR" sz="1400">
+                                        <a:solidFill>
+                                          <a:schemeClr val="tx1"/>
+                                        </a:solidFill>
+                                        <a:latin typeface="Cambria Math" panose="02040503050406030204" pitchFamily="18" charset="0"/>
+                                      </a:rPr>
+                                      <m:t>𝛽</m:t>
+                                    </m:r>
+                                  </m:sub>
+                                </m:sSub>
+                              </m:e>
+                            </m:mr>
+                          </m:m>
+                        </m:e>
+                      </m:d>
+                    </m:oMath>
+                  </m:oMathPara>
                 </a14:m>
-                <a:r>
-                  <a:rPr lang="pt-BR" dirty="0">
-                    <a:solidFill>
-                      <a:prstClr val="black"/>
-                    </a:solidFill>
-                  </a:rPr>
-                  <a:t> e </a:t>
-                </a:r>
-                <a14:m>
-                  <m:oMath xmlns:m="http://schemas.openxmlformats.org/officeDocument/2006/math">
-                    <m:r>
-                      <a:rPr lang="pt-BR" i="1">
-                        <a:solidFill>
-                          <a:prstClr val="black"/>
-                        </a:solidFill>
-                        <a:latin typeface="Cambria Math" panose="02040503050406030204" pitchFamily="18" charset="0"/>
-                      </a:rPr>
-                      <m:t>𝑞</m:t>
-                    </m:r>
-                  </m:oMath>
-                </a14:m>
-                <a:r>
-                  <a:rPr lang="pt-BR" dirty="0">
-                    <a:solidFill>
-                      <a:prstClr val="black"/>
-                    </a:solidFill>
-                  </a:rPr>
-                  <a:t> carregam informação sobre as formas de onda da tensão e corrente presentes no sistema trifásico </a:t>
-                </a:r>
+                <a:endParaRPr lang="pt-BR" sz="1400" dirty="0">
+                  <a:solidFill>
+                    <a:schemeClr val="tx1"/>
+                  </a:solidFill>
+                </a:endParaRPr>
               </a:p>
             </p:txBody>
           </p:sp>
         </mc:Choice>
-        <mc:Fallback>
+        <mc:Fallback xmlns="">
           <p:sp>
             <p:nvSpPr>
-              <p:cNvPr id="6" name="Retângulo 5"/>
+              <p:cNvPr id="9" name="Retângulo 8"/>
               <p:cNvSpPr>
                 <a:spLocks noRot="1" noChangeAspect="1" noMove="1" noResize="1" noEditPoints="1" noAdjustHandles="1" noChangeArrowheads="1" noChangeShapeType="1" noTextEdit="1"/>
               </p:cNvSpPr>
@@ -13129,16 +16771,16 @@
             </p:nvSpPr>
             <p:spPr>
               <a:xfrm>
-                <a:off x="1375410" y="1690689"/>
-                <a:ext cx="4572000" cy="923330"/>
+                <a:off x="3645707" y="5528567"/>
+                <a:ext cx="1812897" cy="513987"/>
               </a:xfrm>
               <a:prstGeom prst="rect">
                 <a:avLst/>
               </a:prstGeom>
               <a:blipFill>
-                <a:blip r:embed="rId4"/>
+                <a:blip r:embed="rId6"/>
                 <a:stretch>
-                  <a:fillRect l="-1200" t="-3289" b="-9211"/>
+                  <a:fillRect b="-1190"/>
                 </a:stretch>
               </a:blipFill>
             </p:spPr>
@@ -13160,124 +16802,7 @@
     </p:spTree>
     <p:extLst>
       <p:ext uri="{BB962C8B-B14F-4D97-AF65-F5344CB8AC3E}">
-        <p14:creationId xmlns:p14="http://schemas.microsoft.com/office/powerpoint/2010/main" val="3499539191"/>
-      </p:ext>
-    </p:extLst>
-  </p:cSld>
-  <p:clrMapOvr>
-    <a:masterClrMapping/>
-  </p:clrMapOvr>
-</p:sld>
-</file>
-
-<file path=ppt/slides/slide8.xml><?xml version="1.0" encoding="utf-8"?>
-<p:sld xmlns:a="http://schemas.openxmlformats.org/drawingml/2006/main" xmlns:r="http://schemas.openxmlformats.org/officeDocument/2006/relationships" xmlns:p="http://schemas.openxmlformats.org/presentationml/2006/main">
-  <p:cSld>
-    <p:spTree>
-      <p:nvGrpSpPr>
-        <p:cNvPr id="1" name=""/>
-        <p:cNvGrpSpPr/>
-        <p:nvPr/>
-      </p:nvGrpSpPr>
-      <p:grpSpPr>
-        <a:xfrm>
-          <a:off x="0" y="0"/>
-          <a:ext cx="0" cy="0"/>
-          <a:chOff x="0" y="0"/>
-          <a:chExt cx="0" cy="0"/>
-        </a:xfrm>
-      </p:grpSpPr>
-      <p:sp>
-        <p:nvSpPr>
-          <p:cNvPr id="2" name="Título 1"/>
-          <p:cNvSpPr>
-            <a:spLocks noGrp="1"/>
-          </p:cNvSpPr>
-          <p:nvPr>
-            <p:ph type="title"/>
-          </p:nvPr>
-        </p:nvSpPr>
-        <p:spPr/>
-        <p:txBody>
-          <a:bodyPr/>
-          <a:lstStyle/>
-          <a:p>
-            <a:r>
-              <a:rPr lang="pt-BR" dirty="0"/>
-              <a:t>Estratégia de Controle</a:t>
-            </a:r>
-          </a:p>
-        </p:txBody>
-      </p:sp>
-      <p:sp>
-        <p:nvSpPr>
-          <p:cNvPr id="3" name="Espaço Reservado para Conteúdo 2"/>
-          <p:cNvSpPr>
-            <a:spLocks noGrp="1"/>
-          </p:cNvSpPr>
-          <p:nvPr>
-            <p:ph idx="1"/>
-          </p:nvPr>
-        </p:nvSpPr>
-        <p:spPr/>
-        <p:txBody>
-          <a:bodyPr/>
-          <a:lstStyle/>
-          <a:p>
-            <a:r>
-              <a:rPr lang="pt-BR" dirty="0"/>
-              <a:t>Controle de Corrente Senoidal</a:t>
-            </a:r>
-          </a:p>
-          <a:p>
-            <a:pPr lvl="1"/>
-            <a:r>
-              <a:rPr lang="pt-BR" dirty="0"/>
-              <a:t>PLL</a:t>
-            </a:r>
-          </a:p>
-          <a:p>
-            <a:pPr lvl="1"/>
-            <a:r>
-              <a:rPr lang="pt-BR" dirty="0"/>
-              <a:t>Detector de Sequência Positiva</a:t>
-            </a:r>
-          </a:p>
-          <a:p>
-            <a:pPr marL="0" indent="0">
-              <a:buNone/>
-            </a:pPr>
-            <a:endParaRPr lang="pt-BR" dirty="0"/>
-          </a:p>
-        </p:txBody>
-      </p:sp>
-      <p:sp>
-        <p:nvSpPr>
-          <p:cNvPr id="4" name="Espaço Reservado para Número de Slide 3"/>
-          <p:cNvSpPr>
-            <a:spLocks noGrp="1"/>
-          </p:cNvSpPr>
-          <p:nvPr>
-            <p:ph type="sldNum" sz="quarter" idx="12"/>
-          </p:nvPr>
-        </p:nvSpPr>
-        <p:spPr/>
-        <p:txBody>
-          <a:bodyPr/>
-          <a:lstStyle/>
-          <a:p>
-            <a:fld id="{81005A1F-7AC2-4032-AE25-0D28B304E158}" type="slidenum">
-              <a:rPr lang="pt-BR" smtClean="0"/>
-              <a:t>8</a:t>
-            </a:fld>
-            <a:endParaRPr lang="pt-BR"/>
-          </a:p>
-        </p:txBody>
-      </p:sp>
-    </p:spTree>
-    <p:extLst>
-      <p:ext uri="{BB962C8B-B14F-4D97-AF65-F5344CB8AC3E}">
-        <p14:creationId xmlns:p14="http://schemas.microsoft.com/office/powerpoint/2010/main" val="270753281"/>
+        <p14:creationId xmlns:p14="http://schemas.microsoft.com/office/powerpoint/2010/main" val="1713973946"/>
       </p:ext>
     </p:extLst>
   </p:cSld>
@@ -13306,29 +16831,7 @@
       </p:grpSpPr>
       <p:sp>
         <p:nvSpPr>
-          <p:cNvPr id="3" name="Espaço Reservado para Conteúdo 2"/>
-          <p:cNvSpPr>
-            <a:spLocks noGrp="1"/>
-          </p:cNvSpPr>
-          <p:nvPr>
-            <p:ph idx="1"/>
-          </p:nvPr>
-        </p:nvSpPr>
-        <p:spPr/>
-        <p:txBody>
-          <a:bodyPr/>
-          <a:lstStyle/>
-          <a:p>
-            <a:r>
-              <a:rPr lang="pt-BR" dirty="0"/>
-              <a:t>Controle de tensão do Capacitor</a:t>
-            </a:r>
-          </a:p>
-        </p:txBody>
-      </p:sp>
-      <p:sp>
-        <p:nvSpPr>
-          <p:cNvPr id="4" name="Título 1"/>
+          <p:cNvPr id="2" name="Título 1"/>
           <p:cNvSpPr>
             <a:spLocks noGrp="1"/>
           </p:cNvSpPr>
@@ -13338,24 +16841,709 @@
         </p:nvSpPr>
         <p:spPr>
           <a:xfrm>
-            <a:off x="628650" y="365126"/>
-            <a:ext cx="7886700" cy="1325563"/>
+            <a:off x="628650" y="1083288"/>
+            <a:ext cx="7886700" cy="476737"/>
           </a:xfrm>
+        </p:spPr>
+        <p:txBody>
+          <a:bodyPr>
+            <a:noAutofit/>
+          </a:bodyPr>
+          <a:lstStyle/>
+          <a:p>
+            <a:r>
+              <a:rPr lang="pt-BR" sz="2400" b="1" dirty="0"/>
+              <a:t>Filtros Ativos Utilizando a Teoria PQ</a:t>
+            </a:r>
+          </a:p>
+        </p:txBody>
+      </p:sp>
+      <p:pic>
+        <p:nvPicPr>
+          <p:cNvPr id="4" name="Picture 2"/>
+          <p:cNvPicPr>
+            <a:picLocks noChangeAspect="1" noChangeArrowheads="1"/>
+          </p:cNvPicPr>
+          <p:nvPr/>
+        </p:nvPicPr>
+        <p:blipFill>
+          <a:blip r:embed="rId2">
+            <a:extLst>
+              <a:ext uri="{28A0092B-C50C-407E-A947-70E740481C1C}">
+                <a14:useLocalDpi xmlns:a14="http://schemas.microsoft.com/office/drawing/2010/main" val="0"/>
+              </a:ext>
+            </a:extLst>
+          </a:blip>
+          <a:srcRect/>
+          <a:stretch>
+            <a:fillRect/>
+          </a:stretch>
+        </p:blipFill>
+        <p:spPr bwMode="auto">
+          <a:xfrm>
+            <a:off x="74613" y="127000"/>
+            <a:ext cx="1847850" cy="709613"/>
+          </a:xfrm>
+          <a:prstGeom prst="rect">
+            <a:avLst/>
+          </a:prstGeom>
+          <a:noFill/>
+          <a:ln>
+            <a:noFill/>
+          </a:ln>
+          <a:effectLst/>
+          <a:extLst>
+            <a:ext uri="{909E8E84-426E-40DD-AFC4-6F175D3DCCD1}">
+              <a14:hiddenFill xmlns:a14="http://schemas.microsoft.com/office/drawing/2010/main">
+                <a:blipFill dpi="0" rotWithShape="0">
+                  <a:blip/>
+                  <a:srcRect/>
+                  <a:stretch>
+                    <a:fillRect/>
+                  </a:stretch>
+                </a:blipFill>
+              </a14:hiddenFill>
+            </a:ext>
+            <a:ext uri="{91240B29-F687-4F45-9708-019B960494DF}">
+              <a14:hiddenLine xmlns:a14="http://schemas.microsoft.com/office/drawing/2010/main" w="9525">
+                <a:solidFill>
+                  <a:srgbClr val="3465A4"/>
+                </a:solidFill>
+                <a:round/>
+                <a:headEnd/>
+                <a:tailEnd/>
+              </a14:hiddenLine>
+            </a:ext>
+            <a:ext uri="{AF507438-7753-43E0-B8FC-AC1667EBCBE1}">
+              <a14:hiddenEffects xmlns:a14="http://schemas.microsoft.com/office/drawing/2010/main">
+                <a:effectLst>
+                  <a:outerShdw dist="35921" dir="2700000" algn="ctr" rotWithShape="0">
+                    <a:srgbClr val="808080"/>
+                  </a:outerShdw>
+                </a:effectLst>
+              </a14:hiddenEffects>
+            </a:ext>
+          </a:extLst>
+        </p:spPr>
+      </p:pic>
+      <p:pic>
+        <p:nvPicPr>
+          <p:cNvPr id="5" name="Picture 3"/>
+          <p:cNvPicPr>
+            <a:picLocks noChangeAspect="1" noChangeArrowheads="1"/>
+          </p:cNvPicPr>
+          <p:nvPr/>
+        </p:nvPicPr>
+        <p:blipFill>
+          <a:blip r:embed="rId3">
+            <a:extLst>
+              <a:ext uri="{28A0092B-C50C-407E-A947-70E740481C1C}">
+                <a14:useLocalDpi xmlns:a14="http://schemas.microsoft.com/office/drawing/2010/main" val="0"/>
+              </a:ext>
+            </a:extLst>
+          </a:blip>
+          <a:srcRect/>
+          <a:stretch>
+            <a:fillRect/>
+          </a:stretch>
+        </p:blipFill>
+        <p:spPr bwMode="auto">
+          <a:xfrm>
+            <a:off x="7265988" y="146050"/>
+            <a:ext cx="1662112" cy="709613"/>
+          </a:xfrm>
+          <a:prstGeom prst="rect">
+            <a:avLst/>
+          </a:prstGeom>
+          <a:noFill/>
+          <a:ln>
+            <a:noFill/>
+          </a:ln>
+          <a:effectLst/>
+          <a:extLst>
+            <a:ext uri="{909E8E84-426E-40DD-AFC4-6F175D3DCCD1}">
+              <a14:hiddenFill xmlns:a14="http://schemas.microsoft.com/office/drawing/2010/main">
+                <a:blipFill dpi="0" rotWithShape="0">
+                  <a:blip/>
+                  <a:srcRect/>
+                  <a:stretch>
+                    <a:fillRect/>
+                  </a:stretch>
+                </a:blipFill>
+              </a14:hiddenFill>
+            </a:ext>
+            <a:ext uri="{91240B29-F687-4F45-9708-019B960494DF}">
+              <a14:hiddenLine xmlns:a14="http://schemas.microsoft.com/office/drawing/2010/main" w="9525">
+                <a:solidFill>
+                  <a:srgbClr val="3465A4"/>
+                </a:solidFill>
+                <a:round/>
+                <a:headEnd/>
+                <a:tailEnd/>
+              </a14:hiddenLine>
+            </a:ext>
+            <a:ext uri="{AF507438-7753-43E0-B8FC-AC1667EBCBE1}">
+              <a14:hiddenEffects xmlns:a14="http://schemas.microsoft.com/office/drawing/2010/main">
+                <a:effectLst>
+                  <a:outerShdw dist="35921" dir="2700000" algn="ctr" rotWithShape="0">
+                    <a:srgbClr val="808080"/>
+                  </a:outerShdw>
+                </a:effectLst>
+              </a14:hiddenEffects>
+            </a:ext>
+          </a:extLst>
+        </p:spPr>
+      </p:pic>
+      <p:sp>
+        <p:nvSpPr>
+          <p:cNvPr id="6" name="Text Box 4"/>
+          <p:cNvSpPr txBox="1">
+            <a:spLocks noChangeArrowheads="1"/>
+          </p:cNvSpPr>
+          <p:nvPr/>
+        </p:nvSpPr>
+        <p:spPr bwMode="auto">
+          <a:xfrm>
+            <a:off x="1903413" y="1588"/>
+            <a:ext cx="5297487" cy="956288"/>
+          </a:xfrm>
+          <a:prstGeom prst="rect">
+            <a:avLst/>
+          </a:prstGeom>
+          <a:noFill/>
+          <a:ln>
+            <a:noFill/>
+          </a:ln>
+          <a:effectLst/>
+          <a:extLst>
+            <a:ext uri="{909E8E84-426E-40DD-AFC4-6F175D3DCCD1}">
+              <a14:hiddenFill xmlns:a14="http://schemas.microsoft.com/office/drawing/2010/main">
+                <a:solidFill>
+                  <a:srgbClr val="FFFFFF"/>
+                </a:solidFill>
+              </a14:hiddenFill>
+            </a:ext>
+            <a:ext uri="{91240B29-F687-4F45-9708-019B960494DF}">
+              <a14:hiddenLine xmlns:a14="http://schemas.microsoft.com/office/drawing/2010/main" w="9525">
+                <a:solidFill>
+                  <a:srgbClr val="3465A4"/>
+                </a:solidFill>
+                <a:round/>
+                <a:headEnd/>
+                <a:tailEnd/>
+              </a14:hiddenLine>
+            </a:ext>
+            <a:ext uri="{AF507438-7753-43E0-B8FC-AC1667EBCBE1}">
+              <a14:hiddenEffects xmlns:a14="http://schemas.microsoft.com/office/drawing/2010/main">
+                <a:effectLst>
+                  <a:outerShdw dist="35921" dir="2700000" algn="ctr" rotWithShape="0">
+                    <a:srgbClr val="808080"/>
+                  </a:outerShdw>
+                </a:effectLst>
+              </a14:hiddenEffects>
+            </a:ext>
+          </a:extLst>
+        </p:spPr>
+        <p:txBody>
+          <a:bodyPr lIns="90000" tIns="46800" rIns="90000" bIns="46800">
+            <a:spAutoFit/>
+          </a:bodyPr>
+          <a:lstStyle>
+            <a:lvl1pPr>
+              <a:lnSpc>
+                <a:spcPct val="90000"/>
+              </a:lnSpc>
+              <a:spcBef>
+                <a:spcPts val="1000"/>
+              </a:spcBef>
+              <a:buClr>
+                <a:srgbClr val="000000"/>
+              </a:buClr>
+              <a:buSzPct val="100000"/>
+              <a:buFont typeface="Times New Roman" panose="02020603050405020304" pitchFamily="18" charset="0"/>
+              <a:tabLst>
+                <a:tab pos="0" algn="l"/>
+                <a:tab pos="914400" algn="l"/>
+                <a:tab pos="1828800" algn="l"/>
+                <a:tab pos="2743200" algn="l"/>
+                <a:tab pos="3657600" algn="l"/>
+                <a:tab pos="4572000" algn="l"/>
+                <a:tab pos="5486400" algn="l"/>
+                <a:tab pos="6400800" algn="l"/>
+                <a:tab pos="7315200" algn="l"/>
+                <a:tab pos="8229600" algn="l"/>
+                <a:tab pos="9144000" algn="l"/>
+                <a:tab pos="10058400" algn="l"/>
+              </a:tabLst>
+              <a:defRPr sz="2800">
+                <a:solidFill>
+                  <a:srgbClr val="000000"/>
+                </a:solidFill>
+                <a:latin typeface="Calibri" panose="020F0502020204030204" pitchFamily="34" charset="0"/>
+                <a:cs typeface="Droid Sans Fallback" charset="0"/>
+              </a:defRPr>
+            </a:lvl1pPr>
+            <a:lvl2pPr>
+              <a:lnSpc>
+                <a:spcPct val="90000"/>
+              </a:lnSpc>
+              <a:spcBef>
+                <a:spcPts val="500"/>
+              </a:spcBef>
+              <a:buClr>
+                <a:srgbClr val="000000"/>
+              </a:buClr>
+              <a:buSzPct val="100000"/>
+              <a:buFont typeface="Times New Roman" panose="02020603050405020304" pitchFamily="18" charset="0"/>
+              <a:tabLst>
+                <a:tab pos="0" algn="l"/>
+                <a:tab pos="914400" algn="l"/>
+                <a:tab pos="1828800" algn="l"/>
+                <a:tab pos="2743200" algn="l"/>
+                <a:tab pos="3657600" algn="l"/>
+                <a:tab pos="4572000" algn="l"/>
+                <a:tab pos="5486400" algn="l"/>
+                <a:tab pos="6400800" algn="l"/>
+                <a:tab pos="7315200" algn="l"/>
+                <a:tab pos="8229600" algn="l"/>
+                <a:tab pos="9144000" algn="l"/>
+                <a:tab pos="10058400" algn="l"/>
+              </a:tabLst>
+              <a:defRPr sz="2400">
+                <a:solidFill>
+                  <a:srgbClr val="000000"/>
+                </a:solidFill>
+                <a:latin typeface="Calibri" panose="020F0502020204030204" pitchFamily="34" charset="0"/>
+                <a:cs typeface="Droid Sans Fallback" charset="0"/>
+              </a:defRPr>
+            </a:lvl2pPr>
+            <a:lvl3pPr>
+              <a:lnSpc>
+                <a:spcPct val="90000"/>
+              </a:lnSpc>
+              <a:spcBef>
+                <a:spcPts val="500"/>
+              </a:spcBef>
+              <a:buClr>
+                <a:srgbClr val="000000"/>
+              </a:buClr>
+              <a:buSzPct val="100000"/>
+              <a:buFont typeface="Times New Roman" panose="02020603050405020304" pitchFamily="18" charset="0"/>
+              <a:tabLst>
+                <a:tab pos="0" algn="l"/>
+                <a:tab pos="914400" algn="l"/>
+                <a:tab pos="1828800" algn="l"/>
+                <a:tab pos="2743200" algn="l"/>
+                <a:tab pos="3657600" algn="l"/>
+                <a:tab pos="4572000" algn="l"/>
+                <a:tab pos="5486400" algn="l"/>
+                <a:tab pos="6400800" algn="l"/>
+                <a:tab pos="7315200" algn="l"/>
+                <a:tab pos="8229600" algn="l"/>
+                <a:tab pos="9144000" algn="l"/>
+                <a:tab pos="10058400" algn="l"/>
+              </a:tabLst>
+              <a:defRPr sz="2000">
+                <a:solidFill>
+                  <a:srgbClr val="000000"/>
+                </a:solidFill>
+                <a:latin typeface="Calibri" panose="020F0502020204030204" pitchFamily="34" charset="0"/>
+                <a:cs typeface="Droid Sans Fallback" charset="0"/>
+              </a:defRPr>
+            </a:lvl3pPr>
+            <a:lvl4pPr>
+              <a:lnSpc>
+                <a:spcPct val="90000"/>
+              </a:lnSpc>
+              <a:spcBef>
+                <a:spcPts val="500"/>
+              </a:spcBef>
+              <a:buClr>
+                <a:srgbClr val="000000"/>
+              </a:buClr>
+              <a:buSzPct val="100000"/>
+              <a:buFont typeface="Times New Roman" panose="02020603050405020304" pitchFamily="18" charset="0"/>
+              <a:tabLst>
+                <a:tab pos="0" algn="l"/>
+                <a:tab pos="914400" algn="l"/>
+                <a:tab pos="1828800" algn="l"/>
+                <a:tab pos="2743200" algn="l"/>
+                <a:tab pos="3657600" algn="l"/>
+                <a:tab pos="4572000" algn="l"/>
+                <a:tab pos="5486400" algn="l"/>
+                <a:tab pos="6400800" algn="l"/>
+                <a:tab pos="7315200" algn="l"/>
+                <a:tab pos="8229600" algn="l"/>
+                <a:tab pos="9144000" algn="l"/>
+                <a:tab pos="10058400" algn="l"/>
+              </a:tabLst>
+              <a:defRPr>
+                <a:solidFill>
+                  <a:srgbClr val="000000"/>
+                </a:solidFill>
+                <a:latin typeface="Calibri" panose="020F0502020204030204" pitchFamily="34" charset="0"/>
+                <a:cs typeface="Droid Sans Fallback" charset="0"/>
+              </a:defRPr>
+            </a:lvl4pPr>
+            <a:lvl5pPr>
+              <a:lnSpc>
+                <a:spcPct val="90000"/>
+              </a:lnSpc>
+              <a:spcBef>
+                <a:spcPts val="500"/>
+              </a:spcBef>
+              <a:buClr>
+                <a:srgbClr val="000000"/>
+              </a:buClr>
+              <a:buSzPct val="100000"/>
+              <a:buFont typeface="Times New Roman" panose="02020603050405020304" pitchFamily="18" charset="0"/>
+              <a:tabLst>
+                <a:tab pos="0" algn="l"/>
+                <a:tab pos="914400" algn="l"/>
+                <a:tab pos="1828800" algn="l"/>
+                <a:tab pos="2743200" algn="l"/>
+                <a:tab pos="3657600" algn="l"/>
+                <a:tab pos="4572000" algn="l"/>
+                <a:tab pos="5486400" algn="l"/>
+                <a:tab pos="6400800" algn="l"/>
+                <a:tab pos="7315200" algn="l"/>
+                <a:tab pos="8229600" algn="l"/>
+                <a:tab pos="9144000" algn="l"/>
+                <a:tab pos="10058400" algn="l"/>
+              </a:tabLst>
+              <a:defRPr>
+                <a:solidFill>
+                  <a:srgbClr val="000000"/>
+                </a:solidFill>
+                <a:latin typeface="Calibri" panose="020F0502020204030204" pitchFamily="34" charset="0"/>
+                <a:cs typeface="Droid Sans Fallback" charset="0"/>
+              </a:defRPr>
+            </a:lvl5pPr>
+            <a:lvl6pPr marL="2514600" indent="-228600" defTabSz="449263" eaLnBrk="0" fontAlgn="base" hangingPunct="0">
+              <a:lnSpc>
+                <a:spcPct val="90000"/>
+              </a:lnSpc>
+              <a:spcBef>
+                <a:spcPts val="500"/>
+              </a:spcBef>
+              <a:spcAft>
+                <a:spcPct val="0"/>
+              </a:spcAft>
+              <a:buClr>
+                <a:srgbClr val="000000"/>
+              </a:buClr>
+              <a:buSzPct val="100000"/>
+              <a:buFont typeface="Times New Roman" panose="02020603050405020304" pitchFamily="18" charset="0"/>
+              <a:tabLst>
+                <a:tab pos="0" algn="l"/>
+                <a:tab pos="914400" algn="l"/>
+                <a:tab pos="1828800" algn="l"/>
+                <a:tab pos="2743200" algn="l"/>
+                <a:tab pos="3657600" algn="l"/>
+                <a:tab pos="4572000" algn="l"/>
+                <a:tab pos="5486400" algn="l"/>
+                <a:tab pos="6400800" algn="l"/>
+                <a:tab pos="7315200" algn="l"/>
+                <a:tab pos="8229600" algn="l"/>
+                <a:tab pos="9144000" algn="l"/>
+                <a:tab pos="10058400" algn="l"/>
+              </a:tabLst>
+              <a:defRPr>
+                <a:solidFill>
+                  <a:srgbClr val="000000"/>
+                </a:solidFill>
+                <a:latin typeface="Calibri" panose="020F0502020204030204" pitchFamily="34" charset="0"/>
+                <a:cs typeface="Droid Sans Fallback" charset="0"/>
+              </a:defRPr>
+            </a:lvl6pPr>
+            <a:lvl7pPr marL="2971800" indent="-228600" defTabSz="449263" eaLnBrk="0" fontAlgn="base" hangingPunct="0">
+              <a:lnSpc>
+                <a:spcPct val="90000"/>
+              </a:lnSpc>
+              <a:spcBef>
+                <a:spcPts val="500"/>
+              </a:spcBef>
+              <a:spcAft>
+                <a:spcPct val="0"/>
+              </a:spcAft>
+              <a:buClr>
+                <a:srgbClr val="000000"/>
+              </a:buClr>
+              <a:buSzPct val="100000"/>
+              <a:buFont typeface="Times New Roman" panose="02020603050405020304" pitchFamily="18" charset="0"/>
+              <a:tabLst>
+                <a:tab pos="0" algn="l"/>
+                <a:tab pos="914400" algn="l"/>
+                <a:tab pos="1828800" algn="l"/>
+                <a:tab pos="2743200" algn="l"/>
+                <a:tab pos="3657600" algn="l"/>
+                <a:tab pos="4572000" algn="l"/>
+                <a:tab pos="5486400" algn="l"/>
+                <a:tab pos="6400800" algn="l"/>
+                <a:tab pos="7315200" algn="l"/>
+                <a:tab pos="8229600" algn="l"/>
+                <a:tab pos="9144000" algn="l"/>
+                <a:tab pos="10058400" algn="l"/>
+              </a:tabLst>
+              <a:defRPr>
+                <a:solidFill>
+                  <a:srgbClr val="000000"/>
+                </a:solidFill>
+                <a:latin typeface="Calibri" panose="020F0502020204030204" pitchFamily="34" charset="0"/>
+                <a:cs typeface="Droid Sans Fallback" charset="0"/>
+              </a:defRPr>
+            </a:lvl7pPr>
+            <a:lvl8pPr marL="3429000" indent="-228600" defTabSz="449263" eaLnBrk="0" fontAlgn="base" hangingPunct="0">
+              <a:lnSpc>
+                <a:spcPct val="90000"/>
+              </a:lnSpc>
+              <a:spcBef>
+                <a:spcPts val="500"/>
+              </a:spcBef>
+              <a:spcAft>
+                <a:spcPct val="0"/>
+              </a:spcAft>
+              <a:buClr>
+                <a:srgbClr val="000000"/>
+              </a:buClr>
+              <a:buSzPct val="100000"/>
+              <a:buFont typeface="Times New Roman" panose="02020603050405020304" pitchFamily="18" charset="0"/>
+              <a:tabLst>
+                <a:tab pos="0" algn="l"/>
+                <a:tab pos="914400" algn="l"/>
+                <a:tab pos="1828800" algn="l"/>
+                <a:tab pos="2743200" algn="l"/>
+                <a:tab pos="3657600" algn="l"/>
+                <a:tab pos="4572000" algn="l"/>
+                <a:tab pos="5486400" algn="l"/>
+                <a:tab pos="6400800" algn="l"/>
+                <a:tab pos="7315200" algn="l"/>
+                <a:tab pos="8229600" algn="l"/>
+                <a:tab pos="9144000" algn="l"/>
+                <a:tab pos="10058400" algn="l"/>
+              </a:tabLst>
+              <a:defRPr>
+                <a:solidFill>
+                  <a:srgbClr val="000000"/>
+                </a:solidFill>
+                <a:latin typeface="Calibri" panose="020F0502020204030204" pitchFamily="34" charset="0"/>
+                <a:cs typeface="Droid Sans Fallback" charset="0"/>
+              </a:defRPr>
+            </a:lvl8pPr>
+            <a:lvl9pPr marL="3886200" indent="-228600" defTabSz="449263" eaLnBrk="0" fontAlgn="base" hangingPunct="0">
+              <a:lnSpc>
+                <a:spcPct val="90000"/>
+              </a:lnSpc>
+              <a:spcBef>
+                <a:spcPts val="500"/>
+              </a:spcBef>
+              <a:spcAft>
+                <a:spcPct val="0"/>
+              </a:spcAft>
+              <a:buClr>
+                <a:srgbClr val="000000"/>
+              </a:buClr>
+              <a:buSzPct val="100000"/>
+              <a:buFont typeface="Times New Roman" panose="02020603050405020304" pitchFamily="18" charset="0"/>
+              <a:tabLst>
+                <a:tab pos="0" algn="l"/>
+                <a:tab pos="914400" algn="l"/>
+                <a:tab pos="1828800" algn="l"/>
+                <a:tab pos="2743200" algn="l"/>
+                <a:tab pos="3657600" algn="l"/>
+                <a:tab pos="4572000" algn="l"/>
+                <a:tab pos="5486400" algn="l"/>
+                <a:tab pos="6400800" algn="l"/>
+                <a:tab pos="7315200" algn="l"/>
+                <a:tab pos="8229600" algn="l"/>
+                <a:tab pos="9144000" algn="l"/>
+                <a:tab pos="10058400" algn="l"/>
+              </a:tabLst>
+              <a:defRPr>
+                <a:solidFill>
+                  <a:srgbClr val="000000"/>
+                </a:solidFill>
+                <a:latin typeface="Calibri" panose="020F0502020204030204" pitchFamily="34" charset="0"/>
+                <a:cs typeface="Droid Sans Fallback" charset="0"/>
+              </a:defRPr>
+            </a:lvl9pPr>
+          </a:lstStyle>
+          <a:p>
+            <a:pPr algn="ctr">
+              <a:lnSpc>
+                <a:spcPct val="100000"/>
+              </a:lnSpc>
+              <a:spcBef>
+                <a:spcPct val="0"/>
+              </a:spcBef>
+              <a:buClrTx/>
+              <a:buFontTx/>
+              <a:buNone/>
+            </a:pPr>
+            <a:r>
+              <a:rPr lang="pt-BR" altLang="pt-BR" sz="1400" b="1" dirty="0">
+                <a:solidFill>
+                  <a:srgbClr val="7F7F7F"/>
+                </a:solidFill>
+                <a:latin typeface="Times New Roman" panose="02020603050405020304" pitchFamily="18" charset="0"/>
+                <a:cs typeface="Times New Roman" panose="02020603050405020304" pitchFamily="18" charset="0"/>
+              </a:rPr>
+              <a:t>Instituto Tecnológico de Aeronáutica</a:t>
+            </a:r>
+          </a:p>
+          <a:p>
+            <a:pPr algn="ctr">
+              <a:lnSpc>
+                <a:spcPct val="100000"/>
+              </a:lnSpc>
+              <a:spcBef>
+                <a:spcPct val="0"/>
+              </a:spcBef>
+              <a:buClrTx/>
+              <a:buFontTx/>
+              <a:buNone/>
+            </a:pPr>
+            <a:r>
+              <a:rPr lang="pt-BR" altLang="pt-BR" sz="1400" b="1" dirty="0">
+                <a:solidFill>
+                  <a:srgbClr val="7F7F7F"/>
+                </a:solidFill>
+                <a:latin typeface="Times New Roman" panose="02020603050405020304" pitchFamily="18" charset="0"/>
+                <a:cs typeface="Times New Roman" panose="02020603050405020304" pitchFamily="18" charset="0"/>
+              </a:rPr>
+              <a:t>Curso de Mestrado Profissionalizante em Engenharia Aeronáutica</a:t>
+            </a:r>
+          </a:p>
+          <a:p>
+            <a:pPr algn="ctr">
+              <a:lnSpc>
+                <a:spcPct val="100000"/>
+              </a:lnSpc>
+              <a:spcBef>
+                <a:spcPct val="0"/>
+              </a:spcBef>
+              <a:buClrTx/>
+              <a:buFontTx/>
+              <a:buNone/>
+            </a:pPr>
+            <a:r>
+              <a:rPr lang="pt-BR" altLang="pt-BR" sz="1400" b="1" dirty="0">
+                <a:solidFill>
+                  <a:srgbClr val="7F7F7F"/>
+                </a:solidFill>
+                <a:latin typeface="Times New Roman" panose="02020603050405020304" pitchFamily="18" charset="0"/>
+                <a:cs typeface="Times New Roman" panose="02020603050405020304" pitchFamily="18" charset="0"/>
+              </a:rPr>
+              <a:t>Programa de Pós-Graduação em Engenharia Aeronáutica e Mecânica</a:t>
+            </a:r>
+          </a:p>
+        </p:txBody>
+      </p:sp>
+      <p:sp>
+        <p:nvSpPr>
+          <p:cNvPr id="7" name="Line 7"/>
+          <p:cNvSpPr>
+            <a:spLocks noChangeShapeType="1"/>
+          </p:cNvSpPr>
+          <p:nvPr/>
+        </p:nvSpPr>
+        <p:spPr bwMode="auto">
+          <a:xfrm>
+            <a:off x="507206" y="901215"/>
+            <a:ext cx="8089900" cy="1587"/>
+          </a:xfrm>
+          <a:prstGeom prst="line">
+            <a:avLst/>
+          </a:prstGeom>
+          <a:noFill/>
+          <a:ln w="6480" cap="sq">
+            <a:solidFill>
+              <a:srgbClr val="A5A5A5"/>
+            </a:solidFill>
+            <a:miter lim="800000"/>
+            <a:headEnd/>
+            <a:tailEnd/>
+          </a:ln>
+          <a:effectLst/>
+          <a:extLst>
+            <a:ext uri="{909E8E84-426E-40DD-AFC4-6F175D3DCCD1}">
+              <a14:hiddenFill xmlns:a14="http://schemas.microsoft.com/office/drawing/2010/main">
+                <a:noFill/>
+              </a14:hiddenFill>
+            </a:ext>
+            <a:ext uri="{AF507438-7753-43E0-B8FC-AC1667EBCBE1}">
+              <a14:hiddenEffects xmlns:a14="http://schemas.microsoft.com/office/drawing/2010/main">
+                <a:effectLst>
+                  <a:outerShdw dist="35921" dir="2700000" algn="ctr" rotWithShape="0">
+                    <a:srgbClr val="808080"/>
+                  </a:outerShdw>
+                </a:effectLst>
+              </a14:hiddenEffects>
+            </a:ext>
+          </a:extLst>
         </p:spPr>
         <p:txBody>
           <a:bodyPr/>
           <a:lstStyle/>
           <a:p>
-            <a:r>
-              <a:rPr lang="pt-BR" dirty="0"/>
-              <a:t>Estratégia de Controle</a:t>
-            </a:r>
+            <a:endParaRPr lang="pt-BR"/>
           </a:p>
         </p:txBody>
       </p:sp>
       <p:sp>
         <p:nvSpPr>
-          <p:cNvPr id="2" name="Espaço Reservado para Número de Slide 1"/>
+          <p:cNvPr id="8" name="Line 6"/>
+          <p:cNvSpPr>
+            <a:spLocks noChangeShapeType="1"/>
+          </p:cNvSpPr>
+          <p:nvPr/>
+        </p:nvSpPr>
+        <p:spPr bwMode="auto">
+          <a:xfrm>
+            <a:off x="508000" y="6488113"/>
+            <a:ext cx="8089900" cy="1587"/>
+          </a:xfrm>
+          <a:prstGeom prst="line">
+            <a:avLst/>
+          </a:prstGeom>
+          <a:noFill/>
+          <a:ln w="6480" cap="sq">
+            <a:solidFill>
+              <a:srgbClr val="A5A5A5"/>
+            </a:solidFill>
+            <a:miter lim="800000"/>
+            <a:headEnd/>
+            <a:tailEnd/>
+          </a:ln>
+          <a:effectLst/>
+          <a:extLst>
+            <a:ext uri="{909E8E84-426E-40DD-AFC4-6F175D3DCCD1}">
+              <a14:hiddenFill xmlns:a14="http://schemas.microsoft.com/office/drawing/2010/main">
+                <a:noFill/>
+              </a14:hiddenFill>
+            </a:ext>
+            <a:ext uri="{AF507438-7753-43E0-B8FC-AC1667EBCBE1}">
+              <a14:hiddenEffects xmlns:a14="http://schemas.microsoft.com/office/drawing/2010/main">
+                <a:effectLst>
+                  <a:outerShdw dist="35921" dir="2700000" algn="ctr" rotWithShape="0">
+                    <a:srgbClr val="808080"/>
+                  </a:outerShdw>
+                </a:effectLst>
+              </a14:hiddenEffects>
+            </a:ext>
+          </a:extLst>
+        </p:spPr>
+        <p:txBody>
+          <a:bodyPr/>
+          <a:lstStyle/>
+          <a:p>
+            <a:endParaRPr lang="pt-BR"/>
+          </a:p>
+        </p:txBody>
+      </p:sp>
+      <p:sp>
+        <p:nvSpPr>
+          <p:cNvPr id="12" name="Espaço Reservado para Número de Slide 10"/>
           <p:cNvSpPr>
             <a:spLocks noGrp="1"/>
           </p:cNvSpPr>
@@ -13363,7 +17551,12 @@
             <p:ph type="sldNum" sz="quarter" idx="12"/>
           </p:nvPr>
         </p:nvSpPr>
-        <p:spPr/>
+        <p:spPr>
+          <a:xfrm>
+            <a:off x="6870700" y="6487179"/>
+            <a:ext cx="2057400" cy="365125"/>
+          </a:xfrm>
+        </p:spPr>
         <p:txBody>
           <a:bodyPr/>
           <a:lstStyle/>
@@ -13372,14 +17565,556 @@
               <a:rPr lang="pt-BR" smtClean="0"/>
               <a:t>9</a:t>
             </a:fld>
-            <a:endParaRPr lang="pt-BR"/>
+            <a:endParaRPr lang="pt-BR" dirty="0"/>
           </a:p>
         </p:txBody>
       </p:sp>
+      <mc:AlternateContent xmlns:mc="http://schemas.openxmlformats.org/markup-compatibility/2006" xmlns:a14="http://schemas.microsoft.com/office/drawing/2010/main">
+        <mc:Choice Requires="a14">
+          <p:sp>
+            <p:nvSpPr>
+              <p:cNvPr id="17" name="Espaço Reservado para Conteúdo 2"/>
+              <p:cNvSpPr>
+                <a:spLocks noGrp="1"/>
+              </p:cNvSpPr>
+              <p:nvPr>
+                <p:ph idx="1"/>
+              </p:nvPr>
+            </p:nvSpPr>
+            <p:spPr>
+              <a:xfrm>
+                <a:off x="507206" y="1685437"/>
+                <a:ext cx="8089900" cy="4735553"/>
+              </a:xfrm>
+            </p:spPr>
+            <p:txBody>
+              <a:bodyPr>
+                <a:normAutofit/>
+              </a:bodyPr>
+              <a:lstStyle/>
+              <a:p>
+                <a:r>
+                  <a:rPr lang="pt-BR" sz="2000" dirty="0">
+                    <a:solidFill>
+                      <a:prstClr val="black"/>
+                    </a:solidFill>
+                  </a:rPr>
+                  <a:t>Filtro Ativo opera pela determinação da corrente de referência de um compensador, a qual carrega informação da potência instantânea que deseja-se anular no sistema</a:t>
+                </a:r>
+              </a:p>
+              <a:p>
+                <a:endParaRPr lang="pt-BR" sz="2000" dirty="0">
+                  <a:solidFill>
+                    <a:prstClr val="black"/>
+                  </a:solidFill>
+                </a:endParaRPr>
+              </a:p>
+              <a:p>
+                <a:endParaRPr lang="pt-BR" sz="2000" dirty="0">
+                  <a:solidFill>
+                    <a:prstClr val="black"/>
+                  </a:solidFill>
+                </a:endParaRPr>
+              </a:p>
+              <a:p>
+                <a:endParaRPr lang="pt-BR" sz="2000" dirty="0">
+                  <a:solidFill>
+                    <a:prstClr val="black"/>
+                  </a:solidFill>
+                </a:endParaRPr>
+              </a:p>
+              <a:p>
+                <a:endParaRPr lang="pt-BR" sz="2000" dirty="0">
+                  <a:solidFill>
+                    <a:prstClr val="black"/>
+                  </a:solidFill>
+                </a:endParaRPr>
+              </a:p>
+              <a:p>
+                <a:endParaRPr lang="pt-BR" sz="2000" dirty="0">
+                  <a:solidFill>
+                    <a:prstClr val="black"/>
+                  </a:solidFill>
+                </a:endParaRPr>
+              </a:p>
+              <a:p>
+                <a:endParaRPr lang="pt-BR" sz="2000" dirty="0">
+                  <a:solidFill>
+                    <a:prstClr val="black"/>
+                  </a:solidFill>
+                </a:endParaRPr>
+              </a:p>
+              <a:p>
+                <a:endParaRPr lang="pt-BR" sz="2000" dirty="0">
+                  <a:solidFill>
+                    <a:prstClr val="black"/>
+                  </a:solidFill>
+                </a:endParaRPr>
+              </a:p>
+              <a:p>
+                <a:endParaRPr lang="pt-BR" sz="2000" dirty="0">
+                  <a:solidFill>
+                    <a:prstClr val="black"/>
+                  </a:solidFill>
+                </a:endParaRPr>
+              </a:p>
+              <a:p>
+                <a14:m>
+                  <m:oMath xmlns:m="http://schemas.openxmlformats.org/officeDocument/2006/math">
+                    <m:sSubSup>
+                      <m:sSubSupPr>
+                        <m:ctrlPr>
+                          <a:rPr lang="pt-BR" sz="2000" b="0" i="1" smtClean="0">
+                            <a:solidFill>
+                              <a:prstClr val="black"/>
+                            </a:solidFill>
+                            <a:latin typeface="Cambria Math" panose="02040503050406030204" pitchFamily="18" charset="0"/>
+                          </a:rPr>
+                        </m:ctrlPr>
+                      </m:sSubSupPr>
+                      <m:e>
+                        <m:r>
+                          <a:rPr lang="pt-BR" sz="2000" b="0" i="1" smtClean="0">
+                            <a:solidFill>
+                              <a:prstClr val="black"/>
+                            </a:solidFill>
+                            <a:latin typeface="Cambria Math" panose="02040503050406030204" pitchFamily="18" charset="0"/>
+                          </a:rPr>
+                          <m:t>𝑖</m:t>
+                        </m:r>
+                      </m:e>
+                      <m:sub>
+                        <m:r>
+                          <a:rPr lang="pt-BR" sz="2000" b="0" i="1" smtClean="0">
+                            <a:solidFill>
+                              <a:prstClr val="black"/>
+                            </a:solidFill>
+                            <a:latin typeface="Cambria Math" panose="02040503050406030204" pitchFamily="18" charset="0"/>
+                          </a:rPr>
+                          <m:t>𝐶𝑎</m:t>
+                        </m:r>
+                      </m:sub>
+                      <m:sup>
+                        <m:r>
+                          <a:rPr lang="pt-BR" sz="2000" b="0" i="1" smtClean="0">
+                            <a:solidFill>
+                              <a:prstClr val="black"/>
+                            </a:solidFill>
+                            <a:latin typeface="Cambria Math" panose="02040503050406030204" pitchFamily="18" charset="0"/>
+                          </a:rPr>
+                          <m:t>∗</m:t>
+                        </m:r>
+                      </m:sup>
+                    </m:sSubSup>
+                  </m:oMath>
+                </a14:m>
+                <a:r>
+                  <a:rPr lang="pt-BR" sz="2000" dirty="0">
+                    <a:solidFill>
+                      <a:prstClr val="black"/>
+                    </a:solidFill>
+                  </a:rPr>
+                  <a:t>, </a:t>
+                </a:r>
+                <a14:m>
+                  <m:oMath xmlns:m="http://schemas.openxmlformats.org/officeDocument/2006/math">
+                    <m:sSubSup>
+                      <m:sSubSupPr>
+                        <m:ctrlPr>
+                          <a:rPr lang="pt-BR" sz="2000" i="1">
+                            <a:solidFill>
+                              <a:prstClr val="black"/>
+                            </a:solidFill>
+                            <a:latin typeface="Cambria Math" panose="02040503050406030204" pitchFamily="18" charset="0"/>
+                          </a:rPr>
+                        </m:ctrlPr>
+                      </m:sSubSupPr>
+                      <m:e>
+                        <m:r>
+                          <a:rPr lang="pt-BR" sz="2000" i="1">
+                            <a:solidFill>
+                              <a:prstClr val="black"/>
+                            </a:solidFill>
+                            <a:latin typeface="Cambria Math" panose="02040503050406030204" pitchFamily="18" charset="0"/>
+                          </a:rPr>
+                          <m:t>𝑖</m:t>
+                        </m:r>
+                      </m:e>
+                      <m:sub>
+                        <m:r>
+                          <a:rPr lang="pt-BR" sz="2000" i="1">
+                            <a:solidFill>
+                              <a:prstClr val="black"/>
+                            </a:solidFill>
+                            <a:latin typeface="Cambria Math" panose="02040503050406030204" pitchFamily="18" charset="0"/>
+                          </a:rPr>
+                          <m:t>𝐶</m:t>
+                        </m:r>
+                        <m:r>
+                          <a:rPr lang="pt-BR" sz="2000" b="0" i="1" smtClean="0">
+                            <a:solidFill>
+                              <a:prstClr val="black"/>
+                            </a:solidFill>
+                            <a:latin typeface="Cambria Math" panose="02040503050406030204" pitchFamily="18" charset="0"/>
+                          </a:rPr>
+                          <m:t>𝑏</m:t>
+                        </m:r>
+                      </m:sub>
+                      <m:sup>
+                        <m:r>
+                          <a:rPr lang="pt-BR" sz="2000" i="1">
+                            <a:solidFill>
+                              <a:prstClr val="black"/>
+                            </a:solidFill>
+                            <a:latin typeface="Cambria Math" panose="02040503050406030204" pitchFamily="18" charset="0"/>
+                          </a:rPr>
+                          <m:t>∗</m:t>
+                        </m:r>
+                      </m:sup>
+                    </m:sSubSup>
+                  </m:oMath>
+                </a14:m>
+                <a:r>
+                  <a:rPr lang="pt-BR" sz="2000" dirty="0">
+                    <a:solidFill>
+                      <a:prstClr val="black"/>
+                    </a:solidFill>
+                  </a:rPr>
+                  <a:t>, </a:t>
+                </a:r>
+                <a14:m>
+                  <m:oMath xmlns:m="http://schemas.openxmlformats.org/officeDocument/2006/math">
+                    <m:sSubSup>
+                      <m:sSubSupPr>
+                        <m:ctrlPr>
+                          <a:rPr lang="pt-BR" sz="2000" i="1">
+                            <a:solidFill>
+                              <a:prstClr val="black"/>
+                            </a:solidFill>
+                            <a:latin typeface="Cambria Math" panose="02040503050406030204" pitchFamily="18" charset="0"/>
+                          </a:rPr>
+                        </m:ctrlPr>
+                      </m:sSubSupPr>
+                      <m:e>
+                        <m:r>
+                          <a:rPr lang="pt-BR" sz="2000" i="1">
+                            <a:solidFill>
+                              <a:prstClr val="black"/>
+                            </a:solidFill>
+                            <a:latin typeface="Cambria Math" panose="02040503050406030204" pitchFamily="18" charset="0"/>
+                          </a:rPr>
+                          <m:t>𝑖</m:t>
+                        </m:r>
+                      </m:e>
+                      <m:sub>
+                        <m:r>
+                          <a:rPr lang="pt-BR" sz="2000" i="1">
+                            <a:solidFill>
+                              <a:prstClr val="black"/>
+                            </a:solidFill>
+                            <a:latin typeface="Cambria Math" panose="02040503050406030204" pitchFamily="18" charset="0"/>
+                          </a:rPr>
+                          <m:t>𝐶</m:t>
+                        </m:r>
+                        <m:r>
+                          <a:rPr lang="pt-BR" sz="2000" b="0" i="1" smtClean="0">
+                            <a:solidFill>
+                              <a:prstClr val="black"/>
+                            </a:solidFill>
+                            <a:latin typeface="Cambria Math" panose="02040503050406030204" pitchFamily="18" charset="0"/>
+                          </a:rPr>
+                          <m:t>𝑐</m:t>
+                        </m:r>
+                      </m:sub>
+                      <m:sup>
+                        <m:r>
+                          <a:rPr lang="pt-BR" sz="2000" i="1">
+                            <a:solidFill>
+                              <a:prstClr val="black"/>
+                            </a:solidFill>
+                            <a:latin typeface="Cambria Math" panose="02040503050406030204" pitchFamily="18" charset="0"/>
+                          </a:rPr>
+                          <m:t>∗</m:t>
+                        </m:r>
+                      </m:sup>
+                    </m:sSubSup>
+                  </m:oMath>
+                </a14:m>
+                <a:r>
+                  <a:rPr lang="pt-BR" sz="2000" dirty="0">
+                    <a:solidFill>
+                      <a:prstClr val="black"/>
+                    </a:solidFill>
+                  </a:rPr>
+                  <a:t> é determinado utilizando a teoria das potências instantâneas</a:t>
+                </a:r>
+              </a:p>
+              <a:p>
+                <a:endParaRPr lang="pt-BR" sz="2000" dirty="0">
+                  <a:solidFill>
+                    <a:prstClr val="black"/>
+                  </a:solidFill>
+                </a:endParaRPr>
+              </a:p>
+              <a:p>
+                <a:endParaRPr lang="pt-BR" sz="2000" dirty="0">
+                  <a:solidFill>
+                    <a:prstClr val="black"/>
+                  </a:solidFill>
+                </a:endParaRPr>
+              </a:p>
+              <a:p>
+                <a:endParaRPr lang="pt-BR" sz="2000" dirty="0">
+                  <a:solidFill>
+                    <a:prstClr val="black"/>
+                  </a:solidFill>
+                </a:endParaRPr>
+              </a:p>
+              <a:p>
+                <a:endParaRPr lang="pt-BR" sz="2000" dirty="0">
+                  <a:solidFill>
+                    <a:prstClr val="black"/>
+                  </a:solidFill>
+                </a:endParaRPr>
+              </a:p>
+              <a:p>
+                <a:endParaRPr lang="pt-BR" sz="2000" dirty="0">
+                  <a:solidFill>
+                    <a:prstClr val="black"/>
+                  </a:solidFill>
+                </a:endParaRPr>
+              </a:p>
+              <a:p>
+                <a:endParaRPr lang="pt-BR" sz="2000" dirty="0">
+                  <a:solidFill>
+                    <a:prstClr val="black"/>
+                  </a:solidFill>
+                </a:endParaRPr>
+              </a:p>
+              <a:p>
+                <a:endParaRPr lang="pt-BR" sz="2000" dirty="0">
+                  <a:solidFill>
+                    <a:prstClr val="black"/>
+                  </a:solidFill>
+                </a:endParaRPr>
+              </a:p>
+              <a:p>
+                <a:endParaRPr lang="pt-BR" sz="1600" i="1" dirty="0">
+                  <a:solidFill>
+                    <a:prstClr val="black"/>
+                  </a:solidFill>
+                  <a:latin typeface="Cambria Math" panose="02040503050406030204" pitchFamily="18" charset="0"/>
+                </a:endParaRPr>
+              </a:p>
+              <a:p>
+                <a:endParaRPr lang="pt-BR" sz="1600" i="1" dirty="0">
+                  <a:solidFill>
+                    <a:prstClr val="black"/>
+                  </a:solidFill>
+                  <a:latin typeface="Cambria Math" panose="02040503050406030204" pitchFamily="18" charset="0"/>
+                </a:endParaRPr>
+              </a:p>
+              <a:p>
+                <a:endParaRPr lang="pt-BR" sz="1600" i="1" dirty="0">
+                  <a:solidFill>
+                    <a:prstClr val="black"/>
+                  </a:solidFill>
+                  <a:latin typeface="Cambria Math" panose="02040503050406030204" pitchFamily="18" charset="0"/>
+                </a:endParaRPr>
+              </a:p>
+              <a:p>
+                <a:endParaRPr lang="pt-BR" sz="1600" i="1" dirty="0">
+                  <a:solidFill>
+                    <a:prstClr val="black"/>
+                  </a:solidFill>
+                  <a:latin typeface="Cambria Math" panose="02040503050406030204" pitchFamily="18" charset="0"/>
+                </a:endParaRPr>
+              </a:p>
+              <a:p>
+                <a:endParaRPr lang="pt-BR" sz="1600" i="1" dirty="0">
+                  <a:solidFill>
+                    <a:prstClr val="black"/>
+                  </a:solidFill>
+                  <a:latin typeface="Cambria Math" panose="02040503050406030204" pitchFamily="18" charset="0"/>
+                </a:endParaRPr>
+              </a:p>
+              <a:p>
+                <a:endParaRPr lang="pt-BR" sz="1600" i="1" dirty="0">
+                  <a:solidFill>
+                    <a:prstClr val="black"/>
+                  </a:solidFill>
+                  <a:latin typeface="Cambria Math" panose="02040503050406030204" pitchFamily="18" charset="0"/>
+                </a:endParaRPr>
+              </a:p>
+              <a:p>
+                <a:endParaRPr lang="pt-BR" sz="800" dirty="0">
+                  <a:solidFill>
+                    <a:prstClr val="black"/>
+                  </a:solidFill>
+                </a:endParaRPr>
+              </a:p>
+            </p:txBody>
+          </p:sp>
+        </mc:Choice>
+        <mc:Fallback xmlns="">
+          <p:sp>
+            <p:nvSpPr>
+              <p:cNvPr id="17" name="Espaço Reservado para Conteúdo 2"/>
+              <p:cNvSpPr>
+                <a:spLocks noGrp="1" noRot="1" noChangeAspect="1" noMove="1" noResize="1" noEditPoints="1" noAdjustHandles="1" noChangeArrowheads="1" noChangeShapeType="1" noTextEdit="1"/>
+              </p:cNvSpPr>
+              <p:nvPr>
+                <p:ph idx="1"/>
+              </p:nvPr>
+            </p:nvSpPr>
+            <p:spPr>
+              <a:xfrm>
+                <a:off x="507206" y="1685437"/>
+                <a:ext cx="8089900" cy="4735553"/>
+              </a:xfrm>
+              <a:blipFill>
+                <a:blip r:embed="rId4"/>
+                <a:stretch>
+                  <a:fillRect l="-678" t="-1287"/>
+                </a:stretch>
+              </a:blipFill>
+            </p:spPr>
+            <p:txBody>
+              <a:bodyPr/>
+              <a:lstStyle/>
+              <a:p>
+                <a:r>
+                  <a:rPr lang="pt-BR">
+                    <a:noFill/>
+                  </a:rPr>
+                  <a:t> </a:t>
+                </a:r>
+              </a:p>
+            </p:txBody>
+          </p:sp>
+        </mc:Fallback>
+      </mc:AlternateContent>
+      <p:grpSp>
+        <p:nvGrpSpPr>
+          <p:cNvPr id="22" name="Agrupar 21"/>
+          <p:cNvGrpSpPr/>
+          <p:nvPr/>
+        </p:nvGrpSpPr>
+        <p:grpSpPr>
+          <a:xfrm>
+            <a:off x="2405303" y="2710525"/>
+            <a:ext cx="4293706" cy="3055621"/>
+            <a:chOff x="2019813" y="2638963"/>
+            <a:chExt cx="4293706" cy="3055621"/>
+          </a:xfrm>
+        </p:grpSpPr>
+        <p:pic>
+          <p:nvPicPr>
+            <p:cNvPr id="18" name="Imagem 17"/>
+            <p:cNvPicPr>
+              <a:picLocks noChangeAspect="1"/>
+            </p:cNvPicPr>
+            <p:nvPr/>
+          </p:nvPicPr>
+          <p:blipFill>
+            <a:blip r:embed="rId5">
+              <a:extLst>
+                <a:ext uri="{28A0092B-C50C-407E-A947-70E740481C1C}">
+                  <a14:useLocalDpi xmlns:a14="http://schemas.microsoft.com/office/drawing/2010/main" val="0"/>
+                </a:ext>
+              </a:extLst>
+            </a:blip>
+            <a:stretch>
+              <a:fillRect/>
+            </a:stretch>
+          </p:blipFill>
+          <p:spPr>
+            <a:xfrm>
+              <a:off x="2433556" y="3258584"/>
+              <a:ext cx="3879963" cy="2436000"/>
+            </a:xfrm>
+            <a:prstGeom prst="rect">
+              <a:avLst/>
+            </a:prstGeom>
+          </p:spPr>
+        </p:pic>
+        <p:pic>
+          <p:nvPicPr>
+            <p:cNvPr id="19" name="Imagem 18"/>
+            <p:cNvPicPr>
+              <a:picLocks noChangeAspect="1"/>
+            </p:cNvPicPr>
+            <p:nvPr/>
+          </p:nvPicPr>
+          <p:blipFill>
+            <a:blip r:embed="rId6"/>
+            <a:stretch>
+              <a:fillRect/>
+            </a:stretch>
+          </p:blipFill>
+          <p:spPr>
+            <a:xfrm>
+              <a:off x="2019813" y="4874149"/>
+              <a:ext cx="1073244" cy="616986"/>
+            </a:xfrm>
+            <a:prstGeom prst="rect">
+              <a:avLst/>
+            </a:prstGeom>
+          </p:spPr>
+        </p:pic>
+        <p:pic>
+          <p:nvPicPr>
+            <p:cNvPr id="20" name="Imagem 19"/>
+            <p:cNvPicPr>
+              <a:picLocks noChangeAspect="1"/>
+            </p:cNvPicPr>
+            <p:nvPr/>
+          </p:nvPicPr>
+          <p:blipFill>
+            <a:blip r:embed="rId7"/>
+            <a:stretch>
+              <a:fillRect/>
+            </a:stretch>
+          </p:blipFill>
+          <p:spPr>
+            <a:xfrm>
+              <a:off x="3458122" y="2638963"/>
+              <a:ext cx="1094034" cy="621790"/>
+            </a:xfrm>
+            <a:prstGeom prst="rect">
+              <a:avLst/>
+            </a:prstGeom>
+          </p:spPr>
+        </p:pic>
+        <p:pic>
+          <p:nvPicPr>
+            <p:cNvPr id="21" name="Imagem 20"/>
+            <p:cNvPicPr>
+              <a:picLocks noChangeAspect="1"/>
+            </p:cNvPicPr>
+            <p:nvPr/>
+          </p:nvPicPr>
+          <p:blipFill>
+            <a:blip r:embed="rId8"/>
+            <a:stretch>
+              <a:fillRect/>
+            </a:stretch>
+          </p:blipFill>
+          <p:spPr>
+            <a:xfrm>
+              <a:off x="4876382" y="2638963"/>
+              <a:ext cx="1112910" cy="619154"/>
+            </a:xfrm>
+            <a:prstGeom prst="rect">
+              <a:avLst/>
+            </a:prstGeom>
+          </p:spPr>
+        </p:pic>
+      </p:grpSp>
     </p:spTree>
     <p:extLst>
       <p:ext uri="{BB962C8B-B14F-4D97-AF65-F5344CB8AC3E}">
-        <p14:creationId xmlns:p14="http://schemas.microsoft.com/office/powerpoint/2010/main" val="2537452639"/>
+        <p14:creationId xmlns:p14="http://schemas.microsoft.com/office/powerpoint/2010/main" val="823516740"/>
       </p:ext>
     </p:extLst>
   </p:cSld>

--- a/Apresentação/Apresentação_baixo_nivel.pptx
+++ b/Apresentação/Apresentação_baixo_nivel.pptx
@@ -27,13 +27,13 @@
     <p:sldId id="292" r:id="rId18"/>
     <p:sldId id="294" r:id="rId19"/>
     <p:sldId id="295" r:id="rId20"/>
-    <p:sldId id="271" r:id="rId21"/>
-    <p:sldId id="272" r:id="rId22"/>
-    <p:sldId id="274" r:id="rId23"/>
-    <p:sldId id="275" r:id="rId24"/>
-    <p:sldId id="276" r:id="rId25"/>
-    <p:sldId id="273" r:id="rId26"/>
-    <p:sldId id="277" r:id="rId27"/>
+    <p:sldId id="296" r:id="rId21"/>
+    <p:sldId id="297" r:id="rId22"/>
+    <p:sldId id="298" r:id="rId23"/>
+    <p:sldId id="299" r:id="rId24"/>
+    <p:sldId id="300" r:id="rId25"/>
+    <p:sldId id="301" r:id="rId26"/>
+    <p:sldId id="302" r:id="rId27"/>
     <p:sldId id="278" r:id="rId28"/>
   </p:sldIdLst>
   <p:sldSz cx="9144000" cy="6858000" type="screen4x3"/>
@@ -234,7 +234,7 @@
           <a:p>
             <a:fld id="{89C7F727-4029-4B80-A2E6-9EA504674373}" type="datetimeFigureOut">
               <a:rPr lang="pt-BR" smtClean="0"/>
-              <a:t>20/02/2017</a:t>
+              <a:t>22/02/2017</a:t>
             </a:fld>
             <a:endParaRPr lang="pt-BR"/>
           </a:p>
@@ -630,7 +630,7 @@
           <a:p>
             <a:fld id="{652B4626-5D26-45C6-8A17-16E3D3AE243C}" type="datetime1">
               <a:rPr lang="pt-BR" smtClean="0"/>
-              <a:t>20/02/2017</a:t>
+              <a:t>22/02/2017</a:t>
             </a:fld>
             <a:endParaRPr lang="pt-BR"/>
           </a:p>
@@ -798,7 +798,7 @@
           <a:p>
             <a:fld id="{5C8AD72A-8732-43BA-A5E3-991975487EAC}" type="datetime1">
               <a:rPr lang="pt-BR" smtClean="0"/>
-              <a:t>20/02/2017</a:t>
+              <a:t>22/02/2017</a:t>
             </a:fld>
             <a:endParaRPr lang="pt-BR"/>
           </a:p>
@@ -976,7 +976,7 @@
           <a:p>
             <a:fld id="{9E8DBD37-5429-49DA-9C61-63BD5F5A951F}" type="datetime1">
               <a:rPr lang="pt-BR" smtClean="0"/>
-              <a:t>20/02/2017</a:t>
+              <a:t>22/02/2017</a:t>
             </a:fld>
             <a:endParaRPr lang="pt-BR"/>
           </a:p>
@@ -1144,7 +1144,7 @@
           <a:p>
             <a:fld id="{4A468532-1358-4AAB-97D1-3956A336FCD8}" type="datetime1">
               <a:rPr lang="pt-BR" smtClean="0"/>
-              <a:t>20/02/2017</a:t>
+              <a:t>22/02/2017</a:t>
             </a:fld>
             <a:endParaRPr lang="pt-BR"/>
           </a:p>
@@ -1389,7 +1389,7 @@
           <a:p>
             <a:fld id="{D0B7D8FB-E30B-4E63-A15F-F7E0EAA24EDF}" type="datetime1">
               <a:rPr lang="pt-BR" smtClean="0"/>
-              <a:t>20/02/2017</a:t>
+              <a:t>22/02/2017</a:t>
             </a:fld>
             <a:endParaRPr lang="pt-BR"/>
           </a:p>
@@ -1618,7 +1618,7 @@
           <a:p>
             <a:fld id="{79E85DB4-D0BA-4C6B-8116-EEB1DFA3B85C}" type="datetime1">
               <a:rPr lang="pt-BR" smtClean="0"/>
-              <a:t>20/02/2017</a:t>
+              <a:t>22/02/2017</a:t>
             </a:fld>
             <a:endParaRPr lang="pt-BR"/>
           </a:p>
@@ -1982,7 +1982,7 @@
           <a:p>
             <a:fld id="{08E20FB8-B042-44B3-9E05-B78D174D01C5}" type="datetime1">
               <a:rPr lang="pt-BR" smtClean="0"/>
-              <a:t>20/02/2017</a:t>
+              <a:t>22/02/2017</a:t>
             </a:fld>
             <a:endParaRPr lang="pt-BR"/>
           </a:p>
@@ -2099,7 +2099,7 @@
           <a:p>
             <a:fld id="{99F85B46-395F-42C0-927D-F2306804E1B9}" type="datetime1">
               <a:rPr lang="pt-BR" smtClean="0"/>
-              <a:t>20/02/2017</a:t>
+              <a:t>22/02/2017</a:t>
             </a:fld>
             <a:endParaRPr lang="pt-BR"/>
           </a:p>
@@ -2194,7 +2194,7 @@
           <a:p>
             <a:fld id="{C229D78D-42BB-4047-9809-3F99346974D1}" type="datetime1">
               <a:rPr lang="pt-BR" smtClean="0"/>
-              <a:t>20/02/2017</a:t>
+              <a:t>22/02/2017</a:t>
             </a:fld>
             <a:endParaRPr lang="pt-BR"/>
           </a:p>
@@ -2469,7 +2469,7 @@
           <a:p>
             <a:fld id="{EB51D9D5-BAE2-465E-B6F9-B55B1C4BDDCB}" type="datetime1">
               <a:rPr lang="pt-BR" smtClean="0"/>
-              <a:t>20/02/2017</a:t>
+              <a:t>22/02/2017</a:t>
             </a:fld>
             <a:endParaRPr lang="pt-BR"/>
           </a:p>
@@ -2721,7 +2721,7 @@
           <a:p>
             <a:fld id="{B0F88689-79CD-4D92-B72F-897D1EE636FF}" type="datetime1">
               <a:rPr lang="pt-BR" smtClean="0"/>
-              <a:t>20/02/2017</a:t>
+              <a:t>22/02/2017</a:t>
             </a:fld>
             <a:endParaRPr lang="pt-BR"/>
           </a:p>
@@ -2932,7 +2932,7 @@
           <a:p>
             <a:fld id="{5A1D52BF-6E9E-4F33-986C-109115F3F333}" type="datetime1">
               <a:rPr lang="pt-BR" smtClean="0"/>
-              <a:t>20/02/2017</a:t>
+              <a:t>22/02/2017</a:t>
             </a:fld>
             <a:endParaRPr lang="pt-BR"/>
           </a:p>
@@ -8088,15 +8088,7 @@
                   <a:prstClr val="black"/>
                 </a:solidFill>
               </a:rPr>
-              <a:t>Malha de captura de fase (</a:t>
-            </a:r>
-            <a:r>
-              <a:rPr lang="pt-BR" sz="2000" dirty="0">
-                <a:solidFill>
-                  <a:prstClr val="black"/>
-                </a:solidFill>
-              </a:rPr>
-              <a:t>PLL)</a:t>
+              <a:t>Malha de captura de fase (PLL)</a:t>
             </a:r>
           </a:p>
           <a:p>
@@ -8134,15 +8126,7 @@
                   <a:prstClr val="black"/>
                 </a:solidFill>
               </a:rPr>
-              <a:t>Malha</a:t>
-            </a:r>
-            <a:r>
-              <a:rPr lang="pt-BR" sz="2000" dirty="0">
-                <a:solidFill>
-                  <a:prstClr val="black"/>
-                </a:solidFill>
-              </a:rPr>
-              <a:t> Principal</a:t>
+              <a:t>Malha Principal</a:t>
             </a:r>
           </a:p>
           <a:p>
@@ -15686,35 +15670,9 @@
           <a:chExt cx="0" cy="0"/>
         </a:xfrm>
       </p:grpSpPr>
-      <p:pic>
-        <p:nvPicPr>
-          <p:cNvPr id="6" name="Espaço Reservado para Conteúdo 5"/>
-          <p:cNvPicPr>
-            <a:picLocks noGrp="1" noChangeAspect="1"/>
-          </p:cNvPicPr>
-          <p:nvPr>
-            <p:ph idx="1"/>
-          </p:nvPr>
-        </p:nvPicPr>
-        <p:blipFill>
-          <a:blip r:embed="rId2"/>
-          <a:stretch>
-            <a:fillRect/>
-          </a:stretch>
-        </p:blipFill>
-        <p:spPr>
-          <a:xfrm>
-            <a:off x="1963434" y="2305844"/>
-            <a:ext cx="5217132" cy="3390900"/>
-          </a:xfrm>
-          <a:prstGeom prst="rect">
-            <a:avLst/>
-          </a:prstGeom>
-        </p:spPr>
-      </p:pic>
       <p:sp>
         <p:nvSpPr>
-          <p:cNvPr id="5" name="Título 1"/>
+          <p:cNvPr id="2" name="Título 1"/>
           <p:cNvSpPr>
             <a:spLocks noGrp="1"/>
           </p:cNvSpPr>
@@ -15724,24 +15682,709 @@
         </p:nvSpPr>
         <p:spPr>
           <a:xfrm>
-            <a:off x="628650" y="365126"/>
-            <a:ext cx="7886700" cy="1325563"/>
+            <a:off x="628650" y="1083288"/>
+            <a:ext cx="7886700" cy="476737"/>
           </a:xfrm>
+        </p:spPr>
+        <p:txBody>
+          <a:bodyPr>
+            <a:noAutofit/>
+          </a:bodyPr>
+          <a:lstStyle/>
+          <a:p>
+            <a:r>
+              <a:rPr lang="pt-BR" sz="2400" b="1" dirty="0"/>
+              <a:t>Simulação</a:t>
+            </a:r>
+          </a:p>
+        </p:txBody>
+      </p:sp>
+      <p:pic>
+        <p:nvPicPr>
+          <p:cNvPr id="4" name="Picture 2"/>
+          <p:cNvPicPr>
+            <a:picLocks noChangeAspect="1" noChangeArrowheads="1"/>
+          </p:cNvPicPr>
+          <p:nvPr/>
+        </p:nvPicPr>
+        <p:blipFill>
+          <a:blip r:embed="rId2">
+            <a:extLst>
+              <a:ext uri="{28A0092B-C50C-407E-A947-70E740481C1C}">
+                <a14:useLocalDpi xmlns:a14="http://schemas.microsoft.com/office/drawing/2010/main" val="0"/>
+              </a:ext>
+            </a:extLst>
+          </a:blip>
+          <a:srcRect/>
+          <a:stretch>
+            <a:fillRect/>
+          </a:stretch>
+        </p:blipFill>
+        <p:spPr bwMode="auto">
+          <a:xfrm>
+            <a:off x="74613" y="127000"/>
+            <a:ext cx="1847850" cy="709613"/>
+          </a:xfrm>
+          <a:prstGeom prst="rect">
+            <a:avLst/>
+          </a:prstGeom>
+          <a:noFill/>
+          <a:ln>
+            <a:noFill/>
+          </a:ln>
+          <a:effectLst/>
+          <a:extLst>
+            <a:ext uri="{909E8E84-426E-40DD-AFC4-6F175D3DCCD1}">
+              <a14:hiddenFill xmlns:a14="http://schemas.microsoft.com/office/drawing/2010/main">
+                <a:blipFill dpi="0" rotWithShape="0">
+                  <a:blip/>
+                  <a:srcRect/>
+                  <a:stretch>
+                    <a:fillRect/>
+                  </a:stretch>
+                </a:blipFill>
+              </a14:hiddenFill>
+            </a:ext>
+            <a:ext uri="{91240B29-F687-4F45-9708-019B960494DF}">
+              <a14:hiddenLine xmlns:a14="http://schemas.microsoft.com/office/drawing/2010/main" w="9525">
+                <a:solidFill>
+                  <a:srgbClr val="3465A4"/>
+                </a:solidFill>
+                <a:round/>
+                <a:headEnd/>
+                <a:tailEnd/>
+              </a14:hiddenLine>
+            </a:ext>
+            <a:ext uri="{AF507438-7753-43E0-B8FC-AC1667EBCBE1}">
+              <a14:hiddenEffects xmlns:a14="http://schemas.microsoft.com/office/drawing/2010/main">
+                <a:effectLst>
+                  <a:outerShdw dist="35921" dir="2700000" algn="ctr" rotWithShape="0">
+                    <a:srgbClr val="808080"/>
+                  </a:outerShdw>
+                </a:effectLst>
+              </a14:hiddenEffects>
+            </a:ext>
+          </a:extLst>
+        </p:spPr>
+      </p:pic>
+      <p:pic>
+        <p:nvPicPr>
+          <p:cNvPr id="5" name="Picture 3"/>
+          <p:cNvPicPr>
+            <a:picLocks noChangeAspect="1" noChangeArrowheads="1"/>
+          </p:cNvPicPr>
+          <p:nvPr/>
+        </p:nvPicPr>
+        <p:blipFill>
+          <a:blip r:embed="rId3">
+            <a:extLst>
+              <a:ext uri="{28A0092B-C50C-407E-A947-70E740481C1C}">
+                <a14:useLocalDpi xmlns:a14="http://schemas.microsoft.com/office/drawing/2010/main" val="0"/>
+              </a:ext>
+            </a:extLst>
+          </a:blip>
+          <a:srcRect/>
+          <a:stretch>
+            <a:fillRect/>
+          </a:stretch>
+        </p:blipFill>
+        <p:spPr bwMode="auto">
+          <a:xfrm>
+            <a:off x="7265988" y="146050"/>
+            <a:ext cx="1662112" cy="709613"/>
+          </a:xfrm>
+          <a:prstGeom prst="rect">
+            <a:avLst/>
+          </a:prstGeom>
+          <a:noFill/>
+          <a:ln>
+            <a:noFill/>
+          </a:ln>
+          <a:effectLst/>
+          <a:extLst>
+            <a:ext uri="{909E8E84-426E-40DD-AFC4-6F175D3DCCD1}">
+              <a14:hiddenFill xmlns:a14="http://schemas.microsoft.com/office/drawing/2010/main">
+                <a:blipFill dpi="0" rotWithShape="0">
+                  <a:blip/>
+                  <a:srcRect/>
+                  <a:stretch>
+                    <a:fillRect/>
+                  </a:stretch>
+                </a:blipFill>
+              </a14:hiddenFill>
+            </a:ext>
+            <a:ext uri="{91240B29-F687-4F45-9708-019B960494DF}">
+              <a14:hiddenLine xmlns:a14="http://schemas.microsoft.com/office/drawing/2010/main" w="9525">
+                <a:solidFill>
+                  <a:srgbClr val="3465A4"/>
+                </a:solidFill>
+                <a:round/>
+                <a:headEnd/>
+                <a:tailEnd/>
+              </a14:hiddenLine>
+            </a:ext>
+            <a:ext uri="{AF507438-7753-43E0-B8FC-AC1667EBCBE1}">
+              <a14:hiddenEffects xmlns:a14="http://schemas.microsoft.com/office/drawing/2010/main">
+                <a:effectLst>
+                  <a:outerShdw dist="35921" dir="2700000" algn="ctr" rotWithShape="0">
+                    <a:srgbClr val="808080"/>
+                  </a:outerShdw>
+                </a:effectLst>
+              </a14:hiddenEffects>
+            </a:ext>
+          </a:extLst>
+        </p:spPr>
+      </p:pic>
+      <p:sp>
+        <p:nvSpPr>
+          <p:cNvPr id="6" name="Text Box 4"/>
+          <p:cNvSpPr txBox="1">
+            <a:spLocks noChangeArrowheads="1"/>
+          </p:cNvSpPr>
+          <p:nvPr/>
+        </p:nvSpPr>
+        <p:spPr bwMode="auto">
+          <a:xfrm>
+            <a:off x="1903413" y="1588"/>
+            <a:ext cx="5297487" cy="956288"/>
+          </a:xfrm>
+          <a:prstGeom prst="rect">
+            <a:avLst/>
+          </a:prstGeom>
+          <a:noFill/>
+          <a:ln>
+            <a:noFill/>
+          </a:ln>
+          <a:effectLst/>
+          <a:extLst>
+            <a:ext uri="{909E8E84-426E-40DD-AFC4-6F175D3DCCD1}">
+              <a14:hiddenFill xmlns:a14="http://schemas.microsoft.com/office/drawing/2010/main">
+                <a:solidFill>
+                  <a:srgbClr val="FFFFFF"/>
+                </a:solidFill>
+              </a14:hiddenFill>
+            </a:ext>
+            <a:ext uri="{91240B29-F687-4F45-9708-019B960494DF}">
+              <a14:hiddenLine xmlns:a14="http://schemas.microsoft.com/office/drawing/2010/main" w="9525">
+                <a:solidFill>
+                  <a:srgbClr val="3465A4"/>
+                </a:solidFill>
+                <a:round/>
+                <a:headEnd/>
+                <a:tailEnd/>
+              </a14:hiddenLine>
+            </a:ext>
+            <a:ext uri="{AF507438-7753-43E0-B8FC-AC1667EBCBE1}">
+              <a14:hiddenEffects xmlns:a14="http://schemas.microsoft.com/office/drawing/2010/main">
+                <a:effectLst>
+                  <a:outerShdw dist="35921" dir="2700000" algn="ctr" rotWithShape="0">
+                    <a:srgbClr val="808080"/>
+                  </a:outerShdw>
+                </a:effectLst>
+              </a14:hiddenEffects>
+            </a:ext>
+          </a:extLst>
+        </p:spPr>
+        <p:txBody>
+          <a:bodyPr lIns="90000" tIns="46800" rIns="90000" bIns="46800">
+            <a:spAutoFit/>
+          </a:bodyPr>
+          <a:lstStyle>
+            <a:lvl1pPr>
+              <a:lnSpc>
+                <a:spcPct val="90000"/>
+              </a:lnSpc>
+              <a:spcBef>
+                <a:spcPts val="1000"/>
+              </a:spcBef>
+              <a:buClr>
+                <a:srgbClr val="000000"/>
+              </a:buClr>
+              <a:buSzPct val="100000"/>
+              <a:buFont typeface="Times New Roman" panose="02020603050405020304" pitchFamily="18" charset="0"/>
+              <a:tabLst>
+                <a:tab pos="0" algn="l"/>
+                <a:tab pos="914400" algn="l"/>
+                <a:tab pos="1828800" algn="l"/>
+                <a:tab pos="2743200" algn="l"/>
+                <a:tab pos="3657600" algn="l"/>
+                <a:tab pos="4572000" algn="l"/>
+                <a:tab pos="5486400" algn="l"/>
+                <a:tab pos="6400800" algn="l"/>
+                <a:tab pos="7315200" algn="l"/>
+                <a:tab pos="8229600" algn="l"/>
+                <a:tab pos="9144000" algn="l"/>
+                <a:tab pos="10058400" algn="l"/>
+              </a:tabLst>
+              <a:defRPr sz="2800">
+                <a:solidFill>
+                  <a:srgbClr val="000000"/>
+                </a:solidFill>
+                <a:latin typeface="Calibri" panose="020F0502020204030204" pitchFamily="34" charset="0"/>
+                <a:cs typeface="Droid Sans Fallback" charset="0"/>
+              </a:defRPr>
+            </a:lvl1pPr>
+            <a:lvl2pPr>
+              <a:lnSpc>
+                <a:spcPct val="90000"/>
+              </a:lnSpc>
+              <a:spcBef>
+                <a:spcPts val="500"/>
+              </a:spcBef>
+              <a:buClr>
+                <a:srgbClr val="000000"/>
+              </a:buClr>
+              <a:buSzPct val="100000"/>
+              <a:buFont typeface="Times New Roman" panose="02020603050405020304" pitchFamily="18" charset="0"/>
+              <a:tabLst>
+                <a:tab pos="0" algn="l"/>
+                <a:tab pos="914400" algn="l"/>
+                <a:tab pos="1828800" algn="l"/>
+                <a:tab pos="2743200" algn="l"/>
+                <a:tab pos="3657600" algn="l"/>
+                <a:tab pos="4572000" algn="l"/>
+                <a:tab pos="5486400" algn="l"/>
+                <a:tab pos="6400800" algn="l"/>
+                <a:tab pos="7315200" algn="l"/>
+                <a:tab pos="8229600" algn="l"/>
+                <a:tab pos="9144000" algn="l"/>
+                <a:tab pos="10058400" algn="l"/>
+              </a:tabLst>
+              <a:defRPr sz="2400">
+                <a:solidFill>
+                  <a:srgbClr val="000000"/>
+                </a:solidFill>
+                <a:latin typeface="Calibri" panose="020F0502020204030204" pitchFamily="34" charset="0"/>
+                <a:cs typeface="Droid Sans Fallback" charset="0"/>
+              </a:defRPr>
+            </a:lvl2pPr>
+            <a:lvl3pPr>
+              <a:lnSpc>
+                <a:spcPct val="90000"/>
+              </a:lnSpc>
+              <a:spcBef>
+                <a:spcPts val="500"/>
+              </a:spcBef>
+              <a:buClr>
+                <a:srgbClr val="000000"/>
+              </a:buClr>
+              <a:buSzPct val="100000"/>
+              <a:buFont typeface="Times New Roman" panose="02020603050405020304" pitchFamily="18" charset="0"/>
+              <a:tabLst>
+                <a:tab pos="0" algn="l"/>
+                <a:tab pos="914400" algn="l"/>
+                <a:tab pos="1828800" algn="l"/>
+                <a:tab pos="2743200" algn="l"/>
+                <a:tab pos="3657600" algn="l"/>
+                <a:tab pos="4572000" algn="l"/>
+                <a:tab pos="5486400" algn="l"/>
+                <a:tab pos="6400800" algn="l"/>
+                <a:tab pos="7315200" algn="l"/>
+                <a:tab pos="8229600" algn="l"/>
+                <a:tab pos="9144000" algn="l"/>
+                <a:tab pos="10058400" algn="l"/>
+              </a:tabLst>
+              <a:defRPr sz="2000">
+                <a:solidFill>
+                  <a:srgbClr val="000000"/>
+                </a:solidFill>
+                <a:latin typeface="Calibri" panose="020F0502020204030204" pitchFamily="34" charset="0"/>
+                <a:cs typeface="Droid Sans Fallback" charset="0"/>
+              </a:defRPr>
+            </a:lvl3pPr>
+            <a:lvl4pPr>
+              <a:lnSpc>
+                <a:spcPct val="90000"/>
+              </a:lnSpc>
+              <a:spcBef>
+                <a:spcPts val="500"/>
+              </a:spcBef>
+              <a:buClr>
+                <a:srgbClr val="000000"/>
+              </a:buClr>
+              <a:buSzPct val="100000"/>
+              <a:buFont typeface="Times New Roman" panose="02020603050405020304" pitchFamily="18" charset="0"/>
+              <a:tabLst>
+                <a:tab pos="0" algn="l"/>
+                <a:tab pos="914400" algn="l"/>
+                <a:tab pos="1828800" algn="l"/>
+                <a:tab pos="2743200" algn="l"/>
+                <a:tab pos="3657600" algn="l"/>
+                <a:tab pos="4572000" algn="l"/>
+                <a:tab pos="5486400" algn="l"/>
+                <a:tab pos="6400800" algn="l"/>
+                <a:tab pos="7315200" algn="l"/>
+                <a:tab pos="8229600" algn="l"/>
+                <a:tab pos="9144000" algn="l"/>
+                <a:tab pos="10058400" algn="l"/>
+              </a:tabLst>
+              <a:defRPr>
+                <a:solidFill>
+                  <a:srgbClr val="000000"/>
+                </a:solidFill>
+                <a:latin typeface="Calibri" panose="020F0502020204030204" pitchFamily="34" charset="0"/>
+                <a:cs typeface="Droid Sans Fallback" charset="0"/>
+              </a:defRPr>
+            </a:lvl4pPr>
+            <a:lvl5pPr>
+              <a:lnSpc>
+                <a:spcPct val="90000"/>
+              </a:lnSpc>
+              <a:spcBef>
+                <a:spcPts val="500"/>
+              </a:spcBef>
+              <a:buClr>
+                <a:srgbClr val="000000"/>
+              </a:buClr>
+              <a:buSzPct val="100000"/>
+              <a:buFont typeface="Times New Roman" panose="02020603050405020304" pitchFamily="18" charset="0"/>
+              <a:tabLst>
+                <a:tab pos="0" algn="l"/>
+                <a:tab pos="914400" algn="l"/>
+                <a:tab pos="1828800" algn="l"/>
+                <a:tab pos="2743200" algn="l"/>
+                <a:tab pos="3657600" algn="l"/>
+                <a:tab pos="4572000" algn="l"/>
+                <a:tab pos="5486400" algn="l"/>
+                <a:tab pos="6400800" algn="l"/>
+                <a:tab pos="7315200" algn="l"/>
+                <a:tab pos="8229600" algn="l"/>
+                <a:tab pos="9144000" algn="l"/>
+                <a:tab pos="10058400" algn="l"/>
+              </a:tabLst>
+              <a:defRPr>
+                <a:solidFill>
+                  <a:srgbClr val="000000"/>
+                </a:solidFill>
+                <a:latin typeface="Calibri" panose="020F0502020204030204" pitchFamily="34" charset="0"/>
+                <a:cs typeface="Droid Sans Fallback" charset="0"/>
+              </a:defRPr>
+            </a:lvl5pPr>
+            <a:lvl6pPr marL="2514600" indent="-228600" defTabSz="449263" eaLnBrk="0" fontAlgn="base" hangingPunct="0">
+              <a:lnSpc>
+                <a:spcPct val="90000"/>
+              </a:lnSpc>
+              <a:spcBef>
+                <a:spcPts val="500"/>
+              </a:spcBef>
+              <a:spcAft>
+                <a:spcPct val="0"/>
+              </a:spcAft>
+              <a:buClr>
+                <a:srgbClr val="000000"/>
+              </a:buClr>
+              <a:buSzPct val="100000"/>
+              <a:buFont typeface="Times New Roman" panose="02020603050405020304" pitchFamily="18" charset="0"/>
+              <a:tabLst>
+                <a:tab pos="0" algn="l"/>
+                <a:tab pos="914400" algn="l"/>
+                <a:tab pos="1828800" algn="l"/>
+                <a:tab pos="2743200" algn="l"/>
+                <a:tab pos="3657600" algn="l"/>
+                <a:tab pos="4572000" algn="l"/>
+                <a:tab pos="5486400" algn="l"/>
+                <a:tab pos="6400800" algn="l"/>
+                <a:tab pos="7315200" algn="l"/>
+                <a:tab pos="8229600" algn="l"/>
+                <a:tab pos="9144000" algn="l"/>
+                <a:tab pos="10058400" algn="l"/>
+              </a:tabLst>
+              <a:defRPr>
+                <a:solidFill>
+                  <a:srgbClr val="000000"/>
+                </a:solidFill>
+                <a:latin typeface="Calibri" panose="020F0502020204030204" pitchFamily="34" charset="0"/>
+                <a:cs typeface="Droid Sans Fallback" charset="0"/>
+              </a:defRPr>
+            </a:lvl6pPr>
+            <a:lvl7pPr marL="2971800" indent="-228600" defTabSz="449263" eaLnBrk="0" fontAlgn="base" hangingPunct="0">
+              <a:lnSpc>
+                <a:spcPct val="90000"/>
+              </a:lnSpc>
+              <a:spcBef>
+                <a:spcPts val="500"/>
+              </a:spcBef>
+              <a:spcAft>
+                <a:spcPct val="0"/>
+              </a:spcAft>
+              <a:buClr>
+                <a:srgbClr val="000000"/>
+              </a:buClr>
+              <a:buSzPct val="100000"/>
+              <a:buFont typeface="Times New Roman" panose="02020603050405020304" pitchFamily="18" charset="0"/>
+              <a:tabLst>
+                <a:tab pos="0" algn="l"/>
+                <a:tab pos="914400" algn="l"/>
+                <a:tab pos="1828800" algn="l"/>
+                <a:tab pos="2743200" algn="l"/>
+                <a:tab pos="3657600" algn="l"/>
+                <a:tab pos="4572000" algn="l"/>
+                <a:tab pos="5486400" algn="l"/>
+                <a:tab pos="6400800" algn="l"/>
+                <a:tab pos="7315200" algn="l"/>
+                <a:tab pos="8229600" algn="l"/>
+                <a:tab pos="9144000" algn="l"/>
+                <a:tab pos="10058400" algn="l"/>
+              </a:tabLst>
+              <a:defRPr>
+                <a:solidFill>
+                  <a:srgbClr val="000000"/>
+                </a:solidFill>
+                <a:latin typeface="Calibri" panose="020F0502020204030204" pitchFamily="34" charset="0"/>
+                <a:cs typeface="Droid Sans Fallback" charset="0"/>
+              </a:defRPr>
+            </a:lvl7pPr>
+            <a:lvl8pPr marL="3429000" indent="-228600" defTabSz="449263" eaLnBrk="0" fontAlgn="base" hangingPunct="0">
+              <a:lnSpc>
+                <a:spcPct val="90000"/>
+              </a:lnSpc>
+              <a:spcBef>
+                <a:spcPts val="500"/>
+              </a:spcBef>
+              <a:spcAft>
+                <a:spcPct val="0"/>
+              </a:spcAft>
+              <a:buClr>
+                <a:srgbClr val="000000"/>
+              </a:buClr>
+              <a:buSzPct val="100000"/>
+              <a:buFont typeface="Times New Roman" panose="02020603050405020304" pitchFamily="18" charset="0"/>
+              <a:tabLst>
+                <a:tab pos="0" algn="l"/>
+                <a:tab pos="914400" algn="l"/>
+                <a:tab pos="1828800" algn="l"/>
+                <a:tab pos="2743200" algn="l"/>
+                <a:tab pos="3657600" algn="l"/>
+                <a:tab pos="4572000" algn="l"/>
+                <a:tab pos="5486400" algn="l"/>
+                <a:tab pos="6400800" algn="l"/>
+                <a:tab pos="7315200" algn="l"/>
+                <a:tab pos="8229600" algn="l"/>
+                <a:tab pos="9144000" algn="l"/>
+                <a:tab pos="10058400" algn="l"/>
+              </a:tabLst>
+              <a:defRPr>
+                <a:solidFill>
+                  <a:srgbClr val="000000"/>
+                </a:solidFill>
+                <a:latin typeface="Calibri" panose="020F0502020204030204" pitchFamily="34" charset="0"/>
+                <a:cs typeface="Droid Sans Fallback" charset="0"/>
+              </a:defRPr>
+            </a:lvl8pPr>
+            <a:lvl9pPr marL="3886200" indent="-228600" defTabSz="449263" eaLnBrk="0" fontAlgn="base" hangingPunct="0">
+              <a:lnSpc>
+                <a:spcPct val="90000"/>
+              </a:lnSpc>
+              <a:spcBef>
+                <a:spcPts val="500"/>
+              </a:spcBef>
+              <a:spcAft>
+                <a:spcPct val="0"/>
+              </a:spcAft>
+              <a:buClr>
+                <a:srgbClr val="000000"/>
+              </a:buClr>
+              <a:buSzPct val="100000"/>
+              <a:buFont typeface="Times New Roman" panose="02020603050405020304" pitchFamily="18" charset="0"/>
+              <a:tabLst>
+                <a:tab pos="0" algn="l"/>
+                <a:tab pos="914400" algn="l"/>
+                <a:tab pos="1828800" algn="l"/>
+                <a:tab pos="2743200" algn="l"/>
+                <a:tab pos="3657600" algn="l"/>
+                <a:tab pos="4572000" algn="l"/>
+                <a:tab pos="5486400" algn="l"/>
+                <a:tab pos="6400800" algn="l"/>
+                <a:tab pos="7315200" algn="l"/>
+                <a:tab pos="8229600" algn="l"/>
+                <a:tab pos="9144000" algn="l"/>
+                <a:tab pos="10058400" algn="l"/>
+              </a:tabLst>
+              <a:defRPr>
+                <a:solidFill>
+                  <a:srgbClr val="000000"/>
+                </a:solidFill>
+                <a:latin typeface="Calibri" panose="020F0502020204030204" pitchFamily="34" charset="0"/>
+                <a:cs typeface="Droid Sans Fallback" charset="0"/>
+              </a:defRPr>
+            </a:lvl9pPr>
+          </a:lstStyle>
+          <a:p>
+            <a:pPr algn="ctr">
+              <a:lnSpc>
+                <a:spcPct val="100000"/>
+              </a:lnSpc>
+              <a:spcBef>
+                <a:spcPct val="0"/>
+              </a:spcBef>
+              <a:buClrTx/>
+              <a:buFontTx/>
+              <a:buNone/>
+            </a:pPr>
+            <a:r>
+              <a:rPr lang="pt-BR" altLang="pt-BR" sz="1400" b="1" dirty="0">
+                <a:solidFill>
+                  <a:srgbClr val="7F7F7F"/>
+                </a:solidFill>
+                <a:latin typeface="Times New Roman" panose="02020603050405020304" pitchFamily="18" charset="0"/>
+                <a:cs typeface="Times New Roman" panose="02020603050405020304" pitchFamily="18" charset="0"/>
+              </a:rPr>
+              <a:t>Instituto Tecnológico de Aeronáutica</a:t>
+            </a:r>
+          </a:p>
+          <a:p>
+            <a:pPr algn="ctr">
+              <a:lnSpc>
+                <a:spcPct val="100000"/>
+              </a:lnSpc>
+              <a:spcBef>
+                <a:spcPct val="0"/>
+              </a:spcBef>
+              <a:buClrTx/>
+              <a:buFontTx/>
+              <a:buNone/>
+            </a:pPr>
+            <a:r>
+              <a:rPr lang="pt-BR" altLang="pt-BR" sz="1400" b="1" dirty="0">
+                <a:solidFill>
+                  <a:srgbClr val="7F7F7F"/>
+                </a:solidFill>
+                <a:latin typeface="Times New Roman" panose="02020603050405020304" pitchFamily="18" charset="0"/>
+                <a:cs typeface="Times New Roman" panose="02020603050405020304" pitchFamily="18" charset="0"/>
+              </a:rPr>
+              <a:t>Curso de Mestrado Profissionalizante em Engenharia Aeronáutica</a:t>
+            </a:r>
+          </a:p>
+          <a:p>
+            <a:pPr algn="ctr">
+              <a:lnSpc>
+                <a:spcPct val="100000"/>
+              </a:lnSpc>
+              <a:spcBef>
+                <a:spcPct val="0"/>
+              </a:spcBef>
+              <a:buClrTx/>
+              <a:buFontTx/>
+              <a:buNone/>
+            </a:pPr>
+            <a:r>
+              <a:rPr lang="pt-BR" altLang="pt-BR" sz="1400" b="1" dirty="0">
+                <a:solidFill>
+                  <a:srgbClr val="7F7F7F"/>
+                </a:solidFill>
+                <a:latin typeface="Times New Roman" panose="02020603050405020304" pitchFamily="18" charset="0"/>
+                <a:cs typeface="Times New Roman" panose="02020603050405020304" pitchFamily="18" charset="0"/>
+              </a:rPr>
+              <a:t>Programa de Pós-Graduação em Engenharia Aeronáutica e Mecânica</a:t>
+            </a:r>
+          </a:p>
+        </p:txBody>
+      </p:sp>
+      <p:sp>
+        <p:nvSpPr>
+          <p:cNvPr id="7" name="Line 7"/>
+          <p:cNvSpPr>
+            <a:spLocks noChangeShapeType="1"/>
+          </p:cNvSpPr>
+          <p:nvPr/>
+        </p:nvSpPr>
+        <p:spPr bwMode="auto">
+          <a:xfrm>
+            <a:off x="507206" y="901215"/>
+            <a:ext cx="8089900" cy="1587"/>
+          </a:xfrm>
+          <a:prstGeom prst="line">
+            <a:avLst/>
+          </a:prstGeom>
+          <a:noFill/>
+          <a:ln w="6480" cap="sq">
+            <a:solidFill>
+              <a:srgbClr val="A5A5A5"/>
+            </a:solidFill>
+            <a:miter lim="800000"/>
+            <a:headEnd/>
+            <a:tailEnd/>
+          </a:ln>
+          <a:effectLst/>
+          <a:extLst>
+            <a:ext uri="{909E8E84-426E-40DD-AFC4-6F175D3DCCD1}">
+              <a14:hiddenFill xmlns:a14="http://schemas.microsoft.com/office/drawing/2010/main">
+                <a:noFill/>
+              </a14:hiddenFill>
+            </a:ext>
+            <a:ext uri="{AF507438-7753-43E0-B8FC-AC1667EBCBE1}">
+              <a14:hiddenEffects xmlns:a14="http://schemas.microsoft.com/office/drawing/2010/main">
+                <a:effectLst>
+                  <a:outerShdw dist="35921" dir="2700000" algn="ctr" rotWithShape="0">
+                    <a:srgbClr val="808080"/>
+                  </a:outerShdw>
+                </a:effectLst>
+              </a14:hiddenEffects>
+            </a:ext>
+          </a:extLst>
         </p:spPr>
         <p:txBody>
           <a:bodyPr/>
           <a:lstStyle/>
           <a:p>
-            <a:r>
-              <a:rPr lang="pt-BR" dirty="0"/>
-              <a:t>Simulação</a:t>
-            </a:r>
+            <a:endParaRPr lang="pt-BR"/>
           </a:p>
         </p:txBody>
       </p:sp>
       <p:sp>
         <p:nvSpPr>
-          <p:cNvPr id="2" name="Espaço Reservado para Número de Slide 1"/>
+          <p:cNvPr id="8" name="Line 6"/>
+          <p:cNvSpPr>
+            <a:spLocks noChangeShapeType="1"/>
+          </p:cNvSpPr>
+          <p:nvPr/>
+        </p:nvSpPr>
+        <p:spPr bwMode="auto">
+          <a:xfrm>
+            <a:off x="508000" y="6488113"/>
+            <a:ext cx="8089900" cy="1587"/>
+          </a:xfrm>
+          <a:prstGeom prst="line">
+            <a:avLst/>
+          </a:prstGeom>
+          <a:noFill/>
+          <a:ln w="6480" cap="sq">
+            <a:solidFill>
+              <a:srgbClr val="A5A5A5"/>
+            </a:solidFill>
+            <a:miter lim="800000"/>
+            <a:headEnd/>
+            <a:tailEnd/>
+          </a:ln>
+          <a:effectLst/>
+          <a:extLst>
+            <a:ext uri="{909E8E84-426E-40DD-AFC4-6F175D3DCCD1}">
+              <a14:hiddenFill xmlns:a14="http://schemas.microsoft.com/office/drawing/2010/main">
+                <a:noFill/>
+              </a14:hiddenFill>
+            </a:ext>
+            <a:ext uri="{AF507438-7753-43E0-B8FC-AC1667EBCBE1}">
+              <a14:hiddenEffects xmlns:a14="http://schemas.microsoft.com/office/drawing/2010/main">
+                <a:effectLst>
+                  <a:outerShdw dist="35921" dir="2700000" algn="ctr" rotWithShape="0">
+                    <a:srgbClr val="808080"/>
+                  </a:outerShdw>
+                </a:effectLst>
+              </a14:hiddenEffects>
+            </a:ext>
+          </a:extLst>
+        </p:spPr>
+        <p:txBody>
+          <a:bodyPr/>
+          <a:lstStyle/>
+          <a:p>
+            <a:endParaRPr lang="pt-BR"/>
+          </a:p>
+        </p:txBody>
+      </p:sp>
+      <p:sp>
+        <p:nvSpPr>
+          <p:cNvPr id="12" name="Espaço Reservado para Número de Slide 10"/>
           <p:cNvSpPr>
             <a:spLocks noGrp="1"/>
           </p:cNvSpPr>
@@ -15749,7 +16392,12 @@
             <p:ph type="sldNum" sz="quarter" idx="12"/>
           </p:nvPr>
         </p:nvSpPr>
-        <p:spPr/>
+        <p:spPr>
+          <a:xfrm>
+            <a:off x="6870700" y="6487179"/>
+            <a:ext cx="2057400" cy="365125"/>
+          </a:xfrm>
+        </p:spPr>
         <p:txBody>
           <a:bodyPr/>
           <a:lstStyle/>
@@ -15758,14 +16406,139 @@
               <a:rPr lang="pt-BR" smtClean="0"/>
               <a:t>20</a:t>
             </a:fld>
-            <a:endParaRPr lang="pt-BR"/>
+            <a:endParaRPr lang="pt-BR" dirty="0"/>
           </a:p>
         </p:txBody>
       </p:sp>
+      <p:sp>
+        <p:nvSpPr>
+          <p:cNvPr id="17" name="Espaço Reservado para Conteúdo 2"/>
+          <p:cNvSpPr>
+            <a:spLocks noGrp="1"/>
+          </p:cNvSpPr>
+          <p:nvPr>
+            <p:ph idx="1"/>
+          </p:nvPr>
+        </p:nvSpPr>
+        <p:spPr>
+          <a:xfrm>
+            <a:off x="507206" y="1685437"/>
+            <a:ext cx="8089900" cy="4735553"/>
+          </a:xfrm>
+        </p:spPr>
+        <p:txBody>
+          <a:bodyPr>
+            <a:normAutofit/>
+          </a:bodyPr>
+          <a:lstStyle/>
+          <a:p>
+            <a:r>
+              <a:rPr lang="pt-BR" sz="2000" dirty="0"/>
+              <a:t>Simulação dividida em quatro subperíodos durante a operação do EHA</a:t>
+            </a:r>
+          </a:p>
+          <a:p>
+            <a:endParaRPr lang="pt-BR" sz="2000" dirty="0"/>
+          </a:p>
+          <a:p>
+            <a:endParaRPr lang="pt-BR" sz="2000" dirty="0"/>
+          </a:p>
+          <a:p>
+            <a:endParaRPr lang="pt-BR" sz="2000" dirty="0"/>
+          </a:p>
+          <a:p>
+            <a:endParaRPr lang="pt-BR" sz="2000" dirty="0"/>
+          </a:p>
+          <a:p>
+            <a:endParaRPr lang="pt-BR" sz="2000" dirty="0"/>
+          </a:p>
+          <a:p>
+            <a:endParaRPr lang="pt-BR" sz="2000" dirty="0"/>
+          </a:p>
+          <a:p>
+            <a:endParaRPr lang="pt-BR" sz="2000" dirty="0"/>
+          </a:p>
+          <a:p>
+            <a:endParaRPr lang="pt-BR" sz="2000" dirty="0"/>
+          </a:p>
+          <a:p>
+            <a:endParaRPr lang="pt-BR" sz="1200" dirty="0"/>
+          </a:p>
+          <a:p>
+            <a:r>
+              <a:rPr lang="pt-BR" sz="2000" dirty="0"/>
+              <a:t>Resultados são referentes a medições obtidas na PDU</a:t>
+            </a:r>
+          </a:p>
+          <a:p>
+            <a:endParaRPr lang="pt-BR" sz="1600" i="1" dirty="0">
+              <a:solidFill>
+                <a:prstClr val="black"/>
+              </a:solidFill>
+              <a:latin typeface="Cambria Math" panose="02040503050406030204" pitchFamily="18" charset="0"/>
+            </a:endParaRPr>
+          </a:p>
+          <a:p>
+            <a:endParaRPr lang="pt-BR" sz="1600" i="1" dirty="0">
+              <a:solidFill>
+                <a:prstClr val="black"/>
+              </a:solidFill>
+              <a:latin typeface="Cambria Math" panose="02040503050406030204" pitchFamily="18" charset="0"/>
+            </a:endParaRPr>
+          </a:p>
+          <a:p>
+            <a:endParaRPr lang="pt-BR" sz="1600" i="1" dirty="0">
+              <a:solidFill>
+                <a:prstClr val="black"/>
+              </a:solidFill>
+              <a:latin typeface="Cambria Math" panose="02040503050406030204" pitchFamily="18" charset="0"/>
+            </a:endParaRPr>
+          </a:p>
+          <a:p>
+            <a:endParaRPr lang="pt-BR" sz="1600" i="1" dirty="0">
+              <a:solidFill>
+                <a:prstClr val="black"/>
+              </a:solidFill>
+              <a:latin typeface="Cambria Math" panose="02040503050406030204" pitchFamily="18" charset="0"/>
+            </a:endParaRPr>
+          </a:p>
+          <a:p>
+            <a:endParaRPr lang="pt-BR" sz="800" dirty="0">
+              <a:solidFill>
+                <a:prstClr val="black"/>
+              </a:solidFill>
+            </a:endParaRPr>
+          </a:p>
+        </p:txBody>
+      </p:sp>
+      <p:pic>
+        <p:nvPicPr>
+          <p:cNvPr id="3" name="Imagem 2"/>
+          <p:cNvPicPr>
+            <a:picLocks noChangeAspect="1"/>
+          </p:cNvPicPr>
+          <p:nvPr/>
+        </p:nvPicPr>
+        <p:blipFill>
+          <a:blip r:embed="rId4"/>
+          <a:stretch>
+            <a:fillRect/>
+          </a:stretch>
+        </p:blipFill>
+        <p:spPr>
+          <a:xfrm>
+            <a:off x="1451006" y="2349755"/>
+            <a:ext cx="6202300" cy="2908759"/>
+          </a:xfrm>
+          <a:prstGeom prst="rect">
+            <a:avLst/>
+          </a:prstGeom>
+        </p:spPr>
+      </p:pic>
     </p:spTree>
     <p:extLst>
       <p:ext uri="{BB962C8B-B14F-4D97-AF65-F5344CB8AC3E}">
-        <p14:creationId xmlns:p14="http://schemas.microsoft.com/office/powerpoint/2010/main" val="317622335"/>
+        <p14:creationId xmlns:p14="http://schemas.microsoft.com/office/powerpoint/2010/main" val="3975785006"/>
       </p:ext>
     </p:extLst>
   </p:cSld>
@@ -15802,21 +16575,739 @@
             <p:ph type="title"/>
           </p:nvPr>
         </p:nvSpPr>
-        <p:spPr/>
+        <p:spPr>
+          <a:xfrm>
+            <a:off x="628650" y="1083288"/>
+            <a:ext cx="7886700" cy="476737"/>
+          </a:xfrm>
+        </p:spPr>
         <p:txBody>
-          <a:bodyPr/>
+          <a:bodyPr>
+            <a:noAutofit/>
+          </a:bodyPr>
           <a:lstStyle/>
           <a:p>
             <a:r>
-              <a:rPr lang="pt-BR" dirty="0"/>
+              <a:rPr lang="pt-BR" sz="2400" b="1" dirty="0"/>
               <a:t>Resultados</a:t>
+            </a:r>
+          </a:p>
+        </p:txBody>
+      </p:sp>
+      <p:pic>
+        <p:nvPicPr>
+          <p:cNvPr id="4" name="Picture 2"/>
+          <p:cNvPicPr>
+            <a:picLocks noChangeAspect="1" noChangeArrowheads="1"/>
+          </p:cNvPicPr>
+          <p:nvPr/>
+        </p:nvPicPr>
+        <p:blipFill>
+          <a:blip r:embed="rId2">
+            <a:extLst>
+              <a:ext uri="{28A0092B-C50C-407E-A947-70E740481C1C}">
+                <a14:useLocalDpi xmlns:a14="http://schemas.microsoft.com/office/drawing/2010/main" val="0"/>
+              </a:ext>
+            </a:extLst>
+          </a:blip>
+          <a:srcRect/>
+          <a:stretch>
+            <a:fillRect/>
+          </a:stretch>
+        </p:blipFill>
+        <p:spPr bwMode="auto">
+          <a:xfrm>
+            <a:off x="74613" y="127000"/>
+            <a:ext cx="1847850" cy="709613"/>
+          </a:xfrm>
+          <a:prstGeom prst="rect">
+            <a:avLst/>
+          </a:prstGeom>
+          <a:noFill/>
+          <a:ln>
+            <a:noFill/>
+          </a:ln>
+          <a:effectLst/>
+          <a:extLst>
+            <a:ext uri="{909E8E84-426E-40DD-AFC4-6F175D3DCCD1}">
+              <a14:hiddenFill xmlns:a14="http://schemas.microsoft.com/office/drawing/2010/main">
+                <a:blipFill dpi="0" rotWithShape="0">
+                  <a:blip/>
+                  <a:srcRect/>
+                  <a:stretch>
+                    <a:fillRect/>
+                  </a:stretch>
+                </a:blipFill>
+              </a14:hiddenFill>
+            </a:ext>
+            <a:ext uri="{91240B29-F687-4F45-9708-019B960494DF}">
+              <a14:hiddenLine xmlns:a14="http://schemas.microsoft.com/office/drawing/2010/main" w="9525">
+                <a:solidFill>
+                  <a:srgbClr val="3465A4"/>
+                </a:solidFill>
+                <a:round/>
+                <a:headEnd/>
+                <a:tailEnd/>
+              </a14:hiddenLine>
+            </a:ext>
+            <a:ext uri="{AF507438-7753-43E0-B8FC-AC1667EBCBE1}">
+              <a14:hiddenEffects xmlns:a14="http://schemas.microsoft.com/office/drawing/2010/main">
+                <a:effectLst>
+                  <a:outerShdw dist="35921" dir="2700000" algn="ctr" rotWithShape="0">
+                    <a:srgbClr val="808080"/>
+                  </a:outerShdw>
+                </a:effectLst>
+              </a14:hiddenEffects>
+            </a:ext>
+          </a:extLst>
+        </p:spPr>
+      </p:pic>
+      <p:pic>
+        <p:nvPicPr>
+          <p:cNvPr id="5" name="Picture 3"/>
+          <p:cNvPicPr>
+            <a:picLocks noChangeAspect="1" noChangeArrowheads="1"/>
+          </p:cNvPicPr>
+          <p:nvPr/>
+        </p:nvPicPr>
+        <p:blipFill>
+          <a:blip r:embed="rId3">
+            <a:extLst>
+              <a:ext uri="{28A0092B-C50C-407E-A947-70E740481C1C}">
+                <a14:useLocalDpi xmlns:a14="http://schemas.microsoft.com/office/drawing/2010/main" val="0"/>
+              </a:ext>
+            </a:extLst>
+          </a:blip>
+          <a:srcRect/>
+          <a:stretch>
+            <a:fillRect/>
+          </a:stretch>
+        </p:blipFill>
+        <p:spPr bwMode="auto">
+          <a:xfrm>
+            <a:off x="7265988" y="146050"/>
+            <a:ext cx="1662112" cy="709613"/>
+          </a:xfrm>
+          <a:prstGeom prst="rect">
+            <a:avLst/>
+          </a:prstGeom>
+          <a:noFill/>
+          <a:ln>
+            <a:noFill/>
+          </a:ln>
+          <a:effectLst/>
+          <a:extLst>
+            <a:ext uri="{909E8E84-426E-40DD-AFC4-6F175D3DCCD1}">
+              <a14:hiddenFill xmlns:a14="http://schemas.microsoft.com/office/drawing/2010/main">
+                <a:blipFill dpi="0" rotWithShape="0">
+                  <a:blip/>
+                  <a:srcRect/>
+                  <a:stretch>
+                    <a:fillRect/>
+                  </a:stretch>
+                </a:blipFill>
+              </a14:hiddenFill>
+            </a:ext>
+            <a:ext uri="{91240B29-F687-4F45-9708-019B960494DF}">
+              <a14:hiddenLine xmlns:a14="http://schemas.microsoft.com/office/drawing/2010/main" w="9525">
+                <a:solidFill>
+                  <a:srgbClr val="3465A4"/>
+                </a:solidFill>
+                <a:round/>
+                <a:headEnd/>
+                <a:tailEnd/>
+              </a14:hiddenLine>
+            </a:ext>
+            <a:ext uri="{AF507438-7753-43E0-B8FC-AC1667EBCBE1}">
+              <a14:hiddenEffects xmlns:a14="http://schemas.microsoft.com/office/drawing/2010/main">
+                <a:effectLst>
+                  <a:outerShdw dist="35921" dir="2700000" algn="ctr" rotWithShape="0">
+                    <a:srgbClr val="808080"/>
+                  </a:outerShdw>
+                </a:effectLst>
+              </a14:hiddenEffects>
+            </a:ext>
+          </a:extLst>
+        </p:spPr>
+      </p:pic>
+      <p:sp>
+        <p:nvSpPr>
+          <p:cNvPr id="6" name="Text Box 4"/>
+          <p:cNvSpPr txBox="1">
+            <a:spLocks noChangeArrowheads="1"/>
+          </p:cNvSpPr>
+          <p:nvPr/>
+        </p:nvSpPr>
+        <p:spPr bwMode="auto">
+          <a:xfrm>
+            <a:off x="1903413" y="1588"/>
+            <a:ext cx="5297487" cy="956288"/>
+          </a:xfrm>
+          <a:prstGeom prst="rect">
+            <a:avLst/>
+          </a:prstGeom>
+          <a:noFill/>
+          <a:ln>
+            <a:noFill/>
+          </a:ln>
+          <a:effectLst/>
+          <a:extLst>
+            <a:ext uri="{909E8E84-426E-40DD-AFC4-6F175D3DCCD1}">
+              <a14:hiddenFill xmlns:a14="http://schemas.microsoft.com/office/drawing/2010/main">
+                <a:solidFill>
+                  <a:srgbClr val="FFFFFF"/>
+                </a:solidFill>
+              </a14:hiddenFill>
+            </a:ext>
+            <a:ext uri="{91240B29-F687-4F45-9708-019B960494DF}">
+              <a14:hiddenLine xmlns:a14="http://schemas.microsoft.com/office/drawing/2010/main" w="9525">
+                <a:solidFill>
+                  <a:srgbClr val="3465A4"/>
+                </a:solidFill>
+                <a:round/>
+                <a:headEnd/>
+                <a:tailEnd/>
+              </a14:hiddenLine>
+            </a:ext>
+            <a:ext uri="{AF507438-7753-43E0-B8FC-AC1667EBCBE1}">
+              <a14:hiddenEffects xmlns:a14="http://schemas.microsoft.com/office/drawing/2010/main">
+                <a:effectLst>
+                  <a:outerShdw dist="35921" dir="2700000" algn="ctr" rotWithShape="0">
+                    <a:srgbClr val="808080"/>
+                  </a:outerShdw>
+                </a:effectLst>
+              </a14:hiddenEffects>
+            </a:ext>
+          </a:extLst>
+        </p:spPr>
+        <p:txBody>
+          <a:bodyPr lIns="90000" tIns="46800" rIns="90000" bIns="46800">
+            <a:spAutoFit/>
+          </a:bodyPr>
+          <a:lstStyle>
+            <a:lvl1pPr>
+              <a:lnSpc>
+                <a:spcPct val="90000"/>
+              </a:lnSpc>
+              <a:spcBef>
+                <a:spcPts val="1000"/>
+              </a:spcBef>
+              <a:buClr>
+                <a:srgbClr val="000000"/>
+              </a:buClr>
+              <a:buSzPct val="100000"/>
+              <a:buFont typeface="Times New Roman" panose="02020603050405020304" pitchFamily="18" charset="0"/>
+              <a:tabLst>
+                <a:tab pos="0" algn="l"/>
+                <a:tab pos="914400" algn="l"/>
+                <a:tab pos="1828800" algn="l"/>
+                <a:tab pos="2743200" algn="l"/>
+                <a:tab pos="3657600" algn="l"/>
+                <a:tab pos="4572000" algn="l"/>
+                <a:tab pos="5486400" algn="l"/>
+                <a:tab pos="6400800" algn="l"/>
+                <a:tab pos="7315200" algn="l"/>
+                <a:tab pos="8229600" algn="l"/>
+                <a:tab pos="9144000" algn="l"/>
+                <a:tab pos="10058400" algn="l"/>
+              </a:tabLst>
+              <a:defRPr sz="2800">
+                <a:solidFill>
+                  <a:srgbClr val="000000"/>
+                </a:solidFill>
+                <a:latin typeface="Calibri" panose="020F0502020204030204" pitchFamily="34" charset="0"/>
+                <a:cs typeface="Droid Sans Fallback" charset="0"/>
+              </a:defRPr>
+            </a:lvl1pPr>
+            <a:lvl2pPr>
+              <a:lnSpc>
+                <a:spcPct val="90000"/>
+              </a:lnSpc>
+              <a:spcBef>
+                <a:spcPts val="500"/>
+              </a:spcBef>
+              <a:buClr>
+                <a:srgbClr val="000000"/>
+              </a:buClr>
+              <a:buSzPct val="100000"/>
+              <a:buFont typeface="Times New Roman" panose="02020603050405020304" pitchFamily="18" charset="0"/>
+              <a:tabLst>
+                <a:tab pos="0" algn="l"/>
+                <a:tab pos="914400" algn="l"/>
+                <a:tab pos="1828800" algn="l"/>
+                <a:tab pos="2743200" algn="l"/>
+                <a:tab pos="3657600" algn="l"/>
+                <a:tab pos="4572000" algn="l"/>
+                <a:tab pos="5486400" algn="l"/>
+                <a:tab pos="6400800" algn="l"/>
+                <a:tab pos="7315200" algn="l"/>
+                <a:tab pos="8229600" algn="l"/>
+                <a:tab pos="9144000" algn="l"/>
+                <a:tab pos="10058400" algn="l"/>
+              </a:tabLst>
+              <a:defRPr sz="2400">
+                <a:solidFill>
+                  <a:srgbClr val="000000"/>
+                </a:solidFill>
+                <a:latin typeface="Calibri" panose="020F0502020204030204" pitchFamily="34" charset="0"/>
+                <a:cs typeface="Droid Sans Fallback" charset="0"/>
+              </a:defRPr>
+            </a:lvl2pPr>
+            <a:lvl3pPr>
+              <a:lnSpc>
+                <a:spcPct val="90000"/>
+              </a:lnSpc>
+              <a:spcBef>
+                <a:spcPts val="500"/>
+              </a:spcBef>
+              <a:buClr>
+                <a:srgbClr val="000000"/>
+              </a:buClr>
+              <a:buSzPct val="100000"/>
+              <a:buFont typeface="Times New Roman" panose="02020603050405020304" pitchFamily="18" charset="0"/>
+              <a:tabLst>
+                <a:tab pos="0" algn="l"/>
+                <a:tab pos="914400" algn="l"/>
+                <a:tab pos="1828800" algn="l"/>
+                <a:tab pos="2743200" algn="l"/>
+                <a:tab pos="3657600" algn="l"/>
+                <a:tab pos="4572000" algn="l"/>
+                <a:tab pos="5486400" algn="l"/>
+                <a:tab pos="6400800" algn="l"/>
+                <a:tab pos="7315200" algn="l"/>
+                <a:tab pos="8229600" algn="l"/>
+                <a:tab pos="9144000" algn="l"/>
+                <a:tab pos="10058400" algn="l"/>
+              </a:tabLst>
+              <a:defRPr sz="2000">
+                <a:solidFill>
+                  <a:srgbClr val="000000"/>
+                </a:solidFill>
+                <a:latin typeface="Calibri" panose="020F0502020204030204" pitchFamily="34" charset="0"/>
+                <a:cs typeface="Droid Sans Fallback" charset="0"/>
+              </a:defRPr>
+            </a:lvl3pPr>
+            <a:lvl4pPr>
+              <a:lnSpc>
+                <a:spcPct val="90000"/>
+              </a:lnSpc>
+              <a:spcBef>
+                <a:spcPts val="500"/>
+              </a:spcBef>
+              <a:buClr>
+                <a:srgbClr val="000000"/>
+              </a:buClr>
+              <a:buSzPct val="100000"/>
+              <a:buFont typeface="Times New Roman" panose="02020603050405020304" pitchFamily="18" charset="0"/>
+              <a:tabLst>
+                <a:tab pos="0" algn="l"/>
+                <a:tab pos="914400" algn="l"/>
+                <a:tab pos="1828800" algn="l"/>
+                <a:tab pos="2743200" algn="l"/>
+                <a:tab pos="3657600" algn="l"/>
+                <a:tab pos="4572000" algn="l"/>
+                <a:tab pos="5486400" algn="l"/>
+                <a:tab pos="6400800" algn="l"/>
+                <a:tab pos="7315200" algn="l"/>
+                <a:tab pos="8229600" algn="l"/>
+                <a:tab pos="9144000" algn="l"/>
+                <a:tab pos="10058400" algn="l"/>
+              </a:tabLst>
+              <a:defRPr>
+                <a:solidFill>
+                  <a:srgbClr val="000000"/>
+                </a:solidFill>
+                <a:latin typeface="Calibri" panose="020F0502020204030204" pitchFamily="34" charset="0"/>
+                <a:cs typeface="Droid Sans Fallback" charset="0"/>
+              </a:defRPr>
+            </a:lvl4pPr>
+            <a:lvl5pPr>
+              <a:lnSpc>
+                <a:spcPct val="90000"/>
+              </a:lnSpc>
+              <a:spcBef>
+                <a:spcPts val="500"/>
+              </a:spcBef>
+              <a:buClr>
+                <a:srgbClr val="000000"/>
+              </a:buClr>
+              <a:buSzPct val="100000"/>
+              <a:buFont typeface="Times New Roman" panose="02020603050405020304" pitchFamily="18" charset="0"/>
+              <a:tabLst>
+                <a:tab pos="0" algn="l"/>
+                <a:tab pos="914400" algn="l"/>
+                <a:tab pos="1828800" algn="l"/>
+                <a:tab pos="2743200" algn="l"/>
+                <a:tab pos="3657600" algn="l"/>
+                <a:tab pos="4572000" algn="l"/>
+                <a:tab pos="5486400" algn="l"/>
+                <a:tab pos="6400800" algn="l"/>
+                <a:tab pos="7315200" algn="l"/>
+                <a:tab pos="8229600" algn="l"/>
+                <a:tab pos="9144000" algn="l"/>
+                <a:tab pos="10058400" algn="l"/>
+              </a:tabLst>
+              <a:defRPr>
+                <a:solidFill>
+                  <a:srgbClr val="000000"/>
+                </a:solidFill>
+                <a:latin typeface="Calibri" panose="020F0502020204030204" pitchFamily="34" charset="0"/>
+                <a:cs typeface="Droid Sans Fallback" charset="0"/>
+              </a:defRPr>
+            </a:lvl5pPr>
+            <a:lvl6pPr marL="2514600" indent="-228600" defTabSz="449263" eaLnBrk="0" fontAlgn="base" hangingPunct="0">
+              <a:lnSpc>
+                <a:spcPct val="90000"/>
+              </a:lnSpc>
+              <a:spcBef>
+                <a:spcPts val="500"/>
+              </a:spcBef>
+              <a:spcAft>
+                <a:spcPct val="0"/>
+              </a:spcAft>
+              <a:buClr>
+                <a:srgbClr val="000000"/>
+              </a:buClr>
+              <a:buSzPct val="100000"/>
+              <a:buFont typeface="Times New Roman" panose="02020603050405020304" pitchFamily="18" charset="0"/>
+              <a:tabLst>
+                <a:tab pos="0" algn="l"/>
+                <a:tab pos="914400" algn="l"/>
+                <a:tab pos="1828800" algn="l"/>
+                <a:tab pos="2743200" algn="l"/>
+                <a:tab pos="3657600" algn="l"/>
+                <a:tab pos="4572000" algn="l"/>
+                <a:tab pos="5486400" algn="l"/>
+                <a:tab pos="6400800" algn="l"/>
+                <a:tab pos="7315200" algn="l"/>
+                <a:tab pos="8229600" algn="l"/>
+                <a:tab pos="9144000" algn="l"/>
+                <a:tab pos="10058400" algn="l"/>
+              </a:tabLst>
+              <a:defRPr>
+                <a:solidFill>
+                  <a:srgbClr val="000000"/>
+                </a:solidFill>
+                <a:latin typeface="Calibri" panose="020F0502020204030204" pitchFamily="34" charset="0"/>
+                <a:cs typeface="Droid Sans Fallback" charset="0"/>
+              </a:defRPr>
+            </a:lvl6pPr>
+            <a:lvl7pPr marL="2971800" indent="-228600" defTabSz="449263" eaLnBrk="0" fontAlgn="base" hangingPunct="0">
+              <a:lnSpc>
+                <a:spcPct val="90000"/>
+              </a:lnSpc>
+              <a:spcBef>
+                <a:spcPts val="500"/>
+              </a:spcBef>
+              <a:spcAft>
+                <a:spcPct val="0"/>
+              </a:spcAft>
+              <a:buClr>
+                <a:srgbClr val="000000"/>
+              </a:buClr>
+              <a:buSzPct val="100000"/>
+              <a:buFont typeface="Times New Roman" panose="02020603050405020304" pitchFamily="18" charset="0"/>
+              <a:tabLst>
+                <a:tab pos="0" algn="l"/>
+                <a:tab pos="914400" algn="l"/>
+                <a:tab pos="1828800" algn="l"/>
+                <a:tab pos="2743200" algn="l"/>
+                <a:tab pos="3657600" algn="l"/>
+                <a:tab pos="4572000" algn="l"/>
+                <a:tab pos="5486400" algn="l"/>
+                <a:tab pos="6400800" algn="l"/>
+                <a:tab pos="7315200" algn="l"/>
+                <a:tab pos="8229600" algn="l"/>
+                <a:tab pos="9144000" algn="l"/>
+                <a:tab pos="10058400" algn="l"/>
+              </a:tabLst>
+              <a:defRPr>
+                <a:solidFill>
+                  <a:srgbClr val="000000"/>
+                </a:solidFill>
+                <a:latin typeface="Calibri" panose="020F0502020204030204" pitchFamily="34" charset="0"/>
+                <a:cs typeface="Droid Sans Fallback" charset="0"/>
+              </a:defRPr>
+            </a:lvl7pPr>
+            <a:lvl8pPr marL="3429000" indent="-228600" defTabSz="449263" eaLnBrk="0" fontAlgn="base" hangingPunct="0">
+              <a:lnSpc>
+                <a:spcPct val="90000"/>
+              </a:lnSpc>
+              <a:spcBef>
+                <a:spcPts val="500"/>
+              </a:spcBef>
+              <a:spcAft>
+                <a:spcPct val="0"/>
+              </a:spcAft>
+              <a:buClr>
+                <a:srgbClr val="000000"/>
+              </a:buClr>
+              <a:buSzPct val="100000"/>
+              <a:buFont typeface="Times New Roman" panose="02020603050405020304" pitchFamily="18" charset="0"/>
+              <a:tabLst>
+                <a:tab pos="0" algn="l"/>
+                <a:tab pos="914400" algn="l"/>
+                <a:tab pos="1828800" algn="l"/>
+                <a:tab pos="2743200" algn="l"/>
+                <a:tab pos="3657600" algn="l"/>
+                <a:tab pos="4572000" algn="l"/>
+                <a:tab pos="5486400" algn="l"/>
+                <a:tab pos="6400800" algn="l"/>
+                <a:tab pos="7315200" algn="l"/>
+                <a:tab pos="8229600" algn="l"/>
+                <a:tab pos="9144000" algn="l"/>
+                <a:tab pos="10058400" algn="l"/>
+              </a:tabLst>
+              <a:defRPr>
+                <a:solidFill>
+                  <a:srgbClr val="000000"/>
+                </a:solidFill>
+                <a:latin typeface="Calibri" panose="020F0502020204030204" pitchFamily="34" charset="0"/>
+                <a:cs typeface="Droid Sans Fallback" charset="0"/>
+              </a:defRPr>
+            </a:lvl8pPr>
+            <a:lvl9pPr marL="3886200" indent="-228600" defTabSz="449263" eaLnBrk="0" fontAlgn="base" hangingPunct="0">
+              <a:lnSpc>
+                <a:spcPct val="90000"/>
+              </a:lnSpc>
+              <a:spcBef>
+                <a:spcPts val="500"/>
+              </a:spcBef>
+              <a:spcAft>
+                <a:spcPct val="0"/>
+              </a:spcAft>
+              <a:buClr>
+                <a:srgbClr val="000000"/>
+              </a:buClr>
+              <a:buSzPct val="100000"/>
+              <a:buFont typeface="Times New Roman" panose="02020603050405020304" pitchFamily="18" charset="0"/>
+              <a:tabLst>
+                <a:tab pos="0" algn="l"/>
+                <a:tab pos="914400" algn="l"/>
+                <a:tab pos="1828800" algn="l"/>
+                <a:tab pos="2743200" algn="l"/>
+                <a:tab pos="3657600" algn="l"/>
+                <a:tab pos="4572000" algn="l"/>
+                <a:tab pos="5486400" algn="l"/>
+                <a:tab pos="6400800" algn="l"/>
+                <a:tab pos="7315200" algn="l"/>
+                <a:tab pos="8229600" algn="l"/>
+                <a:tab pos="9144000" algn="l"/>
+                <a:tab pos="10058400" algn="l"/>
+              </a:tabLst>
+              <a:defRPr>
+                <a:solidFill>
+                  <a:srgbClr val="000000"/>
+                </a:solidFill>
+                <a:latin typeface="Calibri" panose="020F0502020204030204" pitchFamily="34" charset="0"/>
+                <a:cs typeface="Droid Sans Fallback" charset="0"/>
+              </a:defRPr>
+            </a:lvl9pPr>
+          </a:lstStyle>
+          <a:p>
+            <a:pPr algn="ctr">
+              <a:lnSpc>
+                <a:spcPct val="100000"/>
+              </a:lnSpc>
+              <a:spcBef>
+                <a:spcPct val="0"/>
+              </a:spcBef>
+              <a:buClrTx/>
+              <a:buFontTx/>
+              <a:buNone/>
+            </a:pPr>
+            <a:r>
+              <a:rPr lang="pt-BR" altLang="pt-BR" sz="1400" b="1" dirty="0">
+                <a:solidFill>
+                  <a:srgbClr val="7F7F7F"/>
+                </a:solidFill>
+                <a:latin typeface="Times New Roman" panose="02020603050405020304" pitchFamily="18" charset="0"/>
+                <a:cs typeface="Times New Roman" panose="02020603050405020304" pitchFamily="18" charset="0"/>
+              </a:rPr>
+              <a:t>Instituto Tecnológico de Aeronáutica</a:t>
+            </a:r>
+          </a:p>
+          <a:p>
+            <a:pPr algn="ctr">
+              <a:lnSpc>
+                <a:spcPct val="100000"/>
+              </a:lnSpc>
+              <a:spcBef>
+                <a:spcPct val="0"/>
+              </a:spcBef>
+              <a:buClrTx/>
+              <a:buFontTx/>
+              <a:buNone/>
+            </a:pPr>
+            <a:r>
+              <a:rPr lang="pt-BR" altLang="pt-BR" sz="1400" b="1" dirty="0">
+                <a:solidFill>
+                  <a:srgbClr val="7F7F7F"/>
+                </a:solidFill>
+                <a:latin typeface="Times New Roman" panose="02020603050405020304" pitchFamily="18" charset="0"/>
+                <a:cs typeface="Times New Roman" panose="02020603050405020304" pitchFamily="18" charset="0"/>
+              </a:rPr>
+              <a:t>Curso de Mestrado Profissionalizante em Engenharia Aeronáutica</a:t>
+            </a:r>
+          </a:p>
+          <a:p>
+            <a:pPr algn="ctr">
+              <a:lnSpc>
+                <a:spcPct val="100000"/>
+              </a:lnSpc>
+              <a:spcBef>
+                <a:spcPct val="0"/>
+              </a:spcBef>
+              <a:buClrTx/>
+              <a:buFontTx/>
+              <a:buNone/>
+            </a:pPr>
+            <a:r>
+              <a:rPr lang="pt-BR" altLang="pt-BR" sz="1400" b="1" dirty="0">
+                <a:solidFill>
+                  <a:srgbClr val="7F7F7F"/>
+                </a:solidFill>
+                <a:latin typeface="Times New Roman" panose="02020603050405020304" pitchFamily="18" charset="0"/>
+                <a:cs typeface="Times New Roman" panose="02020603050405020304" pitchFamily="18" charset="0"/>
+              </a:rPr>
+              <a:t>Programa de Pós-Graduação em Engenharia Aeronáutica e Mecânica</a:t>
             </a:r>
           </a:p>
         </p:txBody>
       </p:sp>
       <p:sp>
         <p:nvSpPr>
-          <p:cNvPr id="3" name="Espaço Reservado para Conteúdo 2"/>
+          <p:cNvPr id="7" name="Line 7"/>
+          <p:cNvSpPr>
+            <a:spLocks noChangeShapeType="1"/>
+          </p:cNvSpPr>
+          <p:nvPr/>
+        </p:nvSpPr>
+        <p:spPr bwMode="auto">
+          <a:xfrm>
+            <a:off x="507206" y="901215"/>
+            <a:ext cx="8089900" cy="1587"/>
+          </a:xfrm>
+          <a:prstGeom prst="line">
+            <a:avLst/>
+          </a:prstGeom>
+          <a:noFill/>
+          <a:ln w="6480" cap="sq">
+            <a:solidFill>
+              <a:srgbClr val="A5A5A5"/>
+            </a:solidFill>
+            <a:miter lim="800000"/>
+            <a:headEnd/>
+            <a:tailEnd/>
+          </a:ln>
+          <a:effectLst/>
+          <a:extLst>
+            <a:ext uri="{909E8E84-426E-40DD-AFC4-6F175D3DCCD1}">
+              <a14:hiddenFill xmlns:a14="http://schemas.microsoft.com/office/drawing/2010/main">
+                <a:noFill/>
+              </a14:hiddenFill>
+            </a:ext>
+            <a:ext uri="{AF507438-7753-43E0-B8FC-AC1667EBCBE1}">
+              <a14:hiddenEffects xmlns:a14="http://schemas.microsoft.com/office/drawing/2010/main">
+                <a:effectLst>
+                  <a:outerShdw dist="35921" dir="2700000" algn="ctr" rotWithShape="0">
+                    <a:srgbClr val="808080"/>
+                  </a:outerShdw>
+                </a:effectLst>
+              </a14:hiddenEffects>
+            </a:ext>
+          </a:extLst>
+        </p:spPr>
+        <p:txBody>
+          <a:bodyPr/>
+          <a:lstStyle/>
+          <a:p>
+            <a:endParaRPr lang="pt-BR"/>
+          </a:p>
+        </p:txBody>
+      </p:sp>
+      <p:sp>
+        <p:nvSpPr>
+          <p:cNvPr id="8" name="Line 6"/>
+          <p:cNvSpPr>
+            <a:spLocks noChangeShapeType="1"/>
+          </p:cNvSpPr>
+          <p:nvPr/>
+        </p:nvSpPr>
+        <p:spPr bwMode="auto">
+          <a:xfrm>
+            <a:off x="508000" y="6488113"/>
+            <a:ext cx="8089900" cy="1587"/>
+          </a:xfrm>
+          <a:prstGeom prst="line">
+            <a:avLst/>
+          </a:prstGeom>
+          <a:noFill/>
+          <a:ln w="6480" cap="sq">
+            <a:solidFill>
+              <a:srgbClr val="A5A5A5"/>
+            </a:solidFill>
+            <a:miter lim="800000"/>
+            <a:headEnd/>
+            <a:tailEnd/>
+          </a:ln>
+          <a:effectLst/>
+          <a:extLst>
+            <a:ext uri="{909E8E84-426E-40DD-AFC4-6F175D3DCCD1}">
+              <a14:hiddenFill xmlns:a14="http://schemas.microsoft.com/office/drawing/2010/main">
+                <a:noFill/>
+              </a14:hiddenFill>
+            </a:ext>
+            <a:ext uri="{AF507438-7753-43E0-B8FC-AC1667EBCBE1}">
+              <a14:hiddenEffects xmlns:a14="http://schemas.microsoft.com/office/drawing/2010/main">
+                <a:effectLst>
+                  <a:outerShdw dist="35921" dir="2700000" algn="ctr" rotWithShape="0">
+                    <a:srgbClr val="808080"/>
+                  </a:outerShdw>
+                </a:effectLst>
+              </a14:hiddenEffects>
+            </a:ext>
+          </a:extLst>
+        </p:spPr>
+        <p:txBody>
+          <a:bodyPr/>
+          <a:lstStyle/>
+          <a:p>
+            <a:endParaRPr lang="pt-BR"/>
+          </a:p>
+        </p:txBody>
+      </p:sp>
+      <p:sp>
+        <p:nvSpPr>
+          <p:cNvPr id="12" name="Espaço Reservado para Número de Slide 10"/>
+          <p:cNvSpPr>
+            <a:spLocks noGrp="1"/>
+          </p:cNvSpPr>
+          <p:nvPr>
+            <p:ph type="sldNum" sz="quarter" idx="12"/>
+          </p:nvPr>
+        </p:nvSpPr>
+        <p:spPr>
+          <a:xfrm>
+            <a:off x="6870700" y="6487179"/>
+            <a:ext cx="2057400" cy="365125"/>
+          </a:xfrm>
+        </p:spPr>
+        <p:txBody>
+          <a:bodyPr/>
+          <a:lstStyle/>
+          <a:p>
+            <a:fld id="{81005A1F-7AC2-4032-AE25-0D28B304E158}" type="slidenum">
+              <a:rPr lang="pt-BR" smtClean="0"/>
+              <a:t>21</a:t>
+            </a:fld>
+            <a:endParaRPr lang="pt-BR" dirty="0"/>
+          </a:p>
+        </p:txBody>
+      </p:sp>
+      <p:sp>
+        <p:nvSpPr>
+          <p:cNvPr id="17" name="Espaço Reservado para Conteúdo 2"/>
           <p:cNvSpPr>
             <a:spLocks noGrp="1"/>
           </p:cNvSpPr>
@@ -15824,37 +17315,375 @@
             <p:ph idx="1"/>
           </p:nvPr>
         </p:nvSpPr>
-        <p:spPr/>
+        <p:spPr>
+          <a:xfrm>
+            <a:off x="507206" y="1685437"/>
+            <a:ext cx="8089900" cy="4735553"/>
+          </a:xfrm>
+        </p:spPr>
         <p:txBody>
-          <a:bodyPr/>
+          <a:bodyPr>
+            <a:normAutofit/>
+          </a:bodyPr>
           <a:lstStyle/>
           <a:p>
             <a:r>
-              <a:rPr lang="pt-BR" dirty="0"/>
-              <a:t>Inoperante</a:t>
+              <a:rPr lang="pt-BR" sz="2000" dirty="0"/>
+              <a:t>EHA Inoperante</a:t>
             </a:r>
+          </a:p>
+          <a:p>
+            <a:endParaRPr lang="pt-BR" sz="1600" i="1" dirty="0">
+              <a:solidFill>
+                <a:prstClr val="black"/>
+              </a:solidFill>
+              <a:latin typeface="Cambria Math" panose="02040503050406030204" pitchFamily="18" charset="0"/>
+            </a:endParaRPr>
+          </a:p>
+          <a:p>
+            <a:endParaRPr lang="pt-BR" sz="1600" i="1" dirty="0">
+              <a:solidFill>
+                <a:prstClr val="black"/>
+              </a:solidFill>
+              <a:latin typeface="Cambria Math" panose="02040503050406030204" pitchFamily="18" charset="0"/>
+            </a:endParaRPr>
+          </a:p>
+          <a:p>
+            <a:endParaRPr lang="pt-BR" sz="1600" i="1" dirty="0">
+              <a:solidFill>
+                <a:prstClr val="black"/>
+              </a:solidFill>
+              <a:latin typeface="Cambria Math" panose="02040503050406030204" pitchFamily="18" charset="0"/>
+            </a:endParaRPr>
+          </a:p>
+          <a:p>
+            <a:endParaRPr lang="pt-BR" sz="1600" i="1" dirty="0">
+              <a:solidFill>
+                <a:prstClr val="black"/>
+              </a:solidFill>
+              <a:latin typeface="Cambria Math" panose="02040503050406030204" pitchFamily="18" charset="0"/>
+            </a:endParaRPr>
+          </a:p>
+          <a:p>
+            <a:endParaRPr lang="pt-BR" sz="800" dirty="0">
+              <a:solidFill>
+                <a:prstClr val="black"/>
+              </a:solidFill>
+            </a:endParaRPr>
           </a:p>
         </p:txBody>
       </p:sp>
+      <p:grpSp>
+        <p:nvGrpSpPr>
+          <p:cNvPr id="26" name="Agrupar 25"/>
+          <p:cNvGrpSpPr>
+            <a:grpSpLocks noChangeAspect="1"/>
+          </p:cNvGrpSpPr>
+          <p:nvPr/>
+        </p:nvGrpSpPr>
+        <p:grpSpPr>
+          <a:xfrm>
+            <a:off x="144000" y="3053732"/>
+            <a:ext cx="9000000" cy="3381324"/>
+            <a:chOff x="144000" y="2445511"/>
+            <a:chExt cx="9000000" cy="3381324"/>
+          </a:xfrm>
+        </p:grpSpPr>
+        <p:grpSp>
+          <p:nvGrpSpPr>
+            <p:cNvPr id="20" name="Agrupar 19"/>
+            <p:cNvGrpSpPr>
+              <a:grpSpLocks noChangeAspect="1"/>
+            </p:cNvGrpSpPr>
+            <p:nvPr/>
+          </p:nvGrpSpPr>
+          <p:grpSpPr>
+            <a:xfrm>
+              <a:off x="144000" y="4138501"/>
+              <a:ext cx="9000000" cy="1688334"/>
+              <a:chOff x="74613" y="4349366"/>
+              <a:chExt cx="10080000" cy="1890932"/>
+            </a:xfrm>
+          </p:grpSpPr>
+          <p:pic>
+            <p:nvPicPr>
+              <p:cNvPr id="15" name="Imagem 14"/>
+              <p:cNvPicPr>
+                <a:picLocks noChangeAspect="1"/>
+              </p:cNvPicPr>
+              <p:nvPr/>
+            </p:nvPicPr>
+            <p:blipFill>
+              <a:blip r:embed="rId4"/>
+              <a:stretch>
+                <a:fillRect/>
+              </a:stretch>
+            </p:blipFill>
+            <p:spPr>
+              <a:xfrm>
+                <a:off x="74613" y="4349366"/>
+                <a:ext cx="2520000" cy="1890932"/>
+              </a:xfrm>
+              <a:prstGeom prst="rect">
+                <a:avLst/>
+              </a:prstGeom>
+            </p:spPr>
+          </p:pic>
+          <p:pic>
+            <p:nvPicPr>
+              <p:cNvPr id="16" name="Imagem 15"/>
+              <p:cNvPicPr>
+                <a:picLocks noChangeAspect="1"/>
+              </p:cNvPicPr>
+              <p:nvPr/>
+            </p:nvPicPr>
+            <p:blipFill>
+              <a:blip r:embed="rId5"/>
+              <a:stretch>
+                <a:fillRect/>
+              </a:stretch>
+            </p:blipFill>
+            <p:spPr>
+              <a:xfrm>
+                <a:off x="2594613" y="4349366"/>
+                <a:ext cx="2520000" cy="1890932"/>
+              </a:xfrm>
+              <a:prstGeom prst="rect">
+                <a:avLst/>
+              </a:prstGeom>
+            </p:spPr>
+          </p:pic>
+          <p:pic>
+            <p:nvPicPr>
+              <p:cNvPr id="18" name="Imagem 17"/>
+              <p:cNvPicPr>
+                <a:picLocks noChangeAspect="1"/>
+              </p:cNvPicPr>
+              <p:nvPr/>
+            </p:nvPicPr>
+            <p:blipFill>
+              <a:blip r:embed="rId6"/>
+              <a:stretch>
+                <a:fillRect/>
+              </a:stretch>
+            </p:blipFill>
+            <p:spPr>
+              <a:xfrm>
+                <a:off x="5114613" y="4349368"/>
+                <a:ext cx="2520000" cy="1890930"/>
+              </a:xfrm>
+              <a:prstGeom prst="rect">
+                <a:avLst/>
+              </a:prstGeom>
+            </p:spPr>
+          </p:pic>
+          <p:pic>
+            <p:nvPicPr>
+              <p:cNvPr id="19" name="Imagem 18"/>
+              <p:cNvPicPr>
+                <a:picLocks noChangeAspect="1"/>
+              </p:cNvPicPr>
+              <p:nvPr/>
+            </p:nvPicPr>
+            <p:blipFill>
+              <a:blip r:embed="rId7"/>
+              <a:stretch>
+                <a:fillRect/>
+              </a:stretch>
+            </p:blipFill>
+            <p:spPr>
+              <a:xfrm>
+                <a:off x="7634613" y="4349368"/>
+                <a:ext cx="2520000" cy="1890930"/>
+              </a:xfrm>
+              <a:prstGeom prst="rect">
+                <a:avLst/>
+              </a:prstGeom>
+            </p:spPr>
+          </p:pic>
+        </p:grpSp>
+        <p:grpSp>
+          <p:nvGrpSpPr>
+            <p:cNvPr id="25" name="Agrupar 24"/>
+            <p:cNvGrpSpPr>
+              <a:grpSpLocks noChangeAspect="1"/>
+            </p:cNvGrpSpPr>
+            <p:nvPr/>
+          </p:nvGrpSpPr>
+          <p:grpSpPr>
+            <a:xfrm>
+              <a:off x="144000" y="2445511"/>
+              <a:ext cx="9000000" cy="1688332"/>
+              <a:chOff x="144000" y="2247102"/>
+              <a:chExt cx="10080000" cy="1890932"/>
+            </a:xfrm>
+          </p:grpSpPr>
+          <p:pic>
+            <p:nvPicPr>
+              <p:cNvPr id="21" name="Imagem 20"/>
+              <p:cNvPicPr>
+                <a:picLocks noChangeAspect="1"/>
+              </p:cNvPicPr>
+              <p:nvPr/>
+            </p:nvPicPr>
+            <p:blipFill>
+              <a:blip r:embed="rId8"/>
+              <a:stretch>
+                <a:fillRect/>
+              </a:stretch>
+            </p:blipFill>
+            <p:spPr>
+              <a:xfrm>
+                <a:off x="144000" y="2247103"/>
+                <a:ext cx="2520000" cy="1890931"/>
+              </a:xfrm>
+              <a:prstGeom prst="rect">
+                <a:avLst/>
+              </a:prstGeom>
+            </p:spPr>
+          </p:pic>
+          <p:pic>
+            <p:nvPicPr>
+              <p:cNvPr id="22" name="Imagem 21"/>
+              <p:cNvPicPr>
+                <a:picLocks noChangeAspect="1"/>
+              </p:cNvPicPr>
+              <p:nvPr/>
+            </p:nvPicPr>
+            <p:blipFill>
+              <a:blip r:embed="rId9"/>
+              <a:stretch>
+                <a:fillRect/>
+              </a:stretch>
+            </p:blipFill>
+            <p:spPr>
+              <a:xfrm>
+                <a:off x="2664000" y="2247103"/>
+                <a:ext cx="2520000" cy="1890931"/>
+              </a:xfrm>
+              <a:prstGeom prst="rect">
+                <a:avLst/>
+              </a:prstGeom>
+            </p:spPr>
+          </p:pic>
+          <p:pic>
+            <p:nvPicPr>
+              <p:cNvPr id="23" name="Imagem 22"/>
+              <p:cNvPicPr>
+                <a:picLocks noChangeAspect="1"/>
+              </p:cNvPicPr>
+              <p:nvPr/>
+            </p:nvPicPr>
+            <p:blipFill>
+              <a:blip r:embed="rId10"/>
+              <a:stretch>
+                <a:fillRect/>
+              </a:stretch>
+            </p:blipFill>
+            <p:spPr>
+              <a:xfrm>
+                <a:off x="5184000" y="2247103"/>
+                <a:ext cx="2520000" cy="1890931"/>
+              </a:xfrm>
+              <a:prstGeom prst="rect">
+                <a:avLst/>
+              </a:prstGeom>
+            </p:spPr>
+          </p:pic>
+          <p:pic>
+            <p:nvPicPr>
+              <p:cNvPr id="24" name="Imagem 23"/>
+              <p:cNvPicPr>
+                <a:picLocks noChangeAspect="1"/>
+              </p:cNvPicPr>
+              <p:nvPr/>
+            </p:nvPicPr>
+            <p:blipFill>
+              <a:blip r:embed="rId11"/>
+              <a:stretch>
+                <a:fillRect/>
+              </a:stretch>
+            </p:blipFill>
+            <p:spPr>
+              <a:xfrm>
+                <a:off x="7704000" y="2247102"/>
+                <a:ext cx="2520000" cy="1890931"/>
+              </a:xfrm>
+              <a:prstGeom prst="rect">
+                <a:avLst/>
+              </a:prstGeom>
+            </p:spPr>
+          </p:pic>
+        </p:grpSp>
+      </p:grpSp>
+      <p:pic>
+        <p:nvPicPr>
+          <p:cNvPr id="27" name="Imagem 26"/>
+          <p:cNvPicPr>
+            <a:picLocks noChangeAspect="1"/>
+          </p:cNvPicPr>
+          <p:nvPr/>
+        </p:nvPicPr>
+        <p:blipFill>
+          <a:blip r:embed="rId12"/>
+          <a:stretch>
+            <a:fillRect/>
+          </a:stretch>
+        </p:blipFill>
+        <p:spPr>
+          <a:xfrm>
+            <a:off x="3106825" y="1690693"/>
+            <a:ext cx="2890662" cy="1355665"/>
+          </a:xfrm>
+          <a:prstGeom prst="rect">
+            <a:avLst/>
+          </a:prstGeom>
+        </p:spPr>
+      </p:pic>
       <p:sp>
         <p:nvSpPr>
-          <p:cNvPr id="4" name="Espaço Reservado para Número de Slide 3"/>
-          <p:cNvSpPr>
-            <a:spLocks noGrp="1"/>
-          </p:cNvSpPr>
-          <p:nvPr>
-            <p:ph type="sldNum" sz="quarter" idx="12"/>
-          </p:nvPr>
+          <p:cNvPr id="28" name="Retângulo 27"/>
+          <p:cNvSpPr/>
+          <p:nvPr/>
         </p:nvSpPr>
-        <p:spPr/>
+        <p:spPr>
+          <a:xfrm>
+            <a:off x="3339547" y="1894374"/>
+            <a:ext cx="362298" cy="952065"/>
+          </a:xfrm>
+          <a:prstGeom prst="rect">
+            <a:avLst/>
+          </a:prstGeom>
+          <a:solidFill>
+            <a:srgbClr val="4472C4">
+              <a:alpha val="40000"/>
+            </a:srgbClr>
+          </a:solidFill>
+          <a:ln>
+            <a:noFill/>
+          </a:ln>
+        </p:spPr>
+        <p:style>
+          <a:lnRef idx="2">
+            <a:schemeClr val="accent1">
+              <a:shade val="50000"/>
+            </a:schemeClr>
+          </a:lnRef>
+          <a:fillRef idx="1">
+            <a:schemeClr val="accent1"/>
+          </a:fillRef>
+          <a:effectRef idx="0">
+            <a:schemeClr val="accent1"/>
+          </a:effectRef>
+          <a:fontRef idx="minor">
+            <a:schemeClr val="lt1"/>
+          </a:fontRef>
+        </p:style>
         <p:txBody>
-          <a:bodyPr/>
+          <a:bodyPr rtlCol="0" anchor="ctr"/>
           <a:lstStyle/>
           <a:p>
-            <a:fld id="{81005A1F-7AC2-4032-AE25-0D28B304E158}" type="slidenum">
-              <a:rPr lang="pt-BR" smtClean="0"/>
-              <a:t>21</a:t>
-            </a:fld>
+            <a:pPr algn="ctr"/>
             <a:endParaRPr lang="pt-BR"/>
           </a:p>
         </p:txBody>
@@ -15862,7 +17691,7 @@
     </p:spTree>
     <p:extLst>
       <p:ext uri="{BB962C8B-B14F-4D97-AF65-F5344CB8AC3E}">
-        <p14:creationId xmlns:p14="http://schemas.microsoft.com/office/powerpoint/2010/main" val="356346569"/>
+        <p14:creationId xmlns:p14="http://schemas.microsoft.com/office/powerpoint/2010/main" val="341982611"/>
       </p:ext>
     </p:extLst>
   </p:cSld>
@@ -15899,21 +17728,739 @@
             <p:ph type="title"/>
           </p:nvPr>
         </p:nvSpPr>
-        <p:spPr/>
+        <p:spPr>
+          <a:xfrm>
+            <a:off x="628650" y="1083288"/>
+            <a:ext cx="7886700" cy="476737"/>
+          </a:xfrm>
+        </p:spPr>
         <p:txBody>
-          <a:bodyPr/>
+          <a:bodyPr>
+            <a:noAutofit/>
+          </a:bodyPr>
           <a:lstStyle/>
           <a:p>
             <a:r>
-              <a:rPr lang="pt-BR" dirty="0"/>
+              <a:rPr lang="pt-BR" sz="2400" b="1" dirty="0"/>
               <a:t>Resultados</a:t>
+            </a:r>
+          </a:p>
+        </p:txBody>
+      </p:sp>
+      <p:pic>
+        <p:nvPicPr>
+          <p:cNvPr id="4" name="Picture 2"/>
+          <p:cNvPicPr>
+            <a:picLocks noChangeAspect="1" noChangeArrowheads="1"/>
+          </p:cNvPicPr>
+          <p:nvPr/>
+        </p:nvPicPr>
+        <p:blipFill>
+          <a:blip r:embed="rId2">
+            <a:extLst>
+              <a:ext uri="{28A0092B-C50C-407E-A947-70E740481C1C}">
+                <a14:useLocalDpi xmlns:a14="http://schemas.microsoft.com/office/drawing/2010/main" val="0"/>
+              </a:ext>
+            </a:extLst>
+          </a:blip>
+          <a:srcRect/>
+          <a:stretch>
+            <a:fillRect/>
+          </a:stretch>
+        </p:blipFill>
+        <p:spPr bwMode="auto">
+          <a:xfrm>
+            <a:off x="74613" y="127000"/>
+            <a:ext cx="1847850" cy="709613"/>
+          </a:xfrm>
+          <a:prstGeom prst="rect">
+            <a:avLst/>
+          </a:prstGeom>
+          <a:noFill/>
+          <a:ln>
+            <a:noFill/>
+          </a:ln>
+          <a:effectLst/>
+          <a:extLst>
+            <a:ext uri="{909E8E84-426E-40DD-AFC4-6F175D3DCCD1}">
+              <a14:hiddenFill xmlns:a14="http://schemas.microsoft.com/office/drawing/2010/main">
+                <a:blipFill dpi="0" rotWithShape="0">
+                  <a:blip/>
+                  <a:srcRect/>
+                  <a:stretch>
+                    <a:fillRect/>
+                  </a:stretch>
+                </a:blipFill>
+              </a14:hiddenFill>
+            </a:ext>
+            <a:ext uri="{91240B29-F687-4F45-9708-019B960494DF}">
+              <a14:hiddenLine xmlns:a14="http://schemas.microsoft.com/office/drawing/2010/main" w="9525">
+                <a:solidFill>
+                  <a:srgbClr val="3465A4"/>
+                </a:solidFill>
+                <a:round/>
+                <a:headEnd/>
+                <a:tailEnd/>
+              </a14:hiddenLine>
+            </a:ext>
+            <a:ext uri="{AF507438-7753-43E0-B8FC-AC1667EBCBE1}">
+              <a14:hiddenEffects xmlns:a14="http://schemas.microsoft.com/office/drawing/2010/main">
+                <a:effectLst>
+                  <a:outerShdw dist="35921" dir="2700000" algn="ctr" rotWithShape="0">
+                    <a:srgbClr val="808080"/>
+                  </a:outerShdw>
+                </a:effectLst>
+              </a14:hiddenEffects>
+            </a:ext>
+          </a:extLst>
+        </p:spPr>
+      </p:pic>
+      <p:pic>
+        <p:nvPicPr>
+          <p:cNvPr id="5" name="Picture 3"/>
+          <p:cNvPicPr>
+            <a:picLocks noChangeAspect="1" noChangeArrowheads="1"/>
+          </p:cNvPicPr>
+          <p:nvPr/>
+        </p:nvPicPr>
+        <p:blipFill>
+          <a:blip r:embed="rId3">
+            <a:extLst>
+              <a:ext uri="{28A0092B-C50C-407E-A947-70E740481C1C}">
+                <a14:useLocalDpi xmlns:a14="http://schemas.microsoft.com/office/drawing/2010/main" val="0"/>
+              </a:ext>
+            </a:extLst>
+          </a:blip>
+          <a:srcRect/>
+          <a:stretch>
+            <a:fillRect/>
+          </a:stretch>
+        </p:blipFill>
+        <p:spPr bwMode="auto">
+          <a:xfrm>
+            <a:off x="7265988" y="146050"/>
+            <a:ext cx="1662112" cy="709613"/>
+          </a:xfrm>
+          <a:prstGeom prst="rect">
+            <a:avLst/>
+          </a:prstGeom>
+          <a:noFill/>
+          <a:ln>
+            <a:noFill/>
+          </a:ln>
+          <a:effectLst/>
+          <a:extLst>
+            <a:ext uri="{909E8E84-426E-40DD-AFC4-6F175D3DCCD1}">
+              <a14:hiddenFill xmlns:a14="http://schemas.microsoft.com/office/drawing/2010/main">
+                <a:blipFill dpi="0" rotWithShape="0">
+                  <a:blip/>
+                  <a:srcRect/>
+                  <a:stretch>
+                    <a:fillRect/>
+                  </a:stretch>
+                </a:blipFill>
+              </a14:hiddenFill>
+            </a:ext>
+            <a:ext uri="{91240B29-F687-4F45-9708-019B960494DF}">
+              <a14:hiddenLine xmlns:a14="http://schemas.microsoft.com/office/drawing/2010/main" w="9525">
+                <a:solidFill>
+                  <a:srgbClr val="3465A4"/>
+                </a:solidFill>
+                <a:round/>
+                <a:headEnd/>
+                <a:tailEnd/>
+              </a14:hiddenLine>
+            </a:ext>
+            <a:ext uri="{AF507438-7753-43E0-B8FC-AC1667EBCBE1}">
+              <a14:hiddenEffects xmlns:a14="http://schemas.microsoft.com/office/drawing/2010/main">
+                <a:effectLst>
+                  <a:outerShdw dist="35921" dir="2700000" algn="ctr" rotWithShape="0">
+                    <a:srgbClr val="808080"/>
+                  </a:outerShdw>
+                </a:effectLst>
+              </a14:hiddenEffects>
+            </a:ext>
+          </a:extLst>
+        </p:spPr>
+      </p:pic>
+      <p:sp>
+        <p:nvSpPr>
+          <p:cNvPr id="6" name="Text Box 4"/>
+          <p:cNvSpPr txBox="1">
+            <a:spLocks noChangeArrowheads="1"/>
+          </p:cNvSpPr>
+          <p:nvPr/>
+        </p:nvSpPr>
+        <p:spPr bwMode="auto">
+          <a:xfrm>
+            <a:off x="1903413" y="1588"/>
+            <a:ext cx="5297487" cy="956288"/>
+          </a:xfrm>
+          <a:prstGeom prst="rect">
+            <a:avLst/>
+          </a:prstGeom>
+          <a:noFill/>
+          <a:ln>
+            <a:noFill/>
+          </a:ln>
+          <a:effectLst/>
+          <a:extLst>
+            <a:ext uri="{909E8E84-426E-40DD-AFC4-6F175D3DCCD1}">
+              <a14:hiddenFill xmlns:a14="http://schemas.microsoft.com/office/drawing/2010/main">
+                <a:solidFill>
+                  <a:srgbClr val="FFFFFF"/>
+                </a:solidFill>
+              </a14:hiddenFill>
+            </a:ext>
+            <a:ext uri="{91240B29-F687-4F45-9708-019B960494DF}">
+              <a14:hiddenLine xmlns:a14="http://schemas.microsoft.com/office/drawing/2010/main" w="9525">
+                <a:solidFill>
+                  <a:srgbClr val="3465A4"/>
+                </a:solidFill>
+                <a:round/>
+                <a:headEnd/>
+                <a:tailEnd/>
+              </a14:hiddenLine>
+            </a:ext>
+            <a:ext uri="{AF507438-7753-43E0-B8FC-AC1667EBCBE1}">
+              <a14:hiddenEffects xmlns:a14="http://schemas.microsoft.com/office/drawing/2010/main">
+                <a:effectLst>
+                  <a:outerShdw dist="35921" dir="2700000" algn="ctr" rotWithShape="0">
+                    <a:srgbClr val="808080"/>
+                  </a:outerShdw>
+                </a:effectLst>
+              </a14:hiddenEffects>
+            </a:ext>
+          </a:extLst>
+        </p:spPr>
+        <p:txBody>
+          <a:bodyPr lIns="90000" tIns="46800" rIns="90000" bIns="46800">
+            <a:spAutoFit/>
+          </a:bodyPr>
+          <a:lstStyle>
+            <a:lvl1pPr>
+              <a:lnSpc>
+                <a:spcPct val="90000"/>
+              </a:lnSpc>
+              <a:spcBef>
+                <a:spcPts val="1000"/>
+              </a:spcBef>
+              <a:buClr>
+                <a:srgbClr val="000000"/>
+              </a:buClr>
+              <a:buSzPct val="100000"/>
+              <a:buFont typeface="Times New Roman" panose="02020603050405020304" pitchFamily="18" charset="0"/>
+              <a:tabLst>
+                <a:tab pos="0" algn="l"/>
+                <a:tab pos="914400" algn="l"/>
+                <a:tab pos="1828800" algn="l"/>
+                <a:tab pos="2743200" algn="l"/>
+                <a:tab pos="3657600" algn="l"/>
+                <a:tab pos="4572000" algn="l"/>
+                <a:tab pos="5486400" algn="l"/>
+                <a:tab pos="6400800" algn="l"/>
+                <a:tab pos="7315200" algn="l"/>
+                <a:tab pos="8229600" algn="l"/>
+                <a:tab pos="9144000" algn="l"/>
+                <a:tab pos="10058400" algn="l"/>
+              </a:tabLst>
+              <a:defRPr sz="2800">
+                <a:solidFill>
+                  <a:srgbClr val="000000"/>
+                </a:solidFill>
+                <a:latin typeface="Calibri" panose="020F0502020204030204" pitchFamily="34" charset="0"/>
+                <a:cs typeface="Droid Sans Fallback" charset="0"/>
+              </a:defRPr>
+            </a:lvl1pPr>
+            <a:lvl2pPr>
+              <a:lnSpc>
+                <a:spcPct val="90000"/>
+              </a:lnSpc>
+              <a:spcBef>
+                <a:spcPts val="500"/>
+              </a:spcBef>
+              <a:buClr>
+                <a:srgbClr val="000000"/>
+              </a:buClr>
+              <a:buSzPct val="100000"/>
+              <a:buFont typeface="Times New Roman" panose="02020603050405020304" pitchFamily="18" charset="0"/>
+              <a:tabLst>
+                <a:tab pos="0" algn="l"/>
+                <a:tab pos="914400" algn="l"/>
+                <a:tab pos="1828800" algn="l"/>
+                <a:tab pos="2743200" algn="l"/>
+                <a:tab pos="3657600" algn="l"/>
+                <a:tab pos="4572000" algn="l"/>
+                <a:tab pos="5486400" algn="l"/>
+                <a:tab pos="6400800" algn="l"/>
+                <a:tab pos="7315200" algn="l"/>
+                <a:tab pos="8229600" algn="l"/>
+                <a:tab pos="9144000" algn="l"/>
+                <a:tab pos="10058400" algn="l"/>
+              </a:tabLst>
+              <a:defRPr sz="2400">
+                <a:solidFill>
+                  <a:srgbClr val="000000"/>
+                </a:solidFill>
+                <a:latin typeface="Calibri" panose="020F0502020204030204" pitchFamily="34" charset="0"/>
+                <a:cs typeface="Droid Sans Fallback" charset="0"/>
+              </a:defRPr>
+            </a:lvl2pPr>
+            <a:lvl3pPr>
+              <a:lnSpc>
+                <a:spcPct val="90000"/>
+              </a:lnSpc>
+              <a:spcBef>
+                <a:spcPts val="500"/>
+              </a:spcBef>
+              <a:buClr>
+                <a:srgbClr val="000000"/>
+              </a:buClr>
+              <a:buSzPct val="100000"/>
+              <a:buFont typeface="Times New Roman" panose="02020603050405020304" pitchFamily="18" charset="0"/>
+              <a:tabLst>
+                <a:tab pos="0" algn="l"/>
+                <a:tab pos="914400" algn="l"/>
+                <a:tab pos="1828800" algn="l"/>
+                <a:tab pos="2743200" algn="l"/>
+                <a:tab pos="3657600" algn="l"/>
+                <a:tab pos="4572000" algn="l"/>
+                <a:tab pos="5486400" algn="l"/>
+                <a:tab pos="6400800" algn="l"/>
+                <a:tab pos="7315200" algn="l"/>
+                <a:tab pos="8229600" algn="l"/>
+                <a:tab pos="9144000" algn="l"/>
+                <a:tab pos="10058400" algn="l"/>
+              </a:tabLst>
+              <a:defRPr sz="2000">
+                <a:solidFill>
+                  <a:srgbClr val="000000"/>
+                </a:solidFill>
+                <a:latin typeface="Calibri" panose="020F0502020204030204" pitchFamily="34" charset="0"/>
+                <a:cs typeface="Droid Sans Fallback" charset="0"/>
+              </a:defRPr>
+            </a:lvl3pPr>
+            <a:lvl4pPr>
+              <a:lnSpc>
+                <a:spcPct val="90000"/>
+              </a:lnSpc>
+              <a:spcBef>
+                <a:spcPts val="500"/>
+              </a:spcBef>
+              <a:buClr>
+                <a:srgbClr val="000000"/>
+              </a:buClr>
+              <a:buSzPct val="100000"/>
+              <a:buFont typeface="Times New Roman" panose="02020603050405020304" pitchFamily="18" charset="0"/>
+              <a:tabLst>
+                <a:tab pos="0" algn="l"/>
+                <a:tab pos="914400" algn="l"/>
+                <a:tab pos="1828800" algn="l"/>
+                <a:tab pos="2743200" algn="l"/>
+                <a:tab pos="3657600" algn="l"/>
+                <a:tab pos="4572000" algn="l"/>
+                <a:tab pos="5486400" algn="l"/>
+                <a:tab pos="6400800" algn="l"/>
+                <a:tab pos="7315200" algn="l"/>
+                <a:tab pos="8229600" algn="l"/>
+                <a:tab pos="9144000" algn="l"/>
+                <a:tab pos="10058400" algn="l"/>
+              </a:tabLst>
+              <a:defRPr>
+                <a:solidFill>
+                  <a:srgbClr val="000000"/>
+                </a:solidFill>
+                <a:latin typeface="Calibri" panose="020F0502020204030204" pitchFamily="34" charset="0"/>
+                <a:cs typeface="Droid Sans Fallback" charset="0"/>
+              </a:defRPr>
+            </a:lvl4pPr>
+            <a:lvl5pPr>
+              <a:lnSpc>
+                <a:spcPct val="90000"/>
+              </a:lnSpc>
+              <a:spcBef>
+                <a:spcPts val="500"/>
+              </a:spcBef>
+              <a:buClr>
+                <a:srgbClr val="000000"/>
+              </a:buClr>
+              <a:buSzPct val="100000"/>
+              <a:buFont typeface="Times New Roman" panose="02020603050405020304" pitchFamily="18" charset="0"/>
+              <a:tabLst>
+                <a:tab pos="0" algn="l"/>
+                <a:tab pos="914400" algn="l"/>
+                <a:tab pos="1828800" algn="l"/>
+                <a:tab pos="2743200" algn="l"/>
+                <a:tab pos="3657600" algn="l"/>
+                <a:tab pos="4572000" algn="l"/>
+                <a:tab pos="5486400" algn="l"/>
+                <a:tab pos="6400800" algn="l"/>
+                <a:tab pos="7315200" algn="l"/>
+                <a:tab pos="8229600" algn="l"/>
+                <a:tab pos="9144000" algn="l"/>
+                <a:tab pos="10058400" algn="l"/>
+              </a:tabLst>
+              <a:defRPr>
+                <a:solidFill>
+                  <a:srgbClr val="000000"/>
+                </a:solidFill>
+                <a:latin typeface="Calibri" panose="020F0502020204030204" pitchFamily="34" charset="0"/>
+                <a:cs typeface="Droid Sans Fallback" charset="0"/>
+              </a:defRPr>
+            </a:lvl5pPr>
+            <a:lvl6pPr marL="2514600" indent="-228600" defTabSz="449263" eaLnBrk="0" fontAlgn="base" hangingPunct="0">
+              <a:lnSpc>
+                <a:spcPct val="90000"/>
+              </a:lnSpc>
+              <a:spcBef>
+                <a:spcPts val="500"/>
+              </a:spcBef>
+              <a:spcAft>
+                <a:spcPct val="0"/>
+              </a:spcAft>
+              <a:buClr>
+                <a:srgbClr val="000000"/>
+              </a:buClr>
+              <a:buSzPct val="100000"/>
+              <a:buFont typeface="Times New Roman" panose="02020603050405020304" pitchFamily="18" charset="0"/>
+              <a:tabLst>
+                <a:tab pos="0" algn="l"/>
+                <a:tab pos="914400" algn="l"/>
+                <a:tab pos="1828800" algn="l"/>
+                <a:tab pos="2743200" algn="l"/>
+                <a:tab pos="3657600" algn="l"/>
+                <a:tab pos="4572000" algn="l"/>
+                <a:tab pos="5486400" algn="l"/>
+                <a:tab pos="6400800" algn="l"/>
+                <a:tab pos="7315200" algn="l"/>
+                <a:tab pos="8229600" algn="l"/>
+                <a:tab pos="9144000" algn="l"/>
+                <a:tab pos="10058400" algn="l"/>
+              </a:tabLst>
+              <a:defRPr>
+                <a:solidFill>
+                  <a:srgbClr val="000000"/>
+                </a:solidFill>
+                <a:latin typeface="Calibri" panose="020F0502020204030204" pitchFamily="34" charset="0"/>
+                <a:cs typeface="Droid Sans Fallback" charset="0"/>
+              </a:defRPr>
+            </a:lvl6pPr>
+            <a:lvl7pPr marL="2971800" indent="-228600" defTabSz="449263" eaLnBrk="0" fontAlgn="base" hangingPunct="0">
+              <a:lnSpc>
+                <a:spcPct val="90000"/>
+              </a:lnSpc>
+              <a:spcBef>
+                <a:spcPts val="500"/>
+              </a:spcBef>
+              <a:spcAft>
+                <a:spcPct val="0"/>
+              </a:spcAft>
+              <a:buClr>
+                <a:srgbClr val="000000"/>
+              </a:buClr>
+              <a:buSzPct val="100000"/>
+              <a:buFont typeface="Times New Roman" panose="02020603050405020304" pitchFamily="18" charset="0"/>
+              <a:tabLst>
+                <a:tab pos="0" algn="l"/>
+                <a:tab pos="914400" algn="l"/>
+                <a:tab pos="1828800" algn="l"/>
+                <a:tab pos="2743200" algn="l"/>
+                <a:tab pos="3657600" algn="l"/>
+                <a:tab pos="4572000" algn="l"/>
+                <a:tab pos="5486400" algn="l"/>
+                <a:tab pos="6400800" algn="l"/>
+                <a:tab pos="7315200" algn="l"/>
+                <a:tab pos="8229600" algn="l"/>
+                <a:tab pos="9144000" algn="l"/>
+                <a:tab pos="10058400" algn="l"/>
+              </a:tabLst>
+              <a:defRPr>
+                <a:solidFill>
+                  <a:srgbClr val="000000"/>
+                </a:solidFill>
+                <a:latin typeface="Calibri" panose="020F0502020204030204" pitchFamily="34" charset="0"/>
+                <a:cs typeface="Droid Sans Fallback" charset="0"/>
+              </a:defRPr>
+            </a:lvl7pPr>
+            <a:lvl8pPr marL="3429000" indent="-228600" defTabSz="449263" eaLnBrk="0" fontAlgn="base" hangingPunct="0">
+              <a:lnSpc>
+                <a:spcPct val="90000"/>
+              </a:lnSpc>
+              <a:spcBef>
+                <a:spcPts val="500"/>
+              </a:spcBef>
+              <a:spcAft>
+                <a:spcPct val="0"/>
+              </a:spcAft>
+              <a:buClr>
+                <a:srgbClr val="000000"/>
+              </a:buClr>
+              <a:buSzPct val="100000"/>
+              <a:buFont typeface="Times New Roman" panose="02020603050405020304" pitchFamily="18" charset="0"/>
+              <a:tabLst>
+                <a:tab pos="0" algn="l"/>
+                <a:tab pos="914400" algn="l"/>
+                <a:tab pos="1828800" algn="l"/>
+                <a:tab pos="2743200" algn="l"/>
+                <a:tab pos="3657600" algn="l"/>
+                <a:tab pos="4572000" algn="l"/>
+                <a:tab pos="5486400" algn="l"/>
+                <a:tab pos="6400800" algn="l"/>
+                <a:tab pos="7315200" algn="l"/>
+                <a:tab pos="8229600" algn="l"/>
+                <a:tab pos="9144000" algn="l"/>
+                <a:tab pos="10058400" algn="l"/>
+              </a:tabLst>
+              <a:defRPr>
+                <a:solidFill>
+                  <a:srgbClr val="000000"/>
+                </a:solidFill>
+                <a:latin typeface="Calibri" panose="020F0502020204030204" pitchFamily="34" charset="0"/>
+                <a:cs typeface="Droid Sans Fallback" charset="0"/>
+              </a:defRPr>
+            </a:lvl8pPr>
+            <a:lvl9pPr marL="3886200" indent="-228600" defTabSz="449263" eaLnBrk="0" fontAlgn="base" hangingPunct="0">
+              <a:lnSpc>
+                <a:spcPct val="90000"/>
+              </a:lnSpc>
+              <a:spcBef>
+                <a:spcPts val="500"/>
+              </a:spcBef>
+              <a:spcAft>
+                <a:spcPct val="0"/>
+              </a:spcAft>
+              <a:buClr>
+                <a:srgbClr val="000000"/>
+              </a:buClr>
+              <a:buSzPct val="100000"/>
+              <a:buFont typeface="Times New Roman" panose="02020603050405020304" pitchFamily="18" charset="0"/>
+              <a:tabLst>
+                <a:tab pos="0" algn="l"/>
+                <a:tab pos="914400" algn="l"/>
+                <a:tab pos="1828800" algn="l"/>
+                <a:tab pos="2743200" algn="l"/>
+                <a:tab pos="3657600" algn="l"/>
+                <a:tab pos="4572000" algn="l"/>
+                <a:tab pos="5486400" algn="l"/>
+                <a:tab pos="6400800" algn="l"/>
+                <a:tab pos="7315200" algn="l"/>
+                <a:tab pos="8229600" algn="l"/>
+                <a:tab pos="9144000" algn="l"/>
+                <a:tab pos="10058400" algn="l"/>
+              </a:tabLst>
+              <a:defRPr>
+                <a:solidFill>
+                  <a:srgbClr val="000000"/>
+                </a:solidFill>
+                <a:latin typeface="Calibri" panose="020F0502020204030204" pitchFamily="34" charset="0"/>
+                <a:cs typeface="Droid Sans Fallback" charset="0"/>
+              </a:defRPr>
+            </a:lvl9pPr>
+          </a:lstStyle>
+          <a:p>
+            <a:pPr algn="ctr">
+              <a:lnSpc>
+                <a:spcPct val="100000"/>
+              </a:lnSpc>
+              <a:spcBef>
+                <a:spcPct val="0"/>
+              </a:spcBef>
+              <a:buClrTx/>
+              <a:buFontTx/>
+              <a:buNone/>
+            </a:pPr>
+            <a:r>
+              <a:rPr lang="pt-BR" altLang="pt-BR" sz="1400" b="1" dirty="0">
+                <a:solidFill>
+                  <a:srgbClr val="7F7F7F"/>
+                </a:solidFill>
+                <a:latin typeface="Times New Roman" panose="02020603050405020304" pitchFamily="18" charset="0"/>
+                <a:cs typeface="Times New Roman" panose="02020603050405020304" pitchFamily="18" charset="0"/>
+              </a:rPr>
+              <a:t>Instituto Tecnológico de Aeronáutica</a:t>
+            </a:r>
+          </a:p>
+          <a:p>
+            <a:pPr algn="ctr">
+              <a:lnSpc>
+                <a:spcPct val="100000"/>
+              </a:lnSpc>
+              <a:spcBef>
+                <a:spcPct val="0"/>
+              </a:spcBef>
+              <a:buClrTx/>
+              <a:buFontTx/>
+              <a:buNone/>
+            </a:pPr>
+            <a:r>
+              <a:rPr lang="pt-BR" altLang="pt-BR" sz="1400" b="1" dirty="0">
+                <a:solidFill>
+                  <a:srgbClr val="7F7F7F"/>
+                </a:solidFill>
+                <a:latin typeface="Times New Roman" panose="02020603050405020304" pitchFamily="18" charset="0"/>
+                <a:cs typeface="Times New Roman" panose="02020603050405020304" pitchFamily="18" charset="0"/>
+              </a:rPr>
+              <a:t>Curso de Mestrado Profissionalizante em Engenharia Aeronáutica</a:t>
+            </a:r>
+          </a:p>
+          <a:p>
+            <a:pPr algn="ctr">
+              <a:lnSpc>
+                <a:spcPct val="100000"/>
+              </a:lnSpc>
+              <a:spcBef>
+                <a:spcPct val="0"/>
+              </a:spcBef>
+              <a:buClrTx/>
+              <a:buFontTx/>
+              <a:buNone/>
+            </a:pPr>
+            <a:r>
+              <a:rPr lang="pt-BR" altLang="pt-BR" sz="1400" b="1" dirty="0">
+                <a:solidFill>
+                  <a:srgbClr val="7F7F7F"/>
+                </a:solidFill>
+                <a:latin typeface="Times New Roman" panose="02020603050405020304" pitchFamily="18" charset="0"/>
+                <a:cs typeface="Times New Roman" panose="02020603050405020304" pitchFamily="18" charset="0"/>
+              </a:rPr>
+              <a:t>Programa de Pós-Graduação em Engenharia Aeronáutica e Mecânica</a:t>
             </a:r>
           </a:p>
         </p:txBody>
       </p:sp>
       <p:sp>
         <p:nvSpPr>
-          <p:cNvPr id="3" name="Espaço Reservado para Conteúdo 2"/>
+          <p:cNvPr id="7" name="Line 7"/>
+          <p:cNvSpPr>
+            <a:spLocks noChangeShapeType="1"/>
+          </p:cNvSpPr>
+          <p:nvPr/>
+        </p:nvSpPr>
+        <p:spPr bwMode="auto">
+          <a:xfrm>
+            <a:off x="507206" y="901215"/>
+            <a:ext cx="8089900" cy="1587"/>
+          </a:xfrm>
+          <a:prstGeom prst="line">
+            <a:avLst/>
+          </a:prstGeom>
+          <a:noFill/>
+          <a:ln w="6480" cap="sq">
+            <a:solidFill>
+              <a:srgbClr val="A5A5A5"/>
+            </a:solidFill>
+            <a:miter lim="800000"/>
+            <a:headEnd/>
+            <a:tailEnd/>
+          </a:ln>
+          <a:effectLst/>
+          <a:extLst>
+            <a:ext uri="{909E8E84-426E-40DD-AFC4-6F175D3DCCD1}">
+              <a14:hiddenFill xmlns:a14="http://schemas.microsoft.com/office/drawing/2010/main">
+                <a:noFill/>
+              </a14:hiddenFill>
+            </a:ext>
+            <a:ext uri="{AF507438-7753-43E0-B8FC-AC1667EBCBE1}">
+              <a14:hiddenEffects xmlns:a14="http://schemas.microsoft.com/office/drawing/2010/main">
+                <a:effectLst>
+                  <a:outerShdw dist="35921" dir="2700000" algn="ctr" rotWithShape="0">
+                    <a:srgbClr val="808080"/>
+                  </a:outerShdw>
+                </a:effectLst>
+              </a14:hiddenEffects>
+            </a:ext>
+          </a:extLst>
+        </p:spPr>
+        <p:txBody>
+          <a:bodyPr/>
+          <a:lstStyle/>
+          <a:p>
+            <a:endParaRPr lang="pt-BR"/>
+          </a:p>
+        </p:txBody>
+      </p:sp>
+      <p:sp>
+        <p:nvSpPr>
+          <p:cNvPr id="8" name="Line 6"/>
+          <p:cNvSpPr>
+            <a:spLocks noChangeShapeType="1"/>
+          </p:cNvSpPr>
+          <p:nvPr/>
+        </p:nvSpPr>
+        <p:spPr bwMode="auto">
+          <a:xfrm>
+            <a:off x="508000" y="6488113"/>
+            <a:ext cx="8089900" cy="1587"/>
+          </a:xfrm>
+          <a:prstGeom prst="line">
+            <a:avLst/>
+          </a:prstGeom>
+          <a:noFill/>
+          <a:ln w="6480" cap="sq">
+            <a:solidFill>
+              <a:srgbClr val="A5A5A5"/>
+            </a:solidFill>
+            <a:miter lim="800000"/>
+            <a:headEnd/>
+            <a:tailEnd/>
+          </a:ln>
+          <a:effectLst/>
+          <a:extLst>
+            <a:ext uri="{909E8E84-426E-40DD-AFC4-6F175D3DCCD1}">
+              <a14:hiddenFill xmlns:a14="http://schemas.microsoft.com/office/drawing/2010/main">
+                <a:noFill/>
+              </a14:hiddenFill>
+            </a:ext>
+            <a:ext uri="{AF507438-7753-43E0-B8FC-AC1667EBCBE1}">
+              <a14:hiddenEffects xmlns:a14="http://schemas.microsoft.com/office/drawing/2010/main">
+                <a:effectLst>
+                  <a:outerShdw dist="35921" dir="2700000" algn="ctr" rotWithShape="0">
+                    <a:srgbClr val="808080"/>
+                  </a:outerShdw>
+                </a:effectLst>
+              </a14:hiddenEffects>
+            </a:ext>
+          </a:extLst>
+        </p:spPr>
+        <p:txBody>
+          <a:bodyPr/>
+          <a:lstStyle/>
+          <a:p>
+            <a:endParaRPr lang="pt-BR"/>
+          </a:p>
+        </p:txBody>
+      </p:sp>
+      <p:sp>
+        <p:nvSpPr>
+          <p:cNvPr id="12" name="Espaço Reservado para Número de Slide 10"/>
+          <p:cNvSpPr>
+            <a:spLocks noGrp="1"/>
+          </p:cNvSpPr>
+          <p:nvPr>
+            <p:ph type="sldNum" sz="quarter" idx="12"/>
+          </p:nvPr>
+        </p:nvSpPr>
+        <p:spPr>
+          <a:xfrm>
+            <a:off x="6870700" y="6487179"/>
+            <a:ext cx="2057400" cy="365125"/>
+          </a:xfrm>
+        </p:spPr>
+        <p:txBody>
+          <a:bodyPr/>
+          <a:lstStyle/>
+          <a:p>
+            <a:fld id="{81005A1F-7AC2-4032-AE25-0D28B304E158}" type="slidenum">
+              <a:rPr lang="pt-BR" smtClean="0"/>
+              <a:t>22</a:t>
+            </a:fld>
+            <a:endParaRPr lang="pt-BR" dirty="0"/>
+          </a:p>
+        </p:txBody>
+      </p:sp>
+      <p:sp>
+        <p:nvSpPr>
+          <p:cNvPr id="17" name="Espaço Reservado para Conteúdo 2"/>
           <p:cNvSpPr>
             <a:spLocks noGrp="1"/>
           </p:cNvSpPr>
@@ -15921,37 +18468,375 @@
             <p:ph idx="1"/>
           </p:nvPr>
         </p:nvSpPr>
-        <p:spPr/>
+        <p:spPr>
+          <a:xfrm>
+            <a:off x="507206" y="1685437"/>
+            <a:ext cx="8089900" cy="4735553"/>
+          </a:xfrm>
+        </p:spPr>
         <p:txBody>
-          <a:bodyPr/>
+          <a:bodyPr>
+            <a:normAutofit/>
+          </a:bodyPr>
           <a:lstStyle/>
           <a:p>
             <a:r>
-              <a:rPr lang="pt-BR" dirty="0"/>
-              <a:t>Máxima Carga</a:t>
+              <a:rPr lang="pt-BR" sz="2000" dirty="0"/>
+              <a:t>Corrente Máxima</a:t>
             </a:r>
+          </a:p>
+          <a:p>
+            <a:endParaRPr lang="pt-BR" sz="1600" i="1" dirty="0">
+              <a:solidFill>
+                <a:prstClr val="black"/>
+              </a:solidFill>
+              <a:latin typeface="Cambria Math" panose="02040503050406030204" pitchFamily="18" charset="0"/>
+            </a:endParaRPr>
+          </a:p>
+          <a:p>
+            <a:endParaRPr lang="pt-BR" sz="1600" i="1" dirty="0">
+              <a:solidFill>
+                <a:prstClr val="black"/>
+              </a:solidFill>
+              <a:latin typeface="Cambria Math" panose="02040503050406030204" pitchFamily="18" charset="0"/>
+            </a:endParaRPr>
+          </a:p>
+          <a:p>
+            <a:endParaRPr lang="pt-BR" sz="1600" i="1" dirty="0">
+              <a:solidFill>
+                <a:prstClr val="black"/>
+              </a:solidFill>
+              <a:latin typeface="Cambria Math" panose="02040503050406030204" pitchFamily="18" charset="0"/>
+            </a:endParaRPr>
+          </a:p>
+          <a:p>
+            <a:endParaRPr lang="pt-BR" sz="1600" i="1" dirty="0">
+              <a:solidFill>
+                <a:prstClr val="black"/>
+              </a:solidFill>
+              <a:latin typeface="Cambria Math" panose="02040503050406030204" pitchFamily="18" charset="0"/>
+            </a:endParaRPr>
+          </a:p>
+          <a:p>
+            <a:endParaRPr lang="pt-BR" sz="800" dirty="0">
+              <a:solidFill>
+                <a:prstClr val="black"/>
+              </a:solidFill>
+            </a:endParaRPr>
           </a:p>
         </p:txBody>
       </p:sp>
+      <p:grpSp>
+        <p:nvGrpSpPr>
+          <p:cNvPr id="20" name="Agrupar 19"/>
+          <p:cNvGrpSpPr>
+            <a:grpSpLocks noChangeAspect="1"/>
+          </p:cNvGrpSpPr>
+          <p:nvPr/>
+        </p:nvGrpSpPr>
+        <p:grpSpPr>
+          <a:xfrm>
+            <a:off x="144000" y="3057088"/>
+            <a:ext cx="9000000" cy="3376665"/>
+            <a:chOff x="144000" y="2364879"/>
+            <a:chExt cx="9000000" cy="3376665"/>
+          </a:xfrm>
+        </p:grpSpPr>
+        <p:grpSp>
+          <p:nvGrpSpPr>
+            <p:cNvPr id="13" name="Agrupar 12"/>
+            <p:cNvGrpSpPr>
+              <a:grpSpLocks noChangeAspect="1"/>
+            </p:cNvGrpSpPr>
+            <p:nvPr/>
+          </p:nvGrpSpPr>
+          <p:grpSpPr>
+            <a:xfrm>
+              <a:off x="144000" y="4053213"/>
+              <a:ext cx="9000000" cy="1688331"/>
+              <a:chOff x="-143141" y="2638506"/>
+              <a:chExt cx="10080000" cy="1890931"/>
+            </a:xfrm>
+          </p:grpSpPr>
+          <p:pic>
+            <p:nvPicPr>
+              <p:cNvPr id="3" name="Imagem 2"/>
+              <p:cNvPicPr>
+                <a:picLocks noChangeAspect="1"/>
+              </p:cNvPicPr>
+              <p:nvPr/>
+            </p:nvPicPr>
+            <p:blipFill>
+              <a:blip r:embed="rId4"/>
+              <a:stretch>
+                <a:fillRect/>
+              </a:stretch>
+            </p:blipFill>
+            <p:spPr>
+              <a:xfrm>
+                <a:off x="-143141" y="2638506"/>
+                <a:ext cx="2520000" cy="1890931"/>
+              </a:xfrm>
+              <a:prstGeom prst="rect">
+                <a:avLst/>
+              </a:prstGeom>
+            </p:spPr>
+          </p:pic>
+          <p:pic>
+            <p:nvPicPr>
+              <p:cNvPr id="9" name="Imagem 8"/>
+              <p:cNvPicPr>
+                <a:picLocks noChangeAspect="1"/>
+              </p:cNvPicPr>
+              <p:nvPr/>
+            </p:nvPicPr>
+            <p:blipFill>
+              <a:blip r:embed="rId5"/>
+              <a:stretch>
+                <a:fillRect/>
+              </a:stretch>
+            </p:blipFill>
+            <p:spPr>
+              <a:xfrm>
+                <a:off x="2376859" y="2638506"/>
+                <a:ext cx="2520000" cy="1890931"/>
+              </a:xfrm>
+              <a:prstGeom prst="rect">
+                <a:avLst/>
+              </a:prstGeom>
+            </p:spPr>
+          </p:pic>
+          <p:pic>
+            <p:nvPicPr>
+              <p:cNvPr id="10" name="Imagem 9"/>
+              <p:cNvPicPr>
+                <a:picLocks noChangeAspect="1"/>
+              </p:cNvPicPr>
+              <p:nvPr/>
+            </p:nvPicPr>
+            <p:blipFill>
+              <a:blip r:embed="rId6"/>
+              <a:stretch>
+                <a:fillRect/>
+              </a:stretch>
+            </p:blipFill>
+            <p:spPr>
+              <a:xfrm>
+                <a:off x="4896859" y="2638506"/>
+                <a:ext cx="2520000" cy="1890931"/>
+              </a:xfrm>
+              <a:prstGeom prst="rect">
+                <a:avLst/>
+              </a:prstGeom>
+            </p:spPr>
+          </p:pic>
+          <p:pic>
+            <p:nvPicPr>
+              <p:cNvPr id="11" name="Imagem 10"/>
+              <p:cNvPicPr>
+                <a:picLocks noChangeAspect="1"/>
+              </p:cNvPicPr>
+              <p:nvPr/>
+            </p:nvPicPr>
+            <p:blipFill>
+              <a:blip r:embed="rId7"/>
+              <a:stretch>
+                <a:fillRect/>
+              </a:stretch>
+            </p:blipFill>
+            <p:spPr>
+              <a:xfrm>
+                <a:off x="7416859" y="2638506"/>
+                <a:ext cx="2520000" cy="1890930"/>
+              </a:xfrm>
+              <a:prstGeom prst="rect">
+                <a:avLst/>
+              </a:prstGeom>
+            </p:spPr>
+          </p:pic>
+        </p:grpSp>
+        <p:grpSp>
+          <p:nvGrpSpPr>
+            <p:cNvPr id="19" name="Agrupar 18"/>
+            <p:cNvGrpSpPr>
+              <a:grpSpLocks noChangeAspect="1"/>
+            </p:cNvGrpSpPr>
+            <p:nvPr/>
+          </p:nvGrpSpPr>
+          <p:grpSpPr>
+            <a:xfrm>
+              <a:off x="144000" y="2364879"/>
+              <a:ext cx="9000000" cy="1688333"/>
+              <a:chOff x="-195414" y="2036868"/>
+              <a:chExt cx="10080000" cy="1890933"/>
+            </a:xfrm>
+          </p:grpSpPr>
+          <p:pic>
+            <p:nvPicPr>
+              <p:cNvPr id="14" name="Imagem 13"/>
+              <p:cNvPicPr>
+                <a:picLocks noChangeAspect="1"/>
+              </p:cNvPicPr>
+              <p:nvPr/>
+            </p:nvPicPr>
+            <p:blipFill>
+              <a:blip r:embed="rId8"/>
+              <a:stretch>
+                <a:fillRect/>
+              </a:stretch>
+            </p:blipFill>
+            <p:spPr>
+              <a:xfrm>
+                <a:off x="-195414" y="2036870"/>
+                <a:ext cx="2520000" cy="1890931"/>
+              </a:xfrm>
+              <a:prstGeom prst="rect">
+                <a:avLst/>
+              </a:prstGeom>
+            </p:spPr>
+          </p:pic>
+          <p:pic>
+            <p:nvPicPr>
+              <p:cNvPr id="15" name="Imagem 14"/>
+              <p:cNvPicPr>
+                <a:picLocks noChangeAspect="1"/>
+              </p:cNvPicPr>
+              <p:nvPr/>
+            </p:nvPicPr>
+            <p:blipFill>
+              <a:blip r:embed="rId9"/>
+              <a:stretch>
+                <a:fillRect/>
+              </a:stretch>
+            </p:blipFill>
+            <p:spPr>
+              <a:xfrm>
+                <a:off x="2324586" y="2036870"/>
+                <a:ext cx="2520000" cy="1890931"/>
+              </a:xfrm>
+              <a:prstGeom prst="rect">
+                <a:avLst/>
+              </a:prstGeom>
+            </p:spPr>
+          </p:pic>
+          <p:pic>
+            <p:nvPicPr>
+              <p:cNvPr id="16" name="Imagem 15"/>
+              <p:cNvPicPr>
+                <a:picLocks noChangeAspect="1"/>
+              </p:cNvPicPr>
+              <p:nvPr/>
+            </p:nvPicPr>
+            <p:blipFill>
+              <a:blip r:embed="rId10"/>
+              <a:stretch>
+                <a:fillRect/>
+              </a:stretch>
+            </p:blipFill>
+            <p:spPr>
+              <a:xfrm>
+                <a:off x="4844586" y="2036869"/>
+                <a:ext cx="2520000" cy="1890931"/>
+              </a:xfrm>
+              <a:prstGeom prst="rect">
+                <a:avLst/>
+              </a:prstGeom>
+            </p:spPr>
+          </p:pic>
+          <p:pic>
+            <p:nvPicPr>
+              <p:cNvPr id="18" name="Imagem 17"/>
+              <p:cNvPicPr>
+                <a:picLocks noChangeAspect="1"/>
+              </p:cNvPicPr>
+              <p:nvPr/>
+            </p:nvPicPr>
+            <p:blipFill>
+              <a:blip r:embed="rId11"/>
+              <a:stretch>
+                <a:fillRect/>
+              </a:stretch>
+            </p:blipFill>
+            <p:spPr>
+              <a:xfrm>
+                <a:off x="7364586" y="2036868"/>
+                <a:ext cx="2520000" cy="1890931"/>
+              </a:xfrm>
+              <a:prstGeom prst="rect">
+                <a:avLst/>
+              </a:prstGeom>
+            </p:spPr>
+          </p:pic>
+        </p:grpSp>
+      </p:grpSp>
+      <p:pic>
+        <p:nvPicPr>
+          <p:cNvPr id="21" name="Imagem 20"/>
+          <p:cNvPicPr>
+            <a:picLocks noChangeAspect="1"/>
+          </p:cNvPicPr>
+          <p:nvPr/>
+        </p:nvPicPr>
+        <p:blipFill>
+          <a:blip r:embed="rId12"/>
+          <a:stretch>
+            <a:fillRect/>
+          </a:stretch>
+        </p:blipFill>
+        <p:spPr>
+          <a:xfrm>
+            <a:off x="3106825" y="1690693"/>
+            <a:ext cx="2890662" cy="1355665"/>
+          </a:xfrm>
+          <a:prstGeom prst="rect">
+            <a:avLst/>
+          </a:prstGeom>
+        </p:spPr>
+      </p:pic>
       <p:sp>
         <p:nvSpPr>
-          <p:cNvPr id="4" name="Espaço Reservado para Número de Slide 3"/>
-          <p:cNvSpPr>
-            <a:spLocks noGrp="1"/>
-          </p:cNvSpPr>
-          <p:nvPr>
-            <p:ph type="sldNum" sz="quarter" idx="12"/>
-          </p:nvPr>
+          <p:cNvPr id="22" name="Retângulo 21"/>
+          <p:cNvSpPr/>
+          <p:nvPr/>
         </p:nvSpPr>
-        <p:spPr/>
+        <p:spPr>
+          <a:xfrm>
+            <a:off x="3700883" y="1892492"/>
+            <a:ext cx="738382" cy="952065"/>
+          </a:xfrm>
+          <a:prstGeom prst="rect">
+            <a:avLst/>
+          </a:prstGeom>
+          <a:solidFill>
+            <a:srgbClr val="4472C4">
+              <a:alpha val="40000"/>
+            </a:srgbClr>
+          </a:solidFill>
+          <a:ln>
+            <a:noFill/>
+          </a:ln>
+        </p:spPr>
+        <p:style>
+          <a:lnRef idx="2">
+            <a:schemeClr val="accent1">
+              <a:shade val="50000"/>
+            </a:schemeClr>
+          </a:lnRef>
+          <a:fillRef idx="1">
+            <a:schemeClr val="accent1"/>
+          </a:fillRef>
+          <a:effectRef idx="0">
+            <a:schemeClr val="accent1"/>
+          </a:effectRef>
+          <a:fontRef idx="minor">
+            <a:schemeClr val="lt1"/>
+          </a:fontRef>
+        </p:style>
         <p:txBody>
-          <a:bodyPr/>
+          <a:bodyPr rtlCol="0" anchor="ctr"/>
           <a:lstStyle/>
           <a:p>
-            <a:fld id="{81005A1F-7AC2-4032-AE25-0D28B304E158}" type="slidenum">
-              <a:rPr lang="pt-BR" smtClean="0"/>
-              <a:t>22</a:t>
-            </a:fld>
+            <a:pPr algn="ctr"/>
             <a:endParaRPr lang="pt-BR"/>
           </a:p>
         </p:txBody>
@@ -15959,7 +18844,7 @@
     </p:spTree>
     <p:extLst>
       <p:ext uri="{BB962C8B-B14F-4D97-AF65-F5344CB8AC3E}">
-        <p14:creationId xmlns:p14="http://schemas.microsoft.com/office/powerpoint/2010/main" val="3087304663"/>
+        <p14:creationId xmlns:p14="http://schemas.microsoft.com/office/powerpoint/2010/main" val="993725474"/>
       </p:ext>
     </p:extLst>
   </p:cSld>
@@ -15996,21 +18881,739 @@
             <p:ph type="title"/>
           </p:nvPr>
         </p:nvSpPr>
-        <p:spPr/>
+        <p:spPr>
+          <a:xfrm>
+            <a:off x="628650" y="1083288"/>
+            <a:ext cx="7886700" cy="476737"/>
+          </a:xfrm>
+        </p:spPr>
         <p:txBody>
-          <a:bodyPr/>
+          <a:bodyPr>
+            <a:noAutofit/>
+          </a:bodyPr>
           <a:lstStyle/>
           <a:p>
             <a:r>
-              <a:rPr lang="pt-BR" dirty="0"/>
+              <a:rPr lang="pt-BR" sz="2400" b="1" dirty="0"/>
               <a:t>Resultados</a:t>
+            </a:r>
+          </a:p>
+        </p:txBody>
+      </p:sp>
+      <p:pic>
+        <p:nvPicPr>
+          <p:cNvPr id="4" name="Picture 2"/>
+          <p:cNvPicPr>
+            <a:picLocks noChangeAspect="1" noChangeArrowheads="1"/>
+          </p:cNvPicPr>
+          <p:nvPr/>
+        </p:nvPicPr>
+        <p:blipFill>
+          <a:blip r:embed="rId2">
+            <a:extLst>
+              <a:ext uri="{28A0092B-C50C-407E-A947-70E740481C1C}">
+                <a14:useLocalDpi xmlns:a14="http://schemas.microsoft.com/office/drawing/2010/main" val="0"/>
+              </a:ext>
+            </a:extLst>
+          </a:blip>
+          <a:srcRect/>
+          <a:stretch>
+            <a:fillRect/>
+          </a:stretch>
+        </p:blipFill>
+        <p:spPr bwMode="auto">
+          <a:xfrm>
+            <a:off x="74613" y="127000"/>
+            <a:ext cx="1847850" cy="709613"/>
+          </a:xfrm>
+          <a:prstGeom prst="rect">
+            <a:avLst/>
+          </a:prstGeom>
+          <a:noFill/>
+          <a:ln>
+            <a:noFill/>
+          </a:ln>
+          <a:effectLst/>
+          <a:extLst>
+            <a:ext uri="{909E8E84-426E-40DD-AFC4-6F175D3DCCD1}">
+              <a14:hiddenFill xmlns:a14="http://schemas.microsoft.com/office/drawing/2010/main">
+                <a:blipFill dpi="0" rotWithShape="0">
+                  <a:blip/>
+                  <a:srcRect/>
+                  <a:stretch>
+                    <a:fillRect/>
+                  </a:stretch>
+                </a:blipFill>
+              </a14:hiddenFill>
+            </a:ext>
+            <a:ext uri="{91240B29-F687-4F45-9708-019B960494DF}">
+              <a14:hiddenLine xmlns:a14="http://schemas.microsoft.com/office/drawing/2010/main" w="9525">
+                <a:solidFill>
+                  <a:srgbClr val="3465A4"/>
+                </a:solidFill>
+                <a:round/>
+                <a:headEnd/>
+                <a:tailEnd/>
+              </a14:hiddenLine>
+            </a:ext>
+            <a:ext uri="{AF507438-7753-43E0-B8FC-AC1667EBCBE1}">
+              <a14:hiddenEffects xmlns:a14="http://schemas.microsoft.com/office/drawing/2010/main">
+                <a:effectLst>
+                  <a:outerShdw dist="35921" dir="2700000" algn="ctr" rotWithShape="0">
+                    <a:srgbClr val="808080"/>
+                  </a:outerShdw>
+                </a:effectLst>
+              </a14:hiddenEffects>
+            </a:ext>
+          </a:extLst>
+        </p:spPr>
+      </p:pic>
+      <p:pic>
+        <p:nvPicPr>
+          <p:cNvPr id="5" name="Picture 3"/>
+          <p:cNvPicPr>
+            <a:picLocks noChangeAspect="1" noChangeArrowheads="1"/>
+          </p:cNvPicPr>
+          <p:nvPr/>
+        </p:nvPicPr>
+        <p:blipFill>
+          <a:blip r:embed="rId3">
+            <a:extLst>
+              <a:ext uri="{28A0092B-C50C-407E-A947-70E740481C1C}">
+                <a14:useLocalDpi xmlns:a14="http://schemas.microsoft.com/office/drawing/2010/main" val="0"/>
+              </a:ext>
+            </a:extLst>
+          </a:blip>
+          <a:srcRect/>
+          <a:stretch>
+            <a:fillRect/>
+          </a:stretch>
+        </p:blipFill>
+        <p:spPr bwMode="auto">
+          <a:xfrm>
+            <a:off x="7265988" y="146050"/>
+            <a:ext cx="1662112" cy="709613"/>
+          </a:xfrm>
+          <a:prstGeom prst="rect">
+            <a:avLst/>
+          </a:prstGeom>
+          <a:noFill/>
+          <a:ln>
+            <a:noFill/>
+          </a:ln>
+          <a:effectLst/>
+          <a:extLst>
+            <a:ext uri="{909E8E84-426E-40DD-AFC4-6F175D3DCCD1}">
+              <a14:hiddenFill xmlns:a14="http://schemas.microsoft.com/office/drawing/2010/main">
+                <a:blipFill dpi="0" rotWithShape="0">
+                  <a:blip/>
+                  <a:srcRect/>
+                  <a:stretch>
+                    <a:fillRect/>
+                  </a:stretch>
+                </a:blipFill>
+              </a14:hiddenFill>
+            </a:ext>
+            <a:ext uri="{91240B29-F687-4F45-9708-019B960494DF}">
+              <a14:hiddenLine xmlns:a14="http://schemas.microsoft.com/office/drawing/2010/main" w="9525">
+                <a:solidFill>
+                  <a:srgbClr val="3465A4"/>
+                </a:solidFill>
+                <a:round/>
+                <a:headEnd/>
+                <a:tailEnd/>
+              </a14:hiddenLine>
+            </a:ext>
+            <a:ext uri="{AF507438-7753-43E0-B8FC-AC1667EBCBE1}">
+              <a14:hiddenEffects xmlns:a14="http://schemas.microsoft.com/office/drawing/2010/main">
+                <a:effectLst>
+                  <a:outerShdw dist="35921" dir="2700000" algn="ctr" rotWithShape="0">
+                    <a:srgbClr val="808080"/>
+                  </a:outerShdw>
+                </a:effectLst>
+              </a14:hiddenEffects>
+            </a:ext>
+          </a:extLst>
+        </p:spPr>
+      </p:pic>
+      <p:sp>
+        <p:nvSpPr>
+          <p:cNvPr id="6" name="Text Box 4"/>
+          <p:cNvSpPr txBox="1">
+            <a:spLocks noChangeArrowheads="1"/>
+          </p:cNvSpPr>
+          <p:nvPr/>
+        </p:nvSpPr>
+        <p:spPr bwMode="auto">
+          <a:xfrm>
+            <a:off x="1903413" y="1588"/>
+            <a:ext cx="5297487" cy="956288"/>
+          </a:xfrm>
+          <a:prstGeom prst="rect">
+            <a:avLst/>
+          </a:prstGeom>
+          <a:noFill/>
+          <a:ln>
+            <a:noFill/>
+          </a:ln>
+          <a:effectLst/>
+          <a:extLst>
+            <a:ext uri="{909E8E84-426E-40DD-AFC4-6F175D3DCCD1}">
+              <a14:hiddenFill xmlns:a14="http://schemas.microsoft.com/office/drawing/2010/main">
+                <a:solidFill>
+                  <a:srgbClr val="FFFFFF"/>
+                </a:solidFill>
+              </a14:hiddenFill>
+            </a:ext>
+            <a:ext uri="{91240B29-F687-4F45-9708-019B960494DF}">
+              <a14:hiddenLine xmlns:a14="http://schemas.microsoft.com/office/drawing/2010/main" w="9525">
+                <a:solidFill>
+                  <a:srgbClr val="3465A4"/>
+                </a:solidFill>
+                <a:round/>
+                <a:headEnd/>
+                <a:tailEnd/>
+              </a14:hiddenLine>
+            </a:ext>
+            <a:ext uri="{AF507438-7753-43E0-B8FC-AC1667EBCBE1}">
+              <a14:hiddenEffects xmlns:a14="http://schemas.microsoft.com/office/drawing/2010/main">
+                <a:effectLst>
+                  <a:outerShdw dist="35921" dir="2700000" algn="ctr" rotWithShape="0">
+                    <a:srgbClr val="808080"/>
+                  </a:outerShdw>
+                </a:effectLst>
+              </a14:hiddenEffects>
+            </a:ext>
+          </a:extLst>
+        </p:spPr>
+        <p:txBody>
+          <a:bodyPr lIns="90000" tIns="46800" rIns="90000" bIns="46800">
+            <a:spAutoFit/>
+          </a:bodyPr>
+          <a:lstStyle>
+            <a:lvl1pPr>
+              <a:lnSpc>
+                <a:spcPct val="90000"/>
+              </a:lnSpc>
+              <a:spcBef>
+                <a:spcPts val="1000"/>
+              </a:spcBef>
+              <a:buClr>
+                <a:srgbClr val="000000"/>
+              </a:buClr>
+              <a:buSzPct val="100000"/>
+              <a:buFont typeface="Times New Roman" panose="02020603050405020304" pitchFamily="18" charset="0"/>
+              <a:tabLst>
+                <a:tab pos="0" algn="l"/>
+                <a:tab pos="914400" algn="l"/>
+                <a:tab pos="1828800" algn="l"/>
+                <a:tab pos="2743200" algn="l"/>
+                <a:tab pos="3657600" algn="l"/>
+                <a:tab pos="4572000" algn="l"/>
+                <a:tab pos="5486400" algn="l"/>
+                <a:tab pos="6400800" algn="l"/>
+                <a:tab pos="7315200" algn="l"/>
+                <a:tab pos="8229600" algn="l"/>
+                <a:tab pos="9144000" algn="l"/>
+                <a:tab pos="10058400" algn="l"/>
+              </a:tabLst>
+              <a:defRPr sz="2800">
+                <a:solidFill>
+                  <a:srgbClr val="000000"/>
+                </a:solidFill>
+                <a:latin typeface="Calibri" panose="020F0502020204030204" pitchFamily="34" charset="0"/>
+                <a:cs typeface="Droid Sans Fallback" charset="0"/>
+              </a:defRPr>
+            </a:lvl1pPr>
+            <a:lvl2pPr>
+              <a:lnSpc>
+                <a:spcPct val="90000"/>
+              </a:lnSpc>
+              <a:spcBef>
+                <a:spcPts val="500"/>
+              </a:spcBef>
+              <a:buClr>
+                <a:srgbClr val="000000"/>
+              </a:buClr>
+              <a:buSzPct val="100000"/>
+              <a:buFont typeface="Times New Roman" panose="02020603050405020304" pitchFamily="18" charset="0"/>
+              <a:tabLst>
+                <a:tab pos="0" algn="l"/>
+                <a:tab pos="914400" algn="l"/>
+                <a:tab pos="1828800" algn="l"/>
+                <a:tab pos="2743200" algn="l"/>
+                <a:tab pos="3657600" algn="l"/>
+                <a:tab pos="4572000" algn="l"/>
+                <a:tab pos="5486400" algn="l"/>
+                <a:tab pos="6400800" algn="l"/>
+                <a:tab pos="7315200" algn="l"/>
+                <a:tab pos="8229600" algn="l"/>
+                <a:tab pos="9144000" algn="l"/>
+                <a:tab pos="10058400" algn="l"/>
+              </a:tabLst>
+              <a:defRPr sz="2400">
+                <a:solidFill>
+                  <a:srgbClr val="000000"/>
+                </a:solidFill>
+                <a:latin typeface="Calibri" panose="020F0502020204030204" pitchFamily="34" charset="0"/>
+                <a:cs typeface="Droid Sans Fallback" charset="0"/>
+              </a:defRPr>
+            </a:lvl2pPr>
+            <a:lvl3pPr>
+              <a:lnSpc>
+                <a:spcPct val="90000"/>
+              </a:lnSpc>
+              <a:spcBef>
+                <a:spcPts val="500"/>
+              </a:spcBef>
+              <a:buClr>
+                <a:srgbClr val="000000"/>
+              </a:buClr>
+              <a:buSzPct val="100000"/>
+              <a:buFont typeface="Times New Roman" panose="02020603050405020304" pitchFamily="18" charset="0"/>
+              <a:tabLst>
+                <a:tab pos="0" algn="l"/>
+                <a:tab pos="914400" algn="l"/>
+                <a:tab pos="1828800" algn="l"/>
+                <a:tab pos="2743200" algn="l"/>
+                <a:tab pos="3657600" algn="l"/>
+                <a:tab pos="4572000" algn="l"/>
+                <a:tab pos="5486400" algn="l"/>
+                <a:tab pos="6400800" algn="l"/>
+                <a:tab pos="7315200" algn="l"/>
+                <a:tab pos="8229600" algn="l"/>
+                <a:tab pos="9144000" algn="l"/>
+                <a:tab pos="10058400" algn="l"/>
+              </a:tabLst>
+              <a:defRPr sz="2000">
+                <a:solidFill>
+                  <a:srgbClr val="000000"/>
+                </a:solidFill>
+                <a:latin typeface="Calibri" panose="020F0502020204030204" pitchFamily="34" charset="0"/>
+                <a:cs typeface="Droid Sans Fallback" charset="0"/>
+              </a:defRPr>
+            </a:lvl3pPr>
+            <a:lvl4pPr>
+              <a:lnSpc>
+                <a:spcPct val="90000"/>
+              </a:lnSpc>
+              <a:spcBef>
+                <a:spcPts val="500"/>
+              </a:spcBef>
+              <a:buClr>
+                <a:srgbClr val="000000"/>
+              </a:buClr>
+              <a:buSzPct val="100000"/>
+              <a:buFont typeface="Times New Roman" panose="02020603050405020304" pitchFamily="18" charset="0"/>
+              <a:tabLst>
+                <a:tab pos="0" algn="l"/>
+                <a:tab pos="914400" algn="l"/>
+                <a:tab pos="1828800" algn="l"/>
+                <a:tab pos="2743200" algn="l"/>
+                <a:tab pos="3657600" algn="l"/>
+                <a:tab pos="4572000" algn="l"/>
+                <a:tab pos="5486400" algn="l"/>
+                <a:tab pos="6400800" algn="l"/>
+                <a:tab pos="7315200" algn="l"/>
+                <a:tab pos="8229600" algn="l"/>
+                <a:tab pos="9144000" algn="l"/>
+                <a:tab pos="10058400" algn="l"/>
+              </a:tabLst>
+              <a:defRPr>
+                <a:solidFill>
+                  <a:srgbClr val="000000"/>
+                </a:solidFill>
+                <a:latin typeface="Calibri" panose="020F0502020204030204" pitchFamily="34" charset="0"/>
+                <a:cs typeface="Droid Sans Fallback" charset="0"/>
+              </a:defRPr>
+            </a:lvl4pPr>
+            <a:lvl5pPr>
+              <a:lnSpc>
+                <a:spcPct val="90000"/>
+              </a:lnSpc>
+              <a:spcBef>
+                <a:spcPts val="500"/>
+              </a:spcBef>
+              <a:buClr>
+                <a:srgbClr val="000000"/>
+              </a:buClr>
+              <a:buSzPct val="100000"/>
+              <a:buFont typeface="Times New Roman" panose="02020603050405020304" pitchFamily="18" charset="0"/>
+              <a:tabLst>
+                <a:tab pos="0" algn="l"/>
+                <a:tab pos="914400" algn="l"/>
+                <a:tab pos="1828800" algn="l"/>
+                <a:tab pos="2743200" algn="l"/>
+                <a:tab pos="3657600" algn="l"/>
+                <a:tab pos="4572000" algn="l"/>
+                <a:tab pos="5486400" algn="l"/>
+                <a:tab pos="6400800" algn="l"/>
+                <a:tab pos="7315200" algn="l"/>
+                <a:tab pos="8229600" algn="l"/>
+                <a:tab pos="9144000" algn="l"/>
+                <a:tab pos="10058400" algn="l"/>
+              </a:tabLst>
+              <a:defRPr>
+                <a:solidFill>
+                  <a:srgbClr val="000000"/>
+                </a:solidFill>
+                <a:latin typeface="Calibri" panose="020F0502020204030204" pitchFamily="34" charset="0"/>
+                <a:cs typeface="Droid Sans Fallback" charset="0"/>
+              </a:defRPr>
+            </a:lvl5pPr>
+            <a:lvl6pPr marL="2514600" indent="-228600" defTabSz="449263" eaLnBrk="0" fontAlgn="base" hangingPunct="0">
+              <a:lnSpc>
+                <a:spcPct val="90000"/>
+              </a:lnSpc>
+              <a:spcBef>
+                <a:spcPts val="500"/>
+              </a:spcBef>
+              <a:spcAft>
+                <a:spcPct val="0"/>
+              </a:spcAft>
+              <a:buClr>
+                <a:srgbClr val="000000"/>
+              </a:buClr>
+              <a:buSzPct val="100000"/>
+              <a:buFont typeface="Times New Roman" panose="02020603050405020304" pitchFamily="18" charset="0"/>
+              <a:tabLst>
+                <a:tab pos="0" algn="l"/>
+                <a:tab pos="914400" algn="l"/>
+                <a:tab pos="1828800" algn="l"/>
+                <a:tab pos="2743200" algn="l"/>
+                <a:tab pos="3657600" algn="l"/>
+                <a:tab pos="4572000" algn="l"/>
+                <a:tab pos="5486400" algn="l"/>
+                <a:tab pos="6400800" algn="l"/>
+                <a:tab pos="7315200" algn="l"/>
+                <a:tab pos="8229600" algn="l"/>
+                <a:tab pos="9144000" algn="l"/>
+                <a:tab pos="10058400" algn="l"/>
+              </a:tabLst>
+              <a:defRPr>
+                <a:solidFill>
+                  <a:srgbClr val="000000"/>
+                </a:solidFill>
+                <a:latin typeface="Calibri" panose="020F0502020204030204" pitchFamily="34" charset="0"/>
+                <a:cs typeface="Droid Sans Fallback" charset="0"/>
+              </a:defRPr>
+            </a:lvl6pPr>
+            <a:lvl7pPr marL="2971800" indent="-228600" defTabSz="449263" eaLnBrk="0" fontAlgn="base" hangingPunct="0">
+              <a:lnSpc>
+                <a:spcPct val="90000"/>
+              </a:lnSpc>
+              <a:spcBef>
+                <a:spcPts val="500"/>
+              </a:spcBef>
+              <a:spcAft>
+                <a:spcPct val="0"/>
+              </a:spcAft>
+              <a:buClr>
+                <a:srgbClr val="000000"/>
+              </a:buClr>
+              <a:buSzPct val="100000"/>
+              <a:buFont typeface="Times New Roman" panose="02020603050405020304" pitchFamily="18" charset="0"/>
+              <a:tabLst>
+                <a:tab pos="0" algn="l"/>
+                <a:tab pos="914400" algn="l"/>
+                <a:tab pos="1828800" algn="l"/>
+                <a:tab pos="2743200" algn="l"/>
+                <a:tab pos="3657600" algn="l"/>
+                <a:tab pos="4572000" algn="l"/>
+                <a:tab pos="5486400" algn="l"/>
+                <a:tab pos="6400800" algn="l"/>
+                <a:tab pos="7315200" algn="l"/>
+                <a:tab pos="8229600" algn="l"/>
+                <a:tab pos="9144000" algn="l"/>
+                <a:tab pos="10058400" algn="l"/>
+              </a:tabLst>
+              <a:defRPr>
+                <a:solidFill>
+                  <a:srgbClr val="000000"/>
+                </a:solidFill>
+                <a:latin typeface="Calibri" panose="020F0502020204030204" pitchFamily="34" charset="0"/>
+                <a:cs typeface="Droid Sans Fallback" charset="0"/>
+              </a:defRPr>
+            </a:lvl7pPr>
+            <a:lvl8pPr marL="3429000" indent="-228600" defTabSz="449263" eaLnBrk="0" fontAlgn="base" hangingPunct="0">
+              <a:lnSpc>
+                <a:spcPct val="90000"/>
+              </a:lnSpc>
+              <a:spcBef>
+                <a:spcPts val="500"/>
+              </a:spcBef>
+              <a:spcAft>
+                <a:spcPct val="0"/>
+              </a:spcAft>
+              <a:buClr>
+                <a:srgbClr val="000000"/>
+              </a:buClr>
+              <a:buSzPct val="100000"/>
+              <a:buFont typeface="Times New Roman" panose="02020603050405020304" pitchFamily="18" charset="0"/>
+              <a:tabLst>
+                <a:tab pos="0" algn="l"/>
+                <a:tab pos="914400" algn="l"/>
+                <a:tab pos="1828800" algn="l"/>
+                <a:tab pos="2743200" algn="l"/>
+                <a:tab pos="3657600" algn="l"/>
+                <a:tab pos="4572000" algn="l"/>
+                <a:tab pos="5486400" algn="l"/>
+                <a:tab pos="6400800" algn="l"/>
+                <a:tab pos="7315200" algn="l"/>
+                <a:tab pos="8229600" algn="l"/>
+                <a:tab pos="9144000" algn="l"/>
+                <a:tab pos="10058400" algn="l"/>
+              </a:tabLst>
+              <a:defRPr>
+                <a:solidFill>
+                  <a:srgbClr val="000000"/>
+                </a:solidFill>
+                <a:latin typeface="Calibri" panose="020F0502020204030204" pitchFamily="34" charset="0"/>
+                <a:cs typeface="Droid Sans Fallback" charset="0"/>
+              </a:defRPr>
+            </a:lvl8pPr>
+            <a:lvl9pPr marL="3886200" indent="-228600" defTabSz="449263" eaLnBrk="0" fontAlgn="base" hangingPunct="0">
+              <a:lnSpc>
+                <a:spcPct val="90000"/>
+              </a:lnSpc>
+              <a:spcBef>
+                <a:spcPts val="500"/>
+              </a:spcBef>
+              <a:spcAft>
+                <a:spcPct val="0"/>
+              </a:spcAft>
+              <a:buClr>
+                <a:srgbClr val="000000"/>
+              </a:buClr>
+              <a:buSzPct val="100000"/>
+              <a:buFont typeface="Times New Roman" panose="02020603050405020304" pitchFamily="18" charset="0"/>
+              <a:tabLst>
+                <a:tab pos="0" algn="l"/>
+                <a:tab pos="914400" algn="l"/>
+                <a:tab pos="1828800" algn="l"/>
+                <a:tab pos="2743200" algn="l"/>
+                <a:tab pos="3657600" algn="l"/>
+                <a:tab pos="4572000" algn="l"/>
+                <a:tab pos="5486400" algn="l"/>
+                <a:tab pos="6400800" algn="l"/>
+                <a:tab pos="7315200" algn="l"/>
+                <a:tab pos="8229600" algn="l"/>
+                <a:tab pos="9144000" algn="l"/>
+                <a:tab pos="10058400" algn="l"/>
+              </a:tabLst>
+              <a:defRPr>
+                <a:solidFill>
+                  <a:srgbClr val="000000"/>
+                </a:solidFill>
+                <a:latin typeface="Calibri" panose="020F0502020204030204" pitchFamily="34" charset="0"/>
+                <a:cs typeface="Droid Sans Fallback" charset="0"/>
+              </a:defRPr>
+            </a:lvl9pPr>
+          </a:lstStyle>
+          <a:p>
+            <a:pPr algn="ctr">
+              <a:lnSpc>
+                <a:spcPct val="100000"/>
+              </a:lnSpc>
+              <a:spcBef>
+                <a:spcPct val="0"/>
+              </a:spcBef>
+              <a:buClrTx/>
+              <a:buFontTx/>
+              <a:buNone/>
+            </a:pPr>
+            <a:r>
+              <a:rPr lang="pt-BR" altLang="pt-BR" sz="1400" b="1" dirty="0">
+                <a:solidFill>
+                  <a:srgbClr val="7F7F7F"/>
+                </a:solidFill>
+                <a:latin typeface="Times New Roman" panose="02020603050405020304" pitchFamily="18" charset="0"/>
+                <a:cs typeface="Times New Roman" panose="02020603050405020304" pitchFamily="18" charset="0"/>
+              </a:rPr>
+              <a:t>Instituto Tecnológico de Aeronáutica</a:t>
+            </a:r>
+          </a:p>
+          <a:p>
+            <a:pPr algn="ctr">
+              <a:lnSpc>
+                <a:spcPct val="100000"/>
+              </a:lnSpc>
+              <a:spcBef>
+                <a:spcPct val="0"/>
+              </a:spcBef>
+              <a:buClrTx/>
+              <a:buFontTx/>
+              <a:buNone/>
+            </a:pPr>
+            <a:r>
+              <a:rPr lang="pt-BR" altLang="pt-BR" sz="1400" b="1" dirty="0">
+                <a:solidFill>
+                  <a:srgbClr val="7F7F7F"/>
+                </a:solidFill>
+                <a:latin typeface="Times New Roman" panose="02020603050405020304" pitchFamily="18" charset="0"/>
+                <a:cs typeface="Times New Roman" panose="02020603050405020304" pitchFamily="18" charset="0"/>
+              </a:rPr>
+              <a:t>Curso de Mestrado Profissionalizante em Engenharia Aeronáutica</a:t>
+            </a:r>
+          </a:p>
+          <a:p>
+            <a:pPr algn="ctr">
+              <a:lnSpc>
+                <a:spcPct val="100000"/>
+              </a:lnSpc>
+              <a:spcBef>
+                <a:spcPct val="0"/>
+              </a:spcBef>
+              <a:buClrTx/>
+              <a:buFontTx/>
+              <a:buNone/>
+            </a:pPr>
+            <a:r>
+              <a:rPr lang="pt-BR" altLang="pt-BR" sz="1400" b="1" dirty="0">
+                <a:solidFill>
+                  <a:srgbClr val="7F7F7F"/>
+                </a:solidFill>
+                <a:latin typeface="Times New Roman" panose="02020603050405020304" pitchFamily="18" charset="0"/>
+                <a:cs typeface="Times New Roman" panose="02020603050405020304" pitchFamily="18" charset="0"/>
+              </a:rPr>
+              <a:t>Programa de Pós-Graduação em Engenharia Aeronáutica e Mecânica</a:t>
             </a:r>
           </a:p>
         </p:txBody>
       </p:sp>
       <p:sp>
         <p:nvSpPr>
-          <p:cNvPr id="3" name="Espaço Reservado para Conteúdo 2"/>
+          <p:cNvPr id="7" name="Line 7"/>
+          <p:cNvSpPr>
+            <a:spLocks noChangeShapeType="1"/>
+          </p:cNvSpPr>
+          <p:nvPr/>
+        </p:nvSpPr>
+        <p:spPr bwMode="auto">
+          <a:xfrm>
+            <a:off x="507206" y="901215"/>
+            <a:ext cx="8089900" cy="1587"/>
+          </a:xfrm>
+          <a:prstGeom prst="line">
+            <a:avLst/>
+          </a:prstGeom>
+          <a:noFill/>
+          <a:ln w="6480" cap="sq">
+            <a:solidFill>
+              <a:srgbClr val="A5A5A5"/>
+            </a:solidFill>
+            <a:miter lim="800000"/>
+            <a:headEnd/>
+            <a:tailEnd/>
+          </a:ln>
+          <a:effectLst/>
+          <a:extLst>
+            <a:ext uri="{909E8E84-426E-40DD-AFC4-6F175D3DCCD1}">
+              <a14:hiddenFill xmlns:a14="http://schemas.microsoft.com/office/drawing/2010/main">
+                <a:noFill/>
+              </a14:hiddenFill>
+            </a:ext>
+            <a:ext uri="{AF507438-7753-43E0-B8FC-AC1667EBCBE1}">
+              <a14:hiddenEffects xmlns:a14="http://schemas.microsoft.com/office/drawing/2010/main">
+                <a:effectLst>
+                  <a:outerShdw dist="35921" dir="2700000" algn="ctr" rotWithShape="0">
+                    <a:srgbClr val="808080"/>
+                  </a:outerShdw>
+                </a:effectLst>
+              </a14:hiddenEffects>
+            </a:ext>
+          </a:extLst>
+        </p:spPr>
+        <p:txBody>
+          <a:bodyPr/>
+          <a:lstStyle/>
+          <a:p>
+            <a:endParaRPr lang="pt-BR"/>
+          </a:p>
+        </p:txBody>
+      </p:sp>
+      <p:sp>
+        <p:nvSpPr>
+          <p:cNvPr id="8" name="Line 6"/>
+          <p:cNvSpPr>
+            <a:spLocks noChangeShapeType="1"/>
+          </p:cNvSpPr>
+          <p:nvPr/>
+        </p:nvSpPr>
+        <p:spPr bwMode="auto">
+          <a:xfrm>
+            <a:off x="508000" y="6488113"/>
+            <a:ext cx="8089900" cy="1587"/>
+          </a:xfrm>
+          <a:prstGeom prst="line">
+            <a:avLst/>
+          </a:prstGeom>
+          <a:noFill/>
+          <a:ln w="6480" cap="sq">
+            <a:solidFill>
+              <a:srgbClr val="A5A5A5"/>
+            </a:solidFill>
+            <a:miter lim="800000"/>
+            <a:headEnd/>
+            <a:tailEnd/>
+          </a:ln>
+          <a:effectLst/>
+          <a:extLst>
+            <a:ext uri="{909E8E84-426E-40DD-AFC4-6F175D3DCCD1}">
+              <a14:hiddenFill xmlns:a14="http://schemas.microsoft.com/office/drawing/2010/main">
+                <a:noFill/>
+              </a14:hiddenFill>
+            </a:ext>
+            <a:ext uri="{AF507438-7753-43E0-B8FC-AC1667EBCBE1}">
+              <a14:hiddenEffects xmlns:a14="http://schemas.microsoft.com/office/drawing/2010/main">
+                <a:effectLst>
+                  <a:outerShdw dist="35921" dir="2700000" algn="ctr" rotWithShape="0">
+                    <a:srgbClr val="808080"/>
+                  </a:outerShdw>
+                </a:effectLst>
+              </a14:hiddenEffects>
+            </a:ext>
+          </a:extLst>
+        </p:spPr>
+        <p:txBody>
+          <a:bodyPr/>
+          <a:lstStyle/>
+          <a:p>
+            <a:endParaRPr lang="pt-BR"/>
+          </a:p>
+        </p:txBody>
+      </p:sp>
+      <p:sp>
+        <p:nvSpPr>
+          <p:cNvPr id="12" name="Espaço Reservado para Número de Slide 10"/>
+          <p:cNvSpPr>
+            <a:spLocks noGrp="1"/>
+          </p:cNvSpPr>
+          <p:nvPr>
+            <p:ph type="sldNum" sz="quarter" idx="12"/>
+          </p:nvPr>
+        </p:nvSpPr>
+        <p:spPr>
+          <a:xfrm>
+            <a:off x="6870700" y="6487179"/>
+            <a:ext cx="2057400" cy="365125"/>
+          </a:xfrm>
+        </p:spPr>
+        <p:txBody>
+          <a:bodyPr/>
+          <a:lstStyle/>
+          <a:p>
+            <a:fld id="{81005A1F-7AC2-4032-AE25-0D28B304E158}" type="slidenum">
+              <a:rPr lang="pt-BR" smtClean="0"/>
+              <a:t>23</a:t>
+            </a:fld>
+            <a:endParaRPr lang="pt-BR" dirty="0"/>
+          </a:p>
+        </p:txBody>
+      </p:sp>
+      <p:sp>
+        <p:nvSpPr>
+          <p:cNvPr id="17" name="Espaço Reservado para Conteúdo 2"/>
           <p:cNvSpPr>
             <a:spLocks noGrp="1"/>
           </p:cNvSpPr>
@@ -16018,37 +19621,358 @@
             <p:ph idx="1"/>
           </p:nvPr>
         </p:nvSpPr>
-        <p:spPr/>
+        <p:spPr>
+          <a:xfrm>
+            <a:off x="507206" y="1685437"/>
+            <a:ext cx="8089900" cy="4735553"/>
+          </a:xfrm>
+        </p:spPr>
         <p:txBody>
-          <a:bodyPr/>
+          <a:bodyPr>
+            <a:normAutofit/>
+          </a:bodyPr>
           <a:lstStyle/>
           <a:p>
             <a:r>
-              <a:rPr lang="pt-BR" dirty="0"/>
+              <a:rPr lang="pt-BR" sz="2000" dirty="0"/>
               <a:t>Regime Transitório</a:t>
             </a:r>
           </a:p>
+          <a:p>
+            <a:endParaRPr lang="pt-BR" sz="1600" i="1" dirty="0">
+              <a:solidFill>
+                <a:prstClr val="black"/>
+              </a:solidFill>
+              <a:latin typeface="Cambria Math" panose="02040503050406030204" pitchFamily="18" charset="0"/>
+            </a:endParaRPr>
+          </a:p>
+          <a:p>
+            <a:endParaRPr lang="pt-BR" sz="1600" i="1" dirty="0">
+              <a:solidFill>
+                <a:prstClr val="black"/>
+              </a:solidFill>
+              <a:latin typeface="Cambria Math" panose="02040503050406030204" pitchFamily="18" charset="0"/>
+            </a:endParaRPr>
+          </a:p>
+          <a:p>
+            <a:endParaRPr lang="pt-BR" sz="1600" i="1" dirty="0">
+              <a:solidFill>
+                <a:prstClr val="black"/>
+              </a:solidFill>
+              <a:latin typeface="Cambria Math" panose="02040503050406030204" pitchFamily="18" charset="0"/>
+            </a:endParaRPr>
+          </a:p>
+          <a:p>
+            <a:endParaRPr lang="pt-BR" sz="1600" i="1" dirty="0">
+              <a:solidFill>
+                <a:prstClr val="black"/>
+              </a:solidFill>
+              <a:latin typeface="Cambria Math" panose="02040503050406030204" pitchFamily="18" charset="0"/>
+            </a:endParaRPr>
+          </a:p>
+          <a:p>
+            <a:endParaRPr lang="pt-BR" sz="800" dirty="0">
+              <a:solidFill>
+                <a:prstClr val="black"/>
+              </a:solidFill>
+            </a:endParaRPr>
+          </a:p>
         </p:txBody>
       </p:sp>
+      <p:grpSp>
+        <p:nvGrpSpPr>
+          <p:cNvPr id="19" name="Agrupar 18"/>
+          <p:cNvGrpSpPr>
+            <a:grpSpLocks noChangeAspect="1"/>
+          </p:cNvGrpSpPr>
+          <p:nvPr/>
+        </p:nvGrpSpPr>
+        <p:grpSpPr>
+          <a:xfrm>
+            <a:off x="144000" y="3046380"/>
+            <a:ext cx="9000000" cy="3382180"/>
+            <a:chOff x="202483" y="2540629"/>
+            <a:chExt cx="9000000" cy="3382180"/>
+          </a:xfrm>
+        </p:grpSpPr>
+        <p:grpSp>
+          <p:nvGrpSpPr>
+            <p:cNvPr id="13" name="Agrupar 12"/>
+            <p:cNvGrpSpPr>
+              <a:grpSpLocks noChangeAspect="1"/>
+            </p:cNvGrpSpPr>
+            <p:nvPr/>
+          </p:nvGrpSpPr>
+          <p:grpSpPr>
+            <a:xfrm>
+              <a:off x="202483" y="4233644"/>
+              <a:ext cx="9000000" cy="1689165"/>
+              <a:chOff x="19603" y="4233644"/>
+              <a:chExt cx="10080000" cy="1891865"/>
+            </a:xfrm>
+          </p:grpSpPr>
+          <p:pic>
+            <p:nvPicPr>
+              <p:cNvPr id="3" name="Imagem 2"/>
+              <p:cNvPicPr>
+                <a:picLocks noChangeAspect="1"/>
+              </p:cNvPicPr>
+              <p:nvPr/>
+            </p:nvPicPr>
+            <p:blipFill>
+              <a:blip r:embed="rId4"/>
+              <a:stretch>
+                <a:fillRect/>
+              </a:stretch>
+            </p:blipFill>
+            <p:spPr>
+              <a:xfrm>
+                <a:off x="19603" y="4234578"/>
+                <a:ext cx="2520000" cy="1890931"/>
+              </a:xfrm>
+              <a:prstGeom prst="rect">
+                <a:avLst/>
+              </a:prstGeom>
+            </p:spPr>
+          </p:pic>
+          <p:pic>
+            <p:nvPicPr>
+              <p:cNvPr id="9" name="Imagem 8"/>
+              <p:cNvPicPr>
+                <a:picLocks noChangeAspect="1"/>
+              </p:cNvPicPr>
+              <p:nvPr/>
+            </p:nvPicPr>
+            <p:blipFill>
+              <a:blip r:embed="rId5"/>
+              <a:stretch>
+                <a:fillRect/>
+              </a:stretch>
+            </p:blipFill>
+            <p:spPr>
+              <a:xfrm>
+                <a:off x="2539603" y="4234578"/>
+                <a:ext cx="2520000" cy="1890931"/>
+              </a:xfrm>
+              <a:prstGeom prst="rect">
+                <a:avLst/>
+              </a:prstGeom>
+            </p:spPr>
+          </p:pic>
+          <p:pic>
+            <p:nvPicPr>
+              <p:cNvPr id="10" name="Imagem 9"/>
+              <p:cNvPicPr>
+                <a:picLocks noChangeAspect="1"/>
+              </p:cNvPicPr>
+              <p:nvPr/>
+            </p:nvPicPr>
+            <p:blipFill>
+              <a:blip r:embed="rId6"/>
+              <a:stretch>
+                <a:fillRect/>
+              </a:stretch>
+            </p:blipFill>
+            <p:spPr>
+              <a:xfrm>
+                <a:off x="5059603" y="4233644"/>
+                <a:ext cx="2520000" cy="1890931"/>
+              </a:xfrm>
+              <a:prstGeom prst="rect">
+                <a:avLst/>
+              </a:prstGeom>
+            </p:spPr>
+          </p:pic>
+          <p:pic>
+            <p:nvPicPr>
+              <p:cNvPr id="11" name="Imagem 10"/>
+              <p:cNvPicPr>
+                <a:picLocks noChangeAspect="1"/>
+              </p:cNvPicPr>
+              <p:nvPr/>
+            </p:nvPicPr>
+            <p:blipFill>
+              <a:blip r:embed="rId7"/>
+              <a:stretch>
+                <a:fillRect/>
+              </a:stretch>
+            </p:blipFill>
+            <p:spPr>
+              <a:xfrm>
+                <a:off x="7579603" y="4233644"/>
+                <a:ext cx="2520000" cy="1890931"/>
+              </a:xfrm>
+              <a:prstGeom prst="rect">
+                <a:avLst/>
+              </a:prstGeom>
+            </p:spPr>
+          </p:pic>
+        </p:grpSp>
+        <p:pic>
+          <p:nvPicPr>
+            <p:cNvPr id="14" name="Imagem 13"/>
+            <p:cNvPicPr>
+              <a:picLocks noChangeAspect="1"/>
+            </p:cNvPicPr>
+            <p:nvPr/>
+          </p:nvPicPr>
+          <p:blipFill>
+            <a:blip r:embed="rId8"/>
+            <a:stretch>
+              <a:fillRect/>
+            </a:stretch>
+          </p:blipFill>
+          <p:spPr>
+            <a:xfrm>
+              <a:off x="202483" y="2545313"/>
+              <a:ext cx="2250000" cy="1688331"/>
+            </a:xfrm>
+            <a:prstGeom prst="rect">
+              <a:avLst/>
+            </a:prstGeom>
+          </p:spPr>
+        </p:pic>
+        <p:pic>
+          <p:nvPicPr>
+            <p:cNvPr id="15" name="Imagem 14"/>
+            <p:cNvPicPr>
+              <a:picLocks noChangeAspect="1"/>
+            </p:cNvPicPr>
+            <p:nvPr/>
+          </p:nvPicPr>
+          <p:blipFill>
+            <a:blip r:embed="rId9"/>
+            <a:stretch>
+              <a:fillRect/>
+            </a:stretch>
+          </p:blipFill>
+          <p:spPr>
+            <a:xfrm>
+              <a:off x="2452483" y="2544479"/>
+              <a:ext cx="2250000" cy="1688331"/>
+            </a:xfrm>
+            <a:prstGeom prst="rect">
+              <a:avLst/>
+            </a:prstGeom>
+          </p:spPr>
+        </p:pic>
+        <p:pic>
+          <p:nvPicPr>
+            <p:cNvPr id="16" name="Imagem 15"/>
+            <p:cNvPicPr>
+              <a:picLocks noChangeAspect="1"/>
+            </p:cNvPicPr>
+            <p:nvPr/>
+          </p:nvPicPr>
+          <p:blipFill>
+            <a:blip r:embed="rId10"/>
+            <a:stretch>
+              <a:fillRect/>
+            </a:stretch>
+          </p:blipFill>
+          <p:spPr>
+            <a:xfrm>
+              <a:off x="4702483" y="2548678"/>
+              <a:ext cx="2250000" cy="1688331"/>
+            </a:xfrm>
+            <a:prstGeom prst="rect">
+              <a:avLst/>
+            </a:prstGeom>
+          </p:spPr>
+        </p:pic>
+        <p:pic>
+          <p:nvPicPr>
+            <p:cNvPr id="18" name="Imagem 17"/>
+            <p:cNvPicPr>
+              <a:picLocks noChangeAspect="1"/>
+            </p:cNvPicPr>
+            <p:nvPr/>
+          </p:nvPicPr>
+          <p:blipFill>
+            <a:blip r:embed="rId11"/>
+            <a:stretch>
+              <a:fillRect/>
+            </a:stretch>
+          </p:blipFill>
+          <p:spPr>
+            <a:xfrm>
+              <a:off x="6952483" y="2540629"/>
+              <a:ext cx="2250000" cy="1688331"/>
+            </a:xfrm>
+            <a:prstGeom prst="rect">
+              <a:avLst/>
+            </a:prstGeom>
+          </p:spPr>
+        </p:pic>
+      </p:grpSp>
+      <p:pic>
+        <p:nvPicPr>
+          <p:cNvPr id="20" name="Imagem 19"/>
+          <p:cNvPicPr>
+            <a:picLocks noChangeAspect="1"/>
+          </p:cNvPicPr>
+          <p:nvPr/>
+        </p:nvPicPr>
+        <p:blipFill>
+          <a:blip r:embed="rId12"/>
+          <a:stretch>
+            <a:fillRect/>
+          </a:stretch>
+        </p:blipFill>
+        <p:spPr>
+          <a:xfrm>
+            <a:off x="3106825" y="1690693"/>
+            <a:ext cx="2890662" cy="1355665"/>
+          </a:xfrm>
+          <a:prstGeom prst="rect">
+            <a:avLst/>
+          </a:prstGeom>
+        </p:spPr>
+      </p:pic>
       <p:sp>
         <p:nvSpPr>
-          <p:cNvPr id="4" name="Espaço Reservado para Número de Slide 3"/>
-          <p:cNvSpPr>
-            <a:spLocks noGrp="1"/>
-          </p:cNvSpPr>
-          <p:nvPr>
-            <p:ph type="sldNum" sz="quarter" idx="12"/>
-          </p:nvPr>
+          <p:cNvPr id="21" name="Retângulo 20"/>
+          <p:cNvSpPr/>
+          <p:nvPr/>
         </p:nvSpPr>
-        <p:spPr/>
+        <p:spPr>
+          <a:xfrm>
+            <a:off x="4431890" y="1892492"/>
+            <a:ext cx="988141" cy="952065"/>
+          </a:xfrm>
+          <a:prstGeom prst="rect">
+            <a:avLst/>
+          </a:prstGeom>
+          <a:solidFill>
+            <a:srgbClr val="4472C4">
+              <a:alpha val="40000"/>
+            </a:srgbClr>
+          </a:solidFill>
+          <a:ln>
+            <a:noFill/>
+          </a:ln>
+        </p:spPr>
+        <p:style>
+          <a:lnRef idx="2">
+            <a:schemeClr val="accent1">
+              <a:shade val="50000"/>
+            </a:schemeClr>
+          </a:lnRef>
+          <a:fillRef idx="1">
+            <a:schemeClr val="accent1"/>
+          </a:fillRef>
+          <a:effectRef idx="0">
+            <a:schemeClr val="accent1"/>
+          </a:effectRef>
+          <a:fontRef idx="minor">
+            <a:schemeClr val="lt1"/>
+          </a:fontRef>
+        </p:style>
         <p:txBody>
-          <a:bodyPr/>
+          <a:bodyPr rtlCol="0" anchor="ctr"/>
           <a:lstStyle/>
           <a:p>
-            <a:fld id="{81005A1F-7AC2-4032-AE25-0D28B304E158}" type="slidenum">
-              <a:rPr lang="pt-BR" smtClean="0"/>
-              <a:t>23</a:t>
-            </a:fld>
+            <a:pPr algn="ctr"/>
             <a:endParaRPr lang="pt-BR"/>
           </a:p>
         </p:txBody>
@@ -16056,7 +19980,7 @@
     </p:spTree>
     <p:extLst>
       <p:ext uri="{BB962C8B-B14F-4D97-AF65-F5344CB8AC3E}">
-        <p14:creationId xmlns:p14="http://schemas.microsoft.com/office/powerpoint/2010/main" val="4292606975"/>
+        <p14:creationId xmlns:p14="http://schemas.microsoft.com/office/powerpoint/2010/main" val="1526280462"/>
       </p:ext>
     </p:extLst>
   </p:cSld>
@@ -16093,21 +20017,739 @@
             <p:ph type="title"/>
           </p:nvPr>
         </p:nvSpPr>
-        <p:spPr/>
+        <p:spPr>
+          <a:xfrm>
+            <a:off x="628650" y="1083288"/>
+            <a:ext cx="7886700" cy="476737"/>
+          </a:xfrm>
+        </p:spPr>
         <p:txBody>
-          <a:bodyPr/>
+          <a:bodyPr>
+            <a:noAutofit/>
+          </a:bodyPr>
           <a:lstStyle/>
           <a:p>
             <a:r>
-              <a:rPr lang="pt-BR" dirty="0"/>
+              <a:rPr lang="pt-BR" sz="2400" b="1" dirty="0"/>
               <a:t>Resultados</a:t>
+            </a:r>
+          </a:p>
+        </p:txBody>
+      </p:sp>
+      <p:pic>
+        <p:nvPicPr>
+          <p:cNvPr id="4" name="Picture 2"/>
+          <p:cNvPicPr>
+            <a:picLocks noChangeAspect="1" noChangeArrowheads="1"/>
+          </p:cNvPicPr>
+          <p:nvPr/>
+        </p:nvPicPr>
+        <p:blipFill>
+          <a:blip r:embed="rId2">
+            <a:extLst>
+              <a:ext uri="{28A0092B-C50C-407E-A947-70E740481C1C}">
+                <a14:useLocalDpi xmlns:a14="http://schemas.microsoft.com/office/drawing/2010/main" val="0"/>
+              </a:ext>
+            </a:extLst>
+          </a:blip>
+          <a:srcRect/>
+          <a:stretch>
+            <a:fillRect/>
+          </a:stretch>
+        </p:blipFill>
+        <p:spPr bwMode="auto">
+          <a:xfrm>
+            <a:off x="74613" y="127000"/>
+            <a:ext cx="1847850" cy="709613"/>
+          </a:xfrm>
+          <a:prstGeom prst="rect">
+            <a:avLst/>
+          </a:prstGeom>
+          <a:noFill/>
+          <a:ln>
+            <a:noFill/>
+          </a:ln>
+          <a:effectLst/>
+          <a:extLst>
+            <a:ext uri="{909E8E84-426E-40DD-AFC4-6F175D3DCCD1}">
+              <a14:hiddenFill xmlns:a14="http://schemas.microsoft.com/office/drawing/2010/main">
+                <a:blipFill dpi="0" rotWithShape="0">
+                  <a:blip/>
+                  <a:srcRect/>
+                  <a:stretch>
+                    <a:fillRect/>
+                  </a:stretch>
+                </a:blipFill>
+              </a14:hiddenFill>
+            </a:ext>
+            <a:ext uri="{91240B29-F687-4F45-9708-019B960494DF}">
+              <a14:hiddenLine xmlns:a14="http://schemas.microsoft.com/office/drawing/2010/main" w="9525">
+                <a:solidFill>
+                  <a:srgbClr val="3465A4"/>
+                </a:solidFill>
+                <a:round/>
+                <a:headEnd/>
+                <a:tailEnd/>
+              </a14:hiddenLine>
+            </a:ext>
+            <a:ext uri="{AF507438-7753-43E0-B8FC-AC1667EBCBE1}">
+              <a14:hiddenEffects xmlns:a14="http://schemas.microsoft.com/office/drawing/2010/main">
+                <a:effectLst>
+                  <a:outerShdw dist="35921" dir="2700000" algn="ctr" rotWithShape="0">
+                    <a:srgbClr val="808080"/>
+                  </a:outerShdw>
+                </a:effectLst>
+              </a14:hiddenEffects>
+            </a:ext>
+          </a:extLst>
+        </p:spPr>
+      </p:pic>
+      <p:pic>
+        <p:nvPicPr>
+          <p:cNvPr id="5" name="Picture 3"/>
+          <p:cNvPicPr>
+            <a:picLocks noChangeAspect="1" noChangeArrowheads="1"/>
+          </p:cNvPicPr>
+          <p:nvPr/>
+        </p:nvPicPr>
+        <p:blipFill>
+          <a:blip r:embed="rId3">
+            <a:extLst>
+              <a:ext uri="{28A0092B-C50C-407E-A947-70E740481C1C}">
+                <a14:useLocalDpi xmlns:a14="http://schemas.microsoft.com/office/drawing/2010/main" val="0"/>
+              </a:ext>
+            </a:extLst>
+          </a:blip>
+          <a:srcRect/>
+          <a:stretch>
+            <a:fillRect/>
+          </a:stretch>
+        </p:blipFill>
+        <p:spPr bwMode="auto">
+          <a:xfrm>
+            <a:off x="7265988" y="146050"/>
+            <a:ext cx="1662112" cy="709613"/>
+          </a:xfrm>
+          <a:prstGeom prst="rect">
+            <a:avLst/>
+          </a:prstGeom>
+          <a:noFill/>
+          <a:ln>
+            <a:noFill/>
+          </a:ln>
+          <a:effectLst/>
+          <a:extLst>
+            <a:ext uri="{909E8E84-426E-40DD-AFC4-6F175D3DCCD1}">
+              <a14:hiddenFill xmlns:a14="http://schemas.microsoft.com/office/drawing/2010/main">
+                <a:blipFill dpi="0" rotWithShape="0">
+                  <a:blip/>
+                  <a:srcRect/>
+                  <a:stretch>
+                    <a:fillRect/>
+                  </a:stretch>
+                </a:blipFill>
+              </a14:hiddenFill>
+            </a:ext>
+            <a:ext uri="{91240B29-F687-4F45-9708-019B960494DF}">
+              <a14:hiddenLine xmlns:a14="http://schemas.microsoft.com/office/drawing/2010/main" w="9525">
+                <a:solidFill>
+                  <a:srgbClr val="3465A4"/>
+                </a:solidFill>
+                <a:round/>
+                <a:headEnd/>
+                <a:tailEnd/>
+              </a14:hiddenLine>
+            </a:ext>
+            <a:ext uri="{AF507438-7753-43E0-B8FC-AC1667EBCBE1}">
+              <a14:hiddenEffects xmlns:a14="http://schemas.microsoft.com/office/drawing/2010/main">
+                <a:effectLst>
+                  <a:outerShdw dist="35921" dir="2700000" algn="ctr" rotWithShape="0">
+                    <a:srgbClr val="808080"/>
+                  </a:outerShdw>
+                </a:effectLst>
+              </a14:hiddenEffects>
+            </a:ext>
+          </a:extLst>
+        </p:spPr>
+      </p:pic>
+      <p:sp>
+        <p:nvSpPr>
+          <p:cNvPr id="6" name="Text Box 4"/>
+          <p:cNvSpPr txBox="1">
+            <a:spLocks noChangeArrowheads="1"/>
+          </p:cNvSpPr>
+          <p:nvPr/>
+        </p:nvSpPr>
+        <p:spPr bwMode="auto">
+          <a:xfrm>
+            <a:off x="1903413" y="1588"/>
+            <a:ext cx="5297487" cy="956288"/>
+          </a:xfrm>
+          <a:prstGeom prst="rect">
+            <a:avLst/>
+          </a:prstGeom>
+          <a:noFill/>
+          <a:ln>
+            <a:noFill/>
+          </a:ln>
+          <a:effectLst/>
+          <a:extLst>
+            <a:ext uri="{909E8E84-426E-40DD-AFC4-6F175D3DCCD1}">
+              <a14:hiddenFill xmlns:a14="http://schemas.microsoft.com/office/drawing/2010/main">
+                <a:solidFill>
+                  <a:srgbClr val="FFFFFF"/>
+                </a:solidFill>
+              </a14:hiddenFill>
+            </a:ext>
+            <a:ext uri="{91240B29-F687-4F45-9708-019B960494DF}">
+              <a14:hiddenLine xmlns:a14="http://schemas.microsoft.com/office/drawing/2010/main" w="9525">
+                <a:solidFill>
+                  <a:srgbClr val="3465A4"/>
+                </a:solidFill>
+                <a:round/>
+                <a:headEnd/>
+                <a:tailEnd/>
+              </a14:hiddenLine>
+            </a:ext>
+            <a:ext uri="{AF507438-7753-43E0-B8FC-AC1667EBCBE1}">
+              <a14:hiddenEffects xmlns:a14="http://schemas.microsoft.com/office/drawing/2010/main">
+                <a:effectLst>
+                  <a:outerShdw dist="35921" dir="2700000" algn="ctr" rotWithShape="0">
+                    <a:srgbClr val="808080"/>
+                  </a:outerShdw>
+                </a:effectLst>
+              </a14:hiddenEffects>
+            </a:ext>
+          </a:extLst>
+        </p:spPr>
+        <p:txBody>
+          <a:bodyPr lIns="90000" tIns="46800" rIns="90000" bIns="46800">
+            <a:spAutoFit/>
+          </a:bodyPr>
+          <a:lstStyle>
+            <a:lvl1pPr>
+              <a:lnSpc>
+                <a:spcPct val="90000"/>
+              </a:lnSpc>
+              <a:spcBef>
+                <a:spcPts val="1000"/>
+              </a:spcBef>
+              <a:buClr>
+                <a:srgbClr val="000000"/>
+              </a:buClr>
+              <a:buSzPct val="100000"/>
+              <a:buFont typeface="Times New Roman" panose="02020603050405020304" pitchFamily="18" charset="0"/>
+              <a:tabLst>
+                <a:tab pos="0" algn="l"/>
+                <a:tab pos="914400" algn="l"/>
+                <a:tab pos="1828800" algn="l"/>
+                <a:tab pos="2743200" algn="l"/>
+                <a:tab pos="3657600" algn="l"/>
+                <a:tab pos="4572000" algn="l"/>
+                <a:tab pos="5486400" algn="l"/>
+                <a:tab pos="6400800" algn="l"/>
+                <a:tab pos="7315200" algn="l"/>
+                <a:tab pos="8229600" algn="l"/>
+                <a:tab pos="9144000" algn="l"/>
+                <a:tab pos="10058400" algn="l"/>
+              </a:tabLst>
+              <a:defRPr sz="2800">
+                <a:solidFill>
+                  <a:srgbClr val="000000"/>
+                </a:solidFill>
+                <a:latin typeface="Calibri" panose="020F0502020204030204" pitchFamily="34" charset="0"/>
+                <a:cs typeface="Droid Sans Fallback" charset="0"/>
+              </a:defRPr>
+            </a:lvl1pPr>
+            <a:lvl2pPr>
+              <a:lnSpc>
+                <a:spcPct val="90000"/>
+              </a:lnSpc>
+              <a:spcBef>
+                <a:spcPts val="500"/>
+              </a:spcBef>
+              <a:buClr>
+                <a:srgbClr val="000000"/>
+              </a:buClr>
+              <a:buSzPct val="100000"/>
+              <a:buFont typeface="Times New Roman" panose="02020603050405020304" pitchFamily="18" charset="0"/>
+              <a:tabLst>
+                <a:tab pos="0" algn="l"/>
+                <a:tab pos="914400" algn="l"/>
+                <a:tab pos="1828800" algn="l"/>
+                <a:tab pos="2743200" algn="l"/>
+                <a:tab pos="3657600" algn="l"/>
+                <a:tab pos="4572000" algn="l"/>
+                <a:tab pos="5486400" algn="l"/>
+                <a:tab pos="6400800" algn="l"/>
+                <a:tab pos="7315200" algn="l"/>
+                <a:tab pos="8229600" algn="l"/>
+                <a:tab pos="9144000" algn="l"/>
+                <a:tab pos="10058400" algn="l"/>
+              </a:tabLst>
+              <a:defRPr sz="2400">
+                <a:solidFill>
+                  <a:srgbClr val="000000"/>
+                </a:solidFill>
+                <a:latin typeface="Calibri" panose="020F0502020204030204" pitchFamily="34" charset="0"/>
+                <a:cs typeface="Droid Sans Fallback" charset="0"/>
+              </a:defRPr>
+            </a:lvl2pPr>
+            <a:lvl3pPr>
+              <a:lnSpc>
+                <a:spcPct val="90000"/>
+              </a:lnSpc>
+              <a:spcBef>
+                <a:spcPts val="500"/>
+              </a:spcBef>
+              <a:buClr>
+                <a:srgbClr val="000000"/>
+              </a:buClr>
+              <a:buSzPct val="100000"/>
+              <a:buFont typeface="Times New Roman" panose="02020603050405020304" pitchFamily="18" charset="0"/>
+              <a:tabLst>
+                <a:tab pos="0" algn="l"/>
+                <a:tab pos="914400" algn="l"/>
+                <a:tab pos="1828800" algn="l"/>
+                <a:tab pos="2743200" algn="l"/>
+                <a:tab pos="3657600" algn="l"/>
+                <a:tab pos="4572000" algn="l"/>
+                <a:tab pos="5486400" algn="l"/>
+                <a:tab pos="6400800" algn="l"/>
+                <a:tab pos="7315200" algn="l"/>
+                <a:tab pos="8229600" algn="l"/>
+                <a:tab pos="9144000" algn="l"/>
+                <a:tab pos="10058400" algn="l"/>
+              </a:tabLst>
+              <a:defRPr sz="2000">
+                <a:solidFill>
+                  <a:srgbClr val="000000"/>
+                </a:solidFill>
+                <a:latin typeface="Calibri" panose="020F0502020204030204" pitchFamily="34" charset="0"/>
+                <a:cs typeface="Droid Sans Fallback" charset="0"/>
+              </a:defRPr>
+            </a:lvl3pPr>
+            <a:lvl4pPr>
+              <a:lnSpc>
+                <a:spcPct val="90000"/>
+              </a:lnSpc>
+              <a:spcBef>
+                <a:spcPts val="500"/>
+              </a:spcBef>
+              <a:buClr>
+                <a:srgbClr val="000000"/>
+              </a:buClr>
+              <a:buSzPct val="100000"/>
+              <a:buFont typeface="Times New Roman" panose="02020603050405020304" pitchFamily="18" charset="0"/>
+              <a:tabLst>
+                <a:tab pos="0" algn="l"/>
+                <a:tab pos="914400" algn="l"/>
+                <a:tab pos="1828800" algn="l"/>
+                <a:tab pos="2743200" algn="l"/>
+                <a:tab pos="3657600" algn="l"/>
+                <a:tab pos="4572000" algn="l"/>
+                <a:tab pos="5486400" algn="l"/>
+                <a:tab pos="6400800" algn="l"/>
+                <a:tab pos="7315200" algn="l"/>
+                <a:tab pos="8229600" algn="l"/>
+                <a:tab pos="9144000" algn="l"/>
+                <a:tab pos="10058400" algn="l"/>
+              </a:tabLst>
+              <a:defRPr>
+                <a:solidFill>
+                  <a:srgbClr val="000000"/>
+                </a:solidFill>
+                <a:latin typeface="Calibri" panose="020F0502020204030204" pitchFamily="34" charset="0"/>
+                <a:cs typeface="Droid Sans Fallback" charset="0"/>
+              </a:defRPr>
+            </a:lvl4pPr>
+            <a:lvl5pPr>
+              <a:lnSpc>
+                <a:spcPct val="90000"/>
+              </a:lnSpc>
+              <a:spcBef>
+                <a:spcPts val="500"/>
+              </a:spcBef>
+              <a:buClr>
+                <a:srgbClr val="000000"/>
+              </a:buClr>
+              <a:buSzPct val="100000"/>
+              <a:buFont typeface="Times New Roman" panose="02020603050405020304" pitchFamily="18" charset="0"/>
+              <a:tabLst>
+                <a:tab pos="0" algn="l"/>
+                <a:tab pos="914400" algn="l"/>
+                <a:tab pos="1828800" algn="l"/>
+                <a:tab pos="2743200" algn="l"/>
+                <a:tab pos="3657600" algn="l"/>
+                <a:tab pos="4572000" algn="l"/>
+                <a:tab pos="5486400" algn="l"/>
+                <a:tab pos="6400800" algn="l"/>
+                <a:tab pos="7315200" algn="l"/>
+                <a:tab pos="8229600" algn="l"/>
+                <a:tab pos="9144000" algn="l"/>
+                <a:tab pos="10058400" algn="l"/>
+              </a:tabLst>
+              <a:defRPr>
+                <a:solidFill>
+                  <a:srgbClr val="000000"/>
+                </a:solidFill>
+                <a:latin typeface="Calibri" panose="020F0502020204030204" pitchFamily="34" charset="0"/>
+                <a:cs typeface="Droid Sans Fallback" charset="0"/>
+              </a:defRPr>
+            </a:lvl5pPr>
+            <a:lvl6pPr marL="2514600" indent="-228600" defTabSz="449263" eaLnBrk="0" fontAlgn="base" hangingPunct="0">
+              <a:lnSpc>
+                <a:spcPct val="90000"/>
+              </a:lnSpc>
+              <a:spcBef>
+                <a:spcPts val="500"/>
+              </a:spcBef>
+              <a:spcAft>
+                <a:spcPct val="0"/>
+              </a:spcAft>
+              <a:buClr>
+                <a:srgbClr val="000000"/>
+              </a:buClr>
+              <a:buSzPct val="100000"/>
+              <a:buFont typeface="Times New Roman" panose="02020603050405020304" pitchFamily="18" charset="0"/>
+              <a:tabLst>
+                <a:tab pos="0" algn="l"/>
+                <a:tab pos="914400" algn="l"/>
+                <a:tab pos="1828800" algn="l"/>
+                <a:tab pos="2743200" algn="l"/>
+                <a:tab pos="3657600" algn="l"/>
+                <a:tab pos="4572000" algn="l"/>
+                <a:tab pos="5486400" algn="l"/>
+                <a:tab pos="6400800" algn="l"/>
+                <a:tab pos="7315200" algn="l"/>
+                <a:tab pos="8229600" algn="l"/>
+                <a:tab pos="9144000" algn="l"/>
+                <a:tab pos="10058400" algn="l"/>
+              </a:tabLst>
+              <a:defRPr>
+                <a:solidFill>
+                  <a:srgbClr val="000000"/>
+                </a:solidFill>
+                <a:latin typeface="Calibri" panose="020F0502020204030204" pitchFamily="34" charset="0"/>
+                <a:cs typeface="Droid Sans Fallback" charset="0"/>
+              </a:defRPr>
+            </a:lvl6pPr>
+            <a:lvl7pPr marL="2971800" indent="-228600" defTabSz="449263" eaLnBrk="0" fontAlgn="base" hangingPunct="0">
+              <a:lnSpc>
+                <a:spcPct val="90000"/>
+              </a:lnSpc>
+              <a:spcBef>
+                <a:spcPts val="500"/>
+              </a:spcBef>
+              <a:spcAft>
+                <a:spcPct val="0"/>
+              </a:spcAft>
+              <a:buClr>
+                <a:srgbClr val="000000"/>
+              </a:buClr>
+              <a:buSzPct val="100000"/>
+              <a:buFont typeface="Times New Roman" panose="02020603050405020304" pitchFamily="18" charset="0"/>
+              <a:tabLst>
+                <a:tab pos="0" algn="l"/>
+                <a:tab pos="914400" algn="l"/>
+                <a:tab pos="1828800" algn="l"/>
+                <a:tab pos="2743200" algn="l"/>
+                <a:tab pos="3657600" algn="l"/>
+                <a:tab pos="4572000" algn="l"/>
+                <a:tab pos="5486400" algn="l"/>
+                <a:tab pos="6400800" algn="l"/>
+                <a:tab pos="7315200" algn="l"/>
+                <a:tab pos="8229600" algn="l"/>
+                <a:tab pos="9144000" algn="l"/>
+                <a:tab pos="10058400" algn="l"/>
+              </a:tabLst>
+              <a:defRPr>
+                <a:solidFill>
+                  <a:srgbClr val="000000"/>
+                </a:solidFill>
+                <a:latin typeface="Calibri" panose="020F0502020204030204" pitchFamily="34" charset="0"/>
+                <a:cs typeface="Droid Sans Fallback" charset="0"/>
+              </a:defRPr>
+            </a:lvl7pPr>
+            <a:lvl8pPr marL="3429000" indent="-228600" defTabSz="449263" eaLnBrk="0" fontAlgn="base" hangingPunct="0">
+              <a:lnSpc>
+                <a:spcPct val="90000"/>
+              </a:lnSpc>
+              <a:spcBef>
+                <a:spcPts val="500"/>
+              </a:spcBef>
+              <a:spcAft>
+                <a:spcPct val="0"/>
+              </a:spcAft>
+              <a:buClr>
+                <a:srgbClr val="000000"/>
+              </a:buClr>
+              <a:buSzPct val="100000"/>
+              <a:buFont typeface="Times New Roman" panose="02020603050405020304" pitchFamily="18" charset="0"/>
+              <a:tabLst>
+                <a:tab pos="0" algn="l"/>
+                <a:tab pos="914400" algn="l"/>
+                <a:tab pos="1828800" algn="l"/>
+                <a:tab pos="2743200" algn="l"/>
+                <a:tab pos="3657600" algn="l"/>
+                <a:tab pos="4572000" algn="l"/>
+                <a:tab pos="5486400" algn="l"/>
+                <a:tab pos="6400800" algn="l"/>
+                <a:tab pos="7315200" algn="l"/>
+                <a:tab pos="8229600" algn="l"/>
+                <a:tab pos="9144000" algn="l"/>
+                <a:tab pos="10058400" algn="l"/>
+              </a:tabLst>
+              <a:defRPr>
+                <a:solidFill>
+                  <a:srgbClr val="000000"/>
+                </a:solidFill>
+                <a:latin typeface="Calibri" panose="020F0502020204030204" pitchFamily="34" charset="0"/>
+                <a:cs typeface="Droid Sans Fallback" charset="0"/>
+              </a:defRPr>
+            </a:lvl8pPr>
+            <a:lvl9pPr marL="3886200" indent="-228600" defTabSz="449263" eaLnBrk="0" fontAlgn="base" hangingPunct="0">
+              <a:lnSpc>
+                <a:spcPct val="90000"/>
+              </a:lnSpc>
+              <a:spcBef>
+                <a:spcPts val="500"/>
+              </a:spcBef>
+              <a:spcAft>
+                <a:spcPct val="0"/>
+              </a:spcAft>
+              <a:buClr>
+                <a:srgbClr val="000000"/>
+              </a:buClr>
+              <a:buSzPct val="100000"/>
+              <a:buFont typeface="Times New Roman" panose="02020603050405020304" pitchFamily="18" charset="0"/>
+              <a:tabLst>
+                <a:tab pos="0" algn="l"/>
+                <a:tab pos="914400" algn="l"/>
+                <a:tab pos="1828800" algn="l"/>
+                <a:tab pos="2743200" algn="l"/>
+                <a:tab pos="3657600" algn="l"/>
+                <a:tab pos="4572000" algn="l"/>
+                <a:tab pos="5486400" algn="l"/>
+                <a:tab pos="6400800" algn="l"/>
+                <a:tab pos="7315200" algn="l"/>
+                <a:tab pos="8229600" algn="l"/>
+                <a:tab pos="9144000" algn="l"/>
+                <a:tab pos="10058400" algn="l"/>
+              </a:tabLst>
+              <a:defRPr>
+                <a:solidFill>
+                  <a:srgbClr val="000000"/>
+                </a:solidFill>
+                <a:latin typeface="Calibri" panose="020F0502020204030204" pitchFamily="34" charset="0"/>
+                <a:cs typeface="Droid Sans Fallback" charset="0"/>
+              </a:defRPr>
+            </a:lvl9pPr>
+          </a:lstStyle>
+          <a:p>
+            <a:pPr algn="ctr">
+              <a:lnSpc>
+                <a:spcPct val="100000"/>
+              </a:lnSpc>
+              <a:spcBef>
+                <a:spcPct val="0"/>
+              </a:spcBef>
+              <a:buClrTx/>
+              <a:buFontTx/>
+              <a:buNone/>
+            </a:pPr>
+            <a:r>
+              <a:rPr lang="pt-BR" altLang="pt-BR" sz="1400" b="1" dirty="0">
+                <a:solidFill>
+                  <a:srgbClr val="7F7F7F"/>
+                </a:solidFill>
+                <a:latin typeface="Times New Roman" panose="02020603050405020304" pitchFamily="18" charset="0"/>
+                <a:cs typeface="Times New Roman" panose="02020603050405020304" pitchFamily="18" charset="0"/>
+              </a:rPr>
+              <a:t>Instituto Tecnológico de Aeronáutica</a:t>
+            </a:r>
+          </a:p>
+          <a:p>
+            <a:pPr algn="ctr">
+              <a:lnSpc>
+                <a:spcPct val="100000"/>
+              </a:lnSpc>
+              <a:spcBef>
+                <a:spcPct val="0"/>
+              </a:spcBef>
+              <a:buClrTx/>
+              <a:buFontTx/>
+              <a:buNone/>
+            </a:pPr>
+            <a:r>
+              <a:rPr lang="pt-BR" altLang="pt-BR" sz="1400" b="1" dirty="0">
+                <a:solidFill>
+                  <a:srgbClr val="7F7F7F"/>
+                </a:solidFill>
+                <a:latin typeface="Times New Roman" panose="02020603050405020304" pitchFamily="18" charset="0"/>
+                <a:cs typeface="Times New Roman" panose="02020603050405020304" pitchFamily="18" charset="0"/>
+              </a:rPr>
+              <a:t>Curso de Mestrado Profissionalizante em Engenharia Aeronáutica</a:t>
+            </a:r>
+          </a:p>
+          <a:p>
+            <a:pPr algn="ctr">
+              <a:lnSpc>
+                <a:spcPct val="100000"/>
+              </a:lnSpc>
+              <a:spcBef>
+                <a:spcPct val="0"/>
+              </a:spcBef>
+              <a:buClrTx/>
+              <a:buFontTx/>
+              <a:buNone/>
+            </a:pPr>
+            <a:r>
+              <a:rPr lang="pt-BR" altLang="pt-BR" sz="1400" b="1" dirty="0">
+                <a:solidFill>
+                  <a:srgbClr val="7F7F7F"/>
+                </a:solidFill>
+                <a:latin typeface="Times New Roman" panose="02020603050405020304" pitchFamily="18" charset="0"/>
+                <a:cs typeface="Times New Roman" panose="02020603050405020304" pitchFamily="18" charset="0"/>
+              </a:rPr>
+              <a:t>Programa de Pós-Graduação em Engenharia Aeronáutica e Mecânica</a:t>
             </a:r>
           </a:p>
         </p:txBody>
       </p:sp>
       <p:sp>
         <p:nvSpPr>
-          <p:cNvPr id="3" name="Espaço Reservado para Conteúdo 2"/>
+          <p:cNvPr id="7" name="Line 7"/>
+          <p:cNvSpPr>
+            <a:spLocks noChangeShapeType="1"/>
+          </p:cNvSpPr>
+          <p:nvPr/>
+        </p:nvSpPr>
+        <p:spPr bwMode="auto">
+          <a:xfrm>
+            <a:off x="507206" y="901215"/>
+            <a:ext cx="8089900" cy="1587"/>
+          </a:xfrm>
+          <a:prstGeom prst="line">
+            <a:avLst/>
+          </a:prstGeom>
+          <a:noFill/>
+          <a:ln w="6480" cap="sq">
+            <a:solidFill>
+              <a:srgbClr val="A5A5A5"/>
+            </a:solidFill>
+            <a:miter lim="800000"/>
+            <a:headEnd/>
+            <a:tailEnd/>
+          </a:ln>
+          <a:effectLst/>
+          <a:extLst>
+            <a:ext uri="{909E8E84-426E-40DD-AFC4-6F175D3DCCD1}">
+              <a14:hiddenFill xmlns:a14="http://schemas.microsoft.com/office/drawing/2010/main">
+                <a:noFill/>
+              </a14:hiddenFill>
+            </a:ext>
+            <a:ext uri="{AF507438-7753-43E0-B8FC-AC1667EBCBE1}">
+              <a14:hiddenEffects xmlns:a14="http://schemas.microsoft.com/office/drawing/2010/main">
+                <a:effectLst>
+                  <a:outerShdw dist="35921" dir="2700000" algn="ctr" rotWithShape="0">
+                    <a:srgbClr val="808080"/>
+                  </a:outerShdw>
+                </a:effectLst>
+              </a14:hiddenEffects>
+            </a:ext>
+          </a:extLst>
+        </p:spPr>
+        <p:txBody>
+          <a:bodyPr/>
+          <a:lstStyle/>
+          <a:p>
+            <a:endParaRPr lang="pt-BR"/>
+          </a:p>
+        </p:txBody>
+      </p:sp>
+      <p:sp>
+        <p:nvSpPr>
+          <p:cNvPr id="8" name="Line 6"/>
+          <p:cNvSpPr>
+            <a:spLocks noChangeShapeType="1"/>
+          </p:cNvSpPr>
+          <p:nvPr/>
+        </p:nvSpPr>
+        <p:spPr bwMode="auto">
+          <a:xfrm>
+            <a:off x="508000" y="6488113"/>
+            <a:ext cx="8089900" cy="1587"/>
+          </a:xfrm>
+          <a:prstGeom prst="line">
+            <a:avLst/>
+          </a:prstGeom>
+          <a:noFill/>
+          <a:ln w="6480" cap="sq">
+            <a:solidFill>
+              <a:srgbClr val="A5A5A5"/>
+            </a:solidFill>
+            <a:miter lim="800000"/>
+            <a:headEnd/>
+            <a:tailEnd/>
+          </a:ln>
+          <a:effectLst/>
+          <a:extLst>
+            <a:ext uri="{909E8E84-426E-40DD-AFC4-6F175D3DCCD1}">
+              <a14:hiddenFill xmlns:a14="http://schemas.microsoft.com/office/drawing/2010/main">
+                <a:noFill/>
+              </a14:hiddenFill>
+            </a:ext>
+            <a:ext uri="{AF507438-7753-43E0-B8FC-AC1667EBCBE1}">
+              <a14:hiddenEffects xmlns:a14="http://schemas.microsoft.com/office/drawing/2010/main">
+                <a:effectLst>
+                  <a:outerShdw dist="35921" dir="2700000" algn="ctr" rotWithShape="0">
+                    <a:srgbClr val="808080"/>
+                  </a:outerShdw>
+                </a:effectLst>
+              </a14:hiddenEffects>
+            </a:ext>
+          </a:extLst>
+        </p:spPr>
+        <p:txBody>
+          <a:bodyPr/>
+          <a:lstStyle/>
+          <a:p>
+            <a:endParaRPr lang="pt-BR"/>
+          </a:p>
+        </p:txBody>
+      </p:sp>
+      <p:sp>
+        <p:nvSpPr>
+          <p:cNvPr id="12" name="Espaço Reservado para Número de Slide 10"/>
+          <p:cNvSpPr>
+            <a:spLocks noGrp="1"/>
+          </p:cNvSpPr>
+          <p:nvPr>
+            <p:ph type="sldNum" sz="quarter" idx="12"/>
+          </p:nvPr>
+        </p:nvSpPr>
+        <p:spPr>
+          <a:xfrm>
+            <a:off x="6870700" y="6487179"/>
+            <a:ext cx="2057400" cy="365125"/>
+          </a:xfrm>
+        </p:spPr>
+        <p:txBody>
+          <a:bodyPr/>
+          <a:lstStyle/>
+          <a:p>
+            <a:fld id="{81005A1F-7AC2-4032-AE25-0D28B304E158}" type="slidenum">
+              <a:rPr lang="pt-BR" smtClean="0"/>
+              <a:t>24</a:t>
+            </a:fld>
+            <a:endParaRPr lang="pt-BR" dirty="0"/>
+          </a:p>
+        </p:txBody>
+      </p:sp>
+      <p:sp>
+        <p:nvSpPr>
+          <p:cNvPr id="17" name="Espaço Reservado para Conteúdo 2"/>
           <p:cNvSpPr>
             <a:spLocks noGrp="1"/>
           </p:cNvSpPr>
@@ -16115,37 +20757,358 @@
             <p:ph idx="1"/>
           </p:nvPr>
         </p:nvSpPr>
-        <p:spPr/>
+        <p:spPr>
+          <a:xfrm>
+            <a:off x="507206" y="1685437"/>
+            <a:ext cx="8089900" cy="4735553"/>
+          </a:xfrm>
+        </p:spPr>
         <p:txBody>
-          <a:bodyPr/>
+          <a:bodyPr>
+            <a:normAutofit/>
+          </a:bodyPr>
           <a:lstStyle/>
           <a:p>
             <a:r>
-              <a:rPr lang="pt-BR" dirty="0"/>
+              <a:rPr lang="pt-BR" sz="2000" dirty="0"/>
               <a:t>Regime Permanente</a:t>
             </a:r>
           </a:p>
+          <a:p>
+            <a:endParaRPr lang="pt-BR" sz="1600" i="1" dirty="0">
+              <a:solidFill>
+                <a:prstClr val="black"/>
+              </a:solidFill>
+              <a:latin typeface="Cambria Math" panose="02040503050406030204" pitchFamily="18" charset="0"/>
+            </a:endParaRPr>
+          </a:p>
+          <a:p>
+            <a:endParaRPr lang="pt-BR" sz="1600" i="1" dirty="0">
+              <a:solidFill>
+                <a:prstClr val="black"/>
+              </a:solidFill>
+              <a:latin typeface="Cambria Math" panose="02040503050406030204" pitchFamily="18" charset="0"/>
+            </a:endParaRPr>
+          </a:p>
+          <a:p>
+            <a:endParaRPr lang="pt-BR" sz="1600" i="1" dirty="0">
+              <a:solidFill>
+                <a:prstClr val="black"/>
+              </a:solidFill>
+              <a:latin typeface="Cambria Math" panose="02040503050406030204" pitchFamily="18" charset="0"/>
+            </a:endParaRPr>
+          </a:p>
+          <a:p>
+            <a:endParaRPr lang="pt-BR" sz="1600" i="1" dirty="0">
+              <a:solidFill>
+                <a:prstClr val="black"/>
+              </a:solidFill>
+              <a:latin typeface="Cambria Math" panose="02040503050406030204" pitchFamily="18" charset="0"/>
+            </a:endParaRPr>
+          </a:p>
+          <a:p>
+            <a:endParaRPr lang="pt-BR" sz="800" dirty="0">
+              <a:solidFill>
+                <a:prstClr val="black"/>
+              </a:solidFill>
+            </a:endParaRPr>
+          </a:p>
         </p:txBody>
       </p:sp>
+      <p:grpSp>
+        <p:nvGrpSpPr>
+          <p:cNvPr id="20" name="Agrupar 19"/>
+          <p:cNvGrpSpPr>
+            <a:grpSpLocks noChangeAspect="1"/>
+          </p:cNvGrpSpPr>
+          <p:nvPr/>
+        </p:nvGrpSpPr>
+        <p:grpSpPr>
+          <a:xfrm>
+            <a:off x="144000" y="3049250"/>
+            <a:ext cx="9000000" cy="3377596"/>
+            <a:chOff x="144000" y="2519052"/>
+            <a:chExt cx="9000000" cy="3377596"/>
+          </a:xfrm>
+        </p:grpSpPr>
+        <p:grpSp>
+          <p:nvGrpSpPr>
+            <p:cNvPr id="13" name="Agrupar 12"/>
+            <p:cNvGrpSpPr>
+              <a:grpSpLocks noChangeAspect="1"/>
+            </p:cNvGrpSpPr>
+            <p:nvPr/>
+          </p:nvGrpSpPr>
+          <p:grpSpPr>
+            <a:xfrm>
+              <a:off x="144000" y="4208317"/>
+              <a:ext cx="9000000" cy="1688331"/>
+              <a:chOff x="-365778" y="3834606"/>
+              <a:chExt cx="10080000" cy="1890931"/>
+            </a:xfrm>
+          </p:grpSpPr>
+          <p:pic>
+            <p:nvPicPr>
+              <p:cNvPr id="3" name="Imagem 2"/>
+              <p:cNvPicPr>
+                <a:picLocks noChangeAspect="1"/>
+              </p:cNvPicPr>
+              <p:nvPr/>
+            </p:nvPicPr>
+            <p:blipFill>
+              <a:blip r:embed="rId4"/>
+              <a:stretch>
+                <a:fillRect/>
+              </a:stretch>
+            </p:blipFill>
+            <p:spPr>
+              <a:xfrm>
+                <a:off x="-365778" y="3834606"/>
+                <a:ext cx="2520000" cy="1890931"/>
+              </a:xfrm>
+              <a:prstGeom prst="rect">
+                <a:avLst/>
+              </a:prstGeom>
+            </p:spPr>
+          </p:pic>
+          <p:pic>
+            <p:nvPicPr>
+              <p:cNvPr id="9" name="Imagem 8"/>
+              <p:cNvPicPr>
+                <a:picLocks noChangeAspect="1"/>
+              </p:cNvPicPr>
+              <p:nvPr/>
+            </p:nvPicPr>
+            <p:blipFill>
+              <a:blip r:embed="rId5"/>
+              <a:stretch>
+                <a:fillRect/>
+              </a:stretch>
+            </p:blipFill>
+            <p:spPr>
+              <a:xfrm>
+                <a:off x="2154222" y="3834606"/>
+                <a:ext cx="2520000" cy="1890931"/>
+              </a:xfrm>
+              <a:prstGeom prst="rect">
+                <a:avLst/>
+              </a:prstGeom>
+            </p:spPr>
+          </p:pic>
+          <p:pic>
+            <p:nvPicPr>
+              <p:cNvPr id="10" name="Imagem 9"/>
+              <p:cNvPicPr>
+                <a:picLocks noChangeAspect="1"/>
+              </p:cNvPicPr>
+              <p:nvPr/>
+            </p:nvPicPr>
+            <p:blipFill>
+              <a:blip r:embed="rId6"/>
+              <a:stretch>
+                <a:fillRect/>
+              </a:stretch>
+            </p:blipFill>
+            <p:spPr>
+              <a:xfrm>
+                <a:off x="4674222" y="3834606"/>
+                <a:ext cx="2520000" cy="1890931"/>
+              </a:xfrm>
+              <a:prstGeom prst="rect">
+                <a:avLst/>
+              </a:prstGeom>
+            </p:spPr>
+          </p:pic>
+          <p:pic>
+            <p:nvPicPr>
+              <p:cNvPr id="11" name="Imagem 10"/>
+              <p:cNvPicPr>
+                <a:picLocks noChangeAspect="1"/>
+              </p:cNvPicPr>
+              <p:nvPr/>
+            </p:nvPicPr>
+            <p:blipFill>
+              <a:blip r:embed="rId7"/>
+              <a:stretch>
+                <a:fillRect/>
+              </a:stretch>
+            </p:blipFill>
+            <p:spPr>
+              <a:xfrm>
+                <a:off x="7194222" y="3834606"/>
+                <a:ext cx="2520000" cy="1890931"/>
+              </a:xfrm>
+              <a:prstGeom prst="rect">
+                <a:avLst/>
+              </a:prstGeom>
+            </p:spPr>
+          </p:pic>
+        </p:grpSp>
+        <p:pic>
+          <p:nvPicPr>
+            <p:cNvPr id="15" name="Imagem 14"/>
+            <p:cNvPicPr>
+              <a:picLocks noChangeAspect="1"/>
+            </p:cNvPicPr>
+            <p:nvPr/>
+          </p:nvPicPr>
+          <p:blipFill>
+            <a:blip r:embed="rId8"/>
+            <a:stretch>
+              <a:fillRect/>
+            </a:stretch>
+          </p:blipFill>
+          <p:spPr>
+            <a:xfrm>
+              <a:off x="144000" y="2519986"/>
+              <a:ext cx="2250000" cy="1688331"/>
+            </a:xfrm>
+            <a:prstGeom prst="rect">
+              <a:avLst/>
+            </a:prstGeom>
+          </p:spPr>
+        </p:pic>
+        <p:pic>
+          <p:nvPicPr>
+            <p:cNvPr id="16" name="Imagem 15"/>
+            <p:cNvPicPr>
+              <a:picLocks noChangeAspect="1"/>
+            </p:cNvPicPr>
+            <p:nvPr/>
+          </p:nvPicPr>
+          <p:blipFill>
+            <a:blip r:embed="rId9"/>
+            <a:stretch>
+              <a:fillRect/>
+            </a:stretch>
+          </p:blipFill>
+          <p:spPr>
+            <a:xfrm>
+              <a:off x="2394000" y="2519986"/>
+              <a:ext cx="2250000" cy="1688331"/>
+            </a:xfrm>
+            <a:prstGeom prst="rect">
+              <a:avLst/>
+            </a:prstGeom>
+          </p:spPr>
+        </p:pic>
+        <p:pic>
+          <p:nvPicPr>
+            <p:cNvPr id="18" name="Imagem 17"/>
+            <p:cNvPicPr>
+              <a:picLocks noChangeAspect="1"/>
+            </p:cNvPicPr>
+            <p:nvPr/>
+          </p:nvPicPr>
+          <p:blipFill>
+            <a:blip r:embed="rId10"/>
+            <a:stretch>
+              <a:fillRect/>
+            </a:stretch>
+          </p:blipFill>
+          <p:spPr>
+            <a:xfrm>
+              <a:off x="4644000" y="2519519"/>
+              <a:ext cx="2250000" cy="1688331"/>
+            </a:xfrm>
+            <a:prstGeom prst="rect">
+              <a:avLst/>
+            </a:prstGeom>
+          </p:spPr>
+        </p:pic>
+        <p:pic>
+          <p:nvPicPr>
+            <p:cNvPr id="19" name="Imagem 18"/>
+            <p:cNvPicPr>
+              <a:picLocks noChangeAspect="1"/>
+            </p:cNvPicPr>
+            <p:nvPr/>
+          </p:nvPicPr>
+          <p:blipFill>
+            <a:blip r:embed="rId11"/>
+            <a:stretch>
+              <a:fillRect/>
+            </a:stretch>
+          </p:blipFill>
+          <p:spPr>
+            <a:xfrm>
+              <a:off x="6870700" y="2519052"/>
+              <a:ext cx="2250000" cy="1688331"/>
+            </a:xfrm>
+            <a:prstGeom prst="rect">
+              <a:avLst/>
+            </a:prstGeom>
+          </p:spPr>
+        </p:pic>
+      </p:grpSp>
+      <p:pic>
+        <p:nvPicPr>
+          <p:cNvPr id="21" name="Imagem 20"/>
+          <p:cNvPicPr>
+            <a:picLocks noChangeAspect="1"/>
+          </p:cNvPicPr>
+          <p:nvPr/>
+        </p:nvPicPr>
+        <p:blipFill>
+          <a:blip r:embed="rId12"/>
+          <a:stretch>
+            <a:fillRect/>
+          </a:stretch>
+        </p:blipFill>
+        <p:spPr>
+          <a:xfrm>
+            <a:off x="3106825" y="1690693"/>
+            <a:ext cx="2890662" cy="1355665"/>
+          </a:xfrm>
+          <a:prstGeom prst="rect">
+            <a:avLst/>
+          </a:prstGeom>
+        </p:spPr>
+      </p:pic>
       <p:sp>
         <p:nvSpPr>
-          <p:cNvPr id="4" name="Espaço Reservado para Número de Slide 3"/>
-          <p:cNvSpPr>
-            <a:spLocks noGrp="1"/>
-          </p:cNvSpPr>
-          <p:nvPr>
-            <p:ph type="sldNum" sz="quarter" idx="12"/>
-          </p:nvPr>
+          <p:cNvPr id="22" name="Retângulo 21"/>
+          <p:cNvSpPr/>
+          <p:nvPr/>
         </p:nvSpPr>
-        <p:spPr/>
+        <p:spPr>
+          <a:xfrm>
+            <a:off x="5412657" y="1892492"/>
+            <a:ext cx="486697" cy="952065"/>
+          </a:xfrm>
+          <a:prstGeom prst="rect">
+            <a:avLst/>
+          </a:prstGeom>
+          <a:solidFill>
+            <a:srgbClr val="4472C4">
+              <a:alpha val="40000"/>
+            </a:srgbClr>
+          </a:solidFill>
+          <a:ln>
+            <a:noFill/>
+          </a:ln>
+        </p:spPr>
+        <p:style>
+          <a:lnRef idx="2">
+            <a:schemeClr val="accent1">
+              <a:shade val="50000"/>
+            </a:schemeClr>
+          </a:lnRef>
+          <a:fillRef idx="1">
+            <a:schemeClr val="accent1"/>
+          </a:fillRef>
+          <a:effectRef idx="0">
+            <a:schemeClr val="accent1"/>
+          </a:effectRef>
+          <a:fontRef idx="minor">
+            <a:schemeClr val="lt1"/>
+          </a:fontRef>
+        </p:style>
         <p:txBody>
-          <a:bodyPr/>
+          <a:bodyPr rtlCol="0" anchor="ctr"/>
           <a:lstStyle/>
           <a:p>
-            <a:fld id="{81005A1F-7AC2-4032-AE25-0D28B304E158}" type="slidenum">
-              <a:rPr lang="pt-BR" smtClean="0"/>
-              <a:t>24</a:t>
-            </a:fld>
+            <a:pPr algn="ctr"/>
             <a:endParaRPr lang="pt-BR"/>
           </a:p>
         </p:txBody>
@@ -16153,7 +21116,7 @@
     </p:spTree>
     <p:extLst>
       <p:ext uri="{BB962C8B-B14F-4D97-AF65-F5344CB8AC3E}">
-        <p14:creationId xmlns:p14="http://schemas.microsoft.com/office/powerpoint/2010/main" val="1027324587"/>
+        <p14:creationId xmlns:p14="http://schemas.microsoft.com/office/powerpoint/2010/main" val="913379417"/>
       </p:ext>
     </p:extLst>
   </p:cSld>
@@ -16190,21 +21153,739 @@
             <p:ph type="title"/>
           </p:nvPr>
         </p:nvSpPr>
-        <p:spPr/>
+        <p:spPr>
+          <a:xfrm>
+            <a:off x="628650" y="1083288"/>
+            <a:ext cx="7886700" cy="476737"/>
+          </a:xfrm>
+        </p:spPr>
         <p:txBody>
-          <a:bodyPr/>
+          <a:bodyPr>
+            <a:noAutofit/>
+          </a:bodyPr>
           <a:lstStyle/>
           <a:p>
             <a:r>
-              <a:rPr lang="pt-BR" dirty="0"/>
+              <a:rPr lang="pt-BR" sz="2400" b="1" dirty="0"/>
               <a:t>Conclusão</a:t>
+            </a:r>
+          </a:p>
+        </p:txBody>
+      </p:sp>
+      <p:pic>
+        <p:nvPicPr>
+          <p:cNvPr id="4" name="Picture 2"/>
+          <p:cNvPicPr>
+            <a:picLocks noChangeAspect="1" noChangeArrowheads="1"/>
+          </p:cNvPicPr>
+          <p:nvPr/>
+        </p:nvPicPr>
+        <p:blipFill>
+          <a:blip r:embed="rId2">
+            <a:extLst>
+              <a:ext uri="{28A0092B-C50C-407E-A947-70E740481C1C}">
+                <a14:useLocalDpi xmlns:a14="http://schemas.microsoft.com/office/drawing/2010/main" val="0"/>
+              </a:ext>
+            </a:extLst>
+          </a:blip>
+          <a:srcRect/>
+          <a:stretch>
+            <a:fillRect/>
+          </a:stretch>
+        </p:blipFill>
+        <p:spPr bwMode="auto">
+          <a:xfrm>
+            <a:off x="74613" y="127000"/>
+            <a:ext cx="1847850" cy="709613"/>
+          </a:xfrm>
+          <a:prstGeom prst="rect">
+            <a:avLst/>
+          </a:prstGeom>
+          <a:noFill/>
+          <a:ln>
+            <a:noFill/>
+          </a:ln>
+          <a:effectLst/>
+          <a:extLst>
+            <a:ext uri="{909E8E84-426E-40DD-AFC4-6F175D3DCCD1}">
+              <a14:hiddenFill xmlns:a14="http://schemas.microsoft.com/office/drawing/2010/main">
+                <a:blipFill dpi="0" rotWithShape="0">
+                  <a:blip/>
+                  <a:srcRect/>
+                  <a:stretch>
+                    <a:fillRect/>
+                  </a:stretch>
+                </a:blipFill>
+              </a14:hiddenFill>
+            </a:ext>
+            <a:ext uri="{91240B29-F687-4F45-9708-019B960494DF}">
+              <a14:hiddenLine xmlns:a14="http://schemas.microsoft.com/office/drawing/2010/main" w="9525">
+                <a:solidFill>
+                  <a:srgbClr val="3465A4"/>
+                </a:solidFill>
+                <a:round/>
+                <a:headEnd/>
+                <a:tailEnd/>
+              </a14:hiddenLine>
+            </a:ext>
+            <a:ext uri="{AF507438-7753-43E0-B8FC-AC1667EBCBE1}">
+              <a14:hiddenEffects xmlns:a14="http://schemas.microsoft.com/office/drawing/2010/main">
+                <a:effectLst>
+                  <a:outerShdw dist="35921" dir="2700000" algn="ctr" rotWithShape="0">
+                    <a:srgbClr val="808080"/>
+                  </a:outerShdw>
+                </a:effectLst>
+              </a14:hiddenEffects>
+            </a:ext>
+          </a:extLst>
+        </p:spPr>
+      </p:pic>
+      <p:pic>
+        <p:nvPicPr>
+          <p:cNvPr id="5" name="Picture 3"/>
+          <p:cNvPicPr>
+            <a:picLocks noChangeAspect="1" noChangeArrowheads="1"/>
+          </p:cNvPicPr>
+          <p:nvPr/>
+        </p:nvPicPr>
+        <p:blipFill>
+          <a:blip r:embed="rId3">
+            <a:extLst>
+              <a:ext uri="{28A0092B-C50C-407E-A947-70E740481C1C}">
+                <a14:useLocalDpi xmlns:a14="http://schemas.microsoft.com/office/drawing/2010/main" val="0"/>
+              </a:ext>
+            </a:extLst>
+          </a:blip>
+          <a:srcRect/>
+          <a:stretch>
+            <a:fillRect/>
+          </a:stretch>
+        </p:blipFill>
+        <p:spPr bwMode="auto">
+          <a:xfrm>
+            <a:off x="7265988" y="146050"/>
+            <a:ext cx="1662112" cy="709613"/>
+          </a:xfrm>
+          <a:prstGeom prst="rect">
+            <a:avLst/>
+          </a:prstGeom>
+          <a:noFill/>
+          <a:ln>
+            <a:noFill/>
+          </a:ln>
+          <a:effectLst/>
+          <a:extLst>
+            <a:ext uri="{909E8E84-426E-40DD-AFC4-6F175D3DCCD1}">
+              <a14:hiddenFill xmlns:a14="http://schemas.microsoft.com/office/drawing/2010/main">
+                <a:blipFill dpi="0" rotWithShape="0">
+                  <a:blip/>
+                  <a:srcRect/>
+                  <a:stretch>
+                    <a:fillRect/>
+                  </a:stretch>
+                </a:blipFill>
+              </a14:hiddenFill>
+            </a:ext>
+            <a:ext uri="{91240B29-F687-4F45-9708-019B960494DF}">
+              <a14:hiddenLine xmlns:a14="http://schemas.microsoft.com/office/drawing/2010/main" w="9525">
+                <a:solidFill>
+                  <a:srgbClr val="3465A4"/>
+                </a:solidFill>
+                <a:round/>
+                <a:headEnd/>
+                <a:tailEnd/>
+              </a14:hiddenLine>
+            </a:ext>
+            <a:ext uri="{AF507438-7753-43E0-B8FC-AC1667EBCBE1}">
+              <a14:hiddenEffects xmlns:a14="http://schemas.microsoft.com/office/drawing/2010/main">
+                <a:effectLst>
+                  <a:outerShdw dist="35921" dir="2700000" algn="ctr" rotWithShape="0">
+                    <a:srgbClr val="808080"/>
+                  </a:outerShdw>
+                </a:effectLst>
+              </a14:hiddenEffects>
+            </a:ext>
+          </a:extLst>
+        </p:spPr>
+      </p:pic>
+      <p:sp>
+        <p:nvSpPr>
+          <p:cNvPr id="6" name="Text Box 4"/>
+          <p:cNvSpPr txBox="1">
+            <a:spLocks noChangeArrowheads="1"/>
+          </p:cNvSpPr>
+          <p:nvPr/>
+        </p:nvSpPr>
+        <p:spPr bwMode="auto">
+          <a:xfrm>
+            <a:off x="1903413" y="1588"/>
+            <a:ext cx="5297487" cy="956288"/>
+          </a:xfrm>
+          <a:prstGeom prst="rect">
+            <a:avLst/>
+          </a:prstGeom>
+          <a:noFill/>
+          <a:ln>
+            <a:noFill/>
+          </a:ln>
+          <a:effectLst/>
+          <a:extLst>
+            <a:ext uri="{909E8E84-426E-40DD-AFC4-6F175D3DCCD1}">
+              <a14:hiddenFill xmlns:a14="http://schemas.microsoft.com/office/drawing/2010/main">
+                <a:solidFill>
+                  <a:srgbClr val="FFFFFF"/>
+                </a:solidFill>
+              </a14:hiddenFill>
+            </a:ext>
+            <a:ext uri="{91240B29-F687-4F45-9708-019B960494DF}">
+              <a14:hiddenLine xmlns:a14="http://schemas.microsoft.com/office/drawing/2010/main" w="9525">
+                <a:solidFill>
+                  <a:srgbClr val="3465A4"/>
+                </a:solidFill>
+                <a:round/>
+                <a:headEnd/>
+                <a:tailEnd/>
+              </a14:hiddenLine>
+            </a:ext>
+            <a:ext uri="{AF507438-7753-43E0-B8FC-AC1667EBCBE1}">
+              <a14:hiddenEffects xmlns:a14="http://schemas.microsoft.com/office/drawing/2010/main">
+                <a:effectLst>
+                  <a:outerShdw dist="35921" dir="2700000" algn="ctr" rotWithShape="0">
+                    <a:srgbClr val="808080"/>
+                  </a:outerShdw>
+                </a:effectLst>
+              </a14:hiddenEffects>
+            </a:ext>
+          </a:extLst>
+        </p:spPr>
+        <p:txBody>
+          <a:bodyPr lIns="90000" tIns="46800" rIns="90000" bIns="46800">
+            <a:spAutoFit/>
+          </a:bodyPr>
+          <a:lstStyle>
+            <a:lvl1pPr>
+              <a:lnSpc>
+                <a:spcPct val="90000"/>
+              </a:lnSpc>
+              <a:spcBef>
+                <a:spcPts val="1000"/>
+              </a:spcBef>
+              <a:buClr>
+                <a:srgbClr val="000000"/>
+              </a:buClr>
+              <a:buSzPct val="100000"/>
+              <a:buFont typeface="Times New Roman" panose="02020603050405020304" pitchFamily="18" charset="0"/>
+              <a:tabLst>
+                <a:tab pos="0" algn="l"/>
+                <a:tab pos="914400" algn="l"/>
+                <a:tab pos="1828800" algn="l"/>
+                <a:tab pos="2743200" algn="l"/>
+                <a:tab pos="3657600" algn="l"/>
+                <a:tab pos="4572000" algn="l"/>
+                <a:tab pos="5486400" algn="l"/>
+                <a:tab pos="6400800" algn="l"/>
+                <a:tab pos="7315200" algn="l"/>
+                <a:tab pos="8229600" algn="l"/>
+                <a:tab pos="9144000" algn="l"/>
+                <a:tab pos="10058400" algn="l"/>
+              </a:tabLst>
+              <a:defRPr sz="2800">
+                <a:solidFill>
+                  <a:srgbClr val="000000"/>
+                </a:solidFill>
+                <a:latin typeface="Calibri" panose="020F0502020204030204" pitchFamily="34" charset="0"/>
+                <a:cs typeface="Droid Sans Fallback" charset="0"/>
+              </a:defRPr>
+            </a:lvl1pPr>
+            <a:lvl2pPr>
+              <a:lnSpc>
+                <a:spcPct val="90000"/>
+              </a:lnSpc>
+              <a:spcBef>
+                <a:spcPts val="500"/>
+              </a:spcBef>
+              <a:buClr>
+                <a:srgbClr val="000000"/>
+              </a:buClr>
+              <a:buSzPct val="100000"/>
+              <a:buFont typeface="Times New Roman" panose="02020603050405020304" pitchFamily="18" charset="0"/>
+              <a:tabLst>
+                <a:tab pos="0" algn="l"/>
+                <a:tab pos="914400" algn="l"/>
+                <a:tab pos="1828800" algn="l"/>
+                <a:tab pos="2743200" algn="l"/>
+                <a:tab pos="3657600" algn="l"/>
+                <a:tab pos="4572000" algn="l"/>
+                <a:tab pos="5486400" algn="l"/>
+                <a:tab pos="6400800" algn="l"/>
+                <a:tab pos="7315200" algn="l"/>
+                <a:tab pos="8229600" algn="l"/>
+                <a:tab pos="9144000" algn="l"/>
+                <a:tab pos="10058400" algn="l"/>
+              </a:tabLst>
+              <a:defRPr sz="2400">
+                <a:solidFill>
+                  <a:srgbClr val="000000"/>
+                </a:solidFill>
+                <a:latin typeface="Calibri" panose="020F0502020204030204" pitchFamily="34" charset="0"/>
+                <a:cs typeface="Droid Sans Fallback" charset="0"/>
+              </a:defRPr>
+            </a:lvl2pPr>
+            <a:lvl3pPr>
+              <a:lnSpc>
+                <a:spcPct val="90000"/>
+              </a:lnSpc>
+              <a:spcBef>
+                <a:spcPts val="500"/>
+              </a:spcBef>
+              <a:buClr>
+                <a:srgbClr val="000000"/>
+              </a:buClr>
+              <a:buSzPct val="100000"/>
+              <a:buFont typeface="Times New Roman" panose="02020603050405020304" pitchFamily="18" charset="0"/>
+              <a:tabLst>
+                <a:tab pos="0" algn="l"/>
+                <a:tab pos="914400" algn="l"/>
+                <a:tab pos="1828800" algn="l"/>
+                <a:tab pos="2743200" algn="l"/>
+                <a:tab pos="3657600" algn="l"/>
+                <a:tab pos="4572000" algn="l"/>
+                <a:tab pos="5486400" algn="l"/>
+                <a:tab pos="6400800" algn="l"/>
+                <a:tab pos="7315200" algn="l"/>
+                <a:tab pos="8229600" algn="l"/>
+                <a:tab pos="9144000" algn="l"/>
+                <a:tab pos="10058400" algn="l"/>
+              </a:tabLst>
+              <a:defRPr sz="2000">
+                <a:solidFill>
+                  <a:srgbClr val="000000"/>
+                </a:solidFill>
+                <a:latin typeface="Calibri" panose="020F0502020204030204" pitchFamily="34" charset="0"/>
+                <a:cs typeface="Droid Sans Fallback" charset="0"/>
+              </a:defRPr>
+            </a:lvl3pPr>
+            <a:lvl4pPr>
+              <a:lnSpc>
+                <a:spcPct val="90000"/>
+              </a:lnSpc>
+              <a:spcBef>
+                <a:spcPts val="500"/>
+              </a:spcBef>
+              <a:buClr>
+                <a:srgbClr val="000000"/>
+              </a:buClr>
+              <a:buSzPct val="100000"/>
+              <a:buFont typeface="Times New Roman" panose="02020603050405020304" pitchFamily="18" charset="0"/>
+              <a:tabLst>
+                <a:tab pos="0" algn="l"/>
+                <a:tab pos="914400" algn="l"/>
+                <a:tab pos="1828800" algn="l"/>
+                <a:tab pos="2743200" algn="l"/>
+                <a:tab pos="3657600" algn="l"/>
+                <a:tab pos="4572000" algn="l"/>
+                <a:tab pos="5486400" algn="l"/>
+                <a:tab pos="6400800" algn="l"/>
+                <a:tab pos="7315200" algn="l"/>
+                <a:tab pos="8229600" algn="l"/>
+                <a:tab pos="9144000" algn="l"/>
+                <a:tab pos="10058400" algn="l"/>
+              </a:tabLst>
+              <a:defRPr>
+                <a:solidFill>
+                  <a:srgbClr val="000000"/>
+                </a:solidFill>
+                <a:latin typeface="Calibri" panose="020F0502020204030204" pitchFamily="34" charset="0"/>
+                <a:cs typeface="Droid Sans Fallback" charset="0"/>
+              </a:defRPr>
+            </a:lvl4pPr>
+            <a:lvl5pPr>
+              <a:lnSpc>
+                <a:spcPct val="90000"/>
+              </a:lnSpc>
+              <a:spcBef>
+                <a:spcPts val="500"/>
+              </a:spcBef>
+              <a:buClr>
+                <a:srgbClr val="000000"/>
+              </a:buClr>
+              <a:buSzPct val="100000"/>
+              <a:buFont typeface="Times New Roman" panose="02020603050405020304" pitchFamily="18" charset="0"/>
+              <a:tabLst>
+                <a:tab pos="0" algn="l"/>
+                <a:tab pos="914400" algn="l"/>
+                <a:tab pos="1828800" algn="l"/>
+                <a:tab pos="2743200" algn="l"/>
+                <a:tab pos="3657600" algn="l"/>
+                <a:tab pos="4572000" algn="l"/>
+                <a:tab pos="5486400" algn="l"/>
+                <a:tab pos="6400800" algn="l"/>
+                <a:tab pos="7315200" algn="l"/>
+                <a:tab pos="8229600" algn="l"/>
+                <a:tab pos="9144000" algn="l"/>
+                <a:tab pos="10058400" algn="l"/>
+              </a:tabLst>
+              <a:defRPr>
+                <a:solidFill>
+                  <a:srgbClr val="000000"/>
+                </a:solidFill>
+                <a:latin typeface="Calibri" panose="020F0502020204030204" pitchFamily="34" charset="0"/>
+                <a:cs typeface="Droid Sans Fallback" charset="0"/>
+              </a:defRPr>
+            </a:lvl5pPr>
+            <a:lvl6pPr marL="2514600" indent="-228600" defTabSz="449263" eaLnBrk="0" fontAlgn="base" hangingPunct="0">
+              <a:lnSpc>
+                <a:spcPct val="90000"/>
+              </a:lnSpc>
+              <a:spcBef>
+                <a:spcPts val="500"/>
+              </a:spcBef>
+              <a:spcAft>
+                <a:spcPct val="0"/>
+              </a:spcAft>
+              <a:buClr>
+                <a:srgbClr val="000000"/>
+              </a:buClr>
+              <a:buSzPct val="100000"/>
+              <a:buFont typeface="Times New Roman" panose="02020603050405020304" pitchFamily="18" charset="0"/>
+              <a:tabLst>
+                <a:tab pos="0" algn="l"/>
+                <a:tab pos="914400" algn="l"/>
+                <a:tab pos="1828800" algn="l"/>
+                <a:tab pos="2743200" algn="l"/>
+                <a:tab pos="3657600" algn="l"/>
+                <a:tab pos="4572000" algn="l"/>
+                <a:tab pos="5486400" algn="l"/>
+                <a:tab pos="6400800" algn="l"/>
+                <a:tab pos="7315200" algn="l"/>
+                <a:tab pos="8229600" algn="l"/>
+                <a:tab pos="9144000" algn="l"/>
+                <a:tab pos="10058400" algn="l"/>
+              </a:tabLst>
+              <a:defRPr>
+                <a:solidFill>
+                  <a:srgbClr val="000000"/>
+                </a:solidFill>
+                <a:latin typeface="Calibri" panose="020F0502020204030204" pitchFamily="34" charset="0"/>
+                <a:cs typeface="Droid Sans Fallback" charset="0"/>
+              </a:defRPr>
+            </a:lvl6pPr>
+            <a:lvl7pPr marL="2971800" indent="-228600" defTabSz="449263" eaLnBrk="0" fontAlgn="base" hangingPunct="0">
+              <a:lnSpc>
+                <a:spcPct val="90000"/>
+              </a:lnSpc>
+              <a:spcBef>
+                <a:spcPts val="500"/>
+              </a:spcBef>
+              <a:spcAft>
+                <a:spcPct val="0"/>
+              </a:spcAft>
+              <a:buClr>
+                <a:srgbClr val="000000"/>
+              </a:buClr>
+              <a:buSzPct val="100000"/>
+              <a:buFont typeface="Times New Roman" panose="02020603050405020304" pitchFamily="18" charset="0"/>
+              <a:tabLst>
+                <a:tab pos="0" algn="l"/>
+                <a:tab pos="914400" algn="l"/>
+                <a:tab pos="1828800" algn="l"/>
+                <a:tab pos="2743200" algn="l"/>
+                <a:tab pos="3657600" algn="l"/>
+                <a:tab pos="4572000" algn="l"/>
+                <a:tab pos="5486400" algn="l"/>
+                <a:tab pos="6400800" algn="l"/>
+                <a:tab pos="7315200" algn="l"/>
+                <a:tab pos="8229600" algn="l"/>
+                <a:tab pos="9144000" algn="l"/>
+                <a:tab pos="10058400" algn="l"/>
+              </a:tabLst>
+              <a:defRPr>
+                <a:solidFill>
+                  <a:srgbClr val="000000"/>
+                </a:solidFill>
+                <a:latin typeface="Calibri" panose="020F0502020204030204" pitchFamily="34" charset="0"/>
+                <a:cs typeface="Droid Sans Fallback" charset="0"/>
+              </a:defRPr>
+            </a:lvl7pPr>
+            <a:lvl8pPr marL="3429000" indent="-228600" defTabSz="449263" eaLnBrk="0" fontAlgn="base" hangingPunct="0">
+              <a:lnSpc>
+                <a:spcPct val="90000"/>
+              </a:lnSpc>
+              <a:spcBef>
+                <a:spcPts val="500"/>
+              </a:spcBef>
+              <a:spcAft>
+                <a:spcPct val="0"/>
+              </a:spcAft>
+              <a:buClr>
+                <a:srgbClr val="000000"/>
+              </a:buClr>
+              <a:buSzPct val="100000"/>
+              <a:buFont typeface="Times New Roman" panose="02020603050405020304" pitchFamily="18" charset="0"/>
+              <a:tabLst>
+                <a:tab pos="0" algn="l"/>
+                <a:tab pos="914400" algn="l"/>
+                <a:tab pos="1828800" algn="l"/>
+                <a:tab pos="2743200" algn="l"/>
+                <a:tab pos="3657600" algn="l"/>
+                <a:tab pos="4572000" algn="l"/>
+                <a:tab pos="5486400" algn="l"/>
+                <a:tab pos="6400800" algn="l"/>
+                <a:tab pos="7315200" algn="l"/>
+                <a:tab pos="8229600" algn="l"/>
+                <a:tab pos="9144000" algn="l"/>
+                <a:tab pos="10058400" algn="l"/>
+              </a:tabLst>
+              <a:defRPr>
+                <a:solidFill>
+                  <a:srgbClr val="000000"/>
+                </a:solidFill>
+                <a:latin typeface="Calibri" panose="020F0502020204030204" pitchFamily="34" charset="0"/>
+                <a:cs typeface="Droid Sans Fallback" charset="0"/>
+              </a:defRPr>
+            </a:lvl8pPr>
+            <a:lvl9pPr marL="3886200" indent="-228600" defTabSz="449263" eaLnBrk="0" fontAlgn="base" hangingPunct="0">
+              <a:lnSpc>
+                <a:spcPct val="90000"/>
+              </a:lnSpc>
+              <a:spcBef>
+                <a:spcPts val="500"/>
+              </a:spcBef>
+              <a:spcAft>
+                <a:spcPct val="0"/>
+              </a:spcAft>
+              <a:buClr>
+                <a:srgbClr val="000000"/>
+              </a:buClr>
+              <a:buSzPct val="100000"/>
+              <a:buFont typeface="Times New Roman" panose="02020603050405020304" pitchFamily="18" charset="0"/>
+              <a:tabLst>
+                <a:tab pos="0" algn="l"/>
+                <a:tab pos="914400" algn="l"/>
+                <a:tab pos="1828800" algn="l"/>
+                <a:tab pos="2743200" algn="l"/>
+                <a:tab pos="3657600" algn="l"/>
+                <a:tab pos="4572000" algn="l"/>
+                <a:tab pos="5486400" algn="l"/>
+                <a:tab pos="6400800" algn="l"/>
+                <a:tab pos="7315200" algn="l"/>
+                <a:tab pos="8229600" algn="l"/>
+                <a:tab pos="9144000" algn="l"/>
+                <a:tab pos="10058400" algn="l"/>
+              </a:tabLst>
+              <a:defRPr>
+                <a:solidFill>
+                  <a:srgbClr val="000000"/>
+                </a:solidFill>
+                <a:latin typeface="Calibri" panose="020F0502020204030204" pitchFamily="34" charset="0"/>
+                <a:cs typeface="Droid Sans Fallback" charset="0"/>
+              </a:defRPr>
+            </a:lvl9pPr>
+          </a:lstStyle>
+          <a:p>
+            <a:pPr algn="ctr">
+              <a:lnSpc>
+                <a:spcPct val="100000"/>
+              </a:lnSpc>
+              <a:spcBef>
+                <a:spcPct val="0"/>
+              </a:spcBef>
+              <a:buClrTx/>
+              <a:buFontTx/>
+              <a:buNone/>
+            </a:pPr>
+            <a:r>
+              <a:rPr lang="pt-BR" altLang="pt-BR" sz="1400" b="1" dirty="0">
+                <a:solidFill>
+                  <a:srgbClr val="7F7F7F"/>
+                </a:solidFill>
+                <a:latin typeface="Times New Roman" panose="02020603050405020304" pitchFamily="18" charset="0"/>
+                <a:cs typeface="Times New Roman" panose="02020603050405020304" pitchFamily="18" charset="0"/>
+              </a:rPr>
+              <a:t>Instituto Tecnológico de Aeronáutica</a:t>
+            </a:r>
+          </a:p>
+          <a:p>
+            <a:pPr algn="ctr">
+              <a:lnSpc>
+                <a:spcPct val="100000"/>
+              </a:lnSpc>
+              <a:spcBef>
+                <a:spcPct val="0"/>
+              </a:spcBef>
+              <a:buClrTx/>
+              <a:buFontTx/>
+              <a:buNone/>
+            </a:pPr>
+            <a:r>
+              <a:rPr lang="pt-BR" altLang="pt-BR" sz="1400" b="1" dirty="0">
+                <a:solidFill>
+                  <a:srgbClr val="7F7F7F"/>
+                </a:solidFill>
+                <a:latin typeface="Times New Roman" panose="02020603050405020304" pitchFamily="18" charset="0"/>
+                <a:cs typeface="Times New Roman" panose="02020603050405020304" pitchFamily="18" charset="0"/>
+              </a:rPr>
+              <a:t>Curso de Mestrado Profissionalizante em Engenharia Aeronáutica</a:t>
+            </a:r>
+          </a:p>
+          <a:p>
+            <a:pPr algn="ctr">
+              <a:lnSpc>
+                <a:spcPct val="100000"/>
+              </a:lnSpc>
+              <a:spcBef>
+                <a:spcPct val="0"/>
+              </a:spcBef>
+              <a:buClrTx/>
+              <a:buFontTx/>
+              <a:buNone/>
+            </a:pPr>
+            <a:r>
+              <a:rPr lang="pt-BR" altLang="pt-BR" sz="1400" b="1" dirty="0">
+                <a:solidFill>
+                  <a:srgbClr val="7F7F7F"/>
+                </a:solidFill>
+                <a:latin typeface="Times New Roman" panose="02020603050405020304" pitchFamily="18" charset="0"/>
+                <a:cs typeface="Times New Roman" panose="02020603050405020304" pitchFamily="18" charset="0"/>
+              </a:rPr>
+              <a:t>Programa de Pós-Graduação em Engenharia Aeronáutica e Mecânica</a:t>
             </a:r>
           </a:p>
         </p:txBody>
       </p:sp>
       <p:sp>
         <p:nvSpPr>
-          <p:cNvPr id="3" name="Espaço Reservado para Conteúdo 2"/>
+          <p:cNvPr id="7" name="Line 7"/>
+          <p:cNvSpPr>
+            <a:spLocks noChangeShapeType="1"/>
+          </p:cNvSpPr>
+          <p:nvPr/>
+        </p:nvSpPr>
+        <p:spPr bwMode="auto">
+          <a:xfrm>
+            <a:off x="507206" y="901215"/>
+            <a:ext cx="8089900" cy="1587"/>
+          </a:xfrm>
+          <a:prstGeom prst="line">
+            <a:avLst/>
+          </a:prstGeom>
+          <a:noFill/>
+          <a:ln w="6480" cap="sq">
+            <a:solidFill>
+              <a:srgbClr val="A5A5A5"/>
+            </a:solidFill>
+            <a:miter lim="800000"/>
+            <a:headEnd/>
+            <a:tailEnd/>
+          </a:ln>
+          <a:effectLst/>
+          <a:extLst>
+            <a:ext uri="{909E8E84-426E-40DD-AFC4-6F175D3DCCD1}">
+              <a14:hiddenFill xmlns:a14="http://schemas.microsoft.com/office/drawing/2010/main">
+                <a:noFill/>
+              </a14:hiddenFill>
+            </a:ext>
+            <a:ext uri="{AF507438-7753-43E0-B8FC-AC1667EBCBE1}">
+              <a14:hiddenEffects xmlns:a14="http://schemas.microsoft.com/office/drawing/2010/main">
+                <a:effectLst>
+                  <a:outerShdw dist="35921" dir="2700000" algn="ctr" rotWithShape="0">
+                    <a:srgbClr val="808080"/>
+                  </a:outerShdw>
+                </a:effectLst>
+              </a14:hiddenEffects>
+            </a:ext>
+          </a:extLst>
+        </p:spPr>
+        <p:txBody>
+          <a:bodyPr/>
+          <a:lstStyle/>
+          <a:p>
+            <a:endParaRPr lang="pt-BR"/>
+          </a:p>
+        </p:txBody>
+      </p:sp>
+      <p:sp>
+        <p:nvSpPr>
+          <p:cNvPr id="8" name="Line 6"/>
+          <p:cNvSpPr>
+            <a:spLocks noChangeShapeType="1"/>
+          </p:cNvSpPr>
+          <p:nvPr/>
+        </p:nvSpPr>
+        <p:spPr bwMode="auto">
+          <a:xfrm>
+            <a:off x="508000" y="6488113"/>
+            <a:ext cx="8089900" cy="1587"/>
+          </a:xfrm>
+          <a:prstGeom prst="line">
+            <a:avLst/>
+          </a:prstGeom>
+          <a:noFill/>
+          <a:ln w="6480" cap="sq">
+            <a:solidFill>
+              <a:srgbClr val="A5A5A5"/>
+            </a:solidFill>
+            <a:miter lim="800000"/>
+            <a:headEnd/>
+            <a:tailEnd/>
+          </a:ln>
+          <a:effectLst/>
+          <a:extLst>
+            <a:ext uri="{909E8E84-426E-40DD-AFC4-6F175D3DCCD1}">
+              <a14:hiddenFill xmlns:a14="http://schemas.microsoft.com/office/drawing/2010/main">
+                <a:noFill/>
+              </a14:hiddenFill>
+            </a:ext>
+            <a:ext uri="{AF507438-7753-43E0-B8FC-AC1667EBCBE1}">
+              <a14:hiddenEffects xmlns:a14="http://schemas.microsoft.com/office/drawing/2010/main">
+                <a:effectLst>
+                  <a:outerShdw dist="35921" dir="2700000" algn="ctr" rotWithShape="0">
+                    <a:srgbClr val="808080"/>
+                  </a:outerShdw>
+                </a:effectLst>
+              </a14:hiddenEffects>
+            </a:ext>
+          </a:extLst>
+        </p:spPr>
+        <p:txBody>
+          <a:bodyPr/>
+          <a:lstStyle/>
+          <a:p>
+            <a:endParaRPr lang="pt-BR"/>
+          </a:p>
+        </p:txBody>
+      </p:sp>
+      <p:sp>
+        <p:nvSpPr>
+          <p:cNvPr id="12" name="Espaço Reservado para Número de Slide 10"/>
+          <p:cNvSpPr>
+            <a:spLocks noGrp="1"/>
+          </p:cNvSpPr>
+          <p:nvPr>
+            <p:ph type="sldNum" sz="quarter" idx="12"/>
+          </p:nvPr>
+        </p:nvSpPr>
+        <p:spPr>
+          <a:xfrm>
+            <a:off x="6870700" y="6487179"/>
+            <a:ext cx="2057400" cy="365125"/>
+          </a:xfrm>
+        </p:spPr>
+        <p:txBody>
+          <a:bodyPr/>
+          <a:lstStyle/>
+          <a:p>
+            <a:fld id="{81005A1F-7AC2-4032-AE25-0D28B304E158}" type="slidenum">
+              <a:rPr lang="pt-BR" smtClean="0"/>
+              <a:t>25</a:t>
+            </a:fld>
+            <a:endParaRPr lang="pt-BR" dirty="0"/>
+          </a:p>
+        </p:txBody>
+      </p:sp>
+      <p:sp>
+        <p:nvSpPr>
+          <p:cNvPr id="17" name="Espaço Reservado para Conteúdo 2"/>
           <p:cNvSpPr>
             <a:spLocks noGrp="1"/>
           </p:cNvSpPr>
@@ -16212,57 +21893,80 @@
             <p:ph idx="1"/>
           </p:nvPr>
         </p:nvSpPr>
-        <p:spPr/>
+        <p:spPr>
+          <a:xfrm>
+            <a:off x="507206" y="1685437"/>
+            <a:ext cx="8089900" cy="4735553"/>
+          </a:xfrm>
+        </p:spPr>
         <p:txBody>
-          <a:bodyPr/>
+          <a:bodyPr>
+            <a:normAutofit/>
+          </a:bodyPr>
           <a:lstStyle/>
           <a:p>
             <a:r>
-              <a:rPr lang="pt-BR" dirty="0"/>
+              <a:rPr lang="pt-BR" sz="2000" dirty="0"/>
               <a:t>O filtro operou como esperado, deixando a resposta dentro das normas aeronáuticas</a:t>
             </a:r>
           </a:p>
           <a:p>
             <a:r>
-              <a:rPr lang="pt-BR" dirty="0"/>
+              <a:rPr lang="pt-BR" sz="2000" dirty="0"/>
               <a:t>Quando há demanda de carga o filtro age deixando o sistema operando com alto fator de potência</a:t>
             </a:r>
           </a:p>
           <a:p>
             <a:r>
-              <a:rPr lang="pt-BR" dirty="0"/>
+              <a:rPr lang="pt-BR" sz="2000" dirty="0"/>
               <a:t>Houve a constatação que sem carga ou com baixa carga houve a degradação da qualidade de energia</a:t>
             </a:r>
           </a:p>
-        </p:txBody>
-      </p:sp>
-      <p:sp>
-        <p:nvSpPr>
-          <p:cNvPr id="4" name="Espaço Reservado para Número de Slide 3"/>
-          <p:cNvSpPr>
-            <a:spLocks noGrp="1"/>
-          </p:cNvSpPr>
-          <p:nvPr>
-            <p:ph type="sldNum" sz="quarter" idx="12"/>
-          </p:nvPr>
-        </p:nvSpPr>
-        <p:spPr/>
-        <p:txBody>
-          <a:bodyPr/>
-          <a:lstStyle/>
-          <a:p>
-            <a:fld id="{81005A1F-7AC2-4032-AE25-0D28B304E158}" type="slidenum">
-              <a:rPr lang="pt-BR" smtClean="0"/>
-              <a:t>25</a:t>
-            </a:fld>
-            <a:endParaRPr lang="pt-BR"/>
+          <a:p>
+            <a:endParaRPr lang="pt-BR" sz="1600" i="1" dirty="0">
+              <a:solidFill>
+                <a:prstClr val="black"/>
+              </a:solidFill>
+              <a:latin typeface="Cambria Math" panose="02040503050406030204" pitchFamily="18" charset="0"/>
+            </a:endParaRPr>
+          </a:p>
+          <a:p>
+            <a:endParaRPr lang="pt-BR" sz="1600" i="1" dirty="0">
+              <a:solidFill>
+                <a:prstClr val="black"/>
+              </a:solidFill>
+              <a:latin typeface="Cambria Math" panose="02040503050406030204" pitchFamily="18" charset="0"/>
+            </a:endParaRPr>
+          </a:p>
+          <a:p>
+            <a:endParaRPr lang="pt-BR" sz="1600" i="1" dirty="0">
+              <a:solidFill>
+                <a:prstClr val="black"/>
+              </a:solidFill>
+              <a:latin typeface="Cambria Math" panose="02040503050406030204" pitchFamily="18" charset="0"/>
+            </a:endParaRPr>
+          </a:p>
+          <a:p>
+            <a:endParaRPr lang="pt-BR" sz="1600" i="1" dirty="0">
+              <a:solidFill>
+                <a:prstClr val="black"/>
+              </a:solidFill>
+              <a:latin typeface="Cambria Math" panose="02040503050406030204" pitchFamily="18" charset="0"/>
+            </a:endParaRPr>
+          </a:p>
+          <a:p>
+            <a:endParaRPr lang="pt-BR" sz="800" dirty="0">
+              <a:solidFill>
+                <a:prstClr val="black"/>
+              </a:solidFill>
+            </a:endParaRPr>
           </a:p>
         </p:txBody>
       </p:sp>
     </p:spTree>
     <p:extLst>
       <p:ext uri="{BB962C8B-B14F-4D97-AF65-F5344CB8AC3E}">
-        <p14:creationId xmlns:p14="http://schemas.microsoft.com/office/powerpoint/2010/main" val="1643924387"/>
+        <p14:creationId xmlns:p14="http://schemas.microsoft.com/office/powerpoint/2010/main" val="1343447879"/>
       </p:ext>
     </p:extLst>
   </p:cSld>
@@ -16299,21 +22003,739 @@
             <p:ph type="title"/>
           </p:nvPr>
         </p:nvSpPr>
-        <p:spPr/>
+        <p:spPr>
+          <a:xfrm>
+            <a:off x="628650" y="1083288"/>
+            <a:ext cx="7886700" cy="476737"/>
+          </a:xfrm>
+        </p:spPr>
         <p:txBody>
-          <a:bodyPr/>
+          <a:bodyPr>
+            <a:noAutofit/>
+          </a:bodyPr>
           <a:lstStyle/>
           <a:p>
             <a:r>
-              <a:rPr lang="pt-BR" dirty="0"/>
-              <a:t>Conclusão </a:t>
+              <a:rPr lang="pt-BR" sz="2400" b="1" dirty="0"/>
+              <a:t>Trabalhos Futuros</a:t>
+            </a:r>
+          </a:p>
+        </p:txBody>
+      </p:sp>
+      <p:pic>
+        <p:nvPicPr>
+          <p:cNvPr id="4" name="Picture 2"/>
+          <p:cNvPicPr>
+            <a:picLocks noChangeAspect="1" noChangeArrowheads="1"/>
+          </p:cNvPicPr>
+          <p:nvPr/>
+        </p:nvPicPr>
+        <p:blipFill>
+          <a:blip r:embed="rId2">
+            <a:extLst>
+              <a:ext uri="{28A0092B-C50C-407E-A947-70E740481C1C}">
+                <a14:useLocalDpi xmlns:a14="http://schemas.microsoft.com/office/drawing/2010/main" val="0"/>
+              </a:ext>
+            </a:extLst>
+          </a:blip>
+          <a:srcRect/>
+          <a:stretch>
+            <a:fillRect/>
+          </a:stretch>
+        </p:blipFill>
+        <p:spPr bwMode="auto">
+          <a:xfrm>
+            <a:off x="74613" y="127000"/>
+            <a:ext cx="1847850" cy="709613"/>
+          </a:xfrm>
+          <a:prstGeom prst="rect">
+            <a:avLst/>
+          </a:prstGeom>
+          <a:noFill/>
+          <a:ln>
+            <a:noFill/>
+          </a:ln>
+          <a:effectLst/>
+          <a:extLst>
+            <a:ext uri="{909E8E84-426E-40DD-AFC4-6F175D3DCCD1}">
+              <a14:hiddenFill xmlns:a14="http://schemas.microsoft.com/office/drawing/2010/main">
+                <a:blipFill dpi="0" rotWithShape="0">
+                  <a:blip/>
+                  <a:srcRect/>
+                  <a:stretch>
+                    <a:fillRect/>
+                  </a:stretch>
+                </a:blipFill>
+              </a14:hiddenFill>
+            </a:ext>
+            <a:ext uri="{91240B29-F687-4F45-9708-019B960494DF}">
+              <a14:hiddenLine xmlns:a14="http://schemas.microsoft.com/office/drawing/2010/main" w="9525">
+                <a:solidFill>
+                  <a:srgbClr val="3465A4"/>
+                </a:solidFill>
+                <a:round/>
+                <a:headEnd/>
+                <a:tailEnd/>
+              </a14:hiddenLine>
+            </a:ext>
+            <a:ext uri="{AF507438-7753-43E0-B8FC-AC1667EBCBE1}">
+              <a14:hiddenEffects xmlns:a14="http://schemas.microsoft.com/office/drawing/2010/main">
+                <a:effectLst>
+                  <a:outerShdw dist="35921" dir="2700000" algn="ctr" rotWithShape="0">
+                    <a:srgbClr val="808080"/>
+                  </a:outerShdw>
+                </a:effectLst>
+              </a14:hiddenEffects>
+            </a:ext>
+          </a:extLst>
+        </p:spPr>
+      </p:pic>
+      <p:pic>
+        <p:nvPicPr>
+          <p:cNvPr id="5" name="Picture 3"/>
+          <p:cNvPicPr>
+            <a:picLocks noChangeAspect="1" noChangeArrowheads="1"/>
+          </p:cNvPicPr>
+          <p:nvPr/>
+        </p:nvPicPr>
+        <p:blipFill>
+          <a:blip r:embed="rId3">
+            <a:extLst>
+              <a:ext uri="{28A0092B-C50C-407E-A947-70E740481C1C}">
+                <a14:useLocalDpi xmlns:a14="http://schemas.microsoft.com/office/drawing/2010/main" val="0"/>
+              </a:ext>
+            </a:extLst>
+          </a:blip>
+          <a:srcRect/>
+          <a:stretch>
+            <a:fillRect/>
+          </a:stretch>
+        </p:blipFill>
+        <p:spPr bwMode="auto">
+          <a:xfrm>
+            <a:off x="7265988" y="146050"/>
+            <a:ext cx="1662112" cy="709613"/>
+          </a:xfrm>
+          <a:prstGeom prst="rect">
+            <a:avLst/>
+          </a:prstGeom>
+          <a:noFill/>
+          <a:ln>
+            <a:noFill/>
+          </a:ln>
+          <a:effectLst/>
+          <a:extLst>
+            <a:ext uri="{909E8E84-426E-40DD-AFC4-6F175D3DCCD1}">
+              <a14:hiddenFill xmlns:a14="http://schemas.microsoft.com/office/drawing/2010/main">
+                <a:blipFill dpi="0" rotWithShape="0">
+                  <a:blip/>
+                  <a:srcRect/>
+                  <a:stretch>
+                    <a:fillRect/>
+                  </a:stretch>
+                </a:blipFill>
+              </a14:hiddenFill>
+            </a:ext>
+            <a:ext uri="{91240B29-F687-4F45-9708-019B960494DF}">
+              <a14:hiddenLine xmlns:a14="http://schemas.microsoft.com/office/drawing/2010/main" w="9525">
+                <a:solidFill>
+                  <a:srgbClr val="3465A4"/>
+                </a:solidFill>
+                <a:round/>
+                <a:headEnd/>
+                <a:tailEnd/>
+              </a14:hiddenLine>
+            </a:ext>
+            <a:ext uri="{AF507438-7753-43E0-B8FC-AC1667EBCBE1}">
+              <a14:hiddenEffects xmlns:a14="http://schemas.microsoft.com/office/drawing/2010/main">
+                <a:effectLst>
+                  <a:outerShdw dist="35921" dir="2700000" algn="ctr" rotWithShape="0">
+                    <a:srgbClr val="808080"/>
+                  </a:outerShdw>
+                </a:effectLst>
+              </a14:hiddenEffects>
+            </a:ext>
+          </a:extLst>
+        </p:spPr>
+      </p:pic>
+      <p:sp>
+        <p:nvSpPr>
+          <p:cNvPr id="6" name="Text Box 4"/>
+          <p:cNvSpPr txBox="1">
+            <a:spLocks noChangeArrowheads="1"/>
+          </p:cNvSpPr>
+          <p:nvPr/>
+        </p:nvSpPr>
+        <p:spPr bwMode="auto">
+          <a:xfrm>
+            <a:off x="1903413" y="1588"/>
+            <a:ext cx="5297487" cy="956288"/>
+          </a:xfrm>
+          <a:prstGeom prst="rect">
+            <a:avLst/>
+          </a:prstGeom>
+          <a:noFill/>
+          <a:ln>
+            <a:noFill/>
+          </a:ln>
+          <a:effectLst/>
+          <a:extLst>
+            <a:ext uri="{909E8E84-426E-40DD-AFC4-6F175D3DCCD1}">
+              <a14:hiddenFill xmlns:a14="http://schemas.microsoft.com/office/drawing/2010/main">
+                <a:solidFill>
+                  <a:srgbClr val="FFFFFF"/>
+                </a:solidFill>
+              </a14:hiddenFill>
+            </a:ext>
+            <a:ext uri="{91240B29-F687-4F45-9708-019B960494DF}">
+              <a14:hiddenLine xmlns:a14="http://schemas.microsoft.com/office/drawing/2010/main" w="9525">
+                <a:solidFill>
+                  <a:srgbClr val="3465A4"/>
+                </a:solidFill>
+                <a:round/>
+                <a:headEnd/>
+                <a:tailEnd/>
+              </a14:hiddenLine>
+            </a:ext>
+            <a:ext uri="{AF507438-7753-43E0-B8FC-AC1667EBCBE1}">
+              <a14:hiddenEffects xmlns:a14="http://schemas.microsoft.com/office/drawing/2010/main">
+                <a:effectLst>
+                  <a:outerShdw dist="35921" dir="2700000" algn="ctr" rotWithShape="0">
+                    <a:srgbClr val="808080"/>
+                  </a:outerShdw>
+                </a:effectLst>
+              </a14:hiddenEffects>
+            </a:ext>
+          </a:extLst>
+        </p:spPr>
+        <p:txBody>
+          <a:bodyPr lIns="90000" tIns="46800" rIns="90000" bIns="46800">
+            <a:spAutoFit/>
+          </a:bodyPr>
+          <a:lstStyle>
+            <a:lvl1pPr>
+              <a:lnSpc>
+                <a:spcPct val="90000"/>
+              </a:lnSpc>
+              <a:spcBef>
+                <a:spcPts val="1000"/>
+              </a:spcBef>
+              <a:buClr>
+                <a:srgbClr val="000000"/>
+              </a:buClr>
+              <a:buSzPct val="100000"/>
+              <a:buFont typeface="Times New Roman" panose="02020603050405020304" pitchFamily="18" charset="0"/>
+              <a:tabLst>
+                <a:tab pos="0" algn="l"/>
+                <a:tab pos="914400" algn="l"/>
+                <a:tab pos="1828800" algn="l"/>
+                <a:tab pos="2743200" algn="l"/>
+                <a:tab pos="3657600" algn="l"/>
+                <a:tab pos="4572000" algn="l"/>
+                <a:tab pos="5486400" algn="l"/>
+                <a:tab pos="6400800" algn="l"/>
+                <a:tab pos="7315200" algn="l"/>
+                <a:tab pos="8229600" algn="l"/>
+                <a:tab pos="9144000" algn="l"/>
+                <a:tab pos="10058400" algn="l"/>
+              </a:tabLst>
+              <a:defRPr sz="2800">
+                <a:solidFill>
+                  <a:srgbClr val="000000"/>
+                </a:solidFill>
+                <a:latin typeface="Calibri" panose="020F0502020204030204" pitchFamily="34" charset="0"/>
+                <a:cs typeface="Droid Sans Fallback" charset="0"/>
+              </a:defRPr>
+            </a:lvl1pPr>
+            <a:lvl2pPr>
+              <a:lnSpc>
+                <a:spcPct val="90000"/>
+              </a:lnSpc>
+              <a:spcBef>
+                <a:spcPts val="500"/>
+              </a:spcBef>
+              <a:buClr>
+                <a:srgbClr val="000000"/>
+              </a:buClr>
+              <a:buSzPct val="100000"/>
+              <a:buFont typeface="Times New Roman" panose="02020603050405020304" pitchFamily="18" charset="0"/>
+              <a:tabLst>
+                <a:tab pos="0" algn="l"/>
+                <a:tab pos="914400" algn="l"/>
+                <a:tab pos="1828800" algn="l"/>
+                <a:tab pos="2743200" algn="l"/>
+                <a:tab pos="3657600" algn="l"/>
+                <a:tab pos="4572000" algn="l"/>
+                <a:tab pos="5486400" algn="l"/>
+                <a:tab pos="6400800" algn="l"/>
+                <a:tab pos="7315200" algn="l"/>
+                <a:tab pos="8229600" algn="l"/>
+                <a:tab pos="9144000" algn="l"/>
+                <a:tab pos="10058400" algn="l"/>
+              </a:tabLst>
+              <a:defRPr sz="2400">
+                <a:solidFill>
+                  <a:srgbClr val="000000"/>
+                </a:solidFill>
+                <a:latin typeface="Calibri" panose="020F0502020204030204" pitchFamily="34" charset="0"/>
+                <a:cs typeface="Droid Sans Fallback" charset="0"/>
+              </a:defRPr>
+            </a:lvl2pPr>
+            <a:lvl3pPr>
+              <a:lnSpc>
+                <a:spcPct val="90000"/>
+              </a:lnSpc>
+              <a:spcBef>
+                <a:spcPts val="500"/>
+              </a:spcBef>
+              <a:buClr>
+                <a:srgbClr val="000000"/>
+              </a:buClr>
+              <a:buSzPct val="100000"/>
+              <a:buFont typeface="Times New Roman" panose="02020603050405020304" pitchFamily="18" charset="0"/>
+              <a:tabLst>
+                <a:tab pos="0" algn="l"/>
+                <a:tab pos="914400" algn="l"/>
+                <a:tab pos="1828800" algn="l"/>
+                <a:tab pos="2743200" algn="l"/>
+                <a:tab pos="3657600" algn="l"/>
+                <a:tab pos="4572000" algn="l"/>
+                <a:tab pos="5486400" algn="l"/>
+                <a:tab pos="6400800" algn="l"/>
+                <a:tab pos="7315200" algn="l"/>
+                <a:tab pos="8229600" algn="l"/>
+                <a:tab pos="9144000" algn="l"/>
+                <a:tab pos="10058400" algn="l"/>
+              </a:tabLst>
+              <a:defRPr sz="2000">
+                <a:solidFill>
+                  <a:srgbClr val="000000"/>
+                </a:solidFill>
+                <a:latin typeface="Calibri" panose="020F0502020204030204" pitchFamily="34" charset="0"/>
+                <a:cs typeface="Droid Sans Fallback" charset="0"/>
+              </a:defRPr>
+            </a:lvl3pPr>
+            <a:lvl4pPr>
+              <a:lnSpc>
+                <a:spcPct val="90000"/>
+              </a:lnSpc>
+              <a:spcBef>
+                <a:spcPts val="500"/>
+              </a:spcBef>
+              <a:buClr>
+                <a:srgbClr val="000000"/>
+              </a:buClr>
+              <a:buSzPct val="100000"/>
+              <a:buFont typeface="Times New Roman" panose="02020603050405020304" pitchFamily="18" charset="0"/>
+              <a:tabLst>
+                <a:tab pos="0" algn="l"/>
+                <a:tab pos="914400" algn="l"/>
+                <a:tab pos="1828800" algn="l"/>
+                <a:tab pos="2743200" algn="l"/>
+                <a:tab pos="3657600" algn="l"/>
+                <a:tab pos="4572000" algn="l"/>
+                <a:tab pos="5486400" algn="l"/>
+                <a:tab pos="6400800" algn="l"/>
+                <a:tab pos="7315200" algn="l"/>
+                <a:tab pos="8229600" algn="l"/>
+                <a:tab pos="9144000" algn="l"/>
+                <a:tab pos="10058400" algn="l"/>
+              </a:tabLst>
+              <a:defRPr>
+                <a:solidFill>
+                  <a:srgbClr val="000000"/>
+                </a:solidFill>
+                <a:latin typeface="Calibri" panose="020F0502020204030204" pitchFamily="34" charset="0"/>
+                <a:cs typeface="Droid Sans Fallback" charset="0"/>
+              </a:defRPr>
+            </a:lvl4pPr>
+            <a:lvl5pPr>
+              <a:lnSpc>
+                <a:spcPct val="90000"/>
+              </a:lnSpc>
+              <a:spcBef>
+                <a:spcPts val="500"/>
+              </a:spcBef>
+              <a:buClr>
+                <a:srgbClr val="000000"/>
+              </a:buClr>
+              <a:buSzPct val="100000"/>
+              <a:buFont typeface="Times New Roman" panose="02020603050405020304" pitchFamily="18" charset="0"/>
+              <a:tabLst>
+                <a:tab pos="0" algn="l"/>
+                <a:tab pos="914400" algn="l"/>
+                <a:tab pos="1828800" algn="l"/>
+                <a:tab pos="2743200" algn="l"/>
+                <a:tab pos="3657600" algn="l"/>
+                <a:tab pos="4572000" algn="l"/>
+                <a:tab pos="5486400" algn="l"/>
+                <a:tab pos="6400800" algn="l"/>
+                <a:tab pos="7315200" algn="l"/>
+                <a:tab pos="8229600" algn="l"/>
+                <a:tab pos="9144000" algn="l"/>
+                <a:tab pos="10058400" algn="l"/>
+              </a:tabLst>
+              <a:defRPr>
+                <a:solidFill>
+                  <a:srgbClr val="000000"/>
+                </a:solidFill>
+                <a:latin typeface="Calibri" panose="020F0502020204030204" pitchFamily="34" charset="0"/>
+                <a:cs typeface="Droid Sans Fallback" charset="0"/>
+              </a:defRPr>
+            </a:lvl5pPr>
+            <a:lvl6pPr marL="2514600" indent="-228600" defTabSz="449263" eaLnBrk="0" fontAlgn="base" hangingPunct="0">
+              <a:lnSpc>
+                <a:spcPct val="90000"/>
+              </a:lnSpc>
+              <a:spcBef>
+                <a:spcPts val="500"/>
+              </a:spcBef>
+              <a:spcAft>
+                <a:spcPct val="0"/>
+              </a:spcAft>
+              <a:buClr>
+                <a:srgbClr val="000000"/>
+              </a:buClr>
+              <a:buSzPct val="100000"/>
+              <a:buFont typeface="Times New Roman" panose="02020603050405020304" pitchFamily="18" charset="0"/>
+              <a:tabLst>
+                <a:tab pos="0" algn="l"/>
+                <a:tab pos="914400" algn="l"/>
+                <a:tab pos="1828800" algn="l"/>
+                <a:tab pos="2743200" algn="l"/>
+                <a:tab pos="3657600" algn="l"/>
+                <a:tab pos="4572000" algn="l"/>
+                <a:tab pos="5486400" algn="l"/>
+                <a:tab pos="6400800" algn="l"/>
+                <a:tab pos="7315200" algn="l"/>
+                <a:tab pos="8229600" algn="l"/>
+                <a:tab pos="9144000" algn="l"/>
+                <a:tab pos="10058400" algn="l"/>
+              </a:tabLst>
+              <a:defRPr>
+                <a:solidFill>
+                  <a:srgbClr val="000000"/>
+                </a:solidFill>
+                <a:latin typeface="Calibri" panose="020F0502020204030204" pitchFamily="34" charset="0"/>
+                <a:cs typeface="Droid Sans Fallback" charset="0"/>
+              </a:defRPr>
+            </a:lvl6pPr>
+            <a:lvl7pPr marL="2971800" indent="-228600" defTabSz="449263" eaLnBrk="0" fontAlgn="base" hangingPunct="0">
+              <a:lnSpc>
+                <a:spcPct val="90000"/>
+              </a:lnSpc>
+              <a:spcBef>
+                <a:spcPts val="500"/>
+              </a:spcBef>
+              <a:spcAft>
+                <a:spcPct val="0"/>
+              </a:spcAft>
+              <a:buClr>
+                <a:srgbClr val="000000"/>
+              </a:buClr>
+              <a:buSzPct val="100000"/>
+              <a:buFont typeface="Times New Roman" panose="02020603050405020304" pitchFamily="18" charset="0"/>
+              <a:tabLst>
+                <a:tab pos="0" algn="l"/>
+                <a:tab pos="914400" algn="l"/>
+                <a:tab pos="1828800" algn="l"/>
+                <a:tab pos="2743200" algn="l"/>
+                <a:tab pos="3657600" algn="l"/>
+                <a:tab pos="4572000" algn="l"/>
+                <a:tab pos="5486400" algn="l"/>
+                <a:tab pos="6400800" algn="l"/>
+                <a:tab pos="7315200" algn="l"/>
+                <a:tab pos="8229600" algn="l"/>
+                <a:tab pos="9144000" algn="l"/>
+                <a:tab pos="10058400" algn="l"/>
+              </a:tabLst>
+              <a:defRPr>
+                <a:solidFill>
+                  <a:srgbClr val="000000"/>
+                </a:solidFill>
+                <a:latin typeface="Calibri" panose="020F0502020204030204" pitchFamily="34" charset="0"/>
+                <a:cs typeface="Droid Sans Fallback" charset="0"/>
+              </a:defRPr>
+            </a:lvl7pPr>
+            <a:lvl8pPr marL="3429000" indent="-228600" defTabSz="449263" eaLnBrk="0" fontAlgn="base" hangingPunct="0">
+              <a:lnSpc>
+                <a:spcPct val="90000"/>
+              </a:lnSpc>
+              <a:spcBef>
+                <a:spcPts val="500"/>
+              </a:spcBef>
+              <a:spcAft>
+                <a:spcPct val="0"/>
+              </a:spcAft>
+              <a:buClr>
+                <a:srgbClr val="000000"/>
+              </a:buClr>
+              <a:buSzPct val="100000"/>
+              <a:buFont typeface="Times New Roman" panose="02020603050405020304" pitchFamily="18" charset="0"/>
+              <a:tabLst>
+                <a:tab pos="0" algn="l"/>
+                <a:tab pos="914400" algn="l"/>
+                <a:tab pos="1828800" algn="l"/>
+                <a:tab pos="2743200" algn="l"/>
+                <a:tab pos="3657600" algn="l"/>
+                <a:tab pos="4572000" algn="l"/>
+                <a:tab pos="5486400" algn="l"/>
+                <a:tab pos="6400800" algn="l"/>
+                <a:tab pos="7315200" algn="l"/>
+                <a:tab pos="8229600" algn="l"/>
+                <a:tab pos="9144000" algn="l"/>
+                <a:tab pos="10058400" algn="l"/>
+              </a:tabLst>
+              <a:defRPr>
+                <a:solidFill>
+                  <a:srgbClr val="000000"/>
+                </a:solidFill>
+                <a:latin typeface="Calibri" panose="020F0502020204030204" pitchFamily="34" charset="0"/>
+                <a:cs typeface="Droid Sans Fallback" charset="0"/>
+              </a:defRPr>
+            </a:lvl8pPr>
+            <a:lvl9pPr marL="3886200" indent="-228600" defTabSz="449263" eaLnBrk="0" fontAlgn="base" hangingPunct="0">
+              <a:lnSpc>
+                <a:spcPct val="90000"/>
+              </a:lnSpc>
+              <a:spcBef>
+                <a:spcPts val="500"/>
+              </a:spcBef>
+              <a:spcAft>
+                <a:spcPct val="0"/>
+              </a:spcAft>
+              <a:buClr>
+                <a:srgbClr val="000000"/>
+              </a:buClr>
+              <a:buSzPct val="100000"/>
+              <a:buFont typeface="Times New Roman" panose="02020603050405020304" pitchFamily="18" charset="0"/>
+              <a:tabLst>
+                <a:tab pos="0" algn="l"/>
+                <a:tab pos="914400" algn="l"/>
+                <a:tab pos="1828800" algn="l"/>
+                <a:tab pos="2743200" algn="l"/>
+                <a:tab pos="3657600" algn="l"/>
+                <a:tab pos="4572000" algn="l"/>
+                <a:tab pos="5486400" algn="l"/>
+                <a:tab pos="6400800" algn="l"/>
+                <a:tab pos="7315200" algn="l"/>
+                <a:tab pos="8229600" algn="l"/>
+                <a:tab pos="9144000" algn="l"/>
+                <a:tab pos="10058400" algn="l"/>
+              </a:tabLst>
+              <a:defRPr>
+                <a:solidFill>
+                  <a:srgbClr val="000000"/>
+                </a:solidFill>
+                <a:latin typeface="Calibri" panose="020F0502020204030204" pitchFamily="34" charset="0"/>
+                <a:cs typeface="Droid Sans Fallback" charset="0"/>
+              </a:defRPr>
+            </a:lvl9pPr>
+          </a:lstStyle>
+          <a:p>
+            <a:pPr algn="ctr">
+              <a:lnSpc>
+                <a:spcPct val="100000"/>
+              </a:lnSpc>
+              <a:spcBef>
+                <a:spcPct val="0"/>
+              </a:spcBef>
+              <a:buClrTx/>
+              <a:buFontTx/>
+              <a:buNone/>
+            </a:pPr>
+            <a:r>
+              <a:rPr lang="pt-BR" altLang="pt-BR" sz="1400" b="1" dirty="0">
+                <a:solidFill>
+                  <a:srgbClr val="7F7F7F"/>
+                </a:solidFill>
+                <a:latin typeface="Times New Roman" panose="02020603050405020304" pitchFamily="18" charset="0"/>
+                <a:cs typeface="Times New Roman" panose="02020603050405020304" pitchFamily="18" charset="0"/>
+              </a:rPr>
+              <a:t>Instituto Tecnológico de Aeronáutica</a:t>
+            </a:r>
+          </a:p>
+          <a:p>
+            <a:pPr algn="ctr">
+              <a:lnSpc>
+                <a:spcPct val="100000"/>
+              </a:lnSpc>
+              <a:spcBef>
+                <a:spcPct val="0"/>
+              </a:spcBef>
+              <a:buClrTx/>
+              <a:buFontTx/>
+              <a:buNone/>
+            </a:pPr>
+            <a:r>
+              <a:rPr lang="pt-BR" altLang="pt-BR" sz="1400" b="1" dirty="0">
+                <a:solidFill>
+                  <a:srgbClr val="7F7F7F"/>
+                </a:solidFill>
+                <a:latin typeface="Times New Roman" panose="02020603050405020304" pitchFamily="18" charset="0"/>
+                <a:cs typeface="Times New Roman" panose="02020603050405020304" pitchFamily="18" charset="0"/>
+              </a:rPr>
+              <a:t>Curso de Mestrado Profissionalizante em Engenharia Aeronáutica</a:t>
+            </a:r>
+          </a:p>
+          <a:p>
+            <a:pPr algn="ctr">
+              <a:lnSpc>
+                <a:spcPct val="100000"/>
+              </a:lnSpc>
+              <a:spcBef>
+                <a:spcPct val="0"/>
+              </a:spcBef>
+              <a:buClrTx/>
+              <a:buFontTx/>
+              <a:buNone/>
+            </a:pPr>
+            <a:r>
+              <a:rPr lang="pt-BR" altLang="pt-BR" sz="1400" b="1" dirty="0">
+                <a:solidFill>
+                  <a:srgbClr val="7F7F7F"/>
+                </a:solidFill>
+                <a:latin typeface="Times New Roman" panose="02020603050405020304" pitchFamily="18" charset="0"/>
+                <a:cs typeface="Times New Roman" panose="02020603050405020304" pitchFamily="18" charset="0"/>
+              </a:rPr>
+              <a:t>Programa de Pós-Graduação em Engenharia Aeronáutica e Mecânica</a:t>
             </a:r>
           </a:p>
         </p:txBody>
       </p:sp>
       <p:sp>
         <p:nvSpPr>
-          <p:cNvPr id="3" name="Espaço Reservado para Conteúdo 2"/>
+          <p:cNvPr id="7" name="Line 7"/>
+          <p:cNvSpPr>
+            <a:spLocks noChangeShapeType="1"/>
+          </p:cNvSpPr>
+          <p:nvPr/>
+        </p:nvSpPr>
+        <p:spPr bwMode="auto">
+          <a:xfrm>
+            <a:off x="507206" y="901215"/>
+            <a:ext cx="8089900" cy="1587"/>
+          </a:xfrm>
+          <a:prstGeom prst="line">
+            <a:avLst/>
+          </a:prstGeom>
+          <a:noFill/>
+          <a:ln w="6480" cap="sq">
+            <a:solidFill>
+              <a:srgbClr val="A5A5A5"/>
+            </a:solidFill>
+            <a:miter lim="800000"/>
+            <a:headEnd/>
+            <a:tailEnd/>
+          </a:ln>
+          <a:effectLst/>
+          <a:extLst>
+            <a:ext uri="{909E8E84-426E-40DD-AFC4-6F175D3DCCD1}">
+              <a14:hiddenFill xmlns:a14="http://schemas.microsoft.com/office/drawing/2010/main">
+                <a:noFill/>
+              </a14:hiddenFill>
+            </a:ext>
+            <a:ext uri="{AF507438-7753-43E0-B8FC-AC1667EBCBE1}">
+              <a14:hiddenEffects xmlns:a14="http://schemas.microsoft.com/office/drawing/2010/main">
+                <a:effectLst>
+                  <a:outerShdw dist="35921" dir="2700000" algn="ctr" rotWithShape="0">
+                    <a:srgbClr val="808080"/>
+                  </a:outerShdw>
+                </a:effectLst>
+              </a14:hiddenEffects>
+            </a:ext>
+          </a:extLst>
+        </p:spPr>
+        <p:txBody>
+          <a:bodyPr/>
+          <a:lstStyle/>
+          <a:p>
+            <a:endParaRPr lang="pt-BR"/>
+          </a:p>
+        </p:txBody>
+      </p:sp>
+      <p:sp>
+        <p:nvSpPr>
+          <p:cNvPr id="8" name="Line 6"/>
+          <p:cNvSpPr>
+            <a:spLocks noChangeShapeType="1"/>
+          </p:cNvSpPr>
+          <p:nvPr/>
+        </p:nvSpPr>
+        <p:spPr bwMode="auto">
+          <a:xfrm>
+            <a:off x="508000" y="6488113"/>
+            <a:ext cx="8089900" cy="1587"/>
+          </a:xfrm>
+          <a:prstGeom prst="line">
+            <a:avLst/>
+          </a:prstGeom>
+          <a:noFill/>
+          <a:ln w="6480" cap="sq">
+            <a:solidFill>
+              <a:srgbClr val="A5A5A5"/>
+            </a:solidFill>
+            <a:miter lim="800000"/>
+            <a:headEnd/>
+            <a:tailEnd/>
+          </a:ln>
+          <a:effectLst/>
+          <a:extLst>
+            <a:ext uri="{909E8E84-426E-40DD-AFC4-6F175D3DCCD1}">
+              <a14:hiddenFill xmlns:a14="http://schemas.microsoft.com/office/drawing/2010/main">
+                <a:noFill/>
+              </a14:hiddenFill>
+            </a:ext>
+            <a:ext uri="{AF507438-7753-43E0-B8FC-AC1667EBCBE1}">
+              <a14:hiddenEffects xmlns:a14="http://schemas.microsoft.com/office/drawing/2010/main">
+                <a:effectLst>
+                  <a:outerShdw dist="35921" dir="2700000" algn="ctr" rotWithShape="0">
+                    <a:srgbClr val="808080"/>
+                  </a:outerShdw>
+                </a:effectLst>
+              </a14:hiddenEffects>
+            </a:ext>
+          </a:extLst>
+        </p:spPr>
+        <p:txBody>
+          <a:bodyPr/>
+          <a:lstStyle/>
+          <a:p>
+            <a:endParaRPr lang="pt-BR"/>
+          </a:p>
+        </p:txBody>
+      </p:sp>
+      <p:sp>
+        <p:nvSpPr>
+          <p:cNvPr id="12" name="Espaço Reservado para Número de Slide 10"/>
+          <p:cNvSpPr>
+            <a:spLocks noGrp="1"/>
+          </p:cNvSpPr>
+          <p:nvPr>
+            <p:ph type="sldNum" sz="quarter" idx="12"/>
+          </p:nvPr>
+        </p:nvSpPr>
+        <p:spPr>
+          <a:xfrm>
+            <a:off x="6870700" y="6487179"/>
+            <a:ext cx="2057400" cy="365125"/>
+          </a:xfrm>
+        </p:spPr>
+        <p:txBody>
+          <a:bodyPr/>
+          <a:lstStyle/>
+          <a:p>
+            <a:fld id="{81005A1F-7AC2-4032-AE25-0D28B304E158}" type="slidenum">
+              <a:rPr lang="pt-BR" smtClean="0"/>
+              <a:t>26</a:t>
+            </a:fld>
+            <a:endParaRPr lang="pt-BR" dirty="0"/>
+          </a:p>
+        </p:txBody>
+      </p:sp>
+      <p:sp>
+        <p:nvSpPr>
+          <p:cNvPr id="17" name="Espaço Reservado para Conteúdo 2"/>
           <p:cNvSpPr>
             <a:spLocks noGrp="1"/>
           </p:cNvSpPr>
@@ -16321,45 +22743,69 @@
             <p:ph idx="1"/>
           </p:nvPr>
         </p:nvSpPr>
-        <p:spPr/>
+        <p:spPr>
+          <a:xfrm>
+            <a:off x="507206" y="1685437"/>
+            <a:ext cx="8089900" cy="4735553"/>
+          </a:xfrm>
+        </p:spPr>
         <p:txBody>
-          <a:bodyPr/>
+          <a:bodyPr>
+            <a:normAutofit/>
+          </a:bodyPr>
           <a:lstStyle/>
           <a:p>
             <a:r>
-              <a:rPr lang="pt-BR" dirty="0"/>
-              <a:t>Trabalhos futuros</a:t>
+              <a:rPr lang="pt-BR" sz="2000" dirty="0" err="1"/>
+              <a:t>ew</a:t>
             </a:r>
-          </a:p>
-        </p:txBody>
-      </p:sp>
-      <p:sp>
-        <p:nvSpPr>
-          <p:cNvPr id="4" name="Espaço Reservado para Número de Slide 3"/>
-          <p:cNvSpPr>
-            <a:spLocks noGrp="1"/>
-          </p:cNvSpPr>
-          <p:nvPr>
-            <p:ph type="sldNum" sz="quarter" idx="12"/>
-          </p:nvPr>
-        </p:nvSpPr>
-        <p:spPr/>
-        <p:txBody>
-          <a:bodyPr/>
-          <a:lstStyle/>
-          <a:p>
-            <a:fld id="{81005A1F-7AC2-4032-AE25-0D28B304E158}" type="slidenum">
-              <a:rPr lang="pt-BR" smtClean="0"/>
-              <a:t>26</a:t>
-            </a:fld>
-            <a:endParaRPr lang="pt-BR"/>
+            <a:endParaRPr lang="pt-BR" sz="2000" dirty="0"/>
+          </a:p>
+          <a:p>
+            <a:endParaRPr lang="pt-BR" sz="1600" i="1" dirty="0">
+              <a:solidFill>
+                <a:prstClr val="black"/>
+              </a:solidFill>
+              <a:latin typeface="Cambria Math" panose="02040503050406030204" pitchFamily="18" charset="0"/>
+            </a:endParaRPr>
+          </a:p>
+          <a:p>
+            <a:endParaRPr lang="pt-BR" sz="1600" i="1" dirty="0">
+              <a:solidFill>
+                <a:prstClr val="black"/>
+              </a:solidFill>
+              <a:latin typeface="Cambria Math" panose="02040503050406030204" pitchFamily="18" charset="0"/>
+            </a:endParaRPr>
+          </a:p>
+          <a:p>
+            <a:endParaRPr lang="pt-BR" sz="1600" i="1" dirty="0">
+              <a:solidFill>
+                <a:prstClr val="black"/>
+              </a:solidFill>
+              <a:latin typeface="Cambria Math" panose="02040503050406030204" pitchFamily="18" charset="0"/>
+            </a:endParaRPr>
+          </a:p>
+          <a:p>
+            <a:endParaRPr lang="pt-BR" sz="1600" i="1" dirty="0">
+              <a:solidFill>
+                <a:prstClr val="black"/>
+              </a:solidFill>
+              <a:latin typeface="Cambria Math" panose="02040503050406030204" pitchFamily="18" charset="0"/>
+            </a:endParaRPr>
+          </a:p>
+          <a:p>
+            <a:endParaRPr lang="pt-BR" sz="800" dirty="0">
+              <a:solidFill>
+                <a:prstClr val="black"/>
+              </a:solidFill>
+            </a:endParaRPr>
           </a:p>
         </p:txBody>
       </p:sp>
     </p:spTree>
     <p:extLst>
       <p:ext uri="{BB962C8B-B14F-4D97-AF65-F5344CB8AC3E}">
-        <p14:creationId xmlns:p14="http://schemas.microsoft.com/office/powerpoint/2010/main" val="2478691360"/>
+        <p14:creationId xmlns:p14="http://schemas.microsoft.com/office/powerpoint/2010/main" val="2988419465"/>
       </p:ext>
     </p:extLst>
   </p:cSld>
@@ -16396,13 +22842,20 @@
             <p:ph type="ctrTitle"/>
           </p:nvPr>
         </p:nvSpPr>
-        <p:spPr/>
+        <p:spPr>
+          <a:xfrm>
+            <a:off x="1143000" y="3132921"/>
+            <a:ext cx="6858000" cy="644260"/>
+          </a:xfrm>
+        </p:spPr>
         <p:txBody>
-          <a:bodyPr/>
+          <a:bodyPr>
+            <a:normAutofit fontScale="90000"/>
+          </a:bodyPr>
           <a:lstStyle/>
           <a:p>
             <a:r>
-              <a:rPr lang="pt-BR" dirty="0"/>
+              <a:rPr lang="pt-BR" sz="4400" dirty="0"/>
               <a:t>Obrigado</a:t>
             </a:r>
           </a:p>
@@ -16418,35 +22871,1060 @@
             <p:ph type="subTitle" idx="1"/>
           </p:nvPr>
         </p:nvSpPr>
-        <p:spPr/>
+        <p:spPr>
+          <a:xfrm>
+            <a:off x="1143000" y="4120734"/>
+            <a:ext cx="6858000" cy="522998"/>
+          </a:xfrm>
+        </p:spPr>
         <p:txBody>
-          <a:bodyPr/>
+          <a:bodyPr>
+            <a:normAutofit/>
+          </a:bodyPr>
           <a:lstStyle/>
           <a:p>
-            <a:endParaRPr lang="pt-BR"/>
+            <a:r>
+              <a:rPr lang="pt-BR" dirty="0"/>
+              <a:t>João Paulo de Souza Oliveira</a:t>
+            </a:r>
+          </a:p>
+        </p:txBody>
+      </p:sp>
+      <p:pic>
+        <p:nvPicPr>
+          <p:cNvPr id="7" name="Picture 2"/>
+          <p:cNvPicPr>
+            <a:picLocks noChangeAspect="1" noChangeArrowheads="1"/>
+          </p:cNvPicPr>
+          <p:nvPr/>
+        </p:nvPicPr>
+        <p:blipFill>
+          <a:blip r:embed="rId2">
+            <a:extLst>
+              <a:ext uri="{28A0092B-C50C-407E-A947-70E740481C1C}">
+                <a14:useLocalDpi xmlns:a14="http://schemas.microsoft.com/office/drawing/2010/main" val="0"/>
+              </a:ext>
+            </a:extLst>
+          </a:blip>
+          <a:srcRect/>
+          <a:stretch>
+            <a:fillRect/>
+          </a:stretch>
+        </p:blipFill>
+        <p:spPr bwMode="auto">
+          <a:xfrm>
+            <a:off x="74613" y="127000"/>
+            <a:ext cx="1847850" cy="709613"/>
+          </a:xfrm>
+          <a:prstGeom prst="rect">
+            <a:avLst/>
+          </a:prstGeom>
+          <a:noFill/>
+          <a:ln>
+            <a:noFill/>
+          </a:ln>
+          <a:effectLst/>
+          <a:extLst>
+            <a:ext uri="{909E8E84-426E-40DD-AFC4-6F175D3DCCD1}">
+              <a14:hiddenFill xmlns:a14="http://schemas.microsoft.com/office/drawing/2010/main">
+                <a:blipFill dpi="0" rotWithShape="0">
+                  <a:blip/>
+                  <a:srcRect/>
+                  <a:stretch>
+                    <a:fillRect/>
+                  </a:stretch>
+                </a:blipFill>
+              </a14:hiddenFill>
+            </a:ext>
+            <a:ext uri="{91240B29-F687-4F45-9708-019B960494DF}">
+              <a14:hiddenLine xmlns:a14="http://schemas.microsoft.com/office/drawing/2010/main" w="9525">
+                <a:solidFill>
+                  <a:srgbClr val="3465A4"/>
+                </a:solidFill>
+                <a:round/>
+                <a:headEnd/>
+                <a:tailEnd/>
+              </a14:hiddenLine>
+            </a:ext>
+            <a:ext uri="{AF507438-7753-43E0-B8FC-AC1667EBCBE1}">
+              <a14:hiddenEffects xmlns:a14="http://schemas.microsoft.com/office/drawing/2010/main">
+                <a:effectLst>
+                  <a:outerShdw dist="35921" dir="2700000" algn="ctr" rotWithShape="0">
+                    <a:srgbClr val="808080"/>
+                  </a:outerShdw>
+                </a:effectLst>
+              </a14:hiddenEffects>
+            </a:ext>
+          </a:extLst>
+        </p:spPr>
+      </p:pic>
+      <p:pic>
+        <p:nvPicPr>
+          <p:cNvPr id="8" name="Picture 3"/>
+          <p:cNvPicPr>
+            <a:picLocks noChangeAspect="1" noChangeArrowheads="1"/>
+          </p:cNvPicPr>
+          <p:nvPr/>
+        </p:nvPicPr>
+        <p:blipFill>
+          <a:blip r:embed="rId3">
+            <a:extLst>
+              <a:ext uri="{28A0092B-C50C-407E-A947-70E740481C1C}">
+                <a14:useLocalDpi xmlns:a14="http://schemas.microsoft.com/office/drawing/2010/main" val="0"/>
+              </a:ext>
+            </a:extLst>
+          </a:blip>
+          <a:srcRect/>
+          <a:stretch>
+            <a:fillRect/>
+          </a:stretch>
+        </p:blipFill>
+        <p:spPr bwMode="auto">
+          <a:xfrm>
+            <a:off x="7265988" y="146050"/>
+            <a:ext cx="1662112" cy="709613"/>
+          </a:xfrm>
+          <a:prstGeom prst="rect">
+            <a:avLst/>
+          </a:prstGeom>
+          <a:noFill/>
+          <a:ln>
+            <a:noFill/>
+          </a:ln>
+          <a:effectLst/>
+          <a:extLst>
+            <a:ext uri="{909E8E84-426E-40DD-AFC4-6F175D3DCCD1}">
+              <a14:hiddenFill xmlns:a14="http://schemas.microsoft.com/office/drawing/2010/main">
+                <a:blipFill dpi="0" rotWithShape="0">
+                  <a:blip/>
+                  <a:srcRect/>
+                  <a:stretch>
+                    <a:fillRect/>
+                  </a:stretch>
+                </a:blipFill>
+              </a14:hiddenFill>
+            </a:ext>
+            <a:ext uri="{91240B29-F687-4F45-9708-019B960494DF}">
+              <a14:hiddenLine xmlns:a14="http://schemas.microsoft.com/office/drawing/2010/main" w="9525">
+                <a:solidFill>
+                  <a:srgbClr val="3465A4"/>
+                </a:solidFill>
+                <a:round/>
+                <a:headEnd/>
+                <a:tailEnd/>
+              </a14:hiddenLine>
+            </a:ext>
+            <a:ext uri="{AF507438-7753-43E0-B8FC-AC1667EBCBE1}">
+              <a14:hiddenEffects xmlns:a14="http://schemas.microsoft.com/office/drawing/2010/main">
+                <a:effectLst>
+                  <a:outerShdw dist="35921" dir="2700000" algn="ctr" rotWithShape="0">
+                    <a:srgbClr val="808080"/>
+                  </a:outerShdw>
+                </a:effectLst>
+              </a14:hiddenEffects>
+            </a:ext>
+          </a:extLst>
+        </p:spPr>
+      </p:pic>
+      <p:sp>
+        <p:nvSpPr>
+          <p:cNvPr id="9" name="Text Box 4"/>
+          <p:cNvSpPr txBox="1">
+            <a:spLocks noChangeArrowheads="1"/>
+          </p:cNvSpPr>
+          <p:nvPr/>
+        </p:nvSpPr>
+        <p:spPr bwMode="auto">
+          <a:xfrm>
+            <a:off x="1903413" y="1588"/>
+            <a:ext cx="5297487" cy="956288"/>
+          </a:xfrm>
+          <a:prstGeom prst="rect">
+            <a:avLst/>
+          </a:prstGeom>
+          <a:noFill/>
+          <a:ln>
+            <a:noFill/>
+          </a:ln>
+          <a:effectLst/>
+          <a:extLst>
+            <a:ext uri="{909E8E84-426E-40DD-AFC4-6F175D3DCCD1}">
+              <a14:hiddenFill xmlns:a14="http://schemas.microsoft.com/office/drawing/2010/main">
+                <a:solidFill>
+                  <a:srgbClr val="FFFFFF"/>
+                </a:solidFill>
+              </a14:hiddenFill>
+            </a:ext>
+            <a:ext uri="{91240B29-F687-4F45-9708-019B960494DF}">
+              <a14:hiddenLine xmlns:a14="http://schemas.microsoft.com/office/drawing/2010/main" w="9525">
+                <a:solidFill>
+                  <a:srgbClr val="3465A4"/>
+                </a:solidFill>
+                <a:round/>
+                <a:headEnd/>
+                <a:tailEnd/>
+              </a14:hiddenLine>
+            </a:ext>
+            <a:ext uri="{AF507438-7753-43E0-B8FC-AC1667EBCBE1}">
+              <a14:hiddenEffects xmlns:a14="http://schemas.microsoft.com/office/drawing/2010/main">
+                <a:effectLst>
+                  <a:outerShdw dist="35921" dir="2700000" algn="ctr" rotWithShape="0">
+                    <a:srgbClr val="808080"/>
+                  </a:outerShdw>
+                </a:effectLst>
+              </a14:hiddenEffects>
+            </a:ext>
+          </a:extLst>
+        </p:spPr>
+        <p:txBody>
+          <a:bodyPr lIns="90000" tIns="46800" rIns="90000" bIns="46800">
+            <a:spAutoFit/>
+          </a:bodyPr>
+          <a:lstStyle>
+            <a:lvl1pPr>
+              <a:lnSpc>
+                <a:spcPct val="90000"/>
+              </a:lnSpc>
+              <a:spcBef>
+                <a:spcPts val="1000"/>
+              </a:spcBef>
+              <a:buClr>
+                <a:srgbClr val="000000"/>
+              </a:buClr>
+              <a:buSzPct val="100000"/>
+              <a:buFont typeface="Times New Roman" panose="02020603050405020304" pitchFamily="18" charset="0"/>
+              <a:tabLst>
+                <a:tab pos="0" algn="l"/>
+                <a:tab pos="914400" algn="l"/>
+                <a:tab pos="1828800" algn="l"/>
+                <a:tab pos="2743200" algn="l"/>
+                <a:tab pos="3657600" algn="l"/>
+                <a:tab pos="4572000" algn="l"/>
+                <a:tab pos="5486400" algn="l"/>
+                <a:tab pos="6400800" algn="l"/>
+                <a:tab pos="7315200" algn="l"/>
+                <a:tab pos="8229600" algn="l"/>
+                <a:tab pos="9144000" algn="l"/>
+                <a:tab pos="10058400" algn="l"/>
+              </a:tabLst>
+              <a:defRPr sz="2800">
+                <a:solidFill>
+                  <a:srgbClr val="000000"/>
+                </a:solidFill>
+                <a:latin typeface="Calibri" panose="020F0502020204030204" pitchFamily="34" charset="0"/>
+                <a:cs typeface="Droid Sans Fallback" charset="0"/>
+              </a:defRPr>
+            </a:lvl1pPr>
+            <a:lvl2pPr>
+              <a:lnSpc>
+                <a:spcPct val="90000"/>
+              </a:lnSpc>
+              <a:spcBef>
+                <a:spcPts val="500"/>
+              </a:spcBef>
+              <a:buClr>
+                <a:srgbClr val="000000"/>
+              </a:buClr>
+              <a:buSzPct val="100000"/>
+              <a:buFont typeface="Times New Roman" panose="02020603050405020304" pitchFamily="18" charset="0"/>
+              <a:tabLst>
+                <a:tab pos="0" algn="l"/>
+                <a:tab pos="914400" algn="l"/>
+                <a:tab pos="1828800" algn="l"/>
+                <a:tab pos="2743200" algn="l"/>
+                <a:tab pos="3657600" algn="l"/>
+                <a:tab pos="4572000" algn="l"/>
+                <a:tab pos="5486400" algn="l"/>
+                <a:tab pos="6400800" algn="l"/>
+                <a:tab pos="7315200" algn="l"/>
+                <a:tab pos="8229600" algn="l"/>
+                <a:tab pos="9144000" algn="l"/>
+                <a:tab pos="10058400" algn="l"/>
+              </a:tabLst>
+              <a:defRPr sz="2400">
+                <a:solidFill>
+                  <a:srgbClr val="000000"/>
+                </a:solidFill>
+                <a:latin typeface="Calibri" panose="020F0502020204030204" pitchFamily="34" charset="0"/>
+                <a:cs typeface="Droid Sans Fallback" charset="0"/>
+              </a:defRPr>
+            </a:lvl2pPr>
+            <a:lvl3pPr>
+              <a:lnSpc>
+                <a:spcPct val="90000"/>
+              </a:lnSpc>
+              <a:spcBef>
+                <a:spcPts val="500"/>
+              </a:spcBef>
+              <a:buClr>
+                <a:srgbClr val="000000"/>
+              </a:buClr>
+              <a:buSzPct val="100000"/>
+              <a:buFont typeface="Times New Roman" panose="02020603050405020304" pitchFamily="18" charset="0"/>
+              <a:tabLst>
+                <a:tab pos="0" algn="l"/>
+                <a:tab pos="914400" algn="l"/>
+                <a:tab pos="1828800" algn="l"/>
+                <a:tab pos="2743200" algn="l"/>
+                <a:tab pos="3657600" algn="l"/>
+                <a:tab pos="4572000" algn="l"/>
+                <a:tab pos="5486400" algn="l"/>
+                <a:tab pos="6400800" algn="l"/>
+                <a:tab pos="7315200" algn="l"/>
+                <a:tab pos="8229600" algn="l"/>
+                <a:tab pos="9144000" algn="l"/>
+                <a:tab pos="10058400" algn="l"/>
+              </a:tabLst>
+              <a:defRPr sz="2000">
+                <a:solidFill>
+                  <a:srgbClr val="000000"/>
+                </a:solidFill>
+                <a:latin typeface="Calibri" panose="020F0502020204030204" pitchFamily="34" charset="0"/>
+                <a:cs typeface="Droid Sans Fallback" charset="0"/>
+              </a:defRPr>
+            </a:lvl3pPr>
+            <a:lvl4pPr>
+              <a:lnSpc>
+                <a:spcPct val="90000"/>
+              </a:lnSpc>
+              <a:spcBef>
+                <a:spcPts val="500"/>
+              </a:spcBef>
+              <a:buClr>
+                <a:srgbClr val="000000"/>
+              </a:buClr>
+              <a:buSzPct val="100000"/>
+              <a:buFont typeface="Times New Roman" panose="02020603050405020304" pitchFamily="18" charset="0"/>
+              <a:tabLst>
+                <a:tab pos="0" algn="l"/>
+                <a:tab pos="914400" algn="l"/>
+                <a:tab pos="1828800" algn="l"/>
+                <a:tab pos="2743200" algn="l"/>
+                <a:tab pos="3657600" algn="l"/>
+                <a:tab pos="4572000" algn="l"/>
+                <a:tab pos="5486400" algn="l"/>
+                <a:tab pos="6400800" algn="l"/>
+                <a:tab pos="7315200" algn="l"/>
+                <a:tab pos="8229600" algn="l"/>
+                <a:tab pos="9144000" algn="l"/>
+                <a:tab pos="10058400" algn="l"/>
+              </a:tabLst>
+              <a:defRPr>
+                <a:solidFill>
+                  <a:srgbClr val="000000"/>
+                </a:solidFill>
+                <a:latin typeface="Calibri" panose="020F0502020204030204" pitchFamily="34" charset="0"/>
+                <a:cs typeface="Droid Sans Fallback" charset="0"/>
+              </a:defRPr>
+            </a:lvl4pPr>
+            <a:lvl5pPr>
+              <a:lnSpc>
+                <a:spcPct val="90000"/>
+              </a:lnSpc>
+              <a:spcBef>
+                <a:spcPts val="500"/>
+              </a:spcBef>
+              <a:buClr>
+                <a:srgbClr val="000000"/>
+              </a:buClr>
+              <a:buSzPct val="100000"/>
+              <a:buFont typeface="Times New Roman" panose="02020603050405020304" pitchFamily="18" charset="0"/>
+              <a:tabLst>
+                <a:tab pos="0" algn="l"/>
+                <a:tab pos="914400" algn="l"/>
+                <a:tab pos="1828800" algn="l"/>
+                <a:tab pos="2743200" algn="l"/>
+                <a:tab pos="3657600" algn="l"/>
+                <a:tab pos="4572000" algn="l"/>
+                <a:tab pos="5486400" algn="l"/>
+                <a:tab pos="6400800" algn="l"/>
+                <a:tab pos="7315200" algn="l"/>
+                <a:tab pos="8229600" algn="l"/>
+                <a:tab pos="9144000" algn="l"/>
+                <a:tab pos="10058400" algn="l"/>
+              </a:tabLst>
+              <a:defRPr>
+                <a:solidFill>
+                  <a:srgbClr val="000000"/>
+                </a:solidFill>
+                <a:latin typeface="Calibri" panose="020F0502020204030204" pitchFamily="34" charset="0"/>
+                <a:cs typeface="Droid Sans Fallback" charset="0"/>
+              </a:defRPr>
+            </a:lvl5pPr>
+            <a:lvl6pPr marL="2514600" indent="-228600" defTabSz="449263" eaLnBrk="0" fontAlgn="base" hangingPunct="0">
+              <a:lnSpc>
+                <a:spcPct val="90000"/>
+              </a:lnSpc>
+              <a:spcBef>
+                <a:spcPts val="500"/>
+              </a:spcBef>
+              <a:spcAft>
+                <a:spcPct val="0"/>
+              </a:spcAft>
+              <a:buClr>
+                <a:srgbClr val="000000"/>
+              </a:buClr>
+              <a:buSzPct val="100000"/>
+              <a:buFont typeface="Times New Roman" panose="02020603050405020304" pitchFamily="18" charset="0"/>
+              <a:tabLst>
+                <a:tab pos="0" algn="l"/>
+                <a:tab pos="914400" algn="l"/>
+                <a:tab pos="1828800" algn="l"/>
+                <a:tab pos="2743200" algn="l"/>
+                <a:tab pos="3657600" algn="l"/>
+                <a:tab pos="4572000" algn="l"/>
+                <a:tab pos="5486400" algn="l"/>
+                <a:tab pos="6400800" algn="l"/>
+                <a:tab pos="7315200" algn="l"/>
+                <a:tab pos="8229600" algn="l"/>
+                <a:tab pos="9144000" algn="l"/>
+                <a:tab pos="10058400" algn="l"/>
+              </a:tabLst>
+              <a:defRPr>
+                <a:solidFill>
+                  <a:srgbClr val="000000"/>
+                </a:solidFill>
+                <a:latin typeface="Calibri" panose="020F0502020204030204" pitchFamily="34" charset="0"/>
+                <a:cs typeface="Droid Sans Fallback" charset="0"/>
+              </a:defRPr>
+            </a:lvl6pPr>
+            <a:lvl7pPr marL="2971800" indent="-228600" defTabSz="449263" eaLnBrk="0" fontAlgn="base" hangingPunct="0">
+              <a:lnSpc>
+                <a:spcPct val="90000"/>
+              </a:lnSpc>
+              <a:spcBef>
+                <a:spcPts val="500"/>
+              </a:spcBef>
+              <a:spcAft>
+                <a:spcPct val="0"/>
+              </a:spcAft>
+              <a:buClr>
+                <a:srgbClr val="000000"/>
+              </a:buClr>
+              <a:buSzPct val="100000"/>
+              <a:buFont typeface="Times New Roman" panose="02020603050405020304" pitchFamily="18" charset="0"/>
+              <a:tabLst>
+                <a:tab pos="0" algn="l"/>
+                <a:tab pos="914400" algn="l"/>
+                <a:tab pos="1828800" algn="l"/>
+                <a:tab pos="2743200" algn="l"/>
+                <a:tab pos="3657600" algn="l"/>
+                <a:tab pos="4572000" algn="l"/>
+                <a:tab pos="5486400" algn="l"/>
+                <a:tab pos="6400800" algn="l"/>
+                <a:tab pos="7315200" algn="l"/>
+                <a:tab pos="8229600" algn="l"/>
+                <a:tab pos="9144000" algn="l"/>
+                <a:tab pos="10058400" algn="l"/>
+              </a:tabLst>
+              <a:defRPr>
+                <a:solidFill>
+                  <a:srgbClr val="000000"/>
+                </a:solidFill>
+                <a:latin typeface="Calibri" panose="020F0502020204030204" pitchFamily="34" charset="0"/>
+                <a:cs typeface="Droid Sans Fallback" charset="0"/>
+              </a:defRPr>
+            </a:lvl7pPr>
+            <a:lvl8pPr marL="3429000" indent="-228600" defTabSz="449263" eaLnBrk="0" fontAlgn="base" hangingPunct="0">
+              <a:lnSpc>
+                <a:spcPct val="90000"/>
+              </a:lnSpc>
+              <a:spcBef>
+                <a:spcPts val="500"/>
+              </a:spcBef>
+              <a:spcAft>
+                <a:spcPct val="0"/>
+              </a:spcAft>
+              <a:buClr>
+                <a:srgbClr val="000000"/>
+              </a:buClr>
+              <a:buSzPct val="100000"/>
+              <a:buFont typeface="Times New Roman" panose="02020603050405020304" pitchFamily="18" charset="0"/>
+              <a:tabLst>
+                <a:tab pos="0" algn="l"/>
+                <a:tab pos="914400" algn="l"/>
+                <a:tab pos="1828800" algn="l"/>
+                <a:tab pos="2743200" algn="l"/>
+                <a:tab pos="3657600" algn="l"/>
+                <a:tab pos="4572000" algn="l"/>
+                <a:tab pos="5486400" algn="l"/>
+                <a:tab pos="6400800" algn="l"/>
+                <a:tab pos="7315200" algn="l"/>
+                <a:tab pos="8229600" algn="l"/>
+                <a:tab pos="9144000" algn="l"/>
+                <a:tab pos="10058400" algn="l"/>
+              </a:tabLst>
+              <a:defRPr>
+                <a:solidFill>
+                  <a:srgbClr val="000000"/>
+                </a:solidFill>
+                <a:latin typeface="Calibri" panose="020F0502020204030204" pitchFamily="34" charset="0"/>
+                <a:cs typeface="Droid Sans Fallback" charset="0"/>
+              </a:defRPr>
+            </a:lvl8pPr>
+            <a:lvl9pPr marL="3886200" indent="-228600" defTabSz="449263" eaLnBrk="0" fontAlgn="base" hangingPunct="0">
+              <a:lnSpc>
+                <a:spcPct val="90000"/>
+              </a:lnSpc>
+              <a:spcBef>
+                <a:spcPts val="500"/>
+              </a:spcBef>
+              <a:spcAft>
+                <a:spcPct val="0"/>
+              </a:spcAft>
+              <a:buClr>
+                <a:srgbClr val="000000"/>
+              </a:buClr>
+              <a:buSzPct val="100000"/>
+              <a:buFont typeface="Times New Roman" panose="02020603050405020304" pitchFamily="18" charset="0"/>
+              <a:tabLst>
+                <a:tab pos="0" algn="l"/>
+                <a:tab pos="914400" algn="l"/>
+                <a:tab pos="1828800" algn="l"/>
+                <a:tab pos="2743200" algn="l"/>
+                <a:tab pos="3657600" algn="l"/>
+                <a:tab pos="4572000" algn="l"/>
+                <a:tab pos="5486400" algn="l"/>
+                <a:tab pos="6400800" algn="l"/>
+                <a:tab pos="7315200" algn="l"/>
+                <a:tab pos="8229600" algn="l"/>
+                <a:tab pos="9144000" algn="l"/>
+                <a:tab pos="10058400" algn="l"/>
+              </a:tabLst>
+              <a:defRPr>
+                <a:solidFill>
+                  <a:srgbClr val="000000"/>
+                </a:solidFill>
+                <a:latin typeface="Calibri" panose="020F0502020204030204" pitchFamily="34" charset="0"/>
+                <a:cs typeface="Droid Sans Fallback" charset="0"/>
+              </a:defRPr>
+            </a:lvl9pPr>
+          </a:lstStyle>
+          <a:p>
+            <a:pPr algn="ctr">
+              <a:lnSpc>
+                <a:spcPct val="100000"/>
+              </a:lnSpc>
+              <a:spcBef>
+                <a:spcPct val="0"/>
+              </a:spcBef>
+              <a:buClrTx/>
+              <a:buFontTx/>
+              <a:buNone/>
+            </a:pPr>
+            <a:r>
+              <a:rPr lang="pt-BR" altLang="pt-BR" sz="1400" b="1" dirty="0">
+                <a:solidFill>
+                  <a:srgbClr val="7F7F7F"/>
+                </a:solidFill>
+                <a:latin typeface="Times New Roman" panose="02020603050405020304" pitchFamily="18" charset="0"/>
+                <a:cs typeface="Times New Roman" panose="02020603050405020304" pitchFamily="18" charset="0"/>
+              </a:rPr>
+              <a:t>Instituto Tecnológico de Aeronáutica</a:t>
+            </a:r>
+          </a:p>
+          <a:p>
+            <a:pPr algn="ctr">
+              <a:lnSpc>
+                <a:spcPct val="100000"/>
+              </a:lnSpc>
+              <a:spcBef>
+                <a:spcPct val="0"/>
+              </a:spcBef>
+              <a:buClrTx/>
+              <a:buFontTx/>
+              <a:buNone/>
+            </a:pPr>
+            <a:r>
+              <a:rPr lang="pt-BR" altLang="pt-BR" sz="1400" b="1" dirty="0">
+                <a:solidFill>
+                  <a:srgbClr val="7F7F7F"/>
+                </a:solidFill>
+                <a:latin typeface="Times New Roman" panose="02020603050405020304" pitchFamily="18" charset="0"/>
+                <a:cs typeface="Times New Roman" panose="02020603050405020304" pitchFamily="18" charset="0"/>
+              </a:rPr>
+              <a:t>Curso de Mestrado Profissionalizante em Engenharia Aeronáutica</a:t>
+            </a:r>
+          </a:p>
+          <a:p>
+            <a:pPr algn="ctr">
+              <a:lnSpc>
+                <a:spcPct val="100000"/>
+              </a:lnSpc>
+              <a:spcBef>
+                <a:spcPct val="0"/>
+              </a:spcBef>
+              <a:buClrTx/>
+              <a:buFontTx/>
+              <a:buNone/>
+            </a:pPr>
+            <a:r>
+              <a:rPr lang="pt-BR" altLang="pt-BR" sz="1400" b="1" dirty="0">
+                <a:solidFill>
+                  <a:srgbClr val="7F7F7F"/>
+                </a:solidFill>
+                <a:latin typeface="Times New Roman" panose="02020603050405020304" pitchFamily="18" charset="0"/>
+                <a:cs typeface="Times New Roman" panose="02020603050405020304" pitchFamily="18" charset="0"/>
+              </a:rPr>
+              <a:t>Programa de Pós-Graduação em Engenharia Aeronáutica e Mecânica</a:t>
+            </a:r>
           </a:p>
         </p:txBody>
       </p:sp>
       <p:sp>
         <p:nvSpPr>
-          <p:cNvPr id="2" name="Espaço Reservado para Número de Slide 1"/>
+          <p:cNvPr id="10" name="Line 7"/>
           <p:cNvSpPr>
-            <a:spLocks noGrp="1"/>
+            <a:spLocks noChangeShapeType="1"/>
           </p:cNvSpPr>
-          <p:nvPr>
-            <p:ph type="sldNum" sz="quarter" idx="12"/>
-          </p:nvPr>
+          <p:nvPr/>
         </p:nvSpPr>
-        <p:spPr/>
+        <p:spPr bwMode="auto">
+          <a:xfrm>
+            <a:off x="507206" y="901215"/>
+            <a:ext cx="8089900" cy="1587"/>
+          </a:xfrm>
+          <a:prstGeom prst="line">
+            <a:avLst/>
+          </a:prstGeom>
+          <a:noFill/>
+          <a:ln w="6480" cap="sq">
+            <a:solidFill>
+              <a:srgbClr val="A5A5A5"/>
+            </a:solidFill>
+            <a:miter lim="800000"/>
+            <a:headEnd/>
+            <a:tailEnd/>
+          </a:ln>
+          <a:effectLst/>
+          <a:extLst>
+            <a:ext uri="{909E8E84-426E-40DD-AFC4-6F175D3DCCD1}">
+              <a14:hiddenFill xmlns:a14="http://schemas.microsoft.com/office/drawing/2010/main">
+                <a:noFill/>
+              </a14:hiddenFill>
+            </a:ext>
+            <a:ext uri="{AF507438-7753-43E0-B8FC-AC1667EBCBE1}">
+              <a14:hiddenEffects xmlns:a14="http://schemas.microsoft.com/office/drawing/2010/main">
+                <a:effectLst>
+                  <a:outerShdw dist="35921" dir="2700000" algn="ctr" rotWithShape="0">
+                    <a:srgbClr val="808080"/>
+                  </a:outerShdw>
+                </a:effectLst>
+              </a14:hiddenEffects>
+            </a:ext>
+          </a:extLst>
+        </p:spPr>
         <p:txBody>
           <a:bodyPr/>
           <a:lstStyle/>
           <a:p>
+            <a:endParaRPr lang="pt-BR"/>
+          </a:p>
+        </p:txBody>
+      </p:sp>
+      <p:sp>
+        <p:nvSpPr>
+          <p:cNvPr id="11" name="Line 6"/>
+          <p:cNvSpPr>
+            <a:spLocks noChangeShapeType="1"/>
+          </p:cNvSpPr>
+          <p:nvPr/>
+        </p:nvSpPr>
+        <p:spPr bwMode="auto">
+          <a:xfrm>
+            <a:off x="508000" y="6488113"/>
+            <a:ext cx="8089900" cy="1587"/>
+          </a:xfrm>
+          <a:prstGeom prst="line">
+            <a:avLst/>
+          </a:prstGeom>
+          <a:noFill/>
+          <a:ln w="6480" cap="sq">
+            <a:solidFill>
+              <a:srgbClr val="A5A5A5"/>
+            </a:solidFill>
+            <a:miter lim="800000"/>
+            <a:headEnd/>
+            <a:tailEnd/>
+          </a:ln>
+          <a:effectLst/>
+          <a:extLst>
+            <a:ext uri="{909E8E84-426E-40DD-AFC4-6F175D3DCCD1}">
+              <a14:hiddenFill xmlns:a14="http://schemas.microsoft.com/office/drawing/2010/main">
+                <a:noFill/>
+              </a14:hiddenFill>
+            </a:ext>
+            <a:ext uri="{AF507438-7753-43E0-B8FC-AC1667EBCBE1}">
+              <a14:hiddenEffects xmlns:a14="http://schemas.microsoft.com/office/drawing/2010/main">
+                <a:effectLst>
+                  <a:outerShdw dist="35921" dir="2700000" algn="ctr" rotWithShape="0">
+                    <a:srgbClr val="808080"/>
+                  </a:outerShdw>
+                </a:effectLst>
+              </a14:hiddenEffects>
+            </a:ext>
+          </a:extLst>
+        </p:spPr>
+        <p:txBody>
+          <a:bodyPr/>
+          <a:lstStyle/>
+          <a:p>
+            <a:endParaRPr lang="pt-BR"/>
+          </a:p>
+        </p:txBody>
+      </p:sp>
+      <p:sp>
+        <p:nvSpPr>
+          <p:cNvPr id="12" name="Espaço Reservado para Número de Slide 10"/>
+          <p:cNvSpPr txBox="1">
+            <a:spLocks/>
+          </p:cNvSpPr>
+          <p:nvPr/>
+        </p:nvSpPr>
+        <p:spPr>
+          <a:xfrm>
+            <a:off x="6870700" y="6487179"/>
+            <a:ext cx="2057400" cy="365125"/>
+          </a:xfrm>
+          <a:prstGeom prst="rect">
+            <a:avLst/>
+          </a:prstGeom>
+        </p:spPr>
+        <p:txBody>
+          <a:bodyPr vert="horz" lIns="91440" tIns="45720" rIns="91440" bIns="45720" rtlCol="0" anchor="ctr"/>
+          <a:lstStyle>
+            <a:defPPr>
+              <a:defRPr lang="pt-BR"/>
+            </a:defPPr>
+            <a:lvl1pPr marL="0" algn="r" defTabSz="914400" rtl="0" eaLnBrk="1" latinLnBrk="0" hangingPunct="1">
+              <a:defRPr sz="1200" kern="1200">
+                <a:solidFill>
+                  <a:schemeClr val="tx1">
+                    <a:tint val="75000"/>
+                  </a:schemeClr>
+                </a:solidFill>
+                <a:latin typeface="+mn-lt"/>
+                <a:ea typeface="+mn-ea"/>
+                <a:cs typeface="+mn-cs"/>
+              </a:defRPr>
+            </a:lvl1pPr>
+            <a:lvl2pPr marL="457200" algn="l" defTabSz="914400" rtl="0" eaLnBrk="1" latinLnBrk="0" hangingPunct="1">
+              <a:defRPr sz="1800" kern="1200">
+                <a:solidFill>
+                  <a:schemeClr val="tx1"/>
+                </a:solidFill>
+                <a:latin typeface="+mn-lt"/>
+                <a:ea typeface="+mn-ea"/>
+                <a:cs typeface="+mn-cs"/>
+              </a:defRPr>
+            </a:lvl2pPr>
+            <a:lvl3pPr marL="914400" algn="l" defTabSz="914400" rtl="0" eaLnBrk="1" latinLnBrk="0" hangingPunct="1">
+              <a:defRPr sz="1800" kern="1200">
+                <a:solidFill>
+                  <a:schemeClr val="tx1"/>
+                </a:solidFill>
+                <a:latin typeface="+mn-lt"/>
+                <a:ea typeface="+mn-ea"/>
+                <a:cs typeface="+mn-cs"/>
+              </a:defRPr>
+            </a:lvl3pPr>
+            <a:lvl4pPr marL="1371600" algn="l" defTabSz="914400" rtl="0" eaLnBrk="1" latinLnBrk="0" hangingPunct="1">
+              <a:defRPr sz="1800" kern="1200">
+                <a:solidFill>
+                  <a:schemeClr val="tx1"/>
+                </a:solidFill>
+                <a:latin typeface="+mn-lt"/>
+                <a:ea typeface="+mn-ea"/>
+                <a:cs typeface="+mn-cs"/>
+              </a:defRPr>
+            </a:lvl4pPr>
+            <a:lvl5pPr marL="1828800" algn="l" defTabSz="914400" rtl="0" eaLnBrk="1" latinLnBrk="0" hangingPunct="1">
+              <a:defRPr sz="1800" kern="1200">
+                <a:solidFill>
+                  <a:schemeClr val="tx1"/>
+                </a:solidFill>
+                <a:latin typeface="+mn-lt"/>
+                <a:ea typeface="+mn-ea"/>
+                <a:cs typeface="+mn-cs"/>
+              </a:defRPr>
+            </a:lvl5pPr>
+            <a:lvl6pPr marL="2286000" algn="l" defTabSz="914400" rtl="0" eaLnBrk="1" latinLnBrk="0" hangingPunct="1">
+              <a:defRPr sz="1800" kern="1200">
+                <a:solidFill>
+                  <a:schemeClr val="tx1"/>
+                </a:solidFill>
+                <a:latin typeface="+mn-lt"/>
+                <a:ea typeface="+mn-ea"/>
+                <a:cs typeface="+mn-cs"/>
+              </a:defRPr>
+            </a:lvl6pPr>
+            <a:lvl7pPr marL="2743200" algn="l" defTabSz="914400" rtl="0" eaLnBrk="1" latinLnBrk="0" hangingPunct="1">
+              <a:defRPr sz="1800" kern="1200">
+                <a:solidFill>
+                  <a:schemeClr val="tx1"/>
+                </a:solidFill>
+                <a:latin typeface="+mn-lt"/>
+                <a:ea typeface="+mn-ea"/>
+                <a:cs typeface="+mn-cs"/>
+              </a:defRPr>
+            </a:lvl7pPr>
+            <a:lvl8pPr marL="3200400" algn="l" defTabSz="914400" rtl="0" eaLnBrk="1" latinLnBrk="0" hangingPunct="1">
+              <a:defRPr sz="1800" kern="1200">
+                <a:solidFill>
+                  <a:schemeClr val="tx1"/>
+                </a:solidFill>
+                <a:latin typeface="+mn-lt"/>
+                <a:ea typeface="+mn-ea"/>
+                <a:cs typeface="+mn-cs"/>
+              </a:defRPr>
+            </a:lvl8pPr>
+            <a:lvl9pPr marL="3657600" algn="l" defTabSz="914400" rtl="0" eaLnBrk="1" latinLnBrk="0" hangingPunct="1">
+              <a:defRPr sz="1800" kern="1200">
+                <a:solidFill>
+                  <a:schemeClr val="tx1"/>
+                </a:solidFill>
+                <a:latin typeface="+mn-lt"/>
+                <a:ea typeface="+mn-ea"/>
+                <a:cs typeface="+mn-cs"/>
+              </a:defRPr>
+            </a:lvl9pPr>
+          </a:lstStyle>
+          <a:p>
             <a:fld id="{81005A1F-7AC2-4032-AE25-0D28B304E158}" type="slidenum">
               <a:rPr lang="pt-BR" smtClean="0"/>
+              <a:pPr/>
               <a:t>27</a:t>
             </a:fld>
-            <a:endParaRPr lang="pt-BR"/>
+            <a:endParaRPr lang="pt-BR" dirty="0"/>
+          </a:p>
+        </p:txBody>
+      </p:sp>
+      <p:sp>
+        <p:nvSpPr>
+          <p:cNvPr id="13" name="Espaço Reservado para Conteúdo 2"/>
+          <p:cNvSpPr txBox="1">
+            <a:spLocks/>
+          </p:cNvSpPr>
+          <p:nvPr/>
+        </p:nvSpPr>
+        <p:spPr>
+          <a:xfrm>
+            <a:off x="507206" y="1685437"/>
+            <a:ext cx="8089900" cy="4735553"/>
+          </a:xfrm>
+          <a:prstGeom prst="rect">
+            <a:avLst/>
+          </a:prstGeom>
+        </p:spPr>
+        <p:txBody>
+          <a:bodyPr vert="horz" lIns="91440" tIns="45720" rIns="91440" bIns="45720" rtlCol="0">
+            <a:normAutofit/>
+          </a:bodyPr>
+          <a:lstStyle>
+            <a:lvl1pPr marL="0" indent="0" algn="ctr" defTabSz="914400" rtl="0" eaLnBrk="1" latinLnBrk="0" hangingPunct="1">
+              <a:lnSpc>
+                <a:spcPct val="90000"/>
+              </a:lnSpc>
+              <a:spcBef>
+                <a:spcPts val="1000"/>
+              </a:spcBef>
+              <a:buFont typeface="Arial" panose="020B0604020202020204" pitchFamily="34" charset="0"/>
+              <a:buNone/>
+              <a:defRPr sz="2400" kern="1200">
+                <a:solidFill>
+                  <a:schemeClr val="tx1"/>
+                </a:solidFill>
+                <a:latin typeface="+mn-lt"/>
+                <a:ea typeface="+mn-ea"/>
+                <a:cs typeface="+mn-cs"/>
+              </a:defRPr>
+            </a:lvl1pPr>
+            <a:lvl2pPr marL="457200" indent="0" algn="ctr" defTabSz="914400" rtl="0" eaLnBrk="1" latinLnBrk="0" hangingPunct="1">
+              <a:lnSpc>
+                <a:spcPct val="90000"/>
+              </a:lnSpc>
+              <a:spcBef>
+                <a:spcPts val="500"/>
+              </a:spcBef>
+              <a:buFont typeface="Arial" panose="020B0604020202020204" pitchFamily="34" charset="0"/>
+              <a:buNone/>
+              <a:defRPr sz="2000" kern="1200">
+                <a:solidFill>
+                  <a:schemeClr val="tx1"/>
+                </a:solidFill>
+                <a:latin typeface="+mn-lt"/>
+                <a:ea typeface="+mn-ea"/>
+                <a:cs typeface="+mn-cs"/>
+              </a:defRPr>
+            </a:lvl2pPr>
+            <a:lvl3pPr marL="914400" indent="0" algn="ctr" defTabSz="914400" rtl="0" eaLnBrk="1" latinLnBrk="0" hangingPunct="1">
+              <a:lnSpc>
+                <a:spcPct val="90000"/>
+              </a:lnSpc>
+              <a:spcBef>
+                <a:spcPts val="500"/>
+              </a:spcBef>
+              <a:buFont typeface="Arial" panose="020B0604020202020204" pitchFamily="34" charset="0"/>
+              <a:buNone/>
+              <a:defRPr sz="1800" kern="1200">
+                <a:solidFill>
+                  <a:schemeClr val="tx1"/>
+                </a:solidFill>
+                <a:latin typeface="+mn-lt"/>
+                <a:ea typeface="+mn-ea"/>
+                <a:cs typeface="+mn-cs"/>
+              </a:defRPr>
+            </a:lvl3pPr>
+            <a:lvl4pPr marL="1371600" indent="0" algn="ctr" defTabSz="914400" rtl="0" eaLnBrk="1" latinLnBrk="0" hangingPunct="1">
+              <a:lnSpc>
+                <a:spcPct val="90000"/>
+              </a:lnSpc>
+              <a:spcBef>
+                <a:spcPts val="500"/>
+              </a:spcBef>
+              <a:buFont typeface="Arial" panose="020B0604020202020204" pitchFamily="34" charset="0"/>
+              <a:buNone/>
+              <a:defRPr sz="1600" kern="1200">
+                <a:solidFill>
+                  <a:schemeClr val="tx1"/>
+                </a:solidFill>
+                <a:latin typeface="+mn-lt"/>
+                <a:ea typeface="+mn-ea"/>
+                <a:cs typeface="+mn-cs"/>
+              </a:defRPr>
+            </a:lvl4pPr>
+            <a:lvl5pPr marL="1828800" indent="0" algn="ctr" defTabSz="914400" rtl="0" eaLnBrk="1" latinLnBrk="0" hangingPunct="1">
+              <a:lnSpc>
+                <a:spcPct val="90000"/>
+              </a:lnSpc>
+              <a:spcBef>
+                <a:spcPts val="500"/>
+              </a:spcBef>
+              <a:buFont typeface="Arial" panose="020B0604020202020204" pitchFamily="34" charset="0"/>
+              <a:buNone/>
+              <a:defRPr sz="1600" kern="1200">
+                <a:solidFill>
+                  <a:schemeClr val="tx1"/>
+                </a:solidFill>
+                <a:latin typeface="+mn-lt"/>
+                <a:ea typeface="+mn-ea"/>
+                <a:cs typeface="+mn-cs"/>
+              </a:defRPr>
+            </a:lvl5pPr>
+            <a:lvl6pPr marL="2286000" indent="0" algn="ctr" defTabSz="914400" rtl="0" eaLnBrk="1" latinLnBrk="0" hangingPunct="1">
+              <a:lnSpc>
+                <a:spcPct val="90000"/>
+              </a:lnSpc>
+              <a:spcBef>
+                <a:spcPts val="500"/>
+              </a:spcBef>
+              <a:buFont typeface="Arial" panose="020B0604020202020204" pitchFamily="34" charset="0"/>
+              <a:buNone/>
+              <a:defRPr sz="1600" kern="1200">
+                <a:solidFill>
+                  <a:schemeClr val="tx1"/>
+                </a:solidFill>
+                <a:latin typeface="+mn-lt"/>
+                <a:ea typeface="+mn-ea"/>
+                <a:cs typeface="+mn-cs"/>
+              </a:defRPr>
+            </a:lvl6pPr>
+            <a:lvl7pPr marL="2743200" indent="0" algn="ctr" defTabSz="914400" rtl="0" eaLnBrk="1" latinLnBrk="0" hangingPunct="1">
+              <a:lnSpc>
+                <a:spcPct val="90000"/>
+              </a:lnSpc>
+              <a:spcBef>
+                <a:spcPts val="500"/>
+              </a:spcBef>
+              <a:buFont typeface="Arial" panose="020B0604020202020204" pitchFamily="34" charset="0"/>
+              <a:buNone/>
+              <a:defRPr sz="1600" kern="1200">
+                <a:solidFill>
+                  <a:schemeClr val="tx1"/>
+                </a:solidFill>
+                <a:latin typeface="+mn-lt"/>
+                <a:ea typeface="+mn-ea"/>
+                <a:cs typeface="+mn-cs"/>
+              </a:defRPr>
+            </a:lvl7pPr>
+            <a:lvl8pPr marL="3200400" indent="0" algn="ctr" defTabSz="914400" rtl="0" eaLnBrk="1" latinLnBrk="0" hangingPunct="1">
+              <a:lnSpc>
+                <a:spcPct val="90000"/>
+              </a:lnSpc>
+              <a:spcBef>
+                <a:spcPts val="500"/>
+              </a:spcBef>
+              <a:buFont typeface="Arial" panose="020B0604020202020204" pitchFamily="34" charset="0"/>
+              <a:buNone/>
+              <a:defRPr sz="1600" kern="1200">
+                <a:solidFill>
+                  <a:schemeClr val="tx1"/>
+                </a:solidFill>
+                <a:latin typeface="+mn-lt"/>
+                <a:ea typeface="+mn-ea"/>
+                <a:cs typeface="+mn-cs"/>
+              </a:defRPr>
+            </a:lvl8pPr>
+            <a:lvl9pPr marL="3657600" indent="0" algn="ctr" defTabSz="914400" rtl="0" eaLnBrk="1" latinLnBrk="0" hangingPunct="1">
+              <a:lnSpc>
+                <a:spcPct val="90000"/>
+              </a:lnSpc>
+              <a:spcBef>
+                <a:spcPts val="500"/>
+              </a:spcBef>
+              <a:buFont typeface="Arial" panose="020B0604020202020204" pitchFamily="34" charset="0"/>
+              <a:buNone/>
+              <a:defRPr sz="1600" kern="1200">
+                <a:solidFill>
+                  <a:schemeClr val="tx1"/>
+                </a:solidFill>
+                <a:latin typeface="+mn-lt"/>
+                <a:ea typeface="+mn-ea"/>
+                <a:cs typeface="+mn-cs"/>
+              </a:defRPr>
+            </a:lvl9pPr>
+          </a:lstStyle>
+          <a:p>
+            <a:endParaRPr lang="pt-BR" sz="2000" dirty="0"/>
+          </a:p>
+          <a:p>
+            <a:endParaRPr lang="pt-BR" sz="1600" i="1" dirty="0">
+              <a:solidFill>
+                <a:prstClr val="black"/>
+              </a:solidFill>
+              <a:latin typeface="Cambria Math" panose="02040503050406030204" pitchFamily="18" charset="0"/>
+            </a:endParaRPr>
+          </a:p>
+          <a:p>
+            <a:endParaRPr lang="pt-BR" sz="1600" i="1" dirty="0">
+              <a:solidFill>
+                <a:prstClr val="black"/>
+              </a:solidFill>
+              <a:latin typeface="Cambria Math" panose="02040503050406030204" pitchFamily="18" charset="0"/>
+            </a:endParaRPr>
+          </a:p>
+          <a:p>
+            <a:endParaRPr lang="pt-BR" sz="1600" i="1" dirty="0">
+              <a:solidFill>
+                <a:prstClr val="black"/>
+              </a:solidFill>
+              <a:latin typeface="Cambria Math" panose="02040503050406030204" pitchFamily="18" charset="0"/>
+            </a:endParaRPr>
+          </a:p>
+          <a:p>
+            <a:endParaRPr lang="pt-BR" sz="1600" i="1" dirty="0">
+              <a:solidFill>
+                <a:prstClr val="black"/>
+              </a:solidFill>
+              <a:latin typeface="Cambria Math" panose="02040503050406030204" pitchFamily="18" charset="0"/>
+            </a:endParaRPr>
+          </a:p>
+          <a:p>
+            <a:endParaRPr lang="pt-BR" sz="800" dirty="0">
+              <a:solidFill>
+                <a:prstClr val="black"/>
+              </a:solidFill>
+            </a:endParaRPr>
           </a:p>
         </p:txBody>
       </p:sp>
@@ -25390,7 +32868,7 @@
         </p:blipFill>
         <p:spPr>
           <a:xfrm>
-            <a:off x="3407981" y="2870422"/>
+            <a:off x="2406116" y="2870422"/>
             <a:ext cx="2288348" cy="1473160"/>
           </a:xfrm>
           <a:prstGeom prst="rect">
@@ -25849,6 +33327,234 @@
                 <a:blip r:embed="rId6"/>
                 <a:stretch>
                   <a:fillRect b="-1190"/>
+                </a:stretch>
+              </a:blipFill>
+            </p:spPr>
+            <p:txBody>
+              <a:bodyPr/>
+              <a:lstStyle/>
+              <a:p>
+                <a:r>
+                  <a:rPr lang="pt-BR">
+                    <a:noFill/>
+                  </a:rPr>
+                  <a:t> </a:t>
+                </a:r>
+              </a:p>
+            </p:txBody>
+          </p:sp>
+        </mc:Fallback>
+      </mc:AlternateContent>
+      <mc:AlternateContent xmlns:mc="http://schemas.openxmlformats.org/markup-compatibility/2006">
+        <mc:Choice xmlns:a14="http://schemas.microsoft.com/office/drawing/2010/main" Requires="a14">
+          <p:sp>
+            <p:nvSpPr>
+              <p:cNvPr id="13" name="Retângulo 12"/>
+              <p:cNvSpPr/>
+              <p:nvPr/>
+            </p:nvSpPr>
+            <p:spPr>
+              <a:xfrm>
+                <a:off x="5054415" y="3345392"/>
+                <a:ext cx="1060913" cy="523220"/>
+              </a:xfrm>
+              <a:prstGeom prst="rect">
+                <a:avLst/>
+              </a:prstGeom>
+            </p:spPr>
+            <p:txBody>
+              <a:bodyPr wrap="square">
+                <a:spAutoFit/>
+              </a:bodyPr>
+              <a:lstStyle/>
+              <a:p>
+                <a:pPr lvl="0"/>
+                <a14:m>
+                  <m:oMathPara xmlns:m="http://schemas.openxmlformats.org/officeDocument/2006/math">
+                    <m:oMathParaPr>
+                      <m:jc m:val="centerGroup"/>
+                    </m:oMathParaPr>
+                    <m:oMath xmlns:m="http://schemas.openxmlformats.org/officeDocument/2006/math">
+                      <m:r>
+                        <a:rPr lang="pt-BR" sz="1400" b="0" i="1" smtClean="0">
+                          <a:solidFill>
+                            <a:schemeClr val="tx1"/>
+                          </a:solidFill>
+                          <a:latin typeface="Cambria Math" panose="02040503050406030204" pitchFamily="18" charset="0"/>
+                        </a:rPr>
+                        <m:t>𝑝</m:t>
+                      </m:r>
+                      <m:r>
+                        <a:rPr lang="pt-BR" sz="1400" b="0" i="1" smtClean="0">
+                          <a:solidFill>
+                            <a:schemeClr val="tx1"/>
+                          </a:solidFill>
+                          <a:latin typeface="Cambria Math" panose="02040503050406030204" pitchFamily="18" charset="0"/>
+                        </a:rPr>
+                        <m:t>=</m:t>
+                      </m:r>
+                      <m:acc>
+                        <m:accPr>
+                          <m:chr m:val="̅"/>
+                          <m:ctrlPr>
+                            <a:rPr lang="pt-BR" sz="1400" b="0" i="1" smtClean="0">
+                              <a:solidFill>
+                                <a:schemeClr val="tx1"/>
+                              </a:solidFill>
+                              <a:latin typeface="Cambria Math" panose="02040503050406030204" pitchFamily="18" charset="0"/>
+                            </a:rPr>
+                          </m:ctrlPr>
+                        </m:accPr>
+                        <m:e>
+                          <m:r>
+                            <a:rPr lang="pt-BR" sz="1400" b="0" i="1" smtClean="0">
+                              <a:solidFill>
+                                <a:schemeClr val="tx1"/>
+                              </a:solidFill>
+                              <a:latin typeface="Cambria Math" panose="02040503050406030204" pitchFamily="18" charset="0"/>
+                            </a:rPr>
+                            <m:t>𝑝</m:t>
+                          </m:r>
+                        </m:e>
+                      </m:acc>
+                      <m:r>
+                        <a:rPr lang="pt-BR" sz="1400" b="0" i="1" smtClean="0">
+                          <a:solidFill>
+                            <a:schemeClr val="tx1"/>
+                          </a:solidFill>
+                          <a:latin typeface="Cambria Math" panose="02040503050406030204" pitchFamily="18" charset="0"/>
+                        </a:rPr>
+                        <m:t>+</m:t>
+                      </m:r>
+                      <m:acc>
+                        <m:accPr>
+                          <m:chr m:val="̃"/>
+                          <m:ctrlPr>
+                            <a:rPr lang="pt-BR" sz="1400" b="0" i="1" smtClean="0">
+                              <a:solidFill>
+                                <a:schemeClr val="tx1"/>
+                              </a:solidFill>
+                              <a:latin typeface="Cambria Math" panose="02040503050406030204" pitchFamily="18" charset="0"/>
+                            </a:rPr>
+                          </m:ctrlPr>
+                        </m:accPr>
+                        <m:e>
+                          <m:r>
+                            <a:rPr lang="pt-BR" sz="1400" b="0" i="1" smtClean="0">
+                              <a:solidFill>
+                                <a:schemeClr val="tx1"/>
+                              </a:solidFill>
+                              <a:latin typeface="Cambria Math" panose="02040503050406030204" pitchFamily="18" charset="0"/>
+                            </a:rPr>
+                            <m:t>𝑝</m:t>
+                          </m:r>
+                        </m:e>
+                      </m:acc>
+                    </m:oMath>
+                  </m:oMathPara>
+                </a14:m>
+                <a:endParaRPr lang="pt-BR" sz="1400" b="0" i="1" dirty="0">
+                  <a:solidFill>
+                    <a:schemeClr val="tx1"/>
+                  </a:solidFill>
+                  <a:latin typeface="Cambria Math" panose="02040503050406030204" pitchFamily="18" charset="0"/>
+                </a:endParaRPr>
+              </a:p>
+              <a:p>
+                <a:pPr lvl="0"/>
+                <a14:m>
+                  <m:oMathPara xmlns:m="http://schemas.openxmlformats.org/officeDocument/2006/math">
+                    <m:oMathParaPr>
+                      <m:jc m:val="centerGroup"/>
+                    </m:oMathParaPr>
+                    <m:oMath xmlns:m="http://schemas.openxmlformats.org/officeDocument/2006/math">
+                      <m:r>
+                        <a:rPr lang="pt-BR" sz="1400" b="0" i="1" smtClean="0">
+                          <a:latin typeface="Cambria Math" panose="02040503050406030204" pitchFamily="18" charset="0"/>
+                        </a:rPr>
+                        <m:t>𝑞</m:t>
+                      </m:r>
+                      <m:r>
+                        <a:rPr lang="pt-BR" sz="1400" i="1">
+                          <a:latin typeface="Cambria Math" panose="02040503050406030204" pitchFamily="18" charset="0"/>
+                        </a:rPr>
+                        <m:t>=</m:t>
+                      </m:r>
+                      <m:acc>
+                        <m:accPr>
+                          <m:chr m:val="̅"/>
+                          <m:ctrlPr>
+                            <a:rPr lang="pt-BR" sz="1400" i="1">
+                              <a:latin typeface="Cambria Math" panose="02040503050406030204" pitchFamily="18" charset="0"/>
+                            </a:rPr>
+                          </m:ctrlPr>
+                        </m:accPr>
+                        <m:e>
+                          <m:r>
+                            <a:rPr lang="pt-BR" sz="1400" b="0" i="1" smtClean="0">
+                              <a:latin typeface="Cambria Math" panose="02040503050406030204" pitchFamily="18" charset="0"/>
+                            </a:rPr>
+                            <m:t>𝑞</m:t>
+                          </m:r>
+                        </m:e>
+                      </m:acc>
+                      <m:r>
+                        <a:rPr lang="pt-BR" sz="1400" i="1">
+                          <a:latin typeface="Cambria Math" panose="02040503050406030204" pitchFamily="18" charset="0"/>
+                        </a:rPr>
+                        <m:t>+</m:t>
+                      </m:r>
+                      <m:acc>
+                        <m:accPr>
+                          <m:chr m:val="̃"/>
+                          <m:ctrlPr>
+                            <a:rPr lang="pt-BR" sz="1400" i="1">
+                              <a:latin typeface="Cambria Math" panose="02040503050406030204" pitchFamily="18" charset="0"/>
+                            </a:rPr>
+                          </m:ctrlPr>
+                        </m:accPr>
+                        <m:e>
+                          <m:r>
+                            <a:rPr lang="pt-BR" sz="1400" b="0" i="1" smtClean="0">
+                              <a:latin typeface="Cambria Math" panose="02040503050406030204" pitchFamily="18" charset="0"/>
+                            </a:rPr>
+                            <m:t>𝑞</m:t>
+                          </m:r>
+                        </m:e>
+                      </m:acc>
+                    </m:oMath>
+                  </m:oMathPara>
+                </a14:m>
+                <a:endParaRPr lang="pt-BR" sz="1400" b="0" dirty="0">
+                  <a:solidFill>
+                    <a:schemeClr val="tx1"/>
+                  </a:solidFill>
+                </a:endParaRPr>
+              </a:p>
+            </p:txBody>
+          </p:sp>
+        </mc:Choice>
+        <mc:Fallback>
+          <p:sp>
+            <p:nvSpPr>
+              <p:cNvPr id="13" name="Retângulo 12"/>
+              <p:cNvSpPr>
+                <a:spLocks noRot="1" noChangeAspect="1" noMove="1" noResize="1" noEditPoints="1" noAdjustHandles="1" noChangeArrowheads="1" noChangeShapeType="1" noTextEdit="1"/>
+              </p:cNvSpPr>
+              <p:nvPr/>
+            </p:nvSpPr>
+            <p:spPr>
+              <a:xfrm>
+                <a:off x="5054415" y="3345392"/>
+                <a:ext cx="1060913" cy="523220"/>
+              </a:xfrm>
+              <a:prstGeom prst="rect">
+                <a:avLst/>
+              </a:prstGeom>
+              <a:blipFill>
+                <a:blip r:embed="rId7"/>
+                <a:stretch>
+                  <a:fillRect r="-11494"/>
                 </a:stretch>
               </a:blipFill>
             </p:spPr>

--- a/Apresentação/Apresentação_baixo_nivel.pptx
+++ b/Apresentação/Apresentação_baixo_nivel.pptx
@@ -27,13 +27,13 @@
     <p:sldId id="292" r:id="rId18"/>
     <p:sldId id="294" r:id="rId19"/>
     <p:sldId id="295" r:id="rId20"/>
-    <p:sldId id="296" r:id="rId21"/>
-    <p:sldId id="297" r:id="rId22"/>
-    <p:sldId id="298" r:id="rId23"/>
-    <p:sldId id="299" r:id="rId24"/>
-    <p:sldId id="300" r:id="rId25"/>
-    <p:sldId id="301" r:id="rId26"/>
-    <p:sldId id="302" r:id="rId27"/>
+    <p:sldId id="271" r:id="rId21"/>
+    <p:sldId id="272" r:id="rId22"/>
+    <p:sldId id="274" r:id="rId23"/>
+    <p:sldId id="275" r:id="rId24"/>
+    <p:sldId id="276" r:id="rId25"/>
+    <p:sldId id="273" r:id="rId26"/>
+    <p:sldId id="277" r:id="rId27"/>
     <p:sldId id="278" r:id="rId28"/>
   </p:sldIdLst>
   <p:sldSz cx="9144000" cy="6858000" type="screen4x3"/>
@@ -234,7 +234,7 @@
           <a:p>
             <a:fld id="{89C7F727-4029-4B80-A2E6-9EA504674373}" type="datetimeFigureOut">
               <a:rPr lang="pt-BR" smtClean="0"/>
-              <a:t>22/02/2017</a:t>
+              <a:t>20/02/2017</a:t>
             </a:fld>
             <a:endParaRPr lang="pt-BR"/>
           </a:p>
@@ -630,7 +630,7 @@
           <a:p>
             <a:fld id="{652B4626-5D26-45C6-8A17-16E3D3AE243C}" type="datetime1">
               <a:rPr lang="pt-BR" smtClean="0"/>
-              <a:t>22/02/2017</a:t>
+              <a:t>20/02/2017</a:t>
             </a:fld>
             <a:endParaRPr lang="pt-BR"/>
           </a:p>
@@ -798,7 +798,7 @@
           <a:p>
             <a:fld id="{5C8AD72A-8732-43BA-A5E3-991975487EAC}" type="datetime1">
               <a:rPr lang="pt-BR" smtClean="0"/>
-              <a:t>22/02/2017</a:t>
+              <a:t>20/02/2017</a:t>
             </a:fld>
             <a:endParaRPr lang="pt-BR"/>
           </a:p>
@@ -976,7 +976,7 @@
           <a:p>
             <a:fld id="{9E8DBD37-5429-49DA-9C61-63BD5F5A951F}" type="datetime1">
               <a:rPr lang="pt-BR" smtClean="0"/>
-              <a:t>22/02/2017</a:t>
+              <a:t>20/02/2017</a:t>
             </a:fld>
             <a:endParaRPr lang="pt-BR"/>
           </a:p>
@@ -1144,7 +1144,7 @@
           <a:p>
             <a:fld id="{4A468532-1358-4AAB-97D1-3956A336FCD8}" type="datetime1">
               <a:rPr lang="pt-BR" smtClean="0"/>
-              <a:t>22/02/2017</a:t>
+              <a:t>20/02/2017</a:t>
             </a:fld>
             <a:endParaRPr lang="pt-BR"/>
           </a:p>
@@ -1389,7 +1389,7 @@
           <a:p>
             <a:fld id="{D0B7D8FB-E30B-4E63-A15F-F7E0EAA24EDF}" type="datetime1">
               <a:rPr lang="pt-BR" smtClean="0"/>
-              <a:t>22/02/2017</a:t>
+              <a:t>20/02/2017</a:t>
             </a:fld>
             <a:endParaRPr lang="pt-BR"/>
           </a:p>
@@ -1618,7 +1618,7 @@
           <a:p>
             <a:fld id="{79E85DB4-D0BA-4C6B-8116-EEB1DFA3B85C}" type="datetime1">
               <a:rPr lang="pt-BR" smtClean="0"/>
-              <a:t>22/02/2017</a:t>
+              <a:t>20/02/2017</a:t>
             </a:fld>
             <a:endParaRPr lang="pt-BR"/>
           </a:p>
@@ -1982,7 +1982,7 @@
           <a:p>
             <a:fld id="{08E20FB8-B042-44B3-9E05-B78D174D01C5}" type="datetime1">
               <a:rPr lang="pt-BR" smtClean="0"/>
-              <a:t>22/02/2017</a:t>
+              <a:t>20/02/2017</a:t>
             </a:fld>
             <a:endParaRPr lang="pt-BR"/>
           </a:p>
@@ -2099,7 +2099,7 @@
           <a:p>
             <a:fld id="{99F85B46-395F-42C0-927D-F2306804E1B9}" type="datetime1">
               <a:rPr lang="pt-BR" smtClean="0"/>
-              <a:t>22/02/2017</a:t>
+              <a:t>20/02/2017</a:t>
             </a:fld>
             <a:endParaRPr lang="pt-BR"/>
           </a:p>
@@ -2194,7 +2194,7 @@
           <a:p>
             <a:fld id="{C229D78D-42BB-4047-9809-3F99346974D1}" type="datetime1">
               <a:rPr lang="pt-BR" smtClean="0"/>
-              <a:t>22/02/2017</a:t>
+              <a:t>20/02/2017</a:t>
             </a:fld>
             <a:endParaRPr lang="pt-BR"/>
           </a:p>
@@ -2469,7 +2469,7 @@
           <a:p>
             <a:fld id="{EB51D9D5-BAE2-465E-B6F9-B55B1C4BDDCB}" type="datetime1">
               <a:rPr lang="pt-BR" smtClean="0"/>
-              <a:t>22/02/2017</a:t>
+              <a:t>20/02/2017</a:t>
             </a:fld>
             <a:endParaRPr lang="pt-BR"/>
           </a:p>
@@ -2721,7 +2721,7 @@
           <a:p>
             <a:fld id="{B0F88689-79CD-4D92-B72F-897D1EE636FF}" type="datetime1">
               <a:rPr lang="pt-BR" smtClean="0"/>
-              <a:t>22/02/2017</a:t>
+              <a:t>20/02/2017</a:t>
             </a:fld>
             <a:endParaRPr lang="pt-BR"/>
           </a:p>
@@ -2932,7 +2932,7 @@
           <a:p>
             <a:fld id="{5A1D52BF-6E9E-4F33-986C-109115F3F333}" type="datetime1">
               <a:rPr lang="pt-BR" smtClean="0"/>
-              <a:t>22/02/2017</a:t>
+              <a:t>20/02/2017</a:t>
             </a:fld>
             <a:endParaRPr lang="pt-BR"/>
           </a:p>
@@ -8088,7 +8088,15 @@
                   <a:prstClr val="black"/>
                 </a:solidFill>
               </a:rPr>
-              <a:t>Malha de captura de fase (PLL)</a:t>
+              <a:t>Malha de captura de fase (</a:t>
+            </a:r>
+            <a:r>
+              <a:rPr lang="pt-BR" sz="2000" dirty="0">
+                <a:solidFill>
+                  <a:prstClr val="black"/>
+                </a:solidFill>
+              </a:rPr>
+              <a:t>PLL)</a:t>
             </a:r>
           </a:p>
           <a:p>
@@ -8126,7 +8134,15 @@
                   <a:prstClr val="black"/>
                 </a:solidFill>
               </a:rPr>
-              <a:t>Malha Principal</a:t>
+              <a:t>Malha</a:t>
+            </a:r>
+            <a:r>
+              <a:rPr lang="pt-BR" sz="2000" dirty="0">
+                <a:solidFill>
+                  <a:prstClr val="black"/>
+                </a:solidFill>
+              </a:rPr>
+              <a:t> Principal</a:t>
             </a:r>
           </a:p>
           <a:p>
@@ -15670,9 +15686,35 @@
           <a:chExt cx="0" cy="0"/>
         </a:xfrm>
       </p:grpSpPr>
+      <p:pic>
+        <p:nvPicPr>
+          <p:cNvPr id="6" name="Espaço Reservado para Conteúdo 5"/>
+          <p:cNvPicPr>
+            <a:picLocks noGrp="1" noChangeAspect="1"/>
+          </p:cNvPicPr>
+          <p:nvPr>
+            <p:ph idx="1"/>
+          </p:nvPr>
+        </p:nvPicPr>
+        <p:blipFill>
+          <a:blip r:embed="rId2"/>
+          <a:stretch>
+            <a:fillRect/>
+          </a:stretch>
+        </p:blipFill>
+        <p:spPr>
+          <a:xfrm>
+            <a:off x="1963434" y="2305844"/>
+            <a:ext cx="5217132" cy="3390900"/>
+          </a:xfrm>
+          <a:prstGeom prst="rect">
+            <a:avLst/>
+          </a:prstGeom>
+        </p:spPr>
+      </p:pic>
       <p:sp>
         <p:nvSpPr>
-          <p:cNvPr id="2" name="Título 1"/>
+          <p:cNvPr id="5" name="Título 1"/>
           <p:cNvSpPr>
             <a:spLocks noGrp="1"/>
           </p:cNvSpPr>
@@ -15682,709 +15724,24 @@
         </p:nvSpPr>
         <p:spPr>
           <a:xfrm>
-            <a:off x="628650" y="1083288"/>
-            <a:ext cx="7886700" cy="476737"/>
+            <a:off x="628650" y="365126"/>
+            <a:ext cx="7886700" cy="1325563"/>
           </a:xfrm>
         </p:spPr>
         <p:txBody>
-          <a:bodyPr>
-            <a:noAutofit/>
-          </a:bodyPr>
+          <a:bodyPr/>
           <a:lstStyle/>
           <a:p>
             <a:r>
-              <a:rPr lang="pt-BR" sz="2400" b="1" dirty="0"/>
+              <a:rPr lang="pt-BR" dirty="0"/>
               <a:t>Simulação</a:t>
-            </a:r>
-          </a:p>
-        </p:txBody>
-      </p:sp>
-      <p:pic>
-        <p:nvPicPr>
-          <p:cNvPr id="4" name="Picture 2"/>
-          <p:cNvPicPr>
-            <a:picLocks noChangeAspect="1" noChangeArrowheads="1"/>
-          </p:cNvPicPr>
-          <p:nvPr/>
-        </p:nvPicPr>
-        <p:blipFill>
-          <a:blip r:embed="rId2">
-            <a:extLst>
-              <a:ext uri="{28A0092B-C50C-407E-A947-70E740481C1C}">
-                <a14:useLocalDpi xmlns:a14="http://schemas.microsoft.com/office/drawing/2010/main" val="0"/>
-              </a:ext>
-            </a:extLst>
-          </a:blip>
-          <a:srcRect/>
-          <a:stretch>
-            <a:fillRect/>
-          </a:stretch>
-        </p:blipFill>
-        <p:spPr bwMode="auto">
-          <a:xfrm>
-            <a:off x="74613" y="127000"/>
-            <a:ext cx="1847850" cy="709613"/>
-          </a:xfrm>
-          <a:prstGeom prst="rect">
-            <a:avLst/>
-          </a:prstGeom>
-          <a:noFill/>
-          <a:ln>
-            <a:noFill/>
-          </a:ln>
-          <a:effectLst/>
-          <a:extLst>
-            <a:ext uri="{909E8E84-426E-40DD-AFC4-6F175D3DCCD1}">
-              <a14:hiddenFill xmlns:a14="http://schemas.microsoft.com/office/drawing/2010/main">
-                <a:blipFill dpi="0" rotWithShape="0">
-                  <a:blip/>
-                  <a:srcRect/>
-                  <a:stretch>
-                    <a:fillRect/>
-                  </a:stretch>
-                </a:blipFill>
-              </a14:hiddenFill>
-            </a:ext>
-            <a:ext uri="{91240B29-F687-4F45-9708-019B960494DF}">
-              <a14:hiddenLine xmlns:a14="http://schemas.microsoft.com/office/drawing/2010/main" w="9525">
-                <a:solidFill>
-                  <a:srgbClr val="3465A4"/>
-                </a:solidFill>
-                <a:round/>
-                <a:headEnd/>
-                <a:tailEnd/>
-              </a14:hiddenLine>
-            </a:ext>
-            <a:ext uri="{AF507438-7753-43E0-B8FC-AC1667EBCBE1}">
-              <a14:hiddenEffects xmlns:a14="http://schemas.microsoft.com/office/drawing/2010/main">
-                <a:effectLst>
-                  <a:outerShdw dist="35921" dir="2700000" algn="ctr" rotWithShape="0">
-                    <a:srgbClr val="808080"/>
-                  </a:outerShdw>
-                </a:effectLst>
-              </a14:hiddenEffects>
-            </a:ext>
-          </a:extLst>
-        </p:spPr>
-      </p:pic>
-      <p:pic>
-        <p:nvPicPr>
-          <p:cNvPr id="5" name="Picture 3"/>
-          <p:cNvPicPr>
-            <a:picLocks noChangeAspect="1" noChangeArrowheads="1"/>
-          </p:cNvPicPr>
-          <p:nvPr/>
-        </p:nvPicPr>
-        <p:blipFill>
-          <a:blip r:embed="rId3">
-            <a:extLst>
-              <a:ext uri="{28A0092B-C50C-407E-A947-70E740481C1C}">
-                <a14:useLocalDpi xmlns:a14="http://schemas.microsoft.com/office/drawing/2010/main" val="0"/>
-              </a:ext>
-            </a:extLst>
-          </a:blip>
-          <a:srcRect/>
-          <a:stretch>
-            <a:fillRect/>
-          </a:stretch>
-        </p:blipFill>
-        <p:spPr bwMode="auto">
-          <a:xfrm>
-            <a:off x="7265988" y="146050"/>
-            <a:ext cx="1662112" cy="709613"/>
-          </a:xfrm>
-          <a:prstGeom prst="rect">
-            <a:avLst/>
-          </a:prstGeom>
-          <a:noFill/>
-          <a:ln>
-            <a:noFill/>
-          </a:ln>
-          <a:effectLst/>
-          <a:extLst>
-            <a:ext uri="{909E8E84-426E-40DD-AFC4-6F175D3DCCD1}">
-              <a14:hiddenFill xmlns:a14="http://schemas.microsoft.com/office/drawing/2010/main">
-                <a:blipFill dpi="0" rotWithShape="0">
-                  <a:blip/>
-                  <a:srcRect/>
-                  <a:stretch>
-                    <a:fillRect/>
-                  </a:stretch>
-                </a:blipFill>
-              </a14:hiddenFill>
-            </a:ext>
-            <a:ext uri="{91240B29-F687-4F45-9708-019B960494DF}">
-              <a14:hiddenLine xmlns:a14="http://schemas.microsoft.com/office/drawing/2010/main" w="9525">
-                <a:solidFill>
-                  <a:srgbClr val="3465A4"/>
-                </a:solidFill>
-                <a:round/>
-                <a:headEnd/>
-                <a:tailEnd/>
-              </a14:hiddenLine>
-            </a:ext>
-            <a:ext uri="{AF507438-7753-43E0-B8FC-AC1667EBCBE1}">
-              <a14:hiddenEffects xmlns:a14="http://schemas.microsoft.com/office/drawing/2010/main">
-                <a:effectLst>
-                  <a:outerShdw dist="35921" dir="2700000" algn="ctr" rotWithShape="0">
-                    <a:srgbClr val="808080"/>
-                  </a:outerShdw>
-                </a:effectLst>
-              </a14:hiddenEffects>
-            </a:ext>
-          </a:extLst>
-        </p:spPr>
-      </p:pic>
-      <p:sp>
-        <p:nvSpPr>
-          <p:cNvPr id="6" name="Text Box 4"/>
-          <p:cNvSpPr txBox="1">
-            <a:spLocks noChangeArrowheads="1"/>
-          </p:cNvSpPr>
-          <p:nvPr/>
-        </p:nvSpPr>
-        <p:spPr bwMode="auto">
-          <a:xfrm>
-            <a:off x="1903413" y="1588"/>
-            <a:ext cx="5297487" cy="956288"/>
-          </a:xfrm>
-          <a:prstGeom prst="rect">
-            <a:avLst/>
-          </a:prstGeom>
-          <a:noFill/>
-          <a:ln>
-            <a:noFill/>
-          </a:ln>
-          <a:effectLst/>
-          <a:extLst>
-            <a:ext uri="{909E8E84-426E-40DD-AFC4-6F175D3DCCD1}">
-              <a14:hiddenFill xmlns:a14="http://schemas.microsoft.com/office/drawing/2010/main">
-                <a:solidFill>
-                  <a:srgbClr val="FFFFFF"/>
-                </a:solidFill>
-              </a14:hiddenFill>
-            </a:ext>
-            <a:ext uri="{91240B29-F687-4F45-9708-019B960494DF}">
-              <a14:hiddenLine xmlns:a14="http://schemas.microsoft.com/office/drawing/2010/main" w="9525">
-                <a:solidFill>
-                  <a:srgbClr val="3465A4"/>
-                </a:solidFill>
-                <a:round/>
-                <a:headEnd/>
-                <a:tailEnd/>
-              </a14:hiddenLine>
-            </a:ext>
-            <a:ext uri="{AF507438-7753-43E0-B8FC-AC1667EBCBE1}">
-              <a14:hiddenEffects xmlns:a14="http://schemas.microsoft.com/office/drawing/2010/main">
-                <a:effectLst>
-                  <a:outerShdw dist="35921" dir="2700000" algn="ctr" rotWithShape="0">
-                    <a:srgbClr val="808080"/>
-                  </a:outerShdw>
-                </a:effectLst>
-              </a14:hiddenEffects>
-            </a:ext>
-          </a:extLst>
-        </p:spPr>
-        <p:txBody>
-          <a:bodyPr lIns="90000" tIns="46800" rIns="90000" bIns="46800">
-            <a:spAutoFit/>
-          </a:bodyPr>
-          <a:lstStyle>
-            <a:lvl1pPr>
-              <a:lnSpc>
-                <a:spcPct val="90000"/>
-              </a:lnSpc>
-              <a:spcBef>
-                <a:spcPts val="1000"/>
-              </a:spcBef>
-              <a:buClr>
-                <a:srgbClr val="000000"/>
-              </a:buClr>
-              <a:buSzPct val="100000"/>
-              <a:buFont typeface="Times New Roman" panose="02020603050405020304" pitchFamily="18" charset="0"/>
-              <a:tabLst>
-                <a:tab pos="0" algn="l"/>
-                <a:tab pos="914400" algn="l"/>
-                <a:tab pos="1828800" algn="l"/>
-                <a:tab pos="2743200" algn="l"/>
-                <a:tab pos="3657600" algn="l"/>
-                <a:tab pos="4572000" algn="l"/>
-                <a:tab pos="5486400" algn="l"/>
-                <a:tab pos="6400800" algn="l"/>
-                <a:tab pos="7315200" algn="l"/>
-                <a:tab pos="8229600" algn="l"/>
-                <a:tab pos="9144000" algn="l"/>
-                <a:tab pos="10058400" algn="l"/>
-              </a:tabLst>
-              <a:defRPr sz="2800">
-                <a:solidFill>
-                  <a:srgbClr val="000000"/>
-                </a:solidFill>
-                <a:latin typeface="Calibri" panose="020F0502020204030204" pitchFamily="34" charset="0"/>
-                <a:cs typeface="Droid Sans Fallback" charset="0"/>
-              </a:defRPr>
-            </a:lvl1pPr>
-            <a:lvl2pPr>
-              <a:lnSpc>
-                <a:spcPct val="90000"/>
-              </a:lnSpc>
-              <a:spcBef>
-                <a:spcPts val="500"/>
-              </a:spcBef>
-              <a:buClr>
-                <a:srgbClr val="000000"/>
-              </a:buClr>
-              <a:buSzPct val="100000"/>
-              <a:buFont typeface="Times New Roman" panose="02020603050405020304" pitchFamily="18" charset="0"/>
-              <a:tabLst>
-                <a:tab pos="0" algn="l"/>
-                <a:tab pos="914400" algn="l"/>
-                <a:tab pos="1828800" algn="l"/>
-                <a:tab pos="2743200" algn="l"/>
-                <a:tab pos="3657600" algn="l"/>
-                <a:tab pos="4572000" algn="l"/>
-                <a:tab pos="5486400" algn="l"/>
-                <a:tab pos="6400800" algn="l"/>
-                <a:tab pos="7315200" algn="l"/>
-                <a:tab pos="8229600" algn="l"/>
-                <a:tab pos="9144000" algn="l"/>
-                <a:tab pos="10058400" algn="l"/>
-              </a:tabLst>
-              <a:defRPr sz="2400">
-                <a:solidFill>
-                  <a:srgbClr val="000000"/>
-                </a:solidFill>
-                <a:latin typeface="Calibri" panose="020F0502020204030204" pitchFamily="34" charset="0"/>
-                <a:cs typeface="Droid Sans Fallback" charset="0"/>
-              </a:defRPr>
-            </a:lvl2pPr>
-            <a:lvl3pPr>
-              <a:lnSpc>
-                <a:spcPct val="90000"/>
-              </a:lnSpc>
-              <a:spcBef>
-                <a:spcPts val="500"/>
-              </a:spcBef>
-              <a:buClr>
-                <a:srgbClr val="000000"/>
-              </a:buClr>
-              <a:buSzPct val="100000"/>
-              <a:buFont typeface="Times New Roman" panose="02020603050405020304" pitchFamily="18" charset="0"/>
-              <a:tabLst>
-                <a:tab pos="0" algn="l"/>
-                <a:tab pos="914400" algn="l"/>
-                <a:tab pos="1828800" algn="l"/>
-                <a:tab pos="2743200" algn="l"/>
-                <a:tab pos="3657600" algn="l"/>
-                <a:tab pos="4572000" algn="l"/>
-                <a:tab pos="5486400" algn="l"/>
-                <a:tab pos="6400800" algn="l"/>
-                <a:tab pos="7315200" algn="l"/>
-                <a:tab pos="8229600" algn="l"/>
-                <a:tab pos="9144000" algn="l"/>
-                <a:tab pos="10058400" algn="l"/>
-              </a:tabLst>
-              <a:defRPr sz="2000">
-                <a:solidFill>
-                  <a:srgbClr val="000000"/>
-                </a:solidFill>
-                <a:latin typeface="Calibri" panose="020F0502020204030204" pitchFamily="34" charset="0"/>
-                <a:cs typeface="Droid Sans Fallback" charset="0"/>
-              </a:defRPr>
-            </a:lvl3pPr>
-            <a:lvl4pPr>
-              <a:lnSpc>
-                <a:spcPct val="90000"/>
-              </a:lnSpc>
-              <a:spcBef>
-                <a:spcPts val="500"/>
-              </a:spcBef>
-              <a:buClr>
-                <a:srgbClr val="000000"/>
-              </a:buClr>
-              <a:buSzPct val="100000"/>
-              <a:buFont typeface="Times New Roman" panose="02020603050405020304" pitchFamily="18" charset="0"/>
-              <a:tabLst>
-                <a:tab pos="0" algn="l"/>
-                <a:tab pos="914400" algn="l"/>
-                <a:tab pos="1828800" algn="l"/>
-                <a:tab pos="2743200" algn="l"/>
-                <a:tab pos="3657600" algn="l"/>
-                <a:tab pos="4572000" algn="l"/>
-                <a:tab pos="5486400" algn="l"/>
-                <a:tab pos="6400800" algn="l"/>
-                <a:tab pos="7315200" algn="l"/>
-                <a:tab pos="8229600" algn="l"/>
-                <a:tab pos="9144000" algn="l"/>
-                <a:tab pos="10058400" algn="l"/>
-              </a:tabLst>
-              <a:defRPr>
-                <a:solidFill>
-                  <a:srgbClr val="000000"/>
-                </a:solidFill>
-                <a:latin typeface="Calibri" panose="020F0502020204030204" pitchFamily="34" charset="0"/>
-                <a:cs typeface="Droid Sans Fallback" charset="0"/>
-              </a:defRPr>
-            </a:lvl4pPr>
-            <a:lvl5pPr>
-              <a:lnSpc>
-                <a:spcPct val="90000"/>
-              </a:lnSpc>
-              <a:spcBef>
-                <a:spcPts val="500"/>
-              </a:spcBef>
-              <a:buClr>
-                <a:srgbClr val="000000"/>
-              </a:buClr>
-              <a:buSzPct val="100000"/>
-              <a:buFont typeface="Times New Roman" panose="02020603050405020304" pitchFamily="18" charset="0"/>
-              <a:tabLst>
-                <a:tab pos="0" algn="l"/>
-                <a:tab pos="914400" algn="l"/>
-                <a:tab pos="1828800" algn="l"/>
-                <a:tab pos="2743200" algn="l"/>
-                <a:tab pos="3657600" algn="l"/>
-                <a:tab pos="4572000" algn="l"/>
-                <a:tab pos="5486400" algn="l"/>
-                <a:tab pos="6400800" algn="l"/>
-                <a:tab pos="7315200" algn="l"/>
-                <a:tab pos="8229600" algn="l"/>
-                <a:tab pos="9144000" algn="l"/>
-                <a:tab pos="10058400" algn="l"/>
-              </a:tabLst>
-              <a:defRPr>
-                <a:solidFill>
-                  <a:srgbClr val="000000"/>
-                </a:solidFill>
-                <a:latin typeface="Calibri" panose="020F0502020204030204" pitchFamily="34" charset="0"/>
-                <a:cs typeface="Droid Sans Fallback" charset="0"/>
-              </a:defRPr>
-            </a:lvl5pPr>
-            <a:lvl6pPr marL="2514600" indent="-228600" defTabSz="449263" eaLnBrk="0" fontAlgn="base" hangingPunct="0">
-              <a:lnSpc>
-                <a:spcPct val="90000"/>
-              </a:lnSpc>
-              <a:spcBef>
-                <a:spcPts val="500"/>
-              </a:spcBef>
-              <a:spcAft>
-                <a:spcPct val="0"/>
-              </a:spcAft>
-              <a:buClr>
-                <a:srgbClr val="000000"/>
-              </a:buClr>
-              <a:buSzPct val="100000"/>
-              <a:buFont typeface="Times New Roman" panose="02020603050405020304" pitchFamily="18" charset="0"/>
-              <a:tabLst>
-                <a:tab pos="0" algn="l"/>
-                <a:tab pos="914400" algn="l"/>
-                <a:tab pos="1828800" algn="l"/>
-                <a:tab pos="2743200" algn="l"/>
-                <a:tab pos="3657600" algn="l"/>
-                <a:tab pos="4572000" algn="l"/>
-                <a:tab pos="5486400" algn="l"/>
-                <a:tab pos="6400800" algn="l"/>
-                <a:tab pos="7315200" algn="l"/>
-                <a:tab pos="8229600" algn="l"/>
-                <a:tab pos="9144000" algn="l"/>
-                <a:tab pos="10058400" algn="l"/>
-              </a:tabLst>
-              <a:defRPr>
-                <a:solidFill>
-                  <a:srgbClr val="000000"/>
-                </a:solidFill>
-                <a:latin typeface="Calibri" panose="020F0502020204030204" pitchFamily="34" charset="0"/>
-                <a:cs typeface="Droid Sans Fallback" charset="0"/>
-              </a:defRPr>
-            </a:lvl6pPr>
-            <a:lvl7pPr marL="2971800" indent="-228600" defTabSz="449263" eaLnBrk="0" fontAlgn="base" hangingPunct="0">
-              <a:lnSpc>
-                <a:spcPct val="90000"/>
-              </a:lnSpc>
-              <a:spcBef>
-                <a:spcPts val="500"/>
-              </a:spcBef>
-              <a:spcAft>
-                <a:spcPct val="0"/>
-              </a:spcAft>
-              <a:buClr>
-                <a:srgbClr val="000000"/>
-              </a:buClr>
-              <a:buSzPct val="100000"/>
-              <a:buFont typeface="Times New Roman" panose="02020603050405020304" pitchFamily="18" charset="0"/>
-              <a:tabLst>
-                <a:tab pos="0" algn="l"/>
-                <a:tab pos="914400" algn="l"/>
-                <a:tab pos="1828800" algn="l"/>
-                <a:tab pos="2743200" algn="l"/>
-                <a:tab pos="3657600" algn="l"/>
-                <a:tab pos="4572000" algn="l"/>
-                <a:tab pos="5486400" algn="l"/>
-                <a:tab pos="6400800" algn="l"/>
-                <a:tab pos="7315200" algn="l"/>
-                <a:tab pos="8229600" algn="l"/>
-                <a:tab pos="9144000" algn="l"/>
-                <a:tab pos="10058400" algn="l"/>
-              </a:tabLst>
-              <a:defRPr>
-                <a:solidFill>
-                  <a:srgbClr val="000000"/>
-                </a:solidFill>
-                <a:latin typeface="Calibri" panose="020F0502020204030204" pitchFamily="34" charset="0"/>
-                <a:cs typeface="Droid Sans Fallback" charset="0"/>
-              </a:defRPr>
-            </a:lvl7pPr>
-            <a:lvl8pPr marL="3429000" indent="-228600" defTabSz="449263" eaLnBrk="0" fontAlgn="base" hangingPunct="0">
-              <a:lnSpc>
-                <a:spcPct val="90000"/>
-              </a:lnSpc>
-              <a:spcBef>
-                <a:spcPts val="500"/>
-              </a:spcBef>
-              <a:spcAft>
-                <a:spcPct val="0"/>
-              </a:spcAft>
-              <a:buClr>
-                <a:srgbClr val="000000"/>
-              </a:buClr>
-              <a:buSzPct val="100000"/>
-              <a:buFont typeface="Times New Roman" panose="02020603050405020304" pitchFamily="18" charset="0"/>
-              <a:tabLst>
-                <a:tab pos="0" algn="l"/>
-                <a:tab pos="914400" algn="l"/>
-                <a:tab pos="1828800" algn="l"/>
-                <a:tab pos="2743200" algn="l"/>
-                <a:tab pos="3657600" algn="l"/>
-                <a:tab pos="4572000" algn="l"/>
-                <a:tab pos="5486400" algn="l"/>
-                <a:tab pos="6400800" algn="l"/>
-                <a:tab pos="7315200" algn="l"/>
-                <a:tab pos="8229600" algn="l"/>
-                <a:tab pos="9144000" algn="l"/>
-                <a:tab pos="10058400" algn="l"/>
-              </a:tabLst>
-              <a:defRPr>
-                <a:solidFill>
-                  <a:srgbClr val="000000"/>
-                </a:solidFill>
-                <a:latin typeface="Calibri" panose="020F0502020204030204" pitchFamily="34" charset="0"/>
-                <a:cs typeface="Droid Sans Fallback" charset="0"/>
-              </a:defRPr>
-            </a:lvl8pPr>
-            <a:lvl9pPr marL="3886200" indent="-228600" defTabSz="449263" eaLnBrk="0" fontAlgn="base" hangingPunct="0">
-              <a:lnSpc>
-                <a:spcPct val="90000"/>
-              </a:lnSpc>
-              <a:spcBef>
-                <a:spcPts val="500"/>
-              </a:spcBef>
-              <a:spcAft>
-                <a:spcPct val="0"/>
-              </a:spcAft>
-              <a:buClr>
-                <a:srgbClr val="000000"/>
-              </a:buClr>
-              <a:buSzPct val="100000"/>
-              <a:buFont typeface="Times New Roman" panose="02020603050405020304" pitchFamily="18" charset="0"/>
-              <a:tabLst>
-                <a:tab pos="0" algn="l"/>
-                <a:tab pos="914400" algn="l"/>
-                <a:tab pos="1828800" algn="l"/>
-                <a:tab pos="2743200" algn="l"/>
-                <a:tab pos="3657600" algn="l"/>
-                <a:tab pos="4572000" algn="l"/>
-                <a:tab pos="5486400" algn="l"/>
-                <a:tab pos="6400800" algn="l"/>
-                <a:tab pos="7315200" algn="l"/>
-                <a:tab pos="8229600" algn="l"/>
-                <a:tab pos="9144000" algn="l"/>
-                <a:tab pos="10058400" algn="l"/>
-              </a:tabLst>
-              <a:defRPr>
-                <a:solidFill>
-                  <a:srgbClr val="000000"/>
-                </a:solidFill>
-                <a:latin typeface="Calibri" panose="020F0502020204030204" pitchFamily="34" charset="0"/>
-                <a:cs typeface="Droid Sans Fallback" charset="0"/>
-              </a:defRPr>
-            </a:lvl9pPr>
-          </a:lstStyle>
-          <a:p>
-            <a:pPr algn="ctr">
-              <a:lnSpc>
-                <a:spcPct val="100000"/>
-              </a:lnSpc>
-              <a:spcBef>
-                <a:spcPct val="0"/>
-              </a:spcBef>
-              <a:buClrTx/>
-              <a:buFontTx/>
-              <a:buNone/>
-            </a:pPr>
-            <a:r>
-              <a:rPr lang="pt-BR" altLang="pt-BR" sz="1400" b="1" dirty="0">
-                <a:solidFill>
-                  <a:srgbClr val="7F7F7F"/>
-                </a:solidFill>
-                <a:latin typeface="Times New Roman" panose="02020603050405020304" pitchFamily="18" charset="0"/>
-                <a:cs typeface="Times New Roman" panose="02020603050405020304" pitchFamily="18" charset="0"/>
-              </a:rPr>
-              <a:t>Instituto Tecnológico de Aeronáutica</a:t>
-            </a:r>
-          </a:p>
-          <a:p>
-            <a:pPr algn="ctr">
-              <a:lnSpc>
-                <a:spcPct val="100000"/>
-              </a:lnSpc>
-              <a:spcBef>
-                <a:spcPct val="0"/>
-              </a:spcBef>
-              <a:buClrTx/>
-              <a:buFontTx/>
-              <a:buNone/>
-            </a:pPr>
-            <a:r>
-              <a:rPr lang="pt-BR" altLang="pt-BR" sz="1400" b="1" dirty="0">
-                <a:solidFill>
-                  <a:srgbClr val="7F7F7F"/>
-                </a:solidFill>
-                <a:latin typeface="Times New Roman" panose="02020603050405020304" pitchFamily="18" charset="0"/>
-                <a:cs typeface="Times New Roman" panose="02020603050405020304" pitchFamily="18" charset="0"/>
-              </a:rPr>
-              <a:t>Curso de Mestrado Profissionalizante em Engenharia Aeronáutica</a:t>
-            </a:r>
-          </a:p>
-          <a:p>
-            <a:pPr algn="ctr">
-              <a:lnSpc>
-                <a:spcPct val="100000"/>
-              </a:lnSpc>
-              <a:spcBef>
-                <a:spcPct val="0"/>
-              </a:spcBef>
-              <a:buClrTx/>
-              <a:buFontTx/>
-              <a:buNone/>
-            </a:pPr>
-            <a:r>
-              <a:rPr lang="pt-BR" altLang="pt-BR" sz="1400" b="1" dirty="0">
-                <a:solidFill>
-                  <a:srgbClr val="7F7F7F"/>
-                </a:solidFill>
-                <a:latin typeface="Times New Roman" panose="02020603050405020304" pitchFamily="18" charset="0"/>
-                <a:cs typeface="Times New Roman" panose="02020603050405020304" pitchFamily="18" charset="0"/>
-              </a:rPr>
-              <a:t>Programa de Pós-Graduação em Engenharia Aeronáutica e Mecânica</a:t>
             </a:r>
           </a:p>
         </p:txBody>
       </p:sp>
       <p:sp>
         <p:nvSpPr>
-          <p:cNvPr id="7" name="Line 7"/>
-          <p:cNvSpPr>
-            <a:spLocks noChangeShapeType="1"/>
-          </p:cNvSpPr>
-          <p:nvPr/>
-        </p:nvSpPr>
-        <p:spPr bwMode="auto">
-          <a:xfrm>
-            <a:off x="507206" y="901215"/>
-            <a:ext cx="8089900" cy="1587"/>
-          </a:xfrm>
-          <a:prstGeom prst="line">
-            <a:avLst/>
-          </a:prstGeom>
-          <a:noFill/>
-          <a:ln w="6480" cap="sq">
-            <a:solidFill>
-              <a:srgbClr val="A5A5A5"/>
-            </a:solidFill>
-            <a:miter lim="800000"/>
-            <a:headEnd/>
-            <a:tailEnd/>
-          </a:ln>
-          <a:effectLst/>
-          <a:extLst>
-            <a:ext uri="{909E8E84-426E-40DD-AFC4-6F175D3DCCD1}">
-              <a14:hiddenFill xmlns:a14="http://schemas.microsoft.com/office/drawing/2010/main">
-                <a:noFill/>
-              </a14:hiddenFill>
-            </a:ext>
-            <a:ext uri="{AF507438-7753-43E0-B8FC-AC1667EBCBE1}">
-              <a14:hiddenEffects xmlns:a14="http://schemas.microsoft.com/office/drawing/2010/main">
-                <a:effectLst>
-                  <a:outerShdw dist="35921" dir="2700000" algn="ctr" rotWithShape="0">
-                    <a:srgbClr val="808080"/>
-                  </a:outerShdw>
-                </a:effectLst>
-              </a14:hiddenEffects>
-            </a:ext>
-          </a:extLst>
-        </p:spPr>
-        <p:txBody>
-          <a:bodyPr/>
-          <a:lstStyle/>
-          <a:p>
-            <a:endParaRPr lang="pt-BR"/>
-          </a:p>
-        </p:txBody>
-      </p:sp>
-      <p:sp>
-        <p:nvSpPr>
-          <p:cNvPr id="8" name="Line 6"/>
-          <p:cNvSpPr>
-            <a:spLocks noChangeShapeType="1"/>
-          </p:cNvSpPr>
-          <p:nvPr/>
-        </p:nvSpPr>
-        <p:spPr bwMode="auto">
-          <a:xfrm>
-            <a:off x="508000" y="6488113"/>
-            <a:ext cx="8089900" cy="1587"/>
-          </a:xfrm>
-          <a:prstGeom prst="line">
-            <a:avLst/>
-          </a:prstGeom>
-          <a:noFill/>
-          <a:ln w="6480" cap="sq">
-            <a:solidFill>
-              <a:srgbClr val="A5A5A5"/>
-            </a:solidFill>
-            <a:miter lim="800000"/>
-            <a:headEnd/>
-            <a:tailEnd/>
-          </a:ln>
-          <a:effectLst/>
-          <a:extLst>
-            <a:ext uri="{909E8E84-426E-40DD-AFC4-6F175D3DCCD1}">
-              <a14:hiddenFill xmlns:a14="http://schemas.microsoft.com/office/drawing/2010/main">
-                <a:noFill/>
-              </a14:hiddenFill>
-            </a:ext>
-            <a:ext uri="{AF507438-7753-43E0-B8FC-AC1667EBCBE1}">
-              <a14:hiddenEffects xmlns:a14="http://schemas.microsoft.com/office/drawing/2010/main">
-                <a:effectLst>
-                  <a:outerShdw dist="35921" dir="2700000" algn="ctr" rotWithShape="0">
-                    <a:srgbClr val="808080"/>
-                  </a:outerShdw>
-                </a:effectLst>
-              </a14:hiddenEffects>
-            </a:ext>
-          </a:extLst>
-        </p:spPr>
-        <p:txBody>
-          <a:bodyPr/>
-          <a:lstStyle/>
-          <a:p>
-            <a:endParaRPr lang="pt-BR"/>
-          </a:p>
-        </p:txBody>
-      </p:sp>
-      <p:sp>
-        <p:nvSpPr>
-          <p:cNvPr id="12" name="Espaço Reservado para Número de Slide 10"/>
+          <p:cNvPr id="2" name="Espaço Reservado para Número de Slide 1"/>
           <p:cNvSpPr>
             <a:spLocks noGrp="1"/>
           </p:cNvSpPr>
@@ -16392,12 +15749,7 @@
             <p:ph type="sldNum" sz="quarter" idx="12"/>
           </p:nvPr>
         </p:nvSpPr>
-        <p:spPr>
-          <a:xfrm>
-            <a:off x="6870700" y="6487179"/>
-            <a:ext cx="2057400" cy="365125"/>
-          </a:xfrm>
-        </p:spPr>
+        <p:spPr/>
         <p:txBody>
           <a:bodyPr/>
           <a:lstStyle/>
@@ -16406,139 +15758,14 @@
               <a:rPr lang="pt-BR" smtClean="0"/>
               <a:t>20</a:t>
             </a:fld>
-            <a:endParaRPr lang="pt-BR" dirty="0"/>
+            <a:endParaRPr lang="pt-BR"/>
           </a:p>
         </p:txBody>
       </p:sp>
-      <p:sp>
-        <p:nvSpPr>
-          <p:cNvPr id="17" name="Espaço Reservado para Conteúdo 2"/>
-          <p:cNvSpPr>
-            <a:spLocks noGrp="1"/>
-          </p:cNvSpPr>
-          <p:nvPr>
-            <p:ph idx="1"/>
-          </p:nvPr>
-        </p:nvSpPr>
-        <p:spPr>
-          <a:xfrm>
-            <a:off x="507206" y="1685437"/>
-            <a:ext cx="8089900" cy="4735553"/>
-          </a:xfrm>
-        </p:spPr>
-        <p:txBody>
-          <a:bodyPr>
-            <a:normAutofit/>
-          </a:bodyPr>
-          <a:lstStyle/>
-          <a:p>
-            <a:r>
-              <a:rPr lang="pt-BR" sz="2000" dirty="0"/>
-              <a:t>Simulação dividida em quatro subperíodos durante a operação do EHA</a:t>
-            </a:r>
-          </a:p>
-          <a:p>
-            <a:endParaRPr lang="pt-BR" sz="2000" dirty="0"/>
-          </a:p>
-          <a:p>
-            <a:endParaRPr lang="pt-BR" sz="2000" dirty="0"/>
-          </a:p>
-          <a:p>
-            <a:endParaRPr lang="pt-BR" sz="2000" dirty="0"/>
-          </a:p>
-          <a:p>
-            <a:endParaRPr lang="pt-BR" sz="2000" dirty="0"/>
-          </a:p>
-          <a:p>
-            <a:endParaRPr lang="pt-BR" sz="2000" dirty="0"/>
-          </a:p>
-          <a:p>
-            <a:endParaRPr lang="pt-BR" sz="2000" dirty="0"/>
-          </a:p>
-          <a:p>
-            <a:endParaRPr lang="pt-BR" sz="2000" dirty="0"/>
-          </a:p>
-          <a:p>
-            <a:endParaRPr lang="pt-BR" sz="2000" dirty="0"/>
-          </a:p>
-          <a:p>
-            <a:endParaRPr lang="pt-BR" sz="1200" dirty="0"/>
-          </a:p>
-          <a:p>
-            <a:r>
-              <a:rPr lang="pt-BR" sz="2000" dirty="0"/>
-              <a:t>Resultados são referentes a medições obtidas na PDU</a:t>
-            </a:r>
-          </a:p>
-          <a:p>
-            <a:endParaRPr lang="pt-BR" sz="1600" i="1" dirty="0">
-              <a:solidFill>
-                <a:prstClr val="black"/>
-              </a:solidFill>
-              <a:latin typeface="Cambria Math" panose="02040503050406030204" pitchFamily="18" charset="0"/>
-            </a:endParaRPr>
-          </a:p>
-          <a:p>
-            <a:endParaRPr lang="pt-BR" sz="1600" i="1" dirty="0">
-              <a:solidFill>
-                <a:prstClr val="black"/>
-              </a:solidFill>
-              <a:latin typeface="Cambria Math" panose="02040503050406030204" pitchFamily="18" charset="0"/>
-            </a:endParaRPr>
-          </a:p>
-          <a:p>
-            <a:endParaRPr lang="pt-BR" sz="1600" i="1" dirty="0">
-              <a:solidFill>
-                <a:prstClr val="black"/>
-              </a:solidFill>
-              <a:latin typeface="Cambria Math" panose="02040503050406030204" pitchFamily="18" charset="0"/>
-            </a:endParaRPr>
-          </a:p>
-          <a:p>
-            <a:endParaRPr lang="pt-BR" sz="1600" i="1" dirty="0">
-              <a:solidFill>
-                <a:prstClr val="black"/>
-              </a:solidFill>
-              <a:latin typeface="Cambria Math" panose="02040503050406030204" pitchFamily="18" charset="0"/>
-            </a:endParaRPr>
-          </a:p>
-          <a:p>
-            <a:endParaRPr lang="pt-BR" sz="800" dirty="0">
-              <a:solidFill>
-                <a:prstClr val="black"/>
-              </a:solidFill>
-            </a:endParaRPr>
-          </a:p>
-        </p:txBody>
-      </p:sp>
-      <p:pic>
-        <p:nvPicPr>
-          <p:cNvPr id="3" name="Imagem 2"/>
-          <p:cNvPicPr>
-            <a:picLocks noChangeAspect="1"/>
-          </p:cNvPicPr>
-          <p:nvPr/>
-        </p:nvPicPr>
-        <p:blipFill>
-          <a:blip r:embed="rId4"/>
-          <a:stretch>
-            <a:fillRect/>
-          </a:stretch>
-        </p:blipFill>
-        <p:spPr>
-          <a:xfrm>
-            <a:off x="1451006" y="2349755"/>
-            <a:ext cx="6202300" cy="2908759"/>
-          </a:xfrm>
-          <a:prstGeom prst="rect">
-            <a:avLst/>
-          </a:prstGeom>
-        </p:spPr>
-      </p:pic>
     </p:spTree>
     <p:extLst>
       <p:ext uri="{BB962C8B-B14F-4D97-AF65-F5344CB8AC3E}">
-        <p14:creationId xmlns:p14="http://schemas.microsoft.com/office/powerpoint/2010/main" val="3975785006"/>
+        <p14:creationId xmlns:p14="http://schemas.microsoft.com/office/powerpoint/2010/main" val="317622335"/>
       </p:ext>
     </p:extLst>
   </p:cSld>
@@ -16575,711 +15802,43 @@
             <p:ph type="title"/>
           </p:nvPr>
         </p:nvSpPr>
-        <p:spPr>
-          <a:xfrm>
-            <a:off x="628650" y="1083288"/>
-            <a:ext cx="7886700" cy="476737"/>
-          </a:xfrm>
-        </p:spPr>
+        <p:spPr/>
         <p:txBody>
-          <a:bodyPr>
-            <a:noAutofit/>
-          </a:bodyPr>
+          <a:bodyPr/>
           <a:lstStyle/>
           <a:p>
             <a:r>
-              <a:rPr lang="pt-BR" sz="2400" b="1" dirty="0"/>
+              <a:rPr lang="pt-BR" dirty="0"/>
               <a:t>Resultados</a:t>
-            </a:r>
-          </a:p>
-        </p:txBody>
-      </p:sp>
-      <p:pic>
-        <p:nvPicPr>
-          <p:cNvPr id="4" name="Picture 2"/>
-          <p:cNvPicPr>
-            <a:picLocks noChangeAspect="1" noChangeArrowheads="1"/>
-          </p:cNvPicPr>
-          <p:nvPr/>
-        </p:nvPicPr>
-        <p:blipFill>
-          <a:blip r:embed="rId2">
-            <a:extLst>
-              <a:ext uri="{28A0092B-C50C-407E-A947-70E740481C1C}">
-                <a14:useLocalDpi xmlns:a14="http://schemas.microsoft.com/office/drawing/2010/main" val="0"/>
-              </a:ext>
-            </a:extLst>
-          </a:blip>
-          <a:srcRect/>
-          <a:stretch>
-            <a:fillRect/>
-          </a:stretch>
-        </p:blipFill>
-        <p:spPr bwMode="auto">
-          <a:xfrm>
-            <a:off x="74613" y="127000"/>
-            <a:ext cx="1847850" cy="709613"/>
-          </a:xfrm>
-          <a:prstGeom prst="rect">
-            <a:avLst/>
-          </a:prstGeom>
-          <a:noFill/>
-          <a:ln>
-            <a:noFill/>
-          </a:ln>
-          <a:effectLst/>
-          <a:extLst>
-            <a:ext uri="{909E8E84-426E-40DD-AFC4-6F175D3DCCD1}">
-              <a14:hiddenFill xmlns:a14="http://schemas.microsoft.com/office/drawing/2010/main">
-                <a:blipFill dpi="0" rotWithShape="0">
-                  <a:blip/>
-                  <a:srcRect/>
-                  <a:stretch>
-                    <a:fillRect/>
-                  </a:stretch>
-                </a:blipFill>
-              </a14:hiddenFill>
-            </a:ext>
-            <a:ext uri="{91240B29-F687-4F45-9708-019B960494DF}">
-              <a14:hiddenLine xmlns:a14="http://schemas.microsoft.com/office/drawing/2010/main" w="9525">
-                <a:solidFill>
-                  <a:srgbClr val="3465A4"/>
-                </a:solidFill>
-                <a:round/>
-                <a:headEnd/>
-                <a:tailEnd/>
-              </a14:hiddenLine>
-            </a:ext>
-            <a:ext uri="{AF507438-7753-43E0-B8FC-AC1667EBCBE1}">
-              <a14:hiddenEffects xmlns:a14="http://schemas.microsoft.com/office/drawing/2010/main">
-                <a:effectLst>
-                  <a:outerShdw dist="35921" dir="2700000" algn="ctr" rotWithShape="0">
-                    <a:srgbClr val="808080"/>
-                  </a:outerShdw>
-                </a:effectLst>
-              </a14:hiddenEffects>
-            </a:ext>
-          </a:extLst>
-        </p:spPr>
-      </p:pic>
-      <p:pic>
-        <p:nvPicPr>
-          <p:cNvPr id="5" name="Picture 3"/>
-          <p:cNvPicPr>
-            <a:picLocks noChangeAspect="1" noChangeArrowheads="1"/>
-          </p:cNvPicPr>
-          <p:nvPr/>
-        </p:nvPicPr>
-        <p:blipFill>
-          <a:blip r:embed="rId3">
-            <a:extLst>
-              <a:ext uri="{28A0092B-C50C-407E-A947-70E740481C1C}">
-                <a14:useLocalDpi xmlns:a14="http://schemas.microsoft.com/office/drawing/2010/main" val="0"/>
-              </a:ext>
-            </a:extLst>
-          </a:blip>
-          <a:srcRect/>
-          <a:stretch>
-            <a:fillRect/>
-          </a:stretch>
-        </p:blipFill>
-        <p:spPr bwMode="auto">
-          <a:xfrm>
-            <a:off x="7265988" y="146050"/>
-            <a:ext cx="1662112" cy="709613"/>
-          </a:xfrm>
-          <a:prstGeom prst="rect">
-            <a:avLst/>
-          </a:prstGeom>
-          <a:noFill/>
-          <a:ln>
-            <a:noFill/>
-          </a:ln>
-          <a:effectLst/>
-          <a:extLst>
-            <a:ext uri="{909E8E84-426E-40DD-AFC4-6F175D3DCCD1}">
-              <a14:hiddenFill xmlns:a14="http://schemas.microsoft.com/office/drawing/2010/main">
-                <a:blipFill dpi="0" rotWithShape="0">
-                  <a:blip/>
-                  <a:srcRect/>
-                  <a:stretch>
-                    <a:fillRect/>
-                  </a:stretch>
-                </a:blipFill>
-              </a14:hiddenFill>
-            </a:ext>
-            <a:ext uri="{91240B29-F687-4F45-9708-019B960494DF}">
-              <a14:hiddenLine xmlns:a14="http://schemas.microsoft.com/office/drawing/2010/main" w="9525">
-                <a:solidFill>
-                  <a:srgbClr val="3465A4"/>
-                </a:solidFill>
-                <a:round/>
-                <a:headEnd/>
-                <a:tailEnd/>
-              </a14:hiddenLine>
-            </a:ext>
-            <a:ext uri="{AF507438-7753-43E0-B8FC-AC1667EBCBE1}">
-              <a14:hiddenEffects xmlns:a14="http://schemas.microsoft.com/office/drawing/2010/main">
-                <a:effectLst>
-                  <a:outerShdw dist="35921" dir="2700000" algn="ctr" rotWithShape="0">
-                    <a:srgbClr val="808080"/>
-                  </a:outerShdw>
-                </a:effectLst>
-              </a14:hiddenEffects>
-            </a:ext>
-          </a:extLst>
-        </p:spPr>
-      </p:pic>
-      <p:sp>
-        <p:nvSpPr>
-          <p:cNvPr id="6" name="Text Box 4"/>
-          <p:cNvSpPr txBox="1">
-            <a:spLocks noChangeArrowheads="1"/>
-          </p:cNvSpPr>
-          <p:nvPr/>
-        </p:nvSpPr>
-        <p:spPr bwMode="auto">
-          <a:xfrm>
-            <a:off x="1903413" y="1588"/>
-            <a:ext cx="5297487" cy="956288"/>
-          </a:xfrm>
-          <a:prstGeom prst="rect">
-            <a:avLst/>
-          </a:prstGeom>
-          <a:noFill/>
-          <a:ln>
-            <a:noFill/>
-          </a:ln>
-          <a:effectLst/>
-          <a:extLst>
-            <a:ext uri="{909E8E84-426E-40DD-AFC4-6F175D3DCCD1}">
-              <a14:hiddenFill xmlns:a14="http://schemas.microsoft.com/office/drawing/2010/main">
-                <a:solidFill>
-                  <a:srgbClr val="FFFFFF"/>
-                </a:solidFill>
-              </a14:hiddenFill>
-            </a:ext>
-            <a:ext uri="{91240B29-F687-4F45-9708-019B960494DF}">
-              <a14:hiddenLine xmlns:a14="http://schemas.microsoft.com/office/drawing/2010/main" w="9525">
-                <a:solidFill>
-                  <a:srgbClr val="3465A4"/>
-                </a:solidFill>
-                <a:round/>
-                <a:headEnd/>
-                <a:tailEnd/>
-              </a14:hiddenLine>
-            </a:ext>
-            <a:ext uri="{AF507438-7753-43E0-B8FC-AC1667EBCBE1}">
-              <a14:hiddenEffects xmlns:a14="http://schemas.microsoft.com/office/drawing/2010/main">
-                <a:effectLst>
-                  <a:outerShdw dist="35921" dir="2700000" algn="ctr" rotWithShape="0">
-                    <a:srgbClr val="808080"/>
-                  </a:outerShdw>
-                </a:effectLst>
-              </a14:hiddenEffects>
-            </a:ext>
-          </a:extLst>
-        </p:spPr>
-        <p:txBody>
-          <a:bodyPr lIns="90000" tIns="46800" rIns="90000" bIns="46800">
-            <a:spAutoFit/>
-          </a:bodyPr>
-          <a:lstStyle>
-            <a:lvl1pPr>
-              <a:lnSpc>
-                <a:spcPct val="90000"/>
-              </a:lnSpc>
-              <a:spcBef>
-                <a:spcPts val="1000"/>
-              </a:spcBef>
-              <a:buClr>
-                <a:srgbClr val="000000"/>
-              </a:buClr>
-              <a:buSzPct val="100000"/>
-              <a:buFont typeface="Times New Roman" panose="02020603050405020304" pitchFamily="18" charset="0"/>
-              <a:tabLst>
-                <a:tab pos="0" algn="l"/>
-                <a:tab pos="914400" algn="l"/>
-                <a:tab pos="1828800" algn="l"/>
-                <a:tab pos="2743200" algn="l"/>
-                <a:tab pos="3657600" algn="l"/>
-                <a:tab pos="4572000" algn="l"/>
-                <a:tab pos="5486400" algn="l"/>
-                <a:tab pos="6400800" algn="l"/>
-                <a:tab pos="7315200" algn="l"/>
-                <a:tab pos="8229600" algn="l"/>
-                <a:tab pos="9144000" algn="l"/>
-                <a:tab pos="10058400" algn="l"/>
-              </a:tabLst>
-              <a:defRPr sz="2800">
-                <a:solidFill>
-                  <a:srgbClr val="000000"/>
-                </a:solidFill>
-                <a:latin typeface="Calibri" panose="020F0502020204030204" pitchFamily="34" charset="0"/>
-                <a:cs typeface="Droid Sans Fallback" charset="0"/>
-              </a:defRPr>
-            </a:lvl1pPr>
-            <a:lvl2pPr>
-              <a:lnSpc>
-                <a:spcPct val="90000"/>
-              </a:lnSpc>
-              <a:spcBef>
-                <a:spcPts val="500"/>
-              </a:spcBef>
-              <a:buClr>
-                <a:srgbClr val="000000"/>
-              </a:buClr>
-              <a:buSzPct val="100000"/>
-              <a:buFont typeface="Times New Roman" panose="02020603050405020304" pitchFamily="18" charset="0"/>
-              <a:tabLst>
-                <a:tab pos="0" algn="l"/>
-                <a:tab pos="914400" algn="l"/>
-                <a:tab pos="1828800" algn="l"/>
-                <a:tab pos="2743200" algn="l"/>
-                <a:tab pos="3657600" algn="l"/>
-                <a:tab pos="4572000" algn="l"/>
-                <a:tab pos="5486400" algn="l"/>
-                <a:tab pos="6400800" algn="l"/>
-                <a:tab pos="7315200" algn="l"/>
-                <a:tab pos="8229600" algn="l"/>
-                <a:tab pos="9144000" algn="l"/>
-                <a:tab pos="10058400" algn="l"/>
-              </a:tabLst>
-              <a:defRPr sz="2400">
-                <a:solidFill>
-                  <a:srgbClr val="000000"/>
-                </a:solidFill>
-                <a:latin typeface="Calibri" panose="020F0502020204030204" pitchFamily="34" charset="0"/>
-                <a:cs typeface="Droid Sans Fallback" charset="0"/>
-              </a:defRPr>
-            </a:lvl2pPr>
-            <a:lvl3pPr>
-              <a:lnSpc>
-                <a:spcPct val="90000"/>
-              </a:lnSpc>
-              <a:spcBef>
-                <a:spcPts val="500"/>
-              </a:spcBef>
-              <a:buClr>
-                <a:srgbClr val="000000"/>
-              </a:buClr>
-              <a:buSzPct val="100000"/>
-              <a:buFont typeface="Times New Roman" panose="02020603050405020304" pitchFamily="18" charset="0"/>
-              <a:tabLst>
-                <a:tab pos="0" algn="l"/>
-                <a:tab pos="914400" algn="l"/>
-                <a:tab pos="1828800" algn="l"/>
-                <a:tab pos="2743200" algn="l"/>
-                <a:tab pos="3657600" algn="l"/>
-                <a:tab pos="4572000" algn="l"/>
-                <a:tab pos="5486400" algn="l"/>
-                <a:tab pos="6400800" algn="l"/>
-                <a:tab pos="7315200" algn="l"/>
-                <a:tab pos="8229600" algn="l"/>
-                <a:tab pos="9144000" algn="l"/>
-                <a:tab pos="10058400" algn="l"/>
-              </a:tabLst>
-              <a:defRPr sz="2000">
-                <a:solidFill>
-                  <a:srgbClr val="000000"/>
-                </a:solidFill>
-                <a:latin typeface="Calibri" panose="020F0502020204030204" pitchFamily="34" charset="0"/>
-                <a:cs typeface="Droid Sans Fallback" charset="0"/>
-              </a:defRPr>
-            </a:lvl3pPr>
-            <a:lvl4pPr>
-              <a:lnSpc>
-                <a:spcPct val="90000"/>
-              </a:lnSpc>
-              <a:spcBef>
-                <a:spcPts val="500"/>
-              </a:spcBef>
-              <a:buClr>
-                <a:srgbClr val="000000"/>
-              </a:buClr>
-              <a:buSzPct val="100000"/>
-              <a:buFont typeface="Times New Roman" panose="02020603050405020304" pitchFamily="18" charset="0"/>
-              <a:tabLst>
-                <a:tab pos="0" algn="l"/>
-                <a:tab pos="914400" algn="l"/>
-                <a:tab pos="1828800" algn="l"/>
-                <a:tab pos="2743200" algn="l"/>
-                <a:tab pos="3657600" algn="l"/>
-                <a:tab pos="4572000" algn="l"/>
-                <a:tab pos="5486400" algn="l"/>
-                <a:tab pos="6400800" algn="l"/>
-                <a:tab pos="7315200" algn="l"/>
-                <a:tab pos="8229600" algn="l"/>
-                <a:tab pos="9144000" algn="l"/>
-                <a:tab pos="10058400" algn="l"/>
-              </a:tabLst>
-              <a:defRPr>
-                <a:solidFill>
-                  <a:srgbClr val="000000"/>
-                </a:solidFill>
-                <a:latin typeface="Calibri" panose="020F0502020204030204" pitchFamily="34" charset="0"/>
-                <a:cs typeface="Droid Sans Fallback" charset="0"/>
-              </a:defRPr>
-            </a:lvl4pPr>
-            <a:lvl5pPr>
-              <a:lnSpc>
-                <a:spcPct val="90000"/>
-              </a:lnSpc>
-              <a:spcBef>
-                <a:spcPts val="500"/>
-              </a:spcBef>
-              <a:buClr>
-                <a:srgbClr val="000000"/>
-              </a:buClr>
-              <a:buSzPct val="100000"/>
-              <a:buFont typeface="Times New Roman" panose="02020603050405020304" pitchFamily="18" charset="0"/>
-              <a:tabLst>
-                <a:tab pos="0" algn="l"/>
-                <a:tab pos="914400" algn="l"/>
-                <a:tab pos="1828800" algn="l"/>
-                <a:tab pos="2743200" algn="l"/>
-                <a:tab pos="3657600" algn="l"/>
-                <a:tab pos="4572000" algn="l"/>
-                <a:tab pos="5486400" algn="l"/>
-                <a:tab pos="6400800" algn="l"/>
-                <a:tab pos="7315200" algn="l"/>
-                <a:tab pos="8229600" algn="l"/>
-                <a:tab pos="9144000" algn="l"/>
-                <a:tab pos="10058400" algn="l"/>
-              </a:tabLst>
-              <a:defRPr>
-                <a:solidFill>
-                  <a:srgbClr val="000000"/>
-                </a:solidFill>
-                <a:latin typeface="Calibri" panose="020F0502020204030204" pitchFamily="34" charset="0"/>
-                <a:cs typeface="Droid Sans Fallback" charset="0"/>
-              </a:defRPr>
-            </a:lvl5pPr>
-            <a:lvl6pPr marL="2514600" indent="-228600" defTabSz="449263" eaLnBrk="0" fontAlgn="base" hangingPunct="0">
-              <a:lnSpc>
-                <a:spcPct val="90000"/>
-              </a:lnSpc>
-              <a:spcBef>
-                <a:spcPts val="500"/>
-              </a:spcBef>
-              <a:spcAft>
-                <a:spcPct val="0"/>
-              </a:spcAft>
-              <a:buClr>
-                <a:srgbClr val="000000"/>
-              </a:buClr>
-              <a:buSzPct val="100000"/>
-              <a:buFont typeface="Times New Roman" panose="02020603050405020304" pitchFamily="18" charset="0"/>
-              <a:tabLst>
-                <a:tab pos="0" algn="l"/>
-                <a:tab pos="914400" algn="l"/>
-                <a:tab pos="1828800" algn="l"/>
-                <a:tab pos="2743200" algn="l"/>
-                <a:tab pos="3657600" algn="l"/>
-                <a:tab pos="4572000" algn="l"/>
-                <a:tab pos="5486400" algn="l"/>
-                <a:tab pos="6400800" algn="l"/>
-                <a:tab pos="7315200" algn="l"/>
-                <a:tab pos="8229600" algn="l"/>
-                <a:tab pos="9144000" algn="l"/>
-                <a:tab pos="10058400" algn="l"/>
-              </a:tabLst>
-              <a:defRPr>
-                <a:solidFill>
-                  <a:srgbClr val="000000"/>
-                </a:solidFill>
-                <a:latin typeface="Calibri" panose="020F0502020204030204" pitchFamily="34" charset="0"/>
-                <a:cs typeface="Droid Sans Fallback" charset="0"/>
-              </a:defRPr>
-            </a:lvl6pPr>
-            <a:lvl7pPr marL="2971800" indent="-228600" defTabSz="449263" eaLnBrk="0" fontAlgn="base" hangingPunct="0">
-              <a:lnSpc>
-                <a:spcPct val="90000"/>
-              </a:lnSpc>
-              <a:spcBef>
-                <a:spcPts val="500"/>
-              </a:spcBef>
-              <a:spcAft>
-                <a:spcPct val="0"/>
-              </a:spcAft>
-              <a:buClr>
-                <a:srgbClr val="000000"/>
-              </a:buClr>
-              <a:buSzPct val="100000"/>
-              <a:buFont typeface="Times New Roman" panose="02020603050405020304" pitchFamily="18" charset="0"/>
-              <a:tabLst>
-                <a:tab pos="0" algn="l"/>
-                <a:tab pos="914400" algn="l"/>
-                <a:tab pos="1828800" algn="l"/>
-                <a:tab pos="2743200" algn="l"/>
-                <a:tab pos="3657600" algn="l"/>
-                <a:tab pos="4572000" algn="l"/>
-                <a:tab pos="5486400" algn="l"/>
-                <a:tab pos="6400800" algn="l"/>
-                <a:tab pos="7315200" algn="l"/>
-                <a:tab pos="8229600" algn="l"/>
-                <a:tab pos="9144000" algn="l"/>
-                <a:tab pos="10058400" algn="l"/>
-              </a:tabLst>
-              <a:defRPr>
-                <a:solidFill>
-                  <a:srgbClr val="000000"/>
-                </a:solidFill>
-                <a:latin typeface="Calibri" panose="020F0502020204030204" pitchFamily="34" charset="0"/>
-                <a:cs typeface="Droid Sans Fallback" charset="0"/>
-              </a:defRPr>
-            </a:lvl7pPr>
-            <a:lvl8pPr marL="3429000" indent="-228600" defTabSz="449263" eaLnBrk="0" fontAlgn="base" hangingPunct="0">
-              <a:lnSpc>
-                <a:spcPct val="90000"/>
-              </a:lnSpc>
-              <a:spcBef>
-                <a:spcPts val="500"/>
-              </a:spcBef>
-              <a:spcAft>
-                <a:spcPct val="0"/>
-              </a:spcAft>
-              <a:buClr>
-                <a:srgbClr val="000000"/>
-              </a:buClr>
-              <a:buSzPct val="100000"/>
-              <a:buFont typeface="Times New Roman" panose="02020603050405020304" pitchFamily="18" charset="0"/>
-              <a:tabLst>
-                <a:tab pos="0" algn="l"/>
-                <a:tab pos="914400" algn="l"/>
-                <a:tab pos="1828800" algn="l"/>
-                <a:tab pos="2743200" algn="l"/>
-                <a:tab pos="3657600" algn="l"/>
-                <a:tab pos="4572000" algn="l"/>
-                <a:tab pos="5486400" algn="l"/>
-                <a:tab pos="6400800" algn="l"/>
-                <a:tab pos="7315200" algn="l"/>
-                <a:tab pos="8229600" algn="l"/>
-                <a:tab pos="9144000" algn="l"/>
-                <a:tab pos="10058400" algn="l"/>
-              </a:tabLst>
-              <a:defRPr>
-                <a:solidFill>
-                  <a:srgbClr val="000000"/>
-                </a:solidFill>
-                <a:latin typeface="Calibri" panose="020F0502020204030204" pitchFamily="34" charset="0"/>
-                <a:cs typeface="Droid Sans Fallback" charset="0"/>
-              </a:defRPr>
-            </a:lvl8pPr>
-            <a:lvl9pPr marL="3886200" indent="-228600" defTabSz="449263" eaLnBrk="0" fontAlgn="base" hangingPunct="0">
-              <a:lnSpc>
-                <a:spcPct val="90000"/>
-              </a:lnSpc>
-              <a:spcBef>
-                <a:spcPts val="500"/>
-              </a:spcBef>
-              <a:spcAft>
-                <a:spcPct val="0"/>
-              </a:spcAft>
-              <a:buClr>
-                <a:srgbClr val="000000"/>
-              </a:buClr>
-              <a:buSzPct val="100000"/>
-              <a:buFont typeface="Times New Roman" panose="02020603050405020304" pitchFamily="18" charset="0"/>
-              <a:tabLst>
-                <a:tab pos="0" algn="l"/>
-                <a:tab pos="914400" algn="l"/>
-                <a:tab pos="1828800" algn="l"/>
-                <a:tab pos="2743200" algn="l"/>
-                <a:tab pos="3657600" algn="l"/>
-                <a:tab pos="4572000" algn="l"/>
-                <a:tab pos="5486400" algn="l"/>
-                <a:tab pos="6400800" algn="l"/>
-                <a:tab pos="7315200" algn="l"/>
-                <a:tab pos="8229600" algn="l"/>
-                <a:tab pos="9144000" algn="l"/>
-                <a:tab pos="10058400" algn="l"/>
-              </a:tabLst>
-              <a:defRPr>
-                <a:solidFill>
-                  <a:srgbClr val="000000"/>
-                </a:solidFill>
-                <a:latin typeface="Calibri" panose="020F0502020204030204" pitchFamily="34" charset="0"/>
-                <a:cs typeface="Droid Sans Fallback" charset="0"/>
-              </a:defRPr>
-            </a:lvl9pPr>
-          </a:lstStyle>
-          <a:p>
-            <a:pPr algn="ctr">
-              <a:lnSpc>
-                <a:spcPct val="100000"/>
-              </a:lnSpc>
-              <a:spcBef>
-                <a:spcPct val="0"/>
-              </a:spcBef>
-              <a:buClrTx/>
-              <a:buFontTx/>
-              <a:buNone/>
-            </a:pPr>
-            <a:r>
-              <a:rPr lang="pt-BR" altLang="pt-BR" sz="1400" b="1" dirty="0">
-                <a:solidFill>
-                  <a:srgbClr val="7F7F7F"/>
-                </a:solidFill>
-                <a:latin typeface="Times New Roman" panose="02020603050405020304" pitchFamily="18" charset="0"/>
-                <a:cs typeface="Times New Roman" panose="02020603050405020304" pitchFamily="18" charset="0"/>
-              </a:rPr>
-              <a:t>Instituto Tecnológico de Aeronáutica</a:t>
-            </a:r>
-          </a:p>
-          <a:p>
-            <a:pPr algn="ctr">
-              <a:lnSpc>
-                <a:spcPct val="100000"/>
-              </a:lnSpc>
-              <a:spcBef>
-                <a:spcPct val="0"/>
-              </a:spcBef>
-              <a:buClrTx/>
-              <a:buFontTx/>
-              <a:buNone/>
-            </a:pPr>
-            <a:r>
-              <a:rPr lang="pt-BR" altLang="pt-BR" sz="1400" b="1" dirty="0">
-                <a:solidFill>
-                  <a:srgbClr val="7F7F7F"/>
-                </a:solidFill>
-                <a:latin typeface="Times New Roman" panose="02020603050405020304" pitchFamily="18" charset="0"/>
-                <a:cs typeface="Times New Roman" panose="02020603050405020304" pitchFamily="18" charset="0"/>
-              </a:rPr>
-              <a:t>Curso de Mestrado Profissionalizante em Engenharia Aeronáutica</a:t>
-            </a:r>
-          </a:p>
-          <a:p>
-            <a:pPr algn="ctr">
-              <a:lnSpc>
-                <a:spcPct val="100000"/>
-              </a:lnSpc>
-              <a:spcBef>
-                <a:spcPct val="0"/>
-              </a:spcBef>
-              <a:buClrTx/>
-              <a:buFontTx/>
-              <a:buNone/>
-            </a:pPr>
-            <a:r>
-              <a:rPr lang="pt-BR" altLang="pt-BR" sz="1400" b="1" dirty="0">
-                <a:solidFill>
-                  <a:srgbClr val="7F7F7F"/>
-                </a:solidFill>
-                <a:latin typeface="Times New Roman" panose="02020603050405020304" pitchFamily="18" charset="0"/>
-                <a:cs typeface="Times New Roman" panose="02020603050405020304" pitchFamily="18" charset="0"/>
-              </a:rPr>
-              <a:t>Programa de Pós-Graduação em Engenharia Aeronáutica e Mecânica</a:t>
             </a:r>
           </a:p>
         </p:txBody>
       </p:sp>
       <p:sp>
         <p:nvSpPr>
-          <p:cNvPr id="7" name="Line 7"/>
+          <p:cNvPr id="3" name="Espaço Reservado para Conteúdo 2"/>
           <p:cNvSpPr>
-            <a:spLocks noChangeShapeType="1"/>
+            <a:spLocks noGrp="1"/>
           </p:cNvSpPr>
-          <p:nvPr/>
+          <p:nvPr>
+            <p:ph idx="1"/>
+          </p:nvPr>
         </p:nvSpPr>
-        <p:spPr bwMode="auto">
-          <a:xfrm>
-            <a:off x="507206" y="901215"/>
-            <a:ext cx="8089900" cy="1587"/>
-          </a:xfrm>
-          <a:prstGeom prst="line">
-            <a:avLst/>
-          </a:prstGeom>
-          <a:noFill/>
-          <a:ln w="6480" cap="sq">
-            <a:solidFill>
-              <a:srgbClr val="A5A5A5"/>
-            </a:solidFill>
-            <a:miter lim="800000"/>
-            <a:headEnd/>
-            <a:tailEnd/>
-          </a:ln>
-          <a:effectLst/>
-          <a:extLst>
-            <a:ext uri="{909E8E84-426E-40DD-AFC4-6F175D3DCCD1}">
-              <a14:hiddenFill xmlns:a14="http://schemas.microsoft.com/office/drawing/2010/main">
-                <a:noFill/>
-              </a14:hiddenFill>
-            </a:ext>
-            <a:ext uri="{AF507438-7753-43E0-B8FC-AC1667EBCBE1}">
-              <a14:hiddenEffects xmlns:a14="http://schemas.microsoft.com/office/drawing/2010/main">
-                <a:effectLst>
-                  <a:outerShdw dist="35921" dir="2700000" algn="ctr" rotWithShape="0">
-                    <a:srgbClr val="808080"/>
-                  </a:outerShdw>
-                </a:effectLst>
-              </a14:hiddenEffects>
-            </a:ext>
-          </a:extLst>
-        </p:spPr>
+        <p:spPr/>
         <p:txBody>
           <a:bodyPr/>
           <a:lstStyle/>
           <a:p>
-            <a:endParaRPr lang="pt-BR"/>
+            <a:r>
+              <a:rPr lang="pt-BR" dirty="0"/>
+              <a:t>Inoperante</a:t>
+            </a:r>
           </a:p>
         </p:txBody>
       </p:sp>
       <p:sp>
         <p:nvSpPr>
-          <p:cNvPr id="8" name="Line 6"/>
-          <p:cNvSpPr>
-            <a:spLocks noChangeShapeType="1"/>
-          </p:cNvSpPr>
-          <p:nvPr/>
-        </p:nvSpPr>
-        <p:spPr bwMode="auto">
-          <a:xfrm>
-            <a:off x="508000" y="6488113"/>
-            <a:ext cx="8089900" cy="1587"/>
-          </a:xfrm>
-          <a:prstGeom prst="line">
-            <a:avLst/>
-          </a:prstGeom>
-          <a:noFill/>
-          <a:ln w="6480" cap="sq">
-            <a:solidFill>
-              <a:srgbClr val="A5A5A5"/>
-            </a:solidFill>
-            <a:miter lim="800000"/>
-            <a:headEnd/>
-            <a:tailEnd/>
-          </a:ln>
-          <a:effectLst/>
-          <a:extLst>
-            <a:ext uri="{909E8E84-426E-40DD-AFC4-6F175D3DCCD1}">
-              <a14:hiddenFill xmlns:a14="http://schemas.microsoft.com/office/drawing/2010/main">
-                <a:noFill/>
-              </a14:hiddenFill>
-            </a:ext>
-            <a:ext uri="{AF507438-7753-43E0-B8FC-AC1667EBCBE1}">
-              <a14:hiddenEffects xmlns:a14="http://schemas.microsoft.com/office/drawing/2010/main">
-                <a:effectLst>
-                  <a:outerShdw dist="35921" dir="2700000" algn="ctr" rotWithShape="0">
-                    <a:srgbClr val="808080"/>
-                  </a:outerShdw>
-                </a:effectLst>
-              </a14:hiddenEffects>
-            </a:ext>
-          </a:extLst>
-        </p:spPr>
-        <p:txBody>
-          <a:bodyPr/>
-          <a:lstStyle/>
-          <a:p>
-            <a:endParaRPr lang="pt-BR"/>
-          </a:p>
-        </p:txBody>
-      </p:sp>
-      <p:sp>
-        <p:nvSpPr>
-          <p:cNvPr id="12" name="Espaço Reservado para Número de Slide 10"/>
+          <p:cNvPr id="4" name="Espaço Reservado para Número de Slide 3"/>
           <p:cNvSpPr>
             <a:spLocks noGrp="1"/>
           </p:cNvSpPr>
@@ -17287,12 +15846,7 @@
             <p:ph type="sldNum" sz="quarter" idx="12"/>
           </p:nvPr>
         </p:nvSpPr>
-        <p:spPr>
-          <a:xfrm>
-            <a:off x="6870700" y="6487179"/>
-            <a:ext cx="2057400" cy="365125"/>
-          </a:xfrm>
-        </p:spPr>
+        <p:spPr/>
         <p:txBody>
           <a:bodyPr/>
           <a:lstStyle/>
@@ -17301,389 +15855,6 @@
               <a:rPr lang="pt-BR" smtClean="0"/>
               <a:t>21</a:t>
             </a:fld>
-            <a:endParaRPr lang="pt-BR" dirty="0"/>
-          </a:p>
-        </p:txBody>
-      </p:sp>
-      <p:sp>
-        <p:nvSpPr>
-          <p:cNvPr id="17" name="Espaço Reservado para Conteúdo 2"/>
-          <p:cNvSpPr>
-            <a:spLocks noGrp="1"/>
-          </p:cNvSpPr>
-          <p:nvPr>
-            <p:ph idx="1"/>
-          </p:nvPr>
-        </p:nvSpPr>
-        <p:spPr>
-          <a:xfrm>
-            <a:off x="507206" y="1685437"/>
-            <a:ext cx="8089900" cy="4735553"/>
-          </a:xfrm>
-        </p:spPr>
-        <p:txBody>
-          <a:bodyPr>
-            <a:normAutofit/>
-          </a:bodyPr>
-          <a:lstStyle/>
-          <a:p>
-            <a:r>
-              <a:rPr lang="pt-BR" sz="2000" dirty="0"/>
-              <a:t>EHA Inoperante</a:t>
-            </a:r>
-          </a:p>
-          <a:p>
-            <a:endParaRPr lang="pt-BR" sz="1600" i="1" dirty="0">
-              <a:solidFill>
-                <a:prstClr val="black"/>
-              </a:solidFill>
-              <a:latin typeface="Cambria Math" panose="02040503050406030204" pitchFamily="18" charset="0"/>
-            </a:endParaRPr>
-          </a:p>
-          <a:p>
-            <a:endParaRPr lang="pt-BR" sz="1600" i="1" dirty="0">
-              <a:solidFill>
-                <a:prstClr val="black"/>
-              </a:solidFill>
-              <a:latin typeface="Cambria Math" panose="02040503050406030204" pitchFamily="18" charset="0"/>
-            </a:endParaRPr>
-          </a:p>
-          <a:p>
-            <a:endParaRPr lang="pt-BR" sz="1600" i="1" dirty="0">
-              <a:solidFill>
-                <a:prstClr val="black"/>
-              </a:solidFill>
-              <a:latin typeface="Cambria Math" panose="02040503050406030204" pitchFamily="18" charset="0"/>
-            </a:endParaRPr>
-          </a:p>
-          <a:p>
-            <a:endParaRPr lang="pt-BR" sz="1600" i="1" dirty="0">
-              <a:solidFill>
-                <a:prstClr val="black"/>
-              </a:solidFill>
-              <a:latin typeface="Cambria Math" panose="02040503050406030204" pitchFamily="18" charset="0"/>
-            </a:endParaRPr>
-          </a:p>
-          <a:p>
-            <a:endParaRPr lang="pt-BR" sz="800" dirty="0">
-              <a:solidFill>
-                <a:prstClr val="black"/>
-              </a:solidFill>
-            </a:endParaRPr>
-          </a:p>
-        </p:txBody>
-      </p:sp>
-      <p:grpSp>
-        <p:nvGrpSpPr>
-          <p:cNvPr id="26" name="Agrupar 25"/>
-          <p:cNvGrpSpPr>
-            <a:grpSpLocks noChangeAspect="1"/>
-          </p:cNvGrpSpPr>
-          <p:nvPr/>
-        </p:nvGrpSpPr>
-        <p:grpSpPr>
-          <a:xfrm>
-            <a:off x="144000" y="3053732"/>
-            <a:ext cx="9000000" cy="3381324"/>
-            <a:chOff x="144000" y="2445511"/>
-            <a:chExt cx="9000000" cy="3381324"/>
-          </a:xfrm>
-        </p:grpSpPr>
-        <p:grpSp>
-          <p:nvGrpSpPr>
-            <p:cNvPr id="20" name="Agrupar 19"/>
-            <p:cNvGrpSpPr>
-              <a:grpSpLocks noChangeAspect="1"/>
-            </p:cNvGrpSpPr>
-            <p:nvPr/>
-          </p:nvGrpSpPr>
-          <p:grpSpPr>
-            <a:xfrm>
-              <a:off x="144000" y="4138501"/>
-              <a:ext cx="9000000" cy="1688334"/>
-              <a:chOff x="74613" y="4349366"/>
-              <a:chExt cx="10080000" cy="1890932"/>
-            </a:xfrm>
-          </p:grpSpPr>
-          <p:pic>
-            <p:nvPicPr>
-              <p:cNvPr id="15" name="Imagem 14"/>
-              <p:cNvPicPr>
-                <a:picLocks noChangeAspect="1"/>
-              </p:cNvPicPr>
-              <p:nvPr/>
-            </p:nvPicPr>
-            <p:blipFill>
-              <a:blip r:embed="rId4"/>
-              <a:stretch>
-                <a:fillRect/>
-              </a:stretch>
-            </p:blipFill>
-            <p:spPr>
-              <a:xfrm>
-                <a:off x="74613" y="4349366"/>
-                <a:ext cx="2520000" cy="1890932"/>
-              </a:xfrm>
-              <a:prstGeom prst="rect">
-                <a:avLst/>
-              </a:prstGeom>
-            </p:spPr>
-          </p:pic>
-          <p:pic>
-            <p:nvPicPr>
-              <p:cNvPr id="16" name="Imagem 15"/>
-              <p:cNvPicPr>
-                <a:picLocks noChangeAspect="1"/>
-              </p:cNvPicPr>
-              <p:nvPr/>
-            </p:nvPicPr>
-            <p:blipFill>
-              <a:blip r:embed="rId5"/>
-              <a:stretch>
-                <a:fillRect/>
-              </a:stretch>
-            </p:blipFill>
-            <p:spPr>
-              <a:xfrm>
-                <a:off x="2594613" y="4349366"/>
-                <a:ext cx="2520000" cy="1890932"/>
-              </a:xfrm>
-              <a:prstGeom prst="rect">
-                <a:avLst/>
-              </a:prstGeom>
-            </p:spPr>
-          </p:pic>
-          <p:pic>
-            <p:nvPicPr>
-              <p:cNvPr id="18" name="Imagem 17"/>
-              <p:cNvPicPr>
-                <a:picLocks noChangeAspect="1"/>
-              </p:cNvPicPr>
-              <p:nvPr/>
-            </p:nvPicPr>
-            <p:blipFill>
-              <a:blip r:embed="rId6"/>
-              <a:stretch>
-                <a:fillRect/>
-              </a:stretch>
-            </p:blipFill>
-            <p:spPr>
-              <a:xfrm>
-                <a:off x="5114613" y="4349368"/>
-                <a:ext cx="2520000" cy="1890930"/>
-              </a:xfrm>
-              <a:prstGeom prst="rect">
-                <a:avLst/>
-              </a:prstGeom>
-            </p:spPr>
-          </p:pic>
-          <p:pic>
-            <p:nvPicPr>
-              <p:cNvPr id="19" name="Imagem 18"/>
-              <p:cNvPicPr>
-                <a:picLocks noChangeAspect="1"/>
-              </p:cNvPicPr>
-              <p:nvPr/>
-            </p:nvPicPr>
-            <p:blipFill>
-              <a:blip r:embed="rId7"/>
-              <a:stretch>
-                <a:fillRect/>
-              </a:stretch>
-            </p:blipFill>
-            <p:spPr>
-              <a:xfrm>
-                <a:off x="7634613" y="4349368"/>
-                <a:ext cx="2520000" cy="1890930"/>
-              </a:xfrm>
-              <a:prstGeom prst="rect">
-                <a:avLst/>
-              </a:prstGeom>
-            </p:spPr>
-          </p:pic>
-        </p:grpSp>
-        <p:grpSp>
-          <p:nvGrpSpPr>
-            <p:cNvPr id="25" name="Agrupar 24"/>
-            <p:cNvGrpSpPr>
-              <a:grpSpLocks noChangeAspect="1"/>
-            </p:cNvGrpSpPr>
-            <p:nvPr/>
-          </p:nvGrpSpPr>
-          <p:grpSpPr>
-            <a:xfrm>
-              <a:off x="144000" y="2445511"/>
-              <a:ext cx="9000000" cy="1688332"/>
-              <a:chOff x="144000" y="2247102"/>
-              <a:chExt cx="10080000" cy="1890932"/>
-            </a:xfrm>
-          </p:grpSpPr>
-          <p:pic>
-            <p:nvPicPr>
-              <p:cNvPr id="21" name="Imagem 20"/>
-              <p:cNvPicPr>
-                <a:picLocks noChangeAspect="1"/>
-              </p:cNvPicPr>
-              <p:nvPr/>
-            </p:nvPicPr>
-            <p:blipFill>
-              <a:blip r:embed="rId8"/>
-              <a:stretch>
-                <a:fillRect/>
-              </a:stretch>
-            </p:blipFill>
-            <p:spPr>
-              <a:xfrm>
-                <a:off x="144000" y="2247103"/>
-                <a:ext cx="2520000" cy="1890931"/>
-              </a:xfrm>
-              <a:prstGeom prst="rect">
-                <a:avLst/>
-              </a:prstGeom>
-            </p:spPr>
-          </p:pic>
-          <p:pic>
-            <p:nvPicPr>
-              <p:cNvPr id="22" name="Imagem 21"/>
-              <p:cNvPicPr>
-                <a:picLocks noChangeAspect="1"/>
-              </p:cNvPicPr>
-              <p:nvPr/>
-            </p:nvPicPr>
-            <p:blipFill>
-              <a:blip r:embed="rId9"/>
-              <a:stretch>
-                <a:fillRect/>
-              </a:stretch>
-            </p:blipFill>
-            <p:spPr>
-              <a:xfrm>
-                <a:off x="2664000" y="2247103"/>
-                <a:ext cx="2520000" cy="1890931"/>
-              </a:xfrm>
-              <a:prstGeom prst="rect">
-                <a:avLst/>
-              </a:prstGeom>
-            </p:spPr>
-          </p:pic>
-          <p:pic>
-            <p:nvPicPr>
-              <p:cNvPr id="23" name="Imagem 22"/>
-              <p:cNvPicPr>
-                <a:picLocks noChangeAspect="1"/>
-              </p:cNvPicPr>
-              <p:nvPr/>
-            </p:nvPicPr>
-            <p:blipFill>
-              <a:blip r:embed="rId10"/>
-              <a:stretch>
-                <a:fillRect/>
-              </a:stretch>
-            </p:blipFill>
-            <p:spPr>
-              <a:xfrm>
-                <a:off x="5184000" y="2247103"/>
-                <a:ext cx="2520000" cy="1890931"/>
-              </a:xfrm>
-              <a:prstGeom prst="rect">
-                <a:avLst/>
-              </a:prstGeom>
-            </p:spPr>
-          </p:pic>
-          <p:pic>
-            <p:nvPicPr>
-              <p:cNvPr id="24" name="Imagem 23"/>
-              <p:cNvPicPr>
-                <a:picLocks noChangeAspect="1"/>
-              </p:cNvPicPr>
-              <p:nvPr/>
-            </p:nvPicPr>
-            <p:blipFill>
-              <a:blip r:embed="rId11"/>
-              <a:stretch>
-                <a:fillRect/>
-              </a:stretch>
-            </p:blipFill>
-            <p:spPr>
-              <a:xfrm>
-                <a:off x="7704000" y="2247102"/>
-                <a:ext cx="2520000" cy="1890931"/>
-              </a:xfrm>
-              <a:prstGeom prst="rect">
-                <a:avLst/>
-              </a:prstGeom>
-            </p:spPr>
-          </p:pic>
-        </p:grpSp>
-      </p:grpSp>
-      <p:pic>
-        <p:nvPicPr>
-          <p:cNvPr id="27" name="Imagem 26"/>
-          <p:cNvPicPr>
-            <a:picLocks noChangeAspect="1"/>
-          </p:cNvPicPr>
-          <p:nvPr/>
-        </p:nvPicPr>
-        <p:blipFill>
-          <a:blip r:embed="rId12"/>
-          <a:stretch>
-            <a:fillRect/>
-          </a:stretch>
-        </p:blipFill>
-        <p:spPr>
-          <a:xfrm>
-            <a:off x="3106825" y="1690693"/>
-            <a:ext cx="2890662" cy="1355665"/>
-          </a:xfrm>
-          <a:prstGeom prst="rect">
-            <a:avLst/>
-          </a:prstGeom>
-        </p:spPr>
-      </p:pic>
-      <p:sp>
-        <p:nvSpPr>
-          <p:cNvPr id="28" name="Retângulo 27"/>
-          <p:cNvSpPr/>
-          <p:nvPr/>
-        </p:nvSpPr>
-        <p:spPr>
-          <a:xfrm>
-            <a:off x="3339547" y="1894374"/>
-            <a:ext cx="362298" cy="952065"/>
-          </a:xfrm>
-          <a:prstGeom prst="rect">
-            <a:avLst/>
-          </a:prstGeom>
-          <a:solidFill>
-            <a:srgbClr val="4472C4">
-              <a:alpha val="40000"/>
-            </a:srgbClr>
-          </a:solidFill>
-          <a:ln>
-            <a:noFill/>
-          </a:ln>
-        </p:spPr>
-        <p:style>
-          <a:lnRef idx="2">
-            <a:schemeClr val="accent1">
-              <a:shade val="50000"/>
-            </a:schemeClr>
-          </a:lnRef>
-          <a:fillRef idx="1">
-            <a:schemeClr val="accent1"/>
-          </a:fillRef>
-          <a:effectRef idx="0">
-            <a:schemeClr val="accent1"/>
-          </a:effectRef>
-          <a:fontRef idx="minor">
-            <a:schemeClr val="lt1"/>
-          </a:fontRef>
-        </p:style>
-        <p:txBody>
-          <a:bodyPr rtlCol="0" anchor="ctr"/>
-          <a:lstStyle/>
-          <a:p>
-            <a:pPr algn="ctr"/>
             <a:endParaRPr lang="pt-BR"/>
           </a:p>
         </p:txBody>
@@ -17691,7 +15862,7 @@
     </p:spTree>
     <p:extLst>
       <p:ext uri="{BB962C8B-B14F-4D97-AF65-F5344CB8AC3E}">
-        <p14:creationId xmlns:p14="http://schemas.microsoft.com/office/powerpoint/2010/main" val="341982611"/>
+        <p14:creationId xmlns:p14="http://schemas.microsoft.com/office/powerpoint/2010/main" val="356346569"/>
       </p:ext>
     </p:extLst>
   </p:cSld>
@@ -17728,711 +15899,43 @@
             <p:ph type="title"/>
           </p:nvPr>
         </p:nvSpPr>
-        <p:spPr>
-          <a:xfrm>
-            <a:off x="628650" y="1083288"/>
-            <a:ext cx="7886700" cy="476737"/>
-          </a:xfrm>
-        </p:spPr>
+        <p:spPr/>
         <p:txBody>
-          <a:bodyPr>
-            <a:noAutofit/>
-          </a:bodyPr>
+          <a:bodyPr/>
           <a:lstStyle/>
           <a:p>
             <a:r>
-              <a:rPr lang="pt-BR" sz="2400" b="1" dirty="0"/>
+              <a:rPr lang="pt-BR" dirty="0"/>
               <a:t>Resultados</a:t>
-            </a:r>
-          </a:p>
-        </p:txBody>
-      </p:sp>
-      <p:pic>
-        <p:nvPicPr>
-          <p:cNvPr id="4" name="Picture 2"/>
-          <p:cNvPicPr>
-            <a:picLocks noChangeAspect="1" noChangeArrowheads="1"/>
-          </p:cNvPicPr>
-          <p:nvPr/>
-        </p:nvPicPr>
-        <p:blipFill>
-          <a:blip r:embed="rId2">
-            <a:extLst>
-              <a:ext uri="{28A0092B-C50C-407E-A947-70E740481C1C}">
-                <a14:useLocalDpi xmlns:a14="http://schemas.microsoft.com/office/drawing/2010/main" val="0"/>
-              </a:ext>
-            </a:extLst>
-          </a:blip>
-          <a:srcRect/>
-          <a:stretch>
-            <a:fillRect/>
-          </a:stretch>
-        </p:blipFill>
-        <p:spPr bwMode="auto">
-          <a:xfrm>
-            <a:off x="74613" y="127000"/>
-            <a:ext cx="1847850" cy="709613"/>
-          </a:xfrm>
-          <a:prstGeom prst="rect">
-            <a:avLst/>
-          </a:prstGeom>
-          <a:noFill/>
-          <a:ln>
-            <a:noFill/>
-          </a:ln>
-          <a:effectLst/>
-          <a:extLst>
-            <a:ext uri="{909E8E84-426E-40DD-AFC4-6F175D3DCCD1}">
-              <a14:hiddenFill xmlns:a14="http://schemas.microsoft.com/office/drawing/2010/main">
-                <a:blipFill dpi="0" rotWithShape="0">
-                  <a:blip/>
-                  <a:srcRect/>
-                  <a:stretch>
-                    <a:fillRect/>
-                  </a:stretch>
-                </a:blipFill>
-              </a14:hiddenFill>
-            </a:ext>
-            <a:ext uri="{91240B29-F687-4F45-9708-019B960494DF}">
-              <a14:hiddenLine xmlns:a14="http://schemas.microsoft.com/office/drawing/2010/main" w="9525">
-                <a:solidFill>
-                  <a:srgbClr val="3465A4"/>
-                </a:solidFill>
-                <a:round/>
-                <a:headEnd/>
-                <a:tailEnd/>
-              </a14:hiddenLine>
-            </a:ext>
-            <a:ext uri="{AF507438-7753-43E0-B8FC-AC1667EBCBE1}">
-              <a14:hiddenEffects xmlns:a14="http://schemas.microsoft.com/office/drawing/2010/main">
-                <a:effectLst>
-                  <a:outerShdw dist="35921" dir="2700000" algn="ctr" rotWithShape="0">
-                    <a:srgbClr val="808080"/>
-                  </a:outerShdw>
-                </a:effectLst>
-              </a14:hiddenEffects>
-            </a:ext>
-          </a:extLst>
-        </p:spPr>
-      </p:pic>
-      <p:pic>
-        <p:nvPicPr>
-          <p:cNvPr id="5" name="Picture 3"/>
-          <p:cNvPicPr>
-            <a:picLocks noChangeAspect="1" noChangeArrowheads="1"/>
-          </p:cNvPicPr>
-          <p:nvPr/>
-        </p:nvPicPr>
-        <p:blipFill>
-          <a:blip r:embed="rId3">
-            <a:extLst>
-              <a:ext uri="{28A0092B-C50C-407E-A947-70E740481C1C}">
-                <a14:useLocalDpi xmlns:a14="http://schemas.microsoft.com/office/drawing/2010/main" val="0"/>
-              </a:ext>
-            </a:extLst>
-          </a:blip>
-          <a:srcRect/>
-          <a:stretch>
-            <a:fillRect/>
-          </a:stretch>
-        </p:blipFill>
-        <p:spPr bwMode="auto">
-          <a:xfrm>
-            <a:off x="7265988" y="146050"/>
-            <a:ext cx="1662112" cy="709613"/>
-          </a:xfrm>
-          <a:prstGeom prst="rect">
-            <a:avLst/>
-          </a:prstGeom>
-          <a:noFill/>
-          <a:ln>
-            <a:noFill/>
-          </a:ln>
-          <a:effectLst/>
-          <a:extLst>
-            <a:ext uri="{909E8E84-426E-40DD-AFC4-6F175D3DCCD1}">
-              <a14:hiddenFill xmlns:a14="http://schemas.microsoft.com/office/drawing/2010/main">
-                <a:blipFill dpi="0" rotWithShape="0">
-                  <a:blip/>
-                  <a:srcRect/>
-                  <a:stretch>
-                    <a:fillRect/>
-                  </a:stretch>
-                </a:blipFill>
-              </a14:hiddenFill>
-            </a:ext>
-            <a:ext uri="{91240B29-F687-4F45-9708-019B960494DF}">
-              <a14:hiddenLine xmlns:a14="http://schemas.microsoft.com/office/drawing/2010/main" w="9525">
-                <a:solidFill>
-                  <a:srgbClr val="3465A4"/>
-                </a:solidFill>
-                <a:round/>
-                <a:headEnd/>
-                <a:tailEnd/>
-              </a14:hiddenLine>
-            </a:ext>
-            <a:ext uri="{AF507438-7753-43E0-B8FC-AC1667EBCBE1}">
-              <a14:hiddenEffects xmlns:a14="http://schemas.microsoft.com/office/drawing/2010/main">
-                <a:effectLst>
-                  <a:outerShdw dist="35921" dir="2700000" algn="ctr" rotWithShape="0">
-                    <a:srgbClr val="808080"/>
-                  </a:outerShdw>
-                </a:effectLst>
-              </a14:hiddenEffects>
-            </a:ext>
-          </a:extLst>
-        </p:spPr>
-      </p:pic>
-      <p:sp>
-        <p:nvSpPr>
-          <p:cNvPr id="6" name="Text Box 4"/>
-          <p:cNvSpPr txBox="1">
-            <a:spLocks noChangeArrowheads="1"/>
-          </p:cNvSpPr>
-          <p:nvPr/>
-        </p:nvSpPr>
-        <p:spPr bwMode="auto">
-          <a:xfrm>
-            <a:off x="1903413" y="1588"/>
-            <a:ext cx="5297487" cy="956288"/>
-          </a:xfrm>
-          <a:prstGeom prst="rect">
-            <a:avLst/>
-          </a:prstGeom>
-          <a:noFill/>
-          <a:ln>
-            <a:noFill/>
-          </a:ln>
-          <a:effectLst/>
-          <a:extLst>
-            <a:ext uri="{909E8E84-426E-40DD-AFC4-6F175D3DCCD1}">
-              <a14:hiddenFill xmlns:a14="http://schemas.microsoft.com/office/drawing/2010/main">
-                <a:solidFill>
-                  <a:srgbClr val="FFFFFF"/>
-                </a:solidFill>
-              </a14:hiddenFill>
-            </a:ext>
-            <a:ext uri="{91240B29-F687-4F45-9708-019B960494DF}">
-              <a14:hiddenLine xmlns:a14="http://schemas.microsoft.com/office/drawing/2010/main" w="9525">
-                <a:solidFill>
-                  <a:srgbClr val="3465A4"/>
-                </a:solidFill>
-                <a:round/>
-                <a:headEnd/>
-                <a:tailEnd/>
-              </a14:hiddenLine>
-            </a:ext>
-            <a:ext uri="{AF507438-7753-43E0-B8FC-AC1667EBCBE1}">
-              <a14:hiddenEffects xmlns:a14="http://schemas.microsoft.com/office/drawing/2010/main">
-                <a:effectLst>
-                  <a:outerShdw dist="35921" dir="2700000" algn="ctr" rotWithShape="0">
-                    <a:srgbClr val="808080"/>
-                  </a:outerShdw>
-                </a:effectLst>
-              </a14:hiddenEffects>
-            </a:ext>
-          </a:extLst>
-        </p:spPr>
-        <p:txBody>
-          <a:bodyPr lIns="90000" tIns="46800" rIns="90000" bIns="46800">
-            <a:spAutoFit/>
-          </a:bodyPr>
-          <a:lstStyle>
-            <a:lvl1pPr>
-              <a:lnSpc>
-                <a:spcPct val="90000"/>
-              </a:lnSpc>
-              <a:spcBef>
-                <a:spcPts val="1000"/>
-              </a:spcBef>
-              <a:buClr>
-                <a:srgbClr val="000000"/>
-              </a:buClr>
-              <a:buSzPct val="100000"/>
-              <a:buFont typeface="Times New Roman" panose="02020603050405020304" pitchFamily="18" charset="0"/>
-              <a:tabLst>
-                <a:tab pos="0" algn="l"/>
-                <a:tab pos="914400" algn="l"/>
-                <a:tab pos="1828800" algn="l"/>
-                <a:tab pos="2743200" algn="l"/>
-                <a:tab pos="3657600" algn="l"/>
-                <a:tab pos="4572000" algn="l"/>
-                <a:tab pos="5486400" algn="l"/>
-                <a:tab pos="6400800" algn="l"/>
-                <a:tab pos="7315200" algn="l"/>
-                <a:tab pos="8229600" algn="l"/>
-                <a:tab pos="9144000" algn="l"/>
-                <a:tab pos="10058400" algn="l"/>
-              </a:tabLst>
-              <a:defRPr sz="2800">
-                <a:solidFill>
-                  <a:srgbClr val="000000"/>
-                </a:solidFill>
-                <a:latin typeface="Calibri" panose="020F0502020204030204" pitchFamily="34" charset="0"/>
-                <a:cs typeface="Droid Sans Fallback" charset="0"/>
-              </a:defRPr>
-            </a:lvl1pPr>
-            <a:lvl2pPr>
-              <a:lnSpc>
-                <a:spcPct val="90000"/>
-              </a:lnSpc>
-              <a:spcBef>
-                <a:spcPts val="500"/>
-              </a:spcBef>
-              <a:buClr>
-                <a:srgbClr val="000000"/>
-              </a:buClr>
-              <a:buSzPct val="100000"/>
-              <a:buFont typeface="Times New Roman" panose="02020603050405020304" pitchFamily="18" charset="0"/>
-              <a:tabLst>
-                <a:tab pos="0" algn="l"/>
-                <a:tab pos="914400" algn="l"/>
-                <a:tab pos="1828800" algn="l"/>
-                <a:tab pos="2743200" algn="l"/>
-                <a:tab pos="3657600" algn="l"/>
-                <a:tab pos="4572000" algn="l"/>
-                <a:tab pos="5486400" algn="l"/>
-                <a:tab pos="6400800" algn="l"/>
-                <a:tab pos="7315200" algn="l"/>
-                <a:tab pos="8229600" algn="l"/>
-                <a:tab pos="9144000" algn="l"/>
-                <a:tab pos="10058400" algn="l"/>
-              </a:tabLst>
-              <a:defRPr sz="2400">
-                <a:solidFill>
-                  <a:srgbClr val="000000"/>
-                </a:solidFill>
-                <a:latin typeface="Calibri" panose="020F0502020204030204" pitchFamily="34" charset="0"/>
-                <a:cs typeface="Droid Sans Fallback" charset="0"/>
-              </a:defRPr>
-            </a:lvl2pPr>
-            <a:lvl3pPr>
-              <a:lnSpc>
-                <a:spcPct val="90000"/>
-              </a:lnSpc>
-              <a:spcBef>
-                <a:spcPts val="500"/>
-              </a:spcBef>
-              <a:buClr>
-                <a:srgbClr val="000000"/>
-              </a:buClr>
-              <a:buSzPct val="100000"/>
-              <a:buFont typeface="Times New Roman" panose="02020603050405020304" pitchFamily="18" charset="0"/>
-              <a:tabLst>
-                <a:tab pos="0" algn="l"/>
-                <a:tab pos="914400" algn="l"/>
-                <a:tab pos="1828800" algn="l"/>
-                <a:tab pos="2743200" algn="l"/>
-                <a:tab pos="3657600" algn="l"/>
-                <a:tab pos="4572000" algn="l"/>
-                <a:tab pos="5486400" algn="l"/>
-                <a:tab pos="6400800" algn="l"/>
-                <a:tab pos="7315200" algn="l"/>
-                <a:tab pos="8229600" algn="l"/>
-                <a:tab pos="9144000" algn="l"/>
-                <a:tab pos="10058400" algn="l"/>
-              </a:tabLst>
-              <a:defRPr sz="2000">
-                <a:solidFill>
-                  <a:srgbClr val="000000"/>
-                </a:solidFill>
-                <a:latin typeface="Calibri" panose="020F0502020204030204" pitchFamily="34" charset="0"/>
-                <a:cs typeface="Droid Sans Fallback" charset="0"/>
-              </a:defRPr>
-            </a:lvl3pPr>
-            <a:lvl4pPr>
-              <a:lnSpc>
-                <a:spcPct val="90000"/>
-              </a:lnSpc>
-              <a:spcBef>
-                <a:spcPts val="500"/>
-              </a:spcBef>
-              <a:buClr>
-                <a:srgbClr val="000000"/>
-              </a:buClr>
-              <a:buSzPct val="100000"/>
-              <a:buFont typeface="Times New Roman" panose="02020603050405020304" pitchFamily="18" charset="0"/>
-              <a:tabLst>
-                <a:tab pos="0" algn="l"/>
-                <a:tab pos="914400" algn="l"/>
-                <a:tab pos="1828800" algn="l"/>
-                <a:tab pos="2743200" algn="l"/>
-                <a:tab pos="3657600" algn="l"/>
-                <a:tab pos="4572000" algn="l"/>
-                <a:tab pos="5486400" algn="l"/>
-                <a:tab pos="6400800" algn="l"/>
-                <a:tab pos="7315200" algn="l"/>
-                <a:tab pos="8229600" algn="l"/>
-                <a:tab pos="9144000" algn="l"/>
-                <a:tab pos="10058400" algn="l"/>
-              </a:tabLst>
-              <a:defRPr>
-                <a:solidFill>
-                  <a:srgbClr val="000000"/>
-                </a:solidFill>
-                <a:latin typeface="Calibri" panose="020F0502020204030204" pitchFamily="34" charset="0"/>
-                <a:cs typeface="Droid Sans Fallback" charset="0"/>
-              </a:defRPr>
-            </a:lvl4pPr>
-            <a:lvl5pPr>
-              <a:lnSpc>
-                <a:spcPct val="90000"/>
-              </a:lnSpc>
-              <a:spcBef>
-                <a:spcPts val="500"/>
-              </a:spcBef>
-              <a:buClr>
-                <a:srgbClr val="000000"/>
-              </a:buClr>
-              <a:buSzPct val="100000"/>
-              <a:buFont typeface="Times New Roman" panose="02020603050405020304" pitchFamily="18" charset="0"/>
-              <a:tabLst>
-                <a:tab pos="0" algn="l"/>
-                <a:tab pos="914400" algn="l"/>
-                <a:tab pos="1828800" algn="l"/>
-                <a:tab pos="2743200" algn="l"/>
-                <a:tab pos="3657600" algn="l"/>
-                <a:tab pos="4572000" algn="l"/>
-                <a:tab pos="5486400" algn="l"/>
-                <a:tab pos="6400800" algn="l"/>
-                <a:tab pos="7315200" algn="l"/>
-                <a:tab pos="8229600" algn="l"/>
-                <a:tab pos="9144000" algn="l"/>
-                <a:tab pos="10058400" algn="l"/>
-              </a:tabLst>
-              <a:defRPr>
-                <a:solidFill>
-                  <a:srgbClr val="000000"/>
-                </a:solidFill>
-                <a:latin typeface="Calibri" panose="020F0502020204030204" pitchFamily="34" charset="0"/>
-                <a:cs typeface="Droid Sans Fallback" charset="0"/>
-              </a:defRPr>
-            </a:lvl5pPr>
-            <a:lvl6pPr marL="2514600" indent="-228600" defTabSz="449263" eaLnBrk="0" fontAlgn="base" hangingPunct="0">
-              <a:lnSpc>
-                <a:spcPct val="90000"/>
-              </a:lnSpc>
-              <a:spcBef>
-                <a:spcPts val="500"/>
-              </a:spcBef>
-              <a:spcAft>
-                <a:spcPct val="0"/>
-              </a:spcAft>
-              <a:buClr>
-                <a:srgbClr val="000000"/>
-              </a:buClr>
-              <a:buSzPct val="100000"/>
-              <a:buFont typeface="Times New Roman" panose="02020603050405020304" pitchFamily="18" charset="0"/>
-              <a:tabLst>
-                <a:tab pos="0" algn="l"/>
-                <a:tab pos="914400" algn="l"/>
-                <a:tab pos="1828800" algn="l"/>
-                <a:tab pos="2743200" algn="l"/>
-                <a:tab pos="3657600" algn="l"/>
-                <a:tab pos="4572000" algn="l"/>
-                <a:tab pos="5486400" algn="l"/>
-                <a:tab pos="6400800" algn="l"/>
-                <a:tab pos="7315200" algn="l"/>
-                <a:tab pos="8229600" algn="l"/>
-                <a:tab pos="9144000" algn="l"/>
-                <a:tab pos="10058400" algn="l"/>
-              </a:tabLst>
-              <a:defRPr>
-                <a:solidFill>
-                  <a:srgbClr val="000000"/>
-                </a:solidFill>
-                <a:latin typeface="Calibri" panose="020F0502020204030204" pitchFamily="34" charset="0"/>
-                <a:cs typeface="Droid Sans Fallback" charset="0"/>
-              </a:defRPr>
-            </a:lvl6pPr>
-            <a:lvl7pPr marL="2971800" indent="-228600" defTabSz="449263" eaLnBrk="0" fontAlgn="base" hangingPunct="0">
-              <a:lnSpc>
-                <a:spcPct val="90000"/>
-              </a:lnSpc>
-              <a:spcBef>
-                <a:spcPts val="500"/>
-              </a:spcBef>
-              <a:spcAft>
-                <a:spcPct val="0"/>
-              </a:spcAft>
-              <a:buClr>
-                <a:srgbClr val="000000"/>
-              </a:buClr>
-              <a:buSzPct val="100000"/>
-              <a:buFont typeface="Times New Roman" panose="02020603050405020304" pitchFamily="18" charset="0"/>
-              <a:tabLst>
-                <a:tab pos="0" algn="l"/>
-                <a:tab pos="914400" algn="l"/>
-                <a:tab pos="1828800" algn="l"/>
-                <a:tab pos="2743200" algn="l"/>
-                <a:tab pos="3657600" algn="l"/>
-                <a:tab pos="4572000" algn="l"/>
-                <a:tab pos="5486400" algn="l"/>
-                <a:tab pos="6400800" algn="l"/>
-                <a:tab pos="7315200" algn="l"/>
-                <a:tab pos="8229600" algn="l"/>
-                <a:tab pos="9144000" algn="l"/>
-                <a:tab pos="10058400" algn="l"/>
-              </a:tabLst>
-              <a:defRPr>
-                <a:solidFill>
-                  <a:srgbClr val="000000"/>
-                </a:solidFill>
-                <a:latin typeface="Calibri" panose="020F0502020204030204" pitchFamily="34" charset="0"/>
-                <a:cs typeface="Droid Sans Fallback" charset="0"/>
-              </a:defRPr>
-            </a:lvl7pPr>
-            <a:lvl8pPr marL="3429000" indent="-228600" defTabSz="449263" eaLnBrk="0" fontAlgn="base" hangingPunct="0">
-              <a:lnSpc>
-                <a:spcPct val="90000"/>
-              </a:lnSpc>
-              <a:spcBef>
-                <a:spcPts val="500"/>
-              </a:spcBef>
-              <a:spcAft>
-                <a:spcPct val="0"/>
-              </a:spcAft>
-              <a:buClr>
-                <a:srgbClr val="000000"/>
-              </a:buClr>
-              <a:buSzPct val="100000"/>
-              <a:buFont typeface="Times New Roman" panose="02020603050405020304" pitchFamily="18" charset="0"/>
-              <a:tabLst>
-                <a:tab pos="0" algn="l"/>
-                <a:tab pos="914400" algn="l"/>
-                <a:tab pos="1828800" algn="l"/>
-                <a:tab pos="2743200" algn="l"/>
-                <a:tab pos="3657600" algn="l"/>
-                <a:tab pos="4572000" algn="l"/>
-                <a:tab pos="5486400" algn="l"/>
-                <a:tab pos="6400800" algn="l"/>
-                <a:tab pos="7315200" algn="l"/>
-                <a:tab pos="8229600" algn="l"/>
-                <a:tab pos="9144000" algn="l"/>
-                <a:tab pos="10058400" algn="l"/>
-              </a:tabLst>
-              <a:defRPr>
-                <a:solidFill>
-                  <a:srgbClr val="000000"/>
-                </a:solidFill>
-                <a:latin typeface="Calibri" panose="020F0502020204030204" pitchFamily="34" charset="0"/>
-                <a:cs typeface="Droid Sans Fallback" charset="0"/>
-              </a:defRPr>
-            </a:lvl8pPr>
-            <a:lvl9pPr marL="3886200" indent="-228600" defTabSz="449263" eaLnBrk="0" fontAlgn="base" hangingPunct="0">
-              <a:lnSpc>
-                <a:spcPct val="90000"/>
-              </a:lnSpc>
-              <a:spcBef>
-                <a:spcPts val="500"/>
-              </a:spcBef>
-              <a:spcAft>
-                <a:spcPct val="0"/>
-              </a:spcAft>
-              <a:buClr>
-                <a:srgbClr val="000000"/>
-              </a:buClr>
-              <a:buSzPct val="100000"/>
-              <a:buFont typeface="Times New Roman" panose="02020603050405020304" pitchFamily="18" charset="0"/>
-              <a:tabLst>
-                <a:tab pos="0" algn="l"/>
-                <a:tab pos="914400" algn="l"/>
-                <a:tab pos="1828800" algn="l"/>
-                <a:tab pos="2743200" algn="l"/>
-                <a:tab pos="3657600" algn="l"/>
-                <a:tab pos="4572000" algn="l"/>
-                <a:tab pos="5486400" algn="l"/>
-                <a:tab pos="6400800" algn="l"/>
-                <a:tab pos="7315200" algn="l"/>
-                <a:tab pos="8229600" algn="l"/>
-                <a:tab pos="9144000" algn="l"/>
-                <a:tab pos="10058400" algn="l"/>
-              </a:tabLst>
-              <a:defRPr>
-                <a:solidFill>
-                  <a:srgbClr val="000000"/>
-                </a:solidFill>
-                <a:latin typeface="Calibri" panose="020F0502020204030204" pitchFamily="34" charset="0"/>
-                <a:cs typeface="Droid Sans Fallback" charset="0"/>
-              </a:defRPr>
-            </a:lvl9pPr>
-          </a:lstStyle>
-          <a:p>
-            <a:pPr algn="ctr">
-              <a:lnSpc>
-                <a:spcPct val="100000"/>
-              </a:lnSpc>
-              <a:spcBef>
-                <a:spcPct val="0"/>
-              </a:spcBef>
-              <a:buClrTx/>
-              <a:buFontTx/>
-              <a:buNone/>
-            </a:pPr>
-            <a:r>
-              <a:rPr lang="pt-BR" altLang="pt-BR" sz="1400" b="1" dirty="0">
-                <a:solidFill>
-                  <a:srgbClr val="7F7F7F"/>
-                </a:solidFill>
-                <a:latin typeface="Times New Roman" panose="02020603050405020304" pitchFamily="18" charset="0"/>
-                <a:cs typeface="Times New Roman" panose="02020603050405020304" pitchFamily="18" charset="0"/>
-              </a:rPr>
-              <a:t>Instituto Tecnológico de Aeronáutica</a:t>
-            </a:r>
-          </a:p>
-          <a:p>
-            <a:pPr algn="ctr">
-              <a:lnSpc>
-                <a:spcPct val="100000"/>
-              </a:lnSpc>
-              <a:spcBef>
-                <a:spcPct val="0"/>
-              </a:spcBef>
-              <a:buClrTx/>
-              <a:buFontTx/>
-              <a:buNone/>
-            </a:pPr>
-            <a:r>
-              <a:rPr lang="pt-BR" altLang="pt-BR" sz="1400" b="1" dirty="0">
-                <a:solidFill>
-                  <a:srgbClr val="7F7F7F"/>
-                </a:solidFill>
-                <a:latin typeface="Times New Roman" panose="02020603050405020304" pitchFamily="18" charset="0"/>
-                <a:cs typeface="Times New Roman" panose="02020603050405020304" pitchFamily="18" charset="0"/>
-              </a:rPr>
-              <a:t>Curso de Mestrado Profissionalizante em Engenharia Aeronáutica</a:t>
-            </a:r>
-          </a:p>
-          <a:p>
-            <a:pPr algn="ctr">
-              <a:lnSpc>
-                <a:spcPct val="100000"/>
-              </a:lnSpc>
-              <a:spcBef>
-                <a:spcPct val="0"/>
-              </a:spcBef>
-              <a:buClrTx/>
-              <a:buFontTx/>
-              <a:buNone/>
-            </a:pPr>
-            <a:r>
-              <a:rPr lang="pt-BR" altLang="pt-BR" sz="1400" b="1" dirty="0">
-                <a:solidFill>
-                  <a:srgbClr val="7F7F7F"/>
-                </a:solidFill>
-                <a:latin typeface="Times New Roman" panose="02020603050405020304" pitchFamily="18" charset="0"/>
-                <a:cs typeface="Times New Roman" panose="02020603050405020304" pitchFamily="18" charset="0"/>
-              </a:rPr>
-              <a:t>Programa de Pós-Graduação em Engenharia Aeronáutica e Mecânica</a:t>
             </a:r>
           </a:p>
         </p:txBody>
       </p:sp>
       <p:sp>
         <p:nvSpPr>
-          <p:cNvPr id="7" name="Line 7"/>
+          <p:cNvPr id="3" name="Espaço Reservado para Conteúdo 2"/>
           <p:cNvSpPr>
-            <a:spLocks noChangeShapeType="1"/>
+            <a:spLocks noGrp="1"/>
           </p:cNvSpPr>
-          <p:nvPr/>
+          <p:nvPr>
+            <p:ph idx="1"/>
+          </p:nvPr>
         </p:nvSpPr>
-        <p:spPr bwMode="auto">
-          <a:xfrm>
-            <a:off x="507206" y="901215"/>
-            <a:ext cx="8089900" cy="1587"/>
-          </a:xfrm>
-          <a:prstGeom prst="line">
-            <a:avLst/>
-          </a:prstGeom>
-          <a:noFill/>
-          <a:ln w="6480" cap="sq">
-            <a:solidFill>
-              <a:srgbClr val="A5A5A5"/>
-            </a:solidFill>
-            <a:miter lim="800000"/>
-            <a:headEnd/>
-            <a:tailEnd/>
-          </a:ln>
-          <a:effectLst/>
-          <a:extLst>
-            <a:ext uri="{909E8E84-426E-40DD-AFC4-6F175D3DCCD1}">
-              <a14:hiddenFill xmlns:a14="http://schemas.microsoft.com/office/drawing/2010/main">
-                <a:noFill/>
-              </a14:hiddenFill>
-            </a:ext>
-            <a:ext uri="{AF507438-7753-43E0-B8FC-AC1667EBCBE1}">
-              <a14:hiddenEffects xmlns:a14="http://schemas.microsoft.com/office/drawing/2010/main">
-                <a:effectLst>
-                  <a:outerShdw dist="35921" dir="2700000" algn="ctr" rotWithShape="0">
-                    <a:srgbClr val="808080"/>
-                  </a:outerShdw>
-                </a:effectLst>
-              </a14:hiddenEffects>
-            </a:ext>
-          </a:extLst>
-        </p:spPr>
+        <p:spPr/>
         <p:txBody>
           <a:bodyPr/>
           <a:lstStyle/>
           <a:p>
-            <a:endParaRPr lang="pt-BR"/>
+            <a:r>
+              <a:rPr lang="pt-BR" dirty="0"/>
+              <a:t>Máxima Carga</a:t>
+            </a:r>
           </a:p>
         </p:txBody>
       </p:sp>
       <p:sp>
         <p:nvSpPr>
-          <p:cNvPr id="8" name="Line 6"/>
-          <p:cNvSpPr>
-            <a:spLocks noChangeShapeType="1"/>
-          </p:cNvSpPr>
-          <p:nvPr/>
-        </p:nvSpPr>
-        <p:spPr bwMode="auto">
-          <a:xfrm>
-            <a:off x="508000" y="6488113"/>
-            <a:ext cx="8089900" cy="1587"/>
-          </a:xfrm>
-          <a:prstGeom prst="line">
-            <a:avLst/>
-          </a:prstGeom>
-          <a:noFill/>
-          <a:ln w="6480" cap="sq">
-            <a:solidFill>
-              <a:srgbClr val="A5A5A5"/>
-            </a:solidFill>
-            <a:miter lim="800000"/>
-            <a:headEnd/>
-            <a:tailEnd/>
-          </a:ln>
-          <a:effectLst/>
-          <a:extLst>
-            <a:ext uri="{909E8E84-426E-40DD-AFC4-6F175D3DCCD1}">
-              <a14:hiddenFill xmlns:a14="http://schemas.microsoft.com/office/drawing/2010/main">
-                <a:noFill/>
-              </a14:hiddenFill>
-            </a:ext>
-            <a:ext uri="{AF507438-7753-43E0-B8FC-AC1667EBCBE1}">
-              <a14:hiddenEffects xmlns:a14="http://schemas.microsoft.com/office/drawing/2010/main">
-                <a:effectLst>
-                  <a:outerShdw dist="35921" dir="2700000" algn="ctr" rotWithShape="0">
-                    <a:srgbClr val="808080"/>
-                  </a:outerShdw>
-                </a:effectLst>
-              </a14:hiddenEffects>
-            </a:ext>
-          </a:extLst>
-        </p:spPr>
-        <p:txBody>
-          <a:bodyPr/>
-          <a:lstStyle/>
-          <a:p>
-            <a:endParaRPr lang="pt-BR"/>
-          </a:p>
-        </p:txBody>
-      </p:sp>
-      <p:sp>
-        <p:nvSpPr>
-          <p:cNvPr id="12" name="Espaço Reservado para Número de Slide 10"/>
+          <p:cNvPr id="4" name="Espaço Reservado para Número de Slide 3"/>
           <p:cNvSpPr>
             <a:spLocks noGrp="1"/>
           </p:cNvSpPr>
@@ -18440,12 +15943,7 @@
             <p:ph type="sldNum" sz="quarter" idx="12"/>
           </p:nvPr>
         </p:nvSpPr>
-        <p:spPr>
-          <a:xfrm>
-            <a:off x="6870700" y="6487179"/>
-            <a:ext cx="2057400" cy="365125"/>
-          </a:xfrm>
-        </p:spPr>
+        <p:spPr/>
         <p:txBody>
           <a:bodyPr/>
           <a:lstStyle/>
@@ -18454,389 +15952,6 @@
               <a:rPr lang="pt-BR" smtClean="0"/>
               <a:t>22</a:t>
             </a:fld>
-            <a:endParaRPr lang="pt-BR" dirty="0"/>
-          </a:p>
-        </p:txBody>
-      </p:sp>
-      <p:sp>
-        <p:nvSpPr>
-          <p:cNvPr id="17" name="Espaço Reservado para Conteúdo 2"/>
-          <p:cNvSpPr>
-            <a:spLocks noGrp="1"/>
-          </p:cNvSpPr>
-          <p:nvPr>
-            <p:ph idx="1"/>
-          </p:nvPr>
-        </p:nvSpPr>
-        <p:spPr>
-          <a:xfrm>
-            <a:off x="507206" y="1685437"/>
-            <a:ext cx="8089900" cy="4735553"/>
-          </a:xfrm>
-        </p:spPr>
-        <p:txBody>
-          <a:bodyPr>
-            <a:normAutofit/>
-          </a:bodyPr>
-          <a:lstStyle/>
-          <a:p>
-            <a:r>
-              <a:rPr lang="pt-BR" sz="2000" dirty="0"/>
-              <a:t>Corrente Máxima</a:t>
-            </a:r>
-          </a:p>
-          <a:p>
-            <a:endParaRPr lang="pt-BR" sz="1600" i="1" dirty="0">
-              <a:solidFill>
-                <a:prstClr val="black"/>
-              </a:solidFill>
-              <a:latin typeface="Cambria Math" panose="02040503050406030204" pitchFamily="18" charset="0"/>
-            </a:endParaRPr>
-          </a:p>
-          <a:p>
-            <a:endParaRPr lang="pt-BR" sz="1600" i="1" dirty="0">
-              <a:solidFill>
-                <a:prstClr val="black"/>
-              </a:solidFill>
-              <a:latin typeface="Cambria Math" panose="02040503050406030204" pitchFamily="18" charset="0"/>
-            </a:endParaRPr>
-          </a:p>
-          <a:p>
-            <a:endParaRPr lang="pt-BR" sz="1600" i="1" dirty="0">
-              <a:solidFill>
-                <a:prstClr val="black"/>
-              </a:solidFill>
-              <a:latin typeface="Cambria Math" panose="02040503050406030204" pitchFamily="18" charset="0"/>
-            </a:endParaRPr>
-          </a:p>
-          <a:p>
-            <a:endParaRPr lang="pt-BR" sz="1600" i="1" dirty="0">
-              <a:solidFill>
-                <a:prstClr val="black"/>
-              </a:solidFill>
-              <a:latin typeface="Cambria Math" panose="02040503050406030204" pitchFamily="18" charset="0"/>
-            </a:endParaRPr>
-          </a:p>
-          <a:p>
-            <a:endParaRPr lang="pt-BR" sz="800" dirty="0">
-              <a:solidFill>
-                <a:prstClr val="black"/>
-              </a:solidFill>
-            </a:endParaRPr>
-          </a:p>
-        </p:txBody>
-      </p:sp>
-      <p:grpSp>
-        <p:nvGrpSpPr>
-          <p:cNvPr id="20" name="Agrupar 19"/>
-          <p:cNvGrpSpPr>
-            <a:grpSpLocks noChangeAspect="1"/>
-          </p:cNvGrpSpPr>
-          <p:nvPr/>
-        </p:nvGrpSpPr>
-        <p:grpSpPr>
-          <a:xfrm>
-            <a:off x="144000" y="3057088"/>
-            <a:ext cx="9000000" cy="3376665"/>
-            <a:chOff x="144000" y="2364879"/>
-            <a:chExt cx="9000000" cy="3376665"/>
-          </a:xfrm>
-        </p:grpSpPr>
-        <p:grpSp>
-          <p:nvGrpSpPr>
-            <p:cNvPr id="13" name="Agrupar 12"/>
-            <p:cNvGrpSpPr>
-              <a:grpSpLocks noChangeAspect="1"/>
-            </p:cNvGrpSpPr>
-            <p:nvPr/>
-          </p:nvGrpSpPr>
-          <p:grpSpPr>
-            <a:xfrm>
-              <a:off x="144000" y="4053213"/>
-              <a:ext cx="9000000" cy="1688331"/>
-              <a:chOff x="-143141" y="2638506"/>
-              <a:chExt cx="10080000" cy="1890931"/>
-            </a:xfrm>
-          </p:grpSpPr>
-          <p:pic>
-            <p:nvPicPr>
-              <p:cNvPr id="3" name="Imagem 2"/>
-              <p:cNvPicPr>
-                <a:picLocks noChangeAspect="1"/>
-              </p:cNvPicPr>
-              <p:nvPr/>
-            </p:nvPicPr>
-            <p:blipFill>
-              <a:blip r:embed="rId4"/>
-              <a:stretch>
-                <a:fillRect/>
-              </a:stretch>
-            </p:blipFill>
-            <p:spPr>
-              <a:xfrm>
-                <a:off x="-143141" y="2638506"/>
-                <a:ext cx="2520000" cy="1890931"/>
-              </a:xfrm>
-              <a:prstGeom prst="rect">
-                <a:avLst/>
-              </a:prstGeom>
-            </p:spPr>
-          </p:pic>
-          <p:pic>
-            <p:nvPicPr>
-              <p:cNvPr id="9" name="Imagem 8"/>
-              <p:cNvPicPr>
-                <a:picLocks noChangeAspect="1"/>
-              </p:cNvPicPr>
-              <p:nvPr/>
-            </p:nvPicPr>
-            <p:blipFill>
-              <a:blip r:embed="rId5"/>
-              <a:stretch>
-                <a:fillRect/>
-              </a:stretch>
-            </p:blipFill>
-            <p:spPr>
-              <a:xfrm>
-                <a:off x="2376859" y="2638506"/>
-                <a:ext cx="2520000" cy="1890931"/>
-              </a:xfrm>
-              <a:prstGeom prst="rect">
-                <a:avLst/>
-              </a:prstGeom>
-            </p:spPr>
-          </p:pic>
-          <p:pic>
-            <p:nvPicPr>
-              <p:cNvPr id="10" name="Imagem 9"/>
-              <p:cNvPicPr>
-                <a:picLocks noChangeAspect="1"/>
-              </p:cNvPicPr>
-              <p:nvPr/>
-            </p:nvPicPr>
-            <p:blipFill>
-              <a:blip r:embed="rId6"/>
-              <a:stretch>
-                <a:fillRect/>
-              </a:stretch>
-            </p:blipFill>
-            <p:spPr>
-              <a:xfrm>
-                <a:off x="4896859" y="2638506"/>
-                <a:ext cx="2520000" cy="1890931"/>
-              </a:xfrm>
-              <a:prstGeom prst="rect">
-                <a:avLst/>
-              </a:prstGeom>
-            </p:spPr>
-          </p:pic>
-          <p:pic>
-            <p:nvPicPr>
-              <p:cNvPr id="11" name="Imagem 10"/>
-              <p:cNvPicPr>
-                <a:picLocks noChangeAspect="1"/>
-              </p:cNvPicPr>
-              <p:nvPr/>
-            </p:nvPicPr>
-            <p:blipFill>
-              <a:blip r:embed="rId7"/>
-              <a:stretch>
-                <a:fillRect/>
-              </a:stretch>
-            </p:blipFill>
-            <p:spPr>
-              <a:xfrm>
-                <a:off x="7416859" y="2638506"/>
-                <a:ext cx="2520000" cy="1890930"/>
-              </a:xfrm>
-              <a:prstGeom prst="rect">
-                <a:avLst/>
-              </a:prstGeom>
-            </p:spPr>
-          </p:pic>
-        </p:grpSp>
-        <p:grpSp>
-          <p:nvGrpSpPr>
-            <p:cNvPr id="19" name="Agrupar 18"/>
-            <p:cNvGrpSpPr>
-              <a:grpSpLocks noChangeAspect="1"/>
-            </p:cNvGrpSpPr>
-            <p:nvPr/>
-          </p:nvGrpSpPr>
-          <p:grpSpPr>
-            <a:xfrm>
-              <a:off x="144000" y="2364879"/>
-              <a:ext cx="9000000" cy="1688333"/>
-              <a:chOff x="-195414" y="2036868"/>
-              <a:chExt cx="10080000" cy="1890933"/>
-            </a:xfrm>
-          </p:grpSpPr>
-          <p:pic>
-            <p:nvPicPr>
-              <p:cNvPr id="14" name="Imagem 13"/>
-              <p:cNvPicPr>
-                <a:picLocks noChangeAspect="1"/>
-              </p:cNvPicPr>
-              <p:nvPr/>
-            </p:nvPicPr>
-            <p:blipFill>
-              <a:blip r:embed="rId8"/>
-              <a:stretch>
-                <a:fillRect/>
-              </a:stretch>
-            </p:blipFill>
-            <p:spPr>
-              <a:xfrm>
-                <a:off x="-195414" y="2036870"/>
-                <a:ext cx="2520000" cy="1890931"/>
-              </a:xfrm>
-              <a:prstGeom prst="rect">
-                <a:avLst/>
-              </a:prstGeom>
-            </p:spPr>
-          </p:pic>
-          <p:pic>
-            <p:nvPicPr>
-              <p:cNvPr id="15" name="Imagem 14"/>
-              <p:cNvPicPr>
-                <a:picLocks noChangeAspect="1"/>
-              </p:cNvPicPr>
-              <p:nvPr/>
-            </p:nvPicPr>
-            <p:blipFill>
-              <a:blip r:embed="rId9"/>
-              <a:stretch>
-                <a:fillRect/>
-              </a:stretch>
-            </p:blipFill>
-            <p:spPr>
-              <a:xfrm>
-                <a:off x="2324586" y="2036870"/>
-                <a:ext cx="2520000" cy="1890931"/>
-              </a:xfrm>
-              <a:prstGeom prst="rect">
-                <a:avLst/>
-              </a:prstGeom>
-            </p:spPr>
-          </p:pic>
-          <p:pic>
-            <p:nvPicPr>
-              <p:cNvPr id="16" name="Imagem 15"/>
-              <p:cNvPicPr>
-                <a:picLocks noChangeAspect="1"/>
-              </p:cNvPicPr>
-              <p:nvPr/>
-            </p:nvPicPr>
-            <p:blipFill>
-              <a:blip r:embed="rId10"/>
-              <a:stretch>
-                <a:fillRect/>
-              </a:stretch>
-            </p:blipFill>
-            <p:spPr>
-              <a:xfrm>
-                <a:off x="4844586" y="2036869"/>
-                <a:ext cx="2520000" cy="1890931"/>
-              </a:xfrm>
-              <a:prstGeom prst="rect">
-                <a:avLst/>
-              </a:prstGeom>
-            </p:spPr>
-          </p:pic>
-          <p:pic>
-            <p:nvPicPr>
-              <p:cNvPr id="18" name="Imagem 17"/>
-              <p:cNvPicPr>
-                <a:picLocks noChangeAspect="1"/>
-              </p:cNvPicPr>
-              <p:nvPr/>
-            </p:nvPicPr>
-            <p:blipFill>
-              <a:blip r:embed="rId11"/>
-              <a:stretch>
-                <a:fillRect/>
-              </a:stretch>
-            </p:blipFill>
-            <p:spPr>
-              <a:xfrm>
-                <a:off x="7364586" y="2036868"/>
-                <a:ext cx="2520000" cy="1890931"/>
-              </a:xfrm>
-              <a:prstGeom prst="rect">
-                <a:avLst/>
-              </a:prstGeom>
-            </p:spPr>
-          </p:pic>
-        </p:grpSp>
-      </p:grpSp>
-      <p:pic>
-        <p:nvPicPr>
-          <p:cNvPr id="21" name="Imagem 20"/>
-          <p:cNvPicPr>
-            <a:picLocks noChangeAspect="1"/>
-          </p:cNvPicPr>
-          <p:nvPr/>
-        </p:nvPicPr>
-        <p:blipFill>
-          <a:blip r:embed="rId12"/>
-          <a:stretch>
-            <a:fillRect/>
-          </a:stretch>
-        </p:blipFill>
-        <p:spPr>
-          <a:xfrm>
-            <a:off x="3106825" y="1690693"/>
-            <a:ext cx="2890662" cy="1355665"/>
-          </a:xfrm>
-          <a:prstGeom prst="rect">
-            <a:avLst/>
-          </a:prstGeom>
-        </p:spPr>
-      </p:pic>
-      <p:sp>
-        <p:nvSpPr>
-          <p:cNvPr id="22" name="Retângulo 21"/>
-          <p:cNvSpPr/>
-          <p:nvPr/>
-        </p:nvSpPr>
-        <p:spPr>
-          <a:xfrm>
-            <a:off x="3700883" y="1892492"/>
-            <a:ext cx="738382" cy="952065"/>
-          </a:xfrm>
-          <a:prstGeom prst="rect">
-            <a:avLst/>
-          </a:prstGeom>
-          <a:solidFill>
-            <a:srgbClr val="4472C4">
-              <a:alpha val="40000"/>
-            </a:srgbClr>
-          </a:solidFill>
-          <a:ln>
-            <a:noFill/>
-          </a:ln>
-        </p:spPr>
-        <p:style>
-          <a:lnRef idx="2">
-            <a:schemeClr val="accent1">
-              <a:shade val="50000"/>
-            </a:schemeClr>
-          </a:lnRef>
-          <a:fillRef idx="1">
-            <a:schemeClr val="accent1"/>
-          </a:fillRef>
-          <a:effectRef idx="0">
-            <a:schemeClr val="accent1"/>
-          </a:effectRef>
-          <a:fontRef idx="minor">
-            <a:schemeClr val="lt1"/>
-          </a:fontRef>
-        </p:style>
-        <p:txBody>
-          <a:bodyPr rtlCol="0" anchor="ctr"/>
-          <a:lstStyle/>
-          <a:p>
-            <a:pPr algn="ctr"/>
             <a:endParaRPr lang="pt-BR"/>
           </a:p>
         </p:txBody>
@@ -18844,7 +15959,7 @@
     </p:spTree>
     <p:extLst>
       <p:ext uri="{BB962C8B-B14F-4D97-AF65-F5344CB8AC3E}">
-        <p14:creationId xmlns:p14="http://schemas.microsoft.com/office/powerpoint/2010/main" val="993725474"/>
+        <p14:creationId xmlns:p14="http://schemas.microsoft.com/office/powerpoint/2010/main" val="3087304663"/>
       </p:ext>
     </p:extLst>
   </p:cSld>
@@ -18881,711 +15996,43 @@
             <p:ph type="title"/>
           </p:nvPr>
         </p:nvSpPr>
-        <p:spPr>
-          <a:xfrm>
-            <a:off x="628650" y="1083288"/>
-            <a:ext cx="7886700" cy="476737"/>
-          </a:xfrm>
-        </p:spPr>
+        <p:spPr/>
         <p:txBody>
-          <a:bodyPr>
-            <a:noAutofit/>
-          </a:bodyPr>
+          <a:bodyPr/>
           <a:lstStyle/>
           <a:p>
             <a:r>
-              <a:rPr lang="pt-BR" sz="2400" b="1" dirty="0"/>
+              <a:rPr lang="pt-BR" dirty="0"/>
               <a:t>Resultados</a:t>
-            </a:r>
-          </a:p>
-        </p:txBody>
-      </p:sp>
-      <p:pic>
-        <p:nvPicPr>
-          <p:cNvPr id="4" name="Picture 2"/>
-          <p:cNvPicPr>
-            <a:picLocks noChangeAspect="1" noChangeArrowheads="1"/>
-          </p:cNvPicPr>
-          <p:nvPr/>
-        </p:nvPicPr>
-        <p:blipFill>
-          <a:blip r:embed="rId2">
-            <a:extLst>
-              <a:ext uri="{28A0092B-C50C-407E-A947-70E740481C1C}">
-                <a14:useLocalDpi xmlns:a14="http://schemas.microsoft.com/office/drawing/2010/main" val="0"/>
-              </a:ext>
-            </a:extLst>
-          </a:blip>
-          <a:srcRect/>
-          <a:stretch>
-            <a:fillRect/>
-          </a:stretch>
-        </p:blipFill>
-        <p:spPr bwMode="auto">
-          <a:xfrm>
-            <a:off x="74613" y="127000"/>
-            <a:ext cx="1847850" cy="709613"/>
-          </a:xfrm>
-          <a:prstGeom prst="rect">
-            <a:avLst/>
-          </a:prstGeom>
-          <a:noFill/>
-          <a:ln>
-            <a:noFill/>
-          </a:ln>
-          <a:effectLst/>
-          <a:extLst>
-            <a:ext uri="{909E8E84-426E-40DD-AFC4-6F175D3DCCD1}">
-              <a14:hiddenFill xmlns:a14="http://schemas.microsoft.com/office/drawing/2010/main">
-                <a:blipFill dpi="0" rotWithShape="0">
-                  <a:blip/>
-                  <a:srcRect/>
-                  <a:stretch>
-                    <a:fillRect/>
-                  </a:stretch>
-                </a:blipFill>
-              </a14:hiddenFill>
-            </a:ext>
-            <a:ext uri="{91240B29-F687-4F45-9708-019B960494DF}">
-              <a14:hiddenLine xmlns:a14="http://schemas.microsoft.com/office/drawing/2010/main" w="9525">
-                <a:solidFill>
-                  <a:srgbClr val="3465A4"/>
-                </a:solidFill>
-                <a:round/>
-                <a:headEnd/>
-                <a:tailEnd/>
-              </a14:hiddenLine>
-            </a:ext>
-            <a:ext uri="{AF507438-7753-43E0-B8FC-AC1667EBCBE1}">
-              <a14:hiddenEffects xmlns:a14="http://schemas.microsoft.com/office/drawing/2010/main">
-                <a:effectLst>
-                  <a:outerShdw dist="35921" dir="2700000" algn="ctr" rotWithShape="0">
-                    <a:srgbClr val="808080"/>
-                  </a:outerShdw>
-                </a:effectLst>
-              </a14:hiddenEffects>
-            </a:ext>
-          </a:extLst>
-        </p:spPr>
-      </p:pic>
-      <p:pic>
-        <p:nvPicPr>
-          <p:cNvPr id="5" name="Picture 3"/>
-          <p:cNvPicPr>
-            <a:picLocks noChangeAspect="1" noChangeArrowheads="1"/>
-          </p:cNvPicPr>
-          <p:nvPr/>
-        </p:nvPicPr>
-        <p:blipFill>
-          <a:blip r:embed="rId3">
-            <a:extLst>
-              <a:ext uri="{28A0092B-C50C-407E-A947-70E740481C1C}">
-                <a14:useLocalDpi xmlns:a14="http://schemas.microsoft.com/office/drawing/2010/main" val="0"/>
-              </a:ext>
-            </a:extLst>
-          </a:blip>
-          <a:srcRect/>
-          <a:stretch>
-            <a:fillRect/>
-          </a:stretch>
-        </p:blipFill>
-        <p:spPr bwMode="auto">
-          <a:xfrm>
-            <a:off x="7265988" y="146050"/>
-            <a:ext cx="1662112" cy="709613"/>
-          </a:xfrm>
-          <a:prstGeom prst="rect">
-            <a:avLst/>
-          </a:prstGeom>
-          <a:noFill/>
-          <a:ln>
-            <a:noFill/>
-          </a:ln>
-          <a:effectLst/>
-          <a:extLst>
-            <a:ext uri="{909E8E84-426E-40DD-AFC4-6F175D3DCCD1}">
-              <a14:hiddenFill xmlns:a14="http://schemas.microsoft.com/office/drawing/2010/main">
-                <a:blipFill dpi="0" rotWithShape="0">
-                  <a:blip/>
-                  <a:srcRect/>
-                  <a:stretch>
-                    <a:fillRect/>
-                  </a:stretch>
-                </a:blipFill>
-              </a14:hiddenFill>
-            </a:ext>
-            <a:ext uri="{91240B29-F687-4F45-9708-019B960494DF}">
-              <a14:hiddenLine xmlns:a14="http://schemas.microsoft.com/office/drawing/2010/main" w="9525">
-                <a:solidFill>
-                  <a:srgbClr val="3465A4"/>
-                </a:solidFill>
-                <a:round/>
-                <a:headEnd/>
-                <a:tailEnd/>
-              </a14:hiddenLine>
-            </a:ext>
-            <a:ext uri="{AF507438-7753-43E0-B8FC-AC1667EBCBE1}">
-              <a14:hiddenEffects xmlns:a14="http://schemas.microsoft.com/office/drawing/2010/main">
-                <a:effectLst>
-                  <a:outerShdw dist="35921" dir="2700000" algn="ctr" rotWithShape="0">
-                    <a:srgbClr val="808080"/>
-                  </a:outerShdw>
-                </a:effectLst>
-              </a14:hiddenEffects>
-            </a:ext>
-          </a:extLst>
-        </p:spPr>
-      </p:pic>
-      <p:sp>
-        <p:nvSpPr>
-          <p:cNvPr id="6" name="Text Box 4"/>
-          <p:cNvSpPr txBox="1">
-            <a:spLocks noChangeArrowheads="1"/>
-          </p:cNvSpPr>
-          <p:nvPr/>
-        </p:nvSpPr>
-        <p:spPr bwMode="auto">
-          <a:xfrm>
-            <a:off x="1903413" y="1588"/>
-            <a:ext cx="5297487" cy="956288"/>
-          </a:xfrm>
-          <a:prstGeom prst="rect">
-            <a:avLst/>
-          </a:prstGeom>
-          <a:noFill/>
-          <a:ln>
-            <a:noFill/>
-          </a:ln>
-          <a:effectLst/>
-          <a:extLst>
-            <a:ext uri="{909E8E84-426E-40DD-AFC4-6F175D3DCCD1}">
-              <a14:hiddenFill xmlns:a14="http://schemas.microsoft.com/office/drawing/2010/main">
-                <a:solidFill>
-                  <a:srgbClr val="FFFFFF"/>
-                </a:solidFill>
-              </a14:hiddenFill>
-            </a:ext>
-            <a:ext uri="{91240B29-F687-4F45-9708-019B960494DF}">
-              <a14:hiddenLine xmlns:a14="http://schemas.microsoft.com/office/drawing/2010/main" w="9525">
-                <a:solidFill>
-                  <a:srgbClr val="3465A4"/>
-                </a:solidFill>
-                <a:round/>
-                <a:headEnd/>
-                <a:tailEnd/>
-              </a14:hiddenLine>
-            </a:ext>
-            <a:ext uri="{AF507438-7753-43E0-B8FC-AC1667EBCBE1}">
-              <a14:hiddenEffects xmlns:a14="http://schemas.microsoft.com/office/drawing/2010/main">
-                <a:effectLst>
-                  <a:outerShdw dist="35921" dir="2700000" algn="ctr" rotWithShape="0">
-                    <a:srgbClr val="808080"/>
-                  </a:outerShdw>
-                </a:effectLst>
-              </a14:hiddenEffects>
-            </a:ext>
-          </a:extLst>
-        </p:spPr>
-        <p:txBody>
-          <a:bodyPr lIns="90000" tIns="46800" rIns="90000" bIns="46800">
-            <a:spAutoFit/>
-          </a:bodyPr>
-          <a:lstStyle>
-            <a:lvl1pPr>
-              <a:lnSpc>
-                <a:spcPct val="90000"/>
-              </a:lnSpc>
-              <a:spcBef>
-                <a:spcPts val="1000"/>
-              </a:spcBef>
-              <a:buClr>
-                <a:srgbClr val="000000"/>
-              </a:buClr>
-              <a:buSzPct val="100000"/>
-              <a:buFont typeface="Times New Roman" panose="02020603050405020304" pitchFamily="18" charset="0"/>
-              <a:tabLst>
-                <a:tab pos="0" algn="l"/>
-                <a:tab pos="914400" algn="l"/>
-                <a:tab pos="1828800" algn="l"/>
-                <a:tab pos="2743200" algn="l"/>
-                <a:tab pos="3657600" algn="l"/>
-                <a:tab pos="4572000" algn="l"/>
-                <a:tab pos="5486400" algn="l"/>
-                <a:tab pos="6400800" algn="l"/>
-                <a:tab pos="7315200" algn="l"/>
-                <a:tab pos="8229600" algn="l"/>
-                <a:tab pos="9144000" algn="l"/>
-                <a:tab pos="10058400" algn="l"/>
-              </a:tabLst>
-              <a:defRPr sz="2800">
-                <a:solidFill>
-                  <a:srgbClr val="000000"/>
-                </a:solidFill>
-                <a:latin typeface="Calibri" panose="020F0502020204030204" pitchFamily="34" charset="0"/>
-                <a:cs typeface="Droid Sans Fallback" charset="0"/>
-              </a:defRPr>
-            </a:lvl1pPr>
-            <a:lvl2pPr>
-              <a:lnSpc>
-                <a:spcPct val="90000"/>
-              </a:lnSpc>
-              <a:spcBef>
-                <a:spcPts val="500"/>
-              </a:spcBef>
-              <a:buClr>
-                <a:srgbClr val="000000"/>
-              </a:buClr>
-              <a:buSzPct val="100000"/>
-              <a:buFont typeface="Times New Roman" panose="02020603050405020304" pitchFamily="18" charset="0"/>
-              <a:tabLst>
-                <a:tab pos="0" algn="l"/>
-                <a:tab pos="914400" algn="l"/>
-                <a:tab pos="1828800" algn="l"/>
-                <a:tab pos="2743200" algn="l"/>
-                <a:tab pos="3657600" algn="l"/>
-                <a:tab pos="4572000" algn="l"/>
-                <a:tab pos="5486400" algn="l"/>
-                <a:tab pos="6400800" algn="l"/>
-                <a:tab pos="7315200" algn="l"/>
-                <a:tab pos="8229600" algn="l"/>
-                <a:tab pos="9144000" algn="l"/>
-                <a:tab pos="10058400" algn="l"/>
-              </a:tabLst>
-              <a:defRPr sz="2400">
-                <a:solidFill>
-                  <a:srgbClr val="000000"/>
-                </a:solidFill>
-                <a:latin typeface="Calibri" panose="020F0502020204030204" pitchFamily="34" charset="0"/>
-                <a:cs typeface="Droid Sans Fallback" charset="0"/>
-              </a:defRPr>
-            </a:lvl2pPr>
-            <a:lvl3pPr>
-              <a:lnSpc>
-                <a:spcPct val="90000"/>
-              </a:lnSpc>
-              <a:spcBef>
-                <a:spcPts val="500"/>
-              </a:spcBef>
-              <a:buClr>
-                <a:srgbClr val="000000"/>
-              </a:buClr>
-              <a:buSzPct val="100000"/>
-              <a:buFont typeface="Times New Roman" panose="02020603050405020304" pitchFamily="18" charset="0"/>
-              <a:tabLst>
-                <a:tab pos="0" algn="l"/>
-                <a:tab pos="914400" algn="l"/>
-                <a:tab pos="1828800" algn="l"/>
-                <a:tab pos="2743200" algn="l"/>
-                <a:tab pos="3657600" algn="l"/>
-                <a:tab pos="4572000" algn="l"/>
-                <a:tab pos="5486400" algn="l"/>
-                <a:tab pos="6400800" algn="l"/>
-                <a:tab pos="7315200" algn="l"/>
-                <a:tab pos="8229600" algn="l"/>
-                <a:tab pos="9144000" algn="l"/>
-                <a:tab pos="10058400" algn="l"/>
-              </a:tabLst>
-              <a:defRPr sz="2000">
-                <a:solidFill>
-                  <a:srgbClr val="000000"/>
-                </a:solidFill>
-                <a:latin typeface="Calibri" panose="020F0502020204030204" pitchFamily="34" charset="0"/>
-                <a:cs typeface="Droid Sans Fallback" charset="0"/>
-              </a:defRPr>
-            </a:lvl3pPr>
-            <a:lvl4pPr>
-              <a:lnSpc>
-                <a:spcPct val="90000"/>
-              </a:lnSpc>
-              <a:spcBef>
-                <a:spcPts val="500"/>
-              </a:spcBef>
-              <a:buClr>
-                <a:srgbClr val="000000"/>
-              </a:buClr>
-              <a:buSzPct val="100000"/>
-              <a:buFont typeface="Times New Roman" panose="02020603050405020304" pitchFamily="18" charset="0"/>
-              <a:tabLst>
-                <a:tab pos="0" algn="l"/>
-                <a:tab pos="914400" algn="l"/>
-                <a:tab pos="1828800" algn="l"/>
-                <a:tab pos="2743200" algn="l"/>
-                <a:tab pos="3657600" algn="l"/>
-                <a:tab pos="4572000" algn="l"/>
-                <a:tab pos="5486400" algn="l"/>
-                <a:tab pos="6400800" algn="l"/>
-                <a:tab pos="7315200" algn="l"/>
-                <a:tab pos="8229600" algn="l"/>
-                <a:tab pos="9144000" algn="l"/>
-                <a:tab pos="10058400" algn="l"/>
-              </a:tabLst>
-              <a:defRPr>
-                <a:solidFill>
-                  <a:srgbClr val="000000"/>
-                </a:solidFill>
-                <a:latin typeface="Calibri" panose="020F0502020204030204" pitchFamily="34" charset="0"/>
-                <a:cs typeface="Droid Sans Fallback" charset="0"/>
-              </a:defRPr>
-            </a:lvl4pPr>
-            <a:lvl5pPr>
-              <a:lnSpc>
-                <a:spcPct val="90000"/>
-              </a:lnSpc>
-              <a:spcBef>
-                <a:spcPts val="500"/>
-              </a:spcBef>
-              <a:buClr>
-                <a:srgbClr val="000000"/>
-              </a:buClr>
-              <a:buSzPct val="100000"/>
-              <a:buFont typeface="Times New Roman" panose="02020603050405020304" pitchFamily="18" charset="0"/>
-              <a:tabLst>
-                <a:tab pos="0" algn="l"/>
-                <a:tab pos="914400" algn="l"/>
-                <a:tab pos="1828800" algn="l"/>
-                <a:tab pos="2743200" algn="l"/>
-                <a:tab pos="3657600" algn="l"/>
-                <a:tab pos="4572000" algn="l"/>
-                <a:tab pos="5486400" algn="l"/>
-                <a:tab pos="6400800" algn="l"/>
-                <a:tab pos="7315200" algn="l"/>
-                <a:tab pos="8229600" algn="l"/>
-                <a:tab pos="9144000" algn="l"/>
-                <a:tab pos="10058400" algn="l"/>
-              </a:tabLst>
-              <a:defRPr>
-                <a:solidFill>
-                  <a:srgbClr val="000000"/>
-                </a:solidFill>
-                <a:latin typeface="Calibri" panose="020F0502020204030204" pitchFamily="34" charset="0"/>
-                <a:cs typeface="Droid Sans Fallback" charset="0"/>
-              </a:defRPr>
-            </a:lvl5pPr>
-            <a:lvl6pPr marL="2514600" indent="-228600" defTabSz="449263" eaLnBrk="0" fontAlgn="base" hangingPunct="0">
-              <a:lnSpc>
-                <a:spcPct val="90000"/>
-              </a:lnSpc>
-              <a:spcBef>
-                <a:spcPts val="500"/>
-              </a:spcBef>
-              <a:spcAft>
-                <a:spcPct val="0"/>
-              </a:spcAft>
-              <a:buClr>
-                <a:srgbClr val="000000"/>
-              </a:buClr>
-              <a:buSzPct val="100000"/>
-              <a:buFont typeface="Times New Roman" panose="02020603050405020304" pitchFamily="18" charset="0"/>
-              <a:tabLst>
-                <a:tab pos="0" algn="l"/>
-                <a:tab pos="914400" algn="l"/>
-                <a:tab pos="1828800" algn="l"/>
-                <a:tab pos="2743200" algn="l"/>
-                <a:tab pos="3657600" algn="l"/>
-                <a:tab pos="4572000" algn="l"/>
-                <a:tab pos="5486400" algn="l"/>
-                <a:tab pos="6400800" algn="l"/>
-                <a:tab pos="7315200" algn="l"/>
-                <a:tab pos="8229600" algn="l"/>
-                <a:tab pos="9144000" algn="l"/>
-                <a:tab pos="10058400" algn="l"/>
-              </a:tabLst>
-              <a:defRPr>
-                <a:solidFill>
-                  <a:srgbClr val="000000"/>
-                </a:solidFill>
-                <a:latin typeface="Calibri" panose="020F0502020204030204" pitchFamily="34" charset="0"/>
-                <a:cs typeface="Droid Sans Fallback" charset="0"/>
-              </a:defRPr>
-            </a:lvl6pPr>
-            <a:lvl7pPr marL="2971800" indent="-228600" defTabSz="449263" eaLnBrk="0" fontAlgn="base" hangingPunct="0">
-              <a:lnSpc>
-                <a:spcPct val="90000"/>
-              </a:lnSpc>
-              <a:spcBef>
-                <a:spcPts val="500"/>
-              </a:spcBef>
-              <a:spcAft>
-                <a:spcPct val="0"/>
-              </a:spcAft>
-              <a:buClr>
-                <a:srgbClr val="000000"/>
-              </a:buClr>
-              <a:buSzPct val="100000"/>
-              <a:buFont typeface="Times New Roman" panose="02020603050405020304" pitchFamily="18" charset="0"/>
-              <a:tabLst>
-                <a:tab pos="0" algn="l"/>
-                <a:tab pos="914400" algn="l"/>
-                <a:tab pos="1828800" algn="l"/>
-                <a:tab pos="2743200" algn="l"/>
-                <a:tab pos="3657600" algn="l"/>
-                <a:tab pos="4572000" algn="l"/>
-                <a:tab pos="5486400" algn="l"/>
-                <a:tab pos="6400800" algn="l"/>
-                <a:tab pos="7315200" algn="l"/>
-                <a:tab pos="8229600" algn="l"/>
-                <a:tab pos="9144000" algn="l"/>
-                <a:tab pos="10058400" algn="l"/>
-              </a:tabLst>
-              <a:defRPr>
-                <a:solidFill>
-                  <a:srgbClr val="000000"/>
-                </a:solidFill>
-                <a:latin typeface="Calibri" panose="020F0502020204030204" pitchFamily="34" charset="0"/>
-                <a:cs typeface="Droid Sans Fallback" charset="0"/>
-              </a:defRPr>
-            </a:lvl7pPr>
-            <a:lvl8pPr marL="3429000" indent="-228600" defTabSz="449263" eaLnBrk="0" fontAlgn="base" hangingPunct="0">
-              <a:lnSpc>
-                <a:spcPct val="90000"/>
-              </a:lnSpc>
-              <a:spcBef>
-                <a:spcPts val="500"/>
-              </a:spcBef>
-              <a:spcAft>
-                <a:spcPct val="0"/>
-              </a:spcAft>
-              <a:buClr>
-                <a:srgbClr val="000000"/>
-              </a:buClr>
-              <a:buSzPct val="100000"/>
-              <a:buFont typeface="Times New Roman" panose="02020603050405020304" pitchFamily="18" charset="0"/>
-              <a:tabLst>
-                <a:tab pos="0" algn="l"/>
-                <a:tab pos="914400" algn="l"/>
-                <a:tab pos="1828800" algn="l"/>
-                <a:tab pos="2743200" algn="l"/>
-                <a:tab pos="3657600" algn="l"/>
-                <a:tab pos="4572000" algn="l"/>
-                <a:tab pos="5486400" algn="l"/>
-                <a:tab pos="6400800" algn="l"/>
-                <a:tab pos="7315200" algn="l"/>
-                <a:tab pos="8229600" algn="l"/>
-                <a:tab pos="9144000" algn="l"/>
-                <a:tab pos="10058400" algn="l"/>
-              </a:tabLst>
-              <a:defRPr>
-                <a:solidFill>
-                  <a:srgbClr val="000000"/>
-                </a:solidFill>
-                <a:latin typeface="Calibri" panose="020F0502020204030204" pitchFamily="34" charset="0"/>
-                <a:cs typeface="Droid Sans Fallback" charset="0"/>
-              </a:defRPr>
-            </a:lvl8pPr>
-            <a:lvl9pPr marL="3886200" indent="-228600" defTabSz="449263" eaLnBrk="0" fontAlgn="base" hangingPunct="0">
-              <a:lnSpc>
-                <a:spcPct val="90000"/>
-              </a:lnSpc>
-              <a:spcBef>
-                <a:spcPts val="500"/>
-              </a:spcBef>
-              <a:spcAft>
-                <a:spcPct val="0"/>
-              </a:spcAft>
-              <a:buClr>
-                <a:srgbClr val="000000"/>
-              </a:buClr>
-              <a:buSzPct val="100000"/>
-              <a:buFont typeface="Times New Roman" panose="02020603050405020304" pitchFamily="18" charset="0"/>
-              <a:tabLst>
-                <a:tab pos="0" algn="l"/>
-                <a:tab pos="914400" algn="l"/>
-                <a:tab pos="1828800" algn="l"/>
-                <a:tab pos="2743200" algn="l"/>
-                <a:tab pos="3657600" algn="l"/>
-                <a:tab pos="4572000" algn="l"/>
-                <a:tab pos="5486400" algn="l"/>
-                <a:tab pos="6400800" algn="l"/>
-                <a:tab pos="7315200" algn="l"/>
-                <a:tab pos="8229600" algn="l"/>
-                <a:tab pos="9144000" algn="l"/>
-                <a:tab pos="10058400" algn="l"/>
-              </a:tabLst>
-              <a:defRPr>
-                <a:solidFill>
-                  <a:srgbClr val="000000"/>
-                </a:solidFill>
-                <a:latin typeface="Calibri" panose="020F0502020204030204" pitchFamily="34" charset="0"/>
-                <a:cs typeface="Droid Sans Fallback" charset="0"/>
-              </a:defRPr>
-            </a:lvl9pPr>
-          </a:lstStyle>
-          <a:p>
-            <a:pPr algn="ctr">
-              <a:lnSpc>
-                <a:spcPct val="100000"/>
-              </a:lnSpc>
-              <a:spcBef>
-                <a:spcPct val="0"/>
-              </a:spcBef>
-              <a:buClrTx/>
-              <a:buFontTx/>
-              <a:buNone/>
-            </a:pPr>
-            <a:r>
-              <a:rPr lang="pt-BR" altLang="pt-BR" sz="1400" b="1" dirty="0">
-                <a:solidFill>
-                  <a:srgbClr val="7F7F7F"/>
-                </a:solidFill>
-                <a:latin typeface="Times New Roman" panose="02020603050405020304" pitchFamily="18" charset="0"/>
-                <a:cs typeface="Times New Roman" panose="02020603050405020304" pitchFamily="18" charset="0"/>
-              </a:rPr>
-              <a:t>Instituto Tecnológico de Aeronáutica</a:t>
-            </a:r>
-          </a:p>
-          <a:p>
-            <a:pPr algn="ctr">
-              <a:lnSpc>
-                <a:spcPct val="100000"/>
-              </a:lnSpc>
-              <a:spcBef>
-                <a:spcPct val="0"/>
-              </a:spcBef>
-              <a:buClrTx/>
-              <a:buFontTx/>
-              <a:buNone/>
-            </a:pPr>
-            <a:r>
-              <a:rPr lang="pt-BR" altLang="pt-BR" sz="1400" b="1" dirty="0">
-                <a:solidFill>
-                  <a:srgbClr val="7F7F7F"/>
-                </a:solidFill>
-                <a:latin typeface="Times New Roman" panose="02020603050405020304" pitchFamily="18" charset="0"/>
-                <a:cs typeface="Times New Roman" panose="02020603050405020304" pitchFamily="18" charset="0"/>
-              </a:rPr>
-              <a:t>Curso de Mestrado Profissionalizante em Engenharia Aeronáutica</a:t>
-            </a:r>
-          </a:p>
-          <a:p>
-            <a:pPr algn="ctr">
-              <a:lnSpc>
-                <a:spcPct val="100000"/>
-              </a:lnSpc>
-              <a:spcBef>
-                <a:spcPct val="0"/>
-              </a:spcBef>
-              <a:buClrTx/>
-              <a:buFontTx/>
-              <a:buNone/>
-            </a:pPr>
-            <a:r>
-              <a:rPr lang="pt-BR" altLang="pt-BR" sz="1400" b="1" dirty="0">
-                <a:solidFill>
-                  <a:srgbClr val="7F7F7F"/>
-                </a:solidFill>
-                <a:latin typeface="Times New Roman" panose="02020603050405020304" pitchFamily="18" charset="0"/>
-                <a:cs typeface="Times New Roman" panose="02020603050405020304" pitchFamily="18" charset="0"/>
-              </a:rPr>
-              <a:t>Programa de Pós-Graduação em Engenharia Aeronáutica e Mecânica</a:t>
             </a:r>
           </a:p>
         </p:txBody>
       </p:sp>
       <p:sp>
         <p:nvSpPr>
-          <p:cNvPr id="7" name="Line 7"/>
+          <p:cNvPr id="3" name="Espaço Reservado para Conteúdo 2"/>
           <p:cNvSpPr>
-            <a:spLocks noChangeShapeType="1"/>
+            <a:spLocks noGrp="1"/>
           </p:cNvSpPr>
-          <p:nvPr/>
+          <p:nvPr>
+            <p:ph idx="1"/>
+          </p:nvPr>
         </p:nvSpPr>
-        <p:spPr bwMode="auto">
-          <a:xfrm>
-            <a:off x="507206" y="901215"/>
-            <a:ext cx="8089900" cy="1587"/>
-          </a:xfrm>
-          <a:prstGeom prst="line">
-            <a:avLst/>
-          </a:prstGeom>
-          <a:noFill/>
-          <a:ln w="6480" cap="sq">
-            <a:solidFill>
-              <a:srgbClr val="A5A5A5"/>
-            </a:solidFill>
-            <a:miter lim="800000"/>
-            <a:headEnd/>
-            <a:tailEnd/>
-          </a:ln>
-          <a:effectLst/>
-          <a:extLst>
-            <a:ext uri="{909E8E84-426E-40DD-AFC4-6F175D3DCCD1}">
-              <a14:hiddenFill xmlns:a14="http://schemas.microsoft.com/office/drawing/2010/main">
-                <a:noFill/>
-              </a14:hiddenFill>
-            </a:ext>
-            <a:ext uri="{AF507438-7753-43E0-B8FC-AC1667EBCBE1}">
-              <a14:hiddenEffects xmlns:a14="http://schemas.microsoft.com/office/drawing/2010/main">
-                <a:effectLst>
-                  <a:outerShdw dist="35921" dir="2700000" algn="ctr" rotWithShape="0">
-                    <a:srgbClr val="808080"/>
-                  </a:outerShdw>
-                </a:effectLst>
-              </a14:hiddenEffects>
-            </a:ext>
-          </a:extLst>
-        </p:spPr>
+        <p:spPr/>
         <p:txBody>
           <a:bodyPr/>
           <a:lstStyle/>
           <a:p>
-            <a:endParaRPr lang="pt-BR"/>
+            <a:r>
+              <a:rPr lang="pt-BR" dirty="0"/>
+              <a:t>Regime Transitório</a:t>
+            </a:r>
           </a:p>
         </p:txBody>
       </p:sp>
       <p:sp>
         <p:nvSpPr>
-          <p:cNvPr id="8" name="Line 6"/>
-          <p:cNvSpPr>
-            <a:spLocks noChangeShapeType="1"/>
-          </p:cNvSpPr>
-          <p:nvPr/>
-        </p:nvSpPr>
-        <p:spPr bwMode="auto">
-          <a:xfrm>
-            <a:off x="508000" y="6488113"/>
-            <a:ext cx="8089900" cy="1587"/>
-          </a:xfrm>
-          <a:prstGeom prst="line">
-            <a:avLst/>
-          </a:prstGeom>
-          <a:noFill/>
-          <a:ln w="6480" cap="sq">
-            <a:solidFill>
-              <a:srgbClr val="A5A5A5"/>
-            </a:solidFill>
-            <a:miter lim="800000"/>
-            <a:headEnd/>
-            <a:tailEnd/>
-          </a:ln>
-          <a:effectLst/>
-          <a:extLst>
-            <a:ext uri="{909E8E84-426E-40DD-AFC4-6F175D3DCCD1}">
-              <a14:hiddenFill xmlns:a14="http://schemas.microsoft.com/office/drawing/2010/main">
-                <a:noFill/>
-              </a14:hiddenFill>
-            </a:ext>
-            <a:ext uri="{AF507438-7753-43E0-B8FC-AC1667EBCBE1}">
-              <a14:hiddenEffects xmlns:a14="http://schemas.microsoft.com/office/drawing/2010/main">
-                <a:effectLst>
-                  <a:outerShdw dist="35921" dir="2700000" algn="ctr" rotWithShape="0">
-                    <a:srgbClr val="808080"/>
-                  </a:outerShdw>
-                </a:effectLst>
-              </a14:hiddenEffects>
-            </a:ext>
-          </a:extLst>
-        </p:spPr>
-        <p:txBody>
-          <a:bodyPr/>
-          <a:lstStyle/>
-          <a:p>
-            <a:endParaRPr lang="pt-BR"/>
-          </a:p>
-        </p:txBody>
-      </p:sp>
-      <p:sp>
-        <p:nvSpPr>
-          <p:cNvPr id="12" name="Espaço Reservado para Número de Slide 10"/>
+          <p:cNvPr id="4" name="Espaço Reservado para Número de Slide 3"/>
           <p:cNvSpPr>
             <a:spLocks noGrp="1"/>
           </p:cNvSpPr>
@@ -19593,12 +16040,7 @@
             <p:ph type="sldNum" sz="quarter" idx="12"/>
           </p:nvPr>
         </p:nvSpPr>
-        <p:spPr>
-          <a:xfrm>
-            <a:off x="6870700" y="6487179"/>
-            <a:ext cx="2057400" cy="365125"/>
-          </a:xfrm>
-        </p:spPr>
+        <p:spPr/>
         <p:txBody>
           <a:bodyPr/>
           <a:lstStyle/>
@@ -19607,372 +16049,6 @@
               <a:rPr lang="pt-BR" smtClean="0"/>
               <a:t>23</a:t>
             </a:fld>
-            <a:endParaRPr lang="pt-BR" dirty="0"/>
-          </a:p>
-        </p:txBody>
-      </p:sp>
-      <p:sp>
-        <p:nvSpPr>
-          <p:cNvPr id="17" name="Espaço Reservado para Conteúdo 2"/>
-          <p:cNvSpPr>
-            <a:spLocks noGrp="1"/>
-          </p:cNvSpPr>
-          <p:nvPr>
-            <p:ph idx="1"/>
-          </p:nvPr>
-        </p:nvSpPr>
-        <p:spPr>
-          <a:xfrm>
-            <a:off x="507206" y="1685437"/>
-            <a:ext cx="8089900" cy="4735553"/>
-          </a:xfrm>
-        </p:spPr>
-        <p:txBody>
-          <a:bodyPr>
-            <a:normAutofit/>
-          </a:bodyPr>
-          <a:lstStyle/>
-          <a:p>
-            <a:r>
-              <a:rPr lang="pt-BR" sz="2000" dirty="0"/>
-              <a:t>Regime Transitório</a:t>
-            </a:r>
-          </a:p>
-          <a:p>
-            <a:endParaRPr lang="pt-BR" sz="1600" i="1" dirty="0">
-              <a:solidFill>
-                <a:prstClr val="black"/>
-              </a:solidFill>
-              <a:latin typeface="Cambria Math" panose="02040503050406030204" pitchFamily="18" charset="0"/>
-            </a:endParaRPr>
-          </a:p>
-          <a:p>
-            <a:endParaRPr lang="pt-BR" sz="1600" i="1" dirty="0">
-              <a:solidFill>
-                <a:prstClr val="black"/>
-              </a:solidFill>
-              <a:latin typeface="Cambria Math" panose="02040503050406030204" pitchFamily="18" charset="0"/>
-            </a:endParaRPr>
-          </a:p>
-          <a:p>
-            <a:endParaRPr lang="pt-BR" sz="1600" i="1" dirty="0">
-              <a:solidFill>
-                <a:prstClr val="black"/>
-              </a:solidFill>
-              <a:latin typeface="Cambria Math" panose="02040503050406030204" pitchFamily="18" charset="0"/>
-            </a:endParaRPr>
-          </a:p>
-          <a:p>
-            <a:endParaRPr lang="pt-BR" sz="1600" i="1" dirty="0">
-              <a:solidFill>
-                <a:prstClr val="black"/>
-              </a:solidFill>
-              <a:latin typeface="Cambria Math" panose="02040503050406030204" pitchFamily="18" charset="0"/>
-            </a:endParaRPr>
-          </a:p>
-          <a:p>
-            <a:endParaRPr lang="pt-BR" sz="800" dirty="0">
-              <a:solidFill>
-                <a:prstClr val="black"/>
-              </a:solidFill>
-            </a:endParaRPr>
-          </a:p>
-        </p:txBody>
-      </p:sp>
-      <p:grpSp>
-        <p:nvGrpSpPr>
-          <p:cNvPr id="19" name="Agrupar 18"/>
-          <p:cNvGrpSpPr>
-            <a:grpSpLocks noChangeAspect="1"/>
-          </p:cNvGrpSpPr>
-          <p:nvPr/>
-        </p:nvGrpSpPr>
-        <p:grpSpPr>
-          <a:xfrm>
-            <a:off x="144000" y="3046380"/>
-            <a:ext cx="9000000" cy="3382180"/>
-            <a:chOff x="202483" y="2540629"/>
-            <a:chExt cx="9000000" cy="3382180"/>
-          </a:xfrm>
-        </p:grpSpPr>
-        <p:grpSp>
-          <p:nvGrpSpPr>
-            <p:cNvPr id="13" name="Agrupar 12"/>
-            <p:cNvGrpSpPr>
-              <a:grpSpLocks noChangeAspect="1"/>
-            </p:cNvGrpSpPr>
-            <p:nvPr/>
-          </p:nvGrpSpPr>
-          <p:grpSpPr>
-            <a:xfrm>
-              <a:off x="202483" y="4233644"/>
-              <a:ext cx="9000000" cy="1689165"/>
-              <a:chOff x="19603" y="4233644"/>
-              <a:chExt cx="10080000" cy="1891865"/>
-            </a:xfrm>
-          </p:grpSpPr>
-          <p:pic>
-            <p:nvPicPr>
-              <p:cNvPr id="3" name="Imagem 2"/>
-              <p:cNvPicPr>
-                <a:picLocks noChangeAspect="1"/>
-              </p:cNvPicPr>
-              <p:nvPr/>
-            </p:nvPicPr>
-            <p:blipFill>
-              <a:blip r:embed="rId4"/>
-              <a:stretch>
-                <a:fillRect/>
-              </a:stretch>
-            </p:blipFill>
-            <p:spPr>
-              <a:xfrm>
-                <a:off x="19603" y="4234578"/>
-                <a:ext cx="2520000" cy="1890931"/>
-              </a:xfrm>
-              <a:prstGeom prst="rect">
-                <a:avLst/>
-              </a:prstGeom>
-            </p:spPr>
-          </p:pic>
-          <p:pic>
-            <p:nvPicPr>
-              <p:cNvPr id="9" name="Imagem 8"/>
-              <p:cNvPicPr>
-                <a:picLocks noChangeAspect="1"/>
-              </p:cNvPicPr>
-              <p:nvPr/>
-            </p:nvPicPr>
-            <p:blipFill>
-              <a:blip r:embed="rId5"/>
-              <a:stretch>
-                <a:fillRect/>
-              </a:stretch>
-            </p:blipFill>
-            <p:spPr>
-              <a:xfrm>
-                <a:off x="2539603" y="4234578"/>
-                <a:ext cx="2520000" cy="1890931"/>
-              </a:xfrm>
-              <a:prstGeom prst="rect">
-                <a:avLst/>
-              </a:prstGeom>
-            </p:spPr>
-          </p:pic>
-          <p:pic>
-            <p:nvPicPr>
-              <p:cNvPr id="10" name="Imagem 9"/>
-              <p:cNvPicPr>
-                <a:picLocks noChangeAspect="1"/>
-              </p:cNvPicPr>
-              <p:nvPr/>
-            </p:nvPicPr>
-            <p:blipFill>
-              <a:blip r:embed="rId6"/>
-              <a:stretch>
-                <a:fillRect/>
-              </a:stretch>
-            </p:blipFill>
-            <p:spPr>
-              <a:xfrm>
-                <a:off x="5059603" y="4233644"/>
-                <a:ext cx="2520000" cy="1890931"/>
-              </a:xfrm>
-              <a:prstGeom prst="rect">
-                <a:avLst/>
-              </a:prstGeom>
-            </p:spPr>
-          </p:pic>
-          <p:pic>
-            <p:nvPicPr>
-              <p:cNvPr id="11" name="Imagem 10"/>
-              <p:cNvPicPr>
-                <a:picLocks noChangeAspect="1"/>
-              </p:cNvPicPr>
-              <p:nvPr/>
-            </p:nvPicPr>
-            <p:blipFill>
-              <a:blip r:embed="rId7"/>
-              <a:stretch>
-                <a:fillRect/>
-              </a:stretch>
-            </p:blipFill>
-            <p:spPr>
-              <a:xfrm>
-                <a:off x="7579603" y="4233644"/>
-                <a:ext cx="2520000" cy="1890931"/>
-              </a:xfrm>
-              <a:prstGeom prst="rect">
-                <a:avLst/>
-              </a:prstGeom>
-            </p:spPr>
-          </p:pic>
-        </p:grpSp>
-        <p:pic>
-          <p:nvPicPr>
-            <p:cNvPr id="14" name="Imagem 13"/>
-            <p:cNvPicPr>
-              <a:picLocks noChangeAspect="1"/>
-            </p:cNvPicPr>
-            <p:nvPr/>
-          </p:nvPicPr>
-          <p:blipFill>
-            <a:blip r:embed="rId8"/>
-            <a:stretch>
-              <a:fillRect/>
-            </a:stretch>
-          </p:blipFill>
-          <p:spPr>
-            <a:xfrm>
-              <a:off x="202483" y="2545313"/>
-              <a:ext cx="2250000" cy="1688331"/>
-            </a:xfrm>
-            <a:prstGeom prst="rect">
-              <a:avLst/>
-            </a:prstGeom>
-          </p:spPr>
-        </p:pic>
-        <p:pic>
-          <p:nvPicPr>
-            <p:cNvPr id="15" name="Imagem 14"/>
-            <p:cNvPicPr>
-              <a:picLocks noChangeAspect="1"/>
-            </p:cNvPicPr>
-            <p:nvPr/>
-          </p:nvPicPr>
-          <p:blipFill>
-            <a:blip r:embed="rId9"/>
-            <a:stretch>
-              <a:fillRect/>
-            </a:stretch>
-          </p:blipFill>
-          <p:spPr>
-            <a:xfrm>
-              <a:off x="2452483" y="2544479"/>
-              <a:ext cx="2250000" cy="1688331"/>
-            </a:xfrm>
-            <a:prstGeom prst="rect">
-              <a:avLst/>
-            </a:prstGeom>
-          </p:spPr>
-        </p:pic>
-        <p:pic>
-          <p:nvPicPr>
-            <p:cNvPr id="16" name="Imagem 15"/>
-            <p:cNvPicPr>
-              <a:picLocks noChangeAspect="1"/>
-            </p:cNvPicPr>
-            <p:nvPr/>
-          </p:nvPicPr>
-          <p:blipFill>
-            <a:blip r:embed="rId10"/>
-            <a:stretch>
-              <a:fillRect/>
-            </a:stretch>
-          </p:blipFill>
-          <p:spPr>
-            <a:xfrm>
-              <a:off x="4702483" y="2548678"/>
-              <a:ext cx="2250000" cy="1688331"/>
-            </a:xfrm>
-            <a:prstGeom prst="rect">
-              <a:avLst/>
-            </a:prstGeom>
-          </p:spPr>
-        </p:pic>
-        <p:pic>
-          <p:nvPicPr>
-            <p:cNvPr id="18" name="Imagem 17"/>
-            <p:cNvPicPr>
-              <a:picLocks noChangeAspect="1"/>
-            </p:cNvPicPr>
-            <p:nvPr/>
-          </p:nvPicPr>
-          <p:blipFill>
-            <a:blip r:embed="rId11"/>
-            <a:stretch>
-              <a:fillRect/>
-            </a:stretch>
-          </p:blipFill>
-          <p:spPr>
-            <a:xfrm>
-              <a:off x="6952483" y="2540629"/>
-              <a:ext cx="2250000" cy="1688331"/>
-            </a:xfrm>
-            <a:prstGeom prst="rect">
-              <a:avLst/>
-            </a:prstGeom>
-          </p:spPr>
-        </p:pic>
-      </p:grpSp>
-      <p:pic>
-        <p:nvPicPr>
-          <p:cNvPr id="20" name="Imagem 19"/>
-          <p:cNvPicPr>
-            <a:picLocks noChangeAspect="1"/>
-          </p:cNvPicPr>
-          <p:nvPr/>
-        </p:nvPicPr>
-        <p:blipFill>
-          <a:blip r:embed="rId12"/>
-          <a:stretch>
-            <a:fillRect/>
-          </a:stretch>
-        </p:blipFill>
-        <p:spPr>
-          <a:xfrm>
-            <a:off x="3106825" y="1690693"/>
-            <a:ext cx="2890662" cy="1355665"/>
-          </a:xfrm>
-          <a:prstGeom prst="rect">
-            <a:avLst/>
-          </a:prstGeom>
-        </p:spPr>
-      </p:pic>
-      <p:sp>
-        <p:nvSpPr>
-          <p:cNvPr id="21" name="Retângulo 20"/>
-          <p:cNvSpPr/>
-          <p:nvPr/>
-        </p:nvSpPr>
-        <p:spPr>
-          <a:xfrm>
-            <a:off x="4431890" y="1892492"/>
-            <a:ext cx="988141" cy="952065"/>
-          </a:xfrm>
-          <a:prstGeom prst="rect">
-            <a:avLst/>
-          </a:prstGeom>
-          <a:solidFill>
-            <a:srgbClr val="4472C4">
-              <a:alpha val="40000"/>
-            </a:srgbClr>
-          </a:solidFill>
-          <a:ln>
-            <a:noFill/>
-          </a:ln>
-        </p:spPr>
-        <p:style>
-          <a:lnRef idx="2">
-            <a:schemeClr val="accent1">
-              <a:shade val="50000"/>
-            </a:schemeClr>
-          </a:lnRef>
-          <a:fillRef idx="1">
-            <a:schemeClr val="accent1"/>
-          </a:fillRef>
-          <a:effectRef idx="0">
-            <a:schemeClr val="accent1"/>
-          </a:effectRef>
-          <a:fontRef idx="minor">
-            <a:schemeClr val="lt1"/>
-          </a:fontRef>
-        </p:style>
-        <p:txBody>
-          <a:bodyPr rtlCol="0" anchor="ctr"/>
-          <a:lstStyle/>
-          <a:p>
-            <a:pPr algn="ctr"/>
             <a:endParaRPr lang="pt-BR"/>
           </a:p>
         </p:txBody>
@@ -19980,7 +16056,7 @@
     </p:spTree>
     <p:extLst>
       <p:ext uri="{BB962C8B-B14F-4D97-AF65-F5344CB8AC3E}">
-        <p14:creationId xmlns:p14="http://schemas.microsoft.com/office/powerpoint/2010/main" val="1526280462"/>
+        <p14:creationId xmlns:p14="http://schemas.microsoft.com/office/powerpoint/2010/main" val="4292606975"/>
       </p:ext>
     </p:extLst>
   </p:cSld>
@@ -20017,711 +16093,43 @@
             <p:ph type="title"/>
           </p:nvPr>
         </p:nvSpPr>
-        <p:spPr>
-          <a:xfrm>
-            <a:off x="628650" y="1083288"/>
-            <a:ext cx="7886700" cy="476737"/>
-          </a:xfrm>
-        </p:spPr>
+        <p:spPr/>
         <p:txBody>
-          <a:bodyPr>
-            <a:noAutofit/>
-          </a:bodyPr>
+          <a:bodyPr/>
           <a:lstStyle/>
           <a:p>
             <a:r>
-              <a:rPr lang="pt-BR" sz="2400" b="1" dirty="0"/>
+              <a:rPr lang="pt-BR" dirty="0"/>
               <a:t>Resultados</a:t>
-            </a:r>
-          </a:p>
-        </p:txBody>
-      </p:sp>
-      <p:pic>
-        <p:nvPicPr>
-          <p:cNvPr id="4" name="Picture 2"/>
-          <p:cNvPicPr>
-            <a:picLocks noChangeAspect="1" noChangeArrowheads="1"/>
-          </p:cNvPicPr>
-          <p:nvPr/>
-        </p:nvPicPr>
-        <p:blipFill>
-          <a:blip r:embed="rId2">
-            <a:extLst>
-              <a:ext uri="{28A0092B-C50C-407E-A947-70E740481C1C}">
-                <a14:useLocalDpi xmlns:a14="http://schemas.microsoft.com/office/drawing/2010/main" val="0"/>
-              </a:ext>
-            </a:extLst>
-          </a:blip>
-          <a:srcRect/>
-          <a:stretch>
-            <a:fillRect/>
-          </a:stretch>
-        </p:blipFill>
-        <p:spPr bwMode="auto">
-          <a:xfrm>
-            <a:off x="74613" y="127000"/>
-            <a:ext cx="1847850" cy="709613"/>
-          </a:xfrm>
-          <a:prstGeom prst="rect">
-            <a:avLst/>
-          </a:prstGeom>
-          <a:noFill/>
-          <a:ln>
-            <a:noFill/>
-          </a:ln>
-          <a:effectLst/>
-          <a:extLst>
-            <a:ext uri="{909E8E84-426E-40DD-AFC4-6F175D3DCCD1}">
-              <a14:hiddenFill xmlns:a14="http://schemas.microsoft.com/office/drawing/2010/main">
-                <a:blipFill dpi="0" rotWithShape="0">
-                  <a:blip/>
-                  <a:srcRect/>
-                  <a:stretch>
-                    <a:fillRect/>
-                  </a:stretch>
-                </a:blipFill>
-              </a14:hiddenFill>
-            </a:ext>
-            <a:ext uri="{91240B29-F687-4F45-9708-019B960494DF}">
-              <a14:hiddenLine xmlns:a14="http://schemas.microsoft.com/office/drawing/2010/main" w="9525">
-                <a:solidFill>
-                  <a:srgbClr val="3465A4"/>
-                </a:solidFill>
-                <a:round/>
-                <a:headEnd/>
-                <a:tailEnd/>
-              </a14:hiddenLine>
-            </a:ext>
-            <a:ext uri="{AF507438-7753-43E0-B8FC-AC1667EBCBE1}">
-              <a14:hiddenEffects xmlns:a14="http://schemas.microsoft.com/office/drawing/2010/main">
-                <a:effectLst>
-                  <a:outerShdw dist="35921" dir="2700000" algn="ctr" rotWithShape="0">
-                    <a:srgbClr val="808080"/>
-                  </a:outerShdw>
-                </a:effectLst>
-              </a14:hiddenEffects>
-            </a:ext>
-          </a:extLst>
-        </p:spPr>
-      </p:pic>
-      <p:pic>
-        <p:nvPicPr>
-          <p:cNvPr id="5" name="Picture 3"/>
-          <p:cNvPicPr>
-            <a:picLocks noChangeAspect="1" noChangeArrowheads="1"/>
-          </p:cNvPicPr>
-          <p:nvPr/>
-        </p:nvPicPr>
-        <p:blipFill>
-          <a:blip r:embed="rId3">
-            <a:extLst>
-              <a:ext uri="{28A0092B-C50C-407E-A947-70E740481C1C}">
-                <a14:useLocalDpi xmlns:a14="http://schemas.microsoft.com/office/drawing/2010/main" val="0"/>
-              </a:ext>
-            </a:extLst>
-          </a:blip>
-          <a:srcRect/>
-          <a:stretch>
-            <a:fillRect/>
-          </a:stretch>
-        </p:blipFill>
-        <p:spPr bwMode="auto">
-          <a:xfrm>
-            <a:off x="7265988" y="146050"/>
-            <a:ext cx="1662112" cy="709613"/>
-          </a:xfrm>
-          <a:prstGeom prst="rect">
-            <a:avLst/>
-          </a:prstGeom>
-          <a:noFill/>
-          <a:ln>
-            <a:noFill/>
-          </a:ln>
-          <a:effectLst/>
-          <a:extLst>
-            <a:ext uri="{909E8E84-426E-40DD-AFC4-6F175D3DCCD1}">
-              <a14:hiddenFill xmlns:a14="http://schemas.microsoft.com/office/drawing/2010/main">
-                <a:blipFill dpi="0" rotWithShape="0">
-                  <a:blip/>
-                  <a:srcRect/>
-                  <a:stretch>
-                    <a:fillRect/>
-                  </a:stretch>
-                </a:blipFill>
-              </a14:hiddenFill>
-            </a:ext>
-            <a:ext uri="{91240B29-F687-4F45-9708-019B960494DF}">
-              <a14:hiddenLine xmlns:a14="http://schemas.microsoft.com/office/drawing/2010/main" w="9525">
-                <a:solidFill>
-                  <a:srgbClr val="3465A4"/>
-                </a:solidFill>
-                <a:round/>
-                <a:headEnd/>
-                <a:tailEnd/>
-              </a14:hiddenLine>
-            </a:ext>
-            <a:ext uri="{AF507438-7753-43E0-B8FC-AC1667EBCBE1}">
-              <a14:hiddenEffects xmlns:a14="http://schemas.microsoft.com/office/drawing/2010/main">
-                <a:effectLst>
-                  <a:outerShdw dist="35921" dir="2700000" algn="ctr" rotWithShape="0">
-                    <a:srgbClr val="808080"/>
-                  </a:outerShdw>
-                </a:effectLst>
-              </a14:hiddenEffects>
-            </a:ext>
-          </a:extLst>
-        </p:spPr>
-      </p:pic>
-      <p:sp>
-        <p:nvSpPr>
-          <p:cNvPr id="6" name="Text Box 4"/>
-          <p:cNvSpPr txBox="1">
-            <a:spLocks noChangeArrowheads="1"/>
-          </p:cNvSpPr>
-          <p:nvPr/>
-        </p:nvSpPr>
-        <p:spPr bwMode="auto">
-          <a:xfrm>
-            <a:off x="1903413" y="1588"/>
-            <a:ext cx="5297487" cy="956288"/>
-          </a:xfrm>
-          <a:prstGeom prst="rect">
-            <a:avLst/>
-          </a:prstGeom>
-          <a:noFill/>
-          <a:ln>
-            <a:noFill/>
-          </a:ln>
-          <a:effectLst/>
-          <a:extLst>
-            <a:ext uri="{909E8E84-426E-40DD-AFC4-6F175D3DCCD1}">
-              <a14:hiddenFill xmlns:a14="http://schemas.microsoft.com/office/drawing/2010/main">
-                <a:solidFill>
-                  <a:srgbClr val="FFFFFF"/>
-                </a:solidFill>
-              </a14:hiddenFill>
-            </a:ext>
-            <a:ext uri="{91240B29-F687-4F45-9708-019B960494DF}">
-              <a14:hiddenLine xmlns:a14="http://schemas.microsoft.com/office/drawing/2010/main" w="9525">
-                <a:solidFill>
-                  <a:srgbClr val="3465A4"/>
-                </a:solidFill>
-                <a:round/>
-                <a:headEnd/>
-                <a:tailEnd/>
-              </a14:hiddenLine>
-            </a:ext>
-            <a:ext uri="{AF507438-7753-43E0-B8FC-AC1667EBCBE1}">
-              <a14:hiddenEffects xmlns:a14="http://schemas.microsoft.com/office/drawing/2010/main">
-                <a:effectLst>
-                  <a:outerShdw dist="35921" dir="2700000" algn="ctr" rotWithShape="0">
-                    <a:srgbClr val="808080"/>
-                  </a:outerShdw>
-                </a:effectLst>
-              </a14:hiddenEffects>
-            </a:ext>
-          </a:extLst>
-        </p:spPr>
-        <p:txBody>
-          <a:bodyPr lIns="90000" tIns="46800" rIns="90000" bIns="46800">
-            <a:spAutoFit/>
-          </a:bodyPr>
-          <a:lstStyle>
-            <a:lvl1pPr>
-              <a:lnSpc>
-                <a:spcPct val="90000"/>
-              </a:lnSpc>
-              <a:spcBef>
-                <a:spcPts val="1000"/>
-              </a:spcBef>
-              <a:buClr>
-                <a:srgbClr val="000000"/>
-              </a:buClr>
-              <a:buSzPct val="100000"/>
-              <a:buFont typeface="Times New Roman" panose="02020603050405020304" pitchFamily="18" charset="0"/>
-              <a:tabLst>
-                <a:tab pos="0" algn="l"/>
-                <a:tab pos="914400" algn="l"/>
-                <a:tab pos="1828800" algn="l"/>
-                <a:tab pos="2743200" algn="l"/>
-                <a:tab pos="3657600" algn="l"/>
-                <a:tab pos="4572000" algn="l"/>
-                <a:tab pos="5486400" algn="l"/>
-                <a:tab pos="6400800" algn="l"/>
-                <a:tab pos="7315200" algn="l"/>
-                <a:tab pos="8229600" algn="l"/>
-                <a:tab pos="9144000" algn="l"/>
-                <a:tab pos="10058400" algn="l"/>
-              </a:tabLst>
-              <a:defRPr sz="2800">
-                <a:solidFill>
-                  <a:srgbClr val="000000"/>
-                </a:solidFill>
-                <a:latin typeface="Calibri" panose="020F0502020204030204" pitchFamily="34" charset="0"/>
-                <a:cs typeface="Droid Sans Fallback" charset="0"/>
-              </a:defRPr>
-            </a:lvl1pPr>
-            <a:lvl2pPr>
-              <a:lnSpc>
-                <a:spcPct val="90000"/>
-              </a:lnSpc>
-              <a:spcBef>
-                <a:spcPts val="500"/>
-              </a:spcBef>
-              <a:buClr>
-                <a:srgbClr val="000000"/>
-              </a:buClr>
-              <a:buSzPct val="100000"/>
-              <a:buFont typeface="Times New Roman" panose="02020603050405020304" pitchFamily="18" charset="0"/>
-              <a:tabLst>
-                <a:tab pos="0" algn="l"/>
-                <a:tab pos="914400" algn="l"/>
-                <a:tab pos="1828800" algn="l"/>
-                <a:tab pos="2743200" algn="l"/>
-                <a:tab pos="3657600" algn="l"/>
-                <a:tab pos="4572000" algn="l"/>
-                <a:tab pos="5486400" algn="l"/>
-                <a:tab pos="6400800" algn="l"/>
-                <a:tab pos="7315200" algn="l"/>
-                <a:tab pos="8229600" algn="l"/>
-                <a:tab pos="9144000" algn="l"/>
-                <a:tab pos="10058400" algn="l"/>
-              </a:tabLst>
-              <a:defRPr sz="2400">
-                <a:solidFill>
-                  <a:srgbClr val="000000"/>
-                </a:solidFill>
-                <a:latin typeface="Calibri" panose="020F0502020204030204" pitchFamily="34" charset="0"/>
-                <a:cs typeface="Droid Sans Fallback" charset="0"/>
-              </a:defRPr>
-            </a:lvl2pPr>
-            <a:lvl3pPr>
-              <a:lnSpc>
-                <a:spcPct val="90000"/>
-              </a:lnSpc>
-              <a:spcBef>
-                <a:spcPts val="500"/>
-              </a:spcBef>
-              <a:buClr>
-                <a:srgbClr val="000000"/>
-              </a:buClr>
-              <a:buSzPct val="100000"/>
-              <a:buFont typeface="Times New Roman" panose="02020603050405020304" pitchFamily="18" charset="0"/>
-              <a:tabLst>
-                <a:tab pos="0" algn="l"/>
-                <a:tab pos="914400" algn="l"/>
-                <a:tab pos="1828800" algn="l"/>
-                <a:tab pos="2743200" algn="l"/>
-                <a:tab pos="3657600" algn="l"/>
-                <a:tab pos="4572000" algn="l"/>
-                <a:tab pos="5486400" algn="l"/>
-                <a:tab pos="6400800" algn="l"/>
-                <a:tab pos="7315200" algn="l"/>
-                <a:tab pos="8229600" algn="l"/>
-                <a:tab pos="9144000" algn="l"/>
-                <a:tab pos="10058400" algn="l"/>
-              </a:tabLst>
-              <a:defRPr sz="2000">
-                <a:solidFill>
-                  <a:srgbClr val="000000"/>
-                </a:solidFill>
-                <a:latin typeface="Calibri" panose="020F0502020204030204" pitchFamily="34" charset="0"/>
-                <a:cs typeface="Droid Sans Fallback" charset="0"/>
-              </a:defRPr>
-            </a:lvl3pPr>
-            <a:lvl4pPr>
-              <a:lnSpc>
-                <a:spcPct val="90000"/>
-              </a:lnSpc>
-              <a:spcBef>
-                <a:spcPts val="500"/>
-              </a:spcBef>
-              <a:buClr>
-                <a:srgbClr val="000000"/>
-              </a:buClr>
-              <a:buSzPct val="100000"/>
-              <a:buFont typeface="Times New Roman" panose="02020603050405020304" pitchFamily="18" charset="0"/>
-              <a:tabLst>
-                <a:tab pos="0" algn="l"/>
-                <a:tab pos="914400" algn="l"/>
-                <a:tab pos="1828800" algn="l"/>
-                <a:tab pos="2743200" algn="l"/>
-                <a:tab pos="3657600" algn="l"/>
-                <a:tab pos="4572000" algn="l"/>
-                <a:tab pos="5486400" algn="l"/>
-                <a:tab pos="6400800" algn="l"/>
-                <a:tab pos="7315200" algn="l"/>
-                <a:tab pos="8229600" algn="l"/>
-                <a:tab pos="9144000" algn="l"/>
-                <a:tab pos="10058400" algn="l"/>
-              </a:tabLst>
-              <a:defRPr>
-                <a:solidFill>
-                  <a:srgbClr val="000000"/>
-                </a:solidFill>
-                <a:latin typeface="Calibri" panose="020F0502020204030204" pitchFamily="34" charset="0"/>
-                <a:cs typeface="Droid Sans Fallback" charset="0"/>
-              </a:defRPr>
-            </a:lvl4pPr>
-            <a:lvl5pPr>
-              <a:lnSpc>
-                <a:spcPct val="90000"/>
-              </a:lnSpc>
-              <a:spcBef>
-                <a:spcPts val="500"/>
-              </a:spcBef>
-              <a:buClr>
-                <a:srgbClr val="000000"/>
-              </a:buClr>
-              <a:buSzPct val="100000"/>
-              <a:buFont typeface="Times New Roman" panose="02020603050405020304" pitchFamily="18" charset="0"/>
-              <a:tabLst>
-                <a:tab pos="0" algn="l"/>
-                <a:tab pos="914400" algn="l"/>
-                <a:tab pos="1828800" algn="l"/>
-                <a:tab pos="2743200" algn="l"/>
-                <a:tab pos="3657600" algn="l"/>
-                <a:tab pos="4572000" algn="l"/>
-                <a:tab pos="5486400" algn="l"/>
-                <a:tab pos="6400800" algn="l"/>
-                <a:tab pos="7315200" algn="l"/>
-                <a:tab pos="8229600" algn="l"/>
-                <a:tab pos="9144000" algn="l"/>
-                <a:tab pos="10058400" algn="l"/>
-              </a:tabLst>
-              <a:defRPr>
-                <a:solidFill>
-                  <a:srgbClr val="000000"/>
-                </a:solidFill>
-                <a:latin typeface="Calibri" panose="020F0502020204030204" pitchFamily="34" charset="0"/>
-                <a:cs typeface="Droid Sans Fallback" charset="0"/>
-              </a:defRPr>
-            </a:lvl5pPr>
-            <a:lvl6pPr marL="2514600" indent="-228600" defTabSz="449263" eaLnBrk="0" fontAlgn="base" hangingPunct="0">
-              <a:lnSpc>
-                <a:spcPct val="90000"/>
-              </a:lnSpc>
-              <a:spcBef>
-                <a:spcPts val="500"/>
-              </a:spcBef>
-              <a:spcAft>
-                <a:spcPct val="0"/>
-              </a:spcAft>
-              <a:buClr>
-                <a:srgbClr val="000000"/>
-              </a:buClr>
-              <a:buSzPct val="100000"/>
-              <a:buFont typeface="Times New Roman" panose="02020603050405020304" pitchFamily="18" charset="0"/>
-              <a:tabLst>
-                <a:tab pos="0" algn="l"/>
-                <a:tab pos="914400" algn="l"/>
-                <a:tab pos="1828800" algn="l"/>
-                <a:tab pos="2743200" algn="l"/>
-                <a:tab pos="3657600" algn="l"/>
-                <a:tab pos="4572000" algn="l"/>
-                <a:tab pos="5486400" algn="l"/>
-                <a:tab pos="6400800" algn="l"/>
-                <a:tab pos="7315200" algn="l"/>
-                <a:tab pos="8229600" algn="l"/>
-                <a:tab pos="9144000" algn="l"/>
-                <a:tab pos="10058400" algn="l"/>
-              </a:tabLst>
-              <a:defRPr>
-                <a:solidFill>
-                  <a:srgbClr val="000000"/>
-                </a:solidFill>
-                <a:latin typeface="Calibri" panose="020F0502020204030204" pitchFamily="34" charset="0"/>
-                <a:cs typeface="Droid Sans Fallback" charset="0"/>
-              </a:defRPr>
-            </a:lvl6pPr>
-            <a:lvl7pPr marL="2971800" indent="-228600" defTabSz="449263" eaLnBrk="0" fontAlgn="base" hangingPunct="0">
-              <a:lnSpc>
-                <a:spcPct val="90000"/>
-              </a:lnSpc>
-              <a:spcBef>
-                <a:spcPts val="500"/>
-              </a:spcBef>
-              <a:spcAft>
-                <a:spcPct val="0"/>
-              </a:spcAft>
-              <a:buClr>
-                <a:srgbClr val="000000"/>
-              </a:buClr>
-              <a:buSzPct val="100000"/>
-              <a:buFont typeface="Times New Roman" panose="02020603050405020304" pitchFamily="18" charset="0"/>
-              <a:tabLst>
-                <a:tab pos="0" algn="l"/>
-                <a:tab pos="914400" algn="l"/>
-                <a:tab pos="1828800" algn="l"/>
-                <a:tab pos="2743200" algn="l"/>
-                <a:tab pos="3657600" algn="l"/>
-                <a:tab pos="4572000" algn="l"/>
-                <a:tab pos="5486400" algn="l"/>
-                <a:tab pos="6400800" algn="l"/>
-                <a:tab pos="7315200" algn="l"/>
-                <a:tab pos="8229600" algn="l"/>
-                <a:tab pos="9144000" algn="l"/>
-                <a:tab pos="10058400" algn="l"/>
-              </a:tabLst>
-              <a:defRPr>
-                <a:solidFill>
-                  <a:srgbClr val="000000"/>
-                </a:solidFill>
-                <a:latin typeface="Calibri" panose="020F0502020204030204" pitchFamily="34" charset="0"/>
-                <a:cs typeface="Droid Sans Fallback" charset="0"/>
-              </a:defRPr>
-            </a:lvl7pPr>
-            <a:lvl8pPr marL="3429000" indent="-228600" defTabSz="449263" eaLnBrk="0" fontAlgn="base" hangingPunct="0">
-              <a:lnSpc>
-                <a:spcPct val="90000"/>
-              </a:lnSpc>
-              <a:spcBef>
-                <a:spcPts val="500"/>
-              </a:spcBef>
-              <a:spcAft>
-                <a:spcPct val="0"/>
-              </a:spcAft>
-              <a:buClr>
-                <a:srgbClr val="000000"/>
-              </a:buClr>
-              <a:buSzPct val="100000"/>
-              <a:buFont typeface="Times New Roman" panose="02020603050405020304" pitchFamily="18" charset="0"/>
-              <a:tabLst>
-                <a:tab pos="0" algn="l"/>
-                <a:tab pos="914400" algn="l"/>
-                <a:tab pos="1828800" algn="l"/>
-                <a:tab pos="2743200" algn="l"/>
-                <a:tab pos="3657600" algn="l"/>
-                <a:tab pos="4572000" algn="l"/>
-                <a:tab pos="5486400" algn="l"/>
-                <a:tab pos="6400800" algn="l"/>
-                <a:tab pos="7315200" algn="l"/>
-                <a:tab pos="8229600" algn="l"/>
-                <a:tab pos="9144000" algn="l"/>
-                <a:tab pos="10058400" algn="l"/>
-              </a:tabLst>
-              <a:defRPr>
-                <a:solidFill>
-                  <a:srgbClr val="000000"/>
-                </a:solidFill>
-                <a:latin typeface="Calibri" panose="020F0502020204030204" pitchFamily="34" charset="0"/>
-                <a:cs typeface="Droid Sans Fallback" charset="0"/>
-              </a:defRPr>
-            </a:lvl8pPr>
-            <a:lvl9pPr marL="3886200" indent="-228600" defTabSz="449263" eaLnBrk="0" fontAlgn="base" hangingPunct="0">
-              <a:lnSpc>
-                <a:spcPct val="90000"/>
-              </a:lnSpc>
-              <a:spcBef>
-                <a:spcPts val="500"/>
-              </a:spcBef>
-              <a:spcAft>
-                <a:spcPct val="0"/>
-              </a:spcAft>
-              <a:buClr>
-                <a:srgbClr val="000000"/>
-              </a:buClr>
-              <a:buSzPct val="100000"/>
-              <a:buFont typeface="Times New Roman" panose="02020603050405020304" pitchFamily="18" charset="0"/>
-              <a:tabLst>
-                <a:tab pos="0" algn="l"/>
-                <a:tab pos="914400" algn="l"/>
-                <a:tab pos="1828800" algn="l"/>
-                <a:tab pos="2743200" algn="l"/>
-                <a:tab pos="3657600" algn="l"/>
-                <a:tab pos="4572000" algn="l"/>
-                <a:tab pos="5486400" algn="l"/>
-                <a:tab pos="6400800" algn="l"/>
-                <a:tab pos="7315200" algn="l"/>
-                <a:tab pos="8229600" algn="l"/>
-                <a:tab pos="9144000" algn="l"/>
-                <a:tab pos="10058400" algn="l"/>
-              </a:tabLst>
-              <a:defRPr>
-                <a:solidFill>
-                  <a:srgbClr val="000000"/>
-                </a:solidFill>
-                <a:latin typeface="Calibri" panose="020F0502020204030204" pitchFamily="34" charset="0"/>
-                <a:cs typeface="Droid Sans Fallback" charset="0"/>
-              </a:defRPr>
-            </a:lvl9pPr>
-          </a:lstStyle>
-          <a:p>
-            <a:pPr algn="ctr">
-              <a:lnSpc>
-                <a:spcPct val="100000"/>
-              </a:lnSpc>
-              <a:spcBef>
-                <a:spcPct val="0"/>
-              </a:spcBef>
-              <a:buClrTx/>
-              <a:buFontTx/>
-              <a:buNone/>
-            </a:pPr>
-            <a:r>
-              <a:rPr lang="pt-BR" altLang="pt-BR" sz="1400" b="1" dirty="0">
-                <a:solidFill>
-                  <a:srgbClr val="7F7F7F"/>
-                </a:solidFill>
-                <a:latin typeface="Times New Roman" panose="02020603050405020304" pitchFamily="18" charset="0"/>
-                <a:cs typeface="Times New Roman" panose="02020603050405020304" pitchFamily="18" charset="0"/>
-              </a:rPr>
-              <a:t>Instituto Tecnológico de Aeronáutica</a:t>
-            </a:r>
-          </a:p>
-          <a:p>
-            <a:pPr algn="ctr">
-              <a:lnSpc>
-                <a:spcPct val="100000"/>
-              </a:lnSpc>
-              <a:spcBef>
-                <a:spcPct val="0"/>
-              </a:spcBef>
-              <a:buClrTx/>
-              <a:buFontTx/>
-              <a:buNone/>
-            </a:pPr>
-            <a:r>
-              <a:rPr lang="pt-BR" altLang="pt-BR" sz="1400" b="1" dirty="0">
-                <a:solidFill>
-                  <a:srgbClr val="7F7F7F"/>
-                </a:solidFill>
-                <a:latin typeface="Times New Roman" panose="02020603050405020304" pitchFamily="18" charset="0"/>
-                <a:cs typeface="Times New Roman" panose="02020603050405020304" pitchFamily="18" charset="0"/>
-              </a:rPr>
-              <a:t>Curso de Mestrado Profissionalizante em Engenharia Aeronáutica</a:t>
-            </a:r>
-          </a:p>
-          <a:p>
-            <a:pPr algn="ctr">
-              <a:lnSpc>
-                <a:spcPct val="100000"/>
-              </a:lnSpc>
-              <a:spcBef>
-                <a:spcPct val="0"/>
-              </a:spcBef>
-              <a:buClrTx/>
-              <a:buFontTx/>
-              <a:buNone/>
-            </a:pPr>
-            <a:r>
-              <a:rPr lang="pt-BR" altLang="pt-BR" sz="1400" b="1" dirty="0">
-                <a:solidFill>
-                  <a:srgbClr val="7F7F7F"/>
-                </a:solidFill>
-                <a:latin typeface="Times New Roman" panose="02020603050405020304" pitchFamily="18" charset="0"/>
-                <a:cs typeface="Times New Roman" panose="02020603050405020304" pitchFamily="18" charset="0"/>
-              </a:rPr>
-              <a:t>Programa de Pós-Graduação em Engenharia Aeronáutica e Mecânica</a:t>
             </a:r>
           </a:p>
         </p:txBody>
       </p:sp>
       <p:sp>
         <p:nvSpPr>
-          <p:cNvPr id="7" name="Line 7"/>
+          <p:cNvPr id="3" name="Espaço Reservado para Conteúdo 2"/>
           <p:cNvSpPr>
-            <a:spLocks noChangeShapeType="1"/>
+            <a:spLocks noGrp="1"/>
           </p:cNvSpPr>
-          <p:nvPr/>
+          <p:nvPr>
+            <p:ph idx="1"/>
+          </p:nvPr>
         </p:nvSpPr>
-        <p:spPr bwMode="auto">
-          <a:xfrm>
-            <a:off x="507206" y="901215"/>
-            <a:ext cx="8089900" cy="1587"/>
-          </a:xfrm>
-          <a:prstGeom prst="line">
-            <a:avLst/>
-          </a:prstGeom>
-          <a:noFill/>
-          <a:ln w="6480" cap="sq">
-            <a:solidFill>
-              <a:srgbClr val="A5A5A5"/>
-            </a:solidFill>
-            <a:miter lim="800000"/>
-            <a:headEnd/>
-            <a:tailEnd/>
-          </a:ln>
-          <a:effectLst/>
-          <a:extLst>
-            <a:ext uri="{909E8E84-426E-40DD-AFC4-6F175D3DCCD1}">
-              <a14:hiddenFill xmlns:a14="http://schemas.microsoft.com/office/drawing/2010/main">
-                <a:noFill/>
-              </a14:hiddenFill>
-            </a:ext>
-            <a:ext uri="{AF507438-7753-43E0-B8FC-AC1667EBCBE1}">
-              <a14:hiddenEffects xmlns:a14="http://schemas.microsoft.com/office/drawing/2010/main">
-                <a:effectLst>
-                  <a:outerShdw dist="35921" dir="2700000" algn="ctr" rotWithShape="0">
-                    <a:srgbClr val="808080"/>
-                  </a:outerShdw>
-                </a:effectLst>
-              </a14:hiddenEffects>
-            </a:ext>
-          </a:extLst>
-        </p:spPr>
+        <p:spPr/>
         <p:txBody>
           <a:bodyPr/>
           <a:lstStyle/>
           <a:p>
-            <a:endParaRPr lang="pt-BR"/>
+            <a:r>
+              <a:rPr lang="pt-BR" dirty="0"/>
+              <a:t>Regime Permanente</a:t>
+            </a:r>
           </a:p>
         </p:txBody>
       </p:sp>
       <p:sp>
         <p:nvSpPr>
-          <p:cNvPr id="8" name="Line 6"/>
-          <p:cNvSpPr>
-            <a:spLocks noChangeShapeType="1"/>
-          </p:cNvSpPr>
-          <p:nvPr/>
-        </p:nvSpPr>
-        <p:spPr bwMode="auto">
-          <a:xfrm>
-            <a:off x="508000" y="6488113"/>
-            <a:ext cx="8089900" cy="1587"/>
-          </a:xfrm>
-          <a:prstGeom prst="line">
-            <a:avLst/>
-          </a:prstGeom>
-          <a:noFill/>
-          <a:ln w="6480" cap="sq">
-            <a:solidFill>
-              <a:srgbClr val="A5A5A5"/>
-            </a:solidFill>
-            <a:miter lim="800000"/>
-            <a:headEnd/>
-            <a:tailEnd/>
-          </a:ln>
-          <a:effectLst/>
-          <a:extLst>
-            <a:ext uri="{909E8E84-426E-40DD-AFC4-6F175D3DCCD1}">
-              <a14:hiddenFill xmlns:a14="http://schemas.microsoft.com/office/drawing/2010/main">
-                <a:noFill/>
-              </a14:hiddenFill>
-            </a:ext>
-            <a:ext uri="{AF507438-7753-43E0-B8FC-AC1667EBCBE1}">
-              <a14:hiddenEffects xmlns:a14="http://schemas.microsoft.com/office/drawing/2010/main">
-                <a:effectLst>
-                  <a:outerShdw dist="35921" dir="2700000" algn="ctr" rotWithShape="0">
-                    <a:srgbClr val="808080"/>
-                  </a:outerShdw>
-                </a:effectLst>
-              </a14:hiddenEffects>
-            </a:ext>
-          </a:extLst>
-        </p:spPr>
-        <p:txBody>
-          <a:bodyPr/>
-          <a:lstStyle/>
-          <a:p>
-            <a:endParaRPr lang="pt-BR"/>
-          </a:p>
-        </p:txBody>
-      </p:sp>
-      <p:sp>
-        <p:nvSpPr>
-          <p:cNvPr id="12" name="Espaço Reservado para Número de Slide 10"/>
+          <p:cNvPr id="4" name="Espaço Reservado para Número de Slide 3"/>
           <p:cNvSpPr>
             <a:spLocks noGrp="1"/>
           </p:cNvSpPr>
@@ -20729,12 +16137,7 @@
             <p:ph type="sldNum" sz="quarter" idx="12"/>
           </p:nvPr>
         </p:nvSpPr>
-        <p:spPr>
-          <a:xfrm>
-            <a:off x="6870700" y="6487179"/>
-            <a:ext cx="2057400" cy="365125"/>
-          </a:xfrm>
-        </p:spPr>
+        <p:spPr/>
         <p:txBody>
           <a:bodyPr/>
           <a:lstStyle/>
@@ -20743,372 +16146,6 @@
               <a:rPr lang="pt-BR" smtClean="0"/>
               <a:t>24</a:t>
             </a:fld>
-            <a:endParaRPr lang="pt-BR" dirty="0"/>
-          </a:p>
-        </p:txBody>
-      </p:sp>
-      <p:sp>
-        <p:nvSpPr>
-          <p:cNvPr id="17" name="Espaço Reservado para Conteúdo 2"/>
-          <p:cNvSpPr>
-            <a:spLocks noGrp="1"/>
-          </p:cNvSpPr>
-          <p:nvPr>
-            <p:ph idx="1"/>
-          </p:nvPr>
-        </p:nvSpPr>
-        <p:spPr>
-          <a:xfrm>
-            <a:off x="507206" y="1685437"/>
-            <a:ext cx="8089900" cy="4735553"/>
-          </a:xfrm>
-        </p:spPr>
-        <p:txBody>
-          <a:bodyPr>
-            <a:normAutofit/>
-          </a:bodyPr>
-          <a:lstStyle/>
-          <a:p>
-            <a:r>
-              <a:rPr lang="pt-BR" sz="2000" dirty="0"/>
-              <a:t>Regime Permanente</a:t>
-            </a:r>
-          </a:p>
-          <a:p>
-            <a:endParaRPr lang="pt-BR" sz="1600" i="1" dirty="0">
-              <a:solidFill>
-                <a:prstClr val="black"/>
-              </a:solidFill>
-              <a:latin typeface="Cambria Math" panose="02040503050406030204" pitchFamily="18" charset="0"/>
-            </a:endParaRPr>
-          </a:p>
-          <a:p>
-            <a:endParaRPr lang="pt-BR" sz="1600" i="1" dirty="0">
-              <a:solidFill>
-                <a:prstClr val="black"/>
-              </a:solidFill>
-              <a:latin typeface="Cambria Math" panose="02040503050406030204" pitchFamily="18" charset="0"/>
-            </a:endParaRPr>
-          </a:p>
-          <a:p>
-            <a:endParaRPr lang="pt-BR" sz="1600" i="1" dirty="0">
-              <a:solidFill>
-                <a:prstClr val="black"/>
-              </a:solidFill>
-              <a:latin typeface="Cambria Math" panose="02040503050406030204" pitchFamily="18" charset="0"/>
-            </a:endParaRPr>
-          </a:p>
-          <a:p>
-            <a:endParaRPr lang="pt-BR" sz="1600" i="1" dirty="0">
-              <a:solidFill>
-                <a:prstClr val="black"/>
-              </a:solidFill>
-              <a:latin typeface="Cambria Math" panose="02040503050406030204" pitchFamily="18" charset="0"/>
-            </a:endParaRPr>
-          </a:p>
-          <a:p>
-            <a:endParaRPr lang="pt-BR" sz="800" dirty="0">
-              <a:solidFill>
-                <a:prstClr val="black"/>
-              </a:solidFill>
-            </a:endParaRPr>
-          </a:p>
-        </p:txBody>
-      </p:sp>
-      <p:grpSp>
-        <p:nvGrpSpPr>
-          <p:cNvPr id="20" name="Agrupar 19"/>
-          <p:cNvGrpSpPr>
-            <a:grpSpLocks noChangeAspect="1"/>
-          </p:cNvGrpSpPr>
-          <p:nvPr/>
-        </p:nvGrpSpPr>
-        <p:grpSpPr>
-          <a:xfrm>
-            <a:off x="144000" y="3049250"/>
-            <a:ext cx="9000000" cy="3377596"/>
-            <a:chOff x="144000" y="2519052"/>
-            <a:chExt cx="9000000" cy="3377596"/>
-          </a:xfrm>
-        </p:grpSpPr>
-        <p:grpSp>
-          <p:nvGrpSpPr>
-            <p:cNvPr id="13" name="Agrupar 12"/>
-            <p:cNvGrpSpPr>
-              <a:grpSpLocks noChangeAspect="1"/>
-            </p:cNvGrpSpPr>
-            <p:nvPr/>
-          </p:nvGrpSpPr>
-          <p:grpSpPr>
-            <a:xfrm>
-              <a:off x="144000" y="4208317"/>
-              <a:ext cx="9000000" cy="1688331"/>
-              <a:chOff x="-365778" y="3834606"/>
-              <a:chExt cx="10080000" cy="1890931"/>
-            </a:xfrm>
-          </p:grpSpPr>
-          <p:pic>
-            <p:nvPicPr>
-              <p:cNvPr id="3" name="Imagem 2"/>
-              <p:cNvPicPr>
-                <a:picLocks noChangeAspect="1"/>
-              </p:cNvPicPr>
-              <p:nvPr/>
-            </p:nvPicPr>
-            <p:blipFill>
-              <a:blip r:embed="rId4"/>
-              <a:stretch>
-                <a:fillRect/>
-              </a:stretch>
-            </p:blipFill>
-            <p:spPr>
-              <a:xfrm>
-                <a:off x="-365778" y="3834606"/>
-                <a:ext cx="2520000" cy="1890931"/>
-              </a:xfrm>
-              <a:prstGeom prst="rect">
-                <a:avLst/>
-              </a:prstGeom>
-            </p:spPr>
-          </p:pic>
-          <p:pic>
-            <p:nvPicPr>
-              <p:cNvPr id="9" name="Imagem 8"/>
-              <p:cNvPicPr>
-                <a:picLocks noChangeAspect="1"/>
-              </p:cNvPicPr>
-              <p:nvPr/>
-            </p:nvPicPr>
-            <p:blipFill>
-              <a:blip r:embed="rId5"/>
-              <a:stretch>
-                <a:fillRect/>
-              </a:stretch>
-            </p:blipFill>
-            <p:spPr>
-              <a:xfrm>
-                <a:off x="2154222" y="3834606"/>
-                <a:ext cx="2520000" cy="1890931"/>
-              </a:xfrm>
-              <a:prstGeom prst="rect">
-                <a:avLst/>
-              </a:prstGeom>
-            </p:spPr>
-          </p:pic>
-          <p:pic>
-            <p:nvPicPr>
-              <p:cNvPr id="10" name="Imagem 9"/>
-              <p:cNvPicPr>
-                <a:picLocks noChangeAspect="1"/>
-              </p:cNvPicPr>
-              <p:nvPr/>
-            </p:nvPicPr>
-            <p:blipFill>
-              <a:blip r:embed="rId6"/>
-              <a:stretch>
-                <a:fillRect/>
-              </a:stretch>
-            </p:blipFill>
-            <p:spPr>
-              <a:xfrm>
-                <a:off x="4674222" y="3834606"/>
-                <a:ext cx="2520000" cy="1890931"/>
-              </a:xfrm>
-              <a:prstGeom prst="rect">
-                <a:avLst/>
-              </a:prstGeom>
-            </p:spPr>
-          </p:pic>
-          <p:pic>
-            <p:nvPicPr>
-              <p:cNvPr id="11" name="Imagem 10"/>
-              <p:cNvPicPr>
-                <a:picLocks noChangeAspect="1"/>
-              </p:cNvPicPr>
-              <p:nvPr/>
-            </p:nvPicPr>
-            <p:blipFill>
-              <a:blip r:embed="rId7"/>
-              <a:stretch>
-                <a:fillRect/>
-              </a:stretch>
-            </p:blipFill>
-            <p:spPr>
-              <a:xfrm>
-                <a:off x="7194222" y="3834606"/>
-                <a:ext cx="2520000" cy="1890931"/>
-              </a:xfrm>
-              <a:prstGeom prst="rect">
-                <a:avLst/>
-              </a:prstGeom>
-            </p:spPr>
-          </p:pic>
-        </p:grpSp>
-        <p:pic>
-          <p:nvPicPr>
-            <p:cNvPr id="15" name="Imagem 14"/>
-            <p:cNvPicPr>
-              <a:picLocks noChangeAspect="1"/>
-            </p:cNvPicPr>
-            <p:nvPr/>
-          </p:nvPicPr>
-          <p:blipFill>
-            <a:blip r:embed="rId8"/>
-            <a:stretch>
-              <a:fillRect/>
-            </a:stretch>
-          </p:blipFill>
-          <p:spPr>
-            <a:xfrm>
-              <a:off x="144000" y="2519986"/>
-              <a:ext cx="2250000" cy="1688331"/>
-            </a:xfrm>
-            <a:prstGeom prst="rect">
-              <a:avLst/>
-            </a:prstGeom>
-          </p:spPr>
-        </p:pic>
-        <p:pic>
-          <p:nvPicPr>
-            <p:cNvPr id="16" name="Imagem 15"/>
-            <p:cNvPicPr>
-              <a:picLocks noChangeAspect="1"/>
-            </p:cNvPicPr>
-            <p:nvPr/>
-          </p:nvPicPr>
-          <p:blipFill>
-            <a:blip r:embed="rId9"/>
-            <a:stretch>
-              <a:fillRect/>
-            </a:stretch>
-          </p:blipFill>
-          <p:spPr>
-            <a:xfrm>
-              <a:off x="2394000" y="2519986"/>
-              <a:ext cx="2250000" cy="1688331"/>
-            </a:xfrm>
-            <a:prstGeom prst="rect">
-              <a:avLst/>
-            </a:prstGeom>
-          </p:spPr>
-        </p:pic>
-        <p:pic>
-          <p:nvPicPr>
-            <p:cNvPr id="18" name="Imagem 17"/>
-            <p:cNvPicPr>
-              <a:picLocks noChangeAspect="1"/>
-            </p:cNvPicPr>
-            <p:nvPr/>
-          </p:nvPicPr>
-          <p:blipFill>
-            <a:blip r:embed="rId10"/>
-            <a:stretch>
-              <a:fillRect/>
-            </a:stretch>
-          </p:blipFill>
-          <p:spPr>
-            <a:xfrm>
-              <a:off x="4644000" y="2519519"/>
-              <a:ext cx="2250000" cy="1688331"/>
-            </a:xfrm>
-            <a:prstGeom prst="rect">
-              <a:avLst/>
-            </a:prstGeom>
-          </p:spPr>
-        </p:pic>
-        <p:pic>
-          <p:nvPicPr>
-            <p:cNvPr id="19" name="Imagem 18"/>
-            <p:cNvPicPr>
-              <a:picLocks noChangeAspect="1"/>
-            </p:cNvPicPr>
-            <p:nvPr/>
-          </p:nvPicPr>
-          <p:blipFill>
-            <a:blip r:embed="rId11"/>
-            <a:stretch>
-              <a:fillRect/>
-            </a:stretch>
-          </p:blipFill>
-          <p:spPr>
-            <a:xfrm>
-              <a:off x="6870700" y="2519052"/>
-              <a:ext cx="2250000" cy="1688331"/>
-            </a:xfrm>
-            <a:prstGeom prst="rect">
-              <a:avLst/>
-            </a:prstGeom>
-          </p:spPr>
-        </p:pic>
-      </p:grpSp>
-      <p:pic>
-        <p:nvPicPr>
-          <p:cNvPr id="21" name="Imagem 20"/>
-          <p:cNvPicPr>
-            <a:picLocks noChangeAspect="1"/>
-          </p:cNvPicPr>
-          <p:nvPr/>
-        </p:nvPicPr>
-        <p:blipFill>
-          <a:blip r:embed="rId12"/>
-          <a:stretch>
-            <a:fillRect/>
-          </a:stretch>
-        </p:blipFill>
-        <p:spPr>
-          <a:xfrm>
-            <a:off x="3106825" y="1690693"/>
-            <a:ext cx="2890662" cy="1355665"/>
-          </a:xfrm>
-          <a:prstGeom prst="rect">
-            <a:avLst/>
-          </a:prstGeom>
-        </p:spPr>
-      </p:pic>
-      <p:sp>
-        <p:nvSpPr>
-          <p:cNvPr id="22" name="Retângulo 21"/>
-          <p:cNvSpPr/>
-          <p:nvPr/>
-        </p:nvSpPr>
-        <p:spPr>
-          <a:xfrm>
-            <a:off x="5412657" y="1892492"/>
-            <a:ext cx="486697" cy="952065"/>
-          </a:xfrm>
-          <a:prstGeom prst="rect">
-            <a:avLst/>
-          </a:prstGeom>
-          <a:solidFill>
-            <a:srgbClr val="4472C4">
-              <a:alpha val="40000"/>
-            </a:srgbClr>
-          </a:solidFill>
-          <a:ln>
-            <a:noFill/>
-          </a:ln>
-        </p:spPr>
-        <p:style>
-          <a:lnRef idx="2">
-            <a:schemeClr val="accent1">
-              <a:shade val="50000"/>
-            </a:schemeClr>
-          </a:lnRef>
-          <a:fillRef idx="1">
-            <a:schemeClr val="accent1"/>
-          </a:fillRef>
-          <a:effectRef idx="0">
-            <a:schemeClr val="accent1"/>
-          </a:effectRef>
-          <a:fontRef idx="minor">
-            <a:schemeClr val="lt1"/>
-          </a:fontRef>
-        </p:style>
-        <p:txBody>
-          <a:bodyPr rtlCol="0" anchor="ctr"/>
-          <a:lstStyle/>
-          <a:p>
-            <a:pPr algn="ctr"/>
             <a:endParaRPr lang="pt-BR"/>
           </a:p>
         </p:txBody>
@@ -21116,7 +16153,7 @@
     </p:spTree>
     <p:extLst>
       <p:ext uri="{BB962C8B-B14F-4D97-AF65-F5344CB8AC3E}">
-        <p14:creationId xmlns:p14="http://schemas.microsoft.com/office/powerpoint/2010/main" val="913379417"/>
+        <p14:creationId xmlns:p14="http://schemas.microsoft.com/office/powerpoint/2010/main" val="1027324587"/>
       </p:ext>
     </p:extLst>
   </p:cSld>
@@ -21153,711 +16190,55 @@
             <p:ph type="title"/>
           </p:nvPr>
         </p:nvSpPr>
-        <p:spPr>
-          <a:xfrm>
-            <a:off x="628650" y="1083288"/>
-            <a:ext cx="7886700" cy="476737"/>
-          </a:xfrm>
-        </p:spPr>
+        <p:spPr/>
         <p:txBody>
-          <a:bodyPr>
-            <a:noAutofit/>
-          </a:bodyPr>
+          <a:bodyPr/>
           <a:lstStyle/>
           <a:p>
             <a:r>
-              <a:rPr lang="pt-BR" sz="2400" b="1" dirty="0"/>
+              <a:rPr lang="pt-BR" dirty="0"/>
               <a:t>Conclusão</a:t>
-            </a:r>
-          </a:p>
-        </p:txBody>
-      </p:sp>
-      <p:pic>
-        <p:nvPicPr>
-          <p:cNvPr id="4" name="Picture 2"/>
-          <p:cNvPicPr>
-            <a:picLocks noChangeAspect="1" noChangeArrowheads="1"/>
-          </p:cNvPicPr>
-          <p:nvPr/>
-        </p:nvPicPr>
-        <p:blipFill>
-          <a:blip r:embed="rId2">
-            <a:extLst>
-              <a:ext uri="{28A0092B-C50C-407E-A947-70E740481C1C}">
-                <a14:useLocalDpi xmlns:a14="http://schemas.microsoft.com/office/drawing/2010/main" val="0"/>
-              </a:ext>
-            </a:extLst>
-          </a:blip>
-          <a:srcRect/>
-          <a:stretch>
-            <a:fillRect/>
-          </a:stretch>
-        </p:blipFill>
-        <p:spPr bwMode="auto">
-          <a:xfrm>
-            <a:off x="74613" y="127000"/>
-            <a:ext cx="1847850" cy="709613"/>
-          </a:xfrm>
-          <a:prstGeom prst="rect">
-            <a:avLst/>
-          </a:prstGeom>
-          <a:noFill/>
-          <a:ln>
-            <a:noFill/>
-          </a:ln>
-          <a:effectLst/>
-          <a:extLst>
-            <a:ext uri="{909E8E84-426E-40DD-AFC4-6F175D3DCCD1}">
-              <a14:hiddenFill xmlns:a14="http://schemas.microsoft.com/office/drawing/2010/main">
-                <a:blipFill dpi="0" rotWithShape="0">
-                  <a:blip/>
-                  <a:srcRect/>
-                  <a:stretch>
-                    <a:fillRect/>
-                  </a:stretch>
-                </a:blipFill>
-              </a14:hiddenFill>
-            </a:ext>
-            <a:ext uri="{91240B29-F687-4F45-9708-019B960494DF}">
-              <a14:hiddenLine xmlns:a14="http://schemas.microsoft.com/office/drawing/2010/main" w="9525">
-                <a:solidFill>
-                  <a:srgbClr val="3465A4"/>
-                </a:solidFill>
-                <a:round/>
-                <a:headEnd/>
-                <a:tailEnd/>
-              </a14:hiddenLine>
-            </a:ext>
-            <a:ext uri="{AF507438-7753-43E0-B8FC-AC1667EBCBE1}">
-              <a14:hiddenEffects xmlns:a14="http://schemas.microsoft.com/office/drawing/2010/main">
-                <a:effectLst>
-                  <a:outerShdw dist="35921" dir="2700000" algn="ctr" rotWithShape="0">
-                    <a:srgbClr val="808080"/>
-                  </a:outerShdw>
-                </a:effectLst>
-              </a14:hiddenEffects>
-            </a:ext>
-          </a:extLst>
-        </p:spPr>
-      </p:pic>
-      <p:pic>
-        <p:nvPicPr>
-          <p:cNvPr id="5" name="Picture 3"/>
-          <p:cNvPicPr>
-            <a:picLocks noChangeAspect="1" noChangeArrowheads="1"/>
-          </p:cNvPicPr>
-          <p:nvPr/>
-        </p:nvPicPr>
-        <p:blipFill>
-          <a:blip r:embed="rId3">
-            <a:extLst>
-              <a:ext uri="{28A0092B-C50C-407E-A947-70E740481C1C}">
-                <a14:useLocalDpi xmlns:a14="http://schemas.microsoft.com/office/drawing/2010/main" val="0"/>
-              </a:ext>
-            </a:extLst>
-          </a:blip>
-          <a:srcRect/>
-          <a:stretch>
-            <a:fillRect/>
-          </a:stretch>
-        </p:blipFill>
-        <p:spPr bwMode="auto">
-          <a:xfrm>
-            <a:off x="7265988" y="146050"/>
-            <a:ext cx="1662112" cy="709613"/>
-          </a:xfrm>
-          <a:prstGeom prst="rect">
-            <a:avLst/>
-          </a:prstGeom>
-          <a:noFill/>
-          <a:ln>
-            <a:noFill/>
-          </a:ln>
-          <a:effectLst/>
-          <a:extLst>
-            <a:ext uri="{909E8E84-426E-40DD-AFC4-6F175D3DCCD1}">
-              <a14:hiddenFill xmlns:a14="http://schemas.microsoft.com/office/drawing/2010/main">
-                <a:blipFill dpi="0" rotWithShape="0">
-                  <a:blip/>
-                  <a:srcRect/>
-                  <a:stretch>
-                    <a:fillRect/>
-                  </a:stretch>
-                </a:blipFill>
-              </a14:hiddenFill>
-            </a:ext>
-            <a:ext uri="{91240B29-F687-4F45-9708-019B960494DF}">
-              <a14:hiddenLine xmlns:a14="http://schemas.microsoft.com/office/drawing/2010/main" w="9525">
-                <a:solidFill>
-                  <a:srgbClr val="3465A4"/>
-                </a:solidFill>
-                <a:round/>
-                <a:headEnd/>
-                <a:tailEnd/>
-              </a14:hiddenLine>
-            </a:ext>
-            <a:ext uri="{AF507438-7753-43E0-B8FC-AC1667EBCBE1}">
-              <a14:hiddenEffects xmlns:a14="http://schemas.microsoft.com/office/drawing/2010/main">
-                <a:effectLst>
-                  <a:outerShdw dist="35921" dir="2700000" algn="ctr" rotWithShape="0">
-                    <a:srgbClr val="808080"/>
-                  </a:outerShdw>
-                </a:effectLst>
-              </a14:hiddenEffects>
-            </a:ext>
-          </a:extLst>
-        </p:spPr>
-      </p:pic>
-      <p:sp>
-        <p:nvSpPr>
-          <p:cNvPr id="6" name="Text Box 4"/>
-          <p:cNvSpPr txBox="1">
-            <a:spLocks noChangeArrowheads="1"/>
-          </p:cNvSpPr>
-          <p:nvPr/>
-        </p:nvSpPr>
-        <p:spPr bwMode="auto">
-          <a:xfrm>
-            <a:off x="1903413" y="1588"/>
-            <a:ext cx="5297487" cy="956288"/>
-          </a:xfrm>
-          <a:prstGeom prst="rect">
-            <a:avLst/>
-          </a:prstGeom>
-          <a:noFill/>
-          <a:ln>
-            <a:noFill/>
-          </a:ln>
-          <a:effectLst/>
-          <a:extLst>
-            <a:ext uri="{909E8E84-426E-40DD-AFC4-6F175D3DCCD1}">
-              <a14:hiddenFill xmlns:a14="http://schemas.microsoft.com/office/drawing/2010/main">
-                <a:solidFill>
-                  <a:srgbClr val="FFFFFF"/>
-                </a:solidFill>
-              </a14:hiddenFill>
-            </a:ext>
-            <a:ext uri="{91240B29-F687-4F45-9708-019B960494DF}">
-              <a14:hiddenLine xmlns:a14="http://schemas.microsoft.com/office/drawing/2010/main" w="9525">
-                <a:solidFill>
-                  <a:srgbClr val="3465A4"/>
-                </a:solidFill>
-                <a:round/>
-                <a:headEnd/>
-                <a:tailEnd/>
-              </a14:hiddenLine>
-            </a:ext>
-            <a:ext uri="{AF507438-7753-43E0-B8FC-AC1667EBCBE1}">
-              <a14:hiddenEffects xmlns:a14="http://schemas.microsoft.com/office/drawing/2010/main">
-                <a:effectLst>
-                  <a:outerShdw dist="35921" dir="2700000" algn="ctr" rotWithShape="0">
-                    <a:srgbClr val="808080"/>
-                  </a:outerShdw>
-                </a:effectLst>
-              </a14:hiddenEffects>
-            </a:ext>
-          </a:extLst>
-        </p:spPr>
-        <p:txBody>
-          <a:bodyPr lIns="90000" tIns="46800" rIns="90000" bIns="46800">
-            <a:spAutoFit/>
-          </a:bodyPr>
-          <a:lstStyle>
-            <a:lvl1pPr>
-              <a:lnSpc>
-                <a:spcPct val="90000"/>
-              </a:lnSpc>
-              <a:spcBef>
-                <a:spcPts val="1000"/>
-              </a:spcBef>
-              <a:buClr>
-                <a:srgbClr val="000000"/>
-              </a:buClr>
-              <a:buSzPct val="100000"/>
-              <a:buFont typeface="Times New Roman" panose="02020603050405020304" pitchFamily="18" charset="0"/>
-              <a:tabLst>
-                <a:tab pos="0" algn="l"/>
-                <a:tab pos="914400" algn="l"/>
-                <a:tab pos="1828800" algn="l"/>
-                <a:tab pos="2743200" algn="l"/>
-                <a:tab pos="3657600" algn="l"/>
-                <a:tab pos="4572000" algn="l"/>
-                <a:tab pos="5486400" algn="l"/>
-                <a:tab pos="6400800" algn="l"/>
-                <a:tab pos="7315200" algn="l"/>
-                <a:tab pos="8229600" algn="l"/>
-                <a:tab pos="9144000" algn="l"/>
-                <a:tab pos="10058400" algn="l"/>
-              </a:tabLst>
-              <a:defRPr sz="2800">
-                <a:solidFill>
-                  <a:srgbClr val="000000"/>
-                </a:solidFill>
-                <a:latin typeface="Calibri" panose="020F0502020204030204" pitchFamily="34" charset="0"/>
-                <a:cs typeface="Droid Sans Fallback" charset="0"/>
-              </a:defRPr>
-            </a:lvl1pPr>
-            <a:lvl2pPr>
-              <a:lnSpc>
-                <a:spcPct val="90000"/>
-              </a:lnSpc>
-              <a:spcBef>
-                <a:spcPts val="500"/>
-              </a:spcBef>
-              <a:buClr>
-                <a:srgbClr val="000000"/>
-              </a:buClr>
-              <a:buSzPct val="100000"/>
-              <a:buFont typeface="Times New Roman" panose="02020603050405020304" pitchFamily="18" charset="0"/>
-              <a:tabLst>
-                <a:tab pos="0" algn="l"/>
-                <a:tab pos="914400" algn="l"/>
-                <a:tab pos="1828800" algn="l"/>
-                <a:tab pos="2743200" algn="l"/>
-                <a:tab pos="3657600" algn="l"/>
-                <a:tab pos="4572000" algn="l"/>
-                <a:tab pos="5486400" algn="l"/>
-                <a:tab pos="6400800" algn="l"/>
-                <a:tab pos="7315200" algn="l"/>
-                <a:tab pos="8229600" algn="l"/>
-                <a:tab pos="9144000" algn="l"/>
-                <a:tab pos="10058400" algn="l"/>
-              </a:tabLst>
-              <a:defRPr sz="2400">
-                <a:solidFill>
-                  <a:srgbClr val="000000"/>
-                </a:solidFill>
-                <a:latin typeface="Calibri" panose="020F0502020204030204" pitchFamily="34" charset="0"/>
-                <a:cs typeface="Droid Sans Fallback" charset="0"/>
-              </a:defRPr>
-            </a:lvl2pPr>
-            <a:lvl3pPr>
-              <a:lnSpc>
-                <a:spcPct val="90000"/>
-              </a:lnSpc>
-              <a:spcBef>
-                <a:spcPts val="500"/>
-              </a:spcBef>
-              <a:buClr>
-                <a:srgbClr val="000000"/>
-              </a:buClr>
-              <a:buSzPct val="100000"/>
-              <a:buFont typeface="Times New Roman" panose="02020603050405020304" pitchFamily="18" charset="0"/>
-              <a:tabLst>
-                <a:tab pos="0" algn="l"/>
-                <a:tab pos="914400" algn="l"/>
-                <a:tab pos="1828800" algn="l"/>
-                <a:tab pos="2743200" algn="l"/>
-                <a:tab pos="3657600" algn="l"/>
-                <a:tab pos="4572000" algn="l"/>
-                <a:tab pos="5486400" algn="l"/>
-                <a:tab pos="6400800" algn="l"/>
-                <a:tab pos="7315200" algn="l"/>
-                <a:tab pos="8229600" algn="l"/>
-                <a:tab pos="9144000" algn="l"/>
-                <a:tab pos="10058400" algn="l"/>
-              </a:tabLst>
-              <a:defRPr sz="2000">
-                <a:solidFill>
-                  <a:srgbClr val="000000"/>
-                </a:solidFill>
-                <a:latin typeface="Calibri" panose="020F0502020204030204" pitchFamily="34" charset="0"/>
-                <a:cs typeface="Droid Sans Fallback" charset="0"/>
-              </a:defRPr>
-            </a:lvl3pPr>
-            <a:lvl4pPr>
-              <a:lnSpc>
-                <a:spcPct val="90000"/>
-              </a:lnSpc>
-              <a:spcBef>
-                <a:spcPts val="500"/>
-              </a:spcBef>
-              <a:buClr>
-                <a:srgbClr val="000000"/>
-              </a:buClr>
-              <a:buSzPct val="100000"/>
-              <a:buFont typeface="Times New Roman" panose="02020603050405020304" pitchFamily="18" charset="0"/>
-              <a:tabLst>
-                <a:tab pos="0" algn="l"/>
-                <a:tab pos="914400" algn="l"/>
-                <a:tab pos="1828800" algn="l"/>
-                <a:tab pos="2743200" algn="l"/>
-                <a:tab pos="3657600" algn="l"/>
-                <a:tab pos="4572000" algn="l"/>
-                <a:tab pos="5486400" algn="l"/>
-                <a:tab pos="6400800" algn="l"/>
-                <a:tab pos="7315200" algn="l"/>
-                <a:tab pos="8229600" algn="l"/>
-                <a:tab pos="9144000" algn="l"/>
-                <a:tab pos="10058400" algn="l"/>
-              </a:tabLst>
-              <a:defRPr>
-                <a:solidFill>
-                  <a:srgbClr val="000000"/>
-                </a:solidFill>
-                <a:latin typeface="Calibri" panose="020F0502020204030204" pitchFamily="34" charset="0"/>
-                <a:cs typeface="Droid Sans Fallback" charset="0"/>
-              </a:defRPr>
-            </a:lvl4pPr>
-            <a:lvl5pPr>
-              <a:lnSpc>
-                <a:spcPct val="90000"/>
-              </a:lnSpc>
-              <a:spcBef>
-                <a:spcPts val="500"/>
-              </a:spcBef>
-              <a:buClr>
-                <a:srgbClr val="000000"/>
-              </a:buClr>
-              <a:buSzPct val="100000"/>
-              <a:buFont typeface="Times New Roman" panose="02020603050405020304" pitchFamily="18" charset="0"/>
-              <a:tabLst>
-                <a:tab pos="0" algn="l"/>
-                <a:tab pos="914400" algn="l"/>
-                <a:tab pos="1828800" algn="l"/>
-                <a:tab pos="2743200" algn="l"/>
-                <a:tab pos="3657600" algn="l"/>
-                <a:tab pos="4572000" algn="l"/>
-                <a:tab pos="5486400" algn="l"/>
-                <a:tab pos="6400800" algn="l"/>
-                <a:tab pos="7315200" algn="l"/>
-                <a:tab pos="8229600" algn="l"/>
-                <a:tab pos="9144000" algn="l"/>
-                <a:tab pos="10058400" algn="l"/>
-              </a:tabLst>
-              <a:defRPr>
-                <a:solidFill>
-                  <a:srgbClr val="000000"/>
-                </a:solidFill>
-                <a:latin typeface="Calibri" panose="020F0502020204030204" pitchFamily="34" charset="0"/>
-                <a:cs typeface="Droid Sans Fallback" charset="0"/>
-              </a:defRPr>
-            </a:lvl5pPr>
-            <a:lvl6pPr marL="2514600" indent="-228600" defTabSz="449263" eaLnBrk="0" fontAlgn="base" hangingPunct="0">
-              <a:lnSpc>
-                <a:spcPct val="90000"/>
-              </a:lnSpc>
-              <a:spcBef>
-                <a:spcPts val="500"/>
-              </a:spcBef>
-              <a:spcAft>
-                <a:spcPct val="0"/>
-              </a:spcAft>
-              <a:buClr>
-                <a:srgbClr val="000000"/>
-              </a:buClr>
-              <a:buSzPct val="100000"/>
-              <a:buFont typeface="Times New Roman" panose="02020603050405020304" pitchFamily="18" charset="0"/>
-              <a:tabLst>
-                <a:tab pos="0" algn="l"/>
-                <a:tab pos="914400" algn="l"/>
-                <a:tab pos="1828800" algn="l"/>
-                <a:tab pos="2743200" algn="l"/>
-                <a:tab pos="3657600" algn="l"/>
-                <a:tab pos="4572000" algn="l"/>
-                <a:tab pos="5486400" algn="l"/>
-                <a:tab pos="6400800" algn="l"/>
-                <a:tab pos="7315200" algn="l"/>
-                <a:tab pos="8229600" algn="l"/>
-                <a:tab pos="9144000" algn="l"/>
-                <a:tab pos="10058400" algn="l"/>
-              </a:tabLst>
-              <a:defRPr>
-                <a:solidFill>
-                  <a:srgbClr val="000000"/>
-                </a:solidFill>
-                <a:latin typeface="Calibri" panose="020F0502020204030204" pitchFamily="34" charset="0"/>
-                <a:cs typeface="Droid Sans Fallback" charset="0"/>
-              </a:defRPr>
-            </a:lvl6pPr>
-            <a:lvl7pPr marL="2971800" indent="-228600" defTabSz="449263" eaLnBrk="0" fontAlgn="base" hangingPunct="0">
-              <a:lnSpc>
-                <a:spcPct val="90000"/>
-              </a:lnSpc>
-              <a:spcBef>
-                <a:spcPts val="500"/>
-              </a:spcBef>
-              <a:spcAft>
-                <a:spcPct val="0"/>
-              </a:spcAft>
-              <a:buClr>
-                <a:srgbClr val="000000"/>
-              </a:buClr>
-              <a:buSzPct val="100000"/>
-              <a:buFont typeface="Times New Roman" panose="02020603050405020304" pitchFamily="18" charset="0"/>
-              <a:tabLst>
-                <a:tab pos="0" algn="l"/>
-                <a:tab pos="914400" algn="l"/>
-                <a:tab pos="1828800" algn="l"/>
-                <a:tab pos="2743200" algn="l"/>
-                <a:tab pos="3657600" algn="l"/>
-                <a:tab pos="4572000" algn="l"/>
-                <a:tab pos="5486400" algn="l"/>
-                <a:tab pos="6400800" algn="l"/>
-                <a:tab pos="7315200" algn="l"/>
-                <a:tab pos="8229600" algn="l"/>
-                <a:tab pos="9144000" algn="l"/>
-                <a:tab pos="10058400" algn="l"/>
-              </a:tabLst>
-              <a:defRPr>
-                <a:solidFill>
-                  <a:srgbClr val="000000"/>
-                </a:solidFill>
-                <a:latin typeface="Calibri" panose="020F0502020204030204" pitchFamily="34" charset="0"/>
-                <a:cs typeface="Droid Sans Fallback" charset="0"/>
-              </a:defRPr>
-            </a:lvl7pPr>
-            <a:lvl8pPr marL="3429000" indent="-228600" defTabSz="449263" eaLnBrk="0" fontAlgn="base" hangingPunct="0">
-              <a:lnSpc>
-                <a:spcPct val="90000"/>
-              </a:lnSpc>
-              <a:spcBef>
-                <a:spcPts val="500"/>
-              </a:spcBef>
-              <a:spcAft>
-                <a:spcPct val="0"/>
-              </a:spcAft>
-              <a:buClr>
-                <a:srgbClr val="000000"/>
-              </a:buClr>
-              <a:buSzPct val="100000"/>
-              <a:buFont typeface="Times New Roman" panose="02020603050405020304" pitchFamily="18" charset="0"/>
-              <a:tabLst>
-                <a:tab pos="0" algn="l"/>
-                <a:tab pos="914400" algn="l"/>
-                <a:tab pos="1828800" algn="l"/>
-                <a:tab pos="2743200" algn="l"/>
-                <a:tab pos="3657600" algn="l"/>
-                <a:tab pos="4572000" algn="l"/>
-                <a:tab pos="5486400" algn="l"/>
-                <a:tab pos="6400800" algn="l"/>
-                <a:tab pos="7315200" algn="l"/>
-                <a:tab pos="8229600" algn="l"/>
-                <a:tab pos="9144000" algn="l"/>
-                <a:tab pos="10058400" algn="l"/>
-              </a:tabLst>
-              <a:defRPr>
-                <a:solidFill>
-                  <a:srgbClr val="000000"/>
-                </a:solidFill>
-                <a:latin typeface="Calibri" panose="020F0502020204030204" pitchFamily="34" charset="0"/>
-                <a:cs typeface="Droid Sans Fallback" charset="0"/>
-              </a:defRPr>
-            </a:lvl8pPr>
-            <a:lvl9pPr marL="3886200" indent="-228600" defTabSz="449263" eaLnBrk="0" fontAlgn="base" hangingPunct="0">
-              <a:lnSpc>
-                <a:spcPct val="90000"/>
-              </a:lnSpc>
-              <a:spcBef>
-                <a:spcPts val="500"/>
-              </a:spcBef>
-              <a:spcAft>
-                <a:spcPct val="0"/>
-              </a:spcAft>
-              <a:buClr>
-                <a:srgbClr val="000000"/>
-              </a:buClr>
-              <a:buSzPct val="100000"/>
-              <a:buFont typeface="Times New Roman" panose="02020603050405020304" pitchFamily="18" charset="0"/>
-              <a:tabLst>
-                <a:tab pos="0" algn="l"/>
-                <a:tab pos="914400" algn="l"/>
-                <a:tab pos="1828800" algn="l"/>
-                <a:tab pos="2743200" algn="l"/>
-                <a:tab pos="3657600" algn="l"/>
-                <a:tab pos="4572000" algn="l"/>
-                <a:tab pos="5486400" algn="l"/>
-                <a:tab pos="6400800" algn="l"/>
-                <a:tab pos="7315200" algn="l"/>
-                <a:tab pos="8229600" algn="l"/>
-                <a:tab pos="9144000" algn="l"/>
-                <a:tab pos="10058400" algn="l"/>
-              </a:tabLst>
-              <a:defRPr>
-                <a:solidFill>
-                  <a:srgbClr val="000000"/>
-                </a:solidFill>
-                <a:latin typeface="Calibri" panose="020F0502020204030204" pitchFamily="34" charset="0"/>
-                <a:cs typeface="Droid Sans Fallback" charset="0"/>
-              </a:defRPr>
-            </a:lvl9pPr>
-          </a:lstStyle>
-          <a:p>
-            <a:pPr algn="ctr">
-              <a:lnSpc>
-                <a:spcPct val="100000"/>
-              </a:lnSpc>
-              <a:spcBef>
-                <a:spcPct val="0"/>
-              </a:spcBef>
-              <a:buClrTx/>
-              <a:buFontTx/>
-              <a:buNone/>
-            </a:pPr>
-            <a:r>
-              <a:rPr lang="pt-BR" altLang="pt-BR" sz="1400" b="1" dirty="0">
-                <a:solidFill>
-                  <a:srgbClr val="7F7F7F"/>
-                </a:solidFill>
-                <a:latin typeface="Times New Roman" panose="02020603050405020304" pitchFamily="18" charset="0"/>
-                <a:cs typeface="Times New Roman" panose="02020603050405020304" pitchFamily="18" charset="0"/>
-              </a:rPr>
-              <a:t>Instituto Tecnológico de Aeronáutica</a:t>
-            </a:r>
-          </a:p>
-          <a:p>
-            <a:pPr algn="ctr">
-              <a:lnSpc>
-                <a:spcPct val="100000"/>
-              </a:lnSpc>
-              <a:spcBef>
-                <a:spcPct val="0"/>
-              </a:spcBef>
-              <a:buClrTx/>
-              <a:buFontTx/>
-              <a:buNone/>
-            </a:pPr>
-            <a:r>
-              <a:rPr lang="pt-BR" altLang="pt-BR" sz="1400" b="1" dirty="0">
-                <a:solidFill>
-                  <a:srgbClr val="7F7F7F"/>
-                </a:solidFill>
-                <a:latin typeface="Times New Roman" panose="02020603050405020304" pitchFamily="18" charset="0"/>
-                <a:cs typeface="Times New Roman" panose="02020603050405020304" pitchFamily="18" charset="0"/>
-              </a:rPr>
-              <a:t>Curso de Mestrado Profissionalizante em Engenharia Aeronáutica</a:t>
-            </a:r>
-          </a:p>
-          <a:p>
-            <a:pPr algn="ctr">
-              <a:lnSpc>
-                <a:spcPct val="100000"/>
-              </a:lnSpc>
-              <a:spcBef>
-                <a:spcPct val="0"/>
-              </a:spcBef>
-              <a:buClrTx/>
-              <a:buFontTx/>
-              <a:buNone/>
-            </a:pPr>
-            <a:r>
-              <a:rPr lang="pt-BR" altLang="pt-BR" sz="1400" b="1" dirty="0">
-                <a:solidFill>
-                  <a:srgbClr val="7F7F7F"/>
-                </a:solidFill>
-                <a:latin typeface="Times New Roman" panose="02020603050405020304" pitchFamily="18" charset="0"/>
-                <a:cs typeface="Times New Roman" panose="02020603050405020304" pitchFamily="18" charset="0"/>
-              </a:rPr>
-              <a:t>Programa de Pós-Graduação em Engenharia Aeronáutica e Mecânica</a:t>
             </a:r>
           </a:p>
         </p:txBody>
       </p:sp>
       <p:sp>
         <p:nvSpPr>
-          <p:cNvPr id="7" name="Line 7"/>
+          <p:cNvPr id="3" name="Espaço Reservado para Conteúdo 2"/>
           <p:cNvSpPr>
-            <a:spLocks noChangeShapeType="1"/>
+            <a:spLocks noGrp="1"/>
           </p:cNvSpPr>
-          <p:nvPr/>
+          <p:nvPr>
+            <p:ph idx="1"/>
+          </p:nvPr>
         </p:nvSpPr>
-        <p:spPr bwMode="auto">
-          <a:xfrm>
-            <a:off x="507206" y="901215"/>
-            <a:ext cx="8089900" cy="1587"/>
-          </a:xfrm>
-          <a:prstGeom prst="line">
-            <a:avLst/>
-          </a:prstGeom>
-          <a:noFill/>
-          <a:ln w="6480" cap="sq">
-            <a:solidFill>
-              <a:srgbClr val="A5A5A5"/>
-            </a:solidFill>
-            <a:miter lim="800000"/>
-            <a:headEnd/>
-            <a:tailEnd/>
-          </a:ln>
-          <a:effectLst/>
-          <a:extLst>
-            <a:ext uri="{909E8E84-426E-40DD-AFC4-6F175D3DCCD1}">
-              <a14:hiddenFill xmlns:a14="http://schemas.microsoft.com/office/drawing/2010/main">
-                <a:noFill/>
-              </a14:hiddenFill>
-            </a:ext>
-            <a:ext uri="{AF507438-7753-43E0-B8FC-AC1667EBCBE1}">
-              <a14:hiddenEffects xmlns:a14="http://schemas.microsoft.com/office/drawing/2010/main">
-                <a:effectLst>
-                  <a:outerShdw dist="35921" dir="2700000" algn="ctr" rotWithShape="0">
-                    <a:srgbClr val="808080"/>
-                  </a:outerShdw>
-                </a:effectLst>
-              </a14:hiddenEffects>
-            </a:ext>
-          </a:extLst>
-        </p:spPr>
+        <p:spPr/>
         <p:txBody>
           <a:bodyPr/>
           <a:lstStyle/>
           <a:p>
-            <a:endParaRPr lang="pt-BR"/>
+            <a:r>
+              <a:rPr lang="pt-BR" dirty="0"/>
+              <a:t>O filtro operou como esperado, deixando a resposta dentro das normas aeronáuticas</a:t>
+            </a:r>
+          </a:p>
+          <a:p>
+            <a:r>
+              <a:rPr lang="pt-BR" dirty="0"/>
+              <a:t>Quando há demanda de carga o filtro age deixando o sistema operando com alto fator de potência</a:t>
+            </a:r>
+          </a:p>
+          <a:p>
+            <a:r>
+              <a:rPr lang="pt-BR" dirty="0"/>
+              <a:t>Houve a constatação que sem carga ou com baixa carga houve a degradação da qualidade de energia</a:t>
+            </a:r>
           </a:p>
         </p:txBody>
       </p:sp>
       <p:sp>
         <p:nvSpPr>
-          <p:cNvPr id="8" name="Line 6"/>
-          <p:cNvSpPr>
-            <a:spLocks noChangeShapeType="1"/>
-          </p:cNvSpPr>
-          <p:nvPr/>
-        </p:nvSpPr>
-        <p:spPr bwMode="auto">
-          <a:xfrm>
-            <a:off x="508000" y="6488113"/>
-            <a:ext cx="8089900" cy="1587"/>
-          </a:xfrm>
-          <a:prstGeom prst="line">
-            <a:avLst/>
-          </a:prstGeom>
-          <a:noFill/>
-          <a:ln w="6480" cap="sq">
-            <a:solidFill>
-              <a:srgbClr val="A5A5A5"/>
-            </a:solidFill>
-            <a:miter lim="800000"/>
-            <a:headEnd/>
-            <a:tailEnd/>
-          </a:ln>
-          <a:effectLst/>
-          <a:extLst>
-            <a:ext uri="{909E8E84-426E-40DD-AFC4-6F175D3DCCD1}">
-              <a14:hiddenFill xmlns:a14="http://schemas.microsoft.com/office/drawing/2010/main">
-                <a:noFill/>
-              </a14:hiddenFill>
-            </a:ext>
-            <a:ext uri="{AF507438-7753-43E0-B8FC-AC1667EBCBE1}">
-              <a14:hiddenEffects xmlns:a14="http://schemas.microsoft.com/office/drawing/2010/main">
-                <a:effectLst>
-                  <a:outerShdw dist="35921" dir="2700000" algn="ctr" rotWithShape="0">
-                    <a:srgbClr val="808080"/>
-                  </a:outerShdw>
-                </a:effectLst>
-              </a14:hiddenEffects>
-            </a:ext>
-          </a:extLst>
-        </p:spPr>
-        <p:txBody>
-          <a:bodyPr/>
-          <a:lstStyle/>
-          <a:p>
-            <a:endParaRPr lang="pt-BR"/>
-          </a:p>
-        </p:txBody>
-      </p:sp>
-      <p:sp>
-        <p:nvSpPr>
-          <p:cNvPr id="12" name="Espaço Reservado para Número de Slide 10"/>
+          <p:cNvPr id="4" name="Espaço Reservado para Número de Slide 3"/>
           <p:cNvSpPr>
             <a:spLocks noGrp="1"/>
           </p:cNvSpPr>
@@ -21865,12 +16246,7 @@
             <p:ph type="sldNum" sz="quarter" idx="12"/>
           </p:nvPr>
         </p:nvSpPr>
-        <p:spPr>
-          <a:xfrm>
-            <a:off x="6870700" y="6487179"/>
-            <a:ext cx="2057400" cy="365125"/>
-          </a:xfrm>
-        </p:spPr>
+        <p:spPr/>
         <p:txBody>
           <a:bodyPr/>
           <a:lstStyle/>
@@ -21879,94 +16255,14 @@
               <a:rPr lang="pt-BR" smtClean="0"/>
               <a:t>25</a:t>
             </a:fld>
-            <a:endParaRPr lang="pt-BR" dirty="0"/>
-          </a:p>
-        </p:txBody>
-      </p:sp>
-      <p:sp>
-        <p:nvSpPr>
-          <p:cNvPr id="17" name="Espaço Reservado para Conteúdo 2"/>
-          <p:cNvSpPr>
-            <a:spLocks noGrp="1"/>
-          </p:cNvSpPr>
-          <p:nvPr>
-            <p:ph idx="1"/>
-          </p:nvPr>
-        </p:nvSpPr>
-        <p:spPr>
-          <a:xfrm>
-            <a:off x="507206" y="1685437"/>
-            <a:ext cx="8089900" cy="4735553"/>
-          </a:xfrm>
-        </p:spPr>
-        <p:txBody>
-          <a:bodyPr>
-            <a:normAutofit/>
-          </a:bodyPr>
-          <a:lstStyle/>
-          <a:p>
-            <a:r>
-              <a:rPr lang="pt-BR" sz="2000" dirty="0"/>
-              <a:t>O filtro operou como esperado, deixando a resposta dentro das normas aeronáuticas</a:t>
-            </a:r>
-          </a:p>
-          <a:p>
-            <a:r>
-              <a:rPr lang="pt-BR" sz="2000" dirty="0"/>
-              <a:t>Quando há demanda de carga o filtro age deixando o sistema operando com alto fator de potência</a:t>
-            </a:r>
-          </a:p>
-          <a:p>
-            <a:r>
-              <a:rPr lang="pt-BR" sz="2000" dirty="0"/>
-              <a:t>Houve a constatação que sem carga ou com baixa carga houve a degradação da qualidade de energia</a:t>
-            </a:r>
-          </a:p>
-          <a:p>
-            <a:endParaRPr lang="pt-BR" sz="1600" i="1" dirty="0">
-              <a:solidFill>
-                <a:prstClr val="black"/>
-              </a:solidFill>
-              <a:latin typeface="Cambria Math" panose="02040503050406030204" pitchFamily="18" charset="0"/>
-            </a:endParaRPr>
-          </a:p>
-          <a:p>
-            <a:endParaRPr lang="pt-BR" sz="1600" i="1" dirty="0">
-              <a:solidFill>
-                <a:prstClr val="black"/>
-              </a:solidFill>
-              <a:latin typeface="Cambria Math" panose="02040503050406030204" pitchFamily="18" charset="0"/>
-            </a:endParaRPr>
-          </a:p>
-          <a:p>
-            <a:endParaRPr lang="pt-BR" sz="1600" i="1" dirty="0">
-              <a:solidFill>
-                <a:prstClr val="black"/>
-              </a:solidFill>
-              <a:latin typeface="Cambria Math" panose="02040503050406030204" pitchFamily="18" charset="0"/>
-            </a:endParaRPr>
-          </a:p>
-          <a:p>
-            <a:endParaRPr lang="pt-BR" sz="1600" i="1" dirty="0">
-              <a:solidFill>
-                <a:prstClr val="black"/>
-              </a:solidFill>
-              <a:latin typeface="Cambria Math" panose="02040503050406030204" pitchFamily="18" charset="0"/>
-            </a:endParaRPr>
-          </a:p>
-          <a:p>
-            <a:endParaRPr lang="pt-BR" sz="800" dirty="0">
-              <a:solidFill>
-                <a:prstClr val="black"/>
-              </a:solidFill>
-            </a:endParaRPr>
+            <a:endParaRPr lang="pt-BR"/>
           </a:p>
         </p:txBody>
       </p:sp>
     </p:spTree>
     <p:extLst>
       <p:ext uri="{BB962C8B-B14F-4D97-AF65-F5344CB8AC3E}">
-        <p14:creationId xmlns:p14="http://schemas.microsoft.com/office/powerpoint/2010/main" val="1343447879"/>
+        <p14:creationId xmlns:p14="http://schemas.microsoft.com/office/powerpoint/2010/main" val="1643924387"/>
       </p:ext>
     </p:extLst>
   </p:cSld>
@@ -22003,711 +16299,43 @@
             <p:ph type="title"/>
           </p:nvPr>
         </p:nvSpPr>
-        <p:spPr>
-          <a:xfrm>
-            <a:off x="628650" y="1083288"/>
-            <a:ext cx="7886700" cy="476737"/>
-          </a:xfrm>
-        </p:spPr>
+        <p:spPr/>
         <p:txBody>
-          <a:bodyPr>
-            <a:noAutofit/>
-          </a:bodyPr>
+          <a:bodyPr/>
           <a:lstStyle/>
           <a:p>
             <a:r>
-              <a:rPr lang="pt-BR" sz="2400" b="1" dirty="0"/>
-              <a:t>Trabalhos Futuros</a:t>
-            </a:r>
-          </a:p>
-        </p:txBody>
-      </p:sp>
-      <p:pic>
-        <p:nvPicPr>
-          <p:cNvPr id="4" name="Picture 2"/>
-          <p:cNvPicPr>
-            <a:picLocks noChangeAspect="1" noChangeArrowheads="1"/>
-          </p:cNvPicPr>
-          <p:nvPr/>
-        </p:nvPicPr>
-        <p:blipFill>
-          <a:blip r:embed="rId2">
-            <a:extLst>
-              <a:ext uri="{28A0092B-C50C-407E-A947-70E740481C1C}">
-                <a14:useLocalDpi xmlns:a14="http://schemas.microsoft.com/office/drawing/2010/main" val="0"/>
-              </a:ext>
-            </a:extLst>
-          </a:blip>
-          <a:srcRect/>
-          <a:stretch>
-            <a:fillRect/>
-          </a:stretch>
-        </p:blipFill>
-        <p:spPr bwMode="auto">
-          <a:xfrm>
-            <a:off x="74613" y="127000"/>
-            <a:ext cx="1847850" cy="709613"/>
-          </a:xfrm>
-          <a:prstGeom prst="rect">
-            <a:avLst/>
-          </a:prstGeom>
-          <a:noFill/>
-          <a:ln>
-            <a:noFill/>
-          </a:ln>
-          <a:effectLst/>
-          <a:extLst>
-            <a:ext uri="{909E8E84-426E-40DD-AFC4-6F175D3DCCD1}">
-              <a14:hiddenFill xmlns:a14="http://schemas.microsoft.com/office/drawing/2010/main">
-                <a:blipFill dpi="0" rotWithShape="0">
-                  <a:blip/>
-                  <a:srcRect/>
-                  <a:stretch>
-                    <a:fillRect/>
-                  </a:stretch>
-                </a:blipFill>
-              </a14:hiddenFill>
-            </a:ext>
-            <a:ext uri="{91240B29-F687-4F45-9708-019B960494DF}">
-              <a14:hiddenLine xmlns:a14="http://schemas.microsoft.com/office/drawing/2010/main" w="9525">
-                <a:solidFill>
-                  <a:srgbClr val="3465A4"/>
-                </a:solidFill>
-                <a:round/>
-                <a:headEnd/>
-                <a:tailEnd/>
-              </a14:hiddenLine>
-            </a:ext>
-            <a:ext uri="{AF507438-7753-43E0-B8FC-AC1667EBCBE1}">
-              <a14:hiddenEffects xmlns:a14="http://schemas.microsoft.com/office/drawing/2010/main">
-                <a:effectLst>
-                  <a:outerShdw dist="35921" dir="2700000" algn="ctr" rotWithShape="0">
-                    <a:srgbClr val="808080"/>
-                  </a:outerShdw>
-                </a:effectLst>
-              </a14:hiddenEffects>
-            </a:ext>
-          </a:extLst>
-        </p:spPr>
-      </p:pic>
-      <p:pic>
-        <p:nvPicPr>
-          <p:cNvPr id="5" name="Picture 3"/>
-          <p:cNvPicPr>
-            <a:picLocks noChangeAspect="1" noChangeArrowheads="1"/>
-          </p:cNvPicPr>
-          <p:nvPr/>
-        </p:nvPicPr>
-        <p:blipFill>
-          <a:blip r:embed="rId3">
-            <a:extLst>
-              <a:ext uri="{28A0092B-C50C-407E-A947-70E740481C1C}">
-                <a14:useLocalDpi xmlns:a14="http://schemas.microsoft.com/office/drawing/2010/main" val="0"/>
-              </a:ext>
-            </a:extLst>
-          </a:blip>
-          <a:srcRect/>
-          <a:stretch>
-            <a:fillRect/>
-          </a:stretch>
-        </p:blipFill>
-        <p:spPr bwMode="auto">
-          <a:xfrm>
-            <a:off x="7265988" y="146050"/>
-            <a:ext cx="1662112" cy="709613"/>
-          </a:xfrm>
-          <a:prstGeom prst="rect">
-            <a:avLst/>
-          </a:prstGeom>
-          <a:noFill/>
-          <a:ln>
-            <a:noFill/>
-          </a:ln>
-          <a:effectLst/>
-          <a:extLst>
-            <a:ext uri="{909E8E84-426E-40DD-AFC4-6F175D3DCCD1}">
-              <a14:hiddenFill xmlns:a14="http://schemas.microsoft.com/office/drawing/2010/main">
-                <a:blipFill dpi="0" rotWithShape="0">
-                  <a:blip/>
-                  <a:srcRect/>
-                  <a:stretch>
-                    <a:fillRect/>
-                  </a:stretch>
-                </a:blipFill>
-              </a14:hiddenFill>
-            </a:ext>
-            <a:ext uri="{91240B29-F687-4F45-9708-019B960494DF}">
-              <a14:hiddenLine xmlns:a14="http://schemas.microsoft.com/office/drawing/2010/main" w="9525">
-                <a:solidFill>
-                  <a:srgbClr val="3465A4"/>
-                </a:solidFill>
-                <a:round/>
-                <a:headEnd/>
-                <a:tailEnd/>
-              </a14:hiddenLine>
-            </a:ext>
-            <a:ext uri="{AF507438-7753-43E0-B8FC-AC1667EBCBE1}">
-              <a14:hiddenEffects xmlns:a14="http://schemas.microsoft.com/office/drawing/2010/main">
-                <a:effectLst>
-                  <a:outerShdw dist="35921" dir="2700000" algn="ctr" rotWithShape="0">
-                    <a:srgbClr val="808080"/>
-                  </a:outerShdw>
-                </a:effectLst>
-              </a14:hiddenEffects>
-            </a:ext>
-          </a:extLst>
-        </p:spPr>
-      </p:pic>
-      <p:sp>
-        <p:nvSpPr>
-          <p:cNvPr id="6" name="Text Box 4"/>
-          <p:cNvSpPr txBox="1">
-            <a:spLocks noChangeArrowheads="1"/>
-          </p:cNvSpPr>
-          <p:nvPr/>
-        </p:nvSpPr>
-        <p:spPr bwMode="auto">
-          <a:xfrm>
-            <a:off x="1903413" y="1588"/>
-            <a:ext cx="5297487" cy="956288"/>
-          </a:xfrm>
-          <a:prstGeom prst="rect">
-            <a:avLst/>
-          </a:prstGeom>
-          <a:noFill/>
-          <a:ln>
-            <a:noFill/>
-          </a:ln>
-          <a:effectLst/>
-          <a:extLst>
-            <a:ext uri="{909E8E84-426E-40DD-AFC4-6F175D3DCCD1}">
-              <a14:hiddenFill xmlns:a14="http://schemas.microsoft.com/office/drawing/2010/main">
-                <a:solidFill>
-                  <a:srgbClr val="FFFFFF"/>
-                </a:solidFill>
-              </a14:hiddenFill>
-            </a:ext>
-            <a:ext uri="{91240B29-F687-4F45-9708-019B960494DF}">
-              <a14:hiddenLine xmlns:a14="http://schemas.microsoft.com/office/drawing/2010/main" w="9525">
-                <a:solidFill>
-                  <a:srgbClr val="3465A4"/>
-                </a:solidFill>
-                <a:round/>
-                <a:headEnd/>
-                <a:tailEnd/>
-              </a14:hiddenLine>
-            </a:ext>
-            <a:ext uri="{AF507438-7753-43E0-B8FC-AC1667EBCBE1}">
-              <a14:hiddenEffects xmlns:a14="http://schemas.microsoft.com/office/drawing/2010/main">
-                <a:effectLst>
-                  <a:outerShdw dist="35921" dir="2700000" algn="ctr" rotWithShape="0">
-                    <a:srgbClr val="808080"/>
-                  </a:outerShdw>
-                </a:effectLst>
-              </a14:hiddenEffects>
-            </a:ext>
-          </a:extLst>
-        </p:spPr>
-        <p:txBody>
-          <a:bodyPr lIns="90000" tIns="46800" rIns="90000" bIns="46800">
-            <a:spAutoFit/>
-          </a:bodyPr>
-          <a:lstStyle>
-            <a:lvl1pPr>
-              <a:lnSpc>
-                <a:spcPct val="90000"/>
-              </a:lnSpc>
-              <a:spcBef>
-                <a:spcPts val="1000"/>
-              </a:spcBef>
-              <a:buClr>
-                <a:srgbClr val="000000"/>
-              </a:buClr>
-              <a:buSzPct val="100000"/>
-              <a:buFont typeface="Times New Roman" panose="02020603050405020304" pitchFamily="18" charset="0"/>
-              <a:tabLst>
-                <a:tab pos="0" algn="l"/>
-                <a:tab pos="914400" algn="l"/>
-                <a:tab pos="1828800" algn="l"/>
-                <a:tab pos="2743200" algn="l"/>
-                <a:tab pos="3657600" algn="l"/>
-                <a:tab pos="4572000" algn="l"/>
-                <a:tab pos="5486400" algn="l"/>
-                <a:tab pos="6400800" algn="l"/>
-                <a:tab pos="7315200" algn="l"/>
-                <a:tab pos="8229600" algn="l"/>
-                <a:tab pos="9144000" algn="l"/>
-                <a:tab pos="10058400" algn="l"/>
-              </a:tabLst>
-              <a:defRPr sz="2800">
-                <a:solidFill>
-                  <a:srgbClr val="000000"/>
-                </a:solidFill>
-                <a:latin typeface="Calibri" panose="020F0502020204030204" pitchFamily="34" charset="0"/>
-                <a:cs typeface="Droid Sans Fallback" charset="0"/>
-              </a:defRPr>
-            </a:lvl1pPr>
-            <a:lvl2pPr>
-              <a:lnSpc>
-                <a:spcPct val="90000"/>
-              </a:lnSpc>
-              <a:spcBef>
-                <a:spcPts val="500"/>
-              </a:spcBef>
-              <a:buClr>
-                <a:srgbClr val="000000"/>
-              </a:buClr>
-              <a:buSzPct val="100000"/>
-              <a:buFont typeface="Times New Roman" panose="02020603050405020304" pitchFamily="18" charset="0"/>
-              <a:tabLst>
-                <a:tab pos="0" algn="l"/>
-                <a:tab pos="914400" algn="l"/>
-                <a:tab pos="1828800" algn="l"/>
-                <a:tab pos="2743200" algn="l"/>
-                <a:tab pos="3657600" algn="l"/>
-                <a:tab pos="4572000" algn="l"/>
-                <a:tab pos="5486400" algn="l"/>
-                <a:tab pos="6400800" algn="l"/>
-                <a:tab pos="7315200" algn="l"/>
-                <a:tab pos="8229600" algn="l"/>
-                <a:tab pos="9144000" algn="l"/>
-                <a:tab pos="10058400" algn="l"/>
-              </a:tabLst>
-              <a:defRPr sz="2400">
-                <a:solidFill>
-                  <a:srgbClr val="000000"/>
-                </a:solidFill>
-                <a:latin typeface="Calibri" panose="020F0502020204030204" pitchFamily="34" charset="0"/>
-                <a:cs typeface="Droid Sans Fallback" charset="0"/>
-              </a:defRPr>
-            </a:lvl2pPr>
-            <a:lvl3pPr>
-              <a:lnSpc>
-                <a:spcPct val="90000"/>
-              </a:lnSpc>
-              <a:spcBef>
-                <a:spcPts val="500"/>
-              </a:spcBef>
-              <a:buClr>
-                <a:srgbClr val="000000"/>
-              </a:buClr>
-              <a:buSzPct val="100000"/>
-              <a:buFont typeface="Times New Roman" panose="02020603050405020304" pitchFamily="18" charset="0"/>
-              <a:tabLst>
-                <a:tab pos="0" algn="l"/>
-                <a:tab pos="914400" algn="l"/>
-                <a:tab pos="1828800" algn="l"/>
-                <a:tab pos="2743200" algn="l"/>
-                <a:tab pos="3657600" algn="l"/>
-                <a:tab pos="4572000" algn="l"/>
-                <a:tab pos="5486400" algn="l"/>
-                <a:tab pos="6400800" algn="l"/>
-                <a:tab pos="7315200" algn="l"/>
-                <a:tab pos="8229600" algn="l"/>
-                <a:tab pos="9144000" algn="l"/>
-                <a:tab pos="10058400" algn="l"/>
-              </a:tabLst>
-              <a:defRPr sz="2000">
-                <a:solidFill>
-                  <a:srgbClr val="000000"/>
-                </a:solidFill>
-                <a:latin typeface="Calibri" panose="020F0502020204030204" pitchFamily="34" charset="0"/>
-                <a:cs typeface="Droid Sans Fallback" charset="0"/>
-              </a:defRPr>
-            </a:lvl3pPr>
-            <a:lvl4pPr>
-              <a:lnSpc>
-                <a:spcPct val="90000"/>
-              </a:lnSpc>
-              <a:spcBef>
-                <a:spcPts val="500"/>
-              </a:spcBef>
-              <a:buClr>
-                <a:srgbClr val="000000"/>
-              </a:buClr>
-              <a:buSzPct val="100000"/>
-              <a:buFont typeface="Times New Roman" panose="02020603050405020304" pitchFamily="18" charset="0"/>
-              <a:tabLst>
-                <a:tab pos="0" algn="l"/>
-                <a:tab pos="914400" algn="l"/>
-                <a:tab pos="1828800" algn="l"/>
-                <a:tab pos="2743200" algn="l"/>
-                <a:tab pos="3657600" algn="l"/>
-                <a:tab pos="4572000" algn="l"/>
-                <a:tab pos="5486400" algn="l"/>
-                <a:tab pos="6400800" algn="l"/>
-                <a:tab pos="7315200" algn="l"/>
-                <a:tab pos="8229600" algn="l"/>
-                <a:tab pos="9144000" algn="l"/>
-                <a:tab pos="10058400" algn="l"/>
-              </a:tabLst>
-              <a:defRPr>
-                <a:solidFill>
-                  <a:srgbClr val="000000"/>
-                </a:solidFill>
-                <a:latin typeface="Calibri" panose="020F0502020204030204" pitchFamily="34" charset="0"/>
-                <a:cs typeface="Droid Sans Fallback" charset="0"/>
-              </a:defRPr>
-            </a:lvl4pPr>
-            <a:lvl5pPr>
-              <a:lnSpc>
-                <a:spcPct val="90000"/>
-              </a:lnSpc>
-              <a:spcBef>
-                <a:spcPts val="500"/>
-              </a:spcBef>
-              <a:buClr>
-                <a:srgbClr val="000000"/>
-              </a:buClr>
-              <a:buSzPct val="100000"/>
-              <a:buFont typeface="Times New Roman" panose="02020603050405020304" pitchFamily="18" charset="0"/>
-              <a:tabLst>
-                <a:tab pos="0" algn="l"/>
-                <a:tab pos="914400" algn="l"/>
-                <a:tab pos="1828800" algn="l"/>
-                <a:tab pos="2743200" algn="l"/>
-                <a:tab pos="3657600" algn="l"/>
-                <a:tab pos="4572000" algn="l"/>
-                <a:tab pos="5486400" algn="l"/>
-                <a:tab pos="6400800" algn="l"/>
-                <a:tab pos="7315200" algn="l"/>
-                <a:tab pos="8229600" algn="l"/>
-                <a:tab pos="9144000" algn="l"/>
-                <a:tab pos="10058400" algn="l"/>
-              </a:tabLst>
-              <a:defRPr>
-                <a:solidFill>
-                  <a:srgbClr val="000000"/>
-                </a:solidFill>
-                <a:latin typeface="Calibri" panose="020F0502020204030204" pitchFamily="34" charset="0"/>
-                <a:cs typeface="Droid Sans Fallback" charset="0"/>
-              </a:defRPr>
-            </a:lvl5pPr>
-            <a:lvl6pPr marL="2514600" indent="-228600" defTabSz="449263" eaLnBrk="0" fontAlgn="base" hangingPunct="0">
-              <a:lnSpc>
-                <a:spcPct val="90000"/>
-              </a:lnSpc>
-              <a:spcBef>
-                <a:spcPts val="500"/>
-              </a:spcBef>
-              <a:spcAft>
-                <a:spcPct val="0"/>
-              </a:spcAft>
-              <a:buClr>
-                <a:srgbClr val="000000"/>
-              </a:buClr>
-              <a:buSzPct val="100000"/>
-              <a:buFont typeface="Times New Roman" panose="02020603050405020304" pitchFamily="18" charset="0"/>
-              <a:tabLst>
-                <a:tab pos="0" algn="l"/>
-                <a:tab pos="914400" algn="l"/>
-                <a:tab pos="1828800" algn="l"/>
-                <a:tab pos="2743200" algn="l"/>
-                <a:tab pos="3657600" algn="l"/>
-                <a:tab pos="4572000" algn="l"/>
-                <a:tab pos="5486400" algn="l"/>
-                <a:tab pos="6400800" algn="l"/>
-                <a:tab pos="7315200" algn="l"/>
-                <a:tab pos="8229600" algn="l"/>
-                <a:tab pos="9144000" algn="l"/>
-                <a:tab pos="10058400" algn="l"/>
-              </a:tabLst>
-              <a:defRPr>
-                <a:solidFill>
-                  <a:srgbClr val="000000"/>
-                </a:solidFill>
-                <a:latin typeface="Calibri" panose="020F0502020204030204" pitchFamily="34" charset="0"/>
-                <a:cs typeface="Droid Sans Fallback" charset="0"/>
-              </a:defRPr>
-            </a:lvl6pPr>
-            <a:lvl7pPr marL="2971800" indent="-228600" defTabSz="449263" eaLnBrk="0" fontAlgn="base" hangingPunct="0">
-              <a:lnSpc>
-                <a:spcPct val="90000"/>
-              </a:lnSpc>
-              <a:spcBef>
-                <a:spcPts val="500"/>
-              </a:spcBef>
-              <a:spcAft>
-                <a:spcPct val="0"/>
-              </a:spcAft>
-              <a:buClr>
-                <a:srgbClr val="000000"/>
-              </a:buClr>
-              <a:buSzPct val="100000"/>
-              <a:buFont typeface="Times New Roman" panose="02020603050405020304" pitchFamily="18" charset="0"/>
-              <a:tabLst>
-                <a:tab pos="0" algn="l"/>
-                <a:tab pos="914400" algn="l"/>
-                <a:tab pos="1828800" algn="l"/>
-                <a:tab pos="2743200" algn="l"/>
-                <a:tab pos="3657600" algn="l"/>
-                <a:tab pos="4572000" algn="l"/>
-                <a:tab pos="5486400" algn="l"/>
-                <a:tab pos="6400800" algn="l"/>
-                <a:tab pos="7315200" algn="l"/>
-                <a:tab pos="8229600" algn="l"/>
-                <a:tab pos="9144000" algn="l"/>
-                <a:tab pos="10058400" algn="l"/>
-              </a:tabLst>
-              <a:defRPr>
-                <a:solidFill>
-                  <a:srgbClr val="000000"/>
-                </a:solidFill>
-                <a:latin typeface="Calibri" panose="020F0502020204030204" pitchFamily="34" charset="0"/>
-                <a:cs typeface="Droid Sans Fallback" charset="0"/>
-              </a:defRPr>
-            </a:lvl7pPr>
-            <a:lvl8pPr marL="3429000" indent="-228600" defTabSz="449263" eaLnBrk="0" fontAlgn="base" hangingPunct="0">
-              <a:lnSpc>
-                <a:spcPct val="90000"/>
-              </a:lnSpc>
-              <a:spcBef>
-                <a:spcPts val="500"/>
-              </a:spcBef>
-              <a:spcAft>
-                <a:spcPct val="0"/>
-              </a:spcAft>
-              <a:buClr>
-                <a:srgbClr val="000000"/>
-              </a:buClr>
-              <a:buSzPct val="100000"/>
-              <a:buFont typeface="Times New Roman" panose="02020603050405020304" pitchFamily="18" charset="0"/>
-              <a:tabLst>
-                <a:tab pos="0" algn="l"/>
-                <a:tab pos="914400" algn="l"/>
-                <a:tab pos="1828800" algn="l"/>
-                <a:tab pos="2743200" algn="l"/>
-                <a:tab pos="3657600" algn="l"/>
-                <a:tab pos="4572000" algn="l"/>
-                <a:tab pos="5486400" algn="l"/>
-                <a:tab pos="6400800" algn="l"/>
-                <a:tab pos="7315200" algn="l"/>
-                <a:tab pos="8229600" algn="l"/>
-                <a:tab pos="9144000" algn="l"/>
-                <a:tab pos="10058400" algn="l"/>
-              </a:tabLst>
-              <a:defRPr>
-                <a:solidFill>
-                  <a:srgbClr val="000000"/>
-                </a:solidFill>
-                <a:latin typeface="Calibri" panose="020F0502020204030204" pitchFamily="34" charset="0"/>
-                <a:cs typeface="Droid Sans Fallback" charset="0"/>
-              </a:defRPr>
-            </a:lvl8pPr>
-            <a:lvl9pPr marL="3886200" indent="-228600" defTabSz="449263" eaLnBrk="0" fontAlgn="base" hangingPunct="0">
-              <a:lnSpc>
-                <a:spcPct val="90000"/>
-              </a:lnSpc>
-              <a:spcBef>
-                <a:spcPts val="500"/>
-              </a:spcBef>
-              <a:spcAft>
-                <a:spcPct val="0"/>
-              </a:spcAft>
-              <a:buClr>
-                <a:srgbClr val="000000"/>
-              </a:buClr>
-              <a:buSzPct val="100000"/>
-              <a:buFont typeface="Times New Roman" panose="02020603050405020304" pitchFamily="18" charset="0"/>
-              <a:tabLst>
-                <a:tab pos="0" algn="l"/>
-                <a:tab pos="914400" algn="l"/>
-                <a:tab pos="1828800" algn="l"/>
-                <a:tab pos="2743200" algn="l"/>
-                <a:tab pos="3657600" algn="l"/>
-                <a:tab pos="4572000" algn="l"/>
-                <a:tab pos="5486400" algn="l"/>
-                <a:tab pos="6400800" algn="l"/>
-                <a:tab pos="7315200" algn="l"/>
-                <a:tab pos="8229600" algn="l"/>
-                <a:tab pos="9144000" algn="l"/>
-                <a:tab pos="10058400" algn="l"/>
-              </a:tabLst>
-              <a:defRPr>
-                <a:solidFill>
-                  <a:srgbClr val="000000"/>
-                </a:solidFill>
-                <a:latin typeface="Calibri" panose="020F0502020204030204" pitchFamily="34" charset="0"/>
-                <a:cs typeface="Droid Sans Fallback" charset="0"/>
-              </a:defRPr>
-            </a:lvl9pPr>
-          </a:lstStyle>
-          <a:p>
-            <a:pPr algn="ctr">
-              <a:lnSpc>
-                <a:spcPct val="100000"/>
-              </a:lnSpc>
-              <a:spcBef>
-                <a:spcPct val="0"/>
-              </a:spcBef>
-              <a:buClrTx/>
-              <a:buFontTx/>
-              <a:buNone/>
-            </a:pPr>
-            <a:r>
-              <a:rPr lang="pt-BR" altLang="pt-BR" sz="1400" b="1" dirty="0">
-                <a:solidFill>
-                  <a:srgbClr val="7F7F7F"/>
-                </a:solidFill>
-                <a:latin typeface="Times New Roman" panose="02020603050405020304" pitchFamily="18" charset="0"/>
-                <a:cs typeface="Times New Roman" panose="02020603050405020304" pitchFamily="18" charset="0"/>
-              </a:rPr>
-              <a:t>Instituto Tecnológico de Aeronáutica</a:t>
-            </a:r>
-          </a:p>
-          <a:p>
-            <a:pPr algn="ctr">
-              <a:lnSpc>
-                <a:spcPct val="100000"/>
-              </a:lnSpc>
-              <a:spcBef>
-                <a:spcPct val="0"/>
-              </a:spcBef>
-              <a:buClrTx/>
-              <a:buFontTx/>
-              <a:buNone/>
-            </a:pPr>
-            <a:r>
-              <a:rPr lang="pt-BR" altLang="pt-BR" sz="1400" b="1" dirty="0">
-                <a:solidFill>
-                  <a:srgbClr val="7F7F7F"/>
-                </a:solidFill>
-                <a:latin typeface="Times New Roman" panose="02020603050405020304" pitchFamily="18" charset="0"/>
-                <a:cs typeface="Times New Roman" panose="02020603050405020304" pitchFamily="18" charset="0"/>
-              </a:rPr>
-              <a:t>Curso de Mestrado Profissionalizante em Engenharia Aeronáutica</a:t>
-            </a:r>
-          </a:p>
-          <a:p>
-            <a:pPr algn="ctr">
-              <a:lnSpc>
-                <a:spcPct val="100000"/>
-              </a:lnSpc>
-              <a:spcBef>
-                <a:spcPct val="0"/>
-              </a:spcBef>
-              <a:buClrTx/>
-              <a:buFontTx/>
-              <a:buNone/>
-            </a:pPr>
-            <a:r>
-              <a:rPr lang="pt-BR" altLang="pt-BR" sz="1400" b="1" dirty="0">
-                <a:solidFill>
-                  <a:srgbClr val="7F7F7F"/>
-                </a:solidFill>
-                <a:latin typeface="Times New Roman" panose="02020603050405020304" pitchFamily="18" charset="0"/>
-                <a:cs typeface="Times New Roman" panose="02020603050405020304" pitchFamily="18" charset="0"/>
-              </a:rPr>
-              <a:t>Programa de Pós-Graduação em Engenharia Aeronáutica e Mecânica</a:t>
+              <a:rPr lang="pt-BR" dirty="0"/>
+              <a:t>Conclusão </a:t>
             </a:r>
           </a:p>
         </p:txBody>
       </p:sp>
       <p:sp>
         <p:nvSpPr>
-          <p:cNvPr id="7" name="Line 7"/>
+          <p:cNvPr id="3" name="Espaço Reservado para Conteúdo 2"/>
           <p:cNvSpPr>
-            <a:spLocks noChangeShapeType="1"/>
+            <a:spLocks noGrp="1"/>
           </p:cNvSpPr>
-          <p:nvPr/>
+          <p:nvPr>
+            <p:ph idx="1"/>
+          </p:nvPr>
         </p:nvSpPr>
-        <p:spPr bwMode="auto">
-          <a:xfrm>
-            <a:off x="507206" y="901215"/>
-            <a:ext cx="8089900" cy="1587"/>
-          </a:xfrm>
-          <a:prstGeom prst="line">
-            <a:avLst/>
-          </a:prstGeom>
-          <a:noFill/>
-          <a:ln w="6480" cap="sq">
-            <a:solidFill>
-              <a:srgbClr val="A5A5A5"/>
-            </a:solidFill>
-            <a:miter lim="800000"/>
-            <a:headEnd/>
-            <a:tailEnd/>
-          </a:ln>
-          <a:effectLst/>
-          <a:extLst>
-            <a:ext uri="{909E8E84-426E-40DD-AFC4-6F175D3DCCD1}">
-              <a14:hiddenFill xmlns:a14="http://schemas.microsoft.com/office/drawing/2010/main">
-                <a:noFill/>
-              </a14:hiddenFill>
-            </a:ext>
-            <a:ext uri="{AF507438-7753-43E0-B8FC-AC1667EBCBE1}">
-              <a14:hiddenEffects xmlns:a14="http://schemas.microsoft.com/office/drawing/2010/main">
-                <a:effectLst>
-                  <a:outerShdw dist="35921" dir="2700000" algn="ctr" rotWithShape="0">
-                    <a:srgbClr val="808080"/>
-                  </a:outerShdw>
-                </a:effectLst>
-              </a14:hiddenEffects>
-            </a:ext>
-          </a:extLst>
-        </p:spPr>
+        <p:spPr/>
         <p:txBody>
           <a:bodyPr/>
           <a:lstStyle/>
           <a:p>
-            <a:endParaRPr lang="pt-BR"/>
+            <a:r>
+              <a:rPr lang="pt-BR" dirty="0"/>
+              <a:t>Trabalhos futuros</a:t>
+            </a:r>
           </a:p>
         </p:txBody>
       </p:sp>
       <p:sp>
         <p:nvSpPr>
-          <p:cNvPr id="8" name="Line 6"/>
-          <p:cNvSpPr>
-            <a:spLocks noChangeShapeType="1"/>
-          </p:cNvSpPr>
-          <p:nvPr/>
-        </p:nvSpPr>
-        <p:spPr bwMode="auto">
-          <a:xfrm>
-            <a:off x="508000" y="6488113"/>
-            <a:ext cx="8089900" cy="1587"/>
-          </a:xfrm>
-          <a:prstGeom prst="line">
-            <a:avLst/>
-          </a:prstGeom>
-          <a:noFill/>
-          <a:ln w="6480" cap="sq">
-            <a:solidFill>
-              <a:srgbClr val="A5A5A5"/>
-            </a:solidFill>
-            <a:miter lim="800000"/>
-            <a:headEnd/>
-            <a:tailEnd/>
-          </a:ln>
-          <a:effectLst/>
-          <a:extLst>
-            <a:ext uri="{909E8E84-426E-40DD-AFC4-6F175D3DCCD1}">
-              <a14:hiddenFill xmlns:a14="http://schemas.microsoft.com/office/drawing/2010/main">
-                <a:noFill/>
-              </a14:hiddenFill>
-            </a:ext>
-            <a:ext uri="{AF507438-7753-43E0-B8FC-AC1667EBCBE1}">
-              <a14:hiddenEffects xmlns:a14="http://schemas.microsoft.com/office/drawing/2010/main">
-                <a:effectLst>
-                  <a:outerShdw dist="35921" dir="2700000" algn="ctr" rotWithShape="0">
-                    <a:srgbClr val="808080"/>
-                  </a:outerShdw>
-                </a:effectLst>
-              </a14:hiddenEffects>
-            </a:ext>
-          </a:extLst>
-        </p:spPr>
-        <p:txBody>
-          <a:bodyPr/>
-          <a:lstStyle/>
-          <a:p>
-            <a:endParaRPr lang="pt-BR"/>
-          </a:p>
-        </p:txBody>
-      </p:sp>
-      <p:sp>
-        <p:nvSpPr>
-          <p:cNvPr id="12" name="Espaço Reservado para Número de Slide 10"/>
+          <p:cNvPr id="4" name="Espaço Reservado para Número de Slide 3"/>
           <p:cNvSpPr>
             <a:spLocks noGrp="1"/>
           </p:cNvSpPr>
@@ -22715,12 +16343,7 @@
             <p:ph type="sldNum" sz="quarter" idx="12"/>
           </p:nvPr>
         </p:nvSpPr>
-        <p:spPr>
-          <a:xfrm>
-            <a:off x="6870700" y="6487179"/>
-            <a:ext cx="2057400" cy="365125"/>
-          </a:xfrm>
-        </p:spPr>
+        <p:spPr/>
         <p:txBody>
           <a:bodyPr/>
           <a:lstStyle/>
@@ -22729,83 +16352,14 @@
               <a:rPr lang="pt-BR" smtClean="0"/>
               <a:t>26</a:t>
             </a:fld>
-            <a:endParaRPr lang="pt-BR" dirty="0"/>
-          </a:p>
-        </p:txBody>
-      </p:sp>
-      <p:sp>
-        <p:nvSpPr>
-          <p:cNvPr id="17" name="Espaço Reservado para Conteúdo 2"/>
-          <p:cNvSpPr>
-            <a:spLocks noGrp="1"/>
-          </p:cNvSpPr>
-          <p:nvPr>
-            <p:ph idx="1"/>
-          </p:nvPr>
-        </p:nvSpPr>
-        <p:spPr>
-          <a:xfrm>
-            <a:off x="507206" y="1685437"/>
-            <a:ext cx="8089900" cy="4735553"/>
-          </a:xfrm>
-        </p:spPr>
-        <p:txBody>
-          <a:bodyPr>
-            <a:normAutofit/>
-          </a:bodyPr>
-          <a:lstStyle/>
-          <a:p>
-            <a:r>
-              <a:rPr lang="pt-BR" sz="2000" dirty="0" err="1"/>
-              <a:t>ew</a:t>
-            </a:r>
-            <a:endParaRPr lang="pt-BR" sz="2000" dirty="0"/>
-          </a:p>
-          <a:p>
-            <a:endParaRPr lang="pt-BR" sz="1600" i="1" dirty="0">
-              <a:solidFill>
-                <a:prstClr val="black"/>
-              </a:solidFill>
-              <a:latin typeface="Cambria Math" panose="02040503050406030204" pitchFamily="18" charset="0"/>
-            </a:endParaRPr>
-          </a:p>
-          <a:p>
-            <a:endParaRPr lang="pt-BR" sz="1600" i="1" dirty="0">
-              <a:solidFill>
-                <a:prstClr val="black"/>
-              </a:solidFill>
-              <a:latin typeface="Cambria Math" panose="02040503050406030204" pitchFamily="18" charset="0"/>
-            </a:endParaRPr>
-          </a:p>
-          <a:p>
-            <a:endParaRPr lang="pt-BR" sz="1600" i="1" dirty="0">
-              <a:solidFill>
-                <a:prstClr val="black"/>
-              </a:solidFill>
-              <a:latin typeface="Cambria Math" panose="02040503050406030204" pitchFamily="18" charset="0"/>
-            </a:endParaRPr>
-          </a:p>
-          <a:p>
-            <a:endParaRPr lang="pt-BR" sz="1600" i="1" dirty="0">
-              <a:solidFill>
-                <a:prstClr val="black"/>
-              </a:solidFill>
-              <a:latin typeface="Cambria Math" panose="02040503050406030204" pitchFamily="18" charset="0"/>
-            </a:endParaRPr>
-          </a:p>
-          <a:p>
-            <a:endParaRPr lang="pt-BR" sz="800" dirty="0">
-              <a:solidFill>
-                <a:prstClr val="black"/>
-              </a:solidFill>
-            </a:endParaRPr>
+            <a:endParaRPr lang="pt-BR"/>
           </a:p>
         </p:txBody>
       </p:sp>
     </p:spTree>
     <p:extLst>
       <p:ext uri="{BB962C8B-B14F-4D97-AF65-F5344CB8AC3E}">
-        <p14:creationId xmlns:p14="http://schemas.microsoft.com/office/powerpoint/2010/main" val="2988419465"/>
+        <p14:creationId xmlns:p14="http://schemas.microsoft.com/office/powerpoint/2010/main" val="2478691360"/>
       </p:ext>
     </p:extLst>
   </p:cSld>
@@ -22842,20 +16396,13 @@
             <p:ph type="ctrTitle"/>
           </p:nvPr>
         </p:nvSpPr>
-        <p:spPr>
-          <a:xfrm>
-            <a:off x="1143000" y="3132921"/>
-            <a:ext cx="6858000" cy="644260"/>
-          </a:xfrm>
-        </p:spPr>
+        <p:spPr/>
         <p:txBody>
-          <a:bodyPr>
-            <a:normAutofit fontScale="90000"/>
-          </a:bodyPr>
+          <a:bodyPr/>
           <a:lstStyle/>
           <a:p>
             <a:r>
-              <a:rPr lang="pt-BR" sz="4400" dirty="0"/>
+              <a:rPr lang="pt-BR" dirty="0"/>
               <a:t>Obrigado</a:t>
             </a:r>
           </a:p>
@@ -22871,1060 +16418,35 @@
             <p:ph type="subTitle" idx="1"/>
           </p:nvPr>
         </p:nvSpPr>
-        <p:spPr>
-          <a:xfrm>
-            <a:off x="1143000" y="4120734"/>
-            <a:ext cx="6858000" cy="522998"/>
-          </a:xfrm>
-        </p:spPr>
+        <p:spPr/>
         <p:txBody>
-          <a:bodyPr>
-            <a:normAutofit/>
-          </a:bodyPr>
+          <a:bodyPr/>
           <a:lstStyle/>
           <a:p>
-            <a:r>
-              <a:rPr lang="pt-BR" dirty="0"/>
-              <a:t>João Paulo de Souza Oliveira</a:t>
-            </a:r>
-          </a:p>
-        </p:txBody>
-      </p:sp>
-      <p:pic>
-        <p:nvPicPr>
-          <p:cNvPr id="7" name="Picture 2"/>
-          <p:cNvPicPr>
-            <a:picLocks noChangeAspect="1" noChangeArrowheads="1"/>
-          </p:cNvPicPr>
-          <p:nvPr/>
-        </p:nvPicPr>
-        <p:blipFill>
-          <a:blip r:embed="rId2">
-            <a:extLst>
-              <a:ext uri="{28A0092B-C50C-407E-A947-70E740481C1C}">
-                <a14:useLocalDpi xmlns:a14="http://schemas.microsoft.com/office/drawing/2010/main" val="0"/>
-              </a:ext>
-            </a:extLst>
-          </a:blip>
-          <a:srcRect/>
-          <a:stretch>
-            <a:fillRect/>
-          </a:stretch>
-        </p:blipFill>
-        <p:spPr bwMode="auto">
-          <a:xfrm>
-            <a:off x="74613" y="127000"/>
-            <a:ext cx="1847850" cy="709613"/>
-          </a:xfrm>
-          <a:prstGeom prst="rect">
-            <a:avLst/>
-          </a:prstGeom>
-          <a:noFill/>
-          <a:ln>
-            <a:noFill/>
-          </a:ln>
-          <a:effectLst/>
-          <a:extLst>
-            <a:ext uri="{909E8E84-426E-40DD-AFC4-6F175D3DCCD1}">
-              <a14:hiddenFill xmlns:a14="http://schemas.microsoft.com/office/drawing/2010/main">
-                <a:blipFill dpi="0" rotWithShape="0">
-                  <a:blip/>
-                  <a:srcRect/>
-                  <a:stretch>
-                    <a:fillRect/>
-                  </a:stretch>
-                </a:blipFill>
-              </a14:hiddenFill>
-            </a:ext>
-            <a:ext uri="{91240B29-F687-4F45-9708-019B960494DF}">
-              <a14:hiddenLine xmlns:a14="http://schemas.microsoft.com/office/drawing/2010/main" w="9525">
-                <a:solidFill>
-                  <a:srgbClr val="3465A4"/>
-                </a:solidFill>
-                <a:round/>
-                <a:headEnd/>
-                <a:tailEnd/>
-              </a14:hiddenLine>
-            </a:ext>
-            <a:ext uri="{AF507438-7753-43E0-B8FC-AC1667EBCBE1}">
-              <a14:hiddenEffects xmlns:a14="http://schemas.microsoft.com/office/drawing/2010/main">
-                <a:effectLst>
-                  <a:outerShdw dist="35921" dir="2700000" algn="ctr" rotWithShape="0">
-                    <a:srgbClr val="808080"/>
-                  </a:outerShdw>
-                </a:effectLst>
-              </a14:hiddenEffects>
-            </a:ext>
-          </a:extLst>
-        </p:spPr>
-      </p:pic>
-      <p:pic>
-        <p:nvPicPr>
-          <p:cNvPr id="8" name="Picture 3"/>
-          <p:cNvPicPr>
-            <a:picLocks noChangeAspect="1" noChangeArrowheads="1"/>
-          </p:cNvPicPr>
-          <p:nvPr/>
-        </p:nvPicPr>
-        <p:blipFill>
-          <a:blip r:embed="rId3">
-            <a:extLst>
-              <a:ext uri="{28A0092B-C50C-407E-A947-70E740481C1C}">
-                <a14:useLocalDpi xmlns:a14="http://schemas.microsoft.com/office/drawing/2010/main" val="0"/>
-              </a:ext>
-            </a:extLst>
-          </a:blip>
-          <a:srcRect/>
-          <a:stretch>
-            <a:fillRect/>
-          </a:stretch>
-        </p:blipFill>
-        <p:spPr bwMode="auto">
-          <a:xfrm>
-            <a:off x="7265988" y="146050"/>
-            <a:ext cx="1662112" cy="709613"/>
-          </a:xfrm>
-          <a:prstGeom prst="rect">
-            <a:avLst/>
-          </a:prstGeom>
-          <a:noFill/>
-          <a:ln>
-            <a:noFill/>
-          </a:ln>
-          <a:effectLst/>
-          <a:extLst>
-            <a:ext uri="{909E8E84-426E-40DD-AFC4-6F175D3DCCD1}">
-              <a14:hiddenFill xmlns:a14="http://schemas.microsoft.com/office/drawing/2010/main">
-                <a:blipFill dpi="0" rotWithShape="0">
-                  <a:blip/>
-                  <a:srcRect/>
-                  <a:stretch>
-                    <a:fillRect/>
-                  </a:stretch>
-                </a:blipFill>
-              </a14:hiddenFill>
-            </a:ext>
-            <a:ext uri="{91240B29-F687-4F45-9708-019B960494DF}">
-              <a14:hiddenLine xmlns:a14="http://schemas.microsoft.com/office/drawing/2010/main" w="9525">
-                <a:solidFill>
-                  <a:srgbClr val="3465A4"/>
-                </a:solidFill>
-                <a:round/>
-                <a:headEnd/>
-                <a:tailEnd/>
-              </a14:hiddenLine>
-            </a:ext>
-            <a:ext uri="{AF507438-7753-43E0-B8FC-AC1667EBCBE1}">
-              <a14:hiddenEffects xmlns:a14="http://schemas.microsoft.com/office/drawing/2010/main">
-                <a:effectLst>
-                  <a:outerShdw dist="35921" dir="2700000" algn="ctr" rotWithShape="0">
-                    <a:srgbClr val="808080"/>
-                  </a:outerShdw>
-                </a:effectLst>
-              </a14:hiddenEffects>
-            </a:ext>
-          </a:extLst>
-        </p:spPr>
-      </p:pic>
-      <p:sp>
-        <p:nvSpPr>
-          <p:cNvPr id="9" name="Text Box 4"/>
-          <p:cNvSpPr txBox="1">
-            <a:spLocks noChangeArrowheads="1"/>
-          </p:cNvSpPr>
-          <p:nvPr/>
-        </p:nvSpPr>
-        <p:spPr bwMode="auto">
-          <a:xfrm>
-            <a:off x="1903413" y="1588"/>
-            <a:ext cx="5297487" cy="956288"/>
-          </a:xfrm>
-          <a:prstGeom prst="rect">
-            <a:avLst/>
-          </a:prstGeom>
-          <a:noFill/>
-          <a:ln>
-            <a:noFill/>
-          </a:ln>
-          <a:effectLst/>
-          <a:extLst>
-            <a:ext uri="{909E8E84-426E-40DD-AFC4-6F175D3DCCD1}">
-              <a14:hiddenFill xmlns:a14="http://schemas.microsoft.com/office/drawing/2010/main">
-                <a:solidFill>
-                  <a:srgbClr val="FFFFFF"/>
-                </a:solidFill>
-              </a14:hiddenFill>
-            </a:ext>
-            <a:ext uri="{91240B29-F687-4F45-9708-019B960494DF}">
-              <a14:hiddenLine xmlns:a14="http://schemas.microsoft.com/office/drawing/2010/main" w="9525">
-                <a:solidFill>
-                  <a:srgbClr val="3465A4"/>
-                </a:solidFill>
-                <a:round/>
-                <a:headEnd/>
-                <a:tailEnd/>
-              </a14:hiddenLine>
-            </a:ext>
-            <a:ext uri="{AF507438-7753-43E0-B8FC-AC1667EBCBE1}">
-              <a14:hiddenEffects xmlns:a14="http://schemas.microsoft.com/office/drawing/2010/main">
-                <a:effectLst>
-                  <a:outerShdw dist="35921" dir="2700000" algn="ctr" rotWithShape="0">
-                    <a:srgbClr val="808080"/>
-                  </a:outerShdw>
-                </a:effectLst>
-              </a14:hiddenEffects>
-            </a:ext>
-          </a:extLst>
-        </p:spPr>
-        <p:txBody>
-          <a:bodyPr lIns="90000" tIns="46800" rIns="90000" bIns="46800">
-            <a:spAutoFit/>
-          </a:bodyPr>
-          <a:lstStyle>
-            <a:lvl1pPr>
-              <a:lnSpc>
-                <a:spcPct val="90000"/>
-              </a:lnSpc>
-              <a:spcBef>
-                <a:spcPts val="1000"/>
-              </a:spcBef>
-              <a:buClr>
-                <a:srgbClr val="000000"/>
-              </a:buClr>
-              <a:buSzPct val="100000"/>
-              <a:buFont typeface="Times New Roman" panose="02020603050405020304" pitchFamily="18" charset="0"/>
-              <a:tabLst>
-                <a:tab pos="0" algn="l"/>
-                <a:tab pos="914400" algn="l"/>
-                <a:tab pos="1828800" algn="l"/>
-                <a:tab pos="2743200" algn="l"/>
-                <a:tab pos="3657600" algn="l"/>
-                <a:tab pos="4572000" algn="l"/>
-                <a:tab pos="5486400" algn="l"/>
-                <a:tab pos="6400800" algn="l"/>
-                <a:tab pos="7315200" algn="l"/>
-                <a:tab pos="8229600" algn="l"/>
-                <a:tab pos="9144000" algn="l"/>
-                <a:tab pos="10058400" algn="l"/>
-              </a:tabLst>
-              <a:defRPr sz="2800">
-                <a:solidFill>
-                  <a:srgbClr val="000000"/>
-                </a:solidFill>
-                <a:latin typeface="Calibri" panose="020F0502020204030204" pitchFamily="34" charset="0"/>
-                <a:cs typeface="Droid Sans Fallback" charset="0"/>
-              </a:defRPr>
-            </a:lvl1pPr>
-            <a:lvl2pPr>
-              <a:lnSpc>
-                <a:spcPct val="90000"/>
-              </a:lnSpc>
-              <a:spcBef>
-                <a:spcPts val="500"/>
-              </a:spcBef>
-              <a:buClr>
-                <a:srgbClr val="000000"/>
-              </a:buClr>
-              <a:buSzPct val="100000"/>
-              <a:buFont typeface="Times New Roman" panose="02020603050405020304" pitchFamily="18" charset="0"/>
-              <a:tabLst>
-                <a:tab pos="0" algn="l"/>
-                <a:tab pos="914400" algn="l"/>
-                <a:tab pos="1828800" algn="l"/>
-                <a:tab pos="2743200" algn="l"/>
-                <a:tab pos="3657600" algn="l"/>
-                <a:tab pos="4572000" algn="l"/>
-                <a:tab pos="5486400" algn="l"/>
-                <a:tab pos="6400800" algn="l"/>
-                <a:tab pos="7315200" algn="l"/>
-                <a:tab pos="8229600" algn="l"/>
-                <a:tab pos="9144000" algn="l"/>
-                <a:tab pos="10058400" algn="l"/>
-              </a:tabLst>
-              <a:defRPr sz="2400">
-                <a:solidFill>
-                  <a:srgbClr val="000000"/>
-                </a:solidFill>
-                <a:latin typeface="Calibri" panose="020F0502020204030204" pitchFamily="34" charset="0"/>
-                <a:cs typeface="Droid Sans Fallback" charset="0"/>
-              </a:defRPr>
-            </a:lvl2pPr>
-            <a:lvl3pPr>
-              <a:lnSpc>
-                <a:spcPct val="90000"/>
-              </a:lnSpc>
-              <a:spcBef>
-                <a:spcPts val="500"/>
-              </a:spcBef>
-              <a:buClr>
-                <a:srgbClr val="000000"/>
-              </a:buClr>
-              <a:buSzPct val="100000"/>
-              <a:buFont typeface="Times New Roman" panose="02020603050405020304" pitchFamily="18" charset="0"/>
-              <a:tabLst>
-                <a:tab pos="0" algn="l"/>
-                <a:tab pos="914400" algn="l"/>
-                <a:tab pos="1828800" algn="l"/>
-                <a:tab pos="2743200" algn="l"/>
-                <a:tab pos="3657600" algn="l"/>
-                <a:tab pos="4572000" algn="l"/>
-                <a:tab pos="5486400" algn="l"/>
-                <a:tab pos="6400800" algn="l"/>
-                <a:tab pos="7315200" algn="l"/>
-                <a:tab pos="8229600" algn="l"/>
-                <a:tab pos="9144000" algn="l"/>
-                <a:tab pos="10058400" algn="l"/>
-              </a:tabLst>
-              <a:defRPr sz="2000">
-                <a:solidFill>
-                  <a:srgbClr val="000000"/>
-                </a:solidFill>
-                <a:latin typeface="Calibri" panose="020F0502020204030204" pitchFamily="34" charset="0"/>
-                <a:cs typeface="Droid Sans Fallback" charset="0"/>
-              </a:defRPr>
-            </a:lvl3pPr>
-            <a:lvl4pPr>
-              <a:lnSpc>
-                <a:spcPct val="90000"/>
-              </a:lnSpc>
-              <a:spcBef>
-                <a:spcPts val="500"/>
-              </a:spcBef>
-              <a:buClr>
-                <a:srgbClr val="000000"/>
-              </a:buClr>
-              <a:buSzPct val="100000"/>
-              <a:buFont typeface="Times New Roman" panose="02020603050405020304" pitchFamily="18" charset="0"/>
-              <a:tabLst>
-                <a:tab pos="0" algn="l"/>
-                <a:tab pos="914400" algn="l"/>
-                <a:tab pos="1828800" algn="l"/>
-                <a:tab pos="2743200" algn="l"/>
-                <a:tab pos="3657600" algn="l"/>
-                <a:tab pos="4572000" algn="l"/>
-                <a:tab pos="5486400" algn="l"/>
-                <a:tab pos="6400800" algn="l"/>
-                <a:tab pos="7315200" algn="l"/>
-                <a:tab pos="8229600" algn="l"/>
-                <a:tab pos="9144000" algn="l"/>
-                <a:tab pos="10058400" algn="l"/>
-              </a:tabLst>
-              <a:defRPr>
-                <a:solidFill>
-                  <a:srgbClr val="000000"/>
-                </a:solidFill>
-                <a:latin typeface="Calibri" panose="020F0502020204030204" pitchFamily="34" charset="0"/>
-                <a:cs typeface="Droid Sans Fallback" charset="0"/>
-              </a:defRPr>
-            </a:lvl4pPr>
-            <a:lvl5pPr>
-              <a:lnSpc>
-                <a:spcPct val="90000"/>
-              </a:lnSpc>
-              <a:spcBef>
-                <a:spcPts val="500"/>
-              </a:spcBef>
-              <a:buClr>
-                <a:srgbClr val="000000"/>
-              </a:buClr>
-              <a:buSzPct val="100000"/>
-              <a:buFont typeface="Times New Roman" panose="02020603050405020304" pitchFamily="18" charset="0"/>
-              <a:tabLst>
-                <a:tab pos="0" algn="l"/>
-                <a:tab pos="914400" algn="l"/>
-                <a:tab pos="1828800" algn="l"/>
-                <a:tab pos="2743200" algn="l"/>
-                <a:tab pos="3657600" algn="l"/>
-                <a:tab pos="4572000" algn="l"/>
-                <a:tab pos="5486400" algn="l"/>
-                <a:tab pos="6400800" algn="l"/>
-                <a:tab pos="7315200" algn="l"/>
-                <a:tab pos="8229600" algn="l"/>
-                <a:tab pos="9144000" algn="l"/>
-                <a:tab pos="10058400" algn="l"/>
-              </a:tabLst>
-              <a:defRPr>
-                <a:solidFill>
-                  <a:srgbClr val="000000"/>
-                </a:solidFill>
-                <a:latin typeface="Calibri" panose="020F0502020204030204" pitchFamily="34" charset="0"/>
-                <a:cs typeface="Droid Sans Fallback" charset="0"/>
-              </a:defRPr>
-            </a:lvl5pPr>
-            <a:lvl6pPr marL="2514600" indent="-228600" defTabSz="449263" eaLnBrk="0" fontAlgn="base" hangingPunct="0">
-              <a:lnSpc>
-                <a:spcPct val="90000"/>
-              </a:lnSpc>
-              <a:spcBef>
-                <a:spcPts val="500"/>
-              </a:spcBef>
-              <a:spcAft>
-                <a:spcPct val="0"/>
-              </a:spcAft>
-              <a:buClr>
-                <a:srgbClr val="000000"/>
-              </a:buClr>
-              <a:buSzPct val="100000"/>
-              <a:buFont typeface="Times New Roman" panose="02020603050405020304" pitchFamily="18" charset="0"/>
-              <a:tabLst>
-                <a:tab pos="0" algn="l"/>
-                <a:tab pos="914400" algn="l"/>
-                <a:tab pos="1828800" algn="l"/>
-                <a:tab pos="2743200" algn="l"/>
-                <a:tab pos="3657600" algn="l"/>
-                <a:tab pos="4572000" algn="l"/>
-                <a:tab pos="5486400" algn="l"/>
-                <a:tab pos="6400800" algn="l"/>
-                <a:tab pos="7315200" algn="l"/>
-                <a:tab pos="8229600" algn="l"/>
-                <a:tab pos="9144000" algn="l"/>
-                <a:tab pos="10058400" algn="l"/>
-              </a:tabLst>
-              <a:defRPr>
-                <a:solidFill>
-                  <a:srgbClr val="000000"/>
-                </a:solidFill>
-                <a:latin typeface="Calibri" panose="020F0502020204030204" pitchFamily="34" charset="0"/>
-                <a:cs typeface="Droid Sans Fallback" charset="0"/>
-              </a:defRPr>
-            </a:lvl6pPr>
-            <a:lvl7pPr marL="2971800" indent="-228600" defTabSz="449263" eaLnBrk="0" fontAlgn="base" hangingPunct="0">
-              <a:lnSpc>
-                <a:spcPct val="90000"/>
-              </a:lnSpc>
-              <a:spcBef>
-                <a:spcPts val="500"/>
-              </a:spcBef>
-              <a:spcAft>
-                <a:spcPct val="0"/>
-              </a:spcAft>
-              <a:buClr>
-                <a:srgbClr val="000000"/>
-              </a:buClr>
-              <a:buSzPct val="100000"/>
-              <a:buFont typeface="Times New Roman" panose="02020603050405020304" pitchFamily="18" charset="0"/>
-              <a:tabLst>
-                <a:tab pos="0" algn="l"/>
-                <a:tab pos="914400" algn="l"/>
-                <a:tab pos="1828800" algn="l"/>
-                <a:tab pos="2743200" algn="l"/>
-                <a:tab pos="3657600" algn="l"/>
-                <a:tab pos="4572000" algn="l"/>
-                <a:tab pos="5486400" algn="l"/>
-                <a:tab pos="6400800" algn="l"/>
-                <a:tab pos="7315200" algn="l"/>
-                <a:tab pos="8229600" algn="l"/>
-                <a:tab pos="9144000" algn="l"/>
-                <a:tab pos="10058400" algn="l"/>
-              </a:tabLst>
-              <a:defRPr>
-                <a:solidFill>
-                  <a:srgbClr val="000000"/>
-                </a:solidFill>
-                <a:latin typeface="Calibri" panose="020F0502020204030204" pitchFamily="34" charset="0"/>
-                <a:cs typeface="Droid Sans Fallback" charset="0"/>
-              </a:defRPr>
-            </a:lvl7pPr>
-            <a:lvl8pPr marL="3429000" indent="-228600" defTabSz="449263" eaLnBrk="0" fontAlgn="base" hangingPunct="0">
-              <a:lnSpc>
-                <a:spcPct val="90000"/>
-              </a:lnSpc>
-              <a:spcBef>
-                <a:spcPts val="500"/>
-              </a:spcBef>
-              <a:spcAft>
-                <a:spcPct val="0"/>
-              </a:spcAft>
-              <a:buClr>
-                <a:srgbClr val="000000"/>
-              </a:buClr>
-              <a:buSzPct val="100000"/>
-              <a:buFont typeface="Times New Roman" panose="02020603050405020304" pitchFamily="18" charset="0"/>
-              <a:tabLst>
-                <a:tab pos="0" algn="l"/>
-                <a:tab pos="914400" algn="l"/>
-                <a:tab pos="1828800" algn="l"/>
-                <a:tab pos="2743200" algn="l"/>
-                <a:tab pos="3657600" algn="l"/>
-                <a:tab pos="4572000" algn="l"/>
-                <a:tab pos="5486400" algn="l"/>
-                <a:tab pos="6400800" algn="l"/>
-                <a:tab pos="7315200" algn="l"/>
-                <a:tab pos="8229600" algn="l"/>
-                <a:tab pos="9144000" algn="l"/>
-                <a:tab pos="10058400" algn="l"/>
-              </a:tabLst>
-              <a:defRPr>
-                <a:solidFill>
-                  <a:srgbClr val="000000"/>
-                </a:solidFill>
-                <a:latin typeface="Calibri" panose="020F0502020204030204" pitchFamily="34" charset="0"/>
-                <a:cs typeface="Droid Sans Fallback" charset="0"/>
-              </a:defRPr>
-            </a:lvl8pPr>
-            <a:lvl9pPr marL="3886200" indent="-228600" defTabSz="449263" eaLnBrk="0" fontAlgn="base" hangingPunct="0">
-              <a:lnSpc>
-                <a:spcPct val="90000"/>
-              </a:lnSpc>
-              <a:spcBef>
-                <a:spcPts val="500"/>
-              </a:spcBef>
-              <a:spcAft>
-                <a:spcPct val="0"/>
-              </a:spcAft>
-              <a:buClr>
-                <a:srgbClr val="000000"/>
-              </a:buClr>
-              <a:buSzPct val="100000"/>
-              <a:buFont typeface="Times New Roman" panose="02020603050405020304" pitchFamily="18" charset="0"/>
-              <a:tabLst>
-                <a:tab pos="0" algn="l"/>
-                <a:tab pos="914400" algn="l"/>
-                <a:tab pos="1828800" algn="l"/>
-                <a:tab pos="2743200" algn="l"/>
-                <a:tab pos="3657600" algn="l"/>
-                <a:tab pos="4572000" algn="l"/>
-                <a:tab pos="5486400" algn="l"/>
-                <a:tab pos="6400800" algn="l"/>
-                <a:tab pos="7315200" algn="l"/>
-                <a:tab pos="8229600" algn="l"/>
-                <a:tab pos="9144000" algn="l"/>
-                <a:tab pos="10058400" algn="l"/>
-              </a:tabLst>
-              <a:defRPr>
-                <a:solidFill>
-                  <a:srgbClr val="000000"/>
-                </a:solidFill>
-                <a:latin typeface="Calibri" panose="020F0502020204030204" pitchFamily="34" charset="0"/>
-                <a:cs typeface="Droid Sans Fallback" charset="0"/>
-              </a:defRPr>
-            </a:lvl9pPr>
-          </a:lstStyle>
-          <a:p>
-            <a:pPr algn="ctr">
-              <a:lnSpc>
-                <a:spcPct val="100000"/>
-              </a:lnSpc>
-              <a:spcBef>
-                <a:spcPct val="0"/>
-              </a:spcBef>
-              <a:buClrTx/>
-              <a:buFontTx/>
-              <a:buNone/>
-            </a:pPr>
-            <a:r>
-              <a:rPr lang="pt-BR" altLang="pt-BR" sz="1400" b="1" dirty="0">
-                <a:solidFill>
-                  <a:srgbClr val="7F7F7F"/>
-                </a:solidFill>
-                <a:latin typeface="Times New Roman" panose="02020603050405020304" pitchFamily="18" charset="0"/>
-                <a:cs typeface="Times New Roman" panose="02020603050405020304" pitchFamily="18" charset="0"/>
-              </a:rPr>
-              <a:t>Instituto Tecnológico de Aeronáutica</a:t>
-            </a:r>
-          </a:p>
-          <a:p>
-            <a:pPr algn="ctr">
-              <a:lnSpc>
-                <a:spcPct val="100000"/>
-              </a:lnSpc>
-              <a:spcBef>
-                <a:spcPct val="0"/>
-              </a:spcBef>
-              <a:buClrTx/>
-              <a:buFontTx/>
-              <a:buNone/>
-            </a:pPr>
-            <a:r>
-              <a:rPr lang="pt-BR" altLang="pt-BR" sz="1400" b="1" dirty="0">
-                <a:solidFill>
-                  <a:srgbClr val="7F7F7F"/>
-                </a:solidFill>
-                <a:latin typeface="Times New Roman" panose="02020603050405020304" pitchFamily="18" charset="0"/>
-                <a:cs typeface="Times New Roman" panose="02020603050405020304" pitchFamily="18" charset="0"/>
-              </a:rPr>
-              <a:t>Curso de Mestrado Profissionalizante em Engenharia Aeronáutica</a:t>
-            </a:r>
-          </a:p>
-          <a:p>
-            <a:pPr algn="ctr">
-              <a:lnSpc>
-                <a:spcPct val="100000"/>
-              </a:lnSpc>
-              <a:spcBef>
-                <a:spcPct val="0"/>
-              </a:spcBef>
-              <a:buClrTx/>
-              <a:buFontTx/>
-              <a:buNone/>
-            </a:pPr>
-            <a:r>
-              <a:rPr lang="pt-BR" altLang="pt-BR" sz="1400" b="1" dirty="0">
-                <a:solidFill>
-                  <a:srgbClr val="7F7F7F"/>
-                </a:solidFill>
-                <a:latin typeface="Times New Roman" panose="02020603050405020304" pitchFamily="18" charset="0"/>
-                <a:cs typeface="Times New Roman" panose="02020603050405020304" pitchFamily="18" charset="0"/>
-              </a:rPr>
-              <a:t>Programa de Pós-Graduação em Engenharia Aeronáutica e Mecânica</a:t>
-            </a:r>
+            <a:endParaRPr lang="pt-BR"/>
           </a:p>
         </p:txBody>
       </p:sp>
       <p:sp>
         <p:nvSpPr>
-          <p:cNvPr id="10" name="Line 7"/>
+          <p:cNvPr id="2" name="Espaço Reservado para Número de Slide 1"/>
           <p:cNvSpPr>
-            <a:spLocks noChangeShapeType="1"/>
+            <a:spLocks noGrp="1"/>
           </p:cNvSpPr>
-          <p:nvPr/>
+          <p:nvPr>
+            <p:ph type="sldNum" sz="quarter" idx="12"/>
+          </p:nvPr>
         </p:nvSpPr>
-        <p:spPr bwMode="auto">
-          <a:xfrm>
-            <a:off x="507206" y="901215"/>
-            <a:ext cx="8089900" cy="1587"/>
-          </a:xfrm>
-          <a:prstGeom prst="line">
-            <a:avLst/>
-          </a:prstGeom>
-          <a:noFill/>
-          <a:ln w="6480" cap="sq">
-            <a:solidFill>
-              <a:srgbClr val="A5A5A5"/>
-            </a:solidFill>
-            <a:miter lim="800000"/>
-            <a:headEnd/>
-            <a:tailEnd/>
-          </a:ln>
-          <a:effectLst/>
-          <a:extLst>
-            <a:ext uri="{909E8E84-426E-40DD-AFC4-6F175D3DCCD1}">
-              <a14:hiddenFill xmlns:a14="http://schemas.microsoft.com/office/drawing/2010/main">
-                <a:noFill/>
-              </a14:hiddenFill>
-            </a:ext>
-            <a:ext uri="{AF507438-7753-43E0-B8FC-AC1667EBCBE1}">
-              <a14:hiddenEffects xmlns:a14="http://schemas.microsoft.com/office/drawing/2010/main">
-                <a:effectLst>
-                  <a:outerShdw dist="35921" dir="2700000" algn="ctr" rotWithShape="0">
-                    <a:srgbClr val="808080"/>
-                  </a:outerShdw>
-                </a:effectLst>
-              </a14:hiddenEffects>
-            </a:ext>
-          </a:extLst>
-        </p:spPr>
+        <p:spPr/>
         <p:txBody>
           <a:bodyPr/>
           <a:lstStyle/>
           <a:p>
-            <a:endParaRPr lang="pt-BR"/>
-          </a:p>
-        </p:txBody>
-      </p:sp>
-      <p:sp>
-        <p:nvSpPr>
-          <p:cNvPr id="11" name="Line 6"/>
-          <p:cNvSpPr>
-            <a:spLocks noChangeShapeType="1"/>
-          </p:cNvSpPr>
-          <p:nvPr/>
-        </p:nvSpPr>
-        <p:spPr bwMode="auto">
-          <a:xfrm>
-            <a:off x="508000" y="6488113"/>
-            <a:ext cx="8089900" cy="1587"/>
-          </a:xfrm>
-          <a:prstGeom prst="line">
-            <a:avLst/>
-          </a:prstGeom>
-          <a:noFill/>
-          <a:ln w="6480" cap="sq">
-            <a:solidFill>
-              <a:srgbClr val="A5A5A5"/>
-            </a:solidFill>
-            <a:miter lim="800000"/>
-            <a:headEnd/>
-            <a:tailEnd/>
-          </a:ln>
-          <a:effectLst/>
-          <a:extLst>
-            <a:ext uri="{909E8E84-426E-40DD-AFC4-6F175D3DCCD1}">
-              <a14:hiddenFill xmlns:a14="http://schemas.microsoft.com/office/drawing/2010/main">
-                <a:noFill/>
-              </a14:hiddenFill>
-            </a:ext>
-            <a:ext uri="{AF507438-7753-43E0-B8FC-AC1667EBCBE1}">
-              <a14:hiddenEffects xmlns:a14="http://schemas.microsoft.com/office/drawing/2010/main">
-                <a:effectLst>
-                  <a:outerShdw dist="35921" dir="2700000" algn="ctr" rotWithShape="0">
-                    <a:srgbClr val="808080"/>
-                  </a:outerShdw>
-                </a:effectLst>
-              </a14:hiddenEffects>
-            </a:ext>
-          </a:extLst>
-        </p:spPr>
-        <p:txBody>
-          <a:bodyPr/>
-          <a:lstStyle/>
-          <a:p>
-            <a:endParaRPr lang="pt-BR"/>
-          </a:p>
-        </p:txBody>
-      </p:sp>
-      <p:sp>
-        <p:nvSpPr>
-          <p:cNvPr id="12" name="Espaço Reservado para Número de Slide 10"/>
-          <p:cNvSpPr txBox="1">
-            <a:spLocks/>
-          </p:cNvSpPr>
-          <p:nvPr/>
-        </p:nvSpPr>
-        <p:spPr>
-          <a:xfrm>
-            <a:off x="6870700" y="6487179"/>
-            <a:ext cx="2057400" cy="365125"/>
-          </a:xfrm>
-          <a:prstGeom prst="rect">
-            <a:avLst/>
-          </a:prstGeom>
-        </p:spPr>
-        <p:txBody>
-          <a:bodyPr vert="horz" lIns="91440" tIns="45720" rIns="91440" bIns="45720" rtlCol="0" anchor="ctr"/>
-          <a:lstStyle>
-            <a:defPPr>
-              <a:defRPr lang="pt-BR"/>
-            </a:defPPr>
-            <a:lvl1pPr marL="0" algn="r" defTabSz="914400" rtl="0" eaLnBrk="1" latinLnBrk="0" hangingPunct="1">
-              <a:defRPr sz="1200" kern="1200">
-                <a:solidFill>
-                  <a:schemeClr val="tx1">
-                    <a:tint val="75000"/>
-                  </a:schemeClr>
-                </a:solidFill>
-                <a:latin typeface="+mn-lt"/>
-                <a:ea typeface="+mn-ea"/>
-                <a:cs typeface="+mn-cs"/>
-              </a:defRPr>
-            </a:lvl1pPr>
-            <a:lvl2pPr marL="457200" algn="l" defTabSz="914400" rtl="0" eaLnBrk="1" latinLnBrk="0" hangingPunct="1">
-              <a:defRPr sz="1800" kern="1200">
-                <a:solidFill>
-                  <a:schemeClr val="tx1"/>
-                </a:solidFill>
-                <a:latin typeface="+mn-lt"/>
-                <a:ea typeface="+mn-ea"/>
-                <a:cs typeface="+mn-cs"/>
-              </a:defRPr>
-            </a:lvl2pPr>
-            <a:lvl3pPr marL="914400" algn="l" defTabSz="914400" rtl="0" eaLnBrk="1" latinLnBrk="0" hangingPunct="1">
-              <a:defRPr sz="1800" kern="1200">
-                <a:solidFill>
-                  <a:schemeClr val="tx1"/>
-                </a:solidFill>
-                <a:latin typeface="+mn-lt"/>
-                <a:ea typeface="+mn-ea"/>
-                <a:cs typeface="+mn-cs"/>
-              </a:defRPr>
-            </a:lvl3pPr>
-            <a:lvl4pPr marL="1371600" algn="l" defTabSz="914400" rtl="0" eaLnBrk="1" latinLnBrk="0" hangingPunct="1">
-              <a:defRPr sz="1800" kern="1200">
-                <a:solidFill>
-                  <a:schemeClr val="tx1"/>
-                </a:solidFill>
-                <a:latin typeface="+mn-lt"/>
-                <a:ea typeface="+mn-ea"/>
-                <a:cs typeface="+mn-cs"/>
-              </a:defRPr>
-            </a:lvl4pPr>
-            <a:lvl5pPr marL="1828800" algn="l" defTabSz="914400" rtl="0" eaLnBrk="1" latinLnBrk="0" hangingPunct="1">
-              <a:defRPr sz="1800" kern="1200">
-                <a:solidFill>
-                  <a:schemeClr val="tx1"/>
-                </a:solidFill>
-                <a:latin typeface="+mn-lt"/>
-                <a:ea typeface="+mn-ea"/>
-                <a:cs typeface="+mn-cs"/>
-              </a:defRPr>
-            </a:lvl5pPr>
-            <a:lvl6pPr marL="2286000" algn="l" defTabSz="914400" rtl="0" eaLnBrk="1" latinLnBrk="0" hangingPunct="1">
-              <a:defRPr sz="1800" kern="1200">
-                <a:solidFill>
-                  <a:schemeClr val="tx1"/>
-                </a:solidFill>
-                <a:latin typeface="+mn-lt"/>
-                <a:ea typeface="+mn-ea"/>
-                <a:cs typeface="+mn-cs"/>
-              </a:defRPr>
-            </a:lvl6pPr>
-            <a:lvl7pPr marL="2743200" algn="l" defTabSz="914400" rtl="0" eaLnBrk="1" latinLnBrk="0" hangingPunct="1">
-              <a:defRPr sz="1800" kern="1200">
-                <a:solidFill>
-                  <a:schemeClr val="tx1"/>
-                </a:solidFill>
-                <a:latin typeface="+mn-lt"/>
-                <a:ea typeface="+mn-ea"/>
-                <a:cs typeface="+mn-cs"/>
-              </a:defRPr>
-            </a:lvl7pPr>
-            <a:lvl8pPr marL="3200400" algn="l" defTabSz="914400" rtl="0" eaLnBrk="1" latinLnBrk="0" hangingPunct="1">
-              <a:defRPr sz="1800" kern="1200">
-                <a:solidFill>
-                  <a:schemeClr val="tx1"/>
-                </a:solidFill>
-                <a:latin typeface="+mn-lt"/>
-                <a:ea typeface="+mn-ea"/>
-                <a:cs typeface="+mn-cs"/>
-              </a:defRPr>
-            </a:lvl8pPr>
-            <a:lvl9pPr marL="3657600" algn="l" defTabSz="914400" rtl="0" eaLnBrk="1" latinLnBrk="0" hangingPunct="1">
-              <a:defRPr sz="1800" kern="1200">
-                <a:solidFill>
-                  <a:schemeClr val="tx1"/>
-                </a:solidFill>
-                <a:latin typeface="+mn-lt"/>
-                <a:ea typeface="+mn-ea"/>
-                <a:cs typeface="+mn-cs"/>
-              </a:defRPr>
-            </a:lvl9pPr>
-          </a:lstStyle>
-          <a:p>
             <a:fld id="{81005A1F-7AC2-4032-AE25-0D28B304E158}" type="slidenum">
               <a:rPr lang="pt-BR" smtClean="0"/>
-              <a:pPr/>
               <a:t>27</a:t>
             </a:fld>
-            <a:endParaRPr lang="pt-BR" dirty="0"/>
-          </a:p>
-        </p:txBody>
-      </p:sp>
-      <p:sp>
-        <p:nvSpPr>
-          <p:cNvPr id="13" name="Espaço Reservado para Conteúdo 2"/>
-          <p:cNvSpPr txBox="1">
-            <a:spLocks/>
-          </p:cNvSpPr>
-          <p:nvPr/>
-        </p:nvSpPr>
-        <p:spPr>
-          <a:xfrm>
-            <a:off x="507206" y="1685437"/>
-            <a:ext cx="8089900" cy="4735553"/>
-          </a:xfrm>
-          <a:prstGeom prst="rect">
-            <a:avLst/>
-          </a:prstGeom>
-        </p:spPr>
-        <p:txBody>
-          <a:bodyPr vert="horz" lIns="91440" tIns="45720" rIns="91440" bIns="45720" rtlCol="0">
-            <a:normAutofit/>
-          </a:bodyPr>
-          <a:lstStyle>
-            <a:lvl1pPr marL="0" indent="0" algn="ctr" defTabSz="914400" rtl="0" eaLnBrk="1" latinLnBrk="0" hangingPunct="1">
-              <a:lnSpc>
-                <a:spcPct val="90000"/>
-              </a:lnSpc>
-              <a:spcBef>
-                <a:spcPts val="1000"/>
-              </a:spcBef>
-              <a:buFont typeface="Arial" panose="020B0604020202020204" pitchFamily="34" charset="0"/>
-              <a:buNone/>
-              <a:defRPr sz="2400" kern="1200">
-                <a:solidFill>
-                  <a:schemeClr val="tx1"/>
-                </a:solidFill>
-                <a:latin typeface="+mn-lt"/>
-                <a:ea typeface="+mn-ea"/>
-                <a:cs typeface="+mn-cs"/>
-              </a:defRPr>
-            </a:lvl1pPr>
-            <a:lvl2pPr marL="457200" indent="0" algn="ctr" defTabSz="914400" rtl="0" eaLnBrk="1" latinLnBrk="0" hangingPunct="1">
-              <a:lnSpc>
-                <a:spcPct val="90000"/>
-              </a:lnSpc>
-              <a:spcBef>
-                <a:spcPts val="500"/>
-              </a:spcBef>
-              <a:buFont typeface="Arial" panose="020B0604020202020204" pitchFamily="34" charset="0"/>
-              <a:buNone/>
-              <a:defRPr sz="2000" kern="1200">
-                <a:solidFill>
-                  <a:schemeClr val="tx1"/>
-                </a:solidFill>
-                <a:latin typeface="+mn-lt"/>
-                <a:ea typeface="+mn-ea"/>
-                <a:cs typeface="+mn-cs"/>
-              </a:defRPr>
-            </a:lvl2pPr>
-            <a:lvl3pPr marL="914400" indent="0" algn="ctr" defTabSz="914400" rtl="0" eaLnBrk="1" latinLnBrk="0" hangingPunct="1">
-              <a:lnSpc>
-                <a:spcPct val="90000"/>
-              </a:lnSpc>
-              <a:spcBef>
-                <a:spcPts val="500"/>
-              </a:spcBef>
-              <a:buFont typeface="Arial" panose="020B0604020202020204" pitchFamily="34" charset="0"/>
-              <a:buNone/>
-              <a:defRPr sz="1800" kern="1200">
-                <a:solidFill>
-                  <a:schemeClr val="tx1"/>
-                </a:solidFill>
-                <a:latin typeface="+mn-lt"/>
-                <a:ea typeface="+mn-ea"/>
-                <a:cs typeface="+mn-cs"/>
-              </a:defRPr>
-            </a:lvl3pPr>
-            <a:lvl4pPr marL="1371600" indent="0" algn="ctr" defTabSz="914400" rtl="0" eaLnBrk="1" latinLnBrk="0" hangingPunct="1">
-              <a:lnSpc>
-                <a:spcPct val="90000"/>
-              </a:lnSpc>
-              <a:spcBef>
-                <a:spcPts val="500"/>
-              </a:spcBef>
-              <a:buFont typeface="Arial" panose="020B0604020202020204" pitchFamily="34" charset="0"/>
-              <a:buNone/>
-              <a:defRPr sz="1600" kern="1200">
-                <a:solidFill>
-                  <a:schemeClr val="tx1"/>
-                </a:solidFill>
-                <a:latin typeface="+mn-lt"/>
-                <a:ea typeface="+mn-ea"/>
-                <a:cs typeface="+mn-cs"/>
-              </a:defRPr>
-            </a:lvl4pPr>
-            <a:lvl5pPr marL="1828800" indent="0" algn="ctr" defTabSz="914400" rtl="0" eaLnBrk="1" latinLnBrk="0" hangingPunct="1">
-              <a:lnSpc>
-                <a:spcPct val="90000"/>
-              </a:lnSpc>
-              <a:spcBef>
-                <a:spcPts val="500"/>
-              </a:spcBef>
-              <a:buFont typeface="Arial" panose="020B0604020202020204" pitchFamily="34" charset="0"/>
-              <a:buNone/>
-              <a:defRPr sz="1600" kern="1200">
-                <a:solidFill>
-                  <a:schemeClr val="tx1"/>
-                </a:solidFill>
-                <a:latin typeface="+mn-lt"/>
-                <a:ea typeface="+mn-ea"/>
-                <a:cs typeface="+mn-cs"/>
-              </a:defRPr>
-            </a:lvl5pPr>
-            <a:lvl6pPr marL="2286000" indent="0" algn="ctr" defTabSz="914400" rtl="0" eaLnBrk="1" latinLnBrk="0" hangingPunct="1">
-              <a:lnSpc>
-                <a:spcPct val="90000"/>
-              </a:lnSpc>
-              <a:spcBef>
-                <a:spcPts val="500"/>
-              </a:spcBef>
-              <a:buFont typeface="Arial" panose="020B0604020202020204" pitchFamily="34" charset="0"/>
-              <a:buNone/>
-              <a:defRPr sz="1600" kern="1200">
-                <a:solidFill>
-                  <a:schemeClr val="tx1"/>
-                </a:solidFill>
-                <a:latin typeface="+mn-lt"/>
-                <a:ea typeface="+mn-ea"/>
-                <a:cs typeface="+mn-cs"/>
-              </a:defRPr>
-            </a:lvl6pPr>
-            <a:lvl7pPr marL="2743200" indent="0" algn="ctr" defTabSz="914400" rtl="0" eaLnBrk="1" latinLnBrk="0" hangingPunct="1">
-              <a:lnSpc>
-                <a:spcPct val="90000"/>
-              </a:lnSpc>
-              <a:spcBef>
-                <a:spcPts val="500"/>
-              </a:spcBef>
-              <a:buFont typeface="Arial" panose="020B0604020202020204" pitchFamily="34" charset="0"/>
-              <a:buNone/>
-              <a:defRPr sz="1600" kern="1200">
-                <a:solidFill>
-                  <a:schemeClr val="tx1"/>
-                </a:solidFill>
-                <a:latin typeface="+mn-lt"/>
-                <a:ea typeface="+mn-ea"/>
-                <a:cs typeface="+mn-cs"/>
-              </a:defRPr>
-            </a:lvl7pPr>
-            <a:lvl8pPr marL="3200400" indent="0" algn="ctr" defTabSz="914400" rtl="0" eaLnBrk="1" latinLnBrk="0" hangingPunct="1">
-              <a:lnSpc>
-                <a:spcPct val="90000"/>
-              </a:lnSpc>
-              <a:spcBef>
-                <a:spcPts val="500"/>
-              </a:spcBef>
-              <a:buFont typeface="Arial" panose="020B0604020202020204" pitchFamily="34" charset="0"/>
-              <a:buNone/>
-              <a:defRPr sz="1600" kern="1200">
-                <a:solidFill>
-                  <a:schemeClr val="tx1"/>
-                </a:solidFill>
-                <a:latin typeface="+mn-lt"/>
-                <a:ea typeface="+mn-ea"/>
-                <a:cs typeface="+mn-cs"/>
-              </a:defRPr>
-            </a:lvl8pPr>
-            <a:lvl9pPr marL="3657600" indent="0" algn="ctr" defTabSz="914400" rtl="0" eaLnBrk="1" latinLnBrk="0" hangingPunct="1">
-              <a:lnSpc>
-                <a:spcPct val="90000"/>
-              </a:lnSpc>
-              <a:spcBef>
-                <a:spcPts val="500"/>
-              </a:spcBef>
-              <a:buFont typeface="Arial" panose="020B0604020202020204" pitchFamily="34" charset="0"/>
-              <a:buNone/>
-              <a:defRPr sz="1600" kern="1200">
-                <a:solidFill>
-                  <a:schemeClr val="tx1"/>
-                </a:solidFill>
-                <a:latin typeface="+mn-lt"/>
-                <a:ea typeface="+mn-ea"/>
-                <a:cs typeface="+mn-cs"/>
-              </a:defRPr>
-            </a:lvl9pPr>
-          </a:lstStyle>
-          <a:p>
-            <a:endParaRPr lang="pt-BR" sz="2000" dirty="0"/>
-          </a:p>
-          <a:p>
-            <a:endParaRPr lang="pt-BR" sz="1600" i="1" dirty="0">
-              <a:solidFill>
-                <a:prstClr val="black"/>
-              </a:solidFill>
-              <a:latin typeface="Cambria Math" panose="02040503050406030204" pitchFamily="18" charset="0"/>
-            </a:endParaRPr>
-          </a:p>
-          <a:p>
-            <a:endParaRPr lang="pt-BR" sz="1600" i="1" dirty="0">
-              <a:solidFill>
-                <a:prstClr val="black"/>
-              </a:solidFill>
-              <a:latin typeface="Cambria Math" panose="02040503050406030204" pitchFamily="18" charset="0"/>
-            </a:endParaRPr>
-          </a:p>
-          <a:p>
-            <a:endParaRPr lang="pt-BR" sz="1600" i="1" dirty="0">
-              <a:solidFill>
-                <a:prstClr val="black"/>
-              </a:solidFill>
-              <a:latin typeface="Cambria Math" panose="02040503050406030204" pitchFamily="18" charset="0"/>
-            </a:endParaRPr>
-          </a:p>
-          <a:p>
-            <a:endParaRPr lang="pt-BR" sz="1600" i="1" dirty="0">
-              <a:solidFill>
-                <a:prstClr val="black"/>
-              </a:solidFill>
-              <a:latin typeface="Cambria Math" panose="02040503050406030204" pitchFamily="18" charset="0"/>
-            </a:endParaRPr>
-          </a:p>
-          <a:p>
-            <a:endParaRPr lang="pt-BR" sz="800" dirty="0">
-              <a:solidFill>
-                <a:prstClr val="black"/>
-              </a:solidFill>
-            </a:endParaRPr>
+            <a:endParaRPr lang="pt-BR"/>
           </a:p>
         </p:txBody>
       </p:sp>
@@ -32868,7 +25390,7 @@
         </p:blipFill>
         <p:spPr>
           <a:xfrm>
-            <a:off x="2406116" y="2870422"/>
+            <a:off x="3407981" y="2870422"/>
             <a:ext cx="2288348" cy="1473160"/>
           </a:xfrm>
           <a:prstGeom prst="rect">
@@ -33327,234 +25849,6 @@
                 <a:blip r:embed="rId6"/>
                 <a:stretch>
                   <a:fillRect b="-1190"/>
-                </a:stretch>
-              </a:blipFill>
-            </p:spPr>
-            <p:txBody>
-              <a:bodyPr/>
-              <a:lstStyle/>
-              <a:p>
-                <a:r>
-                  <a:rPr lang="pt-BR">
-                    <a:noFill/>
-                  </a:rPr>
-                  <a:t> </a:t>
-                </a:r>
-              </a:p>
-            </p:txBody>
-          </p:sp>
-        </mc:Fallback>
-      </mc:AlternateContent>
-      <mc:AlternateContent xmlns:mc="http://schemas.openxmlformats.org/markup-compatibility/2006">
-        <mc:Choice xmlns:a14="http://schemas.microsoft.com/office/drawing/2010/main" Requires="a14">
-          <p:sp>
-            <p:nvSpPr>
-              <p:cNvPr id="13" name="Retângulo 12"/>
-              <p:cNvSpPr/>
-              <p:nvPr/>
-            </p:nvSpPr>
-            <p:spPr>
-              <a:xfrm>
-                <a:off x="5054415" y="3345392"/>
-                <a:ext cx="1060913" cy="523220"/>
-              </a:xfrm>
-              <a:prstGeom prst="rect">
-                <a:avLst/>
-              </a:prstGeom>
-            </p:spPr>
-            <p:txBody>
-              <a:bodyPr wrap="square">
-                <a:spAutoFit/>
-              </a:bodyPr>
-              <a:lstStyle/>
-              <a:p>
-                <a:pPr lvl="0"/>
-                <a14:m>
-                  <m:oMathPara xmlns:m="http://schemas.openxmlformats.org/officeDocument/2006/math">
-                    <m:oMathParaPr>
-                      <m:jc m:val="centerGroup"/>
-                    </m:oMathParaPr>
-                    <m:oMath xmlns:m="http://schemas.openxmlformats.org/officeDocument/2006/math">
-                      <m:r>
-                        <a:rPr lang="pt-BR" sz="1400" b="0" i="1" smtClean="0">
-                          <a:solidFill>
-                            <a:schemeClr val="tx1"/>
-                          </a:solidFill>
-                          <a:latin typeface="Cambria Math" panose="02040503050406030204" pitchFamily="18" charset="0"/>
-                        </a:rPr>
-                        <m:t>𝑝</m:t>
-                      </m:r>
-                      <m:r>
-                        <a:rPr lang="pt-BR" sz="1400" b="0" i="1" smtClean="0">
-                          <a:solidFill>
-                            <a:schemeClr val="tx1"/>
-                          </a:solidFill>
-                          <a:latin typeface="Cambria Math" panose="02040503050406030204" pitchFamily="18" charset="0"/>
-                        </a:rPr>
-                        <m:t>=</m:t>
-                      </m:r>
-                      <m:acc>
-                        <m:accPr>
-                          <m:chr m:val="̅"/>
-                          <m:ctrlPr>
-                            <a:rPr lang="pt-BR" sz="1400" b="0" i="1" smtClean="0">
-                              <a:solidFill>
-                                <a:schemeClr val="tx1"/>
-                              </a:solidFill>
-                              <a:latin typeface="Cambria Math" panose="02040503050406030204" pitchFamily="18" charset="0"/>
-                            </a:rPr>
-                          </m:ctrlPr>
-                        </m:accPr>
-                        <m:e>
-                          <m:r>
-                            <a:rPr lang="pt-BR" sz="1400" b="0" i="1" smtClean="0">
-                              <a:solidFill>
-                                <a:schemeClr val="tx1"/>
-                              </a:solidFill>
-                              <a:latin typeface="Cambria Math" panose="02040503050406030204" pitchFamily="18" charset="0"/>
-                            </a:rPr>
-                            <m:t>𝑝</m:t>
-                          </m:r>
-                        </m:e>
-                      </m:acc>
-                      <m:r>
-                        <a:rPr lang="pt-BR" sz="1400" b="0" i="1" smtClean="0">
-                          <a:solidFill>
-                            <a:schemeClr val="tx1"/>
-                          </a:solidFill>
-                          <a:latin typeface="Cambria Math" panose="02040503050406030204" pitchFamily="18" charset="0"/>
-                        </a:rPr>
-                        <m:t>+</m:t>
-                      </m:r>
-                      <m:acc>
-                        <m:accPr>
-                          <m:chr m:val="̃"/>
-                          <m:ctrlPr>
-                            <a:rPr lang="pt-BR" sz="1400" b="0" i="1" smtClean="0">
-                              <a:solidFill>
-                                <a:schemeClr val="tx1"/>
-                              </a:solidFill>
-                              <a:latin typeface="Cambria Math" panose="02040503050406030204" pitchFamily="18" charset="0"/>
-                            </a:rPr>
-                          </m:ctrlPr>
-                        </m:accPr>
-                        <m:e>
-                          <m:r>
-                            <a:rPr lang="pt-BR" sz="1400" b="0" i="1" smtClean="0">
-                              <a:solidFill>
-                                <a:schemeClr val="tx1"/>
-                              </a:solidFill>
-                              <a:latin typeface="Cambria Math" panose="02040503050406030204" pitchFamily="18" charset="0"/>
-                            </a:rPr>
-                            <m:t>𝑝</m:t>
-                          </m:r>
-                        </m:e>
-                      </m:acc>
-                    </m:oMath>
-                  </m:oMathPara>
-                </a14:m>
-                <a:endParaRPr lang="pt-BR" sz="1400" b="0" i="1" dirty="0">
-                  <a:solidFill>
-                    <a:schemeClr val="tx1"/>
-                  </a:solidFill>
-                  <a:latin typeface="Cambria Math" panose="02040503050406030204" pitchFamily="18" charset="0"/>
-                </a:endParaRPr>
-              </a:p>
-              <a:p>
-                <a:pPr lvl="0"/>
-                <a14:m>
-                  <m:oMathPara xmlns:m="http://schemas.openxmlformats.org/officeDocument/2006/math">
-                    <m:oMathParaPr>
-                      <m:jc m:val="centerGroup"/>
-                    </m:oMathParaPr>
-                    <m:oMath xmlns:m="http://schemas.openxmlformats.org/officeDocument/2006/math">
-                      <m:r>
-                        <a:rPr lang="pt-BR" sz="1400" b="0" i="1" smtClean="0">
-                          <a:latin typeface="Cambria Math" panose="02040503050406030204" pitchFamily="18" charset="0"/>
-                        </a:rPr>
-                        <m:t>𝑞</m:t>
-                      </m:r>
-                      <m:r>
-                        <a:rPr lang="pt-BR" sz="1400" i="1">
-                          <a:latin typeface="Cambria Math" panose="02040503050406030204" pitchFamily="18" charset="0"/>
-                        </a:rPr>
-                        <m:t>=</m:t>
-                      </m:r>
-                      <m:acc>
-                        <m:accPr>
-                          <m:chr m:val="̅"/>
-                          <m:ctrlPr>
-                            <a:rPr lang="pt-BR" sz="1400" i="1">
-                              <a:latin typeface="Cambria Math" panose="02040503050406030204" pitchFamily="18" charset="0"/>
-                            </a:rPr>
-                          </m:ctrlPr>
-                        </m:accPr>
-                        <m:e>
-                          <m:r>
-                            <a:rPr lang="pt-BR" sz="1400" b="0" i="1" smtClean="0">
-                              <a:latin typeface="Cambria Math" panose="02040503050406030204" pitchFamily="18" charset="0"/>
-                            </a:rPr>
-                            <m:t>𝑞</m:t>
-                          </m:r>
-                        </m:e>
-                      </m:acc>
-                      <m:r>
-                        <a:rPr lang="pt-BR" sz="1400" i="1">
-                          <a:latin typeface="Cambria Math" panose="02040503050406030204" pitchFamily="18" charset="0"/>
-                        </a:rPr>
-                        <m:t>+</m:t>
-                      </m:r>
-                      <m:acc>
-                        <m:accPr>
-                          <m:chr m:val="̃"/>
-                          <m:ctrlPr>
-                            <a:rPr lang="pt-BR" sz="1400" i="1">
-                              <a:latin typeface="Cambria Math" panose="02040503050406030204" pitchFamily="18" charset="0"/>
-                            </a:rPr>
-                          </m:ctrlPr>
-                        </m:accPr>
-                        <m:e>
-                          <m:r>
-                            <a:rPr lang="pt-BR" sz="1400" b="0" i="1" smtClean="0">
-                              <a:latin typeface="Cambria Math" panose="02040503050406030204" pitchFamily="18" charset="0"/>
-                            </a:rPr>
-                            <m:t>𝑞</m:t>
-                          </m:r>
-                        </m:e>
-                      </m:acc>
-                    </m:oMath>
-                  </m:oMathPara>
-                </a14:m>
-                <a:endParaRPr lang="pt-BR" sz="1400" b="0" dirty="0">
-                  <a:solidFill>
-                    <a:schemeClr val="tx1"/>
-                  </a:solidFill>
-                </a:endParaRPr>
-              </a:p>
-            </p:txBody>
-          </p:sp>
-        </mc:Choice>
-        <mc:Fallback>
-          <p:sp>
-            <p:nvSpPr>
-              <p:cNvPr id="13" name="Retângulo 12"/>
-              <p:cNvSpPr>
-                <a:spLocks noRot="1" noChangeAspect="1" noMove="1" noResize="1" noEditPoints="1" noAdjustHandles="1" noChangeArrowheads="1" noChangeShapeType="1" noTextEdit="1"/>
-              </p:cNvSpPr>
-              <p:nvPr/>
-            </p:nvSpPr>
-            <p:spPr>
-              <a:xfrm>
-                <a:off x="5054415" y="3345392"/>
-                <a:ext cx="1060913" cy="523220"/>
-              </a:xfrm>
-              <a:prstGeom prst="rect">
-                <a:avLst/>
-              </a:prstGeom>
-              <a:blipFill>
-                <a:blip r:embed="rId7"/>
-                <a:stretch>
-                  <a:fillRect r="-11494"/>
                 </a:stretch>
               </a:blipFill>
             </p:spPr>
